--- a/docs/figures/os1.pptx
+++ b/docs/figures/os1.pptx
@@ -5,14 +5,15 @@
     <p:sldMasterId id="2147483648" r:id="rId1"/>
   </p:sldMasterIdLst>
   <p:notesMasterIdLst>
-    <p:notesMasterId r:id="rId7"/>
+    <p:notesMasterId r:id="rId8"/>
   </p:notesMasterIdLst>
   <p:sldIdLst>
     <p:sldId id="331" r:id="rId2"/>
     <p:sldId id="334" r:id="rId3"/>
     <p:sldId id="335" r:id="rId4"/>
-    <p:sldId id="332" r:id="rId5"/>
-    <p:sldId id="333" r:id="rId6"/>
+    <p:sldId id="336" r:id="rId5"/>
+    <p:sldId id="332" r:id="rId6"/>
+    <p:sldId id="333" r:id="rId7"/>
   </p:sldIdLst>
   <p:sldSz cx="12192000" cy="6858000"/>
   <p:notesSz cx="6858000" cy="9144000"/>
@@ -111,6 +112,11 @@
       </a:defRPr>
     </a:lvl9pPr>
   </p:defaultTextStyle>
+  <p:extLst>
+    <p:ext uri="{EFAFB233-063F-42B5-8137-9DF3F51BA10A}">
+      <p15:sldGuideLst xmlns:p15="http://schemas.microsoft.com/office/powerpoint/2012/main"/>
+    </p:ext>
+  </p:extLst>
 </p:presentation>
 </file>
 
@@ -196,7 +202,7 @@
           <a:p>
             <a:fld id="{2EFFAEC8-D018-F645-91F8-523BBA3A2E09}" type="datetimeFigureOut">
               <a:rPr lang="en-US" smtClean="0"/>
-              <a:t>2/23/22</a:t>
+              <a:t>3/14/22</a:t>
             </a:fld>
             <a:endParaRPr lang="en-US"/>
           </a:p>
@@ -790,7 +796,7 @@
     </p:spTree>
     <p:extLst>
       <p:ext uri="{BB962C8B-B14F-4D97-AF65-F5344CB8AC3E}">
-        <p14:creationId xmlns:p14="http://schemas.microsoft.com/office/powerpoint/2010/main" val="1398693450"/>
+        <p14:creationId xmlns:p14="http://schemas.microsoft.com/office/powerpoint/2010/main" val="4051569613"/>
       </p:ext>
     </p:extLst>
   </p:cSld>
@@ -866,6 +872,90 @@
             <a:fld id="{997274CE-51E2-314F-8544-5E91EE33A09F}" type="slidenum">
               <a:rPr lang="en-US" smtClean="0"/>
               <a:t>5</a:t>
+            </a:fld>
+            <a:endParaRPr lang="en-US"/>
+          </a:p>
+        </p:txBody>
+      </p:sp>
+    </p:spTree>
+    <p:extLst>
+      <p:ext uri="{BB962C8B-B14F-4D97-AF65-F5344CB8AC3E}">
+        <p14:creationId xmlns:p14="http://schemas.microsoft.com/office/powerpoint/2010/main" val="1398693450"/>
+      </p:ext>
+    </p:extLst>
+  </p:cSld>
+  <p:clrMapOvr>
+    <a:masterClrMapping/>
+  </p:clrMapOvr>
+</p:notes>
+</file>
+
+<file path=ppt/notesSlides/notesSlide6.xml><?xml version="1.0" encoding="utf-8"?>
+<p:notes xmlns:a="http://schemas.openxmlformats.org/drawingml/2006/main" xmlns:r="http://schemas.openxmlformats.org/officeDocument/2006/relationships" xmlns:p="http://schemas.openxmlformats.org/presentationml/2006/main">
+  <p:cSld>
+    <p:spTree>
+      <p:nvGrpSpPr>
+        <p:cNvPr id="1" name=""/>
+        <p:cNvGrpSpPr/>
+        <p:nvPr/>
+      </p:nvGrpSpPr>
+      <p:grpSpPr>
+        <a:xfrm>
+          <a:off x="0" y="0"/>
+          <a:ext cx="0" cy="0"/>
+          <a:chOff x="0" y="0"/>
+          <a:chExt cx="0" cy="0"/>
+        </a:xfrm>
+      </p:grpSpPr>
+      <p:sp>
+        <p:nvSpPr>
+          <p:cNvPr id="2" name="Slide Image Placeholder 1"/>
+          <p:cNvSpPr>
+            <a:spLocks noGrp="1" noRot="1" noChangeAspect="1"/>
+          </p:cNvSpPr>
+          <p:nvPr>
+            <p:ph type="sldImg"/>
+          </p:nvPr>
+        </p:nvSpPr>
+        <p:spPr/>
+      </p:sp>
+      <p:sp>
+        <p:nvSpPr>
+          <p:cNvPr id="3" name="Notes Placeholder 2"/>
+          <p:cNvSpPr>
+            <a:spLocks noGrp="1"/>
+          </p:cNvSpPr>
+          <p:nvPr>
+            <p:ph type="body" idx="1"/>
+          </p:nvPr>
+        </p:nvSpPr>
+        <p:spPr/>
+        <p:txBody>
+          <a:bodyPr/>
+          <a:lstStyle/>
+          <a:p>
+            <a:endParaRPr lang="en-US" dirty="0"/>
+          </a:p>
+        </p:txBody>
+      </p:sp>
+      <p:sp>
+        <p:nvSpPr>
+          <p:cNvPr id="4" name="Slide Number Placeholder 3"/>
+          <p:cNvSpPr>
+            <a:spLocks noGrp="1"/>
+          </p:cNvSpPr>
+          <p:nvPr>
+            <p:ph type="sldNum" sz="quarter" idx="5"/>
+          </p:nvPr>
+        </p:nvSpPr>
+        <p:spPr/>
+        <p:txBody>
+          <a:bodyPr/>
+          <a:lstStyle/>
+          <a:p>
+            <a:fld id="{997274CE-51E2-314F-8544-5E91EE33A09F}" type="slidenum">
+              <a:rPr lang="en-US" smtClean="0"/>
+              <a:t>6</a:t>
             </a:fld>
             <a:endParaRPr lang="en-US"/>
           </a:p>
@@ -1033,7 +1123,7 @@
           <a:p>
             <a:fld id="{19461545-4337-D04F-96C2-94803B0B0F81}" type="datetimeFigureOut">
               <a:rPr lang="en-US" smtClean="0"/>
-              <a:t>2/23/22</a:t>
+              <a:t>3/14/22</a:t>
             </a:fld>
             <a:endParaRPr lang="en-US"/>
           </a:p>
@@ -1233,7 +1323,7 @@
           <a:p>
             <a:fld id="{19461545-4337-D04F-96C2-94803B0B0F81}" type="datetimeFigureOut">
               <a:rPr lang="en-US" smtClean="0"/>
-              <a:t>2/23/22</a:t>
+              <a:t>3/14/22</a:t>
             </a:fld>
             <a:endParaRPr lang="en-US"/>
           </a:p>
@@ -1443,7 +1533,7 @@
           <a:p>
             <a:fld id="{19461545-4337-D04F-96C2-94803B0B0F81}" type="datetimeFigureOut">
               <a:rPr lang="en-US" smtClean="0"/>
-              <a:t>2/23/22</a:t>
+              <a:t>3/14/22</a:t>
             </a:fld>
             <a:endParaRPr lang="en-US"/>
           </a:p>
@@ -1678,7 +1768,7 @@
           <a:p>
             <a:fld id="{19461545-4337-D04F-96C2-94803B0B0F81}" type="datetimeFigureOut">
               <a:rPr lang="en-US" smtClean="0"/>
-              <a:t>2/23/22</a:t>
+              <a:t>3/14/22</a:t>
             </a:fld>
             <a:endParaRPr lang="en-US"/>
           </a:p>
@@ -1954,7 +2044,7 @@
           <a:p>
             <a:fld id="{19461545-4337-D04F-96C2-94803B0B0F81}" type="datetimeFigureOut">
               <a:rPr lang="en-US" smtClean="0"/>
-              <a:t>2/23/22</a:t>
+              <a:t>3/14/22</a:t>
             </a:fld>
             <a:endParaRPr lang="en-US"/>
           </a:p>
@@ -2222,7 +2312,7 @@
           <a:p>
             <a:fld id="{19461545-4337-D04F-96C2-94803B0B0F81}" type="datetimeFigureOut">
               <a:rPr lang="en-US" smtClean="0"/>
-              <a:t>2/23/22</a:t>
+              <a:t>3/14/22</a:t>
             </a:fld>
             <a:endParaRPr lang="en-US"/>
           </a:p>
@@ -2637,7 +2727,7 @@
           <a:p>
             <a:fld id="{19461545-4337-D04F-96C2-94803B0B0F81}" type="datetimeFigureOut">
               <a:rPr lang="en-US" smtClean="0"/>
-              <a:t>2/23/22</a:t>
+              <a:t>3/14/22</a:t>
             </a:fld>
             <a:endParaRPr lang="en-US"/>
           </a:p>
@@ -2779,7 +2869,7 @@
           <a:p>
             <a:fld id="{19461545-4337-D04F-96C2-94803B0B0F81}" type="datetimeFigureOut">
               <a:rPr lang="en-US" smtClean="0"/>
-              <a:t>2/23/22</a:t>
+              <a:t>3/14/22</a:t>
             </a:fld>
             <a:endParaRPr lang="en-US"/>
           </a:p>
@@ -2892,7 +2982,7 @@
           <a:p>
             <a:fld id="{19461545-4337-D04F-96C2-94803B0B0F81}" type="datetimeFigureOut">
               <a:rPr lang="en-US" smtClean="0"/>
-              <a:t>2/23/22</a:t>
+              <a:t>3/14/22</a:t>
             </a:fld>
             <a:endParaRPr lang="en-US"/>
           </a:p>
@@ -3205,7 +3295,7 @@
           <a:p>
             <a:fld id="{19461545-4337-D04F-96C2-94803B0B0F81}" type="datetimeFigureOut">
               <a:rPr lang="en-US" smtClean="0"/>
-              <a:t>2/23/22</a:t>
+              <a:t>3/14/22</a:t>
             </a:fld>
             <a:endParaRPr lang="en-US"/>
           </a:p>
@@ -3494,7 +3584,7 @@
           <a:p>
             <a:fld id="{19461545-4337-D04F-96C2-94803B0B0F81}" type="datetimeFigureOut">
               <a:rPr lang="en-US" smtClean="0"/>
-              <a:t>2/23/22</a:t>
+              <a:t>3/14/22</a:t>
             </a:fld>
             <a:endParaRPr lang="en-US"/>
           </a:p>
@@ -3737,7 +3827,7 @@
           <a:p>
             <a:fld id="{19461545-4337-D04F-96C2-94803B0B0F81}" type="datetimeFigureOut">
               <a:rPr lang="en-US" smtClean="0"/>
-              <a:t>2/23/22</a:t>
+              <a:t>3/14/22</a:t>
             </a:fld>
             <a:endParaRPr lang="en-US"/>
           </a:p>
@@ -8544,6 +8634,55 @@
       </p:grpSpPr>
       <p:sp>
         <p:nvSpPr>
+          <p:cNvPr id="8" name="Rectangle 7">
+            <a:extLst>
+              <a:ext uri="{FF2B5EF4-FFF2-40B4-BE49-F238E27FC236}">
+                <a16:creationId xmlns:a16="http://schemas.microsoft.com/office/drawing/2014/main" id="{E01611A9-961B-C842-BBB8-030BDC326EAE}"/>
+              </a:ext>
+            </a:extLst>
+          </p:cNvPr>
+          <p:cNvSpPr/>
+          <p:nvPr/>
+        </p:nvSpPr>
+        <p:spPr>
+          <a:xfrm>
+            <a:off x="6634654" y="1395246"/>
+            <a:ext cx="1650124" cy="4067503"/>
+          </a:xfrm>
+          <a:prstGeom prst="rect">
+            <a:avLst/>
+          </a:prstGeom>
+          <a:solidFill>
+            <a:schemeClr val="tx1"/>
+          </a:solidFill>
+        </p:spPr>
+        <p:style>
+          <a:lnRef idx="2">
+            <a:schemeClr val="accent1">
+              <a:shade val="50000"/>
+            </a:schemeClr>
+          </a:lnRef>
+          <a:fillRef idx="1">
+            <a:schemeClr val="accent1"/>
+          </a:fillRef>
+          <a:effectRef idx="0">
+            <a:schemeClr val="accent1"/>
+          </a:effectRef>
+          <a:fontRef idx="minor">
+            <a:schemeClr val="lt1"/>
+          </a:fontRef>
+        </p:style>
+        <p:txBody>
+          <a:bodyPr rtlCol="0" anchor="ctr"/>
+          <a:lstStyle/>
+          <a:p>
+            <a:pPr algn="ctr"/>
+            <a:endParaRPr lang="en-US"/>
+          </a:p>
+        </p:txBody>
+      </p:sp>
+      <p:sp>
+        <p:nvSpPr>
           <p:cNvPr id="2" name="TextBox 1">
             <a:extLst>
               <a:ext uri="{FF2B5EF4-FFF2-40B4-BE49-F238E27FC236}">
@@ -8556,7 +8695,7 @@
         </p:nvSpPr>
         <p:spPr>
           <a:xfrm>
-            <a:off x="1872537" y="343020"/>
+            <a:off x="1872537" y="277843"/>
             <a:ext cx="8446926" cy="707886"/>
           </a:xfrm>
           <a:prstGeom prst="rect">
@@ -8580,7 +8719,1140 @@
                   </a:schemeClr>
                 </a:solidFill>
               </a:rPr>
-              <a:t>Memory Address*</a:t>
+              <a:t>RISC-V Trap Machinery</a:t>
+            </a:r>
+          </a:p>
+        </p:txBody>
+      </p:sp>
+      <p:sp>
+        <p:nvSpPr>
+          <p:cNvPr id="3" name="Rounded Rectangle 2">
+            <a:extLst>
+              <a:ext uri="{FF2B5EF4-FFF2-40B4-BE49-F238E27FC236}">
+                <a16:creationId xmlns:a16="http://schemas.microsoft.com/office/drawing/2014/main" id="{B46D5C1E-5456-5B4C-8A78-DBDC0C1672BA}"/>
+              </a:ext>
+            </a:extLst>
+          </p:cNvPr>
+          <p:cNvSpPr/>
+          <p:nvPr/>
+        </p:nvSpPr>
+        <p:spPr>
+          <a:xfrm>
+            <a:off x="7086599" y="4333019"/>
+            <a:ext cx="746234" cy="704193"/>
+          </a:xfrm>
+          <a:prstGeom prst="roundRect">
+            <a:avLst/>
+          </a:prstGeom>
+        </p:spPr>
+        <p:style>
+          <a:lnRef idx="2">
+            <a:schemeClr val="accent1">
+              <a:shade val="50000"/>
+            </a:schemeClr>
+          </a:lnRef>
+          <a:fillRef idx="1">
+            <a:schemeClr val="accent1"/>
+          </a:fillRef>
+          <a:effectRef idx="0">
+            <a:schemeClr val="accent1"/>
+          </a:effectRef>
+          <a:fontRef idx="minor">
+            <a:schemeClr val="lt1"/>
+          </a:fontRef>
+        </p:style>
+        <p:txBody>
+          <a:bodyPr rtlCol="0" anchor="ctr"/>
+          <a:lstStyle/>
+          <a:p>
+            <a:pPr algn="ctr"/>
+            <a:r>
+              <a:rPr lang="en-US" b="1" dirty="0">
+                <a:solidFill>
+                  <a:schemeClr val="tx1"/>
+                </a:solidFill>
+              </a:rPr>
+              <a:t>stvec</a:t>
+            </a:r>
+          </a:p>
+        </p:txBody>
+      </p:sp>
+      <p:sp>
+        <p:nvSpPr>
+          <p:cNvPr id="4" name="Rounded Rectangle 3">
+            <a:extLst>
+              <a:ext uri="{FF2B5EF4-FFF2-40B4-BE49-F238E27FC236}">
+                <a16:creationId xmlns:a16="http://schemas.microsoft.com/office/drawing/2014/main" id="{2B1EE488-AAD0-3545-BD11-35F17AFB9AA5}"/>
+              </a:ext>
+            </a:extLst>
+          </p:cNvPr>
+          <p:cNvSpPr/>
+          <p:nvPr/>
+        </p:nvSpPr>
+        <p:spPr>
+          <a:xfrm>
+            <a:off x="7086599" y="3065792"/>
+            <a:ext cx="746234" cy="704193"/>
+          </a:xfrm>
+          <a:prstGeom prst="roundRect">
+            <a:avLst/>
+          </a:prstGeom>
+        </p:spPr>
+        <p:style>
+          <a:lnRef idx="2">
+            <a:schemeClr val="accent1">
+              <a:shade val="50000"/>
+            </a:schemeClr>
+          </a:lnRef>
+          <a:fillRef idx="1">
+            <a:schemeClr val="accent1"/>
+          </a:fillRef>
+          <a:effectRef idx="0">
+            <a:schemeClr val="accent1"/>
+          </a:effectRef>
+          <a:fontRef idx="minor">
+            <a:schemeClr val="lt1"/>
+          </a:fontRef>
+        </p:style>
+        <p:txBody>
+          <a:bodyPr rtlCol="0" anchor="ctr"/>
+          <a:lstStyle/>
+          <a:p>
+            <a:pPr algn="ctr"/>
+            <a:r>
+              <a:rPr lang="en-US" b="1" dirty="0">
+                <a:solidFill>
+                  <a:schemeClr val="tx1"/>
+                </a:solidFill>
+              </a:rPr>
+              <a:t>sepc</a:t>
+            </a:r>
+          </a:p>
+        </p:txBody>
+      </p:sp>
+      <p:sp>
+        <p:nvSpPr>
+          <p:cNvPr id="6" name="Rounded Rectangle 5">
+            <a:extLst>
+              <a:ext uri="{FF2B5EF4-FFF2-40B4-BE49-F238E27FC236}">
+                <a16:creationId xmlns:a16="http://schemas.microsoft.com/office/drawing/2014/main" id="{BF5B2C5F-E22C-CF47-A68F-9BAEDA48AA66}"/>
+              </a:ext>
+            </a:extLst>
+          </p:cNvPr>
+          <p:cNvSpPr/>
+          <p:nvPr/>
+        </p:nvSpPr>
+        <p:spPr>
+          <a:xfrm>
+            <a:off x="7086599" y="1798564"/>
+            <a:ext cx="746234" cy="704193"/>
+          </a:xfrm>
+          <a:prstGeom prst="roundRect">
+            <a:avLst/>
+          </a:prstGeom>
+        </p:spPr>
+        <p:style>
+          <a:lnRef idx="2">
+            <a:schemeClr val="accent1">
+              <a:shade val="50000"/>
+            </a:schemeClr>
+          </a:lnRef>
+          <a:fillRef idx="1">
+            <a:schemeClr val="accent1"/>
+          </a:fillRef>
+          <a:effectRef idx="0">
+            <a:schemeClr val="accent1"/>
+          </a:effectRef>
+          <a:fontRef idx="minor">
+            <a:schemeClr val="lt1"/>
+          </a:fontRef>
+        </p:style>
+        <p:txBody>
+          <a:bodyPr rtlCol="0" anchor="ctr"/>
+          <a:lstStyle/>
+          <a:p>
+            <a:pPr algn="ctr"/>
+            <a:r>
+              <a:rPr lang="en-US" sz="1100" b="1" dirty="0">
+                <a:solidFill>
+                  <a:schemeClr val="tx1"/>
+                </a:solidFill>
+              </a:rPr>
+              <a:t>sscratch</a:t>
+            </a:r>
+          </a:p>
+        </p:txBody>
+      </p:sp>
+      <p:sp>
+        <p:nvSpPr>
+          <p:cNvPr id="7" name="Rectangle 6">
+            <a:extLst>
+              <a:ext uri="{FF2B5EF4-FFF2-40B4-BE49-F238E27FC236}">
+                <a16:creationId xmlns:a16="http://schemas.microsoft.com/office/drawing/2014/main" id="{BB1B1B31-2869-2848-BDDF-B63D17CE7D31}"/>
+              </a:ext>
+            </a:extLst>
+          </p:cNvPr>
+          <p:cNvSpPr/>
+          <p:nvPr/>
+        </p:nvSpPr>
+        <p:spPr>
+          <a:xfrm>
+            <a:off x="3410607" y="1395247"/>
+            <a:ext cx="1650124" cy="4067503"/>
+          </a:xfrm>
+          <a:prstGeom prst="rect">
+            <a:avLst/>
+          </a:prstGeom>
+        </p:spPr>
+        <p:style>
+          <a:lnRef idx="2">
+            <a:schemeClr val="accent1">
+              <a:shade val="50000"/>
+            </a:schemeClr>
+          </a:lnRef>
+          <a:fillRef idx="1">
+            <a:schemeClr val="accent1"/>
+          </a:fillRef>
+          <a:effectRef idx="0">
+            <a:schemeClr val="accent1"/>
+          </a:effectRef>
+          <a:fontRef idx="minor">
+            <a:schemeClr val="lt1"/>
+          </a:fontRef>
+        </p:style>
+        <p:txBody>
+          <a:bodyPr rtlCol="0" anchor="ctr"/>
+          <a:lstStyle/>
+          <a:p>
+            <a:pPr algn="ctr"/>
+            <a:endParaRPr lang="en-US" dirty="0"/>
+          </a:p>
+        </p:txBody>
+      </p:sp>
+      <p:sp>
+        <p:nvSpPr>
+          <p:cNvPr id="9" name="Right Arrow 8">
+            <a:extLst>
+              <a:ext uri="{FF2B5EF4-FFF2-40B4-BE49-F238E27FC236}">
+                <a16:creationId xmlns:a16="http://schemas.microsoft.com/office/drawing/2014/main" id="{9F4D6C7F-826E-4740-A4C3-DFC411CCE46F}"/>
+              </a:ext>
+            </a:extLst>
+          </p:cNvPr>
+          <p:cNvSpPr/>
+          <p:nvPr/>
+        </p:nvSpPr>
+        <p:spPr>
+          <a:xfrm>
+            <a:off x="7990488" y="4474218"/>
+            <a:ext cx="746235" cy="447380"/>
+          </a:xfrm>
+          <a:prstGeom prst="rightArrow">
+            <a:avLst/>
+          </a:prstGeom>
+        </p:spPr>
+        <p:style>
+          <a:lnRef idx="2">
+            <a:schemeClr val="accent1">
+              <a:shade val="50000"/>
+            </a:schemeClr>
+          </a:lnRef>
+          <a:fillRef idx="1">
+            <a:schemeClr val="accent1"/>
+          </a:fillRef>
+          <a:effectRef idx="0">
+            <a:schemeClr val="accent1"/>
+          </a:effectRef>
+          <a:fontRef idx="minor">
+            <a:schemeClr val="lt1"/>
+          </a:fontRef>
+        </p:style>
+        <p:txBody>
+          <a:bodyPr rtlCol="0" anchor="ctr"/>
+          <a:lstStyle/>
+          <a:p>
+            <a:pPr algn="ctr"/>
+            <a:r>
+              <a:rPr lang="en-US" b="1" dirty="0">
+                <a:solidFill>
+                  <a:schemeClr val="bg1"/>
+                </a:solidFill>
+              </a:rPr>
+              <a:t>:</a:t>
+            </a:r>
+          </a:p>
+        </p:txBody>
+      </p:sp>
+      <p:sp>
+        <p:nvSpPr>
+          <p:cNvPr id="10" name="TextBox 9">
+            <a:extLst>
+              <a:ext uri="{FF2B5EF4-FFF2-40B4-BE49-F238E27FC236}">
+                <a16:creationId xmlns:a16="http://schemas.microsoft.com/office/drawing/2014/main" id="{09CEADEB-0866-044C-82A9-857ACA54C88B}"/>
+              </a:ext>
+            </a:extLst>
+          </p:cNvPr>
+          <p:cNvSpPr txBox="1"/>
+          <p:nvPr/>
+        </p:nvSpPr>
+        <p:spPr>
+          <a:xfrm>
+            <a:off x="8660524" y="4513242"/>
+            <a:ext cx="2773773" cy="369332"/>
+          </a:xfrm>
+          <a:prstGeom prst="rect">
+            <a:avLst/>
+          </a:prstGeom>
+          <a:noFill/>
+        </p:spPr>
+        <p:txBody>
+          <a:bodyPr wrap="none" rtlCol="0">
+            <a:spAutoFit/>
+          </a:bodyPr>
+          <a:lstStyle/>
+          <a:p>
+            <a:r>
+              <a:rPr lang="en-US" dirty="0"/>
+              <a:t>The address of trap handler</a:t>
+            </a:r>
+          </a:p>
+        </p:txBody>
+      </p:sp>
+      <p:sp>
+        <p:nvSpPr>
+          <p:cNvPr id="11" name="Right Arrow 10">
+            <a:extLst>
+              <a:ext uri="{FF2B5EF4-FFF2-40B4-BE49-F238E27FC236}">
+                <a16:creationId xmlns:a16="http://schemas.microsoft.com/office/drawing/2014/main" id="{4C1C39B9-A896-F94E-94DB-7716D91D2C0D}"/>
+              </a:ext>
+            </a:extLst>
+          </p:cNvPr>
+          <p:cNvSpPr/>
+          <p:nvPr/>
+        </p:nvSpPr>
+        <p:spPr>
+          <a:xfrm>
+            <a:off x="7990488" y="3172617"/>
+            <a:ext cx="746235" cy="447380"/>
+          </a:xfrm>
+          <a:prstGeom prst="rightArrow">
+            <a:avLst/>
+          </a:prstGeom>
+        </p:spPr>
+        <p:style>
+          <a:lnRef idx="2">
+            <a:schemeClr val="accent1">
+              <a:shade val="50000"/>
+            </a:schemeClr>
+          </a:lnRef>
+          <a:fillRef idx="1">
+            <a:schemeClr val="accent1"/>
+          </a:fillRef>
+          <a:effectRef idx="0">
+            <a:schemeClr val="accent1"/>
+          </a:effectRef>
+          <a:fontRef idx="minor">
+            <a:schemeClr val="lt1"/>
+          </a:fontRef>
+        </p:style>
+        <p:txBody>
+          <a:bodyPr rtlCol="0" anchor="ctr"/>
+          <a:lstStyle/>
+          <a:p>
+            <a:pPr algn="ctr"/>
+            <a:r>
+              <a:rPr lang="en-US" b="1" dirty="0">
+                <a:solidFill>
+                  <a:schemeClr val="bg1"/>
+                </a:solidFill>
+              </a:rPr>
+              <a:t>:</a:t>
+            </a:r>
+          </a:p>
+        </p:txBody>
+      </p:sp>
+      <p:sp>
+        <p:nvSpPr>
+          <p:cNvPr id="12" name="TextBox 11">
+            <a:extLst>
+              <a:ext uri="{FF2B5EF4-FFF2-40B4-BE49-F238E27FC236}">
+                <a16:creationId xmlns:a16="http://schemas.microsoft.com/office/drawing/2014/main" id="{786D5513-D9E3-6B4F-9E2F-9AB36CC9C13B}"/>
+              </a:ext>
+            </a:extLst>
+          </p:cNvPr>
+          <p:cNvSpPr txBox="1"/>
+          <p:nvPr/>
+        </p:nvSpPr>
+        <p:spPr>
+          <a:xfrm>
+            <a:off x="8660524" y="3211641"/>
+            <a:ext cx="3180294" cy="369332"/>
+          </a:xfrm>
+          <a:prstGeom prst="rect">
+            <a:avLst/>
+          </a:prstGeom>
+          <a:noFill/>
+        </p:spPr>
+        <p:txBody>
+          <a:bodyPr wrap="none" rtlCol="0">
+            <a:spAutoFit/>
+          </a:bodyPr>
+          <a:lstStyle/>
+          <a:p>
+            <a:r>
+              <a:rPr lang="en-US" dirty="0"/>
+              <a:t>Saves the pc when a trap occurs</a:t>
+            </a:r>
+          </a:p>
+        </p:txBody>
+      </p:sp>
+      <p:sp>
+        <p:nvSpPr>
+          <p:cNvPr id="13" name="Right Arrow 12">
+            <a:extLst>
+              <a:ext uri="{FF2B5EF4-FFF2-40B4-BE49-F238E27FC236}">
+                <a16:creationId xmlns:a16="http://schemas.microsoft.com/office/drawing/2014/main" id="{D66984E3-59CD-504E-BBB8-9CAF96992D3A}"/>
+              </a:ext>
+            </a:extLst>
+          </p:cNvPr>
+          <p:cNvSpPr/>
+          <p:nvPr/>
+        </p:nvSpPr>
+        <p:spPr>
+          <a:xfrm>
+            <a:off x="7990487" y="1917998"/>
+            <a:ext cx="746235" cy="447380"/>
+          </a:xfrm>
+          <a:prstGeom prst="rightArrow">
+            <a:avLst/>
+          </a:prstGeom>
+        </p:spPr>
+        <p:style>
+          <a:lnRef idx="2">
+            <a:schemeClr val="accent1">
+              <a:shade val="50000"/>
+            </a:schemeClr>
+          </a:lnRef>
+          <a:fillRef idx="1">
+            <a:schemeClr val="accent1"/>
+          </a:fillRef>
+          <a:effectRef idx="0">
+            <a:schemeClr val="accent1"/>
+          </a:effectRef>
+          <a:fontRef idx="minor">
+            <a:schemeClr val="lt1"/>
+          </a:fontRef>
+        </p:style>
+        <p:txBody>
+          <a:bodyPr rtlCol="0" anchor="ctr"/>
+          <a:lstStyle/>
+          <a:p>
+            <a:pPr algn="ctr"/>
+            <a:r>
+              <a:rPr lang="en-US" b="1" dirty="0">
+                <a:solidFill>
+                  <a:schemeClr val="bg1"/>
+                </a:solidFill>
+              </a:rPr>
+              <a:t>:</a:t>
+            </a:r>
+          </a:p>
+        </p:txBody>
+      </p:sp>
+      <p:sp>
+        <p:nvSpPr>
+          <p:cNvPr id="14" name="TextBox 13">
+            <a:extLst>
+              <a:ext uri="{FF2B5EF4-FFF2-40B4-BE49-F238E27FC236}">
+                <a16:creationId xmlns:a16="http://schemas.microsoft.com/office/drawing/2014/main" id="{DC7F7521-722E-3C45-BC0F-D78444DD82F7}"/>
+              </a:ext>
+            </a:extLst>
+          </p:cNvPr>
+          <p:cNvSpPr txBox="1"/>
+          <p:nvPr/>
+        </p:nvSpPr>
+        <p:spPr>
+          <a:xfrm>
+            <a:off x="8660523" y="1957022"/>
+            <a:ext cx="3507948" cy="369332"/>
+          </a:xfrm>
+          <a:prstGeom prst="rect">
+            <a:avLst/>
+          </a:prstGeom>
+          <a:noFill/>
+        </p:spPr>
+        <p:txBody>
+          <a:bodyPr wrap="none" rtlCol="0">
+            <a:spAutoFit/>
+          </a:bodyPr>
+          <a:lstStyle/>
+          <a:p>
+            <a:r>
+              <a:rPr lang="en-US" dirty="0"/>
+              <a:t>Temp in handy reg for placing value</a:t>
+            </a:r>
+          </a:p>
+        </p:txBody>
+      </p:sp>
+      <p:sp>
+        <p:nvSpPr>
+          <p:cNvPr id="15" name="Rectangle 14">
+            <a:extLst>
+              <a:ext uri="{FF2B5EF4-FFF2-40B4-BE49-F238E27FC236}">
+                <a16:creationId xmlns:a16="http://schemas.microsoft.com/office/drawing/2014/main" id="{8FB82E55-0DE1-3647-AEDF-29ED7346E3D1}"/>
+              </a:ext>
+            </a:extLst>
+          </p:cNvPr>
+          <p:cNvSpPr/>
+          <p:nvPr/>
+        </p:nvSpPr>
+        <p:spPr>
+          <a:xfrm>
+            <a:off x="3410607" y="1395246"/>
+            <a:ext cx="1650124" cy="334396"/>
+          </a:xfrm>
+          <a:prstGeom prst="rect">
+            <a:avLst/>
+          </a:prstGeom>
+          <a:solidFill>
+            <a:srgbClr val="00B0F0"/>
+          </a:solidFill>
+        </p:spPr>
+        <p:style>
+          <a:lnRef idx="2">
+            <a:schemeClr val="accent1">
+              <a:shade val="50000"/>
+            </a:schemeClr>
+          </a:lnRef>
+          <a:fillRef idx="1">
+            <a:schemeClr val="accent1"/>
+          </a:fillRef>
+          <a:effectRef idx="0">
+            <a:schemeClr val="accent1"/>
+          </a:effectRef>
+          <a:fontRef idx="minor">
+            <a:schemeClr val="lt1"/>
+          </a:fontRef>
+        </p:style>
+        <p:txBody>
+          <a:bodyPr rtlCol="0" anchor="ctr"/>
+          <a:lstStyle/>
+          <a:p>
+            <a:pPr algn="ctr"/>
+            <a:r>
+              <a:rPr lang="en-US" b="1" dirty="0">
+                <a:solidFill>
+                  <a:schemeClr val="bg1"/>
+                </a:solidFill>
+              </a:rPr>
+              <a:t>ecall</a:t>
+            </a:r>
+          </a:p>
+        </p:txBody>
+      </p:sp>
+      <p:sp>
+        <p:nvSpPr>
+          <p:cNvPr id="16" name="Rectangle 15">
+            <a:extLst>
+              <a:ext uri="{FF2B5EF4-FFF2-40B4-BE49-F238E27FC236}">
+                <a16:creationId xmlns:a16="http://schemas.microsoft.com/office/drawing/2014/main" id="{71ED1F91-D7C1-C641-AEA1-4F717BFDCEA6}"/>
+              </a:ext>
+            </a:extLst>
+          </p:cNvPr>
+          <p:cNvSpPr/>
+          <p:nvPr/>
+        </p:nvSpPr>
+        <p:spPr>
+          <a:xfrm>
+            <a:off x="3410607" y="3065792"/>
+            <a:ext cx="1650124" cy="704193"/>
+          </a:xfrm>
+          <a:prstGeom prst="rect">
+            <a:avLst/>
+          </a:prstGeom>
+          <a:solidFill>
+            <a:srgbClr val="00B0F0"/>
+          </a:solidFill>
+        </p:spPr>
+        <p:style>
+          <a:lnRef idx="2">
+            <a:schemeClr val="accent1">
+              <a:shade val="50000"/>
+            </a:schemeClr>
+          </a:lnRef>
+          <a:fillRef idx="1">
+            <a:schemeClr val="accent1"/>
+          </a:fillRef>
+          <a:effectRef idx="0">
+            <a:schemeClr val="accent1"/>
+          </a:effectRef>
+          <a:fontRef idx="minor">
+            <a:schemeClr val="lt1"/>
+          </a:fontRef>
+        </p:style>
+        <p:txBody>
+          <a:bodyPr rtlCol="0" anchor="ctr"/>
+          <a:lstStyle/>
+          <a:p>
+            <a:pPr algn="ctr"/>
+            <a:r>
+              <a:rPr lang="en-US" b="1" dirty="0">
+                <a:solidFill>
+                  <a:schemeClr val="bg1"/>
+                </a:solidFill>
+              </a:rPr>
+              <a:t>2</a:t>
+            </a:r>
+          </a:p>
+          <a:p>
+            <a:pPr algn="ctr"/>
+            <a:r>
+              <a:rPr lang="en-US" sz="1200" dirty="0">
+                <a:solidFill>
+                  <a:schemeClr val="bg1"/>
+                </a:solidFill>
+              </a:rPr>
+              <a:t>Save the $pc in $sepc</a:t>
+            </a:r>
+          </a:p>
+        </p:txBody>
+      </p:sp>
+      <p:sp>
+        <p:nvSpPr>
+          <p:cNvPr id="17" name="Rectangle 16">
+            <a:extLst>
+              <a:ext uri="{FF2B5EF4-FFF2-40B4-BE49-F238E27FC236}">
+                <a16:creationId xmlns:a16="http://schemas.microsoft.com/office/drawing/2014/main" id="{943CBE07-F2D2-2E4E-98E5-A90B1A4B73F1}"/>
+              </a:ext>
+            </a:extLst>
+          </p:cNvPr>
+          <p:cNvSpPr/>
+          <p:nvPr/>
+        </p:nvSpPr>
+        <p:spPr>
+          <a:xfrm>
+            <a:off x="3410607" y="4333019"/>
+            <a:ext cx="1650124" cy="704193"/>
+          </a:xfrm>
+          <a:prstGeom prst="rect">
+            <a:avLst/>
+          </a:prstGeom>
+          <a:solidFill>
+            <a:srgbClr val="00B0F0"/>
+          </a:solidFill>
+        </p:spPr>
+        <p:style>
+          <a:lnRef idx="2">
+            <a:schemeClr val="accent1">
+              <a:shade val="50000"/>
+            </a:schemeClr>
+          </a:lnRef>
+          <a:fillRef idx="1">
+            <a:schemeClr val="accent1"/>
+          </a:fillRef>
+          <a:effectRef idx="0">
+            <a:schemeClr val="accent1"/>
+          </a:effectRef>
+          <a:fontRef idx="minor">
+            <a:schemeClr val="lt1"/>
+          </a:fontRef>
+        </p:style>
+        <p:txBody>
+          <a:bodyPr rtlCol="0" anchor="ctr"/>
+          <a:lstStyle/>
+          <a:p>
+            <a:pPr algn="ctr"/>
+            <a:r>
+              <a:rPr lang="en-US" b="1" dirty="0">
+                <a:solidFill>
+                  <a:schemeClr val="bg1"/>
+                </a:solidFill>
+              </a:rPr>
+              <a:t>3</a:t>
+            </a:r>
+          </a:p>
+          <a:p>
+            <a:pPr algn="ctr"/>
+            <a:r>
+              <a:rPr lang="en-HK" sz="1200" dirty="0">
+                <a:solidFill>
+                  <a:schemeClr val="bg1"/>
+                </a:solidFill>
+              </a:rPr>
+              <a:t>jump to $stvec</a:t>
+            </a:r>
+          </a:p>
+          <a:p>
+            <a:pPr algn="ctr"/>
+            <a:r>
+              <a:rPr lang="en-HK" sz="1200" dirty="0">
+                <a:solidFill>
+                  <a:schemeClr val="bg1"/>
+                </a:solidFill>
+              </a:rPr>
+              <a:t>(i.e., set $pc to $stvec)</a:t>
+            </a:r>
+            <a:endParaRPr lang="en-US" sz="1200" dirty="0">
+              <a:solidFill>
+                <a:schemeClr val="bg1"/>
+              </a:solidFill>
+            </a:endParaRPr>
+          </a:p>
+        </p:txBody>
+      </p:sp>
+      <p:sp>
+        <p:nvSpPr>
+          <p:cNvPr id="18" name="Rectangle 17">
+            <a:extLst>
+              <a:ext uri="{FF2B5EF4-FFF2-40B4-BE49-F238E27FC236}">
+                <a16:creationId xmlns:a16="http://schemas.microsoft.com/office/drawing/2014/main" id="{2DDCFDCF-F9A5-2A42-A8FF-144B102D98F7}"/>
+              </a:ext>
+            </a:extLst>
+          </p:cNvPr>
+          <p:cNvSpPr/>
+          <p:nvPr/>
+        </p:nvSpPr>
+        <p:spPr>
+          <a:xfrm>
+            <a:off x="3410607" y="1798565"/>
+            <a:ext cx="1650124" cy="704193"/>
+          </a:xfrm>
+          <a:prstGeom prst="rect">
+            <a:avLst/>
+          </a:prstGeom>
+          <a:solidFill>
+            <a:srgbClr val="00B0F0"/>
+          </a:solidFill>
+        </p:spPr>
+        <p:style>
+          <a:lnRef idx="2">
+            <a:schemeClr val="accent1">
+              <a:shade val="50000"/>
+            </a:schemeClr>
+          </a:lnRef>
+          <a:fillRef idx="1">
+            <a:schemeClr val="accent1"/>
+          </a:fillRef>
+          <a:effectRef idx="0">
+            <a:schemeClr val="accent1"/>
+          </a:effectRef>
+          <a:fontRef idx="minor">
+            <a:schemeClr val="lt1"/>
+          </a:fontRef>
+        </p:style>
+        <p:txBody>
+          <a:bodyPr rtlCol="0" anchor="ctr"/>
+          <a:lstStyle/>
+          <a:p>
+            <a:pPr algn="ctr"/>
+            <a:r>
+              <a:rPr lang="en-US" b="1" dirty="0">
+                <a:solidFill>
+                  <a:schemeClr val="bg1"/>
+                </a:solidFill>
+              </a:rPr>
+              <a:t>1</a:t>
+            </a:r>
+          </a:p>
+          <a:p>
+            <a:pPr algn="ctr"/>
+            <a:r>
+              <a:rPr lang="en-US" sz="1200" dirty="0">
+                <a:solidFill>
+                  <a:schemeClr val="bg1"/>
+                </a:solidFill>
+              </a:rPr>
+              <a:t>Change mode from user to supervisor</a:t>
+            </a:r>
+          </a:p>
+        </p:txBody>
+      </p:sp>
+      <p:sp>
+        <p:nvSpPr>
+          <p:cNvPr id="19" name="Down Arrow 18">
+            <a:extLst>
+              <a:ext uri="{FF2B5EF4-FFF2-40B4-BE49-F238E27FC236}">
+                <a16:creationId xmlns:a16="http://schemas.microsoft.com/office/drawing/2014/main" id="{7643D34A-338A-DB47-9018-1FF018A73175}"/>
+              </a:ext>
+            </a:extLst>
+          </p:cNvPr>
+          <p:cNvSpPr/>
+          <p:nvPr/>
+        </p:nvSpPr>
+        <p:spPr>
+          <a:xfrm>
+            <a:off x="4099035" y="2502757"/>
+            <a:ext cx="273269" cy="563035"/>
+          </a:xfrm>
+          <a:prstGeom prst="downArrow">
+            <a:avLst/>
+          </a:prstGeom>
+        </p:spPr>
+        <p:style>
+          <a:lnRef idx="2">
+            <a:schemeClr val="accent1">
+              <a:shade val="50000"/>
+            </a:schemeClr>
+          </a:lnRef>
+          <a:fillRef idx="1">
+            <a:schemeClr val="accent1"/>
+          </a:fillRef>
+          <a:effectRef idx="0">
+            <a:schemeClr val="accent1"/>
+          </a:effectRef>
+          <a:fontRef idx="minor">
+            <a:schemeClr val="lt1"/>
+          </a:fontRef>
+        </p:style>
+        <p:txBody>
+          <a:bodyPr rtlCol="0" anchor="ctr"/>
+          <a:lstStyle/>
+          <a:p>
+            <a:pPr algn="ctr"/>
+            <a:endParaRPr lang="en-US"/>
+          </a:p>
+        </p:txBody>
+      </p:sp>
+      <p:sp>
+        <p:nvSpPr>
+          <p:cNvPr id="20" name="Down Arrow 19">
+            <a:extLst>
+              <a:ext uri="{FF2B5EF4-FFF2-40B4-BE49-F238E27FC236}">
+                <a16:creationId xmlns:a16="http://schemas.microsoft.com/office/drawing/2014/main" id="{1A75836E-9161-924D-BEFB-119069C5952B}"/>
+              </a:ext>
+            </a:extLst>
+          </p:cNvPr>
+          <p:cNvSpPr/>
+          <p:nvPr/>
+        </p:nvSpPr>
+        <p:spPr>
+          <a:xfrm>
+            <a:off x="4099035" y="3769983"/>
+            <a:ext cx="273269" cy="563035"/>
+          </a:xfrm>
+          <a:prstGeom prst="downArrow">
+            <a:avLst/>
+          </a:prstGeom>
+        </p:spPr>
+        <p:style>
+          <a:lnRef idx="2">
+            <a:schemeClr val="accent1">
+              <a:shade val="50000"/>
+            </a:schemeClr>
+          </a:lnRef>
+          <a:fillRef idx="1">
+            <a:schemeClr val="accent1"/>
+          </a:fillRef>
+          <a:effectRef idx="0">
+            <a:schemeClr val="accent1"/>
+          </a:effectRef>
+          <a:fontRef idx="minor">
+            <a:schemeClr val="lt1"/>
+          </a:fontRef>
+        </p:style>
+        <p:txBody>
+          <a:bodyPr rtlCol="0" anchor="ctr"/>
+          <a:lstStyle/>
+          <a:p>
+            <a:pPr algn="ctr"/>
+            <a:endParaRPr lang="en-US"/>
+          </a:p>
+        </p:txBody>
+      </p:sp>
+      <p:sp>
+        <p:nvSpPr>
+          <p:cNvPr id="21" name="Rounded Rectangle 20">
+            <a:extLst>
+              <a:ext uri="{FF2B5EF4-FFF2-40B4-BE49-F238E27FC236}">
+                <a16:creationId xmlns:a16="http://schemas.microsoft.com/office/drawing/2014/main" id="{2C8B9C94-4F73-3240-9C2C-A6DC4342BD19}"/>
+              </a:ext>
+            </a:extLst>
+          </p:cNvPr>
+          <p:cNvSpPr/>
+          <p:nvPr/>
+        </p:nvSpPr>
+        <p:spPr>
+          <a:xfrm>
+            <a:off x="859222" y="1088831"/>
+            <a:ext cx="977462" cy="947226"/>
+          </a:xfrm>
+          <a:prstGeom prst="roundRect">
+            <a:avLst/>
+          </a:prstGeom>
+          <a:solidFill>
+            <a:schemeClr val="accent2"/>
+          </a:solidFill>
+          <a:ln>
+            <a:noFill/>
+          </a:ln>
+        </p:spPr>
+        <p:style>
+          <a:lnRef idx="2">
+            <a:schemeClr val="accent1">
+              <a:shade val="50000"/>
+            </a:schemeClr>
+          </a:lnRef>
+          <a:fillRef idx="1">
+            <a:schemeClr val="accent1"/>
+          </a:fillRef>
+          <a:effectRef idx="0">
+            <a:schemeClr val="accent1"/>
+          </a:effectRef>
+          <a:fontRef idx="minor">
+            <a:schemeClr val="lt1"/>
+          </a:fontRef>
+        </p:style>
+        <p:txBody>
+          <a:bodyPr rtlCol="0" anchor="ctr"/>
+          <a:lstStyle/>
+          <a:p>
+            <a:pPr algn="ctr"/>
+            <a:r>
+              <a:rPr lang="en-US" b="1" dirty="0"/>
+              <a:t>User</a:t>
+            </a:r>
+          </a:p>
+        </p:txBody>
+      </p:sp>
+      <p:cxnSp>
+        <p:nvCxnSpPr>
+          <p:cNvPr id="23" name="Straight Arrow Connector 22">
+            <a:extLst>
+              <a:ext uri="{FF2B5EF4-FFF2-40B4-BE49-F238E27FC236}">
+                <a16:creationId xmlns:a16="http://schemas.microsoft.com/office/drawing/2014/main" id="{84CBCE0F-3B16-C34C-BE48-F4EE9731C13D}"/>
+              </a:ext>
+            </a:extLst>
+          </p:cNvPr>
+          <p:cNvCxnSpPr>
+            <a:stCxn id="21" idx="3"/>
+            <a:endCxn id="15" idx="1"/>
+          </p:cNvCxnSpPr>
+          <p:nvPr/>
+        </p:nvCxnSpPr>
+        <p:spPr>
+          <a:xfrm>
+            <a:off x="1836684" y="1562444"/>
+            <a:ext cx="1573923" cy="0"/>
+          </a:xfrm>
+          <a:prstGeom prst="straightConnector1">
+            <a:avLst/>
+          </a:prstGeom>
+          <a:ln>
+            <a:tailEnd type="triangle"/>
+          </a:ln>
+        </p:spPr>
+        <p:style>
+          <a:lnRef idx="1">
+            <a:schemeClr val="accent1"/>
+          </a:lnRef>
+          <a:fillRef idx="0">
+            <a:schemeClr val="accent1"/>
+          </a:fillRef>
+          <a:effectRef idx="0">
+            <a:schemeClr val="accent1"/>
+          </a:effectRef>
+          <a:fontRef idx="minor">
+            <a:schemeClr val="tx1"/>
+          </a:fontRef>
+        </p:style>
+      </p:cxnSp>
+      <p:cxnSp>
+        <p:nvCxnSpPr>
+          <p:cNvPr id="27" name="Straight Arrow Connector 26">
+            <a:extLst>
+              <a:ext uri="{FF2B5EF4-FFF2-40B4-BE49-F238E27FC236}">
+                <a16:creationId xmlns:a16="http://schemas.microsoft.com/office/drawing/2014/main" id="{737824AD-A395-2845-8401-D5143217ECB8}"/>
+              </a:ext>
+            </a:extLst>
+          </p:cNvPr>
+          <p:cNvCxnSpPr>
+            <a:stCxn id="3" idx="1"/>
+            <a:endCxn id="17" idx="3"/>
+          </p:cNvCxnSpPr>
+          <p:nvPr/>
+        </p:nvCxnSpPr>
+        <p:spPr>
+          <a:xfrm flipH="1">
+            <a:off x="5060731" y="4685116"/>
+            <a:ext cx="2025868" cy="0"/>
+          </a:xfrm>
+          <a:prstGeom prst="straightConnector1">
+            <a:avLst/>
+          </a:prstGeom>
+          <a:ln>
+            <a:tailEnd type="triangle"/>
+          </a:ln>
+        </p:spPr>
+        <p:style>
+          <a:lnRef idx="1">
+            <a:schemeClr val="accent1"/>
+          </a:lnRef>
+          <a:fillRef idx="0">
+            <a:schemeClr val="accent1"/>
+          </a:fillRef>
+          <a:effectRef idx="0">
+            <a:schemeClr val="accent1"/>
+          </a:effectRef>
+          <a:fontRef idx="minor">
+            <a:schemeClr val="tx1"/>
+          </a:fontRef>
+        </p:style>
+      </p:cxnSp>
+      <p:cxnSp>
+        <p:nvCxnSpPr>
+          <p:cNvPr id="29" name="Straight Arrow Connector 28">
+            <a:extLst>
+              <a:ext uri="{FF2B5EF4-FFF2-40B4-BE49-F238E27FC236}">
+                <a16:creationId xmlns:a16="http://schemas.microsoft.com/office/drawing/2014/main" id="{8B889F19-8F6D-A04F-B3DE-FCC7671636DE}"/>
+              </a:ext>
+            </a:extLst>
+          </p:cNvPr>
+          <p:cNvCxnSpPr>
+            <a:stCxn id="16" idx="3"/>
+            <a:endCxn id="4" idx="1"/>
+          </p:cNvCxnSpPr>
+          <p:nvPr/>
+        </p:nvCxnSpPr>
+        <p:spPr>
+          <a:xfrm>
+            <a:off x="5060731" y="3417889"/>
+            <a:ext cx="2025868" cy="0"/>
+          </a:xfrm>
+          <a:prstGeom prst="straightConnector1">
+            <a:avLst/>
+          </a:prstGeom>
+          <a:ln>
+            <a:tailEnd type="triangle"/>
+          </a:ln>
+        </p:spPr>
+        <p:style>
+          <a:lnRef idx="1">
+            <a:schemeClr val="accent1"/>
+          </a:lnRef>
+          <a:fillRef idx="0">
+            <a:schemeClr val="accent1"/>
+          </a:fillRef>
+          <a:effectRef idx="0">
+            <a:schemeClr val="accent1"/>
+          </a:effectRef>
+          <a:fontRef idx="minor">
+            <a:schemeClr val="tx1"/>
+          </a:fontRef>
+        </p:style>
+      </p:cxnSp>
+      <p:cxnSp>
+        <p:nvCxnSpPr>
+          <p:cNvPr id="31" name="Straight Connector 30">
+            <a:extLst>
+              <a:ext uri="{FF2B5EF4-FFF2-40B4-BE49-F238E27FC236}">
+                <a16:creationId xmlns:a16="http://schemas.microsoft.com/office/drawing/2014/main" id="{DBE016A7-A1F3-4240-B8B5-EB732F363703}"/>
+              </a:ext>
+            </a:extLst>
+          </p:cNvPr>
+          <p:cNvCxnSpPr/>
+          <p:nvPr/>
+        </p:nvCxnSpPr>
+        <p:spPr>
+          <a:xfrm>
+            <a:off x="2511972" y="367862"/>
+            <a:ext cx="0" cy="6043448"/>
+          </a:xfrm>
+          <a:prstGeom prst="line">
+            <a:avLst/>
+          </a:prstGeom>
+          <a:ln w="9525" cap="flat" cmpd="sng" algn="ctr">
+            <a:solidFill>
+              <a:schemeClr val="accent2"/>
+            </a:solidFill>
+            <a:prstDash val="dash"/>
+            <a:round/>
+            <a:headEnd type="none" w="med" len="med"/>
+            <a:tailEnd type="none" w="med" len="med"/>
+          </a:ln>
+        </p:spPr>
+        <p:style>
+          <a:lnRef idx="0">
+            <a:scrgbClr r="0" g="0" b="0"/>
+          </a:lnRef>
+          <a:fillRef idx="0">
+            <a:scrgbClr r="0" g="0" b="0"/>
+          </a:fillRef>
+          <a:effectRef idx="0">
+            <a:scrgbClr r="0" g="0" b="0"/>
+          </a:effectRef>
+          <a:fontRef idx="minor">
+            <a:schemeClr val="tx1"/>
+          </a:fontRef>
+        </p:style>
+      </p:cxnSp>
+    </p:spTree>
+    <p:extLst>
+      <p:ext uri="{BB962C8B-B14F-4D97-AF65-F5344CB8AC3E}">
+        <p14:creationId xmlns:p14="http://schemas.microsoft.com/office/powerpoint/2010/main" val="729397751"/>
+      </p:ext>
+    </p:extLst>
+  </p:cSld>
+  <p:clrMapOvr>
+    <a:masterClrMapping/>
+  </p:clrMapOvr>
+</p:sld>
+</file>
+
+<file path=ppt/slides/slide5.xml><?xml version="1.0" encoding="utf-8"?>
+<p:sld xmlns:a="http://schemas.openxmlformats.org/drawingml/2006/main" xmlns:r="http://schemas.openxmlformats.org/officeDocument/2006/relationships" xmlns:p="http://schemas.openxmlformats.org/presentationml/2006/main">
+  <p:cSld>
+    <p:spTree>
+      <p:nvGrpSpPr>
+        <p:cNvPr id="1" name=""/>
+        <p:cNvGrpSpPr/>
+        <p:nvPr/>
+      </p:nvGrpSpPr>
+      <p:grpSpPr>
+        <a:xfrm>
+          <a:off x="0" y="0"/>
+          <a:ext cx="0" cy="0"/>
+          <a:chOff x="0" y="0"/>
+          <a:chExt cx="0" cy="0"/>
+        </a:xfrm>
+      </p:grpSpPr>
+      <p:sp>
+        <p:nvSpPr>
+          <p:cNvPr id="2" name="TextBox 1">
+            <a:extLst>
+              <a:ext uri="{FF2B5EF4-FFF2-40B4-BE49-F238E27FC236}">
+                <a16:creationId xmlns:a16="http://schemas.microsoft.com/office/drawing/2014/main" id="{A99980E2-A3A9-FD4A-9011-9A37E88F5891}"/>
+              </a:ext>
+            </a:extLst>
+          </p:cNvPr>
+          <p:cNvSpPr txBox="1"/>
+          <p:nvPr/>
+        </p:nvSpPr>
+        <p:spPr>
+          <a:xfrm>
+            <a:off x="1872537" y="343020"/>
+            <a:ext cx="8446926" cy="707886"/>
+          </a:xfrm>
+          <a:prstGeom prst="rect">
+            <a:avLst/>
+          </a:prstGeom>
+          <a:noFill/>
+        </p:spPr>
+        <p:txBody>
+          <a:bodyPr wrap="square" rtlCol="0">
+            <a:spAutoFit/>
+          </a:bodyPr>
+          <a:lstStyle/>
+          <a:p>
+            <a:pPr algn="ctr"/>
+            <a:r>
+              <a:rPr lang="en-US" sz="4000" dirty="0">
+                <a:solidFill>
+                  <a:schemeClr val="accent1">
+                    <a:lumMod val="60000"/>
+                    <a:lumOff val="40000"/>
+                  </a:schemeClr>
+                </a:solidFill>
+              </a:rPr>
+              <a:t>Trap</a:t>
             </a:r>
           </a:p>
         </p:txBody>
@@ -8598,7 +9870,7 @@
 </p:sld>
 </file>
 
-<file path=ppt/slides/slide5.xml><?xml version="1.0" encoding="utf-8"?>
+<file path=ppt/slides/slide6.xml><?xml version="1.0" encoding="utf-8"?>
 <p:sld xmlns:a="http://schemas.openxmlformats.org/drawingml/2006/main" xmlns:r="http://schemas.openxmlformats.org/officeDocument/2006/relationships" xmlns:p="http://schemas.openxmlformats.org/presentationml/2006/main">
   <p:cSld>
     <p:spTree>

--- a/docs/figures/os1.pptx
+++ b/docs/figures/os1.pptx
@@ -202,7 +202,7 @@
           <a:p>
             <a:fld id="{2EFFAEC8-D018-F645-91F8-523BBA3A2E09}" type="datetimeFigureOut">
               <a:rPr lang="en-US" smtClean="0"/>
-              <a:t>3/14/22</a:t>
+              <a:t>3/15/22</a:t>
             </a:fld>
             <a:endParaRPr lang="en-US"/>
           </a:p>
@@ -1123,7 +1123,7 @@
           <a:p>
             <a:fld id="{19461545-4337-D04F-96C2-94803B0B0F81}" type="datetimeFigureOut">
               <a:rPr lang="en-US" smtClean="0"/>
-              <a:t>3/14/22</a:t>
+              <a:t>3/15/22</a:t>
             </a:fld>
             <a:endParaRPr lang="en-US"/>
           </a:p>
@@ -1323,7 +1323,7 @@
           <a:p>
             <a:fld id="{19461545-4337-D04F-96C2-94803B0B0F81}" type="datetimeFigureOut">
               <a:rPr lang="en-US" smtClean="0"/>
-              <a:t>3/14/22</a:t>
+              <a:t>3/15/22</a:t>
             </a:fld>
             <a:endParaRPr lang="en-US"/>
           </a:p>
@@ -1533,7 +1533,7 @@
           <a:p>
             <a:fld id="{19461545-4337-D04F-96C2-94803B0B0F81}" type="datetimeFigureOut">
               <a:rPr lang="en-US" smtClean="0"/>
-              <a:t>3/14/22</a:t>
+              <a:t>3/15/22</a:t>
             </a:fld>
             <a:endParaRPr lang="en-US"/>
           </a:p>
@@ -1768,7 +1768,7 @@
           <a:p>
             <a:fld id="{19461545-4337-D04F-96C2-94803B0B0F81}" type="datetimeFigureOut">
               <a:rPr lang="en-US" smtClean="0"/>
-              <a:t>3/14/22</a:t>
+              <a:t>3/15/22</a:t>
             </a:fld>
             <a:endParaRPr lang="en-US"/>
           </a:p>
@@ -2044,7 +2044,7 @@
           <a:p>
             <a:fld id="{19461545-4337-D04F-96C2-94803B0B0F81}" type="datetimeFigureOut">
               <a:rPr lang="en-US" smtClean="0"/>
-              <a:t>3/14/22</a:t>
+              <a:t>3/15/22</a:t>
             </a:fld>
             <a:endParaRPr lang="en-US"/>
           </a:p>
@@ -2312,7 +2312,7 @@
           <a:p>
             <a:fld id="{19461545-4337-D04F-96C2-94803B0B0F81}" type="datetimeFigureOut">
               <a:rPr lang="en-US" smtClean="0"/>
-              <a:t>3/14/22</a:t>
+              <a:t>3/15/22</a:t>
             </a:fld>
             <a:endParaRPr lang="en-US"/>
           </a:p>
@@ -2727,7 +2727,7 @@
           <a:p>
             <a:fld id="{19461545-4337-D04F-96C2-94803B0B0F81}" type="datetimeFigureOut">
               <a:rPr lang="en-US" smtClean="0"/>
-              <a:t>3/14/22</a:t>
+              <a:t>3/15/22</a:t>
             </a:fld>
             <a:endParaRPr lang="en-US"/>
           </a:p>
@@ -2869,7 +2869,7 @@
           <a:p>
             <a:fld id="{19461545-4337-D04F-96C2-94803B0B0F81}" type="datetimeFigureOut">
               <a:rPr lang="en-US" smtClean="0"/>
-              <a:t>3/14/22</a:t>
+              <a:t>3/15/22</a:t>
             </a:fld>
             <a:endParaRPr lang="en-US"/>
           </a:p>
@@ -2982,7 +2982,7 @@
           <a:p>
             <a:fld id="{19461545-4337-D04F-96C2-94803B0B0F81}" type="datetimeFigureOut">
               <a:rPr lang="en-US" smtClean="0"/>
-              <a:t>3/14/22</a:t>
+              <a:t>3/15/22</a:t>
             </a:fld>
             <a:endParaRPr lang="en-US"/>
           </a:p>
@@ -3295,7 +3295,7 @@
           <a:p>
             <a:fld id="{19461545-4337-D04F-96C2-94803B0B0F81}" type="datetimeFigureOut">
               <a:rPr lang="en-US" smtClean="0"/>
-              <a:t>3/14/22</a:t>
+              <a:t>3/15/22</a:t>
             </a:fld>
             <a:endParaRPr lang="en-US"/>
           </a:p>
@@ -3584,7 +3584,7 @@
           <a:p>
             <a:fld id="{19461545-4337-D04F-96C2-94803B0B0F81}" type="datetimeFigureOut">
               <a:rPr lang="en-US" smtClean="0"/>
-              <a:t>3/14/22</a:t>
+              <a:t>3/15/22</a:t>
             </a:fld>
             <a:endParaRPr lang="en-US"/>
           </a:p>
@@ -3827,7 +3827,7 @@
           <a:p>
             <a:fld id="{19461545-4337-D04F-96C2-94803B0B0F81}" type="datetimeFigureOut">
               <a:rPr lang="en-US" smtClean="0"/>
-              <a:t>3/14/22</a:t>
+              <a:t>3/15/22</a:t>
             </a:fld>
             <a:endParaRPr lang="en-US"/>
           </a:p>
@@ -9172,8 +9172,8 @@
         </p:nvSpPr>
         <p:spPr>
           <a:xfrm>
-            <a:off x="8660523" y="1957022"/>
-            <a:ext cx="3507948" cy="369332"/>
+            <a:off x="8660524" y="1878974"/>
+            <a:ext cx="2766398" cy="523220"/>
           </a:xfrm>
           <a:prstGeom prst="rect">
             <a:avLst/>
@@ -9187,8 +9187,14 @@
           <a:lstStyle/>
           <a:p>
             <a:r>
-              <a:rPr lang="en-US" dirty="0"/>
+              <a:rPr lang="en-US" sz="1400" dirty="0"/>
               <a:t>Temp in handy reg for placing value</a:t>
+            </a:r>
+          </a:p>
+          <a:p>
+            <a:r>
+              <a:rPr lang="en-US" sz="1400" dirty="0"/>
+              <a:t>Store the trap frame virtual address</a:t>
             </a:r>
           </a:p>
         </p:txBody>
@@ -9753,7 +9759,7 @@
         </p:nvCxnSpPr>
         <p:spPr>
           <a:xfrm>
-            <a:off x="2511972" y="367862"/>
+            <a:off x="2617075" y="396165"/>
             <a:ext cx="0" cy="6043448"/>
           </a:xfrm>
           <a:prstGeom prst="line">
@@ -9828,7 +9834,7 @@
         </p:nvSpPr>
         <p:spPr>
           <a:xfrm>
-            <a:off x="1872537" y="343020"/>
+            <a:off x="1872537" y="289820"/>
             <a:ext cx="8446926" cy="707886"/>
           </a:xfrm>
           <a:prstGeom prst="rect">
@@ -9852,7 +9858,1964 @@
                   </a:schemeClr>
                 </a:solidFill>
               </a:rPr>
-              <a:t>Trap</a:t>
+              <a:t>Trampoline</a:t>
+            </a:r>
+          </a:p>
+        </p:txBody>
+      </p:sp>
+      <p:sp>
+        <p:nvSpPr>
+          <p:cNvPr id="4" name="Rounded Rectangle 3">
+            <a:extLst>
+              <a:ext uri="{FF2B5EF4-FFF2-40B4-BE49-F238E27FC236}">
+                <a16:creationId xmlns:a16="http://schemas.microsoft.com/office/drawing/2014/main" id="{06629DE7-4EDA-C941-A031-9C234E5A0BA8}"/>
+              </a:ext>
+            </a:extLst>
+          </p:cNvPr>
+          <p:cNvSpPr/>
+          <p:nvPr/>
+        </p:nvSpPr>
+        <p:spPr>
+          <a:xfrm>
+            <a:off x="239112" y="1050906"/>
+            <a:ext cx="977462" cy="947226"/>
+          </a:xfrm>
+          <a:prstGeom prst="roundRect">
+            <a:avLst/>
+          </a:prstGeom>
+          <a:solidFill>
+            <a:schemeClr val="accent2"/>
+          </a:solidFill>
+          <a:ln>
+            <a:noFill/>
+          </a:ln>
+        </p:spPr>
+        <p:style>
+          <a:lnRef idx="2">
+            <a:schemeClr val="accent1">
+              <a:shade val="50000"/>
+            </a:schemeClr>
+          </a:lnRef>
+          <a:fillRef idx="1">
+            <a:schemeClr val="accent1"/>
+          </a:fillRef>
+          <a:effectRef idx="0">
+            <a:schemeClr val="accent1"/>
+          </a:effectRef>
+          <a:fontRef idx="minor">
+            <a:schemeClr val="lt1"/>
+          </a:fontRef>
+        </p:style>
+        <p:txBody>
+          <a:bodyPr rtlCol="0" anchor="ctr"/>
+          <a:lstStyle/>
+          <a:p>
+            <a:pPr algn="ctr"/>
+            <a:r>
+              <a:rPr lang="en-US" b="1" dirty="0"/>
+              <a:t>User</a:t>
+            </a:r>
+          </a:p>
+        </p:txBody>
+      </p:sp>
+      <p:cxnSp>
+        <p:nvCxnSpPr>
+          <p:cNvPr id="5" name="Straight Connector 4">
+            <a:extLst>
+              <a:ext uri="{FF2B5EF4-FFF2-40B4-BE49-F238E27FC236}">
+                <a16:creationId xmlns:a16="http://schemas.microsoft.com/office/drawing/2014/main" id="{D6CE02F3-BDAB-A046-B93F-8CBACFC50D3D}"/>
+              </a:ext>
+            </a:extLst>
+          </p:cNvPr>
+          <p:cNvCxnSpPr/>
+          <p:nvPr/>
+        </p:nvCxnSpPr>
+        <p:spPr>
+          <a:xfrm>
+            <a:off x="1597571" y="343020"/>
+            <a:ext cx="0" cy="6043448"/>
+          </a:xfrm>
+          <a:prstGeom prst="line">
+            <a:avLst/>
+          </a:prstGeom>
+          <a:ln w="9525" cap="flat" cmpd="sng" algn="ctr">
+            <a:solidFill>
+              <a:schemeClr val="accent2"/>
+            </a:solidFill>
+            <a:prstDash val="dash"/>
+            <a:round/>
+            <a:headEnd type="none" w="med" len="med"/>
+            <a:tailEnd type="none" w="med" len="med"/>
+          </a:ln>
+        </p:spPr>
+        <p:style>
+          <a:lnRef idx="0">
+            <a:scrgbClr r="0" g="0" b="0"/>
+          </a:lnRef>
+          <a:fillRef idx="0">
+            <a:scrgbClr r="0" g="0" b="0"/>
+          </a:fillRef>
+          <a:effectRef idx="0">
+            <a:scrgbClr r="0" g="0" b="0"/>
+          </a:effectRef>
+          <a:fontRef idx="minor">
+            <a:schemeClr val="tx1"/>
+          </a:fontRef>
+        </p:style>
+      </p:cxnSp>
+      <p:sp>
+        <p:nvSpPr>
+          <p:cNvPr id="6" name="Rounded Rectangle 5">
+            <a:extLst>
+              <a:ext uri="{FF2B5EF4-FFF2-40B4-BE49-F238E27FC236}">
+                <a16:creationId xmlns:a16="http://schemas.microsoft.com/office/drawing/2014/main" id="{F2F9342B-EE3C-C344-8BE7-7420ED2DFD45}"/>
+              </a:ext>
+            </a:extLst>
+          </p:cNvPr>
+          <p:cNvSpPr/>
+          <p:nvPr/>
+        </p:nvSpPr>
+        <p:spPr>
+          <a:xfrm>
+            <a:off x="1978569" y="1050906"/>
+            <a:ext cx="977462" cy="947226"/>
+          </a:xfrm>
+          <a:prstGeom prst="roundRect">
+            <a:avLst/>
+          </a:prstGeom>
+          <a:solidFill>
+            <a:srgbClr val="00B0F0"/>
+          </a:solidFill>
+          <a:ln>
+            <a:noFill/>
+          </a:ln>
+        </p:spPr>
+        <p:style>
+          <a:lnRef idx="2">
+            <a:schemeClr val="accent1">
+              <a:shade val="50000"/>
+            </a:schemeClr>
+          </a:lnRef>
+          <a:fillRef idx="1">
+            <a:schemeClr val="accent1"/>
+          </a:fillRef>
+          <a:effectRef idx="0">
+            <a:schemeClr val="accent1"/>
+          </a:effectRef>
+          <a:fontRef idx="minor">
+            <a:schemeClr val="lt1"/>
+          </a:fontRef>
+        </p:style>
+        <p:txBody>
+          <a:bodyPr rtlCol="0" anchor="ctr"/>
+          <a:lstStyle/>
+          <a:p>
+            <a:pPr algn="ctr"/>
+            <a:r>
+              <a:rPr lang="en-US" b="1" dirty="0">
+                <a:solidFill>
+                  <a:schemeClr val="bg1"/>
+                </a:solidFill>
+              </a:rPr>
+              <a:t>ecall</a:t>
+            </a:r>
+          </a:p>
+        </p:txBody>
+      </p:sp>
+      <p:cxnSp>
+        <p:nvCxnSpPr>
+          <p:cNvPr id="8" name="Straight Arrow Connector 7">
+            <a:extLst>
+              <a:ext uri="{FF2B5EF4-FFF2-40B4-BE49-F238E27FC236}">
+                <a16:creationId xmlns:a16="http://schemas.microsoft.com/office/drawing/2014/main" id="{1068DC3D-CCCF-3D4D-B452-677B81816945}"/>
+              </a:ext>
+            </a:extLst>
+          </p:cNvPr>
+          <p:cNvCxnSpPr>
+            <a:stCxn id="4" idx="3"/>
+            <a:endCxn id="6" idx="1"/>
+          </p:cNvCxnSpPr>
+          <p:nvPr/>
+        </p:nvCxnSpPr>
+        <p:spPr>
+          <a:xfrm>
+            <a:off x="1216574" y="1524519"/>
+            <a:ext cx="761995" cy="0"/>
+          </a:xfrm>
+          <a:prstGeom prst="straightConnector1">
+            <a:avLst/>
+          </a:prstGeom>
+          <a:ln>
+            <a:tailEnd type="triangle"/>
+          </a:ln>
+        </p:spPr>
+        <p:style>
+          <a:lnRef idx="1">
+            <a:schemeClr val="accent1"/>
+          </a:lnRef>
+          <a:fillRef idx="0">
+            <a:schemeClr val="accent1"/>
+          </a:fillRef>
+          <a:effectRef idx="0">
+            <a:schemeClr val="accent1"/>
+          </a:effectRef>
+          <a:fontRef idx="minor">
+            <a:schemeClr val="tx1"/>
+          </a:fontRef>
+        </p:style>
+      </p:cxnSp>
+      <p:sp>
+        <p:nvSpPr>
+          <p:cNvPr id="11" name="Rectangle 10">
+            <a:extLst>
+              <a:ext uri="{FF2B5EF4-FFF2-40B4-BE49-F238E27FC236}">
+                <a16:creationId xmlns:a16="http://schemas.microsoft.com/office/drawing/2014/main" id="{8E25EE0D-5127-DA47-8789-AD20C840F5D1}"/>
+              </a:ext>
+            </a:extLst>
+          </p:cNvPr>
+          <p:cNvSpPr/>
+          <p:nvPr/>
+        </p:nvSpPr>
+        <p:spPr>
+          <a:xfrm>
+            <a:off x="3410607" y="1357322"/>
+            <a:ext cx="1650124" cy="4067503"/>
+          </a:xfrm>
+          <a:prstGeom prst="rect">
+            <a:avLst/>
+          </a:prstGeom>
+        </p:spPr>
+        <p:style>
+          <a:lnRef idx="2">
+            <a:schemeClr val="accent1">
+              <a:shade val="50000"/>
+            </a:schemeClr>
+          </a:lnRef>
+          <a:fillRef idx="1">
+            <a:schemeClr val="accent1"/>
+          </a:fillRef>
+          <a:effectRef idx="0">
+            <a:schemeClr val="accent1"/>
+          </a:effectRef>
+          <a:fontRef idx="minor">
+            <a:schemeClr val="lt1"/>
+          </a:fontRef>
+        </p:style>
+        <p:txBody>
+          <a:bodyPr rtlCol="0" anchor="ctr"/>
+          <a:lstStyle/>
+          <a:p>
+            <a:pPr algn="ctr"/>
+            <a:endParaRPr lang="en-US" dirty="0"/>
+          </a:p>
+        </p:txBody>
+      </p:sp>
+      <p:sp>
+        <p:nvSpPr>
+          <p:cNvPr id="12" name="Rectangle 11">
+            <a:extLst>
+              <a:ext uri="{FF2B5EF4-FFF2-40B4-BE49-F238E27FC236}">
+                <a16:creationId xmlns:a16="http://schemas.microsoft.com/office/drawing/2014/main" id="{997BE9B6-A882-B046-BC6F-6B455B00ADBF}"/>
+              </a:ext>
+            </a:extLst>
+          </p:cNvPr>
+          <p:cNvSpPr/>
+          <p:nvPr/>
+        </p:nvSpPr>
+        <p:spPr>
+          <a:xfrm>
+            <a:off x="3410607" y="1357321"/>
+            <a:ext cx="1650124" cy="334396"/>
+          </a:xfrm>
+          <a:prstGeom prst="rect">
+            <a:avLst/>
+          </a:prstGeom>
+          <a:solidFill>
+            <a:srgbClr val="00B0F0"/>
+          </a:solidFill>
+        </p:spPr>
+        <p:style>
+          <a:lnRef idx="2">
+            <a:schemeClr val="accent1">
+              <a:shade val="50000"/>
+            </a:schemeClr>
+          </a:lnRef>
+          <a:fillRef idx="1">
+            <a:schemeClr val="accent1"/>
+          </a:fillRef>
+          <a:effectRef idx="0">
+            <a:schemeClr val="accent1"/>
+          </a:effectRef>
+          <a:fontRef idx="minor">
+            <a:schemeClr val="lt1"/>
+          </a:fontRef>
+        </p:style>
+        <p:txBody>
+          <a:bodyPr rtlCol="0" anchor="ctr"/>
+          <a:lstStyle/>
+          <a:p>
+            <a:pPr algn="ctr"/>
+            <a:r>
+              <a:rPr lang="en-US" b="1" dirty="0">
+                <a:solidFill>
+                  <a:schemeClr val="bg1"/>
+                </a:solidFill>
+              </a:rPr>
+              <a:t>Trampoline</a:t>
+            </a:r>
+          </a:p>
+        </p:txBody>
+      </p:sp>
+      <p:sp>
+        <p:nvSpPr>
+          <p:cNvPr id="13" name="Rectangle 12">
+            <a:extLst>
+              <a:ext uri="{FF2B5EF4-FFF2-40B4-BE49-F238E27FC236}">
+                <a16:creationId xmlns:a16="http://schemas.microsoft.com/office/drawing/2014/main" id="{E7D1B724-A1E5-C441-B6D9-2BA5ABC48F2D}"/>
+              </a:ext>
+            </a:extLst>
+          </p:cNvPr>
+          <p:cNvSpPr/>
+          <p:nvPr/>
+        </p:nvSpPr>
+        <p:spPr>
+          <a:xfrm>
+            <a:off x="3410607" y="3027867"/>
+            <a:ext cx="1650124" cy="704193"/>
+          </a:xfrm>
+          <a:prstGeom prst="rect">
+            <a:avLst/>
+          </a:prstGeom>
+          <a:solidFill>
+            <a:srgbClr val="00B0F0"/>
+          </a:solidFill>
+        </p:spPr>
+        <p:style>
+          <a:lnRef idx="2">
+            <a:schemeClr val="accent1">
+              <a:shade val="50000"/>
+            </a:schemeClr>
+          </a:lnRef>
+          <a:fillRef idx="1">
+            <a:schemeClr val="accent1"/>
+          </a:fillRef>
+          <a:effectRef idx="0">
+            <a:schemeClr val="accent1"/>
+          </a:effectRef>
+          <a:fontRef idx="minor">
+            <a:schemeClr val="lt1"/>
+          </a:fontRef>
+        </p:style>
+        <p:txBody>
+          <a:bodyPr rtlCol="0" anchor="ctr"/>
+          <a:lstStyle/>
+          <a:p>
+            <a:pPr algn="ctr"/>
+            <a:r>
+              <a:rPr lang="en-US" b="1" dirty="0">
+                <a:solidFill>
+                  <a:schemeClr val="bg1"/>
+                </a:solidFill>
+              </a:rPr>
+              <a:t>2</a:t>
+            </a:r>
+          </a:p>
+          <a:p>
+            <a:pPr algn="ctr"/>
+            <a:r>
+              <a:rPr lang="en-US" sz="1200" dirty="0">
+                <a:solidFill>
+                  <a:schemeClr val="bg1"/>
+                </a:solidFill>
+              </a:rPr>
+              <a:t>Save the 32-user general-purpose regs</a:t>
+            </a:r>
+          </a:p>
+        </p:txBody>
+      </p:sp>
+      <p:sp>
+        <p:nvSpPr>
+          <p:cNvPr id="14" name="Rectangle 13">
+            <a:extLst>
+              <a:ext uri="{FF2B5EF4-FFF2-40B4-BE49-F238E27FC236}">
+                <a16:creationId xmlns:a16="http://schemas.microsoft.com/office/drawing/2014/main" id="{B3E17529-3559-C84C-9CB9-71441B4224B1}"/>
+              </a:ext>
+            </a:extLst>
+          </p:cNvPr>
+          <p:cNvSpPr/>
+          <p:nvPr/>
+        </p:nvSpPr>
+        <p:spPr>
+          <a:xfrm>
+            <a:off x="3410607" y="4295094"/>
+            <a:ext cx="1650124" cy="1038387"/>
+          </a:xfrm>
+          <a:prstGeom prst="rect">
+            <a:avLst/>
+          </a:prstGeom>
+          <a:solidFill>
+            <a:srgbClr val="00B0F0"/>
+          </a:solidFill>
+        </p:spPr>
+        <p:style>
+          <a:lnRef idx="2">
+            <a:schemeClr val="accent1">
+              <a:shade val="50000"/>
+            </a:schemeClr>
+          </a:lnRef>
+          <a:fillRef idx="1">
+            <a:schemeClr val="accent1"/>
+          </a:fillRef>
+          <a:effectRef idx="0">
+            <a:schemeClr val="accent1"/>
+          </a:effectRef>
+          <a:fontRef idx="minor">
+            <a:schemeClr val="lt1"/>
+          </a:fontRef>
+        </p:style>
+        <p:txBody>
+          <a:bodyPr rtlCol="0" anchor="ctr"/>
+          <a:lstStyle/>
+          <a:p>
+            <a:pPr algn="ctr"/>
+            <a:r>
+              <a:rPr lang="en-US" b="1" dirty="0">
+                <a:solidFill>
+                  <a:schemeClr val="bg1"/>
+                </a:solidFill>
+              </a:rPr>
+              <a:t>3</a:t>
+            </a:r>
+          </a:p>
+          <a:p>
+            <a:pPr algn="ctr"/>
+            <a:r>
+              <a:rPr lang="en-HK" sz="1000" dirty="0">
+                <a:solidFill>
+                  <a:schemeClr val="bg1"/>
+                </a:solidFill>
+              </a:rPr>
+              <a:t>Load $kernel_sp, $kernel_hartid, $kernel_satp, $kernel_trap and jump to user_trap()</a:t>
+            </a:r>
+            <a:endParaRPr lang="en-US" sz="1000" dirty="0">
+              <a:solidFill>
+                <a:schemeClr val="bg1"/>
+              </a:solidFill>
+            </a:endParaRPr>
+          </a:p>
+        </p:txBody>
+      </p:sp>
+      <p:sp>
+        <p:nvSpPr>
+          <p:cNvPr id="15" name="Rectangle 14">
+            <a:extLst>
+              <a:ext uri="{FF2B5EF4-FFF2-40B4-BE49-F238E27FC236}">
+                <a16:creationId xmlns:a16="http://schemas.microsoft.com/office/drawing/2014/main" id="{DE1A62D3-42C3-E848-9118-1752560EF31F}"/>
+              </a:ext>
+            </a:extLst>
+          </p:cNvPr>
+          <p:cNvSpPr/>
+          <p:nvPr/>
+        </p:nvSpPr>
+        <p:spPr>
+          <a:xfrm>
+            <a:off x="3410607" y="1760640"/>
+            <a:ext cx="1650124" cy="704193"/>
+          </a:xfrm>
+          <a:prstGeom prst="rect">
+            <a:avLst/>
+          </a:prstGeom>
+          <a:solidFill>
+            <a:srgbClr val="00B0F0"/>
+          </a:solidFill>
+        </p:spPr>
+        <p:style>
+          <a:lnRef idx="2">
+            <a:schemeClr val="accent1">
+              <a:shade val="50000"/>
+            </a:schemeClr>
+          </a:lnRef>
+          <a:fillRef idx="1">
+            <a:schemeClr val="accent1"/>
+          </a:fillRef>
+          <a:effectRef idx="0">
+            <a:schemeClr val="accent1"/>
+          </a:effectRef>
+          <a:fontRef idx="minor">
+            <a:schemeClr val="lt1"/>
+          </a:fontRef>
+        </p:style>
+        <p:txBody>
+          <a:bodyPr rtlCol="0" anchor="ctr"/>
+          <a:lstStyle/>
+          <a:p>
+            <a:pPr algn="ctr"/>
+            <a:r>
+              <a:rPr lang="en-US" b="1" dirty="0">
+                <a:solidFill>
+                  <a:schemeClr val="bg1"/>
+                </a:solidFill>
+              </a:rPr>
+              <a:t>1</a:t>
+            </a:r>
+          </a:p>
+          <a:p>
+            <a:pPr algn="ctr"/>
+            <a:r>
+              <a:rPr lang="en-US" sz="1200" dirty="0">
+                <a:solidFill>
+                  <a:schemeClr val="bg1"/>
+                </a:solidFill>
+              </a:rPr>
+              <a:t>Load the trap frame reg</a:t>
+            </a:r>
+          </a:p>
+          <a:p>
+            <a:pPr algn="ctr"/>
+            <a:r>
+              <a:rPr lang="en-US" sz="1100" dirty="0">
+                <a:solidFill>
+                  <a:schemeClr val="bg1"/>
+                </a:solidFill>
+              </a:rPr>
+              <a:t>(i.e., swap $a0 $sscrach)</a:t>
+            </a:r>
+          </a:p>
+        </p:txBody>
+      </p:sp>
+      <p:sp>
+        <p:nvSpPr>
+          <p:cNvPr id="16" name="Down Arrow 15">
+            <a:extLst>
+              <a:ext uri="{FF2B5EF4-FFF2-40B4-BE49-F238E27FC236}">
+                <a16:creationId xmlns:a16="http://schemas.microsoft.com/office/drawing/2014/main" id="{32C76557-1C45-8048-AA00-E762098038BA}"/>
+              </a:ext>
+            </a:extLst>
+          </p:cNvPr>
+          <p:cNvSpPr/>
+          <p:nvPr/>
+        </p:nvSpPr>
+        <p:spPr>
+          <a:xfrm>
+            <a:off x="4099035" y="2464832"/>
+            <a:ext cx="273269" cy="563035"/>
+          </a:xfrm>
+          <a:prstGeom prst="downArrow">
+            <a:avLst/>
+          </a:prstGeom>
+        </p:spPr>
+        <p:style>
+          <a:lnRef idx="2">
+            <a:schemeClr val="accent1">
+              <a:shade val="50000"/>
+            </a:schemeClr>
+          </a:lnRef>
+          <a:fillRef idx="1">
+            <a:schemeClr val="accent1"/>
+          </a:fillRef>
+          <a:effectRef idx="0">
+            <a:schemeClr val="accent1"/>
+          </a:effectRef>
+          <a:fontRef idx="minor">
+            <a:schemeClr val="lt1"/>
+          </a:fontRef>
+        </p:style>
+        <p:txBody>
+          <a:bodyPr rtlCol="0" anchor="ctr"/>
+          <a:lstStyle/>
+          <a:p>
+            <a:pPr algn="ctr"/>
+            <a:endParaRPr lang="en-US"/>
+          </a:p>
+        </p:txBody>
+      </p:sp>
+      <p:sp>
+        <p:nvSpPr>
+          <p:cNvPr id="17" name="Down Arrow 16">
+            <a:extLst>
+              <a:ext uri="{FF2B5EF4-FFF2-40B4-BE49-F238E27FC236}">
+                <a16:creationId xmlns:a16="http://schemas.microsoft.com/office/drawing/2014/main" id="{28D764B3-BF31-E542-A4E2-9218C15B9477}"/>
+              </a:ext>
+            </a:extLst>
+          </p:cNvPr>
+          <p:cNvSpPr/>
+          <p:nvPr/>
+        </p:nvSpPr>
+        <p:spPr>
+          <a:xfrm>
+            <a:off x="4099035" y="3732058"/>
+            <a:ext cx="273269" cy="563035"/>
+          </a:xfrm>
+          <a:prstGeom prst="downArrow">
+            <a:avLst/>
+          </a:prstGeom>
+        </p:spPr>
+        <p:style>
+          <a:lnRef idx="2">
+            <a:schemeClr val="accent1">
+              <a:shade val="50000"/>
+            </a:schemeClr>
+          </a:lnRef>
+          <a:fillRef idx="1">
+            <a:schemeClr val="accent1"/>
+          </a:fillRef>
+          <a:effectRef idx="0">
+            <a:schemeClr val="accent1"/>
+          </a:effectRef>
+          <a:fontRef idx="minor">
+            <a:schemeClr val="lt1"/>
+          </a:fontRef>
+        </p:style>
+        <p:txBody>
+          <a:bodyPr rtlCol="0" anchor="ctr"/>
+          <a:lstStyle/>
+          <a:p>
+            <a:pPr algn="ctr"/>
+            <a:endParaRPr lang="en-US"/>
+          </a:p>
+        </p:txBody>
+      </p:sp>
+      <p:cxnSp>
+        <p:nvCxnSpPr>
+          <p:cNvPr id="19" name="Straight Arrow Connector 18">
+            <a:extLst>
+              <a:ext uri="{FF2B5EF4-FFF2-40B4-BE49-F238E27FC236}">
+                <a16:creationId xmlns:a16="http://schemas.microsoft.com/office/drawing/2014/main" id="{349EB2EE-6A4F-C64E-B7B6-4FAD8503D405}"/>
+              </a:ext>
+            </a:extLst>
+          </p:cNvPr>
+          <p:cNvCxnSpPr>
+            <a:stCxn id="6" idx="3"/>
+            <a:endCxn id="12" idx="1"/>
+          </p:cNvCxnSpPr>
+          <p:nvPr/>
+        </p:nvCxnSpPr>
+        <p:spPr>
+          <a:xfrm>
+            <a:off x="2956031" y="1524519"/>
+            <a:ext cx="454576" cy="0"/>
+          </a:xfrm>
+          <a:prstGeom prst="straightConnector1">
+            <a:avLst/>
+          </a:prstGeom>
+          <a:ln>
+            <a:tailEnd type="triangle"/>
+          </a:ln>
+        </p:spPr>
+        <p:style>
+          <a:lnRef idx="1">
+            <a:schemeClr val="accent1"/>
+          </a:lnRef>
+          <a:fillRef idx="0">
+            <a:schemeClr val="accent1"/>
+          </a:fillRef>
+          <a:effectRef idx="0">
+            <a:schemeClr val="accent1"/>
+          </a:effectRef>
+          <a:fontRef idx="minor">
+            <a:schemeClr val="tx1"/>
+          </a:fontRef>
+        </p:style>
+      </p:cxnSp>
+      <p:sp>
+        <p:nvSpPr>
+          <p:cNvPr id="21" name="Rectangle 20">
+            <a:extLst>
+              <a:ext uri="{FF2B5EF4-FFF2-40B4-BE49-F238E27FC236}">
+                <a16:creationId xmlns:a16="http://schemas.microsoft.com/office/drawing/2014/main" id="{15F54886-E2F6-C440-BD37-BD18EE538295}"/>
+              </a:ext>
+            </a:extLst>
+          </p:cNvPr>
+          <p:cNvSpPr/>
+          <p:nvPr/>
+        </p:nvSpPr>
+        <p:spPr>
+          <a:xfrm>
+            <a:off x="8035161" y="1357321"/>
+            <a:ext cx="1650124" cy="4067503"/>
+          </a:xfrm>
+          <a:prstGeom prst="rect">
+            <a:avLst/>
+          </a:prstGeom>
+          <a:solidFill>
+            <a:schemeClr val="tx1"/>
+          </a:solidFill>
+          <a:ln>
+            <a:noFill/>
+          </a:ln>
+        </p:spPr>
+        <p:style>
+          <a:lnRef idx="2">
+            <a:schemeClr val="accent1">
+              <a:shade val="50000"/>
+            </a:schemeClr>
+          </a:lnRef>
+          <a:fillRef idx="1">
+            <a:schemeClr val="accent1"/>
+          </a:fillRef>
+          <a:effectRef idx="0">
+            <a:schemeClr val="accent1"/>
+          </a:effectRef>
+          <a:fontRef idx="minor">
+            <a:schemeClr val="lt1"/>
+          </a:fontRef>
+        </p:style>
+        <p:txBody>
+          <a:bodyPr rtlCol="0" anchor="ctr"/>
+          <a:lstStyle/>
+          <a:p>
+            <a:pPr algn="ctr"/>
+            <a:endParaRPr lang="en-US"/>
+          </a:p>
+        </p:txBody>
+      </p:sp>
+      <p:sp>
+        <p:nvSpPr>
+          <p:cNvPr id="22" name="Rectangle 21">
+            <a:extLst>
+              <a:ext uri="{FF2B5EF4-FFF2-40B4-BE49-F238E27FC236}">
+                <a16:creationId xmlns:a16="http://schemas.microsoft.com/office/drawing/2014/main" id="{118C3965-AF1D-6C45-A854-C2B2FFE3CBB4}"/>
+              </a:ext>
+            </a:extLst>
+          </p:cNvPr>
+          <p:cNvSpPr/>
+          <p:nvPr/>
+        </p:nvSpPr>
+        <p:spPr>
+          <a:xfrm>
+            <a:off x="6332498" y="1346083"/>
+            <a:ext cx="1397865" cy="1565283"/>
+          </a:xfrm>
+          <a:prstGeom prst="rect">
+            <a:avLst/>
+          </a:prstGeom>
+          <a:solidFill>
+            <a:schemeClr val="tx1"/>
+          </a:solidFill>
+          <a:ln>
+            <a:noFill/>
+          </a:ln>
+        </p:spPr>
+        <p:style>
+          <a:lnRef idx="2">
+            <a:schemeClr val="accent1">
+              <a:shade val="50000"/>
+            </a:schemeClr>
+          </a:lnRef>
+          <a:fillRef idx="1">
+            <a:schemeClr val="accent1"/>
+          </a:fillRef>
+          <a:effectRef idx="0">
+            <a:schemeClr val="accent1"/>
+          </a:effectRef>
+          <a:fontRef idx="minor">
+            <a:schemeClr val="lt1"/>
+          </a:fontRef>
+        </p:style>
+        <p:txBody>
+          <a:bodyPr rtlCol="0" anchor="ctr"/>
+          <a:lstStyle/>
+          <a:p>
+            <a:pPr algn="ctr"/>
+            <a:endParaRPr lang="en-US"/>
+          </a:p>
+        </p:txBody>
+      </p:sp>
+      <p:sp>
+        <p:nvSpPr>
+          <p:cNvPr id="23" name="Rectangle 22">
+            <a:extLst>
+              <a:ext uri="{FF2B5EF4-FFF2-40B4-BE49-F238E27FC236}">
+                <a16:creationId xmlns:a16="http://schemas.microsoft.com/office/drawing/2014/main" id="{8D227BA4-A02E-A843-A573-6D544B28257F}"/>
+              </a:ext>
+            </a:extLst>
+          </p:cNvPr>
+          <p:cNvSpPr/>
+          <p:nvPr/>
+        </p:nvSpPr>
+        <p:spPr>
+          <a:xfrm>
+            <a:off x="6332498" y="3029005"/>
+            <a:ext cx="1397865" cy="2395819"/>
+          </a:xfrm>
+          <a:prstGeom prst="rect">
+            <a:avLst/>
+          </a:prstGeom>
+          <a:solidFill>
+            <a:schemeClr val="tx1"/>
+          </a:solidFill>
+        </p:spPr>
+        <p:style>
+          <a:lnRef idx="2">
+            <a:schemeClr val="accent1">
+              <a:shade val="50000"/>
+            </a:schemeClr>
+          </a:lnRef>
+          <a:fillRef idx="1">
+            <a:schemeClr val="accent1"/>
+          </a:fillRef>
+          <a:effectRef idx="0">
+            <a:schemeClr val="accent1"/>
+          </a:effectRef>
+          <a:fontRef idx="minor">
+            <a:schemeClr val="lt1"/>
+          </a:fontRef>
+        </p:style>
+        <p:txBody>
+          <a:bodyPr rtlCol="0" anchor="ctr"/>
+          <a:lstStyle/>
+          <a:p>
+            <a:pPr algn="ctr"/>
+            <a:endParaRPr lang="en-US"/>
+          </a:p>
+        </p:txBody>
+      </p:sp>
+      <p:sp>
+        <p:nvSpPr>
+          <p:cNvPr id="24" name="Rectangle 23">
+            <a:extLst>
+              <a:ext uri="{FF2B5EF4-FFF2-40B4-BE49-F238E27FC236}">
+                <a16:creationId xmlns:a16="http://schemas.microsoft.com/office/drawing/2014/main" id="{DE652446-5650-A049-A779-80524DA2EDD4}"/>
+              </a:ext>
+            </a:extLst>
+          </p:cNvPr>
+          <p:cNvSpPr/>
+          <p:nvPr/>
+        </p:nvSpPr>
+        <p:spPr>
+          <a:xfrm>
+            <a:off x="6332498" y="1346083"/>
+            <a:ext cx="1397865" cy="338538"/>
+          </a:xfrm>
+          <a:prstGeom prst="rect">
+            <a:avLst/>
+          </a:prstGeom>
+          <a:solidFill>
+            <a:schemeClr val="accent2"/>
+          </a:solidFill>
+          <a:ln>
+            <a:noFill/>
+          </a:ln>
+        </p:spPr>
+        <p:style>
+          <a:lnRef idx="2">
+            <a:schemeClr val="accent1">
+              <a:shade val="50000"/>
+            </a:schemeClr>
+          </a:lnRef>
+          <a:fillRef idx="1">
+            <a:schemeClr val="accent1"/>
+          </a:fillRef>
+          <a:effectRef idx="0">
+            <a:schemeClr val="accent1"/>
+          </a:effectRef>
+          <a:fontRef idx="minor">
+            <a:schemeClr val="lt1"/>
+          </a:fontRef>
+        </p:style>
+        <p:txBody>
+          <a:bodyPr rtlCol="0" anchor="ctr"/>
+          <a:lstStyle/>
+          <a:p>
+            <a:pPr algn="ctr"/>
+            <a:r>
+              <a:rPr lang="en-US" sz="1400" b="1" dirty="0"/>
+              <a:t>User page table</a:t>
+            </a:r>
+          </a:p>
+        </p:txBody>
+      </p:sp>
+      <p:sp>
+        <p:nvSpPr>
+          <p:cNvPr id="25" name="Rectangle 24">
+            <a:extLst>
+              <a:ext uri="{FF2B5EF4-FFF2-40B4-BE49-F238E27FC236}">
+                <a16:creationId xmlns:a16="http://schemas.microsoft.com/office/drawing/2014/main" id="{4426BAAB-A8A6-1849-A521-624DC2BFAD7E}"/>
+              </a:ext>
+            </a:extLst>
+          </p:cNvPr>
+          <p:cNvSpPr/>
+          <p:nvPr/>
+        </p:nvSpPr>
+        <p:spPr>
+          <a:xfrm>
+            <a:off x="6332498" y="1898059"/>
+            <a:ext cx="1397865" cy="163477"/>
+          </a:xfrm>
+          <a:prstGeom prst="rect">
+            <a:avLst/>
+          </a:prstGeom>
+          <a:solidFill>
+            <a:schemeClr val="accent2"/>
+          </a:solidFill>
+          <a:ln>
+            <a:noFill/>
+          </a:ln>
+        </p:spPr>
+        <p:style>
+          <a:lnRef idx="2">
+            <a:schemeClr val="accent1">
+              <a:shade val="50000"/>
+            </a:schemeClr>
+          </a:lnRef>
+          <a:fillRef idx="1">
+            <a:schemeClr val="accent1"/>
+          </a:fillRef>
+          <a:effectRef idx="0">
+            <a:schemeClr val="accent1"/>
+          </a:effectRef>
+          <a:fontRef idx="minor">
+            <a:schemeClr val="lt1"/>
+          </a:fontRef>
+        </p:style>
+        <p:txBody>
+          <a:bodyPr rtlCol="0" anchor="ctr"/>
+          <a:lstStyle/>
+          <a:p>
+            <a:pPr algn="ctr"/>
+            <a:r>
+              <a:rPr lang="en-US" sz="1000" dirty="0"/>
+              <a:t>Trap frame page</a:t>
+            </a:r>
+          </a:p>
+        </p:txBody>
+      </p:sp>
+      <p:sp>
+        <p:nvSpPr>
+          <p:cNvPr id="26" name="Rectangle 25">
+            <a:extLst>
+              <a:ext uri="{FF2B5EF4-FFF2-40B4-BE49-F238E27FC236}">
+                <a16:creationId xmlns:a16="http://schemas.microsoft.com/office/drawing/2014/main" id="{CA5FF246-B3E5-A247-9A38-865F496A7940}"/>
+              </a:ext>
+            </a:extLst>
+          </p:cNvPr>
+          <p:cNvSpPr/>
+          <p:nvPr/>
+        </p:nvSpPr>
+        <p:spPr>
+          <a:xfrm>
+            <a:off x="6332497" y="1712567"/>
+            <a:ext cx="1397865" cy="163477"/>
+          </a:xfrm>
+          <a:prstGeom prst="rect">
+            <a:avLst/>
+          </a:prstGeom>
+          <a:solidFill>
+            <a:schemeClr val="accent1"/>
+          </a:solidFill>
+          <a:ln>
+            <a:noFill/>
+          </a:ln>
+        </p:spPr>
+        <p:style>
+          <a:lnRef idx="2">
+            <a:schemeClr val="accent1">
+              <a:shade val="50000"/>
+            </a:schemeClr>
+          </a:lnRef>
+          <a:fillRef idx="1">
+            <a:schemeClr val="accent1"/>
+          </a:fillRef>
+          <a:effectRef idx="0">
+            <a:schemeClr val="accent1"/>
+          </a:effectRef>
+          <a:fontRef idx="minor">
+            <a:schemeClr val="lt1"/>
+          </a:fontRef>
+        </p:style>
+        <p:txBody>
+          <a:bodyPr rtlCol="0" anchor="ctr"/>
+          <a:lstStyle/>
+          <a:p>
+            <a:pPr algn="ctr"/>
+            <a:r>
+              <a:rPr lang="en-US" sz="1000" dirty="0"/>
+              <a:t>Trampoline page</a:t>
+            </a:r>
+          </a:p>
+        </p:txBody>
+      </p:sp>
+      <p:sp>
+        <p:nvSpPr>
+          <p:cNvPr id="27" name="Rectangle 26">
+            <a:extLst>
+              <a:ext uri="{FF2B5EF4-FFF2-40B4-BE49-F238E27FC236}">
+                <a16:creationId xmlns:a16="http://schemas.microsoft.com/office/drawing/2014/main" id="{81EA785C-BD15-FA44-815C-3079AAACEE66}"/>
+              </a:ext>
+            </a:extLst>
+          </p:cNvPr>
+          <p:cNvSpPr/>
+          <p:nvPr/>
+        </p:nvSpPr>
+        <p:spPr>
+          <a:xfrm>
+            <a:off x="6332496" y="2093982"/>
+            <a:ext cx="1397865" cy="262731"/>
+          </a:xfrm>
+          <a:prstGeom prst="rect">
+            <a:avLst/>
+          </a:prstGeom>
+          <a:solidFill>
+            <a:schemeClr val="accent2"/>
+          </a:solidFill>
+          <a:ln>
+            <a:noFill/>
+          </a:ln>
+        </p:spPr>
+        <p:style>
+          <a:lnRef idx="2">
+            <a:schemeClr val="accent1">
+              <a:shade val="50000"/>
+            </a:schemeClr>
+          </a:lnRef>
+          <a:fillRef idx="1">
+            <a:schemeClr val="accent1"/>
+          </a:fillRef>
+          <a:effectRef idx="0">
+            <a:schemeClr val="accent1"/>
+          </a:effectRef>
+          <a:fontRef idx="minor">
+            <a:schemeClr val="lt1"/>
+          </a:fontRef>
+        </p:style>
+        <p:txBody>
+          <a:bodyPr rtlCol="0" anchor="ctr"/>
+          <a:lstStyle/>
+          <a:p>
+            <a:pPr algn="ctr"/>
+            <a:r>
+              <a:rPr lang="en-US" sz="1200" dirty="0"/>
+              <a:t>Stack page</a:t>
+            </a:r>
+          </a:p>
+        </p:txBody>
+      </p:sp>
+      <p:sp>
+        <p:nvSpPr>
+          <p:cNvPr id="28" name="Rectangle 27">
+            <a:extLst>
+              <a:ext uri="{FF2B5EF4-FFF2-40B4-BE49-F238E27FC236}">
+                <a16:creationId xmlns:a16="http://schemas.microsoft.com/office/drawing/2014/main" id="{44E731F0-F4D5-3444-A420-280B5E391BE1}"/>
+              </a:ext>
+            </a:extLst>
+          </p:cNvPr>
+          <p:cNvSpPr/>
+          <p:nvPr/>
+        </p:nvSpPr>
+        <p:spPr>
+          <a:xfrm>
+            <a:off x="6332495" y="2377676"/>
+            <a:ext cx="1397865" cy="163477"/>
+          </a:xfrm>
+          <a:prstGeom prst="rect">
+            <a:avLst/>
+          </a:prstGeom>
+          <a:solidFill>
+            <a:schemeClr val="accent2"/>
+          </a:solidFill>
+          <a:ln>
+            <a:noFill/>
+          </a:ln>
+        </p:spPr>
+        <p:style>
+          <a:lnRef idx="2">
+            <a:schemeClr val="accent1">
+              <a:shade val="50000"/>
+            </a:schemeClr>
+          </a:lnRef>
+          <a:fillRef idx="1">
+            <a:schemeClr val="accent1"/>
+          </a:fillRef>
+          <a:effectRef idx="0">
+            <a:schemeClr val="accent1"/>
+          </a:effectRef>
+          <a:fontRef idx="minor">
+            <a:schemeClr val="lt1"/>
+          </a:fontRef>
+        </p:style>
+        <p:txBody>
+          <a:bodyPr rtlCol="0" anchor="ctr"/>
+          <a:lstStyle/>
+          <a:p>
+            <a:pPr algn="ctr"/>
+            <a:r>
+              <a:rPr lang="en-US" sz="1000" dirty="0"/>
+              <a:t>Stack guard page</a:t>
+            </a:r>
+          </a:p>
+        </p:txBody>
+      </p:sp>
+      <p:sp>
+        <p:nvSpPr>
+          <p:cNvPr id="29" name="Rectangle 28">
+            <a:extLst>
+              <a:ext uri="{FF2B5EF4-FFF2-40B4-BE49-F238E27FC236}">
+                <a16:creationId xmlns:a16="http://schemas.microsoft.com/office/drawing/2014/main" id="{5187FB23-CDD1-5641-B207-38A9C0AB77DB}"/>
+              </a:ext>
+            </a:extLst>
+          </p:cNvPr>
+          <p:cNvSpPr/>
+          <p:nvPr/>
+        </p:nvSpPr>
+        <p:spPr>
+          <a:xfrm>
+            <a:off x="6332494" y="2572599"/>
+            <a:ext cx="1397865" cy="163477"/>
+          </a:xfrm>
+          <a:prstGeom prst="rect">
+            <a:avLst/>
+          </a:prstGeom>
+          <a:solidFill>
+            <a:schemeClr val="accent2"/>
+          </a:solidFill>
+          <a:ln>
+            <a:noFill/>
+          </a:ln>
+        </p:spPr>
+        <p:style>
+          <a:lnRef idx="2">
+            <a:schemeClr val="accent1">
+              <a:shade val="50000"/>
+            </a:schemeClr>
+          </a:lnRef>
+          <a:fillRef idx="1">
+            <a:schemeClr val="accent1"/>
+          </a:fillRef>
+          <a:effectRef idx="0">
+            <a:schemeClr val="accent1"/>
+          </a:effectRef>
+          <a:fontRef idx="minor">
+            <a:schemeClr val="lt1"/>
+          </a:fontRef>
+        </p:style>
+        <p:txBody>
+          <a:bodyPr rtlCol="0" anchor="ctr"/>
+          <a:lstStyle/>
+          <a:p>
+            <a:pPr algn="ctr"/>
+            <a:r>
+              <a:rPr lang="en-US" sz="1000" dirty="0"/>
+              <a:t>Data page</a:t>
+            </a:r>
+          </a:p>
+        </p:txBody>
+      </p:sp>
+      <p:sp>
+        <p:nvSpPr>
+          <p:cNvPr id="30" name="Rectangle 29">
+            <a:extLst>
+              <a:ext uri="{FF2B5EF4-FFF2-40B4-BE49-F238E27FC236}">
+                <a16:creationId xmlns:a16="http://schemas.microsoft.com/office/drawing/2014/main" id="{410E0EF9-6D62-1143-8E8D-FADF60D2D799}"/>
+              </a:ext>
+            </a:extLst>
+          </p:cNvPr>
+          <p:cNvSpPr/>
+          <p:nvPr/>
+        </p:nvSpPr>
+        <p:spPr>
+          <a:xfrm>
+            <a:off x="6332493" y="2756968"/>
+            <a:ext cx="1397865" cy="163477"/>
+          </a:xfrm>
+          <a:prstGeom prst="rect">
+            <a:avLst/>
+          </a:prstGeom>
+          <a:solidFill>
+            <a:schemeClr val="accent2"/>
+          </a:solidFill>
+          <a:ln>
+            <a:noFill/>
+          </a:ln>
+        </p:spPr>
+        <p:style>
+          <a:lnRef idx="2">
+            <a:schemeClr val="accent1">
+              <a:shade val="50000"/>
+            </a:schemeClr>
+          </a:lnRef>
+          <a:fillRef idx="1">
+            <a:schemeClr val="accent1"/>
+          </a:fillRef>
+          <a:effectRef idx="0">
+            <a:schemeClr val="accent1"/>
+          </a:effectRef>
+          <a:fontRef idx="minor">
+            <a:schemeClr val="lt1"/>
+          </a:fontRef>
+        </p:style>
+        <p:txBody>
+          <a:bodyPr rtlCol="0" anchor="ctr"/>
+          <a:lstStyle/>
+          <a:p>
+            <a:pPr algn="ctr"/>
+            <a:r>
+              <a:rPr lang="en-US" sz="1000" dirty="0"/>
+              <a:t>Text page (instructions)</a:t>
+            </a:r>
+          </a:p>
+        </p:txBody>
+      </p:sp>
+      <p:sp>
+        <p:nvSpPr>
+          <p:cNvPr id="31" name="Rectangle 30">
+            <a:extLst>
+              <a:ext uri="{FF2B5EF4-FFF2-40B4-BE49-F238E27FC236}">
+                <a16:creationId xmlns:a16="http://schemas.microsoft.com/office/drawing/2014/main" id="{C6A73050-3B34-8844-8A22-98E3652DDD5F}"/>
+              </a:ext>
+            </a:extLst>
+          </p:cNvPr>
+          <p:cNvSpPr/>
+          <p:nvPr/>
+        </p:nvSpPr>
+        <p:spPr>
+          <a:xfrm>
+            <a:off x="6332493" y="3027867"/>
+            <a:ext cx="1397865" cy="336877"/>
+          </a:xfrm>
+          <a:prstGeom prst="rect">
+            <a:avLst/>
+          </a:prstGeom>
+        </p:spPr>
+        <p:style>
+          <a:lnRef idx="2">
+            <a:schemeClr val="accent1">
+              <a:shade val="50000"/>
+            </a:schemeClr>
+          </a:lnRef>
+          <a:fillRef idx="1">
+            <a:schemeClr val="accent1"/>
+          </a:fillRef>
+          <a:effectRef idx="0">
+            <a:schemeClr val="accent1"/>
+          </a:effectRef>
+          <a:fontRef idx="minor">
+            <a:schemeClr val="lt1"/>
+          </a:fontRef>
+        </p:style>
+        <p:txBody>
+          <a:bodyPr rtlCol="0" anchor="ctr"/>
+          <a:lstStyle/>
+          <a:p>
+            <a:pPr algn="ctr"/>
+            <a:r>
+              <a:rPr lang="en-US" sz="1200" dirty="0"/>
+              <a:t> </a:t>
+            </a:r>
+            <a:r>
+              <a:rPr lang="en-US" sz="1200" b="1" dirty="0"/>
+              <a:t>Kernel page table </a:t>
+            </a:r>
+          </a:p>
+        </p:txBody>
+      </p:sp>
+      <p:sp>
+        <p:nvSpPr>
+          <p:cNvPr id="32" name="Rectangle 31">
+            <a:extLst>
+              <a:ext uri="{FF2B5EF4-FFF2-40B4-BE49-F238E27FC236}">
+                <a16:creationId xmlns:a16="http://schemas.microsoft.com/office/drawing/2014/main" id="{B5B97B0F-986C-EE44-B9EF-E378E0F7952D}"/>
+              </a:ext>
+            </a:extLst>
+          </p:cNvPr>
+          <p:cNvSpPr/>
+          <p:nvPr/>
+        </p:nvSpPr>
+        <p:spPr>
+          <a:xfrm>
+            <a:off x="6332492" y="3390427"/>
+            <a:ext cx="1397865" cy="163477"/>
+          </a:xfrm>
+          <a:prstGeom prst="rect">
+            <a:avLst/>
+          </a:prstGeom>
+          <a:solidFill>
+            <a:schemeClr val="accent1"/>
+          </a:solidFill>
+          <a:ln>
+            <a:noFill/>
+          </a:ln>
+        </p:spPr>
+        <p:style>
+          <a:lnRef idx="2">
+            <a:schemeClr val="accent1">
+              <a:shade val="50000"/>
+            </a:schemeClr>
+          </a:lnRef>
+          <a:fillRef idx="1">
+            <a:schemeClr val="accent1"/>
+          </a:fillRef>
+          <a:effectRef idx="0">
+            <a:schemeClr val="accent1"/>
+          </a:effectRef>
+          <a:fontRef idx="minor">
+            <a:schemeClr val="lt1"/>
+          </a:fontRef>
+        </p:style>
+        <p:txBody>
+          <a:bodyPr rtlCol="0" anchor="ctr"/>
+          <a:lstStyle/>
+          <a:p>
+            <a:pPr algn="ctr"/>
+            <a:r>
+              <a:rPr lang="en-US" sz="1000" dirty="0"/>
+              <a:t>Trampoline page</a:t>
+            </a:r>
+          </a:p>
+        </p:txBody>
+      </p:sp>
+      <p:sp>
+        <p:nvSpPr>
+          <p:cNvPr id="33" name="Rectangle 32">
+            <a:extLst>
+              <a:ext uri="{FF2B5EF4-FFF2-40B4-BE49-F238E27FC236}">
+                <a16:creationId xmlns:a16="http://schemas.microsoft.com/office/drawing/2014/main" id="{C33CC5C8-70F5-9549-9B9F-7AF07672E71E}"/>
+              </a:ext>
+            </a:extLst>
+          </p:cNvPr>
+          <p:cNvSpPr/>
+          <p:nvPr/>
+        </p:nvSpPr>
+        <p:spPr>
+          <a:xfrm>
+            <a:off x="6332491" y="3597164"/>
+            <a:ext cx="1397865" cy="1736318"/>
+          </a:xfrm>
+          <a:prstGeom prst="rect">
+            <a:avLst/>
+          </a:prstGeom>
+          <a:solidFill>
+            <a:schemeClr val="accent1"/>
+          </a:solidFill>
+          <a:ln>
+            <a:noFill/>
+          </a:ln>
+        </p:spPr>
+        <p:style>
+          <a:lnRef idx="2">
+            <a:schemeClr val="accent1">
+              <a:shade val="50000"/>
+            </a:schemeClr>
+          </a:lnRef>
+          <a:fillRef idx="1">
+            <a:schemeClr val="accent1"/>
+          </a:fillRef>
+          <a:effectRef idx="0">
+            <a:schemeClr val="accent1"/>
+          </a:effectRef>
+          <a:fontRef idx="minor">
+            <a:schemeClr val="lt1"/>
+          </a:fontRef>
+        </p:style>
+        <p:txBody>
+          <a:bodyPr rtlCol="0" anchor="ctr"/>
+          <a:lstStyle/>
+          <a:p>
+            <a:pPr algn="ctr"/>
+            <a:r>
+              <a:rPr lang="en-US" sz="1000" dirty="0"/>
+              <a:t>User kernel stack</a:t>
+            </a:r>
+          </a:p>
+          <a:p>
+            <a:pPr algn="ctr"/>
+            <a:r>
+              <a:rPr lang="en-US" sz="1000" dirty="0"/>
+              <a:t>Kernel text</a:t>
+            </a:r>
+          </a:p>
+          <a:p>
+            <a:pPr algn="ctr"/>
+            <a:r>
+              <a:rPr lang="en-US" sz="1000" dirty="0"/>
+              <a:t>Kernel data</a:t>
+            </a:r>
+          </a:p>
+          <a:p>
+            <a:pPr algn="ctr"/>
+            <a:r>
+              <a:rPr lang="en-US" sz="1000" dirty="0"/>
+              <a:t>Kernel stack</a:t>
+            </a:r>
+          </a:p>
+          <a:p>
+            <a:pPr algn="ctr"/>
+            <a:r>
+              <a:rPr lang="en-US" sz="1000" dirty="0"/>
+              <a:t>Free memory</a:t>
+            </a:r>
+          </a:p>
+          <a:p>
+            <a:pPr algn="ctr"/>
+            <a:r>
+              <a:rPr lang="en-US" sz="1000" dirty="0"/>
+              <a:t>…</a:t>
+            </a:r>
+          </a:p>
+        </p:txBody>
+      </p:sp>
+      <p:cxnSp>
+        <p:nvCxnSpPr>
+          <p:cNvPr id="35" name="Straight Arrow Connector 34">
+            <a:extLst>
+              <a:ext uri="{FF2B5EF4-FFF2-40B4-BE49-F238E27FC236}">
+                <a16:creationId xmlns:a16="http://schemas.microsoft.com/office/drawing/2014/main" id="{844D5B39-F9E9-BB4B-A141-47C31A865C6E}"/>
+              </a:ext>
+            </a:extLst>
+          </p:cNvPr>
+          <p:cNvCxnSpPr>
+            <a:stCxn id="26" idx="1"/>
+            <a:endCxn id="12" idx="3"/>
+          </p:cNvCxnSpPr>
+          <p:nvPr/>
+        </p:nvCxnSpPr>
+        <p:spPr>
+          <a:xfrm flipH="1" flipV="1">
+            <a:off x="5060731" y="1524519"/>
+            <a:ext cx="1271766" cy="269787"/>
+          </a:xfrm>
+          <a:prstGeom prst="straightConnector1">
+            <a:avLst/>
+          </a:prstGeom>
+          <a:ln>
+            <a:tailEnd type="triangle"/>
+          </a:ln>
+        </p:spPr>
+        <p:style>
+          <a:lnRef idx="2">
+            <a:schemeClr val="accent1"/>
+          </a:lnRef>
+          <a:fillRef idx="0">
+            <a:schemeClr val="accent1"/>
+          </a:fillRef>
+          <a:effectRef idx="1">
+            <a:schemeClr val="accent1"/>
+          </a:effectRef>
+          <a:fontRef idx="minor">
+            <a:schemeClr val="tx1"/>
+          </a:fontRef>
+        </p:style>
+      </p:cxnSp>
+      <p:cxnSp>
+        <p:nvCxnSpPr>
+          <p:cNvPr id="37" name="Straight Arrow Connector 36">
+            <a:extLst>
+              <a:ext uri="{FF2B5EF4-FFF2-40B4-BE49-F238E27FC236}">
+                <a16:creationId xmlns:a16="http://schemas.microsoft.com/office/drawing/2014/main" id="{A7CF2640-3E0D-C442-8B39-A1FCD5C6B737}"/>
+              </a:ext>
+            </a:extLst>
+          </p:cNvPr>
+          <p:cNvCxnSpPr>
+            <a:stCxn id="32" idx="1"/>
+            <a:endCxn id="12" idx="3"/>
+          </p:cNvCxnSpPr>
+          <p:nvPr/>
+        </p:nvCxnSpPr>
+        <p:spPr>
+          <a:xfrm flipH="1" flipV="1">
+            <a:off x="5060731" y="1524519"/>
+            <a:ext cx="1271761" cy="1947647"/>
+          </a:xfrm>
+          <a:prstGeom prst="straightConnector1">
+            <a:avLst/>
+          </a:prstGeom>
+          <a:ln>
+            <a:tailEnd type="triangle"/>
+          </a:ln>
+        </p:spPr>
+        <p:style>
+          <a:lnRef idx="2">
+            <a:schemeClr val="accent1"/>
+          </a:lnRef>
+          <a:fillRef idx="0">
+            <a:schemeClr val="accent1"/>
+          </a:fillRef>
+          <a:effectRef idx="1">
+            <a:schemeClr val="accent1"/>
+          </a:effectRef>
+          <a:fontRef idx="minor">
+            <a:schemeClr val="tx1"/>
+          </a:fontRef>
+        </p:style>
+      </p:cxnSp>
+      <p:sp>
+        <p:nvSpPr>
+          <p:cNvPr id="38" name="Rectangle 37">
+            <a:extLst>
+              <a:ext uri="{FF2B5EF4-FFF2-40B4-BE49-F238E27FC236}">
+                <a16:creationId xmlns:a16="http://schemas.microsoft.com/office/drawing/2014/main" id="{340A98B0-B23D-214D-A30F-C2A6C888CC35}"/>
+              </a:ext>
+            </a:extLst>
+          </p:cNvPr>
+          <p:cNvSpPr/>
+          <p:nvPr/>
+        </p:nvSpPr>
+        <p:spPr>
+          <a:xfrm>
+            <a:off x="8035162" y="1361045"/>
+            <a:ext cx="1650124" cy="338538"/>
+          </a:xfrm>
+          <a:prstGeom prst="rect">
+            <a:avLst/>
+          </a:prstGeom>
+          <a:solidFill>
+            <a:schemeClr val="accent2"/>
+          </a:solidFill>
+          <a:ln>
+            <a:noFill/>
+          </a:ln>
+        </p:spPr>
+        <p:style>
+          <a:lnRef idx="2">
+            <a:schemeClr val="accent1">
+              <a:shade val="50000"/>
+            </a:schemeClr>
+          </a:lnRef>
+          <a:fillRef idx="1">
+            <a:schemeClr val="accent1"/>
+          </a:fillRef>
+          <a:effectRef idx="0">
+            <a:schemeClr val="accent1"/>
+          </a:effectRef>
+          <a:fontRef idx="minor">
+            <a:schemeClr val="lt1"/>
+          </a:fontRef>
+        </p:style>
+        <p:txBody>
+          <a:bodyPr rtlCol="0" anchor="ctr"/>
+          <a:lstStyle/>
+          <a:p>
+            <a:pPr algn="ctr"/>
+            <a:r>
+              <a:rPr lang="en-US" sz="1400" b="1" dirty="0"/>
+              <a:t>Trap frame</a:t>
+            </a:r>
+          </a:p>
+        </p:txBody>
+      </p:sp>
+      <p:cxnSp>
+        <p:nvCxnSpPr>
+          <p:cNvPr id="40" name="Straight Arrow Connector 39">
+            <a:extLst>
+              <a:ext uri="{FF2B5EF4-FFF2-40B4-BE49-F238E27FC236}">
+                <a16:creationId xmlns:a16="http://schemas.microsoft.com/office/drawing/2014/main" id="{93DD38E4-A899-AE48-9FF0-EC43CA8F04C2}"/>
+              </a:ext>
+            </a:extLst>
+          </p:cNvPr>
+          <p:cNvCxnSpPr>
+            <a:cxnSpLocks/>
+            <a:stCxn id="25" idx="3"/>
+            <a:endCxn id="38" idx="1"/>
+          </p:cNvCxnSpPr>
+          <p:nvPr/>
+        </p:nvCxnSpPr>
+        <p:spPr>
+          <a:xfrm flipV="1">
+            <a:off x="7730363" y="1530314"/>
+            <a:ext cx="304799" cy="449484"/>
+          </a:xfrm>
+          <a:prstGeom prst="straightConnector1">
+            <a:avLst/>
+          </a:prstGeom>
+          <a:ln>
+            <a:tailEnd type="triangle"/>
+          </a:ln>
+        </p:spPr>
+        <p:style>
+          <a:lnRef idx="2">
+            <a:schemeClr val="accent2"/>
+          </a:lnRef>
+          <a:fillRef idx="0">
+            <a:schemeClr val="accent2"/>
+          </a:fillRef>
+          <a:effectRef idx="1">
+            <a:schemeClr val="accent2"/>
+          </a:effectRef>
+          <a:fontRef idx="minor">
+            <a:schemeClr val="tx1"/>
+          </a:fontRef>
+        </p:style>
+      </p:cxnSp>
+      <p:sp>
+        <p:nvSpPr>
+          <p:cNvPr id="42" name="Rectangle 41">
+            <a:extLst>
+              <a:ext uri="{FF2B5EF4-FFF2-40B4-BE49-F238E27FC236}">
+                <a16:creationId xmlns:a16="http://schemas.microsoft.com/office/drawing/2014/main" id="{D4B2FB96-980D-0B42-A4B4-A0B7066C9FD4}"/>
+              </a:ext>
+            </a:extLst>
+          </p:cNvPr>
+          <p:cNvSpPr/>
+          <p:nvPr/>
+        </p:nvSpPr>
+        <p:spPr>
+          <a:xfrm>
+            <a:off x="8035160" y="1794306"/>
+            <a:ext cx="1650124" cy="264892"/>
+          </a:xfrm>
+          <a:prstGeom prst="rect">
+            <a:avLst/>
+          </a:prstGeom>
+          <a:solidFill>
+            <a:schemeClr val="accent2"/>
+          </a:solidFill>
+          <a:ln>
+            <a:noFill/>
+          </a:ln>
+        </p:spPr>
+        <p:style>
+          <a:lnRef idx="2">
+            <a:schemeClr val="accent1">
+              <a:shade val="50000"/>
+            </a:schemeClr>
+          </a:lnRef>
+          <a:fillRef idx="1">
+            <a:schemeClr val="accent1"/>
+          </a:fillRef>
+          <a:effectRef idx="0">
+            <a:schemeClr val="accent1"/>
+          </a:effectRef>
+          <a:fontRef idx="minor">
+            <a:schemeClr val="lt1"/>
+          </a:fontRef>
+        </p:style>
+        <p:txBody>
+          <a:bodyPr rtlCol="0" anchor="ctr"/>
+          <a:lstStyle/>
+          <a:p>
+            <a:pPr algn="ctr"/>
+            <a:r>
+              <a:rPr lang="en-US" sz="1200" dirty="0"/>
+              <a:t>Kernel page table</a:t>
+            </a:r>
+          </a:p>
+          <a:p>
+            <a:pPr algn="ctr"/>
+            <a:r>
+              <a:rPr lang="en-US" sz="800" dirty="0">
+                <a:solidFill>
+                  <a:schemeClr val="bg1"/>
+                </a:solidFill>
+              </a:rPr>
+              <a:t>kernel_satp</a:t>
+            </a:r>
+          </a:p>
+        </p:txBody>
+      </p:sp>
+      <p:sp>
+        <p:nvSpPr>
+          <p:cNvPr id="43" name="Rectangle 42">
+            <a:extLst>
+              <a:ext uri="{FF2B5EF4-FFF2-40B4-BE49-F238E27FC236}">
+                <a16:creationId xmlns:a16="http://schemas.microsoft.com/office/drawing/2014/main" id="{85C72CBE-35E9-9742-A517-344C2CAB9A5C}"/>
+              </a:ext>
+            </a:extLst>
+          </p:cNvPr>
+          <p:cNvSpPr/>
+          <p:nvPr/>
+        </p:nvSpPr>
+        <p:spPr>
+          <a:xfrm>
+            <a:off x="8035158" y="2140005"/>
+            <a:ext cx="1650124" cy="264892"/>
+          </a:xfrm>
+          <a:prstGeom prst="rect">
+            <a:avLst/>
+          </a:prstGeom>
+          <a:solidFill>
+            <a:schemeClr val="accent2"/>
+          </a:solidFill>
+          <a:ln>
+            <a:noFill/>
+          </a:ln>
+        </p:spPr>
+        <p:style>
+          <a:lnRef idx="2">
+            <a:schemeClr val="accent1">
+              <a:shade val="50000"/>
+            </a:schemeClr>
+          </a:lnRef>
+          <a:fillRef idx="1">
+            <a:schemeClr val="accent1"/>
+          </a:fillRef>
+          <a:effectRef idx="0">
+            <a:schemeClr val="accent1"/>
+          </a:effectRef>
+          <a:fontRef idx="minor">
+            <a:schemeClr val="lt1"/>
+          </a:fontRef>
+        </p:style>
+        <p:txBody>
+          <a:bodyPr rtlCol="0" anchor="ctr"/>
+          <a:lstStyle/>
+          <a:p>
+            <a:pPr algn="ctr"/>
+            <a:r>
+              <a:rPr lang="en-US" sz="1200" dirty="0"/>
+              <a:t>Process’s kernel stack</a:t>
+            </a:r>
+          </a:p>
+          <a:p>
+            <a:pPr algn="ctr"/>
+            <a:r>
+              <a:rPr lang="en-US" sz="800" dirty="0">
+                <a:solidFill>
+                  <a:schemeClr val="bg1"/>
+                </a:solidFill>
+              </a:rPr>
+              <a:t>kernel_sp</a:t>
+            </a:r>
+          </a:p>
+        </p:txBody>
+      </p:sp>
+      <p:sp>
+        <p:nvSpPr>
+          <p:cNvPr id="44" name="Rectangle 43">
+            <a:extLst>
+              <a:ext uri="{FF2B5EF4-FFF2-40B4-BE49-F238E27FC236}">
+                <a16:creationId xmlns:a16="http://schemas.microsoft.com/office/drawing/2014/main" id="{5A936CE2-8634-824E-AAC8-6BF4E0363EE7}"/>
+              </a:ext>
+            </a:extLst>
+          </p:cNvPr>
+          <p:cNvSpPr/>
+          <p:nvPr/>
+        </p:nvSpPr>
+        <p:spPr>
+          <a:xfrm>
+            <a:off x="8035158" y="2481457"/>
+            <a:ext cx="1650124" cy="264892"/>
+          </a:xfrm>
+          <a:prstGeom prst="rect">
+            <a:avLst/>
+          </a:prstGeom>
+          <a:solidFill>
+            <a:schemeClr val="accent2"/>
+          </a:solidFill>
+          <a:ln>
+            <a:noFill/>
+          </a:ln>
+        </p:spPr>
+        <p:style>
+          <a:lnRef idx="2">
+            <a:schemeClr val="accent1">
+              <a:shade val="50000"/>
+            </a:schemeClr>
+          </a:lnRef>
+          <a:fillRef idx="1">
+            <a:schemeClr val="accent1"/>
+          </a:fillRef>
+          <a:effectRef idx="0">
+            <a:schemeClr val="accent1"/>
+          </a:effectRef>
+          <a:fontRef idx="minor">
+            <a:schemeClr val="lt1"/>
+          </a:fontRef>
+        </p:style>
+        <p:txBody>
+          <a:bodyPr rtlCol="0" anchor="ctr"/>
+          <a:lstStyle/>
+          <a:p>
+            <a:pPr algn="ctr"/>
+            <a:r>
+              <a:rPr lang="en-US" sz="1200" dirty="0"/>
+              <a:t>usertrap( ) code addr</a:t>
+            </a:r>
+          </a:p>
+          <a:p>
+            <a:pPr algn="ctr"/>
+            <a:r>
+              <a:rPr lang="en-US" sz="800" dirty="0">
+                <a:solidFill>
+                  <a:schemeClr val="bg1"/>
+                </a:solidFill>
+              </a:rPr>
+              <a:t>kernel_trap</a:t>
+            </a:r>
+          </a:p>
+        </p:txBody>
+      </p:sp>
+      <p:sp>
+        <p:nvSpPr>
+          <p:cNvPr id="45" name="Rectangle 44">
+            <a:extLst>
+              <a:ext uri="{FF2B5EF4-FFF2-40B4-BE49-F238E27FC236}">
+                <a16:creationId xmlns:a16="http://schemas.microsoft.com/office/drawing/2014/main" id="{C36FC437-732C-8743-8168-F69FAB362B8D}"/>
+              </a:ext>
+            </a:extLst>
+          </p:cNvPr>
+          <p:cNvSpPr/>
+          <p:nvPr/>
+        </p:nvSpPr>
+        <p:spPr>
+          <a:xfrm>
+            <a:off x="8035156" y="2822909"/>
+            <a:ext cx="1650124" cy="264892"/>
+          </a:xfrm>
+          <a:prstGeom prst="rect">
+            <a:avLst/>
+          </a:prstGeom>
+          <a:solidFill>
+            <a:schemeClr val="accent2"/>
+          </a:solidFill>
+          <a:ln>
+            <a:noFill/>
+          </a:ln>
+        </p:spPr>
+        <p:style>
+          <a:lnRef idx="2">
+            <a:schemeClr val="accent1">
+              <a:shade val="50000"/>
+            </a:schemeClr>
+          </a:lnRef>
+          <a:fillRef idx="1">
+            <a:schemeClr val="accent1"/>
+          </a:fillRef>
+          <a:effectRef idx="0">
+            <a:schemeClr val="accent1"/>
+          </a:effectRef>
+          <a:fontRef idx="minor">
+            <a:schemeClr val="lt1"/>
+          </a:fontRef>
+        </p:style>
+        <p:txBody>
+          <a:bodyPr rtlCol="0" anchor="ctr"/>
+          <a:lstStyle/>
+          <a:p>
+            <a:pPr algn="ctr"/>
+            <a:r>
+              <a:rPr lang="en-US" sz="1200" dirty="0"/>
+              <a:t>Saved user pc</a:t>
+            </a:r>
+          </a:p>
+          <a:p>
+            <a:pPr algn="ctr"/>
+            <a:r>
+              <a:rPr lang="en-US" sz="800" dirty="0">
+                <a:solidFill>
+                  <a:schemeClr val="bg1"/>
+                </a:solidFill>
+              </a:rPr>
+              <a:t> epc</a:t>
+            </a:r>
+          </a:p>
+        </p:txBody>
+      </p:sp>
+      <p:sp>
+        <p:nvSpPr>
+          <p:cNvPr id="46" name="Rectangle 45">
+            <a:extLst>
+              <a:ext uri="{FF2B5EF4-FFF2-40B4-BE49-F238E27FC236}">
+                <a16:creationId xmlns:a16="http://schemas.microsoft.com/office/drawing/2014/main" id="{6ABCA7C4-4A27-0244-B78F-807B0BE103AE}"/>
+              </a:ext>
+            </a:extLst>
+          </p:cNvPr>
+          <p:cNvSpPr/>
+          <p:nvPr/>
+        </p:nvSpPr>
+        <p:spPr>
+          <a:xfrm>
+            <a:off x="8035155" y="3159261"/>
+            <a:ext cx="1650124" cy="264892"/>
+          </a:xfrm>
+          <a:prstGeom prst="rect">
+            <a:avLst/>
+          </a:prstGeom>
+          <a:solidFill>
+            <a:schemeClr val="accent2"/>
+          </a:solidFill>
+          <a:ln>
+            <a:noFill/>
+          </a:ln>
+        </p:spPr>
+        <p:style>
+          <a:lnRef idx="2">
+            <a:schemeClr val="accent1">
+              <a:shade val="50000"/>
+            </a:schemeClr>
+          </a:lnRef>
+          <a:fillRef idx="1">
+            <a:schemeClr val="accent1"/>
+          </a:fillRef>
+          <a:effectRef idx="0">
+            <a:schemeClr val="accent1"/>
+          </a:effectRef>
+          <a:fontRef idx="minor">
+            <a:schemeClr val="lt1"/>
+          </a:fontRef>
+        </p:style>
+        <p:txBody>
+          <a:bodyPr rtlCol="0" anchor="ctr"/>
+          <a:lstStyle/>
+          <a:p>
+            <a:pPr algn="ctr"/>
+            <a:r>
+              <a:rPr lang="en-US" sz="1200" dirty="0"/>
+              <a:t>Process’s current core</a:t>
+            </a:r>
+          </a:p>
+          <a:p>
+            <a:pPr algn="ctr"/>
+            <a:r>
+              <a:rPr lang="en-US" sz="800" dirty="0">
+                <a:solidFill>
+                  <a:schemeClr val="bg1"/>
+                </a:solidFill>
+              </a:rPr>
+              <a:t>kernel_hartid</a:t>
+            </a:r>
+          </a:p>
+        </p:txBody>
+      </p:sp>
+      <p:sp>
+        <p:nvSpPr>
+          <p:cNvPr id="47" name="Rectangle 46">
+            <a:extLst>
+              <a:ext uri="{FF2B5EF4-FFF2-40B4-BE49-F238E27FC236}">
+                <a16:creationId xmlns:a16="http://schemas.microsoft.com/office/drawing/2014/main" id="{55165BF2-CE19-6E49-9E0E-B9D8A5558647}"/>
+              </a:ext>
+            </a:extLst>
+          </p:cNvPr>
+          <p:cNvSpPr/>
+          <p:nvPr/>
+        </p:nvSpPr>
+        <p:spPr>
+          <a:xfrm>
+            <a:off x="8035155" y="3492892"/>
+            <a:ext cx="1650124" cy="1834793"/>
+          </a:xfrm>
+          <a:prstGeom prst="rect">
+            <a:avLst/>
+          </a:prstGeom>
+          <a:solidFill>
+            <a:schemeClr val="accent2"/>
+          </a:solidFill>
+          <a:ln>
+            <a:noFill/>
+          </a:ln>
+        </p:spPr>
+        <p:style>
+          <a:lnRef idx="2">
+            <a:schemeClr val="accent1">
+              <a:shade val="50000"/>
+            </a:schemeClr>
+          </a:lnRef>
+          <a:fillRef idx="1">
+            <a:schemeClr val="accent1"/>
+          </a:fillRef>
+          <a:effectRef idx="0">
+            <a:schemeClr val="accent1"/>
+          </a:effectRef>
+          <a:fontRef idx="minor">
+            <a:schemeClr val="lt1"/>
+          </a:fontRef>
+        </p:style>
+        <p:txBody>
+          <a:bodyPr rtlCol="0" anchor="ctr"/>
+          <a:lstStyle/>
+          <a:p>
+            <a:pPr algn="ctr"/>
+            <a:r>
+              <a:rPr lang="en-US" sz="1400" dirty="0"/>
+              <a:t>32 user general purpose registers</a:t>
             </a:r>
           </a:p>
         </p:txBody>

--- a/docs/figures/os1.pptx
+++ b/docs/figures/os1.pptx
@@ -5,7 +5,7 @@
     <p:sldMasterId id="2147483648" r:id="rId1"/>
   </p:sldMasterIdLst>
   <p:notesMasterIdLst>
-    <p:notesMasterId r:id="rId8"/>
+    <p:notesMasterId r:id="rId9"/>
   </p:notesMasterIdLst>
   <p:sldIdLst>
     <p:sldId id="331" r:id="rId2"/>
@@ -14,6 +14,7 @@
     <p:sldId id="336" r:id="rId5"/>
     <p:sldId id="332" r:id="rId6"/>
     <p:sldId id="333" r:id="rId7"/>
+    <p:sldId id="337" r:id="rId8"/>
   </p:sldIdLst>
   <p:sldSz cx="12192000" cy="6858000"/>
   <p:notesSz cx="6858000" cy="9144000"/>
@@ -965,6 +966,90 @@
     <p:extLst>
       <p:ext uri="{BB962C8B-B14F-4D97-AF65-F5344CB8AC3E}">
         <p14:creationId xmlns:p14="http://schemas.microsoft.com/office/powerpoint/2010/main" val="1398693450"/>
+      </p:ext>
+    </p:extLst>
+  </p:cSld>
+  <p:clrMapOvr>
+    <a:masterClrMapping/>
+  </p:clrMapOvr>
+</p:notes>
+</file>
+
+<file path=ppt/notesSlides/notesSlide7.xml><?xml version="1.0" encoding="utf-8"?>
+<p:notes xmlns:a="http://schemas.openxmlformats.org/drawingml/2006/main" xmlns:r="http://schemas.openxmlformats.org/officeDocument/2006/relationships" xmlns:p="http://schemas.openxmlformats.org/presentationml/2006/main">
+  <p:cSld>
+    <p:spTree>
+      <p:nvGrpSpPr>
+        <p:cNvPr id="1" name=""/>
+        <p:cNvGrpSpPr/>
+        <p:nvPr/>
+      </p:nvGrpSpPr>
+      <p:grpSpPr>
+        <a:xfrm>
+          <a:off x="0" y="0"/>
+          <a:ext cx="0" cy="0"/>
+          <a:chOff x="0" y="0"/>
+          <a:chExt cx="0" cy="0"/>
+        </a:xfrm>
+      </p:grpSpPr>
+      <p:sp>
+        <p:nvSpPr>
+          <p:cNvPr id="2" name="Slide Image Placeholder 1"/>
+          <p:cNvSpPr>
+            <a:spLocks noGrp="1" noRot="1" noChangeAspect="1"/>
+          </p:cNvSpPr>
+          <p:nvPr>
+            <p:ph type="sldImg"/>
+          </p:nvPr>
+        </p:nvSpPr>
+        <p:spPr/>
+      </p:sp>
+      <p:sp>
+        <p:nvSpPr>
+          <p:cNvPr id="3" name="Notes Placeholder 2"/>
+          <p:cNvSpPr>
+            <a:spLocks noGrp="1"/>
+          </p:cNvSpPr>
+          <p:nvPr>
+            <p:ph type="body" idx="1"/>
+          </p:nvPr>
+        </p:nvSpPr>
+        <p:spPr/>
+        <p:txBody>
+          <a:bodyPr/>
+          <a:lstStyle/>
+          <a:p>
+            <a:endParaRPr lang="en-US" dirty="0"/>
+          </a:p>
+        </p:txBody>
+      </p:sp>
+      <p:sp>
+        <p:nvSpPr>
+          <p:cNvPr id="4" name="Slide Number Placeholder 3"/>
+          <p:cNvSpPr>
+            <a:spLocks noGrp="1"/>
+          </p:cNvSpPr>
+          <p:nvPr>
+            <p:ph type="sldNum" sz="quarter" idx="5"/>
+          </p:nvPr>
+        </p:nvSpPr>
+        <p:spPr/>
+        <p:txBody>
+          <a:bodyPr/>
+          <a:lstStyle/>
+          <a:p>
+            <a:fld id="{997274CE-51E2-314F-8544-5E91EE33A09F}" type="slidenum">
+              <a:rPr lang="en-US" smtClean="0"/>
+              <a:t>7</a:t>
+            </a:fld>
+            <a:endParaRPr lang="en-US"/>
+          </a:p>
+        </p:txBody>
+      </p:sp>
+    </p:spTree>
+    <p:extLst>
+      <p:ext uri="{BB962C8B-B14F-4D97-AF65-F5344CB8AC3E}">
+        <p14:creationId xmlns:p14="http://schemas.microsoft.com/office/powerpoint/2010/main" val="3459859977"/>
       </p:ext>
     </p:extLst>
   </p:cSld>
@@ -9834,7 +9919,7 @@
         </p:nvSpPr>
         <p:spPr>
           <a:xfrm>
-            <a:off x="1872537" y="289820"/>
+            <a:off x="1746413" y="353483"/>
             <a:ext cx="8446926" cy="707886"/>
           </a:xfrm>
           <a:prstGeom prst="rect">
@@ -11852,6 +11937,2488 @@
       </p:grpSpPr>
       <p:sp>
         <p:nvSpPr>
+          <p:cNvPr id="99" name="Left Arrow 98">
+            <a:extLst>
+              <a:ext uri="{FF2B5EF4-FFF2-40B4-BE49-F238E27FC236}">
+                <a16:creationId xmlns:a16="http://schemas.microsoft.com/office/drawing/2014/main" id="{FAB4F112-8361-8748-BEB1-1D4E8FEC4F3D}"/>
+              </a:ext>
+            </a:extLst>
+          </p:cNvPr>
+          <p:cNvSpPr/>
+          <p:nvPr/>
+        </p:nvSpPr>
+        <p:spPr>
+          <a:xfrm rot="20352189">
+            <a:off x="1749835" y="1742830"/>
+            <a:ext cx="3670138" cy="511617"/>
+          </a:xfrm>
+          <a:prstGeom prst="leftArrow">
+            <a:avLst/>
+          </a:prstGeom>
+          <a:solidFill>
+            <a:srgbClr val="FFFF00"/>
+          </a:solidFill>
+          <a:ln>
+            <a:noFill/>
+          </a:ln>
+        </p:spPr>
+        <p:style>
+          <a:lnRef idx="2">
+            <a:schemeClr val="accent1">
+              <a:shade val="50000"/>
+            </a:schemeClr>
+          </a:lnRef>
+          <a:fillRef idx="1">
+            <a:schemeClr val="accent1"/>
+          </a:fillRef>
+          <a:effectRef idx="0">
+            <a:schemeClr val="accent1"/>
+          </a:effectRef>
+          <a:fontRef idx="minor">
+            <a:schemeClr val="lt1"/>
+          </a:fontRef>
+        </p:style>
+        <p:txBody>
+          <a:bodyPr rtlCol="0" anchor="ctr"/>
+          <a:lstStyle/>
+          <a:p>
+            <a:pPr algn="ctr"/>
+            <a:endParaRPr lang="en-US"/>
+          </a:p>
+        </p:txBody>
+      </p:sp>
+      <p:sp>
+        <p:nvSpPr>
+          <p:cNvPr id="74" name="Right Arrow 73">
+            <a:extLst>
+              <a:ext uri="{FF2B5EF4-FFF2-40B4-BE49-F238E27FC236}">
+                <a16:creationId xmlns:a16="http://schemas.microsoft.com/office/drawing/2014/main" id="{B6D3065F-18FA-A74B-9440-8B3903E8DB93}"/>
+              </a:ext>
+            </a:extLst>
+          </p:cNvPr>
+          <p:cNvSpPr/>
+          <p:nvPr/>
+        </p:nvSpPr>
+        <p:spPr>
+          <a:xfrm>
+            <a:off x="1914998" y="2786119"/>
+            <a:ext cx="3509016" cy="502797"/>
+          </a:xfrm>
+          <a:prstGeom prst="rightArrow">
+            <a:avLst/>
+          </a:prstGeom>
+          <a:solidFill>
+            <a:srgbClr val="FFFF00"/>
+          </a:solidFill>
+        </p:spPr>
+        <p:style>
+          <a:lnRef idx="2">
+            <a:schemeClr val="accent1">
+              <a:shade val="50000"/>
+            </a:schemeClr>
+          </a:lnRef>
+          <a:fillRef idx="1">
+            <a:schemeClr val="accent1"/>
+          </a:fillRef>
+          <a:effectRef idx="0">
+            <a:schemeClr val="accent1"/>
+          </a:effectRef>
+          <a:fontRef idx="minor">
+            <a:schemeClr val="lt1"/>
+          </a:fontRef>
+        </p:style>
+        <p:txBody>
+          <a:bodyPr rtlCol="0" anchor="ctr"/>
+          <a:lstStyle/>
+          <a:p>
+            <a:pPr algn="ctr"/>
+            <a:endParaRPr lang="en-US"/>
+          </a:p>
+        </p:txBody>
+      </p:sp>
+      <p:sp>
+        <p:nvSpPr>
+          <p:cNvPr id="2" name="TextBox 1">
+            <a:extLst>
+              <a:ext uri="{FF2B5EF4-FFF2-40B4-BE49-F238E27FC236}">
+                <a16:creationId xmlns:a16="http://schemas.microsoft.com/office/drawing/2014/main" id="{A99980E2-A3A9-FD4A-9011-9A37E88F5891}"/>
+              </a:ext>
+            </a:extLst>
+          </p:cNvPr>
+          <p:cNvSpPr txBox="1"/>
+          <p:nvPr/>
+        </p:nvSpPr>
+        <p:spPr>
+          <a:xfrm>
+            <a:off x="-527485" y="330123"/>
+            <a:ext cx="8446926" cy="707886"/>
+          </a:xfrm>
+          <a:prstGeom prst="rect">
+            <a:avLst/>
+          </a:prstGeom>
+          <a:noFill/>
+        </p:spPr>
+        <p:txBody>
+          <a:bodyPr wrap="square" rtlCol="0">
+            <a:spAutoFit/>
+          </a:bodyPr>
+          <a:lstStyle/>
+          <a:p>
+            <a:pPr algn="ctr"/>
+            <a:r>
+              <a:rPr lang="en-US" sz="4000" dirty="0">
+                <a:solidFill>
+                  <a:schemeClr val="accent1">
+                    <a:lumMod val="60000"/>
+                    <a:lumOff val="40000"/>
+                  </a:schemeClr>
+                </a:solidFill>
+              </a:rPr>
+              <a:t>Traps</a:t>
+            </a:r>
+          </a:p>
+        </p:txBody>
+      </p:sp>
+      <p:sp>
+        <p:nvSpPr>
+          <p:cNvPr id="3" name="Rounded Rectangle 2">
+            <a:extLst>
+              <a:ext uri="{FF2B5EF4-FFF2-40B4-BE49-F238E27FC236}">
+                <a16:creationId xmlns:a16="http://schemas.microsoft.com/office/drawing/2014/main" id="{3CAD1C50-DAA7-B444-A7B5-DEDE37BC3CC6}"/>
+              </a:ext>
+            </a:extLst>
+          </p:cNvPr>
+          <p:cNvSpPr/>
+          <p:nvPr/>
+        </p:nvSpPr>
+        <p:spPr>
+          <a:xfrm>
+            <a:off x="685378" y="2511558"/>
+            <a:ext cx="977462" cy="1030142"/>
+          </a:xfrm>
+          <a:prstGeom prst="roundRect">
+            <a:avLst/>
+          </a:prstGeom>
+          <a:solidFill>
+            <a:schemeClr val="accent2"/>
+          </a:solidFill>
+          <a:ln>
+            <a:noFill/>
+          </a:ln>
+        </p:spPr>
+        <p:style>
+          <a:lnRef idx="2">
+            <a:schemeClr val="accent1">
+              <a:shade val="50000"/>
+            </a:schemeClr>
+          </a:lnRef>
+          <a:fillRef idx="1">
+            <a:schemeClr val="accent1"/>
+          </a:fillRef>
+          <a:effectRef idx="0">
+            <a:schemeClr val="accent1"/>
+          </a:effectRef>
+          <a:fontRef idx="minor">
+            <a:schemeClr val="lt1"/>
+          </a:fontRef>
+        </p:style>
+        <p:txBody>
+          <a:bodyPr rtlCol="0" anchor="ctr"/>
+          <a:lstStyle/>
+          <a:p>
+            <a:pPr algn="ctr"/>
+            <a:r>
+              <a:rPr lang="en-US" b="1" dirty="0"/>
+              <a:t>User</a:t>
+            </a:r>
+          </a:p>
+        </p:txBody>
+      </p:sp>
+      <p:cxnSp>
+        <p:nvCxnSpPr>
+          <p:cNvPr id="4" name="Straight Connector 3">
+            <a:extLst>
+              <a:ext uri="{FF2B5EF4-FFF2-40B4-BE49-F238E27FC236}">
+                <a16:creationId xmlns:a16="http://schemas.microsoft.com/office/drawing/2014/main" id="{567C07CC-EE6E-D443-A8F7-9E6F38891AA3}"/>
+              </a:ext>
+            </a:extLst>
+          </p:cNvPr>
+          <p:cNvCxnSpPr>
+            <a:cxnSpLocks/>
+          </p:cNvCxnSpPr>
+          <p:nvPr/>
+        </p:nvCxnSpPr>
+        <p:spPr>
+          <a:xfrm>
+            <a:off x="3695978" y="1074541"/>
+            <a:ext cx="0" cy="5635178"/>
+          </a:xfrm>
+          <a:prstGeom prst="line">
+            <a:avLst/>
+          </a:prstGeom>
+          <a:ln w="9525" cap="flat" cmpd="sng" algn="ctr">
+            <a:solidFill>
+              <a:schemeClr val="accent2"/>
+            </a:solidFill>
+            <a:prstDash val="dash"/>
+            <a:round/>
+            <a:headEnd type="none" w="med" len="med"/>
+            <a:tailEnd type="none" w="med" len="med"/>
+          </a:ln>
+        </p:spPr>
+        <p:style>
+          <a:lnRef idx="0">
+            <a:scrgbClr r="0" g="0" b="0"/>
+          </a:lnRef>
+          <a:fillRef idx="0">
+            <a:scrgbClr r="0" g="0" b="0"/>
+          </a:fillRef>
+          <a:effectRef idx="0">
+            <a:scrgbClr r="0" g="0" b="0"/>
+          </a:effectRef>
+          <a:fontRef idx="minor">
+            <a:schemeClr val="tx1"/>
+          </a:fontRef>
+        </p:style>
+      </p:cxnSp>
+      <p:sp>
+        <p:nvSpPr>
+          <p:cNvPr id="5" name="Rounded Rectangle 4">
+            <a:extLst>
+              <a:ext uri="{FF2B5EF4-FFF2-40B4-BE49-F238E27FC236}">
+                <a16:creationId xmlns:a16="http://schemas.microsoft.com/office/drawing/2014/main" id="{8F91392E-022A-044E-9C75-B6373C6479BB}"/>
+              </a:ext>
+            </a:extLst>
+          </p:cNvPr>
+          <p:cNvSpPr/>
+          <p:nvPr/>
+        </p:nvSpPr>
+        <p:spPr>
+          <a:xfrm>
+            <a:off x="5570383" y="2542532"/>
+            <a:ext cx="1069427" cy="1030142"/>
+          </a:xfrm>
+          <a:prstGeom prst="roundRect">
+            <a:avLst/>
+          </a:prstGeom>
+          <a:solidFill>
+            <a:srgbClr val="00B0F0"/>
+          </a:solidFill>
+          <a:ln>
+            <a:noFill/>
+          </a:ln>
+        </p:spPr>
+        <p:style>
+          <a:lnRef idx="2">
+            <a:schemeClr val="accent1">
+              <a:shade val="50000"/>
+            </a:schemeClr>
+          </a:lnRef>
+          <a:fillRef idx="1">
+            <a:schemeClr val="accent1"/>
+          </a:fillRef>
+          <a:effectRef idx="0">
+            <a:schemeClr val="accent1"/>
+          </a:effectRef>
+          <a:fontRef idx="minor">
+            <a:schemeClr val="lt1"/>
+          </a:fontRef>
+        </p:style>
+        <p:txBody>
+          <a:bodyPr rtlCol="0" anchor="ctr"/>
+          <a:lstStyle/>
+          <a:p>
+            <a:pPr algn="ctr"/>
+            <a:r>
+              <a:rPr lang="en-US" b="1" dirty="0">
+                <a:solidFill>
+                  <a:schemeClr val="bg1"/>
+                </a:solidFill>
+              </a:rPr>
+              <a:t>ecall</a:t>
+            </a:r>
+          </a:p>
+        </p:txBody>
+      </p:sp>
+      <p:sp>
+        <p:nvSpPr>
+          <p:cNvPr id="7" name="Rounded Rectangle 6">
+            <a:extLst>
+              <a:ext uri="{FF2B5EF4-FFF2-40B4-BE49-F238E27FC236}">
+                <a16:creationId xmlns:a16="http://schemas.microsoft.com/office/drawing/2014/main" id="{765468FB-02C1-E448-B08C-C0D1C679A971}"/>
+              </a:ext>
+            </a:extLst>
+          </p:cNvPr>
+          <p:cNvSpPr/>
+          <p:nvPr/>
+        </p:nvSpPr>
+        <p:spPr>
+          <a:xfrm>
+            <a:off x="7144126" y="2540314"/>
+            <a:ext cx="1416270" cy="1030142"/>
+          </a:xfrm>
+          <a:prstGeom prst="roundRect">
+            <a:avLst/>
+          </a:prstGeom>
+          <a:solidFill>
+            <a:srgbClr val="00B0F0"/>
+          </a:solidFill>
+        </p:spPr>
+        <p:style>
+          <a:lnRef idx="2">
+            <a:schemeClr val="accent1">
+              <a:shade val="50000"/>
+            </a:schemeClr>
+          </a:lnRef>
+          <a:fillRef idx="1">
+            <a:schemeClr val="accent1"/>
+          </a:fillRef>
+          <a:effectRef idx="0">
+            <a:schemeClr val="accent1"/>
+          </a:effectRef>
+          <a:fontRef idx="minor">
+            <a:schemeClr val="lt1"/>
+          </a:fontRef>
+        </p:style>
+        <p:txBody>
+          <a:bodyPr rtlCol="0" anchor="ctr"/>
+          <a:lstStyle/>
+          <a:p>
+            <a:pPr algn="ctr"/>
+            <a:r>
+              <a:rPr lang="en-US" b="1" dirty="0">
+                <a:solidFill>
+                  <a:schemeClr val="bg1"/>
+                </a:solidFill>
+              </a:rPr>
+              <a:t>Trampoline</a:t>
+            </a:r>
+          </a:p>
+          <a:p>
+            <a:pPr algn="ctr"/>
+            <a:r>
+              <a:rPr lang="en-US" sz="1050" dirty="0">
+                <a:solidFill>
+                  <a:schemeClr val="bg1"/>
+                </a:solidFill>
+              </a:rPr>
+              <a:t>kernel/trampoline.s</a:t>
+            </a:r>
+          </a:p>
+        </p:txBody>
+      </p:sp>
+      <p:sp>
+        <p:nvSpPr>
+          <p:cNvPr id="30" name="Rectangle 29">
+            <a:extLst>
+              <a:ext uri="{FF2B5EF4-FFF2-40B4-BE49-F238E27FC236}">
+                <a16:creationId xmlns:a16="http://schemas.microsoft.com/office/drawing/2014/main" id="{0729470A-DD26-C54C-8798-1243293993C5}"/>
+              </a:ext>
+            </a:extLst>
+          </p:cNvPr>
+          <p:cNvSpPr/>
+          <p:nvPr/>
+        </p:nvSpPr>
+        <p:spPr>
+          <a:xfrm>
+            <a:off x="517138" y="3820639"/>
+            <a:ext cx="1397865" cy="1565283"/>
+          </a:xfrm>
+          <a:prstGeom prst="rect">
+            <a:avLst/>
+          </a:prstGeom>
+          <a:solidFill>
+            <a:schemeClr val="tx1"/>
+          </a:solidFill>
+          <a:ln>
+            <a:noFill/>
+          </a:ln>
+        </p:spPr>
+        <p:style>
+          <a:lnRef idx="2">
+            <a:schemeClr val="accent1">
+              <a:shade val="50000"/>
+            </a:schemeClr>
+          </a:lnRef>
+          <a:fillRef idx="1">
+            <a:schemeClr val="accent1"/>
+          </a:fillRef>
+          <a:effectRef idx="0">
+            <a:schemeClr val="accent1"/>
+          </a:effectRef>
+          <a:fontRef idx="minor">
+            <a:schemeClr val="lt1"/>
+          </a:fontRef>
+        </p:style>
+        <p:txBody>
+          <a:bodyPr rtlCol="0" anchor="ctr"/>
+          <a:lstStyle/>
+          <a:p>
+            <a:pPr algn="ctr"/>
+            <a:endParaRPr lang="en-US"/>
+          </a:p>
+        </p:txBody>
+      </p:sp>
+      <p:sp>
+        <p:nvSpPr>
+          <p:cNvPr id="31" name="Rectangle 30">
+            <a:extLst>
+              <a:ext uri="{FF2B5EF4-FFF2-40B4-BE49-F238E27FC236}">
+                <a16:creationId xmlns:a16="http://schemas.microsoft.com/office/drawing/2014/main" id="{93A89EDF-146E-CF4E-9D7E-C9237A47C419}"/>
+              </a:ext>
+            </a:extLst>
+          </p:cNvPr>
+          <p:cNvSpPr/>
+          <p:nvPr/>
+        </p:nvSpPr>
+        <p:spPr>
+          <a:xfrm>
+            <a:off x="517138" y="3820639"/>
+            <a:ext cx="1397865" cy="338538"/>
+          </a:xfrm>
+          <a:prstGeom prst="rect">
+            <a:avLst/>
+          </a:prstGeom>
+          <a:solidFill>
+            <a:schemeClr val="accent2"/>
+          </a:solidFill>
+          <a:ln>
+            <a:noFill/>
+          </a:ln>
+        </p:spPr>
+        <p:style>
+          <a:lnRef idx="2">
+            <a:schemeClr val="accent1">
+              <a:shade val="50000"/>
+            </a:schemeClr>
+          </a:lnRef>
+          <a:fillRef idx="1">
+            <a:schemeClr val="accent1"/>
+          </a:fillRef>
+          <a:effectRef idx="0">
+            <a:schemeClr val="accent1"/>
+          </a:effectRef>
+          <a:fontRef idx="minor">
+            <a:schemeClr val="lt1"/>
+          </a:fontRef>
+        </p:style>
+        <p:txBody>
+          <a:bodyPr rtlCol="0" anchor="ctr"/>
+          <a:lstStyle/>
+          <a:p>
+            <a:pPr algn="ctr"/>
+            <a:r>
+              <a:rPr lang="en-US" sz="1400" b="1" dirty="0"/>
+              <a:t>User page table</a:t>
+            </a:r>
+          </a:p>
+        </p:txBody>
+      </p:sp>
+      <p:sp>
+        <p:nvSpPr>
+          <p:cNvPr id="32" name="Rectangle 31">
+            <a:extLst>
+              <a:ext uri="{FF2B5EF4-FFF2-40B4-BE49-F238E27FC236}">
+                <a16:creationId xmlns:a16="http://schemas.microsoft.com/office/drawing/2014/main" id="{AF68F881-E9EA-9846-8A1A-60B0A1D4D10F}"/>
+              </a:ext>
+            </a:extLst>
+          </p:cNvPr>
+          <p:cNvSpPr/>
+          <p:nvPr/>
+        </p:nvSpPr>
+        <p:spPr>
+          <a:xfrm>
+            <a:off x="517138" y="4372615"/>
+            <a:ext cx="1397865" cy="163477"/>
+          </a:xfrm>
+          <a:prstGeom prst="rect">
+            <a:avLst/>
+          </a:prstGeom>
+          <a:solidFill>
+            <a:schemeClr val="accent2"/>
+          </a:solidFill>
+          <a:ln>
+            <a:noFill/>
+          </a:ln>
+        </p:spPr>
+        <p:style>
+          <a:lnRef idx="2">
+            <a:schemeClr val="accent1">
+              <a:shade val="50000"/>
+            </a:schemeClr>
+          </a:lnRef>
+          <a:fillRef idx="1">
+            <a:schemeClr val="accent1"/>
+          </a:fillRef>
+          <a:effectRef idx="0">
+            <a:schemeClr val="accent1"/>
+          </a:effectRef>
+          <a:fontRef idx="minor">
+            <a:schemeClr val="lt1"/>
+          </a:fontRef>
+        </p:style>
+        <p:txBody>
+          <a:bodyPr rtlCol="0" anchor="ctr"/>
+          <a:lstStyle/>
+          <a:p>
+            <a:pPr algn="ctr"/>
+            <a:r>
+              <a:rPr lang="en-US" sz="1000" dirty="0"/>
+              <a:t>Trap frame page</a:t>
+            </a:r>
+          </a:p>
+        </p:txBody>
+      </p:sp>
+      <p:sp>
+        <p:nvSpPr>
+          <p:cNvPr id="33" name="Rectangle 32">
+            <a:extLst>
+              <a:ext uri="{FF2B5EF4-FFF2-40B4-BE49-F238E27FC236}">
+                <a16:creationId xmlns:a16="http://schemas.microsoft.com/office/drawing/2014/main" id="{3804AEE3-B385-1542-B96E-C49762E19FEF}"/>
+              </a:ext>
+            </a:extLst>
+          </p:cNvPr>
+          <p:cNvSpPr/>
+          <p:nvPr/>
+        </p:nvSpPr>
+        <p:spPr>
+          <a:xfrm>
+            <a:off x="517137" y="4187123"/>
+            <a:ext cx="1397865" cy="163477"/>
+          </a:xfrm>
+          <a:prstGeom prst="rect">
+            <a:avLst/>
+          </a:prstGeom>
+          <a:solidFill>
+            <a:schemeClr val="accent1"/>
+          </a:solidFill>
+          <a:ln>
+            <a:noFill/>
+          </a:ln>
+        </p:spPr>
+        <p:style>
+          <a:lnRef idx="2">
+            <a:schemeClr val="accent1">
+              <a:shade val="50000"/>
+            </a:schemeClr>
+          </a:lnRef>
+          <a:fillRef idx="1">
+            <a:schemeClr val="accent1"/>
+          </a:fillRef>
+          <a:effectRef idx="0">
+            <a:schemeClr val="accent1"/>
+          </a:effectRef>
+          <a:fontRef idx="minor">
+            <a:schemeClr val="lt1"/>
+          </a:fontRef>
+        </p:style>
+        <p:txBody>
+          <a:bodyPr rtlCol="0" anchor="ctr"/>
+          <a:lstStyle/>
+          <a:p>
+            <a:pPr algn="ctr"/>
+            <a:r>
+              <a:rPr lang="en-US" sz="1000" dirty="0"/>
+              <a:t>Trampoline page</a:t>
+            </a:r>
+          </a:p>
+        </p:txBody>
+      </p:sp>
+      <p:sp>
+        <p:nvSpPr>
+          <p:cNvPr id="34" name="Rectangle 33">
+            <a:extLst>
+              <a:ext uri="{FF2B5EF4-FFF2-40B4-BE49-F238E27FC236}">
+                <a16:creationId xmlns:a16="http://schemas.microsoft.com/office/drawing/2014/main" id="{714A4135-051B-134D-83DF-32F0E06AC68A}"/>
+              </a:ext>
+            </a:extLst>
+          </p:cNvPr>
+          <p:cNvSpPr/>
+          <p:nvPr/>
+        </p:nvSpPr>
+        <p:spPr>
+          <a:xfrm>
+            <a:off x="517136" y="4568538"/>
+            <a:ext cx="1397865" cy="262731"/>
+          </a:xfrm>
+          <a:prstGeom prst="rect">
+            <a:avLst/>
+          </a:prstGeom>
+          <a:solidFill>
+            <a:schemeClr val="accent2"/>
+          </a:solidFill>
+          <a:ln>
+            <a:noFill/>
+          </a:ln>
+        </p:spPr>
+        <p:style>
+          <a:lnRef idx="2">
+            <a:schemeClr val="accent1">
+              <a:shade val="50000"/>
+            </a:schemeClr>
+          </a:lnRef>
+          <a:fillRef idx="1">
+            <a:schemeClr val="accent1"/>
+          </a:fillRef>
+          <a:effectRef idx="0">
+            <a:schemeClr val="accent1"/>
+          </a:effectRef>
+          <a:fontRef idx="minor">
+            <a:schemeClr val="lt1"/>
+          </a:fontRef>
+        </p:style>
+        <p:txBody>
+          <a:bodyPr rtlCol="0" anchor="ctr"/>
+          <a:lstStyle/>
+          <a:p>
+            <a:pPr algn="ctr"/>
+            <a:r>
+              <a:rPr lang="en-US" sz="1200" dirty="0"/>
+              <a:t>Stack page</a:t>
+            </a:r>
+          </a:p>
+        </p:txBody>
+      </p:sp>
+      <p:sp>
+        <p:nvSpPr>
+          <p:cNvPr id="35" name="Rectangle 34">
+            <a:extLst>
+              <a:ext uri="{FF2B5EF4-FFF2-40B4-BE49-F238E27FC236}">
+                <a16:creationId xmlns:a16="http://schemas.microsoft.com/office/drawing/2014/main" id="{898D2601-4743-1D4C-B274-9B7216E2B2FC}"/>
+              </a:ext>
+            </a:extLst>
+          </p:cNvPr>
+          <p:cNvSpPr/>
+          <p:nvPr/>
+        </p:nvSpPr>
+        <p:spPr>
+          <a:xfrm>
+            <a:off x="517135" y="4852232"/>
+            <a:ext cx="1397865" cy="163477"/>
+          </a:xfrm>
+          <a:prstGeom prst="rect">
+            <a:avLst/>
+          </a:prstGeom>
+          <a:solidFill>
+            <a:schemeClr val="accent2"/>
+          </a:solidFill>
+          <a:ln>
+            <a:noFill/>
+          </a:ln>
+        </p:spPr>
+        <p:style>
+          <a:lnRef idx="2">
+            <a:schemeClr val="accent1">
+              <a:shade val="50000"/>
+            </a:schemeClr>
+          </a:lnRef>
+          <a:fillRef idx="1">
+            <a:schemeClr val="accent1"/>
+          </a:fillRef>
+          <a:effectRef idx="0">
+            <a:schemeClr val="accent1"/>
+          </a:effectRef>
+          <a:fontRef idx="minor">
+            <a:schemeClr val="lt1"/>
+          </a:fontRef>
+        </p:style>
+        <p:txBody>
+          <a:bodyPr rtlCol="0" anchor="ctr"/>
+          <a:lstStyle/>
+          <a:p>
+            <a:pPr algn="ctr"/>
+            <a:r>
+              <a:rPr lang="en-US" sz="1000" dirty="0"/>
+              <a:t>Stack guard page</a:t>
+            </a:r>
+          </a:p>
+        </p:txBody>
+      </p:sp>
+      <p:sp>
+        <p:nvSpPr>
+          <p:cNvPr id="36" name="Rectangle 35">
+            <a:extLst>
+              <a:ext uri="{FF2B5EF4-FFF2-40B4-BE49-F238E27FC236}">
+                <a16:creationId xmlns:a16="http://schemas.microsoft.com/office/drawing/2014/main" id="{F79353D0-485F-834F-B446-7958E741D335}"/>
+              </a:ext>
+            </a:extLst>
+          </p:cNvPr>
+          <p:cNvSpPr/>
+          <p:nvPr/>
+        </p:nvSpPr>
+        <p:spPr>
+          <a:xfrm>
+            <a:off x="517134" y="5047155"/>
+            <a:ext cx="1397865" cy="163477"/>
+          </a:xfrm>
+          <a:prstGeom prst="rect">
+            <a:avLst/>
+          </a:prstGeom>
+          <a:solidFill>
+            <a:schemeClr val="accent2"/>
+          </a:solidFill>
+          <a:ln>
+            <a:noFill/>
+          </a:ln>
+        </p:spPr>
+        <p:style>
+          <a:lnRef idx="2">
+            <a:schemeClr val="accent1">
+              <a:shade val="50000"/>
+            </a:schemeClr>
+          </a:lnRef>
+          <a:fillRef idx="1">
+            <a:schemeClr val="accent1"/>
+          </a:fillRef>
+          <a:effectRef idx="0">
+            <a:schemeClr val="accent1"/>
+          </a:effectRef>
+          <a:fontRef idx="minor">
+            <a:schemeClr val="lt1"/>
+          </a:fontRef>
+        </p:style>
+        <p:txBody>
+          <a:bodyPr rtlCol="0" anchor="ctr"/>
+          <a:lstStyle/>
+          <a:p>
+            <a:pPr algn="ctr"/>
+            <a:r>
+              <a:rPr lang="en-US" sz="1000" dirty="0"/>
+              <a:t>Data page</a:t>
+            </a:r>
+          </a:p>
+        </p:txBody>
+      </p:sp>
+      <p:sp>
+        <p:nvSpPr>
+          <p:cNvPr id="37" name="Rectangle 36">
+            <a:extLst>
+              <a:ext uri="{FF2B5EF4-FFF2-40B4-BE49-F238E27FC236}">
+                <a16:creationId xmlns:a16="http://schemas.microsoft.com/office/drawing/2014/main" id="{C4552643-36C2-5748-A593-B57ABB1090E8}"/>
+              </a:ext>
+            </a:extLst>
+          </p:cNvPr>
+          <p:cNvSpPr/>
+          <p:nvPr/>
+        </p:nvSpPr>
+        <p:spPr>
+          <a:xfrm>
+            <a:off x="517133" y="5231524"/>
+            <a:ext cx="1397865" cy="163477"/>
+          </a:xfrm>
+          <a:prstGeom prst="rect">
+            <a:avLst/>
+          </a:prstGeom>
+          <a:solidFill>
+            <a:schemeClr val="accent2"/>
+          </a:solidFill>
+          <a:ln>
+            <a:noFill/>
+          </a:ln>
+        </p:spPr>
+        <p:style>
+          <a:lnRef idx="2">
+            <a:schemeClr val="accent1">
+              <a:shade val="50000"/>
+            </a:schemeClr>
+          </a:lnRef>
+          <a:fillRef idx="1">
+            <a:schemeClr val="accent1"/>
+          </a:fillRef>
+          <a:effectRef idx="0">
+            <a:schemeClr val="accent1"/>
+          </a:effectRef>
+          <a:fontRef idx="minor">
+            <a:schemeClr val="lt1"/>
+          </a:fontRef>
+        </p:style>
+        <p:txBody>
+          <a:bodyPr rtlCol="0" anchor="ctr"/>
+          <a:lstStyle/>
+          <a:p>
+            <a:pPr algn="ctr"/>
+            <a:r>
+              <a:rPr lang="en-US" sz="1000" dirty="0"/>
+              <a:t>Text page (instructions)</a:t>
+            </a:r>
+          </a:p>
+        </p:txBody>
+      </p:sp>
+      <p:sp>
+        <p:nvSpPr>
+          <p:cNvPr id="38" name="Rectangle 37">
+            <a:extLst>
+              <a:ext uri="{FF2B5EF4-FFF2-40B4-BE49-F238E27FC236}">
+                <a16:creationId xmlns:a16="http://schemas.microsoft.com/office/drawing/2014/main" id="{090A5F33-749C-2B4A-82B6-3D550CD09579}"/>
+              </a:ext>
+            </a:extLst>
+          </p:cNvPr>
+          <p:cNvSpPr/>
+          <p:nvPr/>
+        </p:nvSpPr>
+        <p:spPr>
+          <a:xfrm>
+            <a:off x="2872034" y="1686391"/>
+            <a:ext cx="1650124" cy="4067503"/>
+          </a:xfrm>
+          <a:prstGeom prst="rect">
+            <a:avLst/>
+          </a:prstGeom>
+          <a:solidFill>
+            <a:schemeClr val="tx1"/>
+          </a:solidFill>
+          <a:ln>
+            <a:noFill/>
+          </a:ln>
+        </p:spPr>
+        <p:style>
+          <a:lnRef idx="2">
+            <a:schemeClr val="accent1">
+              <a:shade val="50000"/>
+            </a:schemeClr>
+          </a:lnRef>
+          <a:fillRef idx="1">
+            <a:schemeClr val="accent1"/>
+          </a:fillRef>
+          <a:effectRef idx="0">
+            <a:schemeClr val="accent1"/>
+          </a:effectRef>
+          <a:fontRef idx="minor">
+            <a:schemeClr val="lt1"/>
+          </a:fontRef>
+        </p:style>
+        <p:txBody>
+          <a:bodyPr rtlCol="0" anchor="ctr"/>
+          <a:lstStyle/>
+          <a:p>
+            <a:pPr algn="ctr"/>
+            <a:endParaRPr lang="en-US"/>
+          </a:p>
+        </p:txBody>
+      </p:sp>
+      <p:sp>
+        <p:nvSpPr>
+          <p:cNvPr id="39" name="Rectangle 38">
+            <a:extLst>
+              <a:ext uri="{FF2B5EF4-FFF2-40B4-BE49-F238E27FC236}">
+                <a16:creationId xmlns:a16="http://schemas.microsoft.com/office/drawing/2014/main" id="{A261863C-9C8A-D94B-BD5E-C2B7410008EE}"/>
+              </a:ext>
+            </a:extLst>
+          </p:cNvPr>
+          <p:cNvSpPr/>
+          <p:nvPr/>
+        </p:nvSpPr>
+        <p:spPr>
+          <a:xfrm>
+            <a:off x="2872035" y="1690115"/>
+            <a:ext cx="1650124" cy="338538"/>
+          </a:xfrm>
+          <a:prstGeom prst="rect">
+            <a:avLst/>
+          </a:prstGeom>
+          <a:solidFill>
+            <a:schemeClr val="accent2"/>
+          </a:solidFill>
+          <a:ln>
+            <a:noFill/>
+          </a:ln>
+        </p:spPr>
+        <p:style>
+          <a:lnRef idx="2">
+            <a:schemeClr val="accent1">
+              <a:shade val="50000"/>
+            </a:schemeClr>
+          </a:lnRef>
+          <a:fillRef idx="1">
+            <a:schemeClr val="accent1"/>
+          </a:fillRef>
+          <a:effectRef idx="0">
+            <a:schemeClr val="accent1"/>
+          </a:effectRef>
+          <a:fontRef idx="minor">
+            <a:schemeClr val="lt1"/>
+          </a:fontRef>
+        </p:style>
+        <p:txBody>
+          <a:bodyPr rtlCol="0" anchor="ctr"/>
+          <a:lstStyle/>
+          <a:p>
+            <a:pPr algn="ctr"/>
+            <a:r>
+              <a:rPr lang="en-US" sz="1400" b="1" dirty="0"/>
+              <a:t>Trap frame</a:t>
+            </a:r>
+          </a:p>
+        </p:txBody>
+      </p:sp>
+      <p:sp>
+        <p:nvSpPr>
+          <p:cNvPr id="40" name="Rectangle 39">
+            <a:extLst>
+              <a:ext uri="{FF2B5EF4-FFF2-40B4-BE49-F238E27FC236}">
+                <a16:creationId xmlns:a16="http://schemas.microsoft.com/office/drawing/2014/main" id="{70A702C3-69F5-944C-9587-C60DC8A1D8D1}"/>
+              </a:ext>
+            </a:extLst>
+          </p:cNvPr>
+          <p:cNvSpPr/>
+          <p:nvPr/>
+        </p:nvSpPr>
+        <p:spPr>
+          <a:xfrm>
+            <a:off x="2872033" y="2123376"/>
+            <a:ext cx="1650124" cy="264892"/>
+          </a:xfrm>
+          <a:prstGeom prst="rect">
+            <a:avLst/>
+          </a:prstGeom>
+          <a:solidFill>
+            <a:schemeClr val="accent2"/>
+          </a:solidFill>
+          <a:ln>
+            <a:noFill/>
+          </a:ln>
+        </p:spPr>
+        <p:style>
+          <a:lnRef idx="2">
+            <a:schemeClr val="accent1">
+              <a:shade val="50000"/>
+            </a:schemeClr>
+          </a:lnRef>
+          <a:fillRef idx="1">
+            <a:schemeClr val="accent1"/>
+          </a:fillRef>
+          <a:effectRef idx="0">
+            <a:schemeClr val="accent1"/>
+          </a:effectRef>
+          <a:fontRef idx="minor">
+            <a:schemeClr val="lt1"/>
+          </a:fontRef>
+        </p:style>
+        <p:txBody>
+          <a:bodyPr rtlCol="0" anchor="ctr"/>
+          <a:lstStyle/>
+          <a:p>
+            <a:pPr algn="ctr"/>
+            <a:r>
+              <a:rPr lang="en-US" sz="1200" dirty="0"/>
+              <a:t>Kernel page table</a:t>
+            </a:r>
+          </a:p>
+          <a:p>
+            <a:pPr algn="ctr"/>
+            <a:r>
+              <a:rPr lang="en-US" sz="800" dirty="0">
+                <a:solidFill>
+                  <a:schemeClr val="bg1"/>
+                </a:solidFill>
+              </a:rPr>
+              <a:t>kernel_satp</a:t>
+            </a:r>
+          </a:p>
+        </p:txBody>
+      </p:sp>
+      <p:sp>
+        <p:nvSpPr>
+          <p:cNvPr id="41" name="Rectangle 40">
+            <a:extLst>
+              <a:ext uri="{FF2B5EF4-FFF2-40B4-BE49-F238E27FC236}">
+                <a16:creationId xmlns:a16="http://schemas.microsoft.com/office/drawing/2014/main" id="{A82DB68D-2E24-9D46-84A8-D08922E6E9EF}"/>
+              </a:ext>
+            </a:extLst>
+          </p:cNvPr>
+          <p:cNvSpPr/>
+          <p:nvPr/>
+        </p:nvSpPr>
+        <p:spPr>
+          <a:xfrm>
+            <a:off x="2872031" y="2469075"/>
+            <a:ext cx="1650124" cy="264892"/>
+          </a:xfrm>
+          <a:prstGeom prst="rect">
+            <a:avLst/>
+          </a:prstGeom>
+          <a:solidFill>
+            <a:schemeClr val="accent2"/>
+          </a:solidFill>
+          <a:ln>
+            <a:noFill/>
+          </a:ln>
+        </p:spPr>
+        <p:style>
+          <a:lnRef idx="2">
+            <a:schemeClr val="accent1">
+              <a:shade val="50000"/>
+            </a:schemeClr>
+          </a:lnRef>
+          <a:fillRef idx="1">
+            <a:schemeClr val="accent1"/>
+          </a:fillRef>
+          <a:effectRef idx="0">
+            <a:schemeClr val="accent1"/>
+          </a:effectRef>
+          <a:fontRef idx="minor">
+            <a:schemeClr val="lt1"/>
+          </a:fontRef>
+        </p:style>
+        <p:txBody>
+          <a:bodyPr rtlCol="0" anchor="ctr"/>
+          <a:lstStyle/>
+          <a:p>
+            <a:pPr algn="ctr"/>
+            <a:r>
+              <a:rPr lang="en-US" sz="1200" dirty="0"/>
+              <a:t>Process’s kernel stack</a:t>
+            </a:r>
+          </a:p>
+          <a:p>
+            <a:pPr algn="ctr"/>
+            <a:r>
+              <a:rPr lang="en-US" sz="800" dirty="0">
+                <a:solidFill>
+                  <a:schemeClr val="bg1"/>
+                </a:solidFill>
+              </a:rPr>
+              <a:t>kernel_sp</a:t>
+            </a:r>
+          </a:p>
+        </p:txBody>
+      </p:sp>
+      <p:sp>
+        <p:nvSpPr>
+          <p:cNvPr id="42" name="Rectangle 41">
+            <a:extLst>
+              <a:ext uri="{FF2B5EF4-FFF2-40B4-BE49-F238E27FC236}">
+                <a16:creationId xmlns:a16="http://schemas.microsoft.com/office/drawing/2014/main" id="{C9C6AE46-456B-A44A-8BF5-8215B7EE4E6E}"/>
+              </a:ext>
+            </a:extLst>
+          </p:cNvPr>
+          <p:cNvSpPr/>
+          <p:nvPr/>
+        </p:nvSpPr>
+        <p:spPr>
+          <a:xfrm>
+            <a:off x="2872031" y="2810527"/>
+            <a:ext cx="1650124" cy="264892"/>
+          </a:xfrm>
+          <a:prstGeom prst="rect">
+            <a:avLst/>
+          </a:prstGeom>
+          <a:solidFill>
+            <a:schemeClr val="accent2"/>
+          </a:solidFill>
+          <a:ln>
+            <a:noFill/>
+          </a:ln>
+        </p:spPr>
+        <p:style>
+          <a:lnRef idx="2">
+            <a:schemeClr val="accent1">
+              <a:shade val="50000"/>
+            </a:schemeClr>
+          </a:lnRef>
+          <a:fillRef idx="1">
+            <a:schemeClr val="accent1"/>
+          </a:fillRef>
+          <a:effectRef idx="0">
+            <a:schemeClr val="accent1"/>
+          </a:effectRef>
+          <a:fontRef idx="minor">
+            <a:schemeClr val="lt1"/>
+          </a:fontRef>
+        </p:style>
+        <p:txBody>
+          <a:bodyPr rtlCol="0" anchor="ctr"/>
+          <a:lstStyle/>
+          <a:p>
+            <a:pPr algn="ctr"/>
+            <a:r>
+              <a:rPr lang="en-US" sz="1200" dirty="0"/>
+              <a:t>usertrap( ) code addr</a:t>
+            </a:r>
+          </a:p>
+          <a:p>
+            <a:pPr algn="ctr"/>
+            <a:r>
+              <a:rPr lang="en-US" sz="800" dirty="0">
+                <a:solidFill>
+                  <a:schemeClr val="bg1"/>
+                </a:solidFill>
+              </a:rPr>
+              <a:t>kernel_trap</a:t>
+            </a:r>
+          </a:p>
+        </p:txBody>
+      </p:sp>
+      <p:sp>
+        <p:nvSpPr>
+          <p:cNvPr id="43" name="Rectangle 42">
+            <a:extLst>
+              <a:ext uri="{FF2B5EF4-FFF2-40B4-BE49-F238E27FC236}">
+                <a16:creationId xmlns:a16="http://schemas.microsoft.com/office/drawing/2014/main" id="{76EB50BD-4C7F-7649-8A0C-C665D6302249}"/>
+              </a:ext>
+            </a:extLst>
+          </p:cNvPr>
+          <p:cNvSpPr/>
+          <p:nvPr/>
+        </p:nvSpPr>
+        <p:spPr>
+          <a:xfrm>
+            <a:off x="2872029" y="3151979"/>
+            <a:ext cx="1650124" cy="264892"/>
+          </a:xfrm>
+          <a:prstGeom prst="rect">
+            <a:avLst/>
+          </a:prstGeom>
+          <a:solidFill>
+            <a:schemeClr val="accent2"/>
+          </a:solidFill>
+          <a:ln>
+            <a:noFill/>
+          </a:ln>
+        </p:spPr>
+        <p:style>
+          <a:lnRef idx="2">
+            <a:schemeClr val="accent1">
+              <a:shade val="50000"/>
+            </a:schemeClr>
+          </a:lnRef>
+          <a:fillRef idx="1">
+            <a:schemeClr val="accent1"/>
+          </a:fillRef>
+          <a:effectRef idx="0">
+            <a:schemeClr val="accent1"/>
+          </a:effectRef>
+          <a:fontRef idx="minor">
+            <a:schemeClr val="lt1"/>
+          </a:fontRef>
+        </p:style>
+        <p:txBody>
+          <a:bodyPr rtlCol="0" anchor="ctr"/>
+          <a:lstStyle/>
+          <a:p>
+            <a:pPr algn="ctr"/>
+            <a:r>
+              <a:rPr lang="en-US" sz="1200" dirty="0"/>
+              <a:t>Saved user pc</a:t>
+            </a:r>
+          </a:p>
+          <a:p>
+            <a:pPr algn="ctr"/>
+            <a:r>
+              <a:rPr lang="en-US" sz="800" dirty="0">
+                <a:solidFill>
+                  <a:schemeClr val="bg1"/>
+                </a:solidFill>
+              </a:rPr>
+              <a:t> epc</a:t>
+            </a:r>
+          </a:p>
+        </p:txBody>
+      </p:sp>
+      <p:sp>
+        <p:nvSpPr>
+          <p:cNvPr id="44" name="Rectangle 43">
+            <a:extLst>
+              <a:ext uri="{FF2B5EF4-FFF2-40B4-BE49-F238E27FC236}">
+                <a16:creationId xmlns:a16="http://schemas.microsoft.com/office/drawing/2014/main" id="{53E9AD12-DED6-434F-9963-89F75CE48C5A}"/>
+              </a:ext>
+            </a:extLst>
+          </p:cNvPr>
+          <p:cNvSpPr/>
+          <p:nvPr/>
+        </p:nvSpPr>
+        <p:spPr>
+          <a:xfrm>
+            <a:off x="2872028" y="3488331"/>
+            <a:ext cx="1650124" cy="264892"/>
+          </a:xfrm>
+          <a:prstGeom prst="rect">
+            <a:avLst/>
+          </a:prstGeom>
+          <a:solidFill>
+            <a:schemeClr val="accent2"/>
+          </a:solidFill>
+          <a:ln>
+            <a:noFill/>
+          </a:ln>
+        </p:spPr>
+        <p:style>
+          <a:lnRef idx="2">
+            <a:schemeClr val="accent1">
+              <a:shade val="50000"/>
+            </a:schemeClr>
+          </a:lnRef>
+          <a:fillRef idx="1">
+            <a:schemeClr val="accent1"/>
+          </a:fillRef>
+          <a:effectRef idx="0">
+            <a:schemeClr val="accent1"/>
+          </a:effectRef>
+          <a:fontRef idx="minor">
+            <a:schemeClr val="lt1"/>
+          </a:fontRef>
+        </p:style>
+        <p:txBody>
+          <a:bodyPr rtlCol="0" anchor="ctr"/>
+          <a:lstStyle/>
+          <a:p>
+            <a:pPr algn="ctr"/>
+            <a:r>
+              <a:rPr lang="en-US" sz="1200" dirty="0"/>
+              <a:t>Process’s current core</a:t>
+            </a:r>
+          </a:p>
+          <a:p>
+            <a:pPr algn="ctr"/>
+            <a:r>
+              <a:rPr lang="en-US" sz="800" dirty="0">
+                <a:solidFill>
+                  <a:schemeClr val="bg1"/>
+                </a:solidFill>
+              </a:rPr>
+              <a:t>kernel_hartid</a:t>
+            </a:r>
+          </a:p>
+        </p:txBody>
+      </p:sp>
+      <p:sp>
+        <p:nvSpPr>
+          <p:cNvPr id="45" name="Rectangle 44">
+            <a:extLst>
+              <a:ext uri="{FF2B5EF4-FFF2-40B4-BE49-F238E27FC236}">
+                <a16:creationId xmlns:a16="http://schemas.microsoft.com/office/drawing/2014/main" id="{018D9F3D-C06B-1B47-9664-B38B2B93D694}"/>
+              </a:ext>
+            </a:extLst>
+          </p:cNvPr>
+          <p:cNvSpPr/>
+          <p:nvPr/>
+        </p:nvSpPr>
+        <p:spPr>
+          <a:xfrm>
+            <a:off x="2872028" y="3821962"/>
+            <a:ext cx="1650124" cy="1834793"/>
+          </a:xfrm>
+          <a:prstGeom prst="rect">
+            <a:avLst/>
+          </a:prstGeom>
+          <a:solidFill>
+            <a:schemeClr val="accent2"/>
+          </a:solidFill>
+          <a:ln>
+            <a:noFill/>
+          </a:ln>
+        </p:spPr>
+        <p:style>
+          <a:lnRef idx="2">
+            <a:schemeClr val="accent1">
+              <a:shade val="50000"/>
+            </a:schemeClr>
+          </a:lnRef>
+          <a:fillRef idx="1">
+            <a:schemeClr val="accent1"/>
+          </a:fillRef>
+          <a:effectRef idx="0">
+            <a:schemeClr val="accent1"/>
+          </a:effectRef>
+          <a:fontRef idx="minor">
+            <a:schemeClr val="lt1"/>
+          </a:fontRef>
+        </p:style>
+        <p:txBody>
+          <a:bodyPr rtlCol="0" anchor="ctr"/>
+          <a:lstStyle/>
+          <a:p>
+            <a:pPr algn="ctr"/>
+            <a:r>
+              <a:rPr lang="en-US" sz="1400" dirty="0"/>
+              <a:t>32 user general purpose registers</a:t>
+            </a:r>
+          </a:p>
+        </p:txBody>
+      </p:sp>
+      <p:sp>
+        <p:nvSpPr>
+          <p:cNvPr id="49" name="Rectangle 48">
+            <a:extLst>
+              <a:ext uri="{FF2B5EF4-FFF2-40B4-BE49-F238E27FC236}">
+                <a16:creationId xmlns:a16="http://schemas.microsoft.com/office/drawing/2014/main" id="{C3B3B75C-9BE1-8940-AA32-133CC4A01CA2}"/>
+              </a:ext>
+            </a:extLst>
+          </p:cNvPr>
+          <p:cNvSpPr/>
+          <p:nvPr/>
+        </p:nvSpPr>
+        <p:spPr>
+          <a:xfrm>
+            <a:off x="5442574" y="3835851"/>
+            <a:ext cx="1397865" cy="2395819"/>
+          </a:xfrm>
+          <a:prstGeom prst="rect">
+            <a:avLst/>
+          </a:prstGeom>
+          <a:solidFill>
+            <a:schemeClr val="tx1"/>
+          </a:solidFill>
+        </p:spPr>
+        <p:style>
+          <a:lnRef idx="2">
+            <a:schemeClr val="accent1">
+              <a:shade val="50000"/>
+            </a:schemeClr>
+          </a:lnRef>
+          <a:fillRef idx="1">
+            <a:schemeClr val="accent1"/>
+          </a:fillRef>
+          <a:effectRef idx="0">
+            <a:schemeClr val="accent1"/>
+          </a:effectRef>
+          <a:fontRef idx="minor">
+            <a:schemeClr val="lt1"/>
+          </a:fontRef>
+        </p:style>
+        <p:txBody>
+          <a:bodyPr rtlCol="0" anchor="ctr"/>
+          <a:lstStyle/>
+          <a:p>
+            <a:pPr algn="ctr"/>
+            <a:endParaRPr lang="en-US"/>
+          </a:p>
+        </p:txBody>
+      </p:sp>
+      <p:sp>
+        <p:nvSpPr>
+          <p:cNvPr id="50" name="Rectangle 49">
+            <a:extLst>
+              <a:ext uri="{FF2B5EF4-FFF2-40B4-BE49-F238E27FC236}">
+                <a16:creationId xmlns:a16="http://schemas.microsoft.com/office/drawing/2014/main" id="{623E8DBC-5BCD-854C-8A1D-1F64B33CF603}"/>
+              </a:ext>
+            </a:extLst>
+          </p:cNvPr>
+          <p:cNvSpPr/>
+          <p:nvPr/>
+        </p:nvSpPr>
+        <p:spPr>
+          <a:xfrm>
+            <a:off x="5442566" y="3821962"/>
+            <a:ext cx="1397865" cy="336877"/>
+          </a:xfrm>
+          <a:prstGeom prst="rect">
+            <a:avLst/>
+          </a:prstGeom>
+        </p:spPr>
+        <p:style>
+          <a:lnRef idx="2">
+            <a:schemeClr val="accent1">
+              <a:shade val="50000"/>
+            </a:schemeClr>
+          </a:lnRef>
+          <a:fillRef idx="1">
+            <a:schemeClr val="accent1"/>
+          </a:fillRef>
+          <a:effectRef idx="0">
+            <a:schemeClr val="accent1"/>
+          </a:effectRef>
+          <a:fontRef idx="minor">
+            <a:schemeClr val="lt1"/>
+          </a:fontRef>
+        </p:style>
+        <p:txBody>
+          <a:bodyPr rtlCol="0" anchor="ctr"/>
+          <a:lstStyle/>
+          <a:p>
+            <a:pPr algn="ctr"/>
+            <a:r>
+              <a:rPr lang="en-US" sz="1200" dirty="0"/>
+              <a:t> </a:t>
+            </a:r>
+            <a:r>
+              <a:rPr lang="en-US" sz="1200" b="1" dirty="0"/>
+              <a:t>Kernel page table </a:t>
+            </a:r>
+          </a:p>
+        </p:txBody>
+      </p:sp>
+      <p:sp>
+        <p:nvSpPr>
+          <p:cNvPr id="51" name="Rectangle 50">
+            <a:extLst>
+              <a:ext uri="{FF2B5EF4-FFF2-40B4-BE49-F238E27FC236}">
+                <a16:creationId xmlns:a16="http://schemas.microsoft.com/office/drawing/2014/main" id="{149525AB-2903-3D41-86CE-893A35E7340A}"/>
+              </a:ext>
+            </a:extLst>
+          </p:cNvPr>
+          <p:cNvSpPr/>
+          <p:nvPr/>
+        </p:nvSpPr>
+        <p:spPr>
+          <a:xfrm>
+            <a:off x="5442568" y="4197273"/>
+            <a:ext cx="1397865" cy="163477"/>
+          </a:xfrm>
+          <a:prstGeom prst="rect">
+            <a:avLst/>
+          </a:prstGeom>
+          <a:solidFill>
+            <a:schemeClr val="accent1"/>
+          </a:solidFill>
+          <a:ln>
+            <a:noFill/>
+          </a:ln>
+        </p:spPr>
+        <p:style>
+          <a:lnRef idx="2">
+            <a:schemeClr val="accent1">
+              <a:shade val="50000"/>
+            </a:schemeClr>
+          </a:lnRef>
+          <a:fillRef idx="1">
+            <a:schemeClr val="accent1"/>
+          </a:fillRef>
+          <a:effectRef idx="0">
+            <a:schemeClr val="accent1"/>
+          </a:effectRef>
+          <a:fontRef idx="minor">
+            <a:schemeClr val="lt1"/>
+          </a:fontRef>
+        </p:style>
+        <p:txBody>
+          <a:bodyPr rtlCol="0" anchor="ctr"/>
+          <a:lstStyle/>
+          <a:p>
+            <a:pPr algn="ctr"/>
+            <a:r>
+              <a:rPr lang="en-US" sz="1000" dirty="0"/>
+              <a:t>Trampoline page</a:t>
+            </a:r>
+          </a:p>
+        </p:txBody>
+      </p:sp>
+      <p:sp>
+        <p:nvSpPr>
+          <p:cNvPr id="52" name="Rectangle 51">
+            <a:extLst>
+              <a:ext uri="{FF2B5EF4-FFF2-40B4-BE49-F238E27FC236}">
+                <a16:creationId xmlns:a16="http://schemas.microsoft.com/office/drawing/2014/main" id="{DC84CF6A-AC31-D342-89C5-563BB772BA4C}"/>
+              </a:ext>
+            </a:extLst>
+          </p:cNvPr>
+          <p:cNvSpPr/>
+          <p:nvPr/>
+        </p:nvSpPr>
+        <p:spPr>
+          <a:xfrm>
+            <a:off x="5442567" y="4623749"/>
+            <a:ext cx="1397865" cy="1550185"/>
+          </a:xfrm>
+          <a:prstGeom prst="rect">
+            <a:avLst/>
+          </a:prstGeom>
+          <a:solidFill>
+            <a:schemeClr val="accent1"/>
+          </a:solidFill>
+          <a:ln>
+            <a:noFill/>
+          </a:ln>
+        </p:spPr>
+        <p:style>
+          <a:lnRef idx="2">
+            <a:schemeClr val="accent1">
+              <a:shade val="50000"/>
+            </a:schemeClr>
+          </a:lnRef>
+          <a:fillRef idx="1">
+            <a:schemeClr val="accent1"/>
+          </a:fillRef>
+          <a:effectRef idx="0">
+            <a:schemeClr val="accent1"/>
+          </a:effectRef>
+          <a:fontRef idx="minor">
+            <a:schemeClr val="lt1"/>
+          </a:fontRef>
+        </p:style>
+        <p:txBody>
+          <a:bodyPr rtlCol="0" anchor="ctr"/>
+          <a:lstStyle/>
+          <a:p>
+            <a:pPr algn="ctr"/>
+            <a:r>
+              <a:rPr lang="en-US" sz="1000" dirty="0"/>
+              <a:t>Kernel text</a:t>
+            </a:r>
+          </a:p>
+          <a:p>
+            <a:pPr algn="ctr"/>
+            <a:r>
+              <a:rPr lang="en-US" sz="1000" dirty="0"/>
+              <a:t>Kernel data</a:t>
+            </a:r>
+          </a:p>
+          <a:p>
+            <a:pPr algn="ctr"/>
+            <a:r>
+              <a:rPr lang="en-US" sz="1000" dirty="0"/>
+              <a:t>Kernel stack</a:t>
+            </a:r>
+          </a:p>
+          <a:p>
+            <a:pPr algn="ctr"/>
+            <a:r>
+              <a:rPr lang="en-US" sz="1000" dirty="0"/>
+              <a:t>Free memory</a:t>
+            </a:r>
+          </a:p>
+          <a:p>
+            <a:pPr algn="ctr"/>
+            <a:r>
+              <a:rPr lang="en-US" sz="1000" dirty="0"/>
+              <a:t>…</a:t>
+            </a:r>
+          </a:p>
+        </p:txBody>
+      </p:sp>
+      <p:cxnSp>
+        <p:nvCxnSpPr>
+          <p:cNvPr id="66" name="Straight Arrow Connector 65">
+            <a:extLst>
+              <a:ext uri="{FF2B5EF4-FFF2-40B4-BE49-F238E27FC236}">
+                <a16:creationId xmlns:a16="http://schemas.microsoft.com/office/drawing/2014/main" id="{964E3214-BEED-974A-B9EC-D852BFF66678}"/>
+              </a:ext>
+            </a:extLst>
+          </p:cNvPr>
+          <p:cNvCxnSpPr>
+            <a:stCxn id="32" idx="3"/>
+            <a:endCxn id="39" idx="1"/>
+          </p:cNvCxnSpPr>
+          <p:nvPr/>
+        </p:nvCxnSpPr>
+        <p:spPr>
+          <a:xfrm flipV="1">
+            <a:off x="1915003" y="1859384"/>
+            <a:ext cx="957032" cy="2594970"/>
+          </a:xfrm>
+          <a:prstGeom prst="straightConnector1">
+            <a:avLst/>
+          </a:prstGeom>
+          <a:ln>
+            <a:tailEnd type="triangle"/>
+          </a:ln>
+        </p:spPr>
+        <p:style>
+          <a:lnRef idx="2">
+            <a:schemeClr val="accent2"/>
+          </a:lnRef>
+          <a:fillRef idx="0">
+            <a:schemeClr val="accent2"/>
+          </a:fillRef>
+          <a:effectRef idx="1">
+            <a:schemeClr val="accent2"/>
+          </a:effectRef>
+          <a:fontRef idx="minor">
+            <a:schemeClr val="tx1"/>
+          </a:fontRef>
+        </p:style>
+      </p:cxnSp>
+      <p:sp>
+        <p:nvSpPr>
+          <p:cNvPr id="67" name="Rectangle 66">
+            <a:extLst>
+              <a:ext uri="{FF2B5EF4-FFF2-40B4-BE49-F238E27FC236}">
+                <a16:creationId xmlns:a16="http://schemas.microsoft.com/office/drawing/2014/main" id="{A8C30214-3955-EA44-99AB-F754615BE2EC}"/>
+              </a:ext>
+            </a:extLst>
+          </p:cNvPr>
+          <p:cNvSpPr/>
+          <p:nvPr/>
+        </p:nvSpPr>
+        <p:spPr>
+          <a:xfrm>
+            <a:off x="5451597" y="4413452"/>
+            <a:ext cx="1397865" cy="163477"/>
+          </a:xfrm>
+          <a:prstGeom prst="rect">
+            <a:avLst/>
+          </a:prstGeom>
+          <a:solidFill>
+            <a:schemeClr val="accent1"/>
+          </a:solidFill>
+          <a:ln>
+            <a:noFill/>
+          </a:ln>
+        </p:spPr>
+        <p:style>
+          <a:lnRef idx="2">
+            <a:schemeClr val="accent1">
+              <a:shade val="50000"/>
+            </a:schemeClr>
+          </a:lnRef>
+          <a:fillRef idx="1">
+            <a:schemeClr val="accent1"/>
+          </a:fillRef>
+          <a:effectRef idx="0">
+            <a:schemeClr val="accent1"/>
+          </a:effectRef>
+          <a:fontRef idx="minor">
+            <a:schemeClr val="lt1"/>
+          </a:fontRef>
+        </p:style>
+        <p:txBody>
+          <a:bodyPr rtlCol="0" anchor="ctr"/>
+          <a:lstStyle/>
+          <a:p>
+            <a:pPr algn="ctr"/>
+            <a:r>
+              <a:rPr lang="en-US" sz="1000" dirty="0"/>
+              <a:t>User kernel stack</a:t>
+            </a:r>
+          </a:p>
+        </p:txBody>
+      </p:sp>
+      <p:cxnSp>
+        <p:nvCxnSpPr>
+          <p:cNvPr id="69" name="Straight Arrow Connector 68">
+            <a:extLst>
+              <a:ext uri="{FF2B5EF4-FFF2-40B4-BE49-F238E27FC236}">
+                <a16:creationId xmlns:a16="http://schemas.microsoft.com/office/drawing/2014/main" id="{2867FD45-2DDC-ED4A-8BDC-1FB0239DF59B}"/>
+              </a:ext>
+            </a:extLst>
+          </p:cNvPr>
+          <p:cNvCxnSpPr>
+            <a:stCxn id="41" idx="3"/>
+            <a:endCxn id="67" idx="1"/>
+          </p:cNvCxnSpPr>
+          <p:nvPr/>
+        </p:nvCxnSpPr>
+        <p:spPr>
+          <a:xfrm>
+            <a:off x="4522155" y="2601521"/>
+            <a:ext cx="929442" cy="1893670"/>
+          </a:xfrm>
+          <a:prstGeom prst="straightConnector1">
+            <a:avLst/>
+          </a:prstGeom>
+          <a:ln>
+            <a:tailEnd type="triangle"/>
+          </a:ln>
+        </p:spPr>
+        <p:style>
+          <a:lnRef idx="2">
+            <a:schemeClr val="accent1"/>
+          </a:lnRef>
+          <a:fillRef idx="0">
+            <a:schemeClr val="accent1"/>
+          </a:fillRef>
+          <a:effectRef idx="1">
+            <a:schemeClr val="accent1"/>
+          </a:effectRef>
+          <a:fontRef idx="minor">
+            <a:schemeClr val="tx1"/>
+          </a:fontRef>
+        </p:style>
+      </p:cxnSp>
+      <p:cxnSp>
+        <p:nvCxnSpPr>
+          <p:cNvPr id="71" name="Straight Arrow Connector 70">
+            <a:extLst>
+              <a:ext uri="{FF2B5EF4-FFF2-40B4-BE49-F238E27FC236}">
+                <a16:creationId xmlns:a16="http://schemas.microsoft.com/office/drawing/2014/main" id="{BB40A13C-A194-D946-AB8B-6CA42305E262}"/>
+              </a:ext>
+            </a:extLst>
+          </p:cNvPr>
+          <p:cNvCxnSpPr>
+            <a:stCxn id="33" idx="3"/>
+            <a:endCxn id="51" idx="1"/>
+          </p:cNvCxnSpPr>
+          <p:nvPr/>
+        </p:nvCxnSpPr>
+        <p:spPr>
+          <a:xfrm>
+            <a:off x="1915002" y="4268862"/>
+            <a:ext cx="3527566" cy="10150"/>
+          </a:xfrm>
+          <a:prstGeom prst="straightConnector1">
+            <a:avLst/>
+          </a:prstGeom>
+          <a:ln>
+            <a:tailEnd type="triangle"/>
+          </a:ln>
+        </p:spPr>
+        <p:style>
+          <a:lnRef idx="2">
+            <a:schemeClr val="accent1"/>
+          </a:lnRef>
+          <a:fillRef idx="0">
+            <a:schemeClr val="accent1"/>
+          </a:fillRef>
+          <a:effectRef idx="1">
+            <a:schemeClr val="accent1"/>
+          </a:effectRef>
+          <a:fontRef idx="minor">
+            <a:schemeClr val="tx1"/>
+          </a:fontRef>
+        </p:style>
+      </p:cxnSp>
+      <p:cxnSp>
+        <p:nvCxnSpPr>
+          <p:cNvPr id="73" name="Straight Arrow Connector 72">
+            <a:extLst>
+              <a:ext uri="{FF2B5EF4-FFF2-40B4-BE49-F238E27FC236}">
+                <a16:creationId xmlns:a16="http://schemas.microsoft.com/office/drawing/2014/main" id="{25D12BD8-32C5-594E-9B9B-2FEADBF49EF2}"/>
+              </a:ext>
+            </a:extLst>
+          </p:cNvPr>
+          <p:cNvCxnSpPr>
+            <a:endCxn id="7" idx="2"/>
+          </p:cNvCxnSpPr>
+          <p:nvPr/>
+        </p:nvCxnSpPr>
+        <p:spPr>
+          <a:xfrm flipV="1">
+            <a:off x="6804028" y="3570456"/>
+            <a:ext cx="1048233" cy="779011"/>
+          </a:xfrm>
+          <a:prstGeom prst="straightConnector1">
+            <a:avLst/>
+          </a:prstGeom>
+          <a:ln>
+            <a:tailEnd type="triangle"/>
+          </a:ln>
+        </p:spPr>
+        <p:style>
+          <a:lnRef idx="2">
+            <a:schemeClr val="accent1"/>
+          </a:lnRef>
+          <a:fillRef idx="0">
+            <a:schemeClr val="accent1"/>
+          </a:fillRef>
+          <a:effectRef idx="1">
+            <a:schemeClr val="accent1"/>
+          </a:effectRef>
+          <a:fontRef idx="minor">
+            <a:schemeClr val="tx1"/>
+          </a:fontRef>
+        </p:style>
+      </p:cxnSp>
+      <p:sp>
+        <p:nvSpPr>
+          <p:cNvPr id="75" name="Right Arrow 74">
+            <a:extLst>
+              <a:ext uri="{FF2B5EF4-FFF2-40B4-BE49-F238E27FC236}">
+                <a16:creationId xmlns:a16="http://schemas.microsoft.com/office/drawing/2014/main" id="{AEC5BE61-4E25-7A47-BD65-CBD96F70D994}"/>
+              </a:ext>
+            </a:extLst>
+          </p:cNvPr>
+          <p:cNvSpPr/>
+          <p:nvPr/>
+        </p:nvSpPr>
+        <p:spPr>
+          <a:xfrm>
+            <a:off x="6639810" y="2868072"/>
+            <a:ext cx="582935" cy="389235"/>
+          </a:xfrm>
+          <a:prstGeom prst="rightArrow">
+            <a:avLst/>
+          </a:prstGeom>
+          <a:solidFill>
+            <a:srgbClr val="FFFF00"/>
+          </a:solidFill>
+        </p:spPr>
+        <p:style>
+          <a:lnRef idx="2">
+            <a:schemeClr val="accent1">
+              <a:shade val="50000"/>
+            </a:schemeClr>
+          </a:lnRef>
+          <a:fillRef idx="1">
+            <a:schemeClr val="accent1"/>
+          </a:fillRef>
+          <a:effectRef idx="0">
+            <a:schemeClr val="accent1"/>
+          </a:effectRef>
+          <a:fontRef idx="minor">
+            <a:schemeClr val="lt1"/>
+          </a:fontRef>
+        </p:style>
+        <p:txBody>
+          <a:bodyPr rtlCol="0" anchor="ctr"/>
+          <a:lstStyle/>
+          <a:p>
+            <a:pPr algn="ctr"/>
+            <a:endParaRPr lang="en-US"/>
+          </a:p>
+        </p:txBody>
+      </p:sp>
+      <p:sp>
+        <p:nvSpPr>
+          <p:cNvPr id="80" name="Rounded Rectangle 79">
+            <a:extLst>
+              <a:ext uri="{FF2B5EF4-FFF2-40B4-BE49-F238E27FC236}">
+                <a16:creationId xmlns:a16="http://schemas.microsoft.com/office/drawing/2014/main" id="{47E37B31-9AB1-A245-B833-D8F00FDF35B7}"/>
+              </a:ext>
+            </a:extLst>
+          </p:cNvPr>
+          <p:cNvSpPr/>
+          <p:nvPr/>
+        </p:nvSpPr>
+        <p:spPr>
+          <a:xfrm>
+            <a:off x="9057959" y="2547618"/>
+            <a:ext cx="1416270" cy="1030142"/>
+          </a:xfrm>
+          <a:prstGeom prst="roundRect">
+            <a:avLst/>
+          </a:prstGeom>
+          <a:solidFill>
+            <a:srgbClr val="00B0F0"/>
+          </a:solidFill>
+        </p:spPr>
+        <p:style>
+          <a:lnRef idx="2">
+            <a:schemeClr val="accent1">
+              <a:shade val="50000"/>
+            </a:schemeClr>
+          </a:lnRef>
+          <a:fillRef idx="1">
+            <a:schemeClr val="accent1"/>
+          </a:fillRef>
+          <a:effectRef idx="0">
+            <a:schemeClr val="accent1"/>
+          </a:effectRef>
+          <a:fontRef idx="minor">
+            <a:schemeClr val="lt1"/>
+          </a:fontRef>
+        </p:style>
+        <p:txBody>
+          <a:bodyPr rtlCol="0" anchor="ctr"/>
+          <a:lstStyle/>
+          <a:p>
+            <a:pPr algn="ctr"/>
+            <a:r>
+              <a:rPr lang="en-US" b="1" dirty="0">
+                <a:solidFill>
+                  <a:schemeClr val="bg1"/>
+                </a:solidFill>
+              </a:rPr>
+              <a:t>usertrap</a:t>
+            </a:r>
+          </a:p>
+          <a:p>
+            <a:pPr algn="ctr"/>
+            <a:r>
+              <a:rPr lang="en-US" sz="1050" dirty="0">
+                <a:solidFill>
+                  <a:schemeClr val="bg1"/>
+                </a:solidFill>
+              </a:rPr>
+              <a:t>Kernel/trap.c</a:t>
+            </a:r>
+          </a:p>
+        </p:txBody>
+      </p:sp>
+      <p:sp>
+        <p:nvSpPr>
+          <p:cNvPr id="81" name="Right Arrow 80">
+            <a:extLst>
+              <a:ext uri="{FF2B5EF4-FFF2-40B4-BE49-F238E27FC236}">
+                <a16:creationId xmlns:a16="http://schemas.microsoft.com/office/drawing/2014/main" id="{C3485289-3359-074F-B915-F44F52EFAA46}"/>
+              </a:ext>
+            </a:extLst>
+          </p:cNvPr>
+          <p:cNvSpPr/>
+          <p:nvPr/>
+        </p:nvSpPr>
+        <p:spPr>
+          <a:xfrm>
+            <a:off x="8569802" y="2895190"/>
+            <a:ext cx="557370" cy="389235"/>
+          </a:xfrm>
+          <a:prstGeom prst="rightArrow">
+            <a:avLst/>
+          </a:prstGeom>
+          <a:solidFill>
+            <a:srgbClr val="FFFF00"/>
+          </a:solidFill>
+          <a:ln>
+            <a:noFill/>
+          </a:ln>
+        </p:spPr>
+        <p:style>
+          <a:lnRef idx="2">
+            <a:schemeClr val="accent1">
+              <a:shade val="50000"/>
+            </a:schemeClr>
+          </a:lnRef>
+          <a:fillRef idx="1">
+            <a:schemeClr val="accent1"/>
+          </a:fillRef>
+          <a:effectRef idx="0">
+            <a:schemeClr val="accent1"/>
+          </a:effectRef>
+          <a:fontRef idx="minor">
+            <a:schemeClr val="lt1"/>
+          </a:fontRef>
+        </p:style>
+        <p:txBody>
+          <a:bodyPr rtlCol="0" anchor="ctr"/>
+          <a:lstStyle/>
+          <a:p>
+            <a:pPr algn="ctr"/>
+            <a:endParaRPr lang="en-US"/>
+          </a:p>
+        </p:txBody>
+      </p:sp>
+      <p:cxnSp>
+        <p:nvCxnSpPr>
+          <p:cNvPr id="87" name="Curved Connector 86">
+            <a:extLst>
+              <a:ext uri="{FF2B5EF4-FFF2-40B4-BE49-F238E27FC236}">
+                <a16:creationId xmlns:a16="http://schemas.microsoft.com/office/drawing/2014/main" id="{5FDC65D8-62F0-DA49-8491-D01174F57285}"/>
+              </a:ext>
+            </a:extLst>
+          </p:cNvPr>
+          <p:cNvCxnSpPr>
+            <a:stCxn id="42" idx="3"/>
+            <a:endCxn id="80" idx="0"/>
+          </p:cNvCxnSpPr>
+          <p:nvPr/>
+        </p:nvCxnSpPr>
+        <p:spPr>
+          <a:xfrm flipV="1">
+            <a:off x="4522155" y="2547618"/>
+            <a:ext cx="5243939" cy="395355"/>
+          </a:xfrm>
+          <a:prstGeom prst="curvedConnector4">
+            <a:avLst>
+              <a:gd name="adj1" fmla="val 6970"/>
+              <a:gd name="adj2" fmla="val 157821"/>
+            </a:avLst>
+          </a:prstGeom>
+          <a:ln>
+            <a:tailEnd type="triangle"/>
+          </a:ln>
+        </p:spPr>
+        <p:style>
+          <a:lnRef idx="3">
+            <a:schemeClr val="accent1"/>
+          </a:lnRef>
+          <a:fillRef idx="0">
+            <a:schemeClr val="accent1"/>
+          </a:fillRef>
+          <a:effectRef idx="2">
+            <a:schemeClr val="accent1"/>
+          </a:effectRef>
+          <a:fontRef idx="minor">
+            <a:schemeClr val="tx1"/>
+          </a:fontRef>
+        </p:style>
+      </p:cxnSp>
+      <p:sp>
+        <p:nvSpPr>
+          <p:cNvPr id="89" name="Rounded Rectangle 88">
+            <a:extLst>
+              <a:ext uri="{FF2B5EF4-FFF2-40B4-BE49-F238E27FC236}">
+                <a16:creationId xmlns:a16="http://schemas.microsoft.com/office/drawing/2014/main" id="{3EABEF3C-3202-464F-AAF9-6B46016FEC4F}"/>
+              </a:ext>
+            </a:extLst>
+          </p:cNvPr>
+          <p:cNvSpPr/>
+          <p:nvPr/>
+        </p:nvSpPr>
+        <p:spPr>
+          <a:xfrm>
+            <a:off x="9128210" y="816608"/>
+            <a:ext cx="1416270" cy="1030142"/>
+          </a:xfrm>
+          <a:prstGeom prst="roundRect">
+            <a:avLst/>
+          </a:prstGeom>
+          <a:solidFill>
+            <a:srgbClr val="00B0F0"/>
+          </a:solidFill>
+        </p:spPr>
+        <p:style>
+          <a:lnRef idx="2">
+            <a:schemeClr val="accent1">
+              <a:shade val="50000"/>
+            </a:schemeClr>
+          </a:lnRef>
+          <a:fillRef idx="1">
+            <a:schemeClr val="accent1"/>
+          </a:fillRef>
+          <a:effectRef idx="0">
+            <a:schemeClr val="accent1"/>
+          </a:effectRef>
+          <a:fontRef idx="minor">
+            <a:schemeClr val="lt1"/>
+          </a:fontRef>
+        </p:style>
+        <p:txBody>
+          <a:bodyPr rtlCol="0" anchor="ctr"/>
+          <a:lstStyle/>
+          <a:p>
+            <a:pPr algn="ctr"/>
+            <a:r>
+              <a:rPr lang="en-US" b="1" dirty="0">
+                <a:solidFill>
+                  <a:schemeClr val="bg1"/>
+                </a:solidFill>
+              </a:rPr>
+              <a:t>usertrapret</a:t>
+            </a:r>
+          </a:p>
+          <a:p>
+            <a:pPr algn="ctr"/>
+            <a:r>
+              <a:rPr lang="en-US" sz="1050" dirty="0">
+                <a:solidFill>
+                  <a:schemeClr val="bg1"/>
+                </a:solidFill>
+              </a:rPr>
+              <a:t>Kernel/trap.c</a:t>
+            </a:r>
+          </a:p>
+        </p:txBody>
+      </p:sp>
+      <p:sp>
+        <p:nvSpPr>
+          <p:cNvPr id="90" name="Rounded Rectangle 89">
+            <a:extLst>
+              <a:ext uri="{FF2B5EF4-FFF2-40B4-BE49-F238E27FC236}">
+                <a16:creationId xmlns:a16="http://schemas.microsoft.com/office/drawing/2014/main" id="{3D1F0642-473F-704D-8243-F709303E3039}"/>
+              </a:ext>
+            </a:extLst>
+          </p:cNvPr>
+          <p:cNvSpPr/>
+          <p:nvPr/>
+        </p:nvSpPr>
+        <p:spPr>
+          <a:xfrm>
+            <a:off x="10560037" y="1736296"/>
+            <a:ext cx="1416270" cy="915130"/>
+          </a:xfrm>
+          <a:prstGeom prst="roundRect">
+            <a:avLst/>
+          </a:prstGeom>
+          <a:solidFill>
+            <a:srgbClr val="00B0F0"/>
+          </a:solidFill>
+        </p:spPr>
+        <p:style>
+          <a:lnRef idx="2">
+            <a:schemeClr val="accent1">
+              <a:shade val="50000"/>
+            </a:schemeClr>
+          </a:lnRef>
+          <a:fillRef idx="1">
+            <a:schemeClr val="accent1"/>
+          </a:fillRef>
+          <a:effectRef idx="0">
+            <a:schemeClr val="accent1"/>
+          </a:effectRef>
+          <a:fontRef idx="minor">
+            <a:schemeClr val="lt1"/>
+          </a:fontRef>
+        </p:style>
+        <p:txBody>
+          <a:bodyPr rtlCol="0" anchor="ctr"/>
+          <a:lstStyle/>
+          <a:p>
+            <a:pPr algn="ctr"/>
+            <a:r>
+              <a:rPr lang="en-US" b="1" dirty="0">
+                <a:solidFill>
+                  <a:schemeClr val="bg1"/>
+                </a:solidFill>
+              </a:rPr>
+              <a:t>Syscall</a:t>
+            </a:r>
+          </a:p>
+          <a:p>
+            <a:pPr algn="ctr"/>
+            <a:r>
+              <a:rPr lang="en-US" sz="1050" dirty="0">
+                <a:solidFill>
+                  <a:schemeClr val="bg1"/>
+                </a:solidFill>
+              </a:rPr>
+              <a:t>kernel/syscall.c</a:t>
+            </a:r>
+          </a:p>
+        </p:txBody>
+      </p:sp>
+      <p:sp>
+        <p:nvSpPr>
+          <p:cNvPr id="92" name="Bent Up Arrow 91">
+            <a:extLst>
+              <a:ext uri="{FF2B5EF4-FFF2-40B4-BE49-F238E27FC236}">
+                <a16:creationId xmlns:a16="http://schemas.microsoft.com/office/drawing/2014/main" id="{B454BF67-1B45-C34E-9D50-7FC179B469C0}"/>
+              </a:ext>
+            </a:extLst>
+          </p:cNvPr>
+          <p:cNvSpPr/>
+          <p:nvPr/>
+        </p:nvSpPr>
+        <p:spPr>
+          <a:xfrm>
+            <a:off x="10493660" y="2468298"/>
+            <a:ext cx="956261" cy="682904"/>
+          </a:xfrm>
+          <a:prstGeom prst="bentUpArrow">
+            <a:avLst>
+              <a:gd name="adj1" fmla="val 25000"/>
+              <a:gd name="adj2" fmla="val 25000"/>
+              <a:gd name="adj3" fmla="val 33871"/>
+            </a:avLst>
+          </a:prstGeom>
+          <a:solidFill>
+            <a:srgbClr val="FFFF00"/>
+          </a:solidFill>
+          <a:ln>
+            <a:noFill/>
+          </a:ln>
+        </p:spPr>
+        <p:style>
+          <a:lnRef idx="2">
+            <a:schemeClr val="accent1">
+              <a:shade val="50000"/>
+            </a:schemeClr>
+          </a:lnRef>
+          <a:fillRef idx="1">
+            <a:schemeClr val="accent1"/>
+          </a:fillRef>
+          <a:effectRef idx="0">
+            <a:schemeClr val="accent1"/>
+          </a:effectRef>
+          <a:fontRef idx="minor">
+            <a:schemeClr val="lt1"/>
+          </a:fontRef>
+        </p:style>
+        <p:txBody>
+          <a:bodyPr rtlCol="0" anchor="ctr"/>
+          <a:lstStyle/>
+          <a:p>
+            <a:pPr algn="ctr"/>
+            <a:endParaRPr lang="en-US"/>
+          </a:p>
+        </p:txBody>
+      </p:sp>
+      <p:sp>
+        <p:nvSpPr>
+          <p:cNvPr id="94" name="Bent Up Arrow 93">
+            <a:extLst>
+              <a:ext uri="{FF2B5EF4-FFF2-40B4-BE49-F238E27FC236}">
+                <a16:creationId xmlns:a16="http://schemas.microsoft.com/office/drawing/2014/main" id="{87F4E4B0-7249-4C44-8FF8-DB4108216D38}"/>
+              </a:ext>
+            </a:extLst>
+          </p:cNvPr>
+          <p:cNvSpPr/>
+          <p:nvPr/>
+        </p:nvSpPr>
+        <p:spPr>
+          <a:xfrm rot="16200000">
+            <a:off x="10533910" y="989431"/>
+            <a:ext cx="742565" cy="956262"/>
+          </a:xfrm>
+          <a:prstGeom prst="bentUpArrow">
+            <a:avLst>
+              <a:gd name="adj1" fmla="val 25000"/>
+              <a:gd name="adj2" fmla="val 25000"/>
+              <a:gd name="adj3" fmla="val 33871"/>
+            </a:avLst>
+          </a:prstGeom>
+          <a:solidFill>
+            <a:srgbClr val="FFFF00"/>
+          </a:solidFill>
+          <a:ln>
+            <a:noFill/>
+          </a:ln>
+        </p:spPr>
+        <p:style>
+          <a:lnRef idx="2">
+            <a:schemeClr val="accent1">
+              <a:shade val="50000"/>
+            </a:schemeClr>
+          </a:lnRef>
+          <a:fillRef idx="1">
+            <a:schemeClr val="accent1"/>
+          </a:fillRef>
+          <a:effectRef idx="0">
+            <a:schemeClr val="accent1"/>
+          </a:effectRef>
+          <a:fontRef idx="minor">
+            <a:schemeClr val="lt1"/>
+          </a:fontRef>
+        </p:style>
+        <p:txBody>
+          <a:bodyPr rtlCol="0" anchor="ctr"/>
+          <a:lstStyle/>
+          <a:p>
+            <a:pPr algn="ctr"/>
+            <a:endParaRPr lang="en-US"/>
+          </a:p>
+        </p:txBody>
+      </p:sp>
+      <p:sp>
+        <p:nvSpPr>
+          <p:cNvPr id="95" name="Rounded Rectangle 94">
+            <a:extLst>
+              <a:ext uri="{FF2B5EF4-FFF2-40B4-BE49-F238E27FC236}">
+                <a16:creationId xmlns:a16="http://schemas.microsoft.com/office/drawing/2014/main" id="{45FDB96E-F515-974F-A20D-C6707A8A298A}"/>
+              </a:ext>
+            </a:extLst>
+          </p:cNvPr>
+          <p:cNvSpPr/>
+          <p:nvPr/>
+        </p:nvSpPr>
+        <p:spPr>
+          <a:xfrm>
+            <a:off x="7136201" y="808703"/>
+            <a:ext cx="1416270" cy="1030142"/>
+          </a:xfrm>
+          <a:prstGeom prst="roundRect">
+            <a:avLst/>
+          </a:prstGeom>
+          <a:solidFill>
+            <a:srgbClr val="00B0F0"/>
+          </a:solidFill>
+        </p:spPr>
+        <p:style>
+          <a:lnRef idx="2">
+            <a:schemeClr val="accent1">
+              <a:shade val="50000"/>
+            </a:schemeClr>
+          </a:lnRef>
+          <a:fillRef idx="1">
+            <a:schemeClr val="accent1"/>
+          </a:fillRef>
+          <a:effectRef idx="0">
+            <a:schemeClr val="accent1"/>
+          </a:effectRef>
+          <a:fontRef idx="minor">
+            <a:schemeClr val="lt1"/>
+          </a:fontRef>
+        </p:style>
+        <p:txBody>
+          <a:bodyPr rtlCol="0" anchor="ctr"/>
+          <a:lstStyle/>
+          <a:p>
+            <a:pPr algn="ctr"/>
+            <a:r>
+              <a:rPr lang="en-US" b="1" dirty="0">
+                <a:solidFill>
+                  <a:schemeClr val="bg1"/>
+                </a:solidFill>
+              </a:rPr>
+              <a:t>userret</a:t>
+            </a:r>
+          </a:p>
+          <a:p>
+            <a:pPr algn="ctr"/>
+            <a:r>
+              <a:rPr lang="en-US" sz="1050" dirty="0">
+                <a:solidFill>
+                  <a:schemeClr val="bg1"/>
+                </a:solidFill>
+              </a:rPr>
+              <a:t>kernel/trampoline.s</a:t>
+            </a:r>
+          </a:p>
+        </p:txBody>
+      </p:sp>
+      <p:sp>
+        <p:nvSpPr>
+          <p:cNvPr id="96" name="Rounded Rectangle 95">
+            <a:extLst>
+              <a:ext uri="{FF2B5EF4-FFF2-40B4-BE49-F238E27FC236}">
+                <a16:creationId xmlns:a16="http://schemas.microsoft.com/office/drawing/2014/main" id="{E8AFBC91-7D4A-8A45-AED9-7E9508977711}"/>
+              </a:ext>
+            </a:extLst>
+          </p:cNvPr>
+          <p:cNvSpPr/>
+          <p:nvPr/>
+        </p:nvSpPr>
+        <p:spPr>
+          <a:xfrm>
+            <a:off x="5561286" y="816608"/>
+            <a:ext cx="1069427" cy="1030142"/>
+          </a:xfrm>
+          <a:prstGeom prst="roundRect">
+            <a:avLst/>
+          </a:prstGeom>
+          <a:solidFill>
+            <a:srgbClr val="00B0F0"/>
+          </a:solidFill>
+          <a:ln>
+            <a:noFill/>
+          </a:ln>
+        </p:spPr>
+        <p:style>
+          <a:lnRef idx="2">
+            <a:schemeClr val="accent1">
+              <a:shade val="50000"/>
+            </a:schemeClr>
+          </a:lnRef>
+          <a:fillRef idx="1">
+            <a:schemeClr val="accent1"/>
+          </a:fillRef>
+          <a:effectRef idx="0">
+            <a:schemeClr val="accent1"/>
+          </a:effectRef>
+          <a:fontRef idx="minor">
+            <a:schemeClr val="lt1"/>
+          </a:fontRef>
+        </p:style>
+        <p:txBody>
+          <a:bodyPr rtlCol="0" anchor="ctr"/>
+          <a:lstStyle/>
+          <a:p>
+            <a:pPr algn="ctr"/>
+            <a:r>
+              <a:rPr lang="en-US" b="1" dirty="0">
+                <a:solidFill>
+                  <a:schemeClr val="bg1"/>
+                </a:solidFill>
+              </a:rPr>
+              <a:t>sret</a:t>
+            </a:r>
+          </a:p>
+        </p:txBody>
+      </p:sp>
+      <p:sp>
+        <p:nvSpPr>
+          <p:cNvPr id="97" name="Left Arrow 96">
+            <a:extLst>
+              <a:ext uri="{FF2B5EF4-FFF2-40B4-BE49-F238E27FC236}">
+                <a16:creationId xmlns:a16="http://schemas.microsoft.com/office/drawing/2014/main" id="{CB5BEC0B-38FC-0C45-8446-B95C80630256}"/>
+              </a:ext>
+            </a:extLst>
+          </p:cNvPr>
+          <p:cNvSpPr/>
+          <p:nvPr/>
+        </p:nvSpPr>
+        <p:spPr>
+          <a:xfrm>
+            <a:off x="8491098" y="1119039"/>
+            <a:ext cx="552656" cy="409470"/>
+          </a:xfrm>
+          <a:prstGeom prst="leftArrow">
+            <a:avLst/>
+          </a:prstGeom>
+          <a:solidFill>
+            <a:srgbClr val="FFFF00"/>
+          </a:solidFill>
+          <a:ln>
+            <a:noFill/>
+          </a:ln>
+        </p:spPr>
+        <p:style>
+          <a:lnRef idx="2">
+            <a:schemeClr val="accent1">
+              <a:shade val="50000"/>
+            </a:schemeClr>
+          </a:lnRef>
+          <a:fillRef idx="1">
+            <a:schemeClr val="accent1"/>
+          </a:fillRef>
+          <a:effectRef idx="0">
+            <a:schemeClr val="accent1"/>
+          </a:effectRef>
+          <a:fontRef idx="minor">
+            <a:schemeClr val="lt1"/>
+          </a:fontRef>
+        </p:style>
+        <p:txBody>
+          <a:bodyPr rtlCol="0" anchor="ctr"/>
+          <a:lstStyle/>
+          <a:p>
+            <a:pPr algn="ctr"/>
+            <a:endParaRPr lang="en-US"/>
+          </a:p>
+        </p:txBody>
+      </p:sp>
+      <p:sp>
+        <p:nvSpPr>
+          <p:cNvPr id="98" name="Left Arrow 97">
+            <a:extLst>
+              <a:ext uri="{FF2B5EF4-FFF2-40B4-BE49-F238E27FC236}">
+                <a16:creationId xmlns:a16="http://schemas.microsoft.com/office/drawing/2014/main" id="{418ED79B-5F2B-6946-80A2-562B9BFD0686}"/>
+              </a:ext>
+            </a:extLst>
+          </p:cNvPr>
+          <p:cNvSpPr/>
+          <p:nvPr/>
+        </p:nvSpPr>
+        <p:spPr>
+          <a:xfrm>
+            <a:off x="6591468" y="1134989"/>
+            <a:ext cx="552656" cy="409470"/>
+          </a:xfrm>
+          <a:prstGeom prst="leftArrow">
+            <a:avLst/>
+          </a:prstGeom>
+          <a:solidFill>
+            <a:srgbClr val="FFFF00"/>
+          </a:solidFill>
+          <a:ln>
+            <a:noFill/>
+          </a:ln>
+        </p:spPr>
+        <p:style>
+          <a:lnRef idx="2">
+            <a:schemeClr val="accent1">
+              <a:shade val="50000"/>
+            </a:schemeClr>
+          </a:lnRef>
+          <a:fillRef idx="1">
+            <a:schemeClr val="accent1"/>
+          </a:fillRef>
+          <a:effectRef idx="0">
+            <a:schemeClr val="accent1"/>
+          </a:effectRef>
+          <a:fontRef idx="minor">
+            <a:schemeClr val="lt1"/>
+          </a:fontRef>
+        </p:style>
+        <p:txBody>
+          <a:bodyPr rtlCol="0" anchor="ctr"/>
+          <a:lstStyle/>
+          <a:p>
+            <a:pPr algn="ctr"/>
+            <a:endParaRPr lang="en-US"/>
+          </a:p>
+        </p:txBody>
+      </p:sp>
+    </p:spTree>
+    <p:extLst>
+      <p:ext uri="{BB962C8B-B14F-4D97-AF65-F5344CB8AC3E}">
+        <p14:creationId xmlns:p14="http://schemas.microsoft.com/office/powerpoint/2010/main" val="2778556259"/>
+      </p:ext>
+    </p:extLst>
+  </p:cSld>
+  <p:clrMapOvr>
+    <a:masterClrMapping/>
+  </p:clrMapOvr>
+</p:sld>
+</file>
+
+<file path=ppt/slides/slide7.xml><?xml version="1.0" encoding="utf-8"?>
+<p:sld xmlns:a="http://schemas.openxmlformats.org/drawingml/2006/main" xmlns:r="http://schemas.openxmlformats.org/officeDocument/2006/relationships" xmlns:p="http://schemas.openxmlformats.org/presentationml/2006/main">
+  <p:cSld>
+    <p:spTree>
+      <p:nvGrpSpPr>
+        <p:cNvPr id="1" name=""/>
+        <p:cNvGrpSpPr/>
+        <p:nvPr/>
+      </p:nvGrpSpPr>
+      <p:grpSpPr>
+        <a:xfrm>
+          <a:off x="0" y="0"/>
+          <a:ext cx="0" cy="0"/>
+          <a:chOff x="0" y="0"/>
+          <a:chExt cx="0" cy="0"/>
+        </a:xfrm>
+      </p:grpSpPr>
+      <p:sp>
+        <p:nvSpPr>
           <p:cNvPr id="2" name="TextBox 1">
             <a:extLst>
               <a:ext uri="{FF2B5EF4-FFF2-40B4-BE49-F238E27FC236}">
@@ -11896,7 +14463,7 @@
     </p:spTree>
     <p:extLst>
       <p:ext uri="{BB962C8B-B14F-4D97-AF65-F5344CB8AC3E}">
-        <p14:creationId xmlns:p14="http://schemas.microsoft.com/office/powerpoint/2010/main" val="2778556259"/>
+        <p14:creationId xmlns:p14="http://schemas.microsoft.com/office/powerpoint/2010/main" val="1486785735"/>
       </p:ext>
     </p:extLst>
   </p:cSld>

--- a/docs/figures/os1.pptx
+++ b/docs/figures/os1.pptx
@@ -14,7 +14,7 @@
     <p:sldId id="336" r:id="rId5"/>
     <p:sldId id="332" r:id="rId6"/>
     <p:sldId id="333" r:id="rId7"/>
-    <p:sldId id="337" r:id="rId8"/>
+    <p:sldId id="339" r:id="rId8"/>
   </p:sldIdLst>
   <p:sldSz cx="12192000" cy="6858000"/>
   <p:notesSz cx="6858000" cy="9144000"/>
@@ -203,7 +203,7 @@
           <a:p>
             <a:fld id="{2EFFAEC8-D018-F645-91F8-523BBA3A2E09}" type="datetimeFigureOut">
               <a:rPr lang="en-US" smtClean="0"/>
-              <a:t>3/15/22</a:t>
+              <a:t>3/31/22</a:t>
             </a:fld>
             <a:endParaRPr lang="en-US"/>
           </a:p>
@@ -1049,7 +1049,7 @@
     </p:spTree>
     <p:extLst>
       <p:ext uri="{BB962C8B-B14F-4D97-AF65-F5344CB8AC3E}">
-        <p14:creationId xmlns:p14="http://schemas.microsoft.com/office/powerpoint/2010/main" val="3459859977"/>
+        <p14:creationId xmlns:p14="http://schemas.microsoft.com/office/powerpoint/2010/main" val="1216548869"/>
       </p:ext>
     </p:extLst>
   </p:cSld>
@@ -1208,7 +1208,7 @@
           <a:p>
             <a:fld id="{19461545-4337-D04F-96C2-94803B0B0F81}" type="datetimeFigureOut">
               <a:rPr lang="en-US" smtClean="0"/>
-              <a:t>3/15/22</a:t>
+              <a:t>3/31/22</a:t>
             </a:fld>
             <a:endParaRPr lang="en-US"/>
           </a:p>
@@ -1408,7 +1408,7 @@
           <a:p>
             <a:fld id="{19461545-4337-D04F-96C2-94803B0B0F81}" type="datetimeFigureOut">
               <a:rPr lang="en-US" smtClean="0"/>
-              <a:t>3/15/22</a:t>
+              <a:t>3/31/22</a:t>
             </a:fld>
             <a:endParaRPr lang="en-US"/>
           </a:p>
@@ -1618,7 +1618,7 @@
           <a:p>
             <a:fld id="{19461545-4337-D04F-96C2-94803B0B0F81}" type="datetimeFigureOut">
               <a:rPr lang="en-US" smtClean="0"/>
-              <a:t>3/15/22</a:t>
+              <a:t>3/31/22</a:t>
             </a:fld>
             <a:endParaRPr lang="en-US"/>
           </a:p>
@@ -1853,7 +1853,7 @@
           <a:p>
             <a:fld id="{19461545-4337-D04F-96C2-94803B0B0F81}" type="datetimeFigureOut">
               <a:rPr lang="en-US" smtClean="0"/>
-              <a:t>3/15/22</a:t>
+              <a:t>3/31/22</a:t>
             </a:fld>
             <a:endParaRPr lang="en-US"/>
           </a:p>
@@ -2129,7 +2129,7 @@
           <a:p>
             <a:fld id="{19461545-4337-D04F-96C2-94803B0B0F81}" type="datetimeFigureOut">
               <a:rPr lang="en-US" smtClean="0"/>
-              <a:t>3/15/22</a:t>
+              <a:t>3/31/22</a:t>
             </a:fld>
             <a:endParaRPr lang="en-US"/>
           </a:p>
@@ -2397,7 +2397,7 @@
           <a:p>
             <a:fld id="{19461545-4337-D04F-96C2-94803B0B0F81}" type="datetimeFigureOut">
               <a:rPr lang="en-US" smtClean="0"/>
-              <a:t>3/15/22</a:t>
+              <a:t>3/31/22</a:t>
             </a:fld>
             <a:endParaRPr lang="en-US"/>
           </a:p>
@@ -2812,7 +2812,7 @@
           <a:p>
             <a:fld id="{19461545-4337-D04F-96C2-94803B0B0F81}" type="datetimeFigureOut">
               <a:rPr lang="en-US" smtClean="0"/>
-              <a:t>3/15/22</a:t>
+              <a:t>3/31/22</a:t>
             </a:fld>
             <a:endParaRPr lang="en-US"/>
           </a:p>
@@ -2954,7 +2954,7 @@
           <a:p>
             <a:fld id="{19461545-4337-D04F-96C2-94803B0B0F81}" type="datetimeFigureOut">
               <a:rPr lang="en-US" smtClean="0"/>
-              <a:t>3/15/22</a:t>
+              <a:t>3/31/22</a:t>
             </a:fld>
             <a:endParaRPr lang="en-US"/>
           </a:p>
@@ -3067,7 +3067,7 @@
           <a:p>
             <a:fld id="{19461545-4337-D04F-96C2-94803B0B0F81}" type="datetimeFigureOut">
               <a:rPr lang="en-US" smtClean="0"/>
-              <a:t>3/15/22</a:t>
+              <a:t>3/31/22</a:t>
             </a:fld>
             <a:endParaRPr lang="en-US"/>
           </a:p>
@@ -3380,7 +3380,7 @@
           <a:p>
             <a:fld id="{19461545-4337-D04F-96C2-94803B0B0F81}" type="datetimeFigureOut">
               <a:rPr lang="en-US" smtClean="0"/>
-              <a:t>3/15/22</a:t>
+              <a:t>3/31/22</a:t>
             </a:fld>
             <a:endParaRPr lang="en-US"/>
           </a:p>
@@ -3669,7 +3669,7 @@
           <a:p>
             <a:fld id="{19461545-4337-D04F-96C2-94803B0B0F81}" type="datetimeFigureOut">
               <a:rPr lang="en-US" smtClean="0"/>
-              <a:t>3/15/22</a:t>
+              <a:t>3/31/22</a:t>
             </a:fld>
             <a:endParaRPr lang="en-US"/>
           </a:p>
@@ -3912,7 +3912,7 @@
           <a:p>
             <a:fld id="{19461545-4337-D04F-96C2-94803B0B0F81}" type="datetimeFigureOut">
               <a:rPr lang="en-US" smtClean="0"/>
-              <a:t>3/15/22</a:t>
+              <a:t>3/31/22</a:t>
             </a:fld>
             <a:endParaRPr lang="en-US"/>
           </a:p>
@@ -11576,13 +11576,18 @@
           <a:p>
             <a:pPr algn="ctr"/>
             <a:r>
-              <a:rPr lang="en-US" sz="800" dirty="0">
+              <a:rPr lang="en-US" sz="800" dirty="0" err="1">
                 <a:solidFill>
                   <a:schemeClr val="bg1"/>
                 </a:solidFill>
               </a:rPr>
               <a:t>kernel_satp</a:t>
             </a:r>
+            <a:endParaRPr lang="en-US" sz="800" dirty="0">
+              <a:solidFill>
+                <a:schemeClr val="bg1"/>
+              </a:solidFill>
+            </a:endParaRPr>
           </a:p>
         </p:txBody>
       </p:sp>
@@ -12907,13 +12912,18 @@
           <a:p>
             <a:pPr algn="ctr"/>
             <a:r>
-              <a:rPr lang="en-US" sz="800" dirty="0">
+              <a:rPr lang="en-US" sz="800" dirty="0" err="1">
                 <a:solidFill>
                   <a:schemeClr val="bg1"/>
                 </a:solidFill>
               </a:rPr>
               <a:t>kernel_satp</a:t>
             </a:r>
+            <a:endParaRPr lang="en-US" sz="800" dirty="0">
+              <a:solidFill>
+                <a:schemeClr val="bg1"/>
+              </a:solidFill>
+            </a:endParaRPr>
           </a:p>
         </p:txBody>
       </p:sp>
@@ -14431,7 +14441,7 @@
         </p:nvSpPr>
         <p:spPr>
           <a:xfrm>
-            <a:off x="1872537" y="343020"/>
+            <a:off x="1872536" y="289207"/>
             <a:ext cx="8446926" cy="707886"/>
           </a:xfrm>
           <a:prstGeom prst="rect">
@@ -14455,7 +14465,5767 @@
                   </a:schemeClr>
                 </a:solidFill>
               </a:rPr>
-              <a:t>Memory Address*</a:t>
+              <a:t>Page Table in xv6</a:t>
+            </a:r>
+          </a:p>
+        </p:txBody>
+      </p:sp>
+      <p:sp>
+        <p:nvSpPr>
+          <p:cNvPr id="3" name="Rectangle 2">
+            <a:extLst>
+              <a:ext uri="{FF2B5EF4-FFF2-40B4-BE49-F238E27FC236}">
+                <a16:creationId xmlns:a16="http://schemas.microsoft.com/office/drawing/2014/main" id="{441AAF82-E83B-134F-8F1A-671293514AD0}"/>
+              </a:ext>
+            </a:extLst>
+          </p:cNvPr>
+          <p:cNvSpPr/>
+          <p:nvPr/>
+        </p:nvSpPr>
+        <p:spPr>
+          <a:xfrm>
+            <a:off x="10319463" y="1973187"/>
+            <a:ext cx="998483" cy="4217405"/>
+          </a:xfrm>
+          <a:prstGeom prst="rect">
+            <a:avLst/>
+          </a:prstGeom>
+          <a:solidFill>
+            <a:schemeClr val="tx1"/>
+          </a:solidFill>
+        </p:spPr>
+        <p:style>
+          <a:lnRef idx="2">
+            <a:schemeClr val="accent1">
+              <a:shade val="50000"/>
+            </a:schemeClr>
+          </a:lnRef>
+          <a:fillRef idx="1">
+            <a:schemeClr val="accent1"/>
+          </a:fillRef>
+          <a:effectRef idx="0">
+            <a:schemeClr val="accent1"/>
+          </a:effectRef>
+          <a:fontRef idx="minor">
+            <a:schemeClr val="lt1"/>
+          </a:fontRef>
+        </p:style>
+        <p:txBody>
+          <a:bodyPr rtlCol="0" anchor="ctr"/>
+          <a:lstStyle/>
+          <a:p>
+            <a:pPr algn="ctr"/>
+            <a:endParaRPr lang="en-US"/>
+          </a:p>
+        </p:txBody>
+      </p:sp>
+      <p:sp>
+        <p:nvSpPr>
+          <p:cNvPr id="4" name="TextBox 3">
+            <a:extLst>
+              <a:ext uri="{FF2B5EF4-FFF2-40B4-BE49-F238E27FC236}">
+                <a16:creationId xmlns:a16="http://schemas.microsoft.com/office/drawing/2014/main" id="{2F4F14D7-DBCE-5F4D-AAC4-83F33F0D4A82}"/>
+              </a:ext>
+            </a:extLst>
+          </p:cNvPr>
+          <p:cNvSpPr txBox="1"/>
+          <p:nvPr/>
+        </p:nvSpPr>
+        <p:spPr>
+          <a:xfrm>
+            <a:off x="10499335" y="1923992"/>
+            <a:ext cx="655949" cy="369332"/>
+          </a:xfrm>
+          <a:prstGeom prst="rect">
+            <a:avLst/>
+          </a:prstGeom>
+          <a:noFill/>
+        </p:spPr>
+        <p:txBody>
+          <a:bodyPr wrap="none" rtlCol="0">
+            <a:spAutoFit/>
+          </a:bodyPr>
+          <a:lstStyle/>
+          <a:p>
+            <a:r>
+              <a:rPr lang="en-US" b="1" dirty="0">
+                <a:solidFill>
+                  <a:srgbClr val="FF0000"/>
+                </a:solidFill>
+              </a:rPr>
+              <a:t>RAM</a:t>
+            </a:r>
+          </a:p>
+        </p:txBody>
+      </p:sp>
+      <p:sp>
+        <p:nvSpPr>
+          <p:cNvPr id="5" name="Rectangle 4">
+            <a:extLst>
+              <a:ext uri="{FF2B5EF4-FFF2-40B4-BE49-F238E27FC236}">
+                <a16:creationId xmlns:a16="http://schemas.microsoft.com/office/drawing/2014/main" id="{E445E0CB-C78D-D54D-A811-C42DB5839095}"/>
+              </a:ext>
+            </a:extLst>
+          </p:cNvPr>
+          <p:cNvSpPr/>
+          <p:nvPr/>
+        </p:nvSpPr>
+        <p:spPr>
+          <a:xfrm>
+            <a:off x="10333270" y="2707629"/>
+            <a:ext cx="998483" cy="2017987"/>
+          </a:xfrm>
+          <a:prstGeom prst="rect">
+            <a:avLst/>
+          </a:prstGeom>
+        </p:spPr>
+        <p:style>
+          <a:lnRef idx="2">
+            <a:schemeClr val="accent1">
+              <a:shade val="50000"/>
+            </a:schemeClr>
+          </a:lnRef>
+          <a:fillRef idx="1">
+            <a:schemeClr val="accent1"/>
+          </a:fillRef>
+          <a:effectRef idx="0">
+            <a:schemeClr val="accent1"/>
+          </a:effectRef>
+          <a:fontRef idx="minor">
+            <a:schemeClr val="lt1"/>
+          </a:fontRef>
+        </p:style>
+        <p:txBody>
+          <a:bodyPr rtlCol="0" anchor="ctr"/>
+          <a:lstStyle/>
+          <a:p>
+            <a:pPr algn="ctr"/>
+            <a:endParaRPr lang="en-US"/>
+          </a:p>
+        </p:txBody>
+      </p:sp>
+      <p:sp>
+        <p:nvSpPr>
+          <p:cNvPr id="6" name="TextBox 5">
+            <a:extLst>
+              <a:ext uri="{FF2B5EF4-FFF2-40B4-BE49-F238E27FC236}">
+                <a16:creationId xmlns:a16="http://schemas.microsoft.com/office/drawing/2014/main" id="{DD11DF6B-16DF-6840-AE67-A52726E2DC62}"/>
+              </a:ext>
+            </a:extLst>
+          </p:cNvPr>
+          <p:cNvSpPr txBox="1"/>
+          <p:nvPr/>
+        </p:nvSpPr>
+        <p:spPr>
+          <a:xfrm>
+            <a:off x="11235671" y="4566489"/>
+            <a:ext cx="962123" cy="276999"/>
+          </a:xfrm>
+          <a:prstGeom prst="rect">
+            <a:avLst/>
+          </a:prstGeom>
+          <a:noFill/>
+        </p:spPr>
+        <p:txBody>
+          <a:bodyPr wrap="none" rtlCol="0">
+            <a:spAutoFit/>
+          </a:bodyPr>
+          <a:lstStyle/>
+          <a:p>
+            <a:r>
+              <a:rPr lang="en-US" sz="1200" b="1" dirty="0"/>
+              <a:t>0x80000000</a:t>
+            </a:r>
+          </a:p>
+        </p:txBody>
+      </p:sp>
+      <p:sp>
+        <p:nvSpPr>
+          <p:cNvPr id="7" name="TextBox 6">
+            <a:extLst>
+              <a:ext uri="{FF2B5EF4-FFF2-40B4-BE49-F238E27FC236}">
+                <a16:creationId xmlns:a16="http://schemas.microsoft.com/office/drawing/2014/main" id="{D0A965F3-97FA-6440-A641-8D9BF54E5D40}"/>
+              </a:ext>
+            </a:extLst>
+          </p:cNvPr>
+          <p:cNvSpPr txBox="1"/>
+          <p:nvPr/>
+        </p:nvSpPr>
+        <p:spPr>
+          <a:xfrm>
+            <a:off x="11235670" y="2569129"/>
+            <a:ext cx="962123" cy="276999"/>
+          </a:xfrm>
+          <a:prstGeom prst="rect">
+            <a:avLst/>
+          </a:prstGeom>
+          <a:noFill/>
+        </p:spPr>
+        <p:txBody>
+          <a:bodyPr wrap="none" rtlCol="0">
+            <a:spAutoFit/>
+          </a:bodyPr>
+          <a:lstStyle/>
+          <a:p>
+            <a:r>
+              <a:rPr lang="en-US" sz="1200" b="1" dirty="0"/>
+              <a:t>0x86400000</a:t>
+            </a:r>
+          </a:p>
+        </p:txBody>
+      </p:sp>
+      <p:sp>
+        <p:nvSpPr>
+          <p:cNvPr id="8" name="Rectangle 7">
+            <a:extLst>
+              <a:ext uri="{FF2B5EF4-FFF2-40B4-BE49-F238E27FC236}">
+                <a16:creationId xmlns:a16="http://schemas.microsoft.com/office/drawing/2014/main" id="{4CD19AEF-D482-1243-998A-07B1A7076EBD}"/>
+              </a:ext>
+            </a:extLst>
+          </p:cNvPr>
+          <p:cNvSpPr/>
+          <p:nvPr/>
+        </p:nvSpPr>
+        <p:spPr>
+          <a:xfrm>
+            <a:off x="10333269" y="4517866"/>
+            <a:ext cx="998483" cy="138500"/>
+          </a:xfrm>
+          <a:prstGeom prst="rect">
+            <a:avLst/>
+          </a:prstGeom>
+          <a:solidFill>
+            <a:schemeClr val="tx1"/>
+          </a:solidFill>
+          <a:ln>
+            <a:solidFill>
+              <a:schemeClr val="bg1"/>
+            </a:solidFill>
+          </a:ln>
+        </p:spPr>
+        <p:style>
+          <a:lnRef idx="2">
+            <a:schemeClr val="accent1">
+              <a:shade val="50000"/>
+            </a:schemeClr>
+          </a:lnRef>
+          <a:fillRef idx="1">
+            <a:schemeClr val="accent1"/>
+          </a:fillRef>
+          <a:effectRef idx="0">
+            <a:schemeClr val="accent1"/>
+          </a:effectRef>
+          <a:fontRef idx="minor">
+            <a:schemeClr val="lt1"/>
+          </a:fontRef>
+        </p:style>
+        <p:txBody>
+          <a:bodyPr rtlCol="0" anchor="ctr"/>
+          <a:lstStyle/>
+          <a:p>
+            <a:pPr algn="ctr"/>
+            <a:endParaRPr lang="en-US"/>
+          </a:p>
+        </p:txBody>
+      </p:sp>
+      <p:sp>
+        <p:nvSpPr>
+          <p:cNvPr id="9" name="Rectangle 8">
+            <a:extLst>
+              <a:ext uri="{FF2B5EF4-FFF2-40B4-BE49-F238E27FC236}">
+                <a16:creationId xmlns:a16="http://schemas.microsoft.com/office/drawing/2014/main" id="{9AB2E8A4-5356-B142-9B45-494819C848E1}"/>
+              </a:ext>
+            </a:extLst>
+          </p:cNvPr>
+          <p:cNvSpPr/>
+          <p:nvPr/>
+        </p:nvSpPr>
+        <p:spPr>
+          <a:xfrm>
+            <a:off x="10333268" y="4344741"/>
+            <a:ext cx="998483" cy="138500"/>
+          </a:xfrm>
+          <a:prstGeom prst="rect">
+            <a:avLst/>
+          </a:prstGeom>
+          <a:solidFill>
+            <a:schemeClr val="tx1"/>
+          </a:solidFill>
+          <a:ln>
+            <a:solidFill>
+              <a:schemeClr val="bg1"/>
+            </a:solidFill>
+          </a:ln>
+        </p:spPr>
+        <p:style>
+          <a:lnRef idx="2">
+            <a:schemeClr val="accent1">
+              <a:shade val="50000"/>
+            </a:schemeClr>
+          </a:lnRef>
+          <a:fillRef idx="1">
+            <a:schemeClr val="accent1"/>
+          </a:fillRef>
+          <a:effectRef idx="0">
+            <a:schemeClr val="accent1"/>
+          </a:effectRef>
+          <a:fontRef idx="minor">
+            <a:schemeClr val="lt1"/>
+          </a:fontRef>
+        </p:style>
+        <p:txBody>
+          <a:bodyPr rtlCol="0" anchor="ctr"/>
+          <a:lstStyle/>
+          <a:p>
+            <a:pPr algn="ctr"/>
+            <a:endParaRPr lang="en-US"/>
+          </a:p>
+        </p:txBody>
+      </p:sp>
+      <p:sp>
+        <p:nvSpPr>
+          <p:cNvPr id="15" name="Rectangle 14">
+            <a:extLst>
+              <a:ext uri="{FF2B5EF4-FFF2-40B4-BE49-F238E27FC236}">
+                <a16:creationId xmlns:a16="http://schemas.microsoft.com/office/drawing/2014/main" id="{C0CCA40F-0E92-144A-94F9-27EB693312BE}"/>
+              </a:ext>
+            </a:extLst>
+          </p:cNvPr>
+          <p:cNvSpPr/>
+          <p:nvPr/>
+        </p:nvSpPr>
+        <p:spPr>
+          <a:xfrm>
+            <a:off x="10325257" y="3789415"/>
+            <a:ext cx="998483" cy="138500"/>
+          </a:xfrm>
+          <a:prstGeom prst="rect">
+            <a:avLst/>
+          </a:prstGeom>
+          <a:solidFill>
+            <a:srgbClr val="00B0F0"/>
+          </a:solidFill>
+          <a:ln>
+            <a:solidFill>
+              <a:schemeClr val="bg1"/>
+            </a:solidFill>
+          </a:ln>
+        </p:spPr>
+        <p:style>
+          <a:lnRef idx="2">
+            <a:schemeClr val="accent1">
+              <a:shade val="50000"/>
+            </a:schemeClr>
+          </a:lnRef>
+          <a:fillRef idx="1">
+            <a:schemeClr val="accent1"/>
+          </a:fillRef>
+          <a:effectRef idx="0">
+            <a:schemeClr val="accent1"/>
+          </a:effectRef>
+          <a:fontRef idx="minor">
+            <a:schemeClr val="lt1"/>
+          </a:fontRef>
+        </p:style>
+        <p:txBody>
+          <a:bodyPr rtlCol="0" anchor="ctr"/>
+          <a:lstStyle/>
+          <a:p>
+            <a:pPr algn="ctr"/>
+            <a:endParaRPr lang="en-US"/>
+          </a:p>
+        </p:txBody>
+      </p:sp>
+      <p:sp>
+        <p:nvSpPr>
+          <p:cNvPr id="16" name="Rectangle 15">
+            <a:extLst>
+              <a:ext uri="{FF2B5EF4-FFF2-40B4-BE49-F238E27FC236}">
+                <a16:creationId xmlns:a16="http://schemas.microsoft.com/office/drawing/2014/main" id="{C8562F1F-FD18-8343-AB8E-A71FA0F03634}"/>
+              </a:ext>
+            </a:extLst>
+          </p:cNvPr>
+          <p:cNvSpPr/>
+          <p:nvPr/>
+        </p:nvSpPr>
+        <p:spPr>
+          <a:xfrm>
+            <a:off x="10325257" y="3626604"/>
+            <a:ext cx="998483" cy="138500"/>
+          </a:xfrm>
+          <a:prstGeom prst="rect">
+            <a:avLst/>
+          </a:prstGeom>
+          <a:solidFill>
+            <a:srgbClr val="00B0F0"/>
+          </a:solidFill>
+          <a:ln>
+            <a:solidFill>
+              <a:schemeClr val="bg1"/>
+            </a:solidFill>
+          </a:ln>
+        </p:spPr>
+        <p:style>
+          <a:lnRef idx="2">
+            <a:schemeClr val="accent1">
+              <a:shade val="50000"/>
+            </a:schemeClr>
+          </a:lnRef>
+          <a:fillRef idx="1">
+            <a:schemeClr val="accent1"/>
+          </a:fillRef>
+          <a:effectRef idx="0">
+            <a:schemeClr val="accent1"/>
+          </a:effectRef>
+          <a:fontRef idx="minor">
+            <a:schemeClr val="lt1"/>
+          </a:fontRef>
+        </p:style>
+        <p:txBody>
+          <a:bodyPr rtlCol="0" anchor="ctr"/>
+          <a:lstStyle/>
+          <a:p>
+            <a:pPr algn="ctr"/>
+            <a:endParaRPr lang="en-US"/>
+          </a:p>
+        </p:txBody>
+      </p:sp>
+      <p:sp>
+        <p:nvSpPr>
+          <p:cNvPr id="17" name="Rectangle 16">
+            <a:extLst>
+              <a:ext uri="{FF2B5EF4-FFF2-40B4-BE49-F238E27FC236}">
+                <a16:creationId xmlns:a16="http://schemas.microsoft.com/office/drawing/2014/main" id="{CA9EB47F-993F-A64F-9A0A-4270EDE3FE16}"/>
+              </a:ext>
+            </a:extLst>
+          </p:cNvPr>
+          <p:cNvSpPr/>
+          <p:nvPr/>
+        </p:nvSpPr>
+        <p:spPr>
+          <a:xfrm>
+            <a:off x="4209393" y="5741276"/>
+            <a:ext cx="3773214" cy="898634"/>
+          </a:xfrm>
+          <a:prstGeom prst="rect">
+            <a:avLst/>
+          </a:prstGeom>
+          <a:solidFill>
+            <a:srgbClr val="00B0F0"/>
+          </a:solidFill>
+        </p:spPr>
+        <p:style>
+          <a:lnRef idx="2">
+            <a:schemeClr val="accent1">
+              <a:shade val="50000"/>
+            </a:schemeClr>
+          </a:lnRef>
+          <a:fillRef idx="1">
+            <a:schemeClr val="accent1"/>
+          </a:fillRef>
+          <a:effectRef idx="0">
+            <a:schemeClr val="accent1"/>
+          </a:effectRef>
+          <a:fontRef idx="minor">
+            <a:schemeClr val="lt1"/>
+          </a:fontRef>
+        </p:style>
+        <p:txBody>
+          <a:bodyPr rtlCol="0" anchor="ctr"/>
+          <a:lstStyle/>
+          <a:p>
+            <a:pPr algn="ctr"/>
+            <a:endParaRPr lang="en-US"/>
+          </a:p>
+        </p:txBody>
+      </p:sp>
+      <p:sp>
+        <p:nvSpPr>
+          <p:cNvPr id="18" name="Rectangle 17">
+            <a:extLst>
+              <a:ext uri="{FF2B5EF4-FFF2-40B4-BE49-F238E27FC236}">
+                <a16:creationId xmlns:a16="http://schemas.microsoft.com/office/drawing/2014/main" id="{C1B09D6C-C13B-A444-BE75-A6CF86A34ED8}"/>
+              </a:ext>
+            </a:extLst>
+          </p:cNvPr>
+          <p:cNvSpPr/>
+          <p:nvPr/>
+        </p:nvSpPr>
+        <p:spPr>
+          <a:xfrm>
+            <a:off x="5255172" y="5741276"/>
+            <a:ext cx="1681655" cy="291662"/>
+          </a:xfrm>
+          <a:prstGeom prst="rect">
+            <a:avLst/>
+          </a:prstGeom>
+        </p:spPr>
+        <p:style>
+          <a:lnRef idx="2">
+            <a:schemeClr val="accent1">
+              <a:shade val="50000"/>
+            </a:schemeClr>
+          </a:lnRef>
+          <a:fillRef idx="1">
+            <a:schemeClr val="accent1"/>
+          </a:fillRef>
+          <a:effectRef idx="0">
+            <a:schemeClr val="accent1"/>
+          </a:effectRef>
+          <a:fontRef idx="minor">
+            <a:schemeClr val="lt1"/>
+          </a:fontRef>
+        </p:style>
+        <p:txBody>
+          <a:bodyPr rtlCol="0" anchor="ctr"/>
+          <a:lstStyle/>
+          <a:p>
+            <a:pPr algn="ctr"/>
+            <a:r>
+              <a:rPr lang="en-US" b="1" dirty="0">
+                <a:solidFill>
+                  <a:schemeClr val="bg1"/>
+                </a:solidFill>
+              </a:rPr>
+              <a:t>Kernel</a:t>
+            </a:r>
+          </a:p>
+        </p:txBody>
+      </p:sp>
+      <p:sp>
+        <p:nvSpPr>
+          <p:cNvPr id="19" name="Rectangle 18">
+            <a:extLst>
+              <a:ext uri="{FF2B5EF4-FFF2-40B4-BE49-F238E27FC236}">
+                <a16:creationId xmlns:a16="http://schemas.microsoft.com/office/drawing/2014/main" id="{D252A66F-3E05-0049-AA5F-DBE073D93A58}"/>
+              </a:ext>
+            </a:extLst>
+          </p:cNvPr>
+          <p:cNvSpPr/>
+          <p:nvPr/>
+        </p:nvSpPr>
+        <p:spPr>
+          <a:xfrm>
+            <a:off x="4309241" y="6190593"/>
+            <a:ext cx="325820" cy="346841"/>
+          </a:xfrm>
+          <a:prstGeom prst="rect">
+            <a:avLst/>
+          </a:prstGeom>
+          <a:solidFill>
+            <a:schemeClr val="tx1"/>
+          </a:solidFill>
+          <a:ln>
+            <a:solidFill>
+              <a:schemeClr val="bg1"/>
+            </a:solidFill>
+          </a:ln>
+        </p:spPr>
+        <p:style>
+          <a:lnRef idx="2">
+            <a:schemeClr val="accent1">
+              <a:shade val="50000"/>
+            </a:schemeClr>
+          </a:lnRef>
+          <a:fillRef idx="1">
+            <a:schemeClr val="accent1"/>
+          </a:fillRef>
+          <a:effectRef idx="0">
+            <a:schemeClr val="accent1"/>
+          </a:effectRef>
+          <a:fontRef idx="minor">
+            <a:schemeClr val="lt1"/>
+          </a:fontRef>
+        </p:style>
+        <p:txBody>
+          <a:bodyPr rtlCol="0" anchor="ctr"/>
+          <a:lstStyle/>
+          <a:p>
+            <a:pPr algn="ctr"/>
+            <a:endParaRPr lang="en-US"/>
+          </a:p>
+        </p:txBody>
+      </p:sp>
+      <p:sp>
+        <p:nvSpPr>
+          <p:cNvPr id="20" name="Rectangle 19">
+            <a:extLst>
+              <a:ext uri="{FF2B5EF4-FFF2-40B4-BE49-F238E27FC236}">
+                <a16:creationId xmlns:a16="http://schemas.microsoft.com/office/drawing/2014/main" id="{A7D20005-7977-0647-A77D-AB9B3F42D623}"/>
+              </a:ext>
+            </a:extLst>
+          </p:cNvPr>
+          <p:cNvSpPr/>
+          <p:nvPr/>
+        </p:nvSpPr>
+        <p:spPr>
+          <a:xfrm>
+            <a:off x="4888155" y="6190592"/>
+            <a:ext cx="325820" cy="346841"/>
+          </a:xfrm>
+          <a:prstGeom prst="rect">
+            <a:avLst/>
+          </a:prstGeom>
+          <a:solidFill>
+            <a:schemeClr val="tx1"/>
+          </a:solidFill>
+          <a:ln>
+            <a:solidFill>
+              <a:schemeClr val="bg1"/>
+            </a:solidFill>
+          </a:ln>
+        </p:spPr>
+        <p:style>
+          <a:lnRef idx="2">
+            <a:schemeClr val="accent1">
+              <a:shade val="50000"/>
+            </a:schemeClr>
+          </a:lnRef>
+          <a:fillRef idx="1">
+            <a:schemeClr val="accent1"/>
+          </a:fillRef>
+          <a:effectRef idx="0">
+            <a:schemeClr val="accent1"/>
+          </a:effectRef>
+          <a:fontRef idx="minor">
+            <a:schemeClr val="lt1"/>
+          </a:fontRef>
+        </p:style>
+        <p:txBody>
+          <a:bodyPr rtlCol="0" anchor="ctr"/>
+          <a:lstStyle/>
+          <a:p>
+            <a:pPr algn="ctr"/>
+            <a:endParaRPr lang="en-US"/>
+          </a:p>
+        </p:txBody>
+      </p:sp>
+      <p:sp>
+        <p:nvSpPr>
+          <p:cNvPr id="21" name="Rectangle 20">
+            <a:extLst>
+              <a:ext uri="{FF2B5EF4-FFF2-40B4-BE49-F238E27FC236}">
+                <a16:creationId xmlns:a16="http://schemas.microsoft.com/office/drawing/2014/main" id="{0BBC3956-65A3-1948-821C-0B0195BA5BD8}"/>
+              </a:ext>
+            </a:extLst>
+          </p:cNvPr>
+          <p:cNvSpPr/>
+          <p:nvPr/>
+        </p:nvSpPr>
+        <p:spPr>
+          <a:xfrm>
+            <a:off x="5467069" y="6190592"/>
+            <a:ext cx="325820" cy="346841"/>
+          </a:xfrm>
+          <a:prstGeom prst="rect">
+            <a:avLst/>
+          </a:prstGeom>
+          <a:solidFill>
+            <a:schemeClr val="tx1"/>
+          </a:solidFill>
+          <a:ln>
+            <a:solidFill>
+              <a:schemeClr val="bg1"/>
+            </a:solidFill>
+          </a:ln>
+        </p:spPr>
+        <p:style>
+          <a:lnRef idx="2">
+            <a:schemeClr val="accent1">
+              <a:shade val="50000"/>
+            </a:schemeClr>
+          </a:lnRef>
+          <a:fillRef idx="1">
+            <a:schemeClr val="accent1"/>
+          </a:fillRef>
+          <a:effectRef idx="0">
+            <a:schemeClr val="accent1"/>
+          </a:effectRef>
+          <a:fontRef idx="minor">
+            <a:schemeClr val="lt1"/>
+          </a:fontRef>
+        </p:style>
+        <p:txBody>
+          <a:bodyPr rtlCol="0" anchor="ctr"/>
+          <a:lstStyle/>
+          <a:p>
+            <a:pPr algn="ctr"/>
+            <a:endParaRPr lang="en-US"/>
+          </a:p>
+        </p:txBody>
+      </p:sp>
+      <p:sp>
+        <p:nvSpPr>
+          <p:cNvPr id="22" name="TextBox 21">
+            <a:extLst>
+              <a:ext uri="{FF2B5EF4-FFF2-40B4-BE49-F238E27FC236}">
+                <a16:creationId xmlns:a16="http://schemas.microsoft.com/office/drawing/2014/main" id="{06428E39-9469-5243-B50A-B0A0379D4145}"/>
+              </a:ext>
+            </a:extLst>
+          </p:cNvPr>
+          <p:cNvSpPr txBox="1"/>
+          <p:nvPr/>
+        </p:nvSpPr>
+        <p:spPr>
+          <a:xfrm>
+            <a:off x="5823443" y="6139461"/>
+            <a:ext cx="343364" cy="369332"/>
+          </a:xfrm>
+          <a:prstGeom prst="rect">
+            <a:avLst/>
+          </a:prstGeom>
+          <a:noFill/>
+        </p:spPr>
+        <p:txBody>
+          <a:bodyPr wrap="none" rtlCol="0">
+            <a:spAutoFit/>
+          </a:bodyPr>
+          <a:lstStyle/>
+          <a:p>
+            <a:r>
+              <a:rPr lang="en-US" dirty="0"/>
+              <a:t>…</a:t>
+            </a:r>
+          </a:p>
+        </p:txBody>
+      </p:sp>
+      <p:cxnSp>
+        <p:nvCxnSpPr>
+          <p:cNvPr id="24" name="Straight Arrow Connector 23">
+            <a:extLst>
+              <a:ext uri="{FF2B5EF4-FFF2-40B4-BE49-F238E27FC236}">
+                <a16:creationId xmlns:a16="http://schemas.microsoft.com/office/drawing/2014/main" id="{BC9F7984-E2E9-2840-A213-8C486521CF19}"/>
+              </a:ext>
+            </a:extLst>
+          </p:cNvPr>
+          <p:cNvCxnSpPr>
+            <a:stCxn id="19" idx="3"/>
+            <a:endCxn id="20" idx="1"/>
+          </p:cNvCxnSpPr>
+          <p:nvPr/>
+        </p:nvCxnSpPr>
+        <p:spPr>
+          <a:xfrm flipV="1">
+            <a:off x="4635061" y="6364013"/>
+            <a:ext cx="253094" cy="1"/>
+          </a:xfrm>
+          <a:prstGeom prst="straightConnector1">
+            <a:avLst/>
+          </a:prstGeom>
+          <a:ln>
+            <a:tailEnd type="triangle"/>
+          </a:ln>
+        </p:spPr>
+        <p:style>
+          <a:lnRef idx="1">
+            <a:schemeClr val="accent1"/>
+          </a:lnRef>
+          <a:fillRef idx="0">
+            <a:schemeClr val="accent1"/>
+          </a:fillRef>
+          <a:effectRef idx="0">
+            <a:schemeClr val="accent1"/>
+          </a:effectRef>
+          <a:fontRef idx="minor">
+            <a:schemeClr val="tx1"/>
+          </a:fontRef>
+        </p:style>
+      </p:cxnSp>
+      <p:cxnSp>
+        <p:nvCxnSpPr>
+          <p:cNvPr id="26" name="Straight Arrow Connector 25">
+            <a:extLst>
+              <a:ext uri="{FF2B5EF4-FFF2-40B4-BE49-F238E27FC236}">
+                <a16:creationId xmlns:a16="http://schemas.microsoft.com/office/drawing/2014/main" id="{4F8358F0-B494-4441-8FD5-1E22B53667B8}"/>
+              </a:ext>
+            </a:extLst>
+          </p:cNvPr>
+          <p:cNvCxnSpPr>
+            <a:stCxn id="20" idx="3"/>
+            <a:endCxn id="21" idx="1"/>
+          </p:cNvCxnSpPr>
+          <p:nvPr/>
+        </p:nvCxnSpPr>
+        <p:spPr>
+          <a:xfrm>
+            <a:off x="5213975" y="6364013"/>
+            <a:ext cx="253094" cy="0"/>
+          </a:xfrm>
+          <a:prstGeom prst="straightConnector1">
+            <a:avLst/>
+          </a:prstGeom>
+          <a:ln>
+            <a:tailEnd type="triangle"/>
+          </a:ln>
+        </p:spPr>
+        <p:style>
+          <a:lnRef idx="1">
+            <a:schemeClr val="accent1"/>
+          </a:lnRef>
+          <a:fillRef idx="0">
+            <a:schemeClr val="accent1"/>
+          </a:fillRef>
+          <a:effectRef idx="0">
+            <a:schemeClr val="accent1"/>
+          </a:effectRef>
+          <a:fontRef idx="minor">
+            <a:schemeClr val="tx1"/>
+          </a:fontRef>
+        </p:style>
+      </p:cxnSp>
+      <p:sp>
+        <p:nvSpPr>
+          <p:cNvPr id="27" name="TextBox 26">
+            <a:extLst>
+              <a:ext uri="{FF2B5EF4-FFF2-40B4-BE49-F238E27FC236}">
+                <a16:creationId xmlns:a16="http://schemas.microsoft.com/office/drawing/2014/main" id="{8D2398CB-D127-8548-8D49-A84150564CF5}"/>
+              </a:ext>
+            </a:extLst>
+          </p:cNvPr>
+          <p:cNvSpPr txBox="1"/>
+          <p:nvPr/>
+        </p:nvSpPr>
+        <p:spPr>
+          <a:xfrm>
+            <a:off x="4209392" y="5789941"/>
+            <a:ext cx="585417" cy="430887"/>
+          </a:xfrm>
+          <a:prstGeom prst="rect">
+            <a:avLst/>
+          </a:prstGeom>
+          <a:noFill/>
+        </p:spPr>
+        <p:txBody>
+          <a:bodyPr wrap="none" rtlCol="0">
+            <a:spAutoFit/>
+          </a:bodyPr>
+          <a:lstStyle/>
+          <a:p>
+            <a:r>
+              <a:rPr lang="en-US" sz="1200" b="1" dirty="0">
+                <a:solidFill>
+                  <a:schemeClr val="bg1"/>
+                </a:solidFill>
+              </a:rPr>
+              <a:t>kmem</a:t>
+            </a:r>
+          </a:p>
+          <a:p>
+            <a:r>
+              <a:rPr lang="en-US" sz="1000" b="1" dirty="0">
+                <a:solidFill>
+                  <a:schemeClr val="bg1"/>
+                </a:solidFill>
+              </a:rPr>
+              <a:t>freelist</a:t>
+            </a:r>
+          </a:p>
+        </p:txBody>
+      </p:sp>
+      <p:sp>
+        <p:nvSpPr>
+          <p:cNvPr id="28" name="Rectangle 27">
+            <a:extLst>
+              <a:ext uri="{FF2B5EF4-FFF2-40B4-BE49-F238E27FC236}">
+                <a16:creationId xmlns:a16="http://schemas.microsoft.com/office/drawing/2014/main" id="{7621FFC1-41FC-CB42-B742-5EF8459A8201}"/>
+              </a:ext>
+            </a:extLst>
+          </p:cNvPr>
+          <p:cNvSpPr/>
+          <p:nvPr/>
+        </p:nvSpPr>
+        <p:spPr>
+          <a:xfrm>
+            <a:off x="6145924" y="6190591"/>
+            <a:ext cx="325820" cy="346841"/>
+          </a:xfrm>
+          <a:prstGeom prst="rect">
+            <a:avLst/>
+          </a:prstGeom>
+          <a:solidFill>
+            <a:schemeClr val="tx1"/>
+          </a:solidFill>
+          <a:ln>
+            <a:solidFill>
+              <a:schemeClr val="bg1"/>
+            </a:solidFill>
+          </a:ln>
+        </p:spPr>
+        <p:style>
+          <a:lnRef idx="2">
+            <a:schemeClr val="accent1">
+              <a:shade val="50000"/>
+            </a:schemeClr>
+          </a:lnRef>
+          <a:fillRef idx="1">
+            <a:schemeClr val="accent1"/>
+          </a:fillRef>
+          <a:effectRef idx="0">
+            <a:schemeClr val="accent1"/>
+          </a:effectRef>
+          <a:fontRef idx="minor">
+            <a:schemeClr val="lt1"/>
+          </a:fontRef>
+        </p:style>
+        <p:txBody>
+          <a:bodyPr rtlCol="0" anchor="ctr"/>
+          <a:lstStyle/>
+          <a:p>
+            <a:pPr algn="ctr"/>
+            <a:endParaRPr lang="en-US"/>
+          </a:p>
+        </p:txBody>
+      </p:sp>
+      <p:sp>
+        <p:nvSpPr>
+          <p:cNvPr id="29" name="Rectangle 28">
+            <a:extLst>
+              <a:ext uri="{FF2B5EF4-FFF2-40B4-BE49-F238E27FC236}">
+                <a16:creationId xmlns:a16="http://schemas.microsoft.com/office/drawing/2014/main" id="{811A02EF-613E-2044-BB5C-655B1610D04F}"/>
+              </a:ext>
+            </a:extLst>
+          </p:cNvPr>
+          <p:cNvSpPr/>
+          <p:nvPr/>
+        </p:nvSpPr>
+        <p:spPr>
+          <a:xfrm>
+            <a:off x="6728310" y="6190591"/>
+            <a:ext cx="325820" cy="346841"/>
+          </a:xfrm>
+          <a:prstGeom prst="rect">
+            <a:avLst/>
+          </a:prstGeom>
+          <a:solidFill>
+            <a:schemeClr val="tx1"/>
+          </a:solidFill>
+          <a:ln>
+            <a:solidFill>
+              <a:schemeClr val="bg1"/>
+            </a:solidFill>
+          </a:ln>
+        </p:spPr>
+        <p:style>
+          <a:lnRef idx="2">
+            <a:schemeClr val="accent1">
+              <a:shade val="50000"/>
+            </a:schemeClr>
+          </a:lnRef>
+          <a:fillRef idx="1">
+            <a:schemeClr val="accent1"/>
+          </a:fillRef>
+          <a:effectRef idx="0">
+            <a:schemeClr val="accent1"/>
+          </a:effectRef>
+          <a:fontRef idx="minor">
+            <a:schemeClr val="lt1"/>
+          </a:fontRef>
+        </p:style>
+        <p:txBody>
+          <a:bodyPr rtlCol="0" anchor="ctr"/>
+          <a:lstStyle/>
+          <a:p>
+            <a:pPr algn="ctr"/>
+            <a:endParaRPr lang="en-US"/>
+          </a:p>
+        </p:txBody>
+      </p:sp>
+      <p:sp>
+        <p:nvSpPr>
+          <p:cNvPr id="30" name="Rectangle 29">
+            <a:extLst>
+              <a:ext uri="{FF2B5EF4-FFF2-40B4-BE49-F238E27FC236}">
+                <a16:creationId xmlns:a16="http://schemas.microsoft.com/office/drawing/2014/main" id="{E8F2EBD1-FEE8-9240-AB8A-1F6BA9A4C937}"/>
+              </a:ext>
+            </a:extLst>
+          </p:cNvPr>
+          <p:cNvSpPr/>
+          <p:nvPr/>
+        </p:nvSpPr>
+        <p:spPr>
+          <a:xfrm>
+            <a:off x="7293860" y="6190590"/>
+            <a:ext cx="325820" cy="346841"/>
+          </a:xfrm>
+          <a:prstGeom prst="rect">
+            <a:avLst/>
+          </a:prstGeom>
+          <a:solidFill>
+            <a:schemeClr val="tx1"/>
+          </a:solidFill>
+          <a:ln>
+            <a:solidFill>
+              <a:schemeClr val="bg1"/>
+            </a:solidFill>
+          </a:ln>
+        </p:spPr>
+        <p:style>
+          <a:lnRef idx="2">
+            <a:schemeClr val="accent1">
+              <a:shade val="50000"/>
+            </a:schemeClr>
+          </a:lnRef>
+          <a:fillRef idx="1">
+            <a:schemeClr val="accent1"/>
+          </a:fillRef>
+          <a:effectRef idx="0">
+            <a:schemeClr val="accent1"/>
+          </a:effectRef>
+          <a:fontRef idx="minor">
+            <a:schemeClr val="lt1"/>
+          </a:fontRef>
+        </p:style>
+        <p:txBody>
+          <a:bodyPr rtlCol="0" anchor="ctr"/>
+          <a:lstStyle/>
+          <a:p>
+            <a:pPr algn="ctr"/>
+            <a:endParaRPr lang="en-US"/>
+          </a:p>
+        </p:txBody>
+      </p:sp>
+      <p:cxnSp>
+        <p:nvCxnSpPr>
+          <p:cNvPr id="33" name="Straight Arrow Connector 32">
+            <a:extLst>
+              <a:ext uri="{FF2B5EF4-FFF2-40B4-BE49-F238E27FC236}">
+                <a16:creationId xmlns:a16="http://schemas.microsoft.com/office/drawing/2014/main" id="{52A0AE24-C2C2-0844-9A35-9C48E619ED56}"/>
+              </a:ext>
+            </a:extLst>
+          </p:cNvPr>
+          <p:cNvCxnSpPr>
+            <a:endCxn id="29" idx="1"/>
+          </p:cNvCxnSpPr>
+          <p:nvPr/>
+        </p:nvCxnSpPr>
+        <p:spPr>
+          <a:xfrm>
+            <a:off x="6475216" y="6356601"/>
+            <a:ext cx="253094" cy="7411"/>
+          </a:xfrm>
+          <a:prstGeom prst="straightConnector1">
+            <a:avLst/>
+          </a:prstGeom>
+          <a:ln>
+            <a:tailEnd type="triangle"/>
+          </a:ln>
+        </p:spPr>
+        <p:style>
+          <a:lnRef idx="1">
+            <a:schemeClr val="accent1"/>
+          </a:lnRef>
+          <a:fillRef idx="0">
+            <a:schemeClr val="accent1"/>
+          </a:fillRef>
+          <a:effectRef idx="0">
+            <a:schemeClr val="accent1"/>
+          </a:effectRef>
+          <a:fontRef idx="minor">
+            <a:schemeClr val="tx1"/>
+          </a:fontRef>
+        </p:style>
+      </p:cxnSp>
+      <p:cxnSp>
+        <p:nvCxnSpPr>
+          <p:cNvPr id="35" name="Straight Arrow Connector 34">
+            <a:extLst>
+              <a:ext uri="{FF2B5EF4-FFF2-40B4-BE49-F238E27FC236}">
+                <a16:creationId xmlns:a16="http://schemas.microsoft.com/office/drawing/2014/main" id="{818696D7-8816-1E41-A656-144A85572ADC}"/>
+              </a:ext>
+            </a:extLst>
+          </p:cNvPr>
+          <p:cNvCxnSpPr>
+            <a:cxnSpLocks/>
+            <a:stCxn id="29" idx="3"/>
+            <a:endCxn id="30" idx="1"/>
+          </p:cNvCxnSpPr>
+          <p:nvPr/>
+        </p:nvCxnSpPr>
+        <p:spPr>
+          <a:xfrm flipV="1">
+            <a:off x="7054130" y="6364011"/>
+            <a:ext cx="239730" cy="1"/>
+          </a:xfrm>
+          <a:prstGeom prst="straightConnector1">
+            <a:avLst/>
+          </a:prstGeom>
+          <a:ln>
+            <a:tailEnd type="triangle"/>
+          </a:ln>
+        </p:spPr>
+        <p:style>
+          <a:lnRef idx="1">
+            <a:schemeClr val="accent1"/>
+          </a:lnRef>
+          <a:fillRef idx="0">
+            <a:schemeClr val="accent1"/>
+          </a:fillRef>
+          <a:effectRef idx="0">
+            <a:schemeClr val="accent1"/>
+          </a:effectRef>
+          <a:fontRef idx="minor">
+            <a:schemeClr val="tx1"/>
+          </a:fontRef>
+        </p:style>
+      </p:cxnSp>
+      <p:sp>
+        <p:nvSpPr>
+          <p:cNvPr id="39" name="Rounded Rectangle 38">
+            <a:extLst>
+              <a:ext uri="{FF2B5EF4-FFF2-40B4-BE49-F238E27FC236}">
+                <a16:creationId xmlns:a16="http://schemas.microsoft.com/office/drawing/2014/main" id="{816C195F-6448-D64B-8D8C-DA964CD904E0}"/>
+              </a:ext>
+            </a:extLst>
+          </p:cNvPr>
+          <p:cNvSpPr/>
+          <p:nvPr/>
+        </p:nvSpPr>
+        <p:spPr>
+          <a:xfrm>
+            <a:off x="208449" y="2986023"/>
+            <a:ext cx="826285" cy="786410"/>
+          </a:xfrm>
+          <a:prstGeom prst="roundRect">
+            <a:avLst/>
+          </a:prstGeom>
+          <a:solidFill>
+            <a:schemeClr val="accent2"/>
+          </a:solidFill>
+          <a:ln>
+            <a:solidFill>
+              <a:schemeClr val="bg1"/>
+            </a:solidFill>
+          </a:ln>
+        </p:spPr>
+        <p:style>
+          <a:lnRef idx="2">
+            <a:schemeClr val="accent1">
+              <a:shade val="50000"/>
+            </a:schemeClr>
+          </a:lnRef>
+          <a:fillRef idx="1">
+            <a:schemeClr val="accent1"/>
+          </a:fillRef>
+          <a:effectRef idx="0">
+            <a:schemeClr val="accent1"/>
+          </a:effectRef>
+          <a:fontRef idx="minor">
+            <a:schemeClr val="lt1"/>
+          </a:fontRef>
+        </p:style>
+        <p:txBody>
+          <a:bodyPr rtlCol="0" anchor="ctr"/>
+          <a:lstStyle/>
+          <a:p>
+            <a:pPr algn="ctr"/>
+            <a:r>
+              <a:rPr lang="en-US" sz="1400" b="1" dirty="0">
+                <a:solidFill>
+                  <a:schemeClr val="bg1"/>
+                </a:solidFill>
+              </a:rPr>
+              <a:t>Process</a:t>
+            </a:r>
+          </a:p>
+        </p:txBody>
+      </p:sp>
+      <p:sp>
+        <p:nvSpPr>
+          <p:cNvPr id="40" name="Rectangle 39">
+            <a:extLst>
+              <a:ext uri="{FF2B5EF4-FFF2-40B4-BE49-F238E27FC236}">
+                <a16:creationId xmlns:a16="http://schemas.microsoft.com/office/drawing/2014/main" id="{1C17730D-5099-A541-9231-5F42053E2A3E}"/>
+              </a:ext>
+            </a:extLst>
+          </p:cNvPr>
+          <p:cNvSpPr/>
+          <p:nvPr/>
+        </p:nvSpPr>
+        <p:spPr>
+          <a:xfrm>
+            <a:off x="10333267" y="3463793"/>
+            <a:ext cx="998483" cy="138500"/>
+          </a:xfrm>
+          <a:prstGeom prst="rect">
+            <a:avLst/>
+          </a:prstGeom>
+          <a:solidFill>
+            <a:schemeClr val="tx1"/>
+          </a:solidFill>
+          <a:ln>
+            <a:solidFill>
+              <a:schemeClr val="bg1"/>
+            </a:solidFill>
+          </a:ln>
+        </p:spPr>
+        <p:style>
+          <a:lnRef idx="2">
+            <a:schemeClr val="accent1">
+              <a:shade val="50000"/>
+            </a:schemeClr>
+          </a:lnRef>
+          <a:fillRef idx="1">
+            <a:schemeClr val="accent1"/>
+          </a:fillRef>
+          <a:effectRef idx="0">
+            <a:schemeClr val="accent1"/>
+          </a:effectRef>
+          <a:fontRef idx="minor">
+            <a:schemeClr val="lt1"/>
+          </a:fontRef>
+        </p:style>
+        <p:txBody>
+          <a:bodyPr rtlCol="0" anchor="ctr"/>
+          <a:lstStyle/>
+          <a:p>
+            <a:pPr algn="ctr"/>
+            <a:endParaRPr lang="en-US"/>
+          </a:p>
+        </p:txBody>
+      </p:sp>
+      <p:sp>
+        <p:nvSpPr>
+          <p:cNvPr id="42" name="Rectangle 41">
+            <a:extLst>
+              <a:ext uri="{FF2B5EF4-FFF2-40B4-BE49-F238E27FC236}">
+                <a16:creationId xmlns:a16="http://schemas.microsoft.com/office/drawing/2014/main" id="{F5B1483F-928C-9041-9D08-BA65B83E7062}"/>
+              </a:ext>
+            </a:extLst>
+          </p:cNvPr>
+          <p:cNvSpPr/>
+          <p:nvPr/>
+        </p:nvSpPr>
+        <p:spPr>
+          <a:xfrm>
+            <a:off x="10328442" y="3069577"/>
+            <a:ext cx="998483" cy="138500"/>
+          </a:xfrm>
+          <a:prstGeom prst="rect">
+            <a:avLst/>
+          </a:prstGeom>
+          <a:solidFill>
+            <a:schemeClr val="tx1"/>
+          </a:solidFill>
+          <a:ln>
+            <a:solidFill>
+              <a:schemeClr val="bg1"/>
+            </a:solidFill>
+          </a:ln>
+        </p:spPr>
+        <p:style>
+          <a:lnRef idx="2">
+            <a:schemeClr val="accent1">
+              <a:shade val="50000"/>
+            </a:schemeClr>
+          </a:lnRef>
+          <a:fillRef idx="1">
+            <a:schemeClr val="accent1"/>
+          </a:fillRef>
+          <a:effectRef idx="0">
+            <a:schemeClr val="accent1"/>
+          </a:effectRef>
+          <a:fontRef idx="minor">
+            <a:schemeClr val="lt1"/>
+          </a:fontRef>
+        </p:style>
+        <p:txBody>
+          <a:bodyPr rtlCol="0" anchor="ctr"/>
+          <a:lstStyle/>
+          <a:p>
+            <a:pPr algn="ctr"/>
+            <a:endParaRPr lang="en-US"/>
+          </a:p>
+        </p:txBody>
+      </p:sp>
+      <p:sp>
+        <p:nvSpPr>
+          <p:cNvPr id="49" name="TextBox 48">
+            <a:extLst>
+              <a:ext uri="{FF2B5EF4-FFF2-40B4-BE49-F238E27FC236}">
+                <a16:creationId xmlns:a16="http://schemas.microsoft.com/office/drawing/2014/main" id="{7658FB5E-36DD-B446-9C75-DA5E82742797}"/>
+              </a:ext>
+            </a:extLst>
+          </p:cNvPr>
+          <p:cNvSpPr txBox="1"/>
+          <p:nvPr/>
+        </p:nvSpPr>
+        <p:spPr>
+          <a:xfrm>
+            <a:off x="10504538" y="3476664"/>
+            <a:ext cx="451945" cy="923330"/>
+          </a:xfrm>
+          <a:prstGeom prst="rect">
+            <a:avLst/>
+          </a:prstGeom>
+          <a:noFill/>
+        </p:spPr>
+        <p:txBody>
+          <a:bodyPr wrap="square" rtlCol="0">
+            <a:spAutoFit/>
+          </a:bodyPr>
+          <a:lstStyle/>
+          <a:p>
+            <a:r>
+              <a:rPr lang="en-US" sz="5400" dirty="0">
+                <a:solidFill>
+                  <a:schemeClr val="bg1"/>
+                </a:solidFill>
+              </a:rPr>
+              <a:t>…</a:t>
+            </a:r>
+          </a:p>
+        </p:txBody>
+      </p:sp>
+      <p:sp>
+        <p:nvSpPr>
+          <p:cNvPr id="50" name="TextBox 49">
+            <a:extLst>
+              <a:ext uri="{FF2B5EF4-FFF2-40B4-BE49-F238E27FC236}">
+                <a16:creationId xmlns:a16="http://schemas.microsoft.com/office/drawing/2014/main" id="{8A1E7542-A795-774A-817A-FC642FBFE647}"/>
+              </a:ext>
+            </a:extLst>
+          </p:cNvPr>
+          <p:cNvSpPr txBox="1"/>
+          <p:nvPr/>
+        </p:nvSpPr>
+        <p:spPr>
+          <a:xfrm>
+            <a:off x="10496525" y="2697097"/>
+            <a:ext cx="451945" cy="923330"/>
+          </a:xfrm>
+          <a:prstGeom prst="rect">
+            <a:avLst/>
+          </a:prstGeom>
+          <a:noFill/>
+        </p:spPr>
+        <p:txBody>
+          <a:bodyPr wrap="square" rtlCol="0">
+            <a:spAutoFit/>
+          </a:bodyPr>
+          <a:lstStyle/>
+          <a:p>
+            <a:r>
+              <a:rPr lang="en-US" sz="5400" dirty="0">
+                <a:solidFill>
+                  <a:schemeClr val="bg1"/>
+                </a:solidFill>
+              </a:rPr>
+              <a:t>…</a:t>
+            </a:r>
+          </a:p>
+        </p:txBody>
+      </p:sp>
+      <p:sp>
+        <p:nvSpPr>
+          <p:cNvPr id="52" name="Rectangle 51">
+            <a:extLst>
+              <a:ext uri="{FF2B5EF4-FFF2-40B4-BE49-F238E27FC236}">
+                <a16:creationId xmlns:a16="http://schemas.microsoft.com/office/drawing/2014/main" id="{F42D9462-2E9E-9541-AB51-CAFC4B5CA17F}"/>
+              </a:ext>
+            </a:extLst>
+          </p:cNvPr>
+          <p:cNvSpPr/>
+          <p:nvPr/>
+        </p:nvSpPr>
+        <p:spPr>
+          <a:xfrm>
+            <a:off x="10325257" y="2902459"/>
+            <a:ext cx="998483" cy="138500"/>
+          </a:xfrm>
+          <a:prstGeom prst="rect">
+            <a:avLst/>
+          </a:prstGeom>
+          <a:solidFill>
+            <a:srgbClr val="00B0F0"/>
+          </a:solidFill>
+          <a:ln>
+            <a:solidFill>
+              <a:schemeClr val="bg1"/>
+            </a:solidFill>
+          </a:ln>
+        </p:spPr>
+        <p:style>
+          <a:lnRef idx="2">
+            <a:schemeClr val="accent1">
+              <a:shade val="50000"/>
+            </a:schemeClr>
+          </a:lnRef>
+          <a:fillRef idx="1">
+            <a:schemeClr val="accent1"/>
+          </a:fillRef>
+          <a:effectRef idx="0">
+            <a:schemeClr val="accent1"/>
+          </a:effectRef>
+          <a:fontRef idx="minor">
+            <a:schemeClr val="lt1"/>
+          </a:fontRef>
+        </p:style>
+        <p:txBody>
+          <a:bodyPr rtlCol="0" anchor="ctr"/>
+          <a:lstStyle/>
+          <a:p>
+            <a:pPr algn="ctr"/>
+            <a:endParaRPr lang="en-US"/>
+          </a:p>
+        </p:txBody>
+      </p:sp>
+      <p:sp>
+        <p:nvSpPr>
+          <p:cNvPr id="53" name="Rectangle 52">
+            <a:extLst>
+              <a:ext uri="{FF2B5EF4-FFF2-40B4-BE49-F238E27FC236}">
+                <a16:creationId xmlns:a16="http://schemas.microsoft.com/office/drawing/2014/main" id="{65E0A94B-974B-F947-9DDD-68628D3EE3AB}"/>
+              </a:ext>
+            </a:extLst>
+          </p:cNvPr>
+          <p:cNvSpPr/>
+          <p:nvPr/>
+        </p:nvSpPr>
+        <p:spPr>
+          <a:xfrm>
+            <a:off x="10333266" y="2725882"/>
+            <a:ext cx="998483" cy="138500"/>
+          </a:xfrm>
+          <a:prstGeom prst="rect">
+            <a:avLst/>
+          </a:prstGeom>
+          <a:solidFill>
+            <a:schemeClr val="tx1"/>
+          </a:solidFill>
+          <a:ln>
+            <a:solidFill>
+              <a:schemeClr val="bg1"/>
+            </a:solidFill>
+          </a:ln>
+        </p:spPr>
+        <p:style>
+          <a:lnRef idx="2">
+            <a:schemeClr val="accent1">
+              <a:shade val="50000"/>
+            </a:schemeClr>
+          </a:lnRef>
+          <a:fillRef idx="1">
+            <a:schemeClr val="accent1"/>
+          </a:fillRef>
+          <a:effectRef idx="0">
+            <a:schemeClr val="accent1"/>
+          </a:effectRef>
+          <a:fontRef idx="minor">
+            <a:schemeClr val="lt1"/>
+          </a:fontRef>
+        </p:style>
+        <p:txBody>
+          <a:bodyPr rtlCol="0" anchor="ctr"/>
+          <a:lstStyle/>
+          <a:p>
+            <a:pPr algn="ctr"/>
+            <a:endParaRPr lang="en-US"/>
+          </a:p>
+        </p:txBody>
+      </p:sp>
+      <p:sp>
+        <p:nvSpPr>
+          <p:cNvPr id="54" name="Rectangle 53">
+            <a:extLst>
+              <a:ext uri="{FF2B5EF4-FFF2-40B4-BE49-F238E27FC236}">
+                <a16:creationId xmlns:a16="http://schemas.microsoft.com/office/drawing/2014/main" id="{D2EC8B32-D07A-7F4C-B99F-E5964C34046F}"/>
+              </a:ext>
+            </a:extLst>
+          </p:cNvPr>
+          <p:cNvSpPr/>
+          <p:nvPr/>
+        </p:nvSpPr>
+        <p:spPr>
+          <a:xfrm>
+            <a:off x="1397341" y="3865305"/>
+            <a:ext cx="1924800" cy="1723297"/>
+          </a:xfrm>
+          <a:prstGeom prst="rect">
+            <a:avLst/>
+          </a:prstGeom>
+        </p:spPr>
+        <p:style>
+          <a:lnRef idx="2">
+            <a:schemeClr val="accent1">
+              <a:shade val="50000"/>
+            </a:schemeClr>
+          </a:lnRef>
+          <a:fillRef idx="1">
+            <a:schemeClr val="accent1"/>
+          </a:fillRef>
+          <a:effectRef idx="0">
+            <a:schemeClr val="accent1"/>
+          </a:effectRef>
+          <a:fontRef idx="minor">
+            <a:schemeClr val="lt1"/>
+          </a:fontRef>
+        </p:style>
+        <p:txBody>
+          <a:bodyPr rtlCol="0" anchor="ctr"/>
+          <a:lstStyle/>
+          <a:p>
+            <a:pPr algn="ctr"/>
+            <a:endParaRPr lang="en-US"/>
+          </a:p>
+        </p:txBody>
+      </p:sp>
+      <p:sp>
+        <p:nvSpPr>
+          <p:cNvPr id="55" name="Rounded Rectangle 54">
+            <a:extLst>
+              <a:ext uri="{FF2B5EF4-FFF2-40B4-BE49-F238E27FC236}">
+                <a16:creationId xmlns:a16="http://schemas.microsoft.com/office/drawing/2014/main" id="{4EC38266-E4D9-094B-A738-09744C78ABA4}"/>
+              </a:ext>
+            </a:extLst>
+          </p:cNvPr>
+          <p:cNvSpPr/>
+          <p:nvPr/>
+        </p:nvSpPr>
+        <p:spPr>
+          <a:xfrm>
+            <a:off x="672127" y="5879025"/>
+            <a:ext cx="725214" cy="683606"/>
+          </a:xfrm>
+          <a:prstGeom prst="roundRect">
+            <a:avLst/>
+          </a:prstGeom>
+        </p:spPr>
+        <p:style>
+          <a:lnRef idx="2">
+            <a:schemeClr val="accent1">
+              <a:shade val="50000"/>
+            </a:schemeClr>
+          </a:lnRef>
+          <a:fillRef idx="1">
+            <a:schemeClr val="accent1"/>
+          </a:fillRef>
+          <a:effectRef idx="0">
+            <a:schemeClr val="accent1"/>
+          </a:effectRef>
+          <a:fontRef idx="minor">
+            <a:schemeClr val="lt1"/>
+          </a:fontRef>
+        </p:style>
+        <p:txBody>
+          <a:bodyPr rtlCol="0" anchor="ctr"/>
+          <a:lstStyle/>
+          <a:p>
+            <a:pPr algn="ctr"/>
+            <a:r>
+              <a:rPr lang="en-US" b="1" dirty="0">
+                <a:solidFill>
+                  <a:schemeClr val="bg1"/>
+                </a:solidFill>
+              </a:rPr>
+              <a:t>satp</a:t>
+            </a:r>
+          </a:p>
+        </p:txBody>
+      </p:sp>
+      <p:sp>
+        <p:nvSpPr>
+          <p:cNvPr id="56" name="TextBox 55">
+            <a:extLst>
+              <a:ext uri="{FF2B5EF4-FFF2-40B4-BE49-F238E27FC236}">
+                <a16:creationId xmlns:a16="http://schemas.microsoft.com/office/drawing/2014/main" id="{0E8C1CA9-D762-2144-BD2A-0C236ECDFD24}"/>
+              </a:ext>
+            </a:extLst>
+          </p:cNvPr>
+          <p:cNvSpPr txBox="1"/>
+          <p:nvPr/>
+        </p:nvSpPr>
+        <p:spPr>
+          <a:xfrm>
+            <a:off x="1674736" y="3021988"/>
+            <a:ext cx="1386470" cy="923330"/>
+          </a:xfrm>
+          <a:prstGeom prst="rect">
+            <a:avLst/>
+          </a:prstGeom>
+          <a:noFill/>
+        </p:spPr>
+        <p:txBody>
+          <a:bodyPr wrap="none" rtlCol="0">
+            <a:spAutoFit/>
+          </a:bodyPr>
+          <a:lstStyle/>
+          <a:p>
+            <a:r>
+              <a:rPr lang="en-US" dirty="0"/>
+              <a:t>Level-2 pgtbl</a:t>
+            </a:r>
+          </a:p>
+          <a:p>
+            <a:pPr algn="ctr"/>
+            <a:r>
+              <a:rPr lang="en-US" sz="1200" dirty="0"/>
+              <a:t>4096 bytes</a:t>
+            </a:r>
+          </a:p>
+          <a:p>
+            <a:pPr algn="ctr"/>
+            <a:r>
+              <a:rPr lang="en-US" sz="1200" dirty="0"/>
+              <a:t>512 entries</a:t>
+            </a:r>
+          </a:p>
+          <a:p>
+            <a:pPr algn="ctr"/>
+            <a:r>
+              <a:rPr lang="en-US" sz="1200" dirty="0"/>
+              <a:t>Each 64-bits</a:t>
+            </a:r>
+          </a:p>
+        </p:txBody>
+      </p:sp>
+      <p:sp>
+        <p:nvSpPr>
+          <p:cNvPr id="57" name="Rectangle 56">
+            <a:extLst>
+              <a:ext uri="{FF2B5EF4-FFF2-40B4-BE49-F238E27FC236}">
+                <a16:creationId xmlns:a16="http://schemas.microsoft.com/office/drawing/2014/main" id="{3C31DC9A-3CE0-A048-BA2A-82D1B1305628}"/>
+              </a:ext>
+            </a:extLst>
+          </p:cNvPr>
+          <p:cNvSpPr/>
+          <p:nvPr/>
+        </p:nvSpPr>
+        <p:spPr>
+          <a:xfrm>
+            <a:off x="1389328" y="3934718"/>
+            <a:ext cx="1932093" cy="138500"/>
+          </a:xfrm>
+          <a:prstGeom prst="rect">
+            <a:avLst/>
+          </a:prstGeom>
+          <a:solidFill>
+            <a:srgbClr val="00B0F0"/>
+          </a:solidFill>
+          <a:ln>
+            <a:solidFill>
+              <a:schemeClr val="bg1"/>
+            </a:solidFill>
+          </a:ln>
+        </p:spPr>
+        <p:style>
+          <a:lnRef idx="2">
+            <a:schemeClr val="accent1">
+              <a:shade val="50000"/>
+            </a:schemeClr>
+          </a:lnRef>
+          <a:fillRef idx="1">
+            <a:schemeClr val="accent1"/>
+          </a:fillRef>
+          <a:effectRef idx="0">
+            <a:schemeClr val="accent1"/>
+          </a:effectRef>
+          <a:fontRef idx="minor">
+            <a:schemeClr val="lt1"/>
+          </a:fontRef>
+        </p:style>
+        <p:txBody>
+          <a:bodyPr rtlCol="0" anchor="ctr"/>
+          <a:lstStyle/>
+          <a:p>
+            <a:pPr algn="ctr"/>
+            <a:endParaRPr lang="en-US"/>
+          </a:p>
+        </p:txBody>
+      </p:sp>
+      <p:sp>
+        <p:nvSpPr>
+          <p:cNvPr id="58" name="TextBox 57">
+            <a:extLst>
+              <a:ext uri="{FF2B5EF4-FFF2-40B4-BE49-F238E27FC236}">
+                <a16:creationId xmlns:a16="http://schemas.microsoft.com/office/drawing/2014/main" id="{9104B7FC-A207-2D4D-BD56-3BAF615FAF2D}"/>
+              </a:ext>
+            </a:extLst>
+          </p:cNvPr>
+          <p:cNvSpPr txBox="1"/>
+          <p:nvPr/>
+        </p:nvSpPr>
+        <p:spPr>
+          <a:xfrm>
+            <a:off x="1032348" y="3854748"/>
+            <a:ext cx="420308" cy="276999"/>
+          </a:xfrm>
+          <a:prstGeom prst="rect">
+            <a:avLst/>
+          </a:prstGeom>
+          <a:noFill/>
+        </p:spPr>
+        <p:txBody>
+          <a:bodyPr wrap="none" rtlCol="0">
+            <a:spAutoFit/>
+          </a:bodyPr>
+          <a:lstStyle/>
+          <a:p>
+            <a:r>
+              <a:rPr lang="en-US" sz="1200" b="1" dirty="0"/>
+              <a:t>511</a:t>
+            </a:r>
+          </a:p>
+        </p:txBody>
+      </p:sp>
+      <p:sp>
+        <p:nvSpPr>
+          <p:cNvPr id="59" name="TextBox 58">
+            <a:extLst>
+              <a:ext uri="{FF2B5EF4-FFF2-40B4-BE49-F238E27FC236}">
+                <a16:creationId xmlns:a16="http://schemas.microsoft.com/office/drawing/2014/main" id="{2235828B-1EA0-9140-9646-2CEDD2B309B0}"/>
+              </a:ext>
+            </a:extLst>
+          </p:cNvPr>
+          <p:cNvSpPr txBox="1"/>
+          <p:nvPr/>
+        </p:nvSpPr>
+        <p:spPr>
+          <a:xfrm>
+            <a:off x="1126114" y="5361404"/>
+            <a:ext cx="263214" cy="276999"/>
+          </a:xfrm>
+          <a:prstGeom prst="rect">
+            <a:avLst/>
+          </a:prstGeom>
+          <a:noFill/>
+        </p:spPr>
+        <p:txBody>
+          <a:bodyPr wrap="none" rtlCol="0">
+            <a:spAutoFit/>
+          </a:bodyPr>
+          <a:lstStyle/>
+          <a:p>
+            <a:r>
+              <a:rPr lang="en-US" sz="1200" b="1" dirty="0"/>
+              <a:t>0</a:t>
+            </a:r>
+          </a:p>
+        </p:txBody>
+      </p:sp>
+      <p:sp>
+        <p:nvSpPr>
+          <p:cNvPr id="60" name="Rectangle 59">
+            <a:extLst>
+              <a:ext uri="{FF2B5EF4-FFF2-40B4-BE49-F238E27FC236}">
+                <a16:creationId xmlns:a16="http://schemas.microsoft.com/office/drawing/2014/main" id="{2DA488A2-B072-9044-A43D-16ED5605933A}"/>
+              </a:ext>
+            </a:extLst>
+          </p:cNvPr>
+          <p:cNvSpPr/>
+          <p:nvPr/>
+        </p:nvSpPr>
+        <p:spPr>
+          <a:xfrm>
+            <a:off x="1392974" y="5424384"/>
+            <a:ext cx="1924800" cy="138500"/>
+          </a:xfrm>
+          <a:prstGeom prst="rect">
+            <a:avLst/>
+          </a:prstGeom>
+          <a:solidFill>
+            <a:schemeClr val="tx1"/>
+          </a:solidFill>
+          <a:ln>
+            <a:solidFill>
+              <a:schemeClr val="bg1"/>
+            </a:solidFill>
+          </a:ln>
+        </p:spPr>
+        <p:style>
+          <a:lnRef idx="2">
+            <a:schemeClr val="accent1">
+              <a:shade val="50000"/>
+            </a:schemeClr>
+          </a:lnRef>
+          <a:fillRef idx="1">
+            <a:schemeClr val="accent1"/>
+          </a:fillRef>
+          <a:effectRef idx="0">
+            <a:schemeClr val="accent1"/>
+          </a:effectRef>
+          <a:fontRef idx="minor">
+            <a:schemeClr val="lt1"/>
+          </a:fontRef>
+        </p:style>
+        <p:txBody>
+          <a:bodyPr rtlCol="0" anchor="ctr"/>
+          <a:lstStyle/>
+          <a:p>
+            <a:pPr algn="ctr"/>
+            <a:endParaRPr lang="en-US"/>
+          </a:p>
+        </p:txBody>
+      </p:sp>
+      <p:cxnSp>
+        <p:nvCxnSpPr>
+          <p:cNvPr id="62" name="Elbow Connector 61">
+            <a:extLst>
+              <a:ext uri="{FF2B5EF4-FFF2-40B4-BE49-F238E27FC236}">
+                <a16:creationId xmlns:a16="http://schemas.microsoft.com/office/drawing/2014/main" id="{42FB8D1F-5AD8-7740-82C7-3A824077C3EC}"/>
+              </a:ext>
+            </a:extLst>
+          </p:cNvPr>
+          <p:cNvCxnSpPr>
+            <a:stCxn id="55" idx="3"/>
+            <a:endCxn id="60" idx="2"/>
+          </p:cNvCxnSpPr>
+          <p:nvPr/>
+        </p:nvCxnSpPr>
+        <p:spPr>
+          <a:xfrm flipV="1">
+            <a:off x="1397341" y="5562884"/>
+            <a:ext cx="958033" cy="657944"/>
+          </a:xfrm>
+          <a:prstGeom prst="bentConnector2">
+            <a:avLst/>
+          </a:prstGeom>
+          <a:ln>
+            <a:tailEnd type="triangle"/>
+          </a:ln>
+        </p:spPr>
+        <p:style>
+          <a:lnRef idx="2">
+            <a:schemeClr val="accent1"/>
+          </a:lnRef>
+          <a:fillRef idx="0">
+            <a:schemeClr val="accent1"/>
+          </a:fillRef>
+          <a:effectRef idx="1">
+            <a:schemeClr val="accent1"/>
+          </a:effectRef>
+          <a:fontRef idx="minor">
+            <a:schemeClr val="tx1"/>
+          </a:fontRef>
+        </p:style>
+      </p:cxnSp>
+      <p:sp>
+        <p:nvSpPr>
+          <p:cNvPr id="63" name="Rectangle 62">
+            <a:extLst>
+              <a:ext uri="{FF2B5EF4-FFF2-40B4-BE49-F238E27FC236}">
+                <a16:creationId xmlns:a16="http://schemas.microsoft.com/office/drawing/2014/main" id="{6A523246-7929-534A-AC50-50C990977ABD}"/>
+              </a:ext>
+            </a:extLst>
+          </p:cNvPr>
+          <p:cNvSpPr/>
+          <p:nvPr/>
+        </p:nvSpPr>
+        <p:spPr>
+          <a:xfrm>
+            <a:off x="1401924" y="4453136"/>
+            <a:ext cx="1932093" cy="138500"/>
+          </a:xfrm>
+          <a:prstGeom prst="rect">
+            <a:avLst/>
+          </a:prstGeom>
+          <a:solidFill>
+            <a:srgbClr val="00B0F0"/>
+          </a:solidFill>
+          <a:ln>
+            <a:solidFill>
+              <a:schemeClr val="bg1"/>
+            </a:solidFill>
+          </a:ln>
+        </p:spPr>
+        <p:style>
+          <a:lnRef idx="2">
+            <a:schemeClr val="accent1">
+              <a:shade val="50000"/>
+            </a:schemeClr>
+          </a:lnRef>
+          <a:fillRef idx="1">
+            <a:schemeClr val="accent1"/>
+          </a:fillRef>
+          <a:effectRef idx="0">
+            <a:schemeClr val="accent1"/>
+          </a:effectRef>
+          <a:fontRef idx="minor">
+            <a:schemeClr val="lt1"/>
+          </a:fontRef>
+        </p:style>
+        <p:txBody>
+          <a:bodyPr rtlCol="0" anchor="ctr"/>
+          <a:lstStyle/>
+          <a:p>
+            <a:pPr algn="ctr"/>
+            <a:endParaRPr lang="en-US"/>
+          </a:p>
+        </p:txBody>
+      </p:sp>
+      <p:sp>
+        <p:nvSpPr>
+          <p:cNvPr id="64" name="TextBox 63">
+            <a:extLst>
+              <a:ext uri="{FF2B5EF4-FFF2-40B4-BE49-F238E27FC236}">
+                <a16:creationId xmlns:a16="http://schemas.microsoft.com/office/drawing/2014/main" id="{745766CF-3DE4-C341-A552-1201659B144F}"/>
+              </a:ext>
+            </a:extLst>
+          </p:cNvPr>
+          <p:cNvSpPr txBox="1"/>
+          <p:nvPr/>
+        </p:nvSpPr>
+        <p:spPr>
+          <a:xfrm>
+            <a:off x="1980543" y="4258999"/>
+            <a:ext cx="451945" cy="923330"/>
+          </a:xfrm>
+          <a:prstGeom prst="rect">
+            <a:avLst/>
+          </a:prstGeom>
+          <a:noFill/>
+        </p:spPr>
+        <p:txBody>
+          <a:bodyPr wrap="square" rtlCol="0">
+            <a:spAutoFit/>
+          </a:bodyPr>
+          <a:lstStyle/>
+          <a:p>
+            <a:r>
+              <a:rPr lang="en-US" sz="5400" dirty="0">
+                <a:solidFill>
+                  <a:schemeClr val="bg1"/>
+                </a:solidFill>
+              </a:rPr>
+              <a:t>…</a:t>
+            </a:r>
+          </a:p>
+        </p:txBody>
+      </p:sp>
+      <p:sp>
+        <p:nvSpPr>
+          <p:cNvPr id="65" name="Rectangle 64">
+            <a:extLst>
+              <a:ext uri="{FF2B5EF4-FFF2-40B4-BE49-F238E27FC236}">
+                <a16:creationId xmlns:a16="http://schemas.microsoft.com/office/drawing/2014/main" id="{5B160FDA-98F1-3A46-B6B3-2458807F7F59}"/>
+              </a:ext>
+            </a:extLst>
+          </p:cNvPr>
+          <p:cNvSpPr/>
+          <p:nvPr/>
+        </p:nvSpPr>
+        <p:spPr>
+          <a:xfrm>
+            <a:off x="1400670" y="4109942"/>
+            <a:ext cx="1924800" cy="138500"/>
+          </a:xfrm>
+          <a:prstGeom prst="rect">
+            <a:avLst/>
+          </a:prstGeom>
+          <a:solidFill>
+            <a:schemeClr val="tx1"/>
+          </a:solidFill>
+          <a:ln>
+            <a:solidFill>
+              <a:schemeClr val="bg1"/>
+            </a:solidFill>
+          </a:ln>
+        </p:spPr>
+        <p:style>
+          <a:lnRef idx="2">
+            <a:schemeClr val="accent1">
+              <a:shade val="50000"/>
+            </a:schemeClr>
+          </a:lnRef>
+          <a:fillRef idx="1">
+            <a:schemeClr val="accent1"/>
+          </a:fillRef>
+          <a:effectRef idx="0">
+            <a:schemeClr val="accent1"/>
+          </a:effectRef>
+          <a:fontRef idx="minor">
+            <a:schemeClr val="lt1"/>
+          </a:fontRef>
+        </p:style>
+        <p:txBody>
+          <a:bodyPr rtlCol="0" anchor="ctr"/>
+          <a:lstStyle/>
+          <a:p>
+            <a:pPr algn="ctr"/>
+            <a:endParaRPr lang="en-US"/>
+          </a:p>
+        </p:txBody>
+      </p:sp>
+      <p:sp>
+        <p:nvSpPr>
+          <p:cNvPr id="66" name="Rectangle 65">
+            <a:extLst>
+              <a:ext uri="{FF2B5EF4-FFF2-40B4-BE49-F238E27FC236}">
+                <a16:creationId xmlns:a16="http://schemas.microsoft.com/office/drawing/2014/main" id="{12EF3BD1-5ECA-6B4E-94C1-C6321CFD5418}"/>
+              </a:ext>
+            </a:extLst>
+          </p:cNvPr>
+          <p:cNvSpPr/>
+          <p:nvPr/>
+        </p:nvSpPr>
+        <p:spPr>
+          <a:xfrm>
+            <a:off x="1400670" y="4275215"/>
+            <a:ext cx="1924800" cy="138500"/>
+          </a:xfrm>
+          <a:prstGeom prst="rect">
+            <a:avLst/>
+          </a:prstGeom>
+          <a:solidFill>
+            <a:schemeClr val="tx1"/>
+          </a:solidFill>
+          <a:ln>
+            <a:solidFill>
+              <a:schemeClr val="bg1"/>
+            </a:solidFill>
+          </a:ln>
+        </p:spPr>
+        <p:style>
+          <a:lnRef idx="2">
+            <a:schemeClr val="accent1">
+              <a:shade val="50000"/>
+            </a:schemeClr>
+          </a:lnRef>
+          <a:fillRef idx="1">
+            <a:schemeClr val="accent1"/>
+          </a:fillRef>
+          <a:effectRef idx="0">
+            <a:schemeClr val="accent1"/>
+          </a:effectRef>
+          <a:fontRef idx="minor">
+            <a:schemeClr val="lt1"/>
+          </a:fontRef>
+        </p:style>
+        <p:txBody>
+          <a:bodyPr rtlCol="0" anchor="ctr"/>
+          <a:lstStyle/>
+          <a:p>
+            <a:pPr algn="ctr"/>
+            <a:endParaRPr lang="en-US"/>
+          </a:p>
+        </p:txBody>
+      </p:sp>
+      <p:sp>
+        <p:nvSpPr>
+          <p:cNvPr id="69" name="Rectangle 68">
+            <a:extLst>
+              <a:ext uri="{FF2B5EF4-FFF2-40B4-BE49-F238E27FC236}">
+                <a16:creationId xmlns:a16="http://schemas.microsoft.com/office/drawing/2014/main" id="{1C414774-6606-6441-88AB-EC089C03E5AE}"/>
+              </a:ext>
+            </a:extLst>
+          </p:cNvPr>
+          <p:cNvSpPr/>
+          <p:nvPr/>
+        </p:nvSpPr>
+        <p:spPr>
+          <a:xfrm>
+            <a:off x="1392974" y="5257198"/>
+            <a:ext cx="1924800" cy="138500"/>
+          </a:xfrm>
+          <a:prstGeom prst="rect">
+            <a:avLst/>
+          </a:prstGeom>
+          <a:solidFill>
+            <a:schemeClr val="tx1"/>
+          </a:solidFill>
+          <a:ln>
+            <a:solidFill>
+              <a:schemeClr val="bg1"/>
+            </a:solidFill>
+          </a:ln>
+        </p:spPr>
+        <p:style>
+          <a:lnRef idx="2">
+            <a:schemeClr val="accent1">
+              <a:shade val="50000"/>
+            </a:schemeClr>
+          </a:lnRef>
+          <a:fillRef idx="1">
+            <a:schemeClr val="accent1"/>
+          </a:fillRef>
+          <a:effectRef idx="0">
+            <a:schemeClr val="accent1"/>
+          </a:effectRef>
+          <a:fontRef idx="minor">
+            <a:schemeClr val="lt1"/>
+          </a:fontRef>
+        </p:style>
+        <p:txBody>
+          <a:bodyPr rtlCol="0" anchor="ctr"/>
+          <a:lstStyle/>
+          <a:p>
+            <a:pPr algn="ctr"/>
+            <a:endParaRPr lang="en-US"/>
+          </a:p>
+        </p:txBody>
+      </p:sp>
+      <p:sp>
+        <p:nvSpPr>
+          <p:cNvPr id="70" name="Rectangle 69">
+            <a:extLst>
+              <a:ext uri="{FF2B5EF4-FFF2-40B4-BE49-F238E27FC236}">
+                <a16:creationId xmlns:a16="http://schemas.microsoft.com/office/drawing/2014/main" id="{C1028A93-2C52-1240-9E55-563AF8AE80B3}"/>
+              </a:ext>
+            </a:extLst>
+          </p:cNvPr>
+          <p:cNvSpPr/>
+          <p:nvPr/>
+        </p:nvSpPr>
+        <p:spPr>
+          <a:xfrm>
+            <a:off x="3843818" y="1854146"/>
+            <a:ext cx="1924800" cy="1723297"/>
+          </a:xfrm>
+          <a:prstGeom prst="rect">
+            <a:avLst/>
+          </a:prstGeom>
+        </p:spPr>
+        <p:style>
+          <a:lnRef idx="2">
+            <a:schemeClr val="accent1">
+              <a:shade val="50000"/>
+            </a:schemeClr>
+          </a:lnRef>
+          <a:fillRef idx="1">
+            <a:schemeClr val="accent1"/>
+          </a:fillRef>
+          <a:effectRef idx="0">
+            <a:schemeClr val="accent1"/>
+          </a:effectRef>
+          <a:fontRef idx="minor">
+            <a:schemeClr val="lt1"/>
+          </a:fontRef>
+        </p:style>
+        <p:txBody>
+          <a:bodyPr rtlCol="0" anchor="ctr"/>
+          <a:lstStyle/>
+          <a:p>
+            <a:pPr algn="ctr"/>
+            <a:endParaRPr lang="en-US"/>
+          </a:p>
+        </p:txBody>
+      </p:sp>
+      <p:sp>
+        <p:nvSpPr>
+          <p:cNvPr id="71" name="TextBox 70">
+            <a:extLst>
+              <a:ext uri="{FF2B5EF4-FFF2-40B4-BE49-F238E27FC236}">
+                <a16:creationId xmlns:a16="http://schemas.microsoft.com/office/drawing/2014/main" id="{EEF44BE0-0AF1-4F46-A20C-1F73F15AB3F3}"/>
+              </a:ext>
+            </a:extLst>
+          </p:cNvPr>
+          <p:cNvSpPr txBox="1"/>
+          <p:nvPr/>
+        </p:nvSpPr>
+        <p:spPr>
+          <a:xfrm>
+            <a:off x="4118748" y="991207"/>
+            <a:ext cx="1386470" cy="923330"/>
+          </a:xfrm>
+          <a:prstGeom prst="rect">
+            <a:avLst/>
+          </a:prstGeom>
+          <a:noFill/>
+        </p:spPr>
+        <p:txBody>
+          <a:bodyPr wrap="none" rtlCol="0">
+            <a:spAutoFit/>
+          </a:bodyPr>
+          <a:lstStyle/>
+          <a:p>
+            <a:r>
+              <a:rPr lang="en-US" dirty="0"/>
+              <a:t>Level-1 pgtbl</a:t>
+            </a:r>
+          </a:p>
+          <a:p>
+            <a:pPr algn="ctr"/>
+            <a:r>
+              <a:rPr lang="en-US" sz="1200" dirty="0"/>
+              <a:t>4096 bytes</a:t>
+            </a:r>
+          </a:p>
+          <a:p>
+            <a:pPr algn="ctr"/>
+            <a:r>
+              <a:rPr lang="en-US" sz="1200" dirty="0"/>
+              <a:t>512 entries</a:t>
+            </a:r>
+          </a:p>
+          <a:p>
+            <a:pPr algn="ctr"/>
+            <a:r>
+              <a:rPr lang="en-US" sz="1200" dirty="0"/>
+              <a:t>Each 64-bits</a:t>
+            </a:r>
+          </a:p>
+        </p:txBody>
+      </p:sp>
+      <p:sp>
+        <p:nvSpPr>
+          <p:cNvPr id="72" name="Rectangle 71">
+            <a:extLst>
+              <a:ext uri="{FF2B5EF4-FFF2-40B4-BE49-F238E27FC236}">
+                <a16:creationId xmlns:a16="http://schemas.microsoft.com/office/drawing/2014/main" id="{FF56FCB5-A59E-A749-A9B4-8A0CE184E49C}"/>
+              </a:ext>
+            </a:extLst>
+          </p:cNvPr>
+          <p:cNvSpPr/>
+          <p:nvPr/>
+        </p:nvSpPr>
+        <p:spPr>
+          <a:xfrm>
+            <a:off x="3833340" y="1903937"/>
+            <a:ext cx="1932093" cy="138500"/>
+          </a:xfrm>
+          <a:prstGeom prst="rect">
+            <a:avLst/>
+          </a:prstGeom>
+          <a:solidFill>
+            <a:srgbClr val="00B0F0"/>
+          </a:solidFill>
+          <a:ln>
+            <a:solidFill>
+              <a:schemeClr val="bg1"/>
+            </a:solidFill>
+          </a:ln>
+        </p:spPr>
+        <p:style>
+          <a:lnRef idx="2">
+            <a:schemeClr val="accent1">
+              <a:shade val="50000"/>
+            </a:schemeClr>
+          </a:lnRef>
+          <a:fillRef idx="1">
+            <a:schemeClr val="accent1"/>
+          </a:fillRef>
+          <a:effectRef idx="0">
+            <a:schemeClr val="accent1"/>
+          </a:effectRef>
+          <a:fontRef idx="minor">
+            <a:schemeClr val="lt1"/>
+          </a:fontRef>
+        </p:style>
+        <p:txBody>
+          <a:bodyPr rtlCol="0" anchor="ctr"/>
+          <a:lstStyle/>
+          <a:p>
+            <a:pPr algn="ctr"/>
+            <a:endParaRPr lang="en-US"/>
+          </a:p>
+        </p:txBody>
+      </p:sp>
+      <p:sp>
+        <p:nvSpPr>
+          <p:cNvPr id="73" name="TextBox 72">
+            <a:extLst>
+              <a:ext uri="{FF2B5EF4-FFF2-40B4-BE49-F238E27FC236}">
+                <a16:creationId xmlns:a16="http://schemas.microsoft.com/office/drawing/2014/main" id="{F6C02B13-7775-044E-876A-AF22745091B0}"/>
+              </a:ext>
+            </a:extLst>
+          </p:cNvPr>
+          <p:cNvSpPr txBox="1"/>
+          <p:nvPr/>
+        </p:nvSpPr>
+        <p:spPr>
+          <a:xfrm>
+            <a:off x="3476360" y="1823967"/>
+            <a:ext cx="420308" cy="276999"/>
+          </a:xfrm>
+          <a:prstGeom prst="rect">
+            <a:avLst/>
+          </a:prstGeom>
+          <a:noFill/>
+        </p:spPr>
+        <p:txBody>
+          <a:bodyPr wrap="none" rtlCol="0">
+            <a:spAutoFit/>
+          </a:bodyPr>
+          <a:lstStyle/>
+          <a:p>
+            <a:r>
+              <a:rPr lang="en-US" sz="1200" b="1" dirty="0"/>
+              <a:t>511</a:t>
+            </a:r>
+          </a:p>
+        </p:txBody>
+      </p:sp>
+      <p:sp>
+        <p:nvSpPr>
+          <p:cNvPr id="74" name="TextBox 73">
+            <a:extLst>
+              <a:ext uri="{FF2B5EF4-FFF2-40B4-BE49-F238E27FC236}">
+                <a16:creationId xmlns:a16="http://schemas.microsoft.com/office/drawing/2014/main" id="{9A6FFDF1-4121-8348-9180-D27C4D991746}"/>
+              </a:ext>
+            </a:extLst>
+          </p:cNvPr>
+          <p:cNvSpPr txBox="1"/>
+          <p:nvPr/>
+        </p:nvSpPr>
+        <p:spPr>
+          <a:xfrm>
+            <a:off x="3570126" y="3330623"/>
+            <a:ext cx="263214" cy="276999"/>
+          </a:xfrm>
+          <a:prstGeom prst="rect">
+            <a:avLst/>
+          </a:prstGeom>
+          <a:noFill/>
+        </p:spPr>
+        <p:txBody>
+          <a:bodyPr wrap="none" rtlCol="0">
+            <a:spAutoFit/>
+          </a:bodyPr>
+          <a:lstStyle/>
+          <a:p>
+            <a:r>
+              <a:rPr lang="en-US" sz="1200" b="1" dirty="0"/>
+              <a:t>0</a:t>
+            </a:r>
+          </a:p>
+        </p:txBody>
+      </p:sp>
+      <p:sp>
+        <p:nvSpPr>
+          <p:cNvPr id="75" name="Rectangle 74">
+            <a:extLst>
+              <a:ext uri="{FF2B5EF4-FFF2-40B4-BE49-F238E27FC236}">
+                <a16:creationId xmlns:a16="http://schemas.microsoft.com/office/drawing/2014/main" id="{5ED3204A-9C22-3640-B6DC-B1683D2033DF}"/>
+              </a:ext>
+            </a:extLst>
+          </p:cNvPr>
+          <p:cNvSpPr/>
+          <p:nvPr/>
+        </p:nvSpPr>
+        <p:spPr>
+          <a:xfrm>
+            <a:off x="3836986" y="3393603"/>
+            <a:ext cx="1924800" cy="138500"/>
+          </a:xfrm>
+          <a:prstGeom prst="rect">
+            <a:avLst/>
+          </a:prstGeom>
+          <a:solidFill>
+            <a:schemeClr val="tx1"/>
+          </a:solidFill>
+          <a:ln>
+            <a:solidFill>
+              <a:schemeClr val="bg1"/>
+            </a:solidFill>
+          </a:ln>
+        </p:spPr>
+        <p:style>
+          <a:lnRef idx="2">
+            <a:schemeClr val="accent1">
+              <a:shade val="50000"/>
+            </a:schemeClr>
+          </a:lnRef>
+          <a:fillRef idx="1">
+            <a:schemeClr val="accent1"/>
+          </a:fillRef>
+          <a:effectRef idx="0">
+            <a:schemeClr val="accent1"/>
+          </a:effectRef>
+          <a:fontRef idx="minor">
+            <a:schemeClr val="lt1"/>
+          </a:fontRef>
+        </p:style>
+        <p:txBody>
+          <a:bodyPr rtlCol="0" anchor="ctr"/>
+          <a:lstStyle/>
+          <a:p>
+            <a:pPr algn="ctr"/>
+            <a:endParaRPr lang="en-US"/>
+          </a:p>
+        </p:txBody>
+      </p:sp>
+      <p:sp>
+        <p:nvSpPr>
+          <p:cNvPr id="77" name="TextBox 76">
+            <a:extLst>
+              <a:ext uri="{FF2B5EF4-FFF2-40B4-BE49-F238E27FC236}">
+                <a16:creationId xmlns:a16="http://schemas.microsoft.com/office/drawing/2014/main" id="{1CD1A205-6EE1-C443-A3C6-7D2EA48BAAF9}"/>
+              </a:ext>
+            </a:extLst>
+          </p:cNvPr>
+          <p:cNvSpPr txBox="1"/>
+          <p:nvPr/>
+        </p:nvSpPr>
+        <p:spPr>
+          <a:xfrm>
+            <a:off x="4466894" y="2156648"/>
+            <a:ext cx="451945" cy="923330"/>
+          </a:xfrm>
+          <a:prstGeom prst="rect">
+            <a:avLst/>
+          </a:prstGeom>
+          <a:noFill/>
+        </p:spPr>
+        <p:txBody>
+          <a:bodyPr wrap="square" rtlCol="0">
+            <a:spAutoFit/>
+          </a:bodyPr>
+          <a:lstStyle/>
+          <a:p>
+            <a:r>
+              <a:rPr lang="en-US" sz="5400" dirty="0">
+                <a:solidFill>
+                  <a:schemeClr val="bg1"/>
+                </a:solidFill>
+              </a:rPr>
+              <a:t>…</a:t>
+            </a:r>
+          </a:p>
+        </p:txBody>
+      </p:sp>
+      <p:sp>
+        <p:nvSpPr>
+          <p:cNvPr id="78" name="Rectangle 77">
+            <a:extLst>
+              <a:ext uri="{FF2B5EF4-FFF2-40B4-BE49-F238E27FC236}">
+                <a16:creationId xmlns:a16="http://schemas.microsoft.com/office/drawing/2014/main" id="{5FB152FD-D086-F44C-81DF-1DFE9BDABE1C}"/>
+              </a:ext>
+            </a:extLst>
+          </p:cNvPr>
+          <p:cNvSpPr/>
+          <p:nvPr/>
+        </p:nvSpPr>
+        <p:spPr>
+          <a:xfrm>
+            <a:off x="3844682" y="2079161"/>
+            <a:ext cx="1924800" cy="138500"/>
+          </a:xfrm>
+          <a:prstGeom prst="rect">
+            <a:avLst/>
+          </a:prstGeom>
+          <a:solidFill>
+            <a:schemeClr val="tx1"/>
+          </a:solidFill>
+          <a:ln>
+            <a:solidFill>
+              <a:schemeClr val="bg1"/>
+            </a:solidFill>
+          </a:ln>
+        </p:spPr>
+        <p:style>
+          <a:lnRef idx="2">
+            <a:schemeClr val="accent1">
+              <a:shade val="50000"/>
+            </a:schemeClr>
+          </a:lnRef>
+          <a:fillRef idx="1">
+            <a:schemeClr val="accent1"/>
+          </a:fillRef>
+          <a:effectRef idx="0">
+            <a:schemeClr val="accent1"/>
+          </a:effectRef>
+          <a:fontRef idx="minor">
+            <a:schemeClr val="lt1"/>
+          </a:fontRef>
+        </p:style>
+        <p:txBody>
+          <a:bodyPr rtlCol="0" anchor="ctr"/>
+          <a:lstStyle/>
+          <a:p>
+            <a:pPr algn="ctr"/>
+            <a:endParaRPr lang="en-US"/>
+          </a:p>
+        </p:txBody>
+      </p:sp>
+      <p:sp>
+        <p:nvSpPr>
+          <p:cNvPr id="83" name="Rectangle 82">
+            <a:extLst>
+              <a:ext uri="{FF2B5EF4-FFF2-40B4-BE49-F238E27FC236}">
+                <a16:creationId xmlns:a16="http://schemas.microsoft.com/office/drawing/2014/main" id="{E8AF0E88-7F48-D345-821B-5940594C450F}"/>
+              </a:ext>
+            </a:extLst>
+          </p:cNvPr>
+          <p:cNvSpPr/>
+          <p:nvPr/>
+        </p:nvSpPr>
+        <p:spPr>
+          <a:xfrm>
+            <a:off x="3826148" y="3878424"/>
+            <a:ext cx="1924800" cy="1723297"/>
+          </a:xfrm>
+          <a:prstGeom prst="rect">
+            <a:avLst/>
+          </a:prstGeom>
+        </p:spPr>
+        <p:style>
+          <a:lnRef idx="2">
+            <a:schemeClr val="accent1">
+              <a:shade val="50000"/>
+            </a:schemeClr>
+          </a:lnRef>
+          <a:fillRef idx="1">
+            <a:schemeClr val="accent1"/>
+          </a:fillRef>
+          <a:effectRef idx="0">
+            <a:schemeClr val="accent1"/>
+          </a:effectRef>
+          <a:fontRef idx="minor">
+            <a:schemeClr val="lt1"/>
+          </a:fontRef>
+        </p:style>
+        <p:txBody>
+          <a:bodyPr rtlCol="0" anchor="ctr"/>
+          <a:lstStyle/>
+          <a:p>
+            <a:pPr algn="ctr"/>
+            <a:endParaRPr lang="en-US"/>
+          </a:p>
+        </p:txBody>
+      </p:sp>
+      <p:sp>
+        <p:nvSpPr>
+          <p:cNvPr id="85" name="TextBox 84">
+            <a:extLst>
+              <a:ext uri="{FF2B5EF4-FFF2-40B4-BE49-F238E27FC236}">
+                <a16:creationId xmlns:a16="http://schemas.microsoft.com/office/drawing/2014/main" id="{00AEF7A9-46B0-6F4F-BC12-CA3E8B5A41EF}"/>
+              </a:ext>
+            </a:extLst>
+          </p:cNvPr>
+          <p:cNvSpPr txBox="1"/>
+          <p:nvPr/>
+        </p:nvSpPr>
+        <p:spPr>
+          <a:xfrm>
+            <a:off x="3461155" y="3867867"/>
+            <a:ext cx="420308" cy="276999"/>
+          </a:xfrm>
+          <a:prstGeom prst="rect">
+            <a:avLst/>
+          </a:prstGeom>
+          <a:noFill/>
+        </p:spPr>
+        <p:txBody>
+          <a:bodyPr wrap="none" rtlCol="0">
+            <a:spAutoFit/>
+          </a:bodyPr>
+          <a:lstStyle/>
+          <a:p>
+            <a:r>
+              <a:rPr lang="en-US" sz="1200" b="1" dirty="0"/>
+              <a:t>511</a:t>
+            </a:r>
+          </a:p>
+        </p:txBody>
+      </p:sp>
+      <p:sp>
+        <p:nvSpPr>
+          <p:cNvPr id="86" name="TextBox 85">
+            <a:extLst>
+              <a:ext uri="{FF2B5EF4-FFF2-40B4-BE49-F238E27FC236}">
+                <a16:creationId xmlns:a16="http://schemas.microsoft.com/office/drawing/2014/main" id="{6DD4EF14-9DB9-E34F-97F0-BF10FA89E3BC}"/>
+              </a:ext>
+            </a:extLst>
+          </p:cNvPr>
+          <p:cNvSpPr txBox="1"/>
+          <p:nvPr/>
+        </p:nvSpPr>
+        <p:spPr>
+          <a:xfrm>
+            <a:off x="3554921" y="5374523"/>
+            <a:ext cx="263214" cy="276999"/>
+          </a:xfrm>
+          <a:prstGeom prst="rect">
+            <a:avLst/>
+          </a:prstGeom>
+          <a:noFill/>
+        </p:spPr>
+        <p:txBody>
+          <a:bodyPr wrap="none" rtlCol="0">
+            <a:spAutoFit/>
+          </a:bodyPr>
+          <a:lstStyle/>
+          <a:p>
+            <a:r>
+              <a:rPr lang="en-US" sz="1200" b="1" dirty="0"/>
+              <a:t>0</a:t>
+            </a:r>
+          </a:p>
+        </p:txBody>
+      </p:sp>
+      <p:sp>
+        <p:nvSpPr>
+          <p:cNvPr id="87" name="Rectangle 86">
+            <a:extLst>
+              <a:ext uri="{FF2B5EF4-FFF2-40B4-BE49-F238E27FC236}">
+                <a16:creationId xmlns:a16="http://schemas.microsoft.com/office/drawing/2014/main" id="{87397F0C-BD1F-AC4A-8697-C3E7092DF606}"/>
+              </a:ext>
+            </a:extLst>
+          </p:cNvPr>
+          <p:cNvSpPr/>
+          <p:nvPr/>
+        </p:nvSpPr>
+        <p:spPr>
+          <a:xfrm>
+            <a:off x="3821781" y="5437503"/>
+            <a:ext cx="1924800" cy="138500"/>
+          </a:xfrm>
+          <a:prstGeom prst="rect">
+            <a:avLst/>
+          </a:prstGeom>
+          <a:solidFill>
+            <a:schemeClr val="tx1"/>
+          </a:solidFill>
+          <a:ln>
+            <a:solidFill>
+              <a:schemeClr val="bg1"/>
+            </a:solidFill>
+          </a:ln>
+        </p:spPr>
+        <p:style>
+          <a:lnRef idx="2">
+            <a:schemeClr val="accent1">
+              <a:shade val="50000"/>
+            </a:schemeClr>
+          </a:lnRef>
+          <a:fillRef idx="1">
+            <a:schemeClr val="accent1"/>
+          </a:fillRef>
+          <a:effectRef idx="0">
+            <a:schemeClr val="accent1"/>
+          </a:effectRef>
+          <a:fontRef idx="minor">
+            <a:schemeClr val="lt1"/>
+          </a:fontRef>
+        </p:style>
+        <p:txBody>
+          <a:bodyPr rtlCol="0" anchor="ctr"/>
+          <a:lstStyle/>
+          <a:p>
+            <a:pPr algn="ctr"/>
+            <a:endParaRPr lang="en-US"/>
+          </a:p>
+        </p:txBody>
+      </p:sp>
+      <p:sp>
+        <p:nvSpPr>
+          <p:cNvPr id="88" name="Rectangle 87">
+            <a:extLst>
+              <a:ext uri="{FF2B5EF4-FFF2-40B4-BE49-F238E27FC236}">
+                <a16:creationId xmlns:a16="http://schemas.microsoft.com/office/drawing/2014/main" id="{D2E2725A-02AD-5F40-993B-F33FFF4E8831}"/>
+              </a:ext>
+            </a:extLst>
+          </p:cNvPr>
+          <p:cNvSpPr/>
+          <p:nvPr/>
+        </p:nvSpPr>
+        <p:spPr>
+          <a:xfrm>
+            <a:off x="3830731" y="4466255"/>
+            <a:ext cx="1932093" cy="138500"/>
+          </a:xfrm>
+          <a:prstGeom prst="rect">
+            <a:avLst/>
+          </a:prstGeom>
+          <a:solidFill>
+            <a:srgbClr val="00B0F0"/>
+          </a:solidFill>
+          <a:ln>
+            <a:solidFill>
+              <a:schemeClr val="bg1"/>
+            </a:solidFill>
+          </a:ln>
+        </p:spPr>
+        <p:style>
+          <a:lnRef idx="2">
+            <a:schemeClr val="accent1">
+              <a:shade val="50000"/>
+            </a:schemeClr>
+          </a:lnRef>
+          <a:fillRef idx="1">
+            <a:schemeClr val="accent1"/>
+          </a:fillRef>
+          <a:effectRef idx="0">
+            <a:schemeClr val="accent1"/>
+          </a:effectRef>
+          <a:fontRef idx="minor">
+            <a:schemeClr val="lt1"/>
+          </a:fontRef>
+        </p:style>
+        <p:txBody>
+          <a:bodyPr rtlCol="0" anchor="ctr"/>
+          <a:lstStyle/>
+          <a:p>
+            <a:pPr algn="ctr"/>
+            <a:endParaRPr lang="en-US"/>
+          </a:p>
+        </p:txBody>
+      </p:sp>
+      <p:sp>
+        <p:nvSpPr>
+          <p:cNvPr id="89" name="TextBox 88">
+            <a:extLst>
+              <a:ext uri="{FF2B5EF4-FFF2-40B4-BE49-F238E27FC236}">
+                <a16:creationId xmlns:a16="http://schemas.microsoft.com/office/drawing/2014/main" id="{675D6565-3B6F-2244-AF65-5B6AAEBA0132}"/>
+              </a:ext>
+            </a:extLst>
+          </p:cNvPr>
+          <p:cNvSpPr txBox="1"/>
+          <p:nvPr/>
+        </p:nvSpPr>
+        <p:spPr>
+          <a:xfrm>
+            <a:off x="4409088" y="4296145"/>
+            <a:ext cx="451945" cy="923330"/>
+          </a:xfrm>
+          <a:prstGeom prst="rect">
+            <a:avLst/>
+          </a:prstGeom>
+          <a:noFill/>
+        </p:spPr>
+        <p:txBody>
+          <a:bodyPr wrap="square" rtlCol="0">
+            <a:spAutoFit/>
+          </a:bodyPr>
+          <a:lstStyle/>
+          <a:p>
+            <a:r>
+              <a:rPr lang="en-US" sz="5400" dirty="0">
+                <a:solidFill>
+                  <a:schemeClr val="bg1"/>
+                </a:solidFill>
+              </a:rPr>
+              <a:t>…</a:t>
+            </a:r>
+          </a:p>
+        </p:txBody>
+      </p:sp>
+      <p:sp>
+        <p:nvSpPr>
+          <p:cNvPr id="90" name="Rectangle 89">
+            <a:extLst>
+              <a:ext uri="{FF2B5EF4-FFF2-40B4-BE49-F238E27FC236}">
+                <a16:creationId xmlns:a16="http://schemas.microsoft.com/office/drawing/2014/main" id="{8F2438A5-28C4-B342-9BCB-A5DC3FA13B10}"/>
+              </a:ext>
+            </a:extLst>
+          </p:cNvPr>
+          <p:cNvSpPr/>
+          <p:nvPr/>
+        </p:nvSpPr>
+        <p:spPr>
+          <a:xfrm>
+            <a:off x="3829477" y="4123061"/>
+            <a:ext cx="1924800" cy="138500"/>
+          </a:xfrm>
+          <a:prstGeom prst="rect">
+            <a:avLst/>
+          </a:prstGeom>
+          <a:solidFill>
+            <a:schemeClr val="tx1"/>
+          </a:solidFill>
+          <a:ln>
+            <a:solidFill>
+              <a:schemeClr val="bg1"/>
+            </a:solidFill>
+          </a:ln>
+        </p:spPr>
+        <p:style>
+          <a:lnRef idx="2">
+            <a:schemeClr val="accent1">
+              <a:shade val="50000"/>
+            </a:schemeClr>
+          </a:lnRef>
+          <a:fillRef idx="1">
+            <a:schemeClr val="accent1"/>
+          </a:fillRef>
+          <a:effectRef idx="0">
+            <a:schemeClr val="accent1"/>
+          </a:effectRef>
+          <a:fontRef idx="minor">
+            <a:schemeClr val="lt1"/>
+          </a:fontRef>
+        </p:style>
+        <p:txBody>
+          <a:bodyPr rtlCol="0" anchor="ctr"/>
+          <a:lstStyle/>
+          <a:p>
+            <a:pPr algn="ctr"/>
+            <a:endParaRPr lang="en-US"/>
+          </a:p>
+        </p:txBody>
+      </p:sp>
+      <p:sp>
+        <p:nvSpPr>
+          <p:cNvPr id="91" name="Rectangle 90">
+            <a:extLst>
+              <a:ext uri="{FF2B5EF4-FFF2-40B4-BE49-F238E27FC236}">
+                <a16:creationId xmlns:a16="http://schemas.microsoft.com/office/drawing/2014/main" id="{CEAB54C2-AA05-F84B-A86F-E5B51C1E514F}"/>
+              </a:ext>
+            </a:extLst>
+          </p:cNvPr>
+          <p:cNvSpPr/>
+          <p:nvPr/>
+        </p:nvSpPr>
+        <p:spPr>
+          <a:xfrm>
+            <a:off x="3829477" y="4288334"/>
+            <a:ext cx="1924800" cy="138500"/>
+          </a:xfrm>
+          <a:prstGeom prst="rect">
+            <a:avLst/>
+          </a:prstGeom>
+          <a:solidFill>
+            <a:schemeClr val="tx1"/>
+          </a:solidFill>
+          <a:ln>
+            <a:solidFill>
+              <a:schemeClr val="bg1"/>
+            </a:solidFill>
+          </a:ln>
+        </p:spPr>
+        <p:style>
+          <a:lnRef idx="2">
+            <a:schemeClr val="accent1">
+              <a:shade val="50000"/>
+            </a:schemeClr>
+          </a:lnRef>
+          <a:fillRef idx="1">
+            <a:schemeClr val="accent1"/>
+          </a:fillRef>
+          <a:effectRef idx="0">
+            <a:schemeClr val="accent1"/>
+          </a:effectRef>
+          <a:fontRef idx="minor">
+            <a:schemeClr val="lt1"/>
+          </a:fontRef>
+        </p:style>
+        <p:txBody>
+          <a:bodyPr rtlCol="0" anchor="ctr"/>
+          <a:lstStyle/>
+          <a:p>
+            <a:pPr algn="ctr"/>
+            <a:endParaRPr lang="en-US"/>
+          </a:p>
+        </p:txBody>
+      </p:sp>
+      <p:sp>
+        <p:nvSpPr>
+          <p:cNvPr id="95" name="Rectangle 94">
+            <a:extLst>
+              <a:ext uri="{FF2B5EF4-FFF2-40B4-BE49-F238E27FC236}">
+                <a16:creationId xmlns:a16="http://schemas.microsoft.com/office/drawing/2014/main" id="{C4844EE7-2002-D24E-9B7F-E3CE7CE6FAA3}"/>
+              </a:ext>
+            </a:extLst>
+          </p:cNvPr>
+          <p:cNvSpPr/>
+          <p:nvPr/>
+        </p:nvSpPr>
+        <p:spPr>
+          <a:xfrm>
+            <a:off x="3821781" y="3950999"/>
+            <a:ext cx="1924800" cy="138500"/>
+          </a:xfrm>
+          <a:prstGeom prst="rect">
+            <a:avLst/>
+          </a:prstGeom>
+          <a:solidFill>
+            <a:schemeClr val="tx1"/>
+          </a:solidFill>
+          <a:ln>
+            <a:solidFill>
+              <a:schemeClr val="bg1"/>
+            </a:solidFill>
+          </a:ln>
+        </p:spPr>
+        <p:style>
+          <a:lnRef idx="2">
+            <a:schemeClr val="accent1">
+              <a:shade val="50000"/>
+            </a:schemeClr>
+          </a:lnRef>
+          <a:fillRef idx="1">
+            <a:schemeClr val="accent1"/>
+          </a:fillRef>
+          <a:effectRef idx="0">
+            <a:schemeClr val="accent1"/>
+          </a:effectRef>
+          <a:fontRef idx="minor">
+            <a:schemeClr val="lt1"/>
+          </a:fontRef>
+        </p:style>
+        <p:txBody>
+          <a:bodyPr rtlCol="0" anchor="ctr"/>
+          <a:lstStyle/>
+          <a:p>
+            <a:pPr algn="ctr"/>
+            <a:endParaRPr lang="en-US"/>
+          </a:p>
+        </p:txBody>
+      </p:sp>
+      <p:sp>
+        <p:nvSpPr>
+          <p:cNvPr id="96" name="Rectangle 95">
+            <a:extLst>
+              <a:ext uri="{FF2B5EF4-FFF2-40B4-BE49-F238E27FC236}">
+                <a16:creationId xmlns:a16="http://schemas.microsoft.com/office/drawing/2014/main" id="{164C073C-299C-A249-A131-83A2B8F01E2B}"/>
+              </a:ext>
+            </a:extLst>
+          </p:cNvPr>
+          <p:cNvSpPr/>
+          <p:nvPr/>
+        </p:nvSpPr>
+        <p:spPr>
+          <a:xfrm>
+            <a:off x="3840633" y="2253960"/>
+            <a:ext cx="1924800" cy="138500"/>
+          </a:xfrm>
+          <a:prstGeom prst="rect">
+            <a:avLst/>
+          </a:prstGeom>
+          <a:solidFill>
+            <a:schemeClr val="tx1"/>
+          </a:solidFill>
+          <a:ln>
+            <a:solidFill>
+              <a:schemeClr val="bg1"/>
+            </a:solidFill>
+          </a:ln>
+        </p:spPr>
+        <p:style>
+          <a:lnRef idx="2">
+            <a:schemeClr val="accent1">
+              <a:shade val="50000"/>
+            </a:schemeClr>
+          </a:lnRef>
+          <a:fillRef idx="1">
+            <a:schemeClr val="accent1"/>
+          </a:fillRef>
+          <a:effectRef idx="0">
+            <a:schemeClr val="accent1"/>
+          </a:effectRef>
+          <a:fontRef idx="minor">
+            <a:schemeClr val="lt1"/>
+          </a:fontRef>
+        </p:style>
+        <p:txBody>
+          <a:bodyPr rtlCol="0" anchor="ctr"/>
+          <a:lstStyle/>
+          <a:p>
+            <a:pPr algn="ctr"/>
+            <a:endParaRPr lang="en-US"/>
+          </a:p>
+        </p:txBody>
+      </p:sp>
+      <p:sp>
+        <p:nvSpPr>
+          <p:cNvPr id="97" name="Rectangle 96">
+            <a:extLst>
+              <a:ext uri="{FF2B5EF4-FFF2-40B4-BE49-F238E27FC236}">
+                <a16:creationId xmlns:a16="http://schemas.microsoft.com/office/drawing/2014/main" id="{4EC90506-4C83-A249-9704-0501A8E8F6DE}"/>
+              </a:ext>
+            </a:extLst>
+          </p:cNvPr>
+          <p:cNvSpPr/>
+          <p:nvPr/>
+        </p:nvSpPr>
+        <p:spPr>
+          <a:xfrm>
+            <a:off x="6351388" y="1825768"/>
+            <a:ext cx="1924800" cy="1723297"/>
+          </a:xfrm>
+          <a:prstGeom prst="rect">
+            <a:avLst/>
+          </a:prstGeom>
+        </p:spPr>
+        <p:style>
+          <a:lnRef idx="2">
+            <a:schemeClr val="accent1">
+              <a:shade val="50000"/>
+            </a:schemeClr>
+          </a:lnRef>
+          <a:fillRef idx="1">
+            <a:schemeClr val="accent1"/>
+          </a:fillRef>
+          <a:effectRef idx="0">
+            <a:schemeClr val="accent1"/>
+          </a:effectRef>
+          <a:fontRef idx="minor">
+            <a:schemeClr val="lt1"/>
+          </a:fontRef>
+        </p:style>
+        <p:txBody>
+          <a:bodyPr rtlCol="0" anchor="ctr"/>
+          <a:lstStyle/>
+          <a:p>
+            <a:pPr algn="ctr"/>
+            <a:endParaRPr lang="en-US"/>
+          </a:p>
+        </p:txBody>
+      </p:sp>
+      <p:sp>
+        <p:nvSpPr>
+          <p:cNvPr id="98" name="TextBox 97">
+            <a:extLst>
+              <a:ext uri="{FF2B5EF4-FFF2-40B4-BE49-F238E27FC236}">
+                <a16:creationId xmlns:a16="http://schemas.microsoft.com/office/drawing/2014/main" id="{2C96C973-BA4B-7546-AF45-D5AEC6A6FAAD}"/>
+              </a:ext>
+            </a:extLst>
+          </p:cNvPr>
+          <p:cNvSpPr txBox="1"/>
+          <p:nvPr/>
+        </p:nvSpPr>
+        <p:spPr>
+          <a:xfrm>
+            <a:off x="6626318" y="962829"/>
+            <a:ext cx="1386470" cy="923330"/>
+          </a:xfrm>
+          <a:prstGeom prst="rect">
+            <a:avLst/>
+          </a:prstGeom>
+          <a:noFill/>
+        </p:spPr>
+        <p:txBody>
+          <a:bodyPr wrap="none" rtlCol="0">
+            <a:spAutoFit/>
+          </a:bodyPr>
+          <a:lstStyle/>
+          <a:p>
+            <a:r>
+              <a:rPr lang="en-US" dirty="0"/>
+              <a:t>Level-0 pgtbl</a:t>
+            </a:r>
+          </a:p>
+          <a:p>
+            <a:pPr algn="ctr"/>
+            <a:r>
+              <a:rPr lang="en-US" sz="1200" dirty="0"/>
+              <a:t>4096 bytes</a:t>
+            </a:r>
+          </a:p>
+          <a:p>
+            <a:pPr algn="ctr"/>
+            <a:r>
+              <a:rPr lang="en-US" sz="1200" dirty="0"/>
+              <a:t>512 entries</a:t>
+            </a:r>
+          </a:p>
+          <a:p>
+            <a:pPr algn="ctr"/>
+            <a:r>
+              <a:rPr lang="en-US" sz="1200" dirty="0"/>
+              <a:t>Each 64-bits</a:t>
+            </a:r>
+          </a:p>
+        </p:txBody>
+      </p:sp>
+      <p:sp>
+        <p:nvSpPr>
+          <p:cNvPr id="99" name="Rectangle 98">
+            <a:extLst>
+              <a:ext uri="{FF2B5EF4-FFF2-40B4-BE49-F238E27FC236}">
+                <a16:creationId xmlns:a16="http://schemas.microsoft.com/office/drawing/2014/main" id="{0B228E79-7BE7-B14E-8726-2300110F46E8}"/>
+              </a:ext>
+            </a:extLst>
+          </p:cNvPr>
+          <p:cNvSpPr/>
+          <p:nvPr/>
+        </p:nvSpPr>
+        <p:spPr>
+          <a:xfrm>
+            <a:off x="6340910" y="1875559"/>
+            <a:ext cx="1932093" cy="138500"/>
+          </a:xfrm>
+          <a:prstGeom prst="rect">
+            <a:avLst/>
+          </a:prstGeom>
+          <a:solidFill>
+            <a:srgbClr val="00B0F0"/>
+          </a:solidFill>
+          <a:ln>
+            <a:solidFill>
+              <a:schemeClr val="bg1"/>
+            </a:solidFill>
+          </a:ln>
+        </p:spPr>
+        <p:style>
+          <a:lnRef idx="2">
+            <a:schemeClr val="accent1">
+              <a:shade val="50000"/>
+            </a:schemeClr>
+          </a:lnRef>
+          <a:fillRef idx="1">
+            <a:schemeClr val="accent1"/>
+          </a:fillRef>
+          <a:effectRef idx="0">
+            <a:schemeClr val="accent1"/>
+          </a:effectRef>
+          <a:fontRef idx="minor">
+            <a:schemeClr val="lt1"/>
+          </a:fontRef>
+        </p:style>
+        <p:txBody>
+          <a:bodyPr rtlCol="0" anchor="ctr"/>
+          <a:lstStyle/>
+          <a:p>
+            <a:pPr algn="ctr"/>
+            <a:endParaRPr lang="en-US"/>
+          </a:p>
+        </p:txBody>
+      </p:sp>
+      <p:sp>
+        <p:nvSpPr>
+          <p:cNvPr id="100" name="TextBox 99">
+            <a:extLst>
+              <a:ext uri="{FF2B5EF4-FFF2-40B4-BE49-F238E27FC236}">
+                <a16:creationId xmlns:a16="http://schemas.microsoft.com/office/drawing/2014/main" id="{1DB8B14D-2BE9-3C4C-B794-0ED3AFC1D34A}"/>
+              </a:ext>
+            </a:extLst>
+          </p:cNvPr>
+          <p:cNvSpPr txBox="1"/>
+          <p:nvPr/>
+        </p:nvSpPr>
+        <p:spPr>
+          <a:xfrm>
+            <a:off x="5983930" y="1795589"/>
+            <a:ext cx="420308" cy="276999"/>
+          </a:xfrm>
+          <a:prstGeom prst="rect">
+            <a:avLst/>
+          </a:prstGeom>
+          <a:noFill/>
+        </p:spPr>
+        <p:txBody>
+          <a:bodyPr wrap="none" rtlCol="0">
+            <a:spAutoFit/>
+          </a:bodyPr>
+          <a:lstStyle/>
+          <a:p>
+            <a:r>
+              <a:rPr lang="en-US" sz="1200" b="1" dirty="0"/>
+              <a:t>511</a:t>
+            </a:r>
+          </a:p>
+        </p:txBody>
+      </p:sp>
+      <p:sp>
+        <p:nvSpPr>
+          <p:cNvPr id="101" name="TextBox 100">
+            <a:extLst>
+              <a:ext uri="{FF2B5EF4-FFF2-40B4-BE49-F238E27FC236}">
+                <a16:creationId xmlns:a16="http://schemas.microsoft.com/office/drawing/2014/main" id="{5FE18641-8772-CD4D-A0C4-20509F88E7E5}"/>
+              </a:ext>
+            </a:extLst>
+          </p:cNvPr>
+          <p:cNvSpPr txBox="1"/>
+          <p:nvPr/>
+        </p:nvSpPr>
+        <p:spPr>
+          <a:xfrm>
+            <a:off x="6077696" y="3302245"/>
+            <a:ext cx="263214" cy="276999"/>
+          </a:xfrm>
+          <a:prstGeom prst="rect">
+            <a:avLst/>
+          </a:prstGeom>
+          <a:noFill/>
+        </p:spPr>
+        <p:txBody>
+          <a:bodyPr wrap="none" rtlCol="0">
+            <a:spAutoFit/>
+          </a:bodyPr>
+          <a:lstStyle/>
+          <a:p>
+            <a:r>
+              <a:rPr lang="en-US" sz="1200" b="1" dirty="0"/>
+              <a:t>0</a:t>
+            </a:r>
+          </a:p>
+        </p:txBody>
+      </p:sp>
+      <p:sp>
+        <p:nvSpPr>
+          <p:cNvPr id="102" name="Rectangle 101">
+            <a:extLst>
+              <a:ext uri="{FF2B5EF4-FFF2-40B4-BE49-F238E27FC236}">
+                <a16:creationId xmlns:a16="http://schemas.microsoft.com/office/drawing/2014/main" id="{AADF177A-214D-E245-A367-CC245B9624BD}"/>
+              </a:ext>
+            </a:extLst>
+          </p:cNvPr>
+          <p:cNvSpPr/>
+          <p:nvPr/>
+        </p:nvSpPr>
+        <p:spPr>
+          <a:xfrm>
+            <a:off x="6344556" y="3365225"/>
+            <a:ext cx="1924800" cy="138500"/>
+          </a:xfrm>
+          <a:prstGeom prst="rect">
+            <a:avLst/>
+          </a:prstGeom>
+          <a:solidFill>
+            <a:schemeClr val="tx1"/>
+          </a:solidFill>
+          <a:ln>
+            <a:solidFill>
+              <a:schemeClr val="bg1"/>
+            </a:solidFill>
+          </a:ln>
+        </p:spPr>
+        <p:style>
+          <a:lnRef idx="2">
+            <a:schemeClr val="accent1">
+              <a:shade val="50000"/>
+            </a:schemeClr>
+          </a:lnRef>
+          <a:fillRef idx="1">
+            <a:schemeClr val="accent1"/>
+          </a:fillRef>
+          <a:effectRef idx="0">
+            <a:schemeClr val="accent1"/>
+          </a:effectRef>
+          <a:fontRef idx="minor">
+            <a:schemeClr val="lt1"/>
+          </a:fontRef>
+        </p:style>
+        <p:txBody>
+          <a:bodyPr rtlCol="0" anchor="ctr"/>
+          <a:lstStyle/>
+          <a:p>
+            <a:pPr algn="ctr"/>
+            <a:endParaRPr lang="en-US"/>
+          </a:p>
+        </p:txBody>
+      </p:sp>
+      <p:sp>
+        <p:nvSpPr>
+          <p:cNvPr id="103" name="TextBox 102">
+            <a:extLst>
+              <a:ext uri="{FF2B5EF4-FFF2-40B4-BE49-F238E27FC236}">
+                <a16:creationId xmlns:a16="http://schemas.microsoft.com/office/drawing/2014/main" id="{9DEBA147-2D04-6747-A3BA-5566B69C7E56}"/>
+              </a:ext>
+            </a:extLst>
+          </p:cNvPr>
+          <p:cNvSpPr txBox="1"/>
+          <p:nvPr/>
+        </p:nvSpPr>
+        <p:spPr>
+          <a:xfrm>
+            <a:off x="6974464" y="2128270"/>
+            <a:ext cx="451945" cy="923330"/>
+          </a:xfrm>
+          <a:prstGeom prst="rect">
+            <a:avLst/>
+          </a:prstGeom>
+          <a:noFill/>
+        </p:spPr>
+        <p:txBody>
+          <a:bodyPr wrap="square" rtlCol="0">
+            <a:spAutoFit/>
+          </a:bodyPr>
+          <a:lstStyle/>
+          <a:p>
+            <a:r>
+              <a:rPr lang="en-US" sz="5400" dirty="0">
+                <a:solidFill>
+                  <a:schemeClr val="bg1"/>
+                </a:solidFill>
+              </a:rPr>
+              <a:t>…</a:t>
+            </a:r>
+          </a:p>
+        </p:txBody>
+      </p:sp>
+      <p:sp>
+        <p:nvSpPr>
+          <p:cNvPr id="104" name="Rectangle 103">
+            <a:extLst>
+              <a:ext uri="{FF2B5EF4-FFF2-40B4-BE49-F238E27FC236}">
+                <a16:creationId xmlns:a16="http://schemas.microsoft.com/office/drawing/2014/main" id="{1D080A4D-23BA-3F47-82FE-146B975A30ED}"/>
+              </a:ext>
+            </a:extLst>
+          </p:cNvPr>
+          <p:cNvSpPr/>
+          <p:nvPr/>
+        </p:nvSpPr>
+        <p:spPr>
+          <a:xfrm>
+            <a:off x="6352252" y="2050783"/>
+            <a:ext cx="1924800" cy="138500"/>
+          </a:xfrm>
+          <a:prstGeom prst="rect">
+            <a:avLst/>
+          </a:prstGeom>
+          <a:solidFill>
+            <a:schemeClr val="tx1"/>
+          </a:solidFill>
+          <a:ln>
+            <a:solidFill>
+              <a:schemeClr val="bg1"/>
+            </a:solidFill>
+          </a:ln>
+        </p:spPr>
+        <p:style>
+          <a:lnRef idx="2">
+            <a:schemeClr val="accent1">
+              <a:shade val="50000"/>
+            </a:schemeClr>
+          </a:lnRef>
+          <a:fillRef idx="1">
+            <a:schemeClr val="accent1"/>
+          </a:fillRef>
+          <a:effectRef idx="0">
+            <a:schemeClr val="accent1"/>
+          </a:effectRef>
+          <a:fontRef idx="minor">
+            <a:schemeClr val="lt1"/>
+          </a:fontRef>
+        </p:style>
+        <p:txBody>
+          <a:bodyPr rtlCol="0" anchor="ctr"/>
+          <a:lstStyle/>
+          <a:p>
+            <a:pPr algn="ctr"/>
+            <a:endParaRPr lang="en-US"/>
+          </a:p>
+        </p:txBody>
+      </p:sp>
+      <p:sp>
+        <p:nvSpPr>
+          <p:cNvPr id="105" name="Rectangle 104">
+            <a:extLst>
+              <a:ext uri="{FF2B5EF4-FFF2-40B4-BE49-F238E27FC236}">
+                <a16:creationId xmlns:a16="http://schemas.microsoft.com/office/drawing/2014/main" id="{56660CED-2AA5-7342-A46F-03691C202F39}"/>
+              </a:ext>
+            </a:extLst>
+          </p:cNvPr>
+          <p:cNvSpPr/>
+          <p:nvPr/>
+        </p:nvSpPr>
+        <p:spPr>
+          <a:xfrm>
+            <a:off x="6333718" y="3850046"/>
+            <a:ext cx="1924800" cy="1723297"/>
+          </a:xfrm>
+          <a:prstGeom prst="rect">
+            <a:avLst/>
+          </a:prstGeom>
+        </p:spPr>
+        <p:style>
+          <a:lnRef idx="2">
+            <a:schemeClr val="accent1">
+              <a:shade val="50000"/>
+            </a:schemeClr>
+          </a:lnRef>
+          <a:fillRef idx="1">
+            <a:schemeClr val="accent1"/>
+          </a:fillRef>
+          <a:effectRef idx="0">
+            <a:schemeClr val="accent1"/>
+          </a:effectRef>
+          <a:fontRef idx="minor">
+            <a:schemeClr val="lt1"/>
+          </a:fontRef>
+        </p:style>
+        <p:txBody>
+          <a:bodyPr rtlCol="0" anchor="ctr"/>
+          <a:lstStyle/>
+          <a:p>
+            <a:pPr algn="ctr"/>
+            <a:endParaRPr lang="en-US"/>
+          </a:p>
+        </p:txBody>
+      </p:sp>
+      <p:sp>
+        <p:nvSpPr>
+          <p:cNvPr id="106" name="TextBox 105">
+            <a:extLst>
+              <a:ext uri="{FF2B5EF4-FFF2-40B4-BE49-F238E27FC236}">
+                <a16:creationId xmlns:a16="http://schemas.microsoft.com/office/drawing/2014/main" id="{7086AF52-00DE-1A4F-8478-C325105A781A}"/>
+              </a:ext>
+            </a:extLst>
+          </p:cNvPr>
+          <p:cNvSpPr txBox="1"/>
+          <p:nvPr/>
+        </p:nvSpPr>
+        <p:spPr>
+          <a:xfrm>
+            <a:off x="5968725" y="3839489"/>
+            <a:ext cx="420308" cy="276999"/>
+          </a:xfrm>
+          <a:prstGeom prst="rect">
+            <a:avLst/>
+          </a:prstGeom>
+          <a:noFill/>
+        </p:spPr>
+        <p:txBody>
+          <a:bodyPr wrap="none" rtlCol="0">
+            <a:spAutoFit/>
+          </a:bodyPr>
+          <a:lstStyle/>
+          <a:p>
+            <a:r>
+              <a:rPr lang="en-US" sz="1200" b="1" dirty="0"/>
+              <a:t>511</a:t>
+            </a:r>
+          </a:p>
+        </p:txBody>
+      </p:sp>
+      <p:sp>
+        <p:nvSpPr>
+          <p:cNvPr id="107" name="TextBox 106">
+            <a:extLst>
+              <a:ext uri="{FF2B5EF4-FFF2-40B4-BE49-F238E27FC236}">
+                <a16:creationId xmlns:a16="http://schemas.microsoft.com/office/drawing/2014/main" id="{485638F3-F548-6749-A138-EF0EAE506715}"/>
+              </a:ext>
+            </a:extLst>
+          </p:cNvPr>
+          <p:cNvSpPr txBox="1"/>
+          <p:nvPr/>
+        </p:nvSpPr>
+        <p:spPr>
+          <a:xfrm>
+            <a:off x="6062491" y="5346145"/>
+            <a:ext cx="263214" cy="276999"/>
+          </a:xfrm>
+          <a:prstGeom prst="rect">
+            <a:avLst/>
+          </a:prstGeom>
+          <a:noFill/>
+        </p:spPr>
+        <p:txBody>
+          <a:bodyPr wrap="none" rtlCol="0">
+            <a:spAutoFit/>
+          </a:bodyPr>
+          <a:lstStyle/>
+          <a:p>
+            <a:r>
+              <a:rPr lang="en-US" sz="1200" b="1" dirty="0"/>
+              <a:t>0</a:t>
+            </a:r>
+          </a:p>
+        </p:txBody>
+      </p:sp>
+      <p:sp>
+        <p:nvSpPr>
+          <p:cNvPr id="108" name="Rectangle 107">
+            <a:extLst>
+              <a:ext uri="{FF2B5EF4-FFF2-40B4-BE49-F238E27FC236}">
+                <a16:creationId xmlns:a16="http://schemas.microsoft.com/office/drawing/2014/main" id="{83B6A35F-3FF0-4E46-972D-FE4620ED9C5A}"/>
+              </a:ext>
+            </a:extLst>
+          </p:cNvPr>
+          <p:cNvSpPr/>
+          <p:nvPr/>
+        </p:nvSpPr>
+        <p:spPr>
+          <a:xfrm>
+            <a:off x="6329351" y="5409125"/>
+            <a:ext cx="1924800" cy="138500"/>
+          </a:xfrm>
+          <a:prstGeom prst="rect">
+            <a:avLst/>
+          </a:prstGeom>
+          <a:solidFill>
+            <a:schemeClr val="tx1"/>
+          </a:solidFill>
+          <a:ln>
+            <a:solidFill>
+              <a:schemeClr val="bg1"/>
+            </a:solidFill>
+          </a:ln>
+        </p:spPr>
+        <p:style>
+          <a:lnRef idx="2">
+            <a:schemeClr val="accent1">
+              <a:shade val="50000"/>
+            </a:schemeClr>
+          </a:lnRef>
+          <a:fillRef idx="1">
+            <a:schemeClr val="accent1"/>
+          </a:fillRef>
+          <a:effectRef idx="0">
+            <a:schemeClr val="accent1"/>
+          </a:effectRef>
+          <a:fontRef idx="minor">
+            <a:schemeClr val="lt1"/>
+          </a:fontRef>
+        </p:style>
+        <p:txBody>
+          <a:bodyPr rtlCol="0" anchor="ctr"/>
+          <a:lstStyle/>
+          <a:p>
+            <a:pPr algn="ctr"/>
+            <a:endParaRPr lang="en-US"/>
+          </a:p>
+        </p:txBody>
+      </p:sp>
+      <p:sp>
+        <p:nvSpPr>
+          <p:cNvPr id="109" name="Rectangle 108">
+            <a:extLst>
+              <a:ext uri="{FF2B5EF4-FFF2-40B4-BE49-F238E27FC236}">
+                <a16:creationId xmlns:a16="http://schemas.microsoft.com/office/drawing/2014/main" id="{D0DE2DFF-DC3D-F84A-B536-27254568AB3F}"/>
+              </a:ext>
+            </a:extLst>
+          </p:cNvPr>
+          <p:cNvSpPr/>
+          <p:nvPr/>
+        </p:nvSpPr>
+        <p:spPr>
+          <a:xfrm>
+            <a:off x="6338301" y="4437877"/>
+            <a:ext cx="1932093" cy="138500"/>
+          </a:xfrm>
+          <a:prstGeom prst="rect">
+            <a:avLst/>
+          </a:prstGeom>
+          <a:solidFill>
+            <a:srgbClr val="00B0F0"/>
+          </a:solidFill>
+          <a:ln>
+            <a:solidFill>
+              <a:schemeClr val="bg1"/>
+            </a:solidFill>
+          </a:ln>
+        </p:spPr>
+        <p:style>
+          <a:lnRef idx="2">
+            <a:schemeClr val="accent1">
+              <a:shade val="50000"/>
+            </a:schemeClr>
+          </a:lnRef>
+          <a:fillRef idx="1">
+            <a:schemeClr val="accent1"/>
+          </a:fillRef>
+          <a:effectRef idx="0">
+            <a:schemeClr val="accent1"/>
+          </a:effectRef>
+          <a:fontRef idx="minor">
+            <a:schemeClr val="lt1"/>
+          </a:fontRef>
+        </p:style>
+        <p:txBody>
+          <a:bodyPr rtlCol="0" anchor="ctr"/>
+          <a:lstStyle/>
+          <a:p>
+            <a:pPr algn="ctr"/>
+            <a:endParaRPr lang="en-US"/>
+          </a:p>
+        </p:txBody>
+      </p:sp>
+      <p:sp>
+        <p:nvSpPr>
+          <p:cNvPr id="110" name="TextBox 109">
+            <a:extLst>
+              <a:ext uri="{FF2B5EF4-FFF2-40B4-BE49-F238E27FC236}">
+                <a16:creationId xmlns:a16="http://schemas.microsoft.com/office/drawing/2014/main" id="{74DBA343-BC45-E54E-9250-F5F512BDFE46}"/>
+              </a:ext>
+            </a:extLst>
+          </p:cNvPr>
+          <p:cNvSpPr txBox="1"/>
+          <p:nvPr/>
+        </p:nvSpPr>
+        <p:spPr>
+          <a:xfrm>
+            <a:off x="6916658" y="4267767"/>
+            <a:ext cx="451945" cy="923330"/>
+          </a:xfrm>
+          <a:prstGeom prst="rect">
+            <a:avLst/>
+          </a:prstGeom>
+          <a:noFill/>
+        </p:spPr>
+        <p:txBody>
+          <a:bodyPr wrap="square" rtlCol="0">
+            <a:spAutoFit/>
+          </a:bodyPr>
+          <a:lstStyle/>
+          <a:p>
+            <a:r>
+              <a:rPr lang="en-US" sz="5400" dirty="0">
+                <a:solidFill>
+                  <a:schemeClr val="bg1"/>
+                </a:solidFill>
+              </a:rPr>
+              <a:t>…</a:t>
+            </a:r>
+          </a:p>
+        </p:txBody>
+      </p:sp>
+      <p:sp>
+        <p:nvSpPr>
+          <p:cNvPr id="111" name="Rectangle 110">
+            <a:extLst>
+              <a:ext uri="{FF2B5EF4-FFF2-40B4-BE49-F238E27FC236}">
+                <a16:creationId xmlns:a16="http://schemas.microsoft.com/office/drawing/2014/main" id="{BB78D351-7EC3-8E41-AC01-DF32B1D1A7B4}"/>
+              </a:ext>
+            </a:extLst>
+          </p:cNvPr>
+          <p:cNvSpPr/>
+          <p:nvPr/>
+        </p:nvSpPr>
+        <p:spPr>
+          <a:xfrm>
+            <a:off x="6337047" y="4094683"/>
+            <a:ext cx="1924800" cy="138500"/>
+          </a:xfrm>
+          <a:prstGeom prst="rect">
+            <a:avLst/>
+          </a:prstGeom>
+          <a:solidFill>
+            <a:schemeClr val="tx1"/>
+          </a:solidFill>
+          <a:ln>
+            <a:solidFill>
+              <a:schemeClr val="bg1"/>
+            </a:solidFill>
+          </a:ln>
+        </p:spPr>
+        <p:style>
+          <a:lnRef idx="2">
+            <a:schemeClr val="accent1">
+              <a:shade val="50000"/>
+            </a:schemeClr>
+          </a:lnRef>
+          <a:fillRef idx="1">
+            <a:schemeClr val="accent1"/>
+          </a:fillRef>
+          <a:effectRef idx="0">
+            <a:schemeClr val="accent1"/>
+          </a:effectRef>
+          <a:fontRef idx="minor">
+            <a:schemeClr val="lt1"/>
+          </a:fontRef>
+        </p:style>
+        <p:txBody>
+          <a:bodyPr rtlCol="0" anchor="ctr"/>
+          <a:lstStyle/>
+          <a:p>
+            <a:pPr algn="ctr"/>
+            <a:endParaRPr lang="en-US"/>
+          </a:p>
+        </p:txBody>
+      </p:sp>
+      <p:sp>
+        <p:nvSpPr>
+          <p:cNvPr id="112" name="Rectangle 111">
+            <a:extLst>
+              <a:ext uri="{FF2B5EF4-FFF2-40B4-BE49-F238E27FC236}">
+                <a16:creationId xmlns:a16="http://schemas.microsoft.com/office/drawing/2014/main" id="{7B200D6B-450F-704B-8830-6C1480216166}"/>
+              </a:ext>
+            </a:extLst>
+          </p:cNvPr>
+          <p:cNvSpPr/>
+          <p:nvPr/>
+        </p:nvSpPr>
+        <p:spPr>
+          <a:xfrm>
+            <a:off x="6337047" y="4259956"/>
+            <a:ext cx="1924800" cy="138500"/>
+          </a:xfrm>
+          <a:prstGeom prst="rect">
+            <a:avLst/>
+          </a:prstGeom>
+          <a:solidFill>
+            <a:schemeClr val="tx1"/>
+          </a:solidFill>
+          <a:ln>
+            <a:solidFill>
+              <a:schemeClr val="bg1"/>
+            </a:solidFill>
+          </a:ln>
+        </p:spPr>
+        <p:style>
+          <a:lnRef idx="2">
+            <a:schemeClr val="accent1">
+              <a:shade val="50000"/>
+            </a:schemeClr>
+          </a:lnRef>
+          <a:fillRef idx="1">
+            <a:schemeClr val="accent1"/>
+          </a:fillRef>
+          <a:effectRef idx="0">
+            <a:schemeClr val="accent1"/>
+          </a:effectRef>
+          <a:fontRef idx="minor">
+            <a:schemeClr val="lt1"/>
+          </a:fontRef>
+        </p:style>
+        <p:txBody>
+          <a:bodyPr rtlCol="0" anchor="ctr"/>
+          <a:lstStyle/>
+          <a:p>
+            <a:pPr algn="ctr"/>
+            <a:endParaRPr lang="en-US"/>
+          </a:p>
+        </p:txBody>
+      </p:sp>
+      <p:sp>
+        <p:nvSpPr>
+          <p:cNvPr id="113" name="Rectangle 112">
+            <a:extLst>
+              <a:ext uri="{FF2B5EF4-FFF2-40B4-BE49-F238E27FC236}">
+                <a16:creationId xmlns:a16="http://schemas.microsoft.com/office/drawing/2014/main" id="{9384F469-2CA0-CF46-8BB8-1C10327AB8A7}"/>
+              </a:ext>
+            </a:extLst>
+          </p:cNvPr>
+          <p:cNvSpPr/>
+          <p:nvPr/>
+        </p:nvSpPr>
+        <p:spPr>
+          <a:xfrm>
+            <a:off x="6329351" y="3922621"/>
+            <a:ext cx="1924800" cy="138500"/>
+          </a:xfrm>
+          <a:prstGeom prst="rect">
+            <a:avLst/>
+          </a:prstGeom>
+          <a:solidFill>
+            <a:srgbClr val="00B0F0"/>
+          </a:solidFill>
+          <a:ln>
+            <a:solidFill>
+              <a:schemeClr val="bg1"/>
+            </a:solidFill>
+          </a:ln>
+        </p:spPr>
+        <p:style>
+          <a:lnRef idx="2">
+            <a:schemeClr val="accent1">
+              <a:shade val="50000"/>
+            </a:schemeClr>
+          </a:lnRef>
+          <a:fillRef idx="1">
+            <a:schemeClr val="accent1"/>
+          </a:fillRef>
+          <a:effectRef idx="0">
+            <a:schemeClr val="accent1"/>
+          </a:effectRef>
+          <a:fontRef idx="minor">
+            <a:schemeClr val="lt1"/>
+          </a:fontRef>
+        </p:style>
+        <p:txBody>
+          <a:bodyPr rtlCol="0" anchor="ctr"/>
+          <a:lstStyle/>
+          <a:p>
+            <a:pPr algn="ctr"/>
+            <a:endParaRPr lang="en-US"/>
+          </a:p>
+        </p:txBody>
+      </p:sp>
+      <p:sp>
+        <p:nvSpPr>
+          <p:cNvPr id="114" name="Rectangle 113">
+            <a:extLst>
+              <a:ext uri="{FF2B5EF4-FFF2-40B4-BE49-F238E27FC236}">
+                <a16:creationId xmlns:a16="http://schemas.microsoft.com/office/drawing/2014/main" id="{C820F7F0-F777-EF4F-B1D7-4A1C0AE788B5}"/>
+              </a:ext>
+            </a:extLst>
+          </p:cNvPr>
+          <p:cNvSpPr/>
+          <p:nvPr/>
+        </p:nvSpPr>
+        <p:spPr>
+          <a:xfrm>
+            <a:off x="6348203" y="2225582"/>
+            <a:ext cx="1924800" cy="138500"/>
+          </a:xfrm>
+          <a:prstGeom prst="rect">
+            <a:avLst/>
+          </a:prstGeom>
+          <a:solidFill>
+            <a:schemeClr val="tx1"/>
+          </a:solidFill>
+          <a:ln>
+            <a:solidFill>
+              <a:schemeClr val="bg1"/>
+            </a:solidFill>
+          </a:ln>
+        </p:spPr>
+        <p:style>
+          <a:lnRef idx="2">
+            <a:schemeClr val="accent1">
+              <a:shade val="50000"/>
+            </a:schemeClr>
+          </a:lnRef>
+          <a:fillRef idx="1">
+            <a:schemeClr val="accent1"/>
+          </a:fillRef>
+          <a:effectRef idx="0">
+            <a:schemeClr val="accent1"/>
+          </a:effectRef>
+          <a:fontRef idx="minor">
+            <a:schemeClr val="lt1"/>
+          </a:fontRef>
+        </p:style>
+        <p:txBody>
+          <a:bodyPr rtlCol="0" anchor="ctr"/>
+          <a:lstStyle/>
+          <a:p>
+            <a:pPr algn="ctr"/>
+            <a:endParaRPr lang="en-US"/>
+          </a:p>
+        </p:txBody>
+      </p:sp>
+      <p:cxnSp>
+        <p:nvCxnSpPr>
+          <p:cNvPr id="116" name="Straight Arrow Connector 115">
+            <a:extLst>
+              <a:ext uri="{FF2B5EF4-FFF2-40B4-BE49-F238E27FC236}">
+                <a16:creationId xmlns:a16="http://schemas.microsoft.com/office/drawing/2014/main" id="{63374AE3-1858-634B-AC70-965C36A96A97}"/>
+              </a:ext>
+            </a:extLst>
+          </p:cNvPr>
+          <p:cNvCxnSpPr>
+            <a:stCxn id="63" idx="3"/>
+            <a:endCxn id="87" idx="1"/>
+          </p:cNvCxnSpPr>
+          <p:nvPr/>
+        </p:nvCxnSpPr>
+        <p:spPr>
+          <a:xfrm>
+            <a:off x="3334017" y="4522386"/>
+            <a:ext cx="487764" cy="984367"/>
+          </a:xfrm>
+          <a:prstGeom prst="straightConnector1">
+            <a:avLst/>
+          </a:prstGeom>
+          <a:ln>
+            <a:tailEnd type="triangle"/>
+          </a:ln>
+        </p:spPr>
+        <p:style>
+          <a:lnRef idx="2">
+            <a:schemeClr val="accent1"/>
+          </a:lnRef>
+          <a:fillRef idx="0">
+            <a:schemeClr val="accent1"/>
+          </a:fillRef>
+          <a:effectRef idx="1">
+            <a:schemeClr val="accent1"/>
+          </a:effectRef>
+          <a:fontRef idx="minor">
+            <a:schemeClr val="tx1"/>
+          </a:fontRef>
+        </p:style>
+      </p:cxnSp>
+      <p:cxnSp>
+        <p:nvCxnSpPr>
+          <p:cNvPr id="118" name="Straight Arrow Connector 117">
+            <a:extLst>
+              <a:ext uri="{FF2B5EF4-FFF2-40B4-BE49-F238E27FC236}">
+                <a16:creationId xmlns:a16="http://schemas.microsoft.com/office/drawing/2014/main" id="{DA856BDB-AA83-BA4C-884F-14A981F6D75F}"/>
+              </a:ext>
+            </a:extLst>
+          </p:cNvPr>
+          <p:cNvCxnSpPr>
+            <a:stCxn id="57" idx="3"/>
+            <a:endCxn id="74" idx="3"/>
+          </p:cNvCxnSpPr>
+          <p:nvPr/>
+        </p:nvCxnSpPr>
+        <p:spPr>
+          <a:xfrm flipV="1">
+            <a:off x="3321421" y="3469123"/>
+            <a:ext cx="511919" cy="534845"/>
+          </a:xfrm>
+          <a:prstGeom prst="straightConnector1">
+            <a:avLst/>
+          </a:prstGeom>
+          <a:ln>
+            <a:tailEnd type="triangle"/>
+          </a:ln>
+        </p:spPr>
+        <p:style>
+          <a:lnRef idx="2">
+            <a:schemeClr val="accent1"/>
+          </a:lnRef>
+          <a:fillRef idx="0">
+            <a:schemeClr val="accent1"/>
+          </a:fillRef>
+          <a:effectRef idx="1">
+            <a:schemeClr val="accent1"/>
+          </a:effectRef>
+          <a:fontRef idx="minor">
+            <a:schemeClr val="tx1"/>
+          </a:fontRef>
+        </p:style>
+      </p:cxnSp>
+      <p:cxnSp>
+        <p:nvCxnSpPr>
+          <p:cNvPr id="120" name="Straight Arrow Connector 119">
+            <a:extLst>
+              <a:ext uri="{FF2B5EF4-FFF2-40B4-BE49-F238E27FC236}">
+                <a16:creationId xmlns:a16="http://schemas.microsoft.com/office/drawing/2014/main" id="{726FFA10-A6FA-414D-A690-69AADE1D9DD3}"/>
+              </a:ext>
+            </a:extLst>
+          </p:cNvPr>
+          <p:cNvCxnSpPr>
+            <a:stCxn id="72" idx="3"/>
+            <a:endCxn id="102" idx="1"/>
+          </p:cNvCxnSpPr>
+          <p:nvPr/>
+        </p:nvCxnSpPr>
+        <p:spPr>
+          <a:xfrm>
+            <a:off x="5765433" y="1973187"/>
+            <a:ext cx="579123" cy="1461288"/>
+          </a:xfrm>
+          <a:prstGeom prst="straightConnector1">
+            <a:avLst/>
+          </a:prstGeom>
+          <a:ln>
+            <a:tailEnd type="triangle"/>
+          </a:ln>
+        </p:spPr>
+        <p:style>
+          <a:lnRef idx="2">
+            <a:schemeClr val="accent1"/>
+          </a:lnRef>
+          <a:fillRef idx="0">
+            <a:schemeClr val="accent1"/>
+          </a:fillRef>
+          <a:effectRef idx="1">
+            <a:schemeClr val="accent1"/>
+          </a:effectRef>
+          <a:fontRef idx="minor">
+            <a:schemeClr val="tx1"/>
+          </a:fontRef>
+        </p:style>
+      </p:cxnSp>
+      <p:cxnSp>
+        <p:nvCxnSpPr>
+          <p:cNvPr id="122" name="Straight Arrow Connector 121">
+            <a:extLst>
+              <a:ext uri="{FF2B5EF4-FFF2-40B4-BE49-F238E27FC236}">
+                <a16:creationId xmlns:a16="http://schemas.microsoft.com/office/drawing/2014/main" id="{4B14E7BC-E4C9-A846-91EF-EBEF6D152536}"/>
+              </a:ext>
+            </a:extLst>
+          </p:cNvPr>
+          <p:cNvCxnSpPr>
+            <a:stCxn id="88" idx="3"/>
+            <a:endCxn id="108" idx="1"/>
+          </p:cNvCxnSpPr>
+          <p:nvPr/>
+        </p:nvCxnSpPr>
+        <p:spPr>
+          <a:xfrm>
+            <a:off x="5762824" y="4535505"/>
+            <a:ext cx="566527" cy="942870"/>
+          </a:xfrm>
+          <a:prstGeom prst="straightConnector1">
+            <a:avLst/>
+          </a:prstGeom>
+          <a:ln>
+            <a:tailEnd type="triangle"/>
+          </a:ln>
+        </p:spPr>
+        <p:style>
+          <a:lnRef idx="2">
+            <a:schemeClr val="accent1"/>
+          </a:lnRef>
+          <a:fillRef idx="0">
+            <a:schemeClr val="accent1"/>
+          </a:fillRef>
+          <a:effectRef idx="1">
+            <a:schemeClr val="accent1"/>
+          </a:effectRef>
+          <a:fontRef idx="minor">
+            <a:schemeClr val="tx1"/>
+          </a:fontRef>
+        </p:style>
+      </p:cxnSp>
+      <p:sp>
+        <p:nvSpPr>
+          <p:cNvPr id="123" name="Up Arrow 122">
+            <a:extLst>
+              <a:ext uri="{FF2B5EF4-FFF2-40B4-BE49-F238E27FC236}">
+                <a16:creationId xmlns:a16="http://schemas.microsoft.com/office/drawing/2014/main" id="{B40F54BC-BF97-AB48-930B-D209A53723E8}"/>
+              </a:ext>
+            </a:extLst>
+          </p:cNvPr>
+          <p:cNvSpPr/>
+          <p:nvPr/>
+        </p:nvSpPr>
+        <p:spPr>
+          <a:xfrm rot="19562504">
+            <a:off x="3680879" y="5855510"/>
+            <a:ext cx="275214" cy="638832"/>
+          </a:xfrm>
+          <a:prstGeom prst="upArrow">
+            <a:avLst/>
+          </a:prstGeom>
+          <a:solidFill>
+            <a:srgbClr val="FF0000"/>
+          </a:solidFill>
+          <a:ln>
+            <a:solidFill>
+              <a:schemeClr val="tx1"/>
+            </a:solidFill>
+          </a:ln>
+        </p:spPr>
+        <p:style>
+          <a:lnRef idx="2">
+            <a:schemeClr val="accent1">
+              <a:shade val="50000"/>
+            </a:schemeClr>
+          </a:lnRef>
+          <a:fillRef idx="1">
+            <a:schemeClr val="accent1"/>
+          </a:fillRef>
+          <a:effectRef idx="0">
+            <a:schemeClr val="accent1"/>
+          </a:effectRef>
+          <a:fontRef idx="minor">
+            <a:schemeClr val="lt1"/>
+          </a:fontRef>
+        </p:style>
+        <p:txBody>
+          <a:bodyPr rtlCol="0" anchor="ctr"/>
+          <a:lstStyle/>
+          <a:p>
+            <a:pPr algn="ctr"/>
+            <a:endParaRPr lang="en-US"/>
+          </a:p>
+        </p:txBody>
+      </p:sp>
+      <p:sp>
+        <p:nvSpPr>
+          <p:cNvPr id="124" name="TextBox 123">
+            <a:extLst>
+              <a:ext uri="{FF2B5EF4-FFF2-40B4-BE49-F238E27FC236}">
+                <a16:creationId xmlns:a16="http://schemas.microsoft.com/office/drawing/2014/main" id="{0DF85757-055A-A447-BD9D-DCAD91EDA081}"/>
+              </a:ext>
+            </a:extLst>
+          </p:cNvPr>
+          <p:cNvSpPr txBox="1"/>
+          <p:nvPr/>
+        </p:nvSpPr>
+        <p:spPr>
+          <a:xfrm>
+            <a:off x="2974690" y="6189552"/>
+            <a:ext cx="914866" cy="369332"/>
+          </a:xfrm>
+          <a:prstGeom prst="rect">
+            <a:avLst/>
+          </a:prstGeom>
+          <a:noFill/>
+        </p:spPr>
+        <p:txBody>
+          <a:bodyPr wrap="none" rtlCol="0">
+            <a:spAutoFit/>
+          </a:bodyPr>
+          <a:lstStyle/>
+          <a:p>
+            <a:r>
+              <a:rPr lang="en-US" dirty="0"/>
+              <a:t>kalloc( )</a:t>
+            </a:r>
+          </a:p>
+        </p:txBody>
+      </p:sp>
+      <p:sp>
+        <p:nvSpPr>
+          <p:cNvPr id="125" name="Up Arrow 124">
+            <a:extLst>
+              <a:ext uri="{FF2B5EF4-FFF2-40B4-BE49-F238E27FC236}">
+                <a16:creationId xmlns:a16="http://schemas.microsoft.com/office/drawing/2014/main" id="{7B9DCA8A-93E4-9347-BCAB-EB3868FF59A9}"/>
+              </a:ext>
+            </a:extLst>
+          </p:cNvPr>
+          <p:cNvSpPr/>
+          <p:nvPr/>
+        </p:nvSpPr>
+        <p:spPr>
+          <a:xfrm rot="12990244">
+            <a:off x="8127259" y="5772719"/>
+            <a:ext cx="275214" cy="638832"/>
+          </a:xfrm>
+          <a:prstGeom prst="upArrow">
+            <a:avLst/>
+          </a:prstGeom>
+          <a:solidFill>
+            <a:srgbClr val="FF0000"/>
+          </a:solidFill>
+          <a:ln>
+            <a:solidFill>
+              <a:schemeClr val="tx1"/>
+            </a:solidFill>
+          </a:ln>
+        </p:spPr>
+        <p:style>
+          <a:lnRef idx="2">
+            <a:schemeClr val="accent1">
+              <a:shade val="50000"/>
+            </a:schemeClr>
+          </a:lnRef>
+          <a:fillRef idx="1">
+            <a:schemeClr val="accent1"/>
+          </a:fillRef>
+          <a:effectRef idx="0">
+            <a:schemeClr val="accent1"/>
+          </a:effectRef>
+          <a:fontRef idx="minor">
+            <a:schemeClr val="lt1"/>
+          </a:fontRef>
+        </p:style>
+        <p:txBody>
+          <a:bodyPr rtlCol="0" anchor="ctr"/>
+          <a:lstStyle/>
+          <a:p>
+            <a:pPr algn="ctr"/>
+            <a:endParaRPr lang="en-US"/>
+          </a:p>
+        </p:txBody>
+      </p:sp>
+      <p:sp>
+        <p:nvSpPr>
+          <p:cNvPr id="126" name="TextBox 125">
+            <a:extLst>
+              <a:ext uri="{FF2B5EF4-FFF2-40B4-BE49-F238E27FC236}">
+                <a16:creationId xmlns:a16="http://schemas.microsoft.com/office/drawing/2014/main" id="{FAA636B4-8A9D-264C-B2CC-29BF15D1F06F}"/>
+              </a:ext>
+            </a:extLst>
+          </p:cNvPr>
+          <p:cNvSpPr txBox="1"/>
+          <p:nvPr/>
+        </p:nvSpPr>
+        <p:spPr>
+          <a:xfrm>
+            <a:off x="8256204" y="6172707"/>
+            <a:ext cx="861326" cy="369332"/>
+          </a:xfrm>
+          <a:prstGeom prst="rect">
+            <a:avLst/>
+          </a:prstGeom>
+          <a:noFill/>
+        </p:spPr>
+        <p:txBody>
+          <a:bodyPr wrap="none" rtlCol="0">
+            <a:spAutoFit/>
+          </a:bodyPr>
+          <a:lstStyle/>
+          <a:p>
+            <a:r>
+              <a:rPr lang="en-US" dirty="0"/>
+              <a:t>kfree( )</a:t>
+            </a:r>
+          </a:p>
+        </p:txBody>
+      </p:sp>
+      <p:cxnSp>
+        <p:nvCxnSpPr>
+          <p:cNvPr id="128" name="Straight Arrow Connector 127">
+            <a:extLst>
+              <a:ext uri="{FF2B5EF4-FFF2-40B4-BE49-F238E27FC236}">
+                <a16:creationId xmlns:a16="http://schemas.microsoft.com/office/drawing/2014/main" id="{931FF2D4-C774-0E4B-8871-D166CDD9DA05}"/>
+              </a:ext>
+            </a:extLst>
+          </p:cNvPr>
+          <p:cNvCxnSpPr>
+            <a:stCxn id="99" idx="3"/>
+            <a:endCxn id="52" idx="1"/>
+          </p:cNvCxnSpPr>
+          <p:nvPr/>
+        </p:nvCxnSpPr>
+        <p:spPr>
+          <a:xfrm>
+            <a:off x="8273003" y="1944809"/>
+            <a:ext cx="2052254" cy="1026900"/>
+          </a:xfrm>
+          <a:prstGeom prst="straightConnector1">
+            <a:avLst/>
+          </a:prstGeom>
+          <a:ln>
+            <a:tailEnd type="triangle"/>
+          </a:ln>
+        </p:spPr>
+        <p:style>
+          <a:lnRef idx="3">
+            <a:schemeClr val="accent3"/>
+          </a:lnRef>
+          <a:fillRef idx="0">
+            <a:schemeClr val="accent3"/>
+          </a:fillRef>
+          <a:effectRef idx="2">
+            <a:schemeClr val="accent3"/>
+          </a:effectRef>
+          <a:fontRef idx="minor">
+            <a:schemeClr val="tx1"/>
+          </a:fontRef>
+        </p:style>
+      </p:cxnSp>
+      <p:cxnSp>
+        <p:nvCxnSpPr>
+          <p:cNvPr id="130" name="Straight Arrow Connector 129">
+            <a:extLst>
+              <a:ext uri="{FF2B5EF4-FFF2-40B4-BE49-F238E27FC236}">
+                <a16:creationId xmlns:a16="http://schemas.microsoft.com/office/drawing/2014/main" id="{C3E511AE-1030-1346-8266-FAD6881F28ED}"/>
+              </a:ext>
+            </a:extLst>
+          </p:cNvPr>
+          <p:cNvCxnSpPr>
+            <a:stCxn id="113" idx="3"/>
+            <a:endCxn id="16" idx="1"/>
+          </p:cNvCxnSpPr>
+          <p:nvPr/>
+        </p:nvCxnSpPr>
+        <p:spPr>
+          <a:xfrm flipV="1">
+            <a:off x="8254151" y="3695854"/>
+            <a:ext cx="2071106" cy="296017"/>
+          </a:xfrm>
+          <a:prstGeom prst="straightConnector1">
+            <a:avLst/>
+          </a:prstGeom>
+          <a:ln>
+            <a:tailEnd type="triangle"/>
+          </a:ln>
+        </p:spPr>
+        <p:style>
+          <a:lnRef idx="3">
+            <a:schemeClr val="accent3"/>
+          </a:lnRef>
+          <a:fillRef idx="0">
+            <a:schemeClr val="accent3"/>
+          </a:fillRef>
+          <a:effectRef idx="2">
+            <a:schemeClr val="accent3"/>
+          </a:effectRef>
+          <a:fontRef idx="minor">
+            <a:schemeClr val="tx1"/>
+          </a:fontRef>
+        </p:style>
+      </p:cxnSp>
+      <p:cxnSp>
+        <p:nvCxnSpPr>
+          <p:cNvPr id="132" name="Straight Arrow Connector 131">
+            <a:extLst>
+              <a:ext uri="{FF2B5EF4-FFF2-40B4-BE49-F238E27FC236}">
+                <a16:creationId xmlns:a16="http://schemas.microsoft.com/office/drawing/2014/main" id="{623A2D75-EFAC-FD40-8ED3-D99C91550AE5}"/>
+              </a:ext>
+            </a:extLst>
+          </p:cNvPr>
+          <p:cNvCxnSpPr>
+            <a:stCxn id="109" idx="3"/>
+            <a:endCxn id="15" idx="1"/>
+          </p:cNvCxnSpPr>
+          <p:nvPr/>
+        </p:nvCxnSpPr>
+        <p:spPr>
+          <a:xfrm flipV="1">
+            <a:off x="8270394" y="3858665"/>
+            <a:ext cx="2054863" cy="648462"/>
+          </a:xfrm>
+          <a:prstGeom prst="straightConnector1">
+            <a:avLst/>
+          </a:prstGeom>
+          <a:ln>
+            <a:tailEnd type="triangle"/>
+          </a:ln>
+        </p:spPr>
+        <p:style>
+          <a:lnRef idx="3">
+            <a:schemeClr val="accent3"/>
+          </a:lnRef>
+          <a:fillRef idx="0">
+            <a:schemeClr val="accent3"/>
+          </a:fillRef>
+          <a:effectRef idx="2">
+            <a:schemeClr val="accent3"/>
+          </a:effectRef>
+          <a:fontRef idx="minor">
+            <a:schemeClr val="tx1"/>
+          </a:fontRef>
+        </p:style>
+      </p:cxnSp>
+      <p:sp>
+        <p:nvSpPr>
+          <p:cNvPr id="133" name="Rectangle 132">
+            <a:extLst>
+              <a:ext uri="{FF2B5EF4-FFF2-40B4-BE49-F238E27FC236}">
+                <a16:creationId xmlns:a16="http://schemas.microsoft.com/office/drawing/2014/main" id="{E38398C8-513F-B948-9E1E-7FD849F1BA48}"/>
+              </a:ext>
+            </a:extLst>
+          </p:cNvPr>
+          <p:cNvSpPr/>
+          <p:nvPr/>
+        </p:nvSpPr>
+        <p:spPr>
+          <a:xfrm>
+            <a:off x="208449" y="727169"/>
+            <a:ext cx="3283090" cy="667749"/>
+          </a:xfrm>
+          <a:prstGeom prst="rect">
+            <a:avLst/>
+          </a:prstGeom>
+          <a:solidFill>
+            <a:schemeClr val="tx1"/>
+          </a:solidFill>
+          <a:ln>
+            <a:solidFill>
+              <a:schemeClr val="tx1"/>
+            </a:solidFill>
+          </a:ln>
+        </p:spPr>
+        <p:style>
+          <a:lnRef idx="2">
+            <a:schemeClr val="accent1">
+              <a:shade val="50000"/>
+            </a:schemeClr>
+          </a:lnRef>
+          <a:fillRef idx="1">
+            <a:schemeClr val="accent1"/>
+          </a:fillRef>
+          <a:effectRef idx="0">
+            <a:schemeClr val="accent1"/>
+          </a:effectRef>
+          <a:fontRef idx="minor">
+            <a:schemeClr val="lt1"/>
+          </a:fontRef>
+        </p:style>
+        <p:txBody>
+          <a:bodyPr rtlCol="0" anchor="ctr"/>
+          <a:lstStyle/>
+          <a:p>
+            <a:pPr algn="ctr"/>
+            <a:endParaRPr lang="en-US"/>
+          </a:p>
+        </p:txBody>
+      </p:sp>
+      <p:sp>
+        <p:nvSpPr>
+          <p:cNvPr id="134" name="TextBox 133">
+            <a:extLst>
+              <a:ext uri="{FF2B5EF4-FFF2-40B4-BE49-F238E27FC236}">
+                <a16:creationId xmlns:a16="http://schemas.microsoft.com/office/drawing/2014/main" id="{43400D60-9F87-F640-9536-7EAD5AA9D145}"/>
+              </a:ext>
+            </a:extLst>
+          </p:cNvPr>
+          <p:cNvSpPr txBox="1"/>
+          <p:nvPr/>
+        </p:nvSpPr>
+        <p:spPr>
+          <a:xfrm>
+            <a:off x="964021" y="166884"/>
+            <a:ext cx="1818447" cy="400110"/>
+          </a:xfrm>
+          <a:prstGeom prst="rect">
+            <a:avLst/>
+          </a:prstGeom>
+          <a:noFill/>
+        </p:spPr>
+        <p:txBody>
+          <a:bodyPr wrap="none" rtlCol="0">
+            <a:spAutoFit/>
+          </a:bodyPr>
+          <a:lstStyle/>
+          <a:p>
+            <a:r>
+              <a:rPr lang="en-US" sz="2000" b="1" dirty="0"/>
+              <a:t>Virtual Address</a:t>
+            </a:r>
+          </a:p>
+        </p:txBody>
+      </p:sp>
+      <p:sp>
+        <p:nvSpPr>
+          <p:cNvPr id="135" name="TextBox 134">
+            <a:extLst>
+              <a:ext uri="{FF2B5EF4-FFF2-40B4-BE49-F238E27FC236}">
+                <a16:creationId xmlns:a16="http://schemas.microsoft.com/office/drawing/2014/main" id="{B5A1CFC7-5659-0D4B-9821-B38D01B4F32D}"/>
+              </a:ext>
+            </a:extLst>
+          </p:cNvPr>
+          <p:cNvSpPr txBox="1"/>
+          <p:nvPr/>
+        </p:nvSpPr>
+        <p:spPr>
+          <a:xfrm>
+            <a:off x="44181" y="404183"/>
+            <a:ext cx="418704" cy="369332"/>
+          </a:xfrm>
+          <a:prstGeom prst="rect">
+            <a:avLst/>
+          </a:prstGeom>
+          <a:noFill/>
+        </p:spPr>
+        <p:txBody>
+          <a:bodyPr wrap="none" rtlCol="0">
+            <a:spAutoFit/>
+          </a:bodyPr>
+          <a:lstStyle/>
+          <a:p>
+            <a:r>
+              <a:rPr lang="en-US" dirty="0"/>
+              <a:t>63</a:t>
+            </a:r>
+          </a:p>
+        </p:txBody>
+      </p:sp>
+      <p:sp>
+        <p:nvSpPr>
+          <p:cNvPr id="136" name="TextBox 135">
+            <a:extLst>
+              <a:ext uri="{FF2B5EF4-FFF2-40B4-BE49-F238E27FC236}">
+                <a16:creationId xmlns:a16="http://schemas.microsoft.com/office/drawing/2014/main" id="{FAD48771-BC68-4C45-A647-D38586954043}"/>
+              </a:ext>
+            </a:extLst>
+          </p:cNvPr>
+          <p:cNvSpPr txBox="1"/>
+          <p:nvPr/>
+        </p:nvSpPr>
+        <p:spPr>
+          <a:xfrm>
+            <a:off x="3285439" y="426803"/>
+            <a:ext cx="301686" cy="369332"/>
+          </a:xfrm>
+          <a:prstGeom prst="rect">
+            <a:avLst/>
+          </a:prstGeom>
+          <a:noFill/>
+        </p:spPr>
+        <p:txBody>
+          <a:bodyPr wrap="none" rtlCol="0">
+            <a:spAutoFit/>
+          </a:bodyPr>
+          <a:lstStyle/>
+          <a:p>
+            <a:r>
+              <a:rPr lang="en-US" dirty="0"/>
+              <a:t>0</a:t>
+            </a:r>
+          </a:p>
+        </p:txBody>
+      </p:sp>
+      <p:sp>
+        <p:nvSpPr>
+          <p:cNvPr id="137" name="Rectangle 136">
+            <a:extLst>
+              <a:ext uri="{FF2B5EF4-FFF2-40B4-BE49-F238E27FC236}">
+                <a16:creationId xmlns:a16="http://schemas.microsoft.com/office/drawing/2014/main" id="{A58F2CC3-AE39-9946-8F83-1C5886256204}"/>
+              </a:ext>
+            </a:extLst>
+          </p:cNvPr>
+          <p:cNvSpPr/>
+          <p:nvPr/>
+        </p:nvSpPr>
+        <p:spPr>
+          <a:xfrm>
+            <a:off x="220355" y="744752"/>
+            <a:ext cx="905759" cy="626049"/>
+          </a:xfrm>
+          <a:prstGeom prst="rect">
+            <a:avLst/>
+          </a:prstGeom>
+          <a:solidFill>
+            <a:schemeClr val="tx1"/>
+          </a:solidFill>
+          <a:ln>
+            <a:solidFill>
+              <a:schemeClr val="bg1"/>
+            </a:solidFill>
+          </a:ln>
+        </p:spPr>
+        <p:style>
+          <a:lnRef idx="2">
+            <a:schemeClr val="accent1">
+              <a:shade val="50000"/>
+            </a:schemeClr>
+          </a:lnRef>
+          <a:fillRef idx="1">
+            <a:schemeClr val="accent1"/>
+          </a:fillRef>
+          <a:effectRef idx="0">
+            <a:schemeClr val="accent1"/>
+          </a:effectRef>
+          <a:fontRef idx="minor">
+            <a:schemeClr val="lt1"/>
+          </a:fontRef>
+        </p:style>
+        <p:txBody>
+          <a:bodyPr rtlCol="0" anchor="ctr"/>
+          <a:lstStyle/>
+          <a:p>
+            <a:pPr algn="ctr"/>
+            <a:r>
+              <a:rPr lang="en-US" sz="1600" b="1" dirty="0">
+                <a:solidFill>
+                  <a:schemeClr val="bg1"/>
+                </a:solidFill>
+              </a:rPr>
+              <a:t>Unused</a:t>
+            </a:r>
+          </a:p>
+          <a:p>
+            <a:pPr algn="ctr"/>
+            <a:r>
+              <a:rPr lang="en-US" sz="1200" b="1" dirty="0">
+                <a:solidFill>
+                  <a:schemeClr val="bg1"/>
+                </a:solidFill>
+              </a:rPr>
+              <a:t>25bits</a:t>
+            </a:r>
+          </a:p>
+        </p:txBody>
+      </p:sp>
+      <p:sp>
+        <p:nvSpPr>
+          <p:cNvPr id="138" name="Rectangle 137">
+            <a:extLst>
+              <a:ext uri="{FF2B5EF4-FFF2-40B4-BE49-F238E27FC236}">
+                <a16:creationId xmlns:a16="http://schemas.microsoft.com/office/drawing/2014/main" id="{854E646E-6734-6246-8B1E-57BEDBDF0EFB}"/>
+              </a:ext>
+            </a:extLst>
+          </p:cNvPr>
+          <p:cNvSpPr/>
+          <p:nvPr/>
+        </p:nvSpPr>
+        <p:spPr>
+          <a:xfrm>
+            <a:off x="1171591" y="748857"/>
+            <a:ext cx="1390355" cy="626049"/>
+          </a:xfrm>
+          <a:prstGeom prst="rect">
+            <a:avLst/>
+          </a:prstGeom>
+          <a:solidFill>
+            <a:srgbClr val="00B0F0"/>
+          </a:solidFill>
+          <a:ln>
+            <a:solidFill>
+              <a:schemeClr val="bg1"/>
+            </a:solidFill>
+          </a:ln>
+        </p:spPr>
+        <p:style>
+          <a:lnRef idx="2">
+            <a:schemeClr val="accent1">
+              <a:shade val="50000"/>
+            </a:schemeClr>
+          </a:lnRef>
+          <a:fillRef idx="1">
+            <a:schemeClr val="accent1"/>
+          </a:fillRef>
+          <a:effectRef idx="0">
+            <a:schemeClr val="accent1"/>
+          </a:effectRef>
+          <a:fontRef idx="minor">
+            <a:schemeClr val="lt1"/>
+          </a:fontRef>
+        </p:style>
+        <p:txBody>
+          <a:bodyPr rtlCol="0" anchor="ctr"/>
+          <a:lstStyle/>
+          <a:p>
+            <a:pPr algn="ctr"/>
+            <a:endParaRPr lang="en-US" sz="1200" b="1" dirty="0">
+              <a:solidFill>
+                <a:schemeClr val="bg1"/>
+              </a:solidFill>
+            </a:endParaRPr>
+          </a:p>
+        </p:txBody>
+      </p:sp>
+      <p:sp>
+        <p:nvSpPr>
+          <p:cNvPr id="139" name="TextBox 138">
+            <a:extLst>
+              <a:ext uri="{FF2B5EF4-FFF2-40B4-BE49-F238E27FC236}">
+                <a16:creationId xmlns:a16="http://schemas.microsoft.com/office/drawing/2014/main" id="{42EE62AF-1FB9-F34B-8F82-22C8A8E51D3C}"/>
+              </a:ext>
+            </a:extLst>
+          </p:cNvPr>
+          <p:cNvSpPr txBox="1"/>
+          <p:nvPr/>
+        </p:nvSpPr>
+        <p:spPr>
+          <a:xfrm>
+            <a:off x="1207230" y="428611"/>
+            <a:ext cx="1332031" cy="369332"/>
+          </a:xfrm>
+          <a:prstGeom prst="rect">
+            <a:avLst/>
+          </a:prstGeom>
+          <a:noFill/>
+        </p:spPr>
+        <p:txBody>
+          <a:bodyPr wrap="none" rtlCol="0">
+            <a:spAutoFit/>
+          </a:bodyPr>
+          <a:lstStyle/>
+          <a:p>
+            <a:r>
+              <a:rPr lang="en-US" b="1" dirty="0"/>
+              <a:t>Index </a:t>
+            </a:r>
+            <a:r>
+              <a:rPr lang="en-US" sz="1200" b="1" dirty="0"/>
+              <a:t>3 x 9 bits</a:t>
+            </a:r>
+            <a:endParaRPr lang="en-US" b="1" dirty="0"/>
+          </a:p>
+        </p:txBody>
+      </p:sp>
+      <p:sp>
+        <p:nvSpPr>
+          <p:cNvPr id="143" name="Rectangle 142">
+            <a:extLst>
+              <a:ext uri="{FF2B5EF4-FFF2-40B4-BE49-F238E27FC236}">
+                <a16:creationId xmlns:a16="http://schemas.microsoft.com/office/drawing/2014/main" id="{A64AF392-347D-734D-8E00-7268C21716BC}"/>
+              </a:ext>
+            </a:extLst>
+          </p:cNvPr>
+          <p:cNvSpPr/>
+          <p:nvPr/>
+        </p:nvSpPr>
+        <p:spPr>
+          <a:xfrm>
+            <a:off x="1171591" y="744752"/>
+            <a:ext cx="435449" cy="626049"/>
+          </a:xfrm>
+          <a:prstGeom prst="rect">
+            <a:avLst/>
+          </a:prstGeom>
+          <a:solidFill>
+            <a:srgbClr val="FF0000"/>
+          </a:solidFill>
+          <a:ln>
+            <a:solidFill>
+              <a:schemeClr val="bg1"/>
+            </a:solidFill>
+          </a:ln>
+        </p:spPr>
+        <p:style>
+          <a:lnRef idx="2">
+            <a:schemeClr val="accent1">
+              <a:shade val="50000"/>
+            </a:schemeClr>
+          </a:lnRef>
+          <a:fillRef idx="1">
+            <a:schemeClr val="accent1"/>
+          </a:fillRef>
+          <a:effectRef idx="0">
+            <a:schemeClr val="accent1"/>
+          </a:effectRef>
+          <a:fontRef idx="minor">
+            <a:schemeClr val="lt1"/>
+          </a:fontRef>
+        </p:style>
+        <p:txBody>
+          <a:bodyPr rtlCol="0" anchor="ctr"/>
+          <a:lstStyle/>
+          <a:p>
+            <a:pPr algn="ctr"/>
+            <a:r>
+              <a:rPr lang="en-US" sz="1200" b="1" dirty="0">
+                <a:solidFill>
+                  <a:schemeClr val="bg1"/>
+                </a:solidFill>
+              </a:rPr>
+              <a:t>L2</a:t>
+            </a:r>
+          </a:p>
+        </p:txBody>
+      </p:sp>
+      <p:sp>
+        <p:nvSpPr>
+          <p:cNvPr id="144" name="Rectangle 143">
+            <a:extLst>
+              <a:ext uri="{FF2B5EF4-FFF2-40B4-BE49-F238E27FC236}">
+                <a16:creationId xmlns:a16="http://schemas.microsoft.com/office/drawing/2014/main" id="{6A5E2F41-17D1-2540-B7EE-93ACF02A2C97}"/>
+              </a:ext>
+            </a:extLst>
+          </p:cNvPr>
+          <p:cNvSpPr/>
+          <p:nvPr/>
+        </p:nvSpPr>
+        <p:spPr>
+          <a:xfrm>
+            <a:off x="1652517" y="753807"/>
+            <a:ext cx="434601" cy="626049"/>
+          </a:xfrm>
+          <a:prstGeom prst="rect">
+            <a:avLst/>
+          </a:prstGeom>
+          <a:solidFill>
+            <a:srgbClr val="FFFF00"/>
+          </a:solidFill>
+          <a:ln>
+            <a:solidFill>
+              <a:schemeClr val="bg1"/>
+            </a:solidFill>
+          </a:ln>
+        </p:spPr>
+        <p:style>
+          <a:lnRef idx="2">
+            <a:schemeClr val="accent1">
+              <a:shade val="50000"/>
+            </a:schemeClr>
+          </a:lnRef>
+          <a:fillRef idx="1">
+            <a:schemeClr val="accent1"/>
+          </a:fillRef>
+          <a:effectRef idx="0">
+            <a:schemeClr val="accent1"/>
+          </a:effectRef>
+          <a:fontRef idx="minor">
+            <a:schemeClr val="lt1"/>
+          </a:fontRef>
+        </p:style>
+        <p:txBody>
+          <a:bodyPr rtlCol="0" anchor="ctr"/>
+          <a:lstStyle/>
+          <a:p>
+            <a:pPr algn="ctr"/>
+            <a:r>
+              <a:rPr lang="en-US" sz="1200" b="1" dirty="0">
+                <a:solidFill>
+                  <a:schemeClr val="bg1"/>
+                </a:solidFill>
+              </a:rPr>
+              <a:t>L1</a:t>
+            </a:r>
+          </a:p>
+        </p:txBody>
+      </p:sp>
+      <p:sp>
+        <p:nvSpPr>
+          <p:cNvPr id="145" name="Rectangle 144">
+            <a:extLst>
+              <a:ext uri="{FF2B5EF4-FFF2-40B4-BE49-F238E27FC236}">
+                <a16:creationId xmlns:a16="http://schemas.microsoft.com/office/drawing/2014/main" id="{B7611AB6-4D26-5845-8DE2-901889CF5925}"/>
+              </a:ext>
+            </a:extLst>
+          </p:cNvPr>
+          <p:cNvSpPr/>
+          <p:nvPr/>
+        </p:nvSpPr>
+        <p:spPr>
+          <a:xfrm>
+            <a:off x="2128937" y="745304"/>
+            <a:ext cx="434601" cy="626049"/>
+          </a:xfrm>
+          <a:prstGeom prst="rect">
+            <a:avLst/>
+          </a:prstGeom>
+          <a:solidFill>
+            <a:srgbClr val="00B050"/>
+          </a:solidFill>
+          <a:ln>
+            <a:solidFill>
+              <a:schemeClr val="bg1"/>
+            </a:solidFill>
+          </a:ln>
+        </p:spPr>
+        <p:style>
+          <a:lnRef idx="2">
+            <a:schemeClr val="accent1">
+              <a:shade val="50000"/>
+            </a:schemeClr>
+          </a:lnRef>
+          <a:fillRef idx="1">
+            <a:schemeClr val="accent1"/>
+          </a:fillRef>
+          <a:effectRef idx="0">
+            <a:schemeClr val="accent1"/>
+          </a:effectRef>
+          <a:fontRef idx="minor">
+            <a:schemeClr val="lt1"/>
+          </a:fontRef>
+        </p:style>
+        <p:txBody>
+          <a:bodyPr rtlCol="0" anchor="ctr"/>
+          <a:lstStyle/>
+          <a:p>
+            <a:pPr algn="ctr"/>
+            <a:r>
+              <a:rPr lang="en-US" sz="1200" b="1" dirty="0">
+                <a:solidFill>
+                  <a:schemeClr val="bg1"/>
+                </a:solidFill>
+              </a:rPr>
+              <a:t>L0</a:t>
+            </a:r>
+          </a:p>
+        </p:txBody>
+      </p:sp>
+      <p:sp>
+        <p:nvSpPr>
+          <p:cNvPr id="146" name="Rectangle 145">
+            <a:extLst>
+              <a:ext uri="{FF2B5EF4-FFF2-40B4-BE49-F238E27FC236}">
+                <a16:creationId xmlns:a16="http://schemas.microsoft.com/office/drawing/2014/main" id="{EC53CFC3-7433-AF4C-8546-BFC8DB8CDBAA}"/>
+              </a:ext>
+            </a:extLst>
+          </p:cNvPr>
+          <p:cNvSpPr/>
+          <p:nvPr/>
+        </p:nvSpPr>
+        <p:spPr>
+          <a:xfrm>
+            <a:off x="2598928" y="739682"/>
+            <a:ext cx="905759" cy="626049"/>
+          </a:xfrm>
+          <a:prstGeom prst="rect">
+            <a:avLst/>
+          </a:prstGeom>
+          <a:solidFill>
+            <a:schemeClr val="accent3"/>
+          </a:solidFill>
+          <a:ln>
+            <a:solidFill>
+              <a:schemeClr val="bg1"/>
+            </a:solidFill>
+          </a:ln>
+        </p:spPr>
+        <p:style>
+          <a:lnRef idx="2">
+            <a:schemeClr val="accent1">
+              <a:shade val="50000"/>
+            </a:schemeClr>
+          </a:lnRef>
+          <a:fillRef idx="1">
+            <a:schemeClr val="accent1"/>
+          </a:fillRef>
+          <a:effectRef idx="0">
+            <a:schemeClr val="accent1"/>
+          </a:effectRef>
+          <a:fontRef idx="minor">
+            <a:schemeClr val="lt1"/>
+          </a:fontRef>
+        </p:style>
+        <p:txBody>
+          <a:bodyPr rtlCol="0" anchor="ctr"/>
+          <a:lstStyle/>
+          <a:p>
+            <a:pPr algn="ctr"/>
+            <a:r>
+              <a:rPr lang="en-US" b="1" dirty="0">
+                <a:solidFill>
+                  <a:schemeClr val="bg1"/>
+                </a:solidFill>
+              </a:rPr>
+              <a:t>Offset</a:t>
+            </a:r>
+          </a:p>
+          <a:p>
+            <a:pPr algn="ctr"/>
+            <a:r>
+              <a:rPr lang="en-US" sz="1200" b="1" dirty="0">
+                <a:solidFill>
+                  <a:schemeClr val="bg1"/>
+                </a:solidFill>
+              </a:rPr>
+              <a:t>12bits</a:t>
+            </a:r>
+          </a:p>
+        </p:txBody>
+      </p:sp>
+      <p:sp>
+        <p:nvSpPr>
+          <p:cNvPr id="147" name="Rectangle 146">
+            <a:extLst>
+              <a:ext uri="{FF2B5EF4-FFF2-40B4-BE49-F238E27FC236}">
+                <a16:creationId xmlns:a16="http://schemas.microsoft.com/office/drawing/2014/main" id="{8D996FF9-55BF-C745-84B8-F8B95DD4D96B}"/>
+              </a:ext>
+            </a:extLst>
+          </p:cNvPr>
+          <p:cNvSpPr/>
+          <p:nvPr/>
+        </p:nvSpPr>
+        <p:spPr>
+          <a:xfrm>
+            <a:off x="1366127" y="3051600"/>
+            <a:ext cx="1978494" cy="814356"/>
+          </a:xfrm>
+          <a:prstGeom prst="rect">
+            <a:avLst/>
+          </a:prstGeom>
+          <a:noFill/>
+          <a:ln>
+            <a:solidFill>
+              <a:srgbClr val="FF0000"/>
+            </a:solidFill>
+          </a:ln>
+        </p:spPr>
+        <p:style>
+          <a:lnRef idx="2">
+            <a:schemeClr val="accent1">
+              <a:shade val="50000"/>
+            </a:schemeClr>
+          </a:lnRef>
+          <a:fillRef idx="1">
+            <a:schemeClr val="accent1"/>
+          </a:fillRef>
+          <a:effectRef idx="0">
+            <a:schemeClr val="accent1"/>
+          </a:effectRef>
+          <a:fontRef idx="minor">
+            <a:schemeClr val="lt1"/>
+          </a:fontRef>
+        </p:style>
+        <p:txBody>
+          <a:bodyPr rtlCol="0" anchor="ctr"/>
+          <a:lstStyle/>
+          <a:p>
+            <a:pPr algn="ctr"/>
+            <a:endParaRPr lang="en-US"/>
+          </a:p>
+        </p:txBody>
+      </p:sp>
+      <p:sp>
+        <p:nvSpPr>
+          <p:cNvPr id="148" name="Rectangle 147">
+            <a:extLst>
+              <a:ext uri="{FF2B5EF4-FFF2-40B4-BE49-F238E27FC236}">
+                <a16:creationId xmlns:a16="http://schemas.microsoft.com/office/drawing/2014/main" id="{39320E72-0006-1046-84E9-2661BB5CF149}"/>
+              </a:ext>
+            </a:extLst>
+          </p:cNvPr>
+          <p:cNvSpPr/>
+          <p:nvPr/>
+        </p:nvSpPr>
+        <p:spPr>
+          <a:xfrm>
+            <a:off x="3810139" y="996188"/>
+            <a:ext cx="1978494" cy="814356"/>
+          </a:xfrm>
+          <a:prstGeom prst="rect">
+            <a:avLst/>
+          </a:prstGeom>
+          <a:noFill/>
+          <a:ln>
+            <a:solidFill>
+              <a:srgbClr val="FFFF00"/>
+            </a:solidFill>
+          </a:ln>
+        </p:spPr>
+        <p:style>
+          <a:lnRef idx="2">
+            <a:schemeClr val="accent1">
+              <a:shade val="50000"/>
+            </a:schemeClr>
+          </a:lnRef>
+          <a:fillRef idx="1">
+            <a:schemeClr val="accent1"/>
+          </a:fillRef>
+          <a:effectRef idx="0">
+            <a:schemeClr val="accent1"/>
+          </a:effectRef>
+          <a:fontRef idx="minor">
+            <a:schemeClr val="lt1"/>
+          </a:fontRef>
+        </p:style>
+        <p:txBody>
+          <a:bodyPr rtlCol="0" anchor="ctr"/>
+          <a:lstStyle/>
+          <a:p>
+            <a:pPr algn="ctr"/>
+            <a:endParaRPr lang="en-US"/>
+          </a:p>
+        </p:txBody>
+      </p:sp>
+      <p:sp>
+        <p:nvSpPr>
+          <p:cNvPr id="149" name="Rectangle 148">
+            <a:extLst>
+              <a:ext uri="{FF2B5EF4-FFF2-40B4-BE49-F238E27FC236}">
+                <a16:creationId xmlns:a16="http://schemas.microsoft.com/office/drawing/2014/main" id="{FBCBC8E4-2242-7D4F-84BF-256B5AAA8872}"/>
+              </a:ext>
+            </a:extLst>
+          </p:cNvPr>
+          <p:cNvSpPr/>
+          <p:nvPr/>
+        </p:nvSpPr>
+        <p:spPr>
+          <a:xfrm>
+            <a:off x="6321626" y="988291"/>
+            <a:ext cx="1978494" cy="814356"/>
+          </a:xfrm>
+          <a:prstGeom prst="rect">
+            <a:avLst/>
+          </a:prstGeom>
+          <a:noFill/>
+          <a:ln>
+            <a:solidFill>
+              <a:srgbClr val="00B050"/>
+            </a:solidFill>
+          </a:ln>
+        </p:spPr>
+        <p:style>
+          <a:lnRef idx="2">
+            <a:schemeClr val="accent1">
+              <a:shade val="50000"/>
+            </a:schemeClr>
+          </a:lnRef>
+          <a:fillRef idx="1">
+            <a:schemeClr val="accent1"/>
+          </a:fillRef>
+          <a:effectRef idx="0">
+            <a:schemeClr val="accent1"/>
+          </a:effectRef>
+          <a:fontRef idx="minor">
+            <a:schemeClr val="lt1"/>
+          </a:fontRef>
+        </p:style>
+        <p:txBody>
+          <a:bodyPr rtlCol="0" anchor="ctr"/>
+          <a:lstStyle/>
+          <a:p>
+            <a:pPr algn="ctr"/>
+            <a:endParaRPr lang="en-US"/>
+          </a:p>
+        </p:txBody>
+      </p:sp>
+      <p:sp>
+        <p:nvSpPr>
+          <p:cNvPr id="150" name="Rectangle 149">
+            <a:extLst>
+              <a:ext uri="{FF2B5EF4-FFF2-40B4-BE49-F238E27FC236}">
+                <a16:creationId xmlns:a16="http://schemas.microsoft.com/office/drawing/2014/main" id="{CFBFC5C8-649A-2040-9ED7-C660C012C042}"/>
+              </a:ext>
+            </a:extLst>
+          </p:cNvPr>
+          <p:cNvSpPr/>
+          <p:nvPr/>
+        </p:nvSpPr>
+        <p:spPr>
+          <a:xfrm>
+            <a:off x="218414" y="2090073"/>
+            <a:ext cx="3283089" cy="638948"/>
+          </a:xfrm>
+          <a:prstGeom prst="rect">
+            <a:avLst/>
+          </a:prstGeom>
+          <a:solidFill>
+            <a:srgbClr val="00B0F0"/>
+          </a:solidFill>
+          <a:ln>
+            <a:solidFill>
+              <a:schemeClr val="bg1"/>
+            </a:solidFill>
+          </a:ln>
+        </p:spPr>
+        <p:style>
+          <a:lnRef idx="2">
+            <a:schemeClr val="accent1">
+              <a:shade val="50000"/>
+            </a:schemeClr>
+          </a:lnRef>
+          <a:fillRef idx="1">
+            <a:schemeClr val="accent1"/>
+          </a:fillRef>
+          <a:effectRef idx="0">
+            <a:schemeClr val="accent1"/>
+          </a:effectRef>
+          <a:fontRef idx="minor">
+            <a:schemeClr val="lt1"/>
+          </a:fontRef>
+        </p:style>
+        <p:txBody>
+          <a:bodyPr rtlCol="0" anchor="ctr"/>
+          <a:lstStyle/>
+          <a:p>
+            <a:pPr algn="ctr"/>
+            <a:endParaRPr lang="en-US"/>
+          </a:p>
+        </p:txBody>
+      </p:sp>
+      <p:sp>
+        <p:nvSpPr>
+          <p:cNvPr id="151" name="TextBox 150">
+            <a:extLst>
+              <a:ext uri="{FF2B5EF4-FFF2-40B4-BE49-F238E27FC236}">
+                <a16:creationId xmlns:a16="http://schemas.microsoft.com/office/drawing/2014/main" id="{4A21ECAE-9DD8-D645-A483-BFE4B24A09D9}"/>
+              </a:ext>
+            </a:extLst>
+          </p:cNvPr>
+          <p:cNvSpPr txBox="1"/>
+          <p:nvPr/>
+        </p:nvSpPr>
+        <p:spPr>
+          <a:xfrm>
+            <a:off x="679322" y="1696584"/>
+            <a:ext cx="2539157" cy="400110"/>
+          </a:xfrm>
+          <a:prstGeom prst="rect">
+            <a:avLst/>
+          </a:prstGeom>
+          <a:noFill/>
+        </p:spPr>
+        <p:txBody>
+          <a:bodyPr wrap="none" rtlCol="0">
+            <a:spAutoFit/>
+          </a:bodyPr>
+          <a:lstStyle/>
+          <a:p>
+            <a:r>
+              <a:rPr lang="en-US" sz="2000" b="1" dirty="0"/>
+              <a:t>Page Table Entry (PTE)</a:t>
+            </a:r>
+          </a:p>
+        </p:txBody>
+      </p:sp>
+      <p:sp>
+        <p:nvSpPr>
+          <p:cNvPr id="152" name="TextBox 151">
+            <a:extLst>
+              <a:ext uri="{FF2B5EF4-FFF2-40B4-BE49-F238E27FC236}">
+                <a16:creationId xmlns:a16="http://schemas.microsoft.com/office/drawing/2014/main" id="{0FDECF7A-3719-5D4F-B975-BD1FDDC793F8}"/>
+              </a:ext>
+            </a:extLst>
+          </p:cNvPr>
+          <p:cNvSpPr txBox="1"/>
+          <p:nvPr/>
+        </p:nvSpPr>
+        <p:spPr>
+          <a:xfrm>
+            <a:off x="70014" y="1787316"/>
+            <a:ext cx="418704" cy="369332"/>
+          </a:xfrm>
+          <a:prstGeom prst="rect">
+            <a:avLst/>
+          </a:prstGeom>
+          <a:noFill/>
+        </p:spPr>
+        <p:txBody>
+          <a:bodyPr wrap="none" rtlCol="0">
+            <a:spAutoFit/>
+          </a:bodyPr>
+          <a:lstStyle/>
+          <a:p>
+            <a:r>
+              <a:rPr lang="en-US" dirty="0"/>
+              <a:t>63</a:t>
+            </a:r>
+          </a:p>
+        </p:txBody>
+      </p:sp>
+      <p:sp>
+        <p:nvSpPr>
+          <p:cNvPr id="153" name="TextBox 152">
+            <a:extLst>
+              <a:ext uri="{FF2B5EF4-FFF2-40B4-BE49-F238E27FC236}">
+                <a16:creationId xmlns:a16="http://schemas.microsoft.com/office/drawing/2014/main" id="{019A84FB-668B-5649-9758-5F21AD382FC5}"/>
+              </a:ext>
+            </a:extLst>
+          </p:cNvPr>
+          <p:cNvSpPr txBox="1"/>
+          <p:nvPr/>
+        </p:nvSpPr>
+        <p:spPr>
+          <a:xfrm>
+            <a:off x="3268254" y="1800417"/>
+            <a:ext cx="301686" cy="369332"/>
+          </a:xfrm>
+          <a:prstGeom prst="rect">
+            <a:avLst/>
+          </a:prstGeom>
+          <a:noFill/>
+        </p:spPr>
+        <p:txBody>
+          <a:bodyPr wrap="none" rtlCol="0">
+            <a:spAutoFit/>
+          </a:bodyPr>
+          <a:lstStyle/>
+          <a:p>
+            <a:r>
+              <a:rPr lang="en-US" dirty="0"/>
+              <a:t>0</a:t>
+            </a:r>
+          </a:p>
+        </p:txBody>
+      </p:sp>
+      <p:sp>
+        <p:nvSpPr>
+          <p:cNvPr id="154" name="Rectangle 153">
+            <a:extLst>
+              <a:ext uri="{FF2B5EF4-FFF2-40B4-BE49-F238E27FC236}">
+                <a16:creationId xmlns:a16="http://schemas.microsoft.com/office/drawing/2014/main" id="{A552B298-66A8-4648-94C0-B1C0D6492BDC}"/>
+              </a:ext>
+            </a:extLst>
+          </p:cNvPr>
+          <p:cNvSpPr/>
+          <p:nvPr/>
+        </p:nvSpPr>
+        <p:spPr>
+          <a:xfrm>
+            <a:off x="224548" y="2099833"/>
+            <a:ext cx="774329" cy="626049"/>
+          </a:xfrm>
+          <a:prstGeom prst="rect">
+            <a:avLst/>
+          </a:prstGeom>
+          <a:solidFill>
+            <a:schemeClr val="tx1"/>
+          </a:solidFill>
+          <a:ln>
+            <a:solidFill>
+              <a:schemeClr val="bg1"/>
+            </a:solidFill>
+          </a:ln>
+        </p:spPr>
+        <p:style>
+          <a:lnRef idx="2">
+            <a:schemeClr val="accent1">
+              <a:shade val="50000"/>
+            </a:schemeClr>
+          </a:lnRef>
+          <a:fillRef idx="1">
+            <a:schemeClr val="accent1"/>
+          </a:fillRef>
+          <a:effectRef idx="0">
+            <a:schemeClr val="accent1"/>
+          </a:effectRef>
+          <a:fontRef idx="minor">
+            <a:schemeClr val="lt1"/>
+          </a:fontRef>
+        </p:style>
+        <p:txBody>
+          <a:bodyPr rtlCol="0" anchor="ctr"/>
+          <a:lstStyle/>
+          <a:p>
+            <a:pPr algn="ctr"/>
+            <a:r>
+              <a:rPr lang="en-US" sz="1400" b="1" dirty="0">
+                <a:solidFill>
+                  <a:schemeClr val="bg1"/>
+                </a:solidFill>
+              </a:rPr>
+              <a:t>Unused</a:t>
+            </a:r>
+          </a:p>
+          <a:p>
+            <a:pPr algn="ctr"/>
+            <a:r>
+              <a:rPr lang="en-US" sz="1200" b="1" dirty="0">
+                <a:solidFill>
+                  <a:schemeClr val="bg1"/>
+                </a:solidFill>
+              </a:rPr>
+              <a:t>10bits</a:t>
+            </a:r>
+          </a:p>
+        </p:txBody>
+      </p:sp>
+      <p:sp>
+        <p:nvSpPr>
+          <p:cNvPr id="155" name="Rectangle 154">
+            <a:extLst>
+              <a:ext uri="{FF2B5EF4-FFF2-40B4-BE49-F238E27FC236}">
+                <a16:creationId xmlns:a16="http://schemas.microsoft.com/office/drawing/2014/main" id="{777EDA8D-403B-BC41-9ADB-9B81FE449600}"/>
+              </a:ext>
+            </a:extLst>
+          </p:cNvPr>
+          <p:cNvSpPr/>
+          <p:nvPr/>
+        </p:nvSpPr>
+        <p:spPr>
+          <a:xfrm>
+            <a:off x="1063304" y="2092770"/>
+            <a:ext cx="1571478" cy="626049"/>
+          </a:xfrm>
+          <a:prstGeom prst="rect">
+            <a:avLst/>
+          </a:prstGeom>
+          <a:solidFill>
+            <a:srgbClr val="00B0F0"/>
+          </a:solidFill>
+          <a:ln>
+            <a:solidFill>
+              <a:schemeClr val="bg1"/>
+            </a:solidFill>
+          </a:ln>
+        </p:spPr>
+        <p:style>
+          <a:lnRef idx="2">
+            <a:schemeClr val="accent1">
+              <a:shade val="50000"/>
+            </a:schemeClr>
+          </a:lnRef>
+          <a:fillRef idx="1">
+            <a:schemeClr val="accent1"/>
+          </a:fillRef>
+          <a:effectRef idx="0">
+            <a:schemeClr val="accent1"/>
+          </a:effectRef>
+          <a:fontRef idx="minor">
+            <a:schemeClr val="lt1"/>
+          </a:fontRef>
+        </p:style>
+        <p:txBody>
+          <a:bodyPr rtlCol="0" anchor="ctr"/>
+          <a:lstStyle/>
+          <a:p>
+            <a:pPr algn="ctr"/>
+            <a:r>
+              <a:rPr lang="en-US" sz="1100" b="1" dirty="0">
+                <a:solidFill>
+                  <a:schemeClr val="bg1"/>
+                </a:solidFill>
+              </a:rPr>
+              <a:t>Physical Page Number</a:t>
+            </a:r>
+          </a:p>
+          <a:p>
+            <a:pPr algn="ctr"/>
+            <a:r>
+              <a:rPr lang="en-US" sz="1200" b="1" dirty="0">
+                <a:solidFill>
+                  <a:schemeClr val="bg1"/>
+                </a:solidFill>
+              </a:rPr>
+              <a:t>44bits</a:t>
+            </a:r>
+          </a:p>
+        </p:txBody>
+      </p:sp>
+      <p:sp>
+        <p:nvSpPr>
+          <p:cNvPr id="156" name="Rectangle 155">
+            <a:extLst>
+              <a:ext uri="{FF2B5EF4-FFF2-40B4-BE49-F238E27FC236}">
+                <a16:creationId xmlns:a16="http://schemas.microsoft.com/office/drawing/2014/main" id="{C83B18E5-9E78-704B-9DC1-252A68CF391E}"/>
+              </a:ext>
+            </a:extLst>
+          </p:cNvPr>
+          <p:cNvSpPr/>
+          <p:nvPr/>
+        </p:nvSpPr>
+        <p:spPr>
+          <a:xfrm>
+            <a:off x="2700508" y="2100966"/>
+            <a:ext cx="791031" cy="626049"/>
+          </a:xfrm>
+          <a:prstGeom prst="rect">
+            <a:avLst/>
+          </a:prstGeom>
+          <a:solidFill>
+            <a:schemeClr val="tx1"/>
+          </a:solidFill>
+          <a:ln>
+            <a:solidFill>
+              <a:schemeClr val="bg1"/>
+            </a:solidFill>
+          </a:ln>
+        </p:spPr>
+        <p:style>
+          <a:lnRef idx="2">
+            <a:schemeClr val="accent1">
+              <a:shade val="50000"/>
+            </a:schemeClr>
+          </a:lnRef>
+          <a:fillRef idx="1">
+            <a:schemeClr val="accent1"/>
+          </a:fillRef>
+          <a:effectRef idx="0">
+            <a:schemeClr val="accent1"/>
+          </a:effectRef>
+          <a:fontRef idx="minor">
+            <a:schemeClr val="lt1"/>
+          </a:fontRef>
+        </p:style>
+        <p:txBody>
+          <a:bodyPr rtlCol="0" anchor="ctr"/>
+          <a:lstStyle/>
+          <a:p>
+            <a:pPr algn="ctr"/>
+            <a:r>
+              <a:rPr lang="en-US" b="1" dirty="0">
+                <a:solidFill>
+                  <a:schemeClr val="bg1"/>
+                </a:solidFill>
+              </a:rPr>
+              <a:t>Flags</a:t>
+            </a:r>
+          </a:p>
+          <a:p>
+            <a:pPr algn="ctr"/>
+            <a:r>
+              <a:rPr lang="en-US" sz="1200" b="1" dirty="0">
+                <a:solidFill>
+                  <a:schemeClr val="bg1"/>
+                </a:solidFill>
+              </a:rPr>
+              <a:t>10bits</a:t>
+            </a:r>
+          </a:p>
+        </p:txBody>
+      </p:sp>
+      <p:sp>
+        <p:nvSpPr>
+          <p:cNvPr id="166" name="Rectangle 165">
+            <a:extLst>
+              <a:ext uri="{FF2B5EF4-FFF2-40B4-BE49-F238E27FC236}">
+                <a16:creationId xmlns:a16="http://schemas.microsoft.com/office/drawing/2014/main" id="{4D42B49B-91A5-CB42-94CD-62C8A398CEE6}"/>
+              </a:ext>
+            </a:extLst>
+          </p:cNvPr>
+          <p:cNvSpPr/>
+          <p:nvPr/>
+        </p:nvSpPr>
+        <p:spPr>
+          <a:xfrm>
+            <a:off x="8590995" y="760428"/>
+            <a:ext cx="3283089" cy="638948"/>
+          </a:xfrm>
+          <a:prstGeom prst="rect">
+            <a:avLst/>
+          </a:prstGeom>
+          <a:solidFill>
+            <a:srgbClr val="00B0F0"/>
+          </a:solidFill>
+          <a:ln>
+            <a:solidFill>
+              <a:schemeClr val="bg1"/>
+            </a:solidFill>
+          </a:ln>
+        </p:spPr>
+        <p:style>
+          <a:lnRef idx="2">
+            <a:schemeClr val="accent1">
+              <a:shade val="50000"/>
+            </a:schemeClr>
+          </a:lnRef>
+          <a:fillRef idx="1">
+            <a:schemeClr val="accent1"/>
+          </a:fillRef>
+          <a:effectRef idx="0">
+            <a:schemeClr val="accent1"/>
+          </a:effectRef>
+          <a:fontRef idx="minor">
+            <a:schemeClr val="lt1"/>
+          </a:fontRef>
+        </p:style>
+        <p:txBody>
+          <a:bodyPr rtlCol="0" anchor="ctr"/>
+          <a:lstStyle/>
+          <a:p>
+            <a:pPr algn="ctr"/>
+            <a:endParaRPr lang="en-US"/>
+          </a:p>
+        </p:txBody>
+      </p:sp>
+      <p:sp>
+        <p:nvSpPr>
+          <p:cNvPr id="167" name="TextBox 166">
+            <a:extLst>
+              <a:ext uri="{FF2B5EF4-FFF2-40B4-BE49-F238E27FC236}">
+                <a16:creationId xmlns:a16="http://schemas.microsoft.com/office/drawing/2014/main" id="{A08D395C-FD65-C34C-AF6C-6B9D1E1EB7E2}"/>
+              </a:ext>
+            </a:extLst>
+          </p:cNvPr>
+          <p:cNvSpPr txBox="1"/>
+          <p:nvPr/>
+        </p:nvSpPr>
+        <p:spPr>
+          <a:xfrm>
+            <a:off x="9357990" y="366939"/>
+            <a:ext cx="1947008" cy="400110"/>
+          </a:xfrm>
+          <a:prstGeom prst="rect">
+            <a:avLst/>
+          </a:prstGeom>
+          <a:noFill/>
+        </p:spPr>
+        <p:txBody>
+          <a:bodyPr wrap="none" rtlCol="0">
+            <a:spAutoFit/>
+          </a:bodyPr>
+          <a:lstStyle/>
+          <a:p>
+            <a:r>
+              <a:rPr lang="en-US" sz="2000" b="1" dirty="0"/>
+              <a:t>Physical Address</a:t>
+            </a:r>
+          </a:p>
+        </p:txBody>
+      </p:sp>
+      <p:sp>
+        <p:nvSpPr>
+          <p:cNvPr id="168" name="TextBox 167">
+            <a:extLst>
+              <a:ext uri="{FF2B5EF4-FFF2-40B4-BE49-F238E27FC236}">
+                <a16:creationId xmlns:a16="http://schemas.microsoft.com/office/drawing/2014/main" id="{8DB7F646-177B-3547-8188-B19E8F6B6F16}"/>
+              </a:ext>
+            </a:extLst>
+          </p:cNvPr>
+          <p:cNvSpPr txBox="1"/>
+          <p:nvPr/>
+        </p:nvSpPr>
+        <p:spPr>
+          <a:xfrm>
+            <a:off x="11640835" y="470772"/>
+            <a:ext cx="301686" cy="369332"/>
+          </a:xfrm>
+          <a:prstGeom prst="rect">
+            <a:avLst/>
+          </a:prstGeom>
+          <a:noFill/>
+        </p:spPr>
+        <p:txBody>
+          <a:bodyPr wrap="none" rtlCol="0">
+            <a:spAutoFit/>
+          </a:bodyPr>
+          <a:lstStyle/>
+          <a:p>
+            <a:r>
+              <a:rPr lang="en-US" dirty="0"/>
+              <a:t>0</a:t>
+            </a:r>
+          </a:p>
+        </p:txBody>
+      </p:sp>
+      <p:sp>
+        <p:nvSpPr>
+          <p:cNvPr id="169" name="Rectangle 168">
+            <a:extLst>
+              <a:ext uri="{FF2B5EF4-FFF2-40B4-BE49-F238E27FC236}">
+                <a16:creationId xmlns:a16="http://schemas.microsoft.com/office/drawing/2014/main" id="{679E929B-B557-4244-84E2-DA48975B0E52}"/>
+              </a:ext>
+            </a:extLst>
+          </p:cNvPr>
+          <p:cNvSpPr/>
+          <p:nvPr/>
+        </p:nvSpPr>
+        <p:spPr>
+          <a:xfrm>
+            <a:off x="8597129" y="770188"/>
+            <a:ext cx="760861" cy="626049"/>
+          </a:xfrm>
+          <a:prstGeom prst="rect">
+            <a:avLst/>
+          </a:prstGeom>
+          <a:solidFill>
+            <a:schemeClr val="tx1"/>
+          </a:solidFill>
+          <a:ln>
+            <a:solidFill>
+              <a:schemeClr val="bg1"/>
+            </a:solidFill>
+          </a:ln>
+        </p:spPr>
+        <p:style>
+          <a:lnRef idx="2">
+            <a:schemeClr val="accent1">
+              <a:shade val="50000"/>
+            </a:schemeClr>
+          </a:lnRef>
+          <a:fillRef idx="1">
+            <a:schemeClr val="accent1"/>
+          </a:fillRef>
+          <a:effectRef idx="0">
+            <a:schemeClr val="accent1"/>
+          </a:effectRef>
+          <a:fontRef idx="minor">
+            <a:schemeClr val="lt1"/>
+          </a:fontRef>
+        </p:style>
+        <p:txBody>
+          <a:bodyPr rtlCol="0" anchor="ctr"/>
+          <a:lstStyle/>
+          <a:p>
+            <a:pPr algn="ctr"/>
+            <a:r>
+              <a:rPr lang="en-US" sz="1400" b="1" dirty="0">
+                <a:solidFill>
+                  <a:schemeClr val="bg1"/>
+                </a:solidFill>
+              </a:rPr>
+              <a:t>Unused</a:t>
+            </a:r>
+          </a:p>
+          <a:p>
+            <a:pPr algn="ctr"/>
+            <a:r>
+              <a:rPr lang="en-US" sz="1200" b="1" dirty="0">
+                <a:solidFill>
+                  <a:schemeClr val="bg1"/>
+                </a:solidFill>
+              </a:rPr>
+              <a:t>8bits</a:t>
+            </a:r>
+          </a:p>
+        </p:txBody>
+      </p:sp>
+      <p:sp>
+        <p:nvSpPr>
+          <p:cNvPr id="170" name="Rectangle 169">
+            <a:extLst>
+              <a:ext uri="{FF2B5EF4-FFF2-40B4-BE49-F238E27FC236}">
+                <a16:creationId xmlns:a16="http://schemas.microsoft.com/office/drawing/2014/main" id="{66604209-B26B-6847-B0E1-55842415ED0D}"/>
+              </a:ext>
+            </a:extLst>
+          </p:cNvPr>
+          <p:cNvSpPr/>
+          <p:nvPr/>
+        </p:nvSpPr>
+        <p:spPr>
+          <a:xfrm>
+            <a:off x="9405183" y="761800"/>
+            <a:ext cx="1489901" cy="626049"/>
+          </a:xfrm>
+          <a:prstGeom prst="rect">
+            <a:avLst/>
+          </a:prstGeom>
+          <a:solidFill>
+            <a:srgbClr val="00B0F0"/>
+          </a:solidFill>
+          <a:ln>
+            <a:solidFill>
+              <a:schemeClr val="bg1"/>
+            </a:solidFill>
+          </a:ln>
+        </p:spPr>
+        <p:style>
+          <a:lnRef idx="2">
+            <a:schemeClr val="accent1">
+              <a:shade val="50000"/>
+            </a:schemeClr>
+          </a:lnRef>
+          <a:fillRef idx="1">
+            <a:schemeClr val="accent1"/>
+          </a:fillRef>
+          <a:effectRef idx="0">
+            <a:schemeClr val="accent1"/>
+          </a:effectRef>
+          <a:fontRef idx="minor">
+            <a:schemeClr val="lt1"/>
+          </a:fontRef>
+        </p:style>
+        <p:txBody>
+          <a:bodyPr rtlCol="0" anchor="ctr"/>
+          <a:lstStyle/>
+          <a:p>
+            <a:pPr algn="ctr"/>
+            <a:r>
+              <a:rPr lang="en-US" sz="1100" b="1" dirty="0">
+                <a:solidFill>
+                  <a:schemeClr val="bg1"/>
+                </a:solidFill>
+              </a:rPr>
+              <a:t>Level-0 pgtbl</a:t>
+            </a:r>
+          </a:p>
+          <a:p>
+            <a:pPr algn="ctr"/>
+            <a:r>
+              <a:rPr lang="en-US" sz="1100" b="1" dirty="0">
+                <a:solidFill>
+                  <a:schemeClr val="bg1"/>
+                </a:solidFill>
+              </a:rPr>
+              <a:t>Physical Page Number</a:t>
+            </a:r>
+          </a:p>
+          <a:p>
+            <a:pPr algn="ctr"/>
+            <a:r>
+              <a:rPr lang="en-US" sz="1200" b="1" dirty="0">
+                <a:solidFill>
+                  <a:schemeClr val="bg1"/>
+                </a:solidFill>
+              </a:rPr>
+              <a:t>44bits</a:t>
+            </a:r>
+          </a:p>
+        </p:txBody>
+      </p:sp>
+      <p:sp>
+        <p:nvSpPr>
+          <p:cNvPr id="171" name="Rectangle 170">
+            <a:extLst>
+              <a:ext uri="{FF2B5EF4-FFF2-40B4-BE49-F238E27FC236}">
+                <a16:creationId xmlns:a16="http://schemas.microsoft.com/office/drawing/2014/main" id="{A06A0395-D010-9148-AA20-1CC46A442B57}"/>
+              </a:ext>
+            </a:extLst>
+          </p:cNvPr>
+          <p:cNvSpPr/>
+          <p:nvPr/>
+        </p:nvSpPr>
+        <p:spPr>
+          <a:xfrm>
+            <a:off x="10942277" y="760008"/>
+            <a:ext cx="931807" cy="626049"/>
+          </a:xfrm>
+          <a:prstGeom prst="rect">
+            <a:avLst/>
+          </a:prstGeom>
+          <a:solidFill>
+            <a:schemeClr val="accent3"/>
+          </a:solidFill>
+          <a:ln>
+            <a:solidFill>
+              <a:schemeClr val="bg1"/>
+            </a:solidFill>
+          </a:ln>
+        </p:spPr>
+        <p:style>
+          <a:lnRef idx="2">
+            <a:schemeClr val="accent1">
+              <a:shade val="50000"/>
+            </a:schemeClr>
+          </a:lnRef>
+          <a:fillRef idx="1">
+            <a:schemeClr val="accent1"/>
+          </a:fillRef>
+          <a:effectRef idx="0">
+            <a:schemeClr val="accent1"/>
+          </a:effectRef>
+          <a:fontRef idx="minor">
+            <a:schemeClr val="lt1"/>
+          </a:fontRef>
+        </p:style>
+        <p:txBody>
+          <a:bodyPr rtlCol="0" anchor="ctr"/>
+          <a:lstStyle/>
+          <a:p>
+            <a:pPr algn="ctr"/>
+            <a:r>
+              <a:rPr lang="en-US" sz="1400" b="1" dirty="0">
+                <a:solidFill>
+                  <a:schemeClr val="bg1"/>
+                </a:solidFill>
+              </a:rPr>
+              <a:t>Offset</a:t>
+            </a:r>
+          </a:p>
+          <a:p>
+            <a:pPr algn="ctr"/>
+            <a:r>
+              <a:rPr lang="en-US" sz="1200" b="1" dirty="0">
+                <a:solidFill>
+                  <a:schemeClr val="bg1"/>
+                </a:solidFill>
+              </a:rPr>
+              <a:t>12bits</a:t>
+            </a:r>
+          </a:p>
+        </p:txBody>
+      </p:sp>
+      <p:sp>
+        <p:nvSpPr>
+          <p:cNvPr id="172" name="TextBox 171">
+            <a:extLst>
+              <a:ext uri="{FF2B5EF4-FFF2-40B4-BE49-F238E27FC236}">
+                <a16:creationId xmlns:a16="http://schemas.microsoft.com/office/drawing/2014/main" id="{120D00CE-BCCC-5E41-B81C-D6A03BF76B62}"/>
+              </a:ext>
+            </a:extLst>
+          </p:cNvPr>
+          <p:cNvSpPr txBox="1"/>
+          <p:nvPr/>
+        </p:nvSpPr>
+        <p:spPr>
+          <a:xfrm>
+            <a:off x="8425521" y="470772"/>
+            <a:ext cx="418704" cy="369332"/>
+          </a:xfrm>
+          <a:prstGeom prst="rect">
+            <a:avLst/>
+          </a:prstGeom>
+          <a:noFill/>
+        </p:spPr>
+        <p:txBody>
+          <a:bodyPr wrap="none" rtlCol="0">
+            <a:spAutoFit/>
+          </a:bodyPr>
+          <a:lstStyle/>
+          <a:p>
+            <a:r>
+              <a:rPr lang="en-US" dirty="0"/>
+              <a:t>63</a:t>
             </a:r>
           </a:p>
         </p:txBody>
@@ -14463,7 +20233,7 @@
     </p:spTree>
     <p:extLst>
       <p:ext uri="{BB962C8B-B14F-4D97-AF65-F5344CB8AC3E}">
-        <p14:creationId xmlns:p14="http://schemas.microsoft.com/office/powerpoint/2010/main" val="1486785735"/>
+        <p14:creationId xmlns:p14="http://schemas.microsoft.com/office/powerpoint/2010/main" val="1668788463"/>
       </p:ext>
     </p:extLst>
   </p:cSld>

--- a/docs/figures/os1.pptx
+++ b/docs/figures/os1.pptx
@@ -5,7 +5,7 @@
     <p:sldMasterId id="2147483648" r:id="rId1"/>
   </p:sldMasterIdLst>
   <p:notesMasterIdLst>
-    <p:notesMasterId r:id="rId9"/>
+    <p:notesMasterId r:id="rId12"/>
   </p:notesMasterIdLst>
   <p:sldIdLst>
     <p:sldId id="331" r:id="rId2"/>
@@ -15,6 +15,9 @@
     <p:sldId id="332" r:id="rId6"/>
     <p:sldId id="333" r:id="rId7"/>
     <p:sldId id="339" r:id="rId8"/>
+    <p:sldId id="341" r:id="rId9"/>
+    <p:sldId id="342" r:id="rId10"/>
+    <p:sldId id="343" r:id="rId11"/>
   </p:sldIdLst>
   <p:sldSz cx="12192000" cy="6858000"/>
   <p:notesSz cx="6858000" cy="9144000"/>
@@ -555,6 +558,90 @@
 </p:notes>
 </file>
 
+<file path=ppt/notesSlides/notesSlide10.xml><?xml version="1.0" encoding="utf-8"?>
+<p:notes xmlns:a="http://schemas.openxmlformats.org/drawingml/2006/main" xmlns:r="http://schemas.openxmlformats.org/officeDocument/2006/relationships" xmlns:p="http://schemas.openxmlformats.org/presentationml/2006/main">
+  <p:cSld>
+    <p:spTree>
+      <p:nvGrpSpPr>
+        <p:cNvPr id="1" name=""/>
+        <p:cNvGrpSpPr/>
+        <p:nvPr/>
+      </p:nvGrpSpPr>
+      <p:grpSpPr>
+        <a:xfrm>
+          <a:off x="0" y="0"/>
+          <a:ext cx="0" cy="0"/>
+          <a:chOff x="0" y="0"/>
+          <a:chExt cx="0" cy="0"/>
+        </a:xfrm>
+      </p:grpSpPr>
+      <p:sp>
+        <p:nvSpPr>
+          <p:cNvPr id="2" name="Slide Image Placeholder 1"/>
+          <p:cNvSpPr>
+            <a:spLocks noGrp="1" noRot="1" noChangeAspect="1"/>
+          </p:cNvSpPr>
+          <p:nvPr>
+            <p:ph type="sldImg"/>
+          </p:nvPr>
+        </p:nvSpPr>
+        <p:spPr/>
+      </p:sp>
+      <p:sp>
+        <p:nvSpPr>
+          <p:cNvPr id="3" name="Notes Placeholder 2"/>
+          <p:cNvSpPr>
+            <a:spLocks noGrp="1"/>
+          </p:cNvSpPr>
+          <p:nvPr>
+            <p:ph type="body" idx="1"/>
+          </p:nvPr>
+        </p:nvSpPr>
+        <p:spPr/>
+        <p:txBody>
+          <a:bodyPr/>
+          <a:lstStyle/>
+          <a:p>
+            <a:endParaRPr lang="en-US" dirty="0"/>
+          </a:p>
+        </p:txBody>
+      </p:sp>
+      <p:sp>
+        <p:nvSpPr>
+          <p:cNvPr id="4" name="Slide Number Placeholder 3"/>
+          <p:cNvSpPr>
+            <a:spLocks noGrp="1"/>
+          </p:cNvSpPr>
+          <p:nvPr>
+            <p:ph type="sldNum" sz="quarter" idx="5"/>
+          </p:nvPr>
+        </p:nvSpPr>
+        <p:spPr/>
+        <p:txBody>
+          <a:bodyPr/>
+          <a:lstStyle/>
+          <a:p>
+            <a:fld id="{997274CE-51E2-314F-8544-5E91EE33A09F}" type="slidenum">
+              <a:rPr lang="en-US" smtClean="0"/>
+              <a:t>10</a:t>
+            </a:fld>
+            <a:endParaRPr lang="en-US"/>
+          </a:p>
+        </p:txBody>
+      </p:sp>
+    </p:spTree>
+    <p:extLst>
+      <p:ext uri="{BB962C8B-B14F-4D97-AF65-F5344CB8AC3E}">
+        <p14:creationId xmlns:p14="http://schemas.microsoft.com/office/powerpoint/2010/main" val="84568496"/>
+      </p:ext>
+    </p:extLst>
+  </p:cSld>
+  <p:clrMapOvr>
+    <a:masterClrMapping/>
+  </p:clrMapOvr>
+</p:notes>
+</file>
+
 <file path=ppt/notesSlides/notesSlide2.xml><?xml version="1.0" encoding="utf-8"?>
 <p:notes xmlns:a="http://schemas.openxmlformats.org/drawingml/2006/main" xmlns:r="http://schemas.openxmlformats.org/officeDocument/2006/relationships" xmlns:p="http://schemas.openxmlformats.org/presentationml/2006/main">
   <p:cSld>
@@ -1050,6 +1137,174 @@
     <p:extLst>
       <p:ext uri="{BB962C8B-B14F-4D97-AF65-F5344CB8AC3E}">
         <p14:creationId xmlns:p14="http://schemas.microsoft.com/office/powerpoint/2010/main" val="1216548869"/>
+      </p:ext>
+    </p:extLst>
+  </p:cSld>
+  <p:clrMapOvr>
+    <a:masterClrMapping/>
+  </p:clrMapOvr>
+</p:notes>
+</file>
+
+<file path=ppt/notesSlides/notesSlide8.xml><?xml version="1.0" encoding="utf-8"?>
+<p:notes xmlns:a="http://schemas.openxmlformats.org/drawingml/2006/main" xmlns:r="http://schemas.openxmlformats.org/officeDocument/2006/relationships" xmlns:p="http://schemas.openxmlformats.org/presentationml/2006/main">
+  <p:cSld>
+    <p:spTree>
+      <p:nvGrpSpPr>
+        <p:cNvPr id="1" name=""/>
+        <p:cNvGrpSpPr/>
+        <p:nvPr/>
+      </p:nvGrpSpPr>
+      <p:grpSpPr>
+        <a:xfrm>
+          <a:off x="0" y="0"/>
+          <a:ext cx="0" cy="0"/>
+          <a:chOff x="0" y="0"/>
+          <a:chExt cx="0" cy="0"/>
+        </a:xfrm>
+      </p:grpSpPr>
+      <p:sp>
+        <p:nvSpPr>
+          <p:cNvPr id="2" name="Slide Image Placeholder 1"/>
+          <p:cNvSpPr>
+            <a:spLocks noGrp="1" noRot="1" noChangeAspect="1"/>
+          </p:cNvSpPr>
+          <p:nvPr>
+            <p:ph type="sldImg"/>
+          </p:nvPr>
+        </p:nvSpPr>
+        <p:spPr/>
+      </p:sp>
+      <p:sp>
+        <p:nvSpPr>
+          <p:cNvPr id="3" name="Notes Placeholder 2"/>
+          <p:cNvSpPr>
+            <a:spLocks noGrp="1"/>
+          </p:cNvSpPr>
+          <p:nvPr>
+            <p:ph type="body" idx="1"/>
+          </p:nvPr>
+        </p:nvSpPr>
+        <p:spPr/>
+        <p:txBody>
+          <a:bodyPr/>
+          <a:lstStyle/>
+          <a:p>
+            <a:endParaRPr lang="en-US" dirty="0"/>
+          </a:p>
+        </p:txBody>
+      </p:sp>
+      <p:sp>
+        <p:nvSpPr>
+          <p:cNvPr id="4" name="Slide Number Placeholder 3"/>
+          <p:cNvSpPr>
+            <a:spLocks noGrp="1"/>
+          </p:cNvSpPr>
+          <p:nvPr>
+            <p:ph type="sldNum" sz="quarter" idx="5"/>
+          </p:nvPr>
+        </p:nvSpPr>
+        <p:spPr/>
+        <p:txBody>
+          <a:bodyPr/>
+          <a:lstStyle/>
+          <a:p>
+            <a:fld id="{997274CE-51E2-314F-8544-5E91EE33A09F}" type="slidenum">
+              <a:rPr lang="en-US" smtClean="0"/>
+              <a:t>8</a:t>
+            </a:fld>
+            <a:endParaRPr lang="en-US"/>
+          </a:p>
+        </p:txBody>
+      </p:sp>
+    </p:spTree>
+    <p:extLst>
+      <p:ext uri="{BB962C8B-B14F-4D97-AF65-F5344CB8AC3E}">
+        <p14:creationId xmlns:p14="http://schemas.microsoft.com/office/powerpoint/2010/main" val="3530553597"/>
+      </p:ext>
+    </p:extLst>
+  </p:cSld>
+  <p:clrMapOvr>
+    <a:masterClrMapping/>
+  </p:clrMapOvr>
+</p:notes>
+</file>
+
+<file path=ppt/notesSlides/notesSlide9.xml><?xml version="1.0" encoding="utf-8"?>
+<p:notes xmlns:a="http://schemas.openxmlformats.org/drawingml/2006/main" xmlns:r="http://schemas.openxmlformats.org/officeDocument/2006/relationships" xmlns:p="http://schemas.openxmlformats.org/presentationml/2006/main">
+  <p:cSld>
+    <p:spTree>
+      <p:nvGrpSpPr>
+        <p:cNvPr id="1" name=""/>
+        <p:cNvGrpSpPr/>
+        <p:nvPr/>
+      </p:nvGrpSpPr>
+      <p:grpSpPr>
+        <a:xfrm>
+          <a:off x="0" y="0"/>
+          <a:ext cx="0" cy="0"/>
+          <a:chOff x="0" y="0"/>
+          <a:chExt cx="0" cy="0"/>
+        </a:xfrm>
+      </p:grpSpPr>
+      <p:sp>
+        <p:nvSpPr>
+          <p:cNvPr id="2" name="Slide Image Placeholder 1"/>
+          <p:cNvSpPr>
+            <a:spLocks noGrp="1" noRot="1" noChangeAspect="1"/>
+          </p:cNvSpPr>
+          <p:nvPr>
+            <p:ph type="sldImg"/>
+          </p:nvPr>
+        </p:nvSpPr>
+        <p:spPr/>
+      </p:sp>
+      <p:sp>
+        <p:nvSpPr>
+          <p:cNvPr id="3" name="Notes Placeholder 2"/>
+          <p:cNvSpPr>
+            <a:spLocks noGrp="1"/>
+          </p:cNvSpPr>
+          <p:nvPr>
+            <p:ph type="body" idx="1"/>
+          </p:nvPr>
+        </p:nvSpPr>
+        <p:spPr/>
+        <p:txBody>
+          <a:bodyPr/>
+          <a:lstStyle/>
+          <a:p>
+            <a:endParaRPr lang="en-US" dirty="0"/>
+          </a:p>
+        </p:txBody>
+      </p:sp>
+      <p:sp>
+        <p:nvSpPr>
+          <p:cNvPr id="4" name="Slide Number Placeholder 3"/>
+          <p:cNvSpPr>
+            <a:spLocks noGrp="1"/>
+          </p:cNvSpPr>
+          <p:nvPr>
+            <p:ph type="sldNum" sz="quarter" idx="5"/>
+          </p:nvPr>
+        </p:nvSpPr>
+        <p:spPr/>
+        <p:txBody>
+          <a:bodyPr/>
+          <a:lstStyle/>
+          <a:p>
+            <a:fld id="{997274CE-51E2-314F-8544-5E91EE33A09F}" type="slidenum">
+              <a:rPr lang="en-US" smtClean="0"/>
+              <a:t>9</a:t>
+            </a:fld>
+            <a:endParaRPr lang="en-US"/>
+          </a:p>
+        </p:txBody>
+      </p:sp>
+    </p:spTree>
+    <p:extLst>
+      <p:ext uri="{BB962C8B-B14F-4D97-AF65-F5344CB8AC3E}">
+        <p14:creationId xmlns:p14="http://schemas.microsoft.com/office/powerpoint/2010/main" val="1648110788"/>
       </p:ext>
     </p:extLst>
   </p:cSld>
@@ -5798,6 +6053,79 @@
 </p:sld>
 </file>
 
+<file path=ppt/slides/slide10.xml><?xml version="1.0" encoding="utf-8"?>
+<p:sld xmlns:a="http://schemas.openxmlformats.org/drawingml/2006/main" xmlns:r="http://schemas.openxmlformats.org/officeDocument/2006/relationships" xmlns:p="http://schemas.openxmlformats.org/presentationml/2006/main">
+  <p:cSld>
+    <p:spTree>
+      <p:nvGrpSpPr>
+        <p:cNvPr id="1" name=""/>
+        <p:cNvGrpSpPr/>
+        <p:nvPr/>
+      </p:nvGrpSpPr>
+      <p:grpSpPr>
+        <a:xfrm>
+          <a:off x="0" y="0"/>
+          <a:ext cx="0" cy="0"/>
+          <a:chOff x="0" y="0"/>
+          <a:chExt cx="0" cy="0"/>
+        </a:xfrm>
+      </p:grpSpPr>
+      <p:sp>
+        <p:nvSpPr>
+          <p:cNvPr id="2" name="TextBox 1">
+            <a:extLst>
+              <a:ext uri="{FF2B5EF4-FFF2-40B4-BE49-F238E27FC236}">
+                <a16:creationId xmlns:a16="http://schemas.microsoft.com/office/drawing/2014/main" id="{A99980E2-A3A9-FD4A-9011-9A37E88F5891}"/>
+              </a:ext>
+            </a:extLst>
+          </p:cNvPr>
+          <p:cNvSpPr txBox="1"/>
+          <p:nvPr/>
+        </p:nvSpPr>
+        <p:spPr>
+          <a:xfrm>
+            <a:off x="1872537" y="277843"/>
+            <a:ext cx="8446926" cy="707886"/>
+          </a:xfrm>
+          <a:prstGeom prst="rect">
+            <a:avLst/>
+          </a:prstGeom>
+          <a:noFill/>
+        </p:spPr>
+        <p:txBody>
+          <a:bodyPr wrap="square" rtlCol="0">
+            <a:spAutoFit/>
+          </a:bodyPr>
+          <a:lstStyle/>
+          <a:p>
+            <a:pPr algn="ctr"/>
+            <a:r>
+              <a:rPr lang="en-US" sz="4000" dirty="0">
+                <a:solidFill>
+                  <a:schemeClr val="accent1">
+                    <a:lumMod val="60000"/>
+                    <a:lumOff val="40000"/>
+                  </a:schemeClr>
+                </a:solidFill>
+              </a:rPr>
+              <a:t>RISC-V Trap Machinery</a:t>
+            </a:r>
+          </a:p>
+        </p:txBody>
+      </p:sp>
+    </p:spTree>
+    <p:extLst>
+      <p:ext uri="{BB962C8B-B14F-4D97-AF65-F5344CB8AC3E}">
+        <p14:creationId xmlns:p14="http://schemas.microsoft.com/office/powerpoint/2010/main" val="434740498"/>
+      </p:ext>
+    </p:extLst>
+  </p:cSld>
+  <p:clrMapOvr>
+    <a:masterClrMapping/>
+  </p:clrMapOvr>
+</p:sld>
+</file>
+
 <file path=ppt/slides/slide2.xml><?xml version="1.0" encoding="utf-8"?>
 <p:sld xmlns:a="http://schemas.openxmlformats.org/drawingml/2006/main" xmlns:r="http://schemas.openxmlformats.org/officeDocument/2006/relationships" xmlns:p="http://schemas.openxmlformats.org/presentationml/2006/main">
   <p:cSld>
@@ -20234,6 +20562,152 @@
     <p:extLst>
       <p:ext uri="{BB962C8B-B14F-4D97-AF65-F5344CB8AC3E}">
         <p14:creationId xmlns:p14="http://schemas.microsoft.com/office/powerpoint/2010/main" val="1668788463"/>
+      </p:ext>
+    </p:extLst>
+  </p:cSld>
+  <p:clrMapOvr>
+    <a:masterClrMapping/>
+  </p:clrMapOvr>
+</p:sld>
+</file>
+
+<file path=ppt/slides/slide8.xml><?xml version="1.0" encoding="utf-8"?>
+<p:sld xmlns:a="http://schemas.openxmlformats.org/drawingml/2006/main" xmlns:r="http://schemas.openxmlformats.org/officeDocument/2006/relationships" xmlns:p="http://schemas.openxmlformats.org/presentationml/2006/main">
+  <p:cSld>
+    <p:spTree>
+      <p:nvGrpSpPr>
+        <p:cNvPr id="1" name=""/>
+        <p:cNvGrpSpPr/>
+        <p:nvPr/>
+      </p:nvGrpSpPr>
+      <p:grpSpPr>
+        <a:xfrm>
+          <a:off x="0" y="0"/>
+          <a:ext cx="0" cy="0"/>
+          <a:chOff x="0" y="0"/>
+          <a:chExt cx="0" cy="0"/>
+        </a:xfrm>
+      </p:grpSpPr>
+      <p:sp>
+        <p:nvSpPr>
+          <p:cNvPr id="2" name="TextBox 1">
+            <a:extLst>
+              <a:ext uri="{FF2B5EF4-FFF2-40B4-BE49-F238E27FC236}">
+                <a16:creationId xmlns:a16="http://schemas.microsoft.com/office/drawing/2014/main" id="{A99980E2-A3A9-FD4A-9011-9A37E88F5891}"/>
+              </a:ext>
+            </a:extLst>
+          </p:cNvPr>
+          <p:cNvSpPr txBox="1"/>
+          <p:nvPr/>
+        </p:nvSpPr>
+        <p:spPr>
+          <a:xfrm>
+            <a:off x="1872537" y="277843"/>
+            <a:ext cx="8446926" cy="707886"/>
+          </a:xfrm>
+          <a:prstGeom prst="rect">
+            <a:avLst/>
+          </a:prstGeom>
+          <a:noFill/>
+        </p:spPr>
+        <p:txBody>
+          <a:bodyPr wrap="square" rtlCol="0">
+            <a:spAutoFit/>
+          </a:bodyPr>
+          <a:lstStyle/>
+          <a:p>
+            <a:pPr algn="ctr"/>
+            <a:r>
+              <a:rPr lang="en-US" sz="4000" dirty="0">
+                <a:solidFill>
+                  <a:schemeClr val="accent1">
+                    <a:lumMod val="60000"/>
+                    <a:lumOff val="40000"/>
+                  </a:schemeClr>
+                </a:solidFill>
+              </a:rPr>
+              <a:t>RISC-V Trap Machinery</a:t>
+            </a:r>
+          </a:p>
+        </p:txBody>
+      </p:sp>
+    </p:spTree>
+    <p:extLst>
+      <p:ext uri="{BB962C8B-B14F-4D97-AF65-F5344CB8AC3E}">
+        <p14:creationId xmlns:p14="http://schemas.microsoft.com/office/powerpoint/2010/main" val="2100572830"/>
+      </p:ext>
+    </p:extLst>
+  </p:cSld>
+  <p:clrMapOvr>
+    <a:masterClrMapping/>
+  </p:clrMapOvr>
+</p:sld>
+</file>
+
+<file path=ppt/slides/slide9.xml><?xml version="1.0" encoding="utf-8"?>
+<p:sld xmlns:a="http://schemas.openxmlformats.org/drawingml/2006/main" xmlns:r="http://schemas.openxmlformats.org/officeDocument/2006/relationships" xmlns:p="http://schemas.openxmlformats.org/presentationml/2006/main">
+  <p:cSld>
+    <p:spTree>
+      <p:nvGrpSpPr>
+        <p:cNvPr id="1" name=""/>
+        <p:cNvGrpSpPr/>
+        <p:nvPr/>
+      </p:nvGrpSpPr>
+      <p:grpSpPr>
+        <a:xfrm>
+          <a:off x="0" y="0"/>
+          <a:ext cx="0" cy="0"/>
+          <a:chOff x="0" y="0"/>
+          <a:chExt cx="0" cy="0"/>
+        </a:xfrm>
+      </p:grpSpPr>
+      <p:sp>
+        <p:nvSpPr>
+          <p:cNvPr id="2" name="TextBox 1">
+            <a:extLst>
+              <a:ext uri="{FF2B5EF4-FFF2-40B4-BE49-F238E27FC236}">
+                <a16:creationId xmlns:a16="http://schemas.microsoft.com/office/drawing/2014/main" id="{A99980E2-A3A9-FD4A-9011-9A37E88F5891}"/>
+              </a:ext>
+            </a:extLst>
+          </p:cNvPr>
+          <p:cNvSpPr txBox="1"/>
+          <p:nvPr/>
+        </p:nvSpPr>
+        <p:spPr>
+          <a:xfrm>
+            <a:off x="1872537" y="277843"/>
+            <a:ext cx="8446926" cy="707886"/>
+          </a:xfrm>
+          <a:prstGeom prst="rect">
+            <a:avLst/>
+          </a:prstGeom>
+          <a:noFill/>
+        </p:spPr>
+        <p:txBody>
+          <a:bodyPr wrap="square" rtlCol="0">
+            <a:spAutoFit/>
+          </a:bodyPr>
+          <a:lstStyle/>
+          <a:p>
+            <a:pPr algn="ctr"/>
+            <a:r>
+              <a:rPr lang="en-US" sz="4000" dirty="0">
+                <a:solidFill>
+                  <a:schemeClr val="accent1">
+                    <a:lumMod val="60000"/>
+                    <a:lumOff val="40000"/>
+                  </a:schemeClr>
+                </a:solidFill>
+              </a:rPr>
+              <a:t>RISC-V Trap Machinery</a:t>
+            </a:r>
+          </a:p>
+        </p:txBody>
+      </p:sp>
+    </p:spTree>
+    <p:extLst>
+      <p:ext uri="{BB962C8B-B14F-4D97-AF65-F5344CB8AC3E}">
+        <p14:creationId xmlns:p14="http://schemas.microsoft.com/office/powerpoint/2010/main" val="3701936336"/>
       </p:ext>
     </p:extLst>
   </p:cSld>

--- a/docs/figures/os1.pptx
+++ b/docs/figures/os1.pptx
@@ -5,7 +5,7 @@
     <p:sldMasterId id="2147483648" r:id="rId1"/>
   </p:sldMasterIdLst>
   <p:notesMasterIdLst>
-    <p:notesMasterId r:id="rId12"/>
+    <p:notesMasterId r:id="rId14"/>
   </p:notesMasterIdLst>
   <p:sldIdLst>
     <p:sldId id="331" r:id="rId2"/>
@@ -16,8 +16,10 @@
     <p:sldId id="333" r:id="rId7"/>
     <p:sldId id="339" r:id="rId8"/>
     <p:sldId id="341" r:id="rId9"/>
-    <p:sldId id="342" r:id="rId10"/>
-    <p:sldId id="343" r:id="rId11"/>
+    <p:sldId id="345" r:id="rId10"/>
+    <p:sldId id="346" r:id="rId11"/>
+    <p:sldId id="342" r:id="rId12"/>
+    <p:sldId id="343" r:id="rId13"/>
   </p:sldIdLst>
   <p:sldSz cx="12192000" cy="6858000"/>
   <p:notesSz cx="6858000" cy="9144000"/>
@@ -632,6 +634,174 @@
     </p:spTree>
     <p:extLst>
       <p:ext uri="{BB962C8B-B14F-4D97-AF65-F5344CB8AC3E}">
+        <p14:creationId xmlns:p14="http://schemas.microsoft.com/office/powerpoint/2010/main" val="545834887"/>
+      </p:ext>
+    </p:extLst>
+  </p:cSld>
+  <p:clrMapOvr>
+    <a:masterClrMapping/>
+  </p:clrMapOvr>
+</p:notes>
+</file>
+
+<file path=ppt/notesSlides/notesSlide11.xml><?xml version="1.0" encoding="utf-8"?>
+<p:notes xmlns:a="http://schemas.openxmlformats.org/drawingml/2006/main" xmlns:r="http://schemas.openxmlformats.org/officeDocument/2006/relationships" xmlns:p="http://schemas.openxmlformats.org/presentationml/2006/main">
+  <p:cSld>
+    <p:spTree>
+      <p:nvGrpSpPr>
+        <p:cNvPr id="1" name=""/>
+        <p:cNvGrpSpPr/>
+        <p:nvPr/>
+      </p:nvGrpSpPr>
+      <p:grpSpPr>
+        <a:xfrm>
+          <a:off x="0" y="0"/>
+          <a:ext cx="0" cy="0"/>
+          <a:chOff x="0" y="0"/>
+          <a:chExt cx="0" cy="0"/>
+        </a:xfrm>
+      </p:grpSpPr>
+      <p:sp>
+        <p:nvSpPr>
+          <p:cNvPr id="2" name="Slide Image Placeholder 1"/>
+          <p:cNvSpPr>
+            <a:spLocks noGrp="1" noRot="1" noChangeAspect="1"/>
+          </p:cNvSpPr>
+          <p:nvPr>
+            <p:ph type="sldImg"/>
+          </p:nvPr>
+        </p:nvSpPr>
+        <p:spPr/>
+      </p:sp>
+      <p:sp>
+        <p:nvSpPr>
+          <p:cNvPr id="3" name="Notes Placeholder 2"/>
+          <p:cNvSpPr>
+            <a:spLocks noGrp="1"/>
+          </p:cNvSpPr>
+          <p:nvPr>
+            <p:ph type="body" idx="1"/>
+          </p:nvPr>
+        </p:nvSpPr>
+        <p:spPr/>
+        <p:txBody>
+          <a:bodyPr/>
+          <a:lstStyle/>
+          <a:p>
+            <a:endParaRPr lang="en-US" dirty="0"/>
+          </a:p>
+        </p:txBody>
+      </p:sp>
+      <p:sp>
+        <p:nvSpPr>
+          <p:cNvPr id="4" name="Slide Number Placeholder 3"/>
+          <p:cNvSpPr>
+            <a:spLocks noGrp="1"/>
+          </p:cNvSpPr>
+          <p:nvPr>
+            <p:ph type="sldNum" sz="quarter" idx="5"/>
+          </p:nvPr>
+        </p:nvSpPr>
+        <p:spPr/>
+        <p:txBody>
+          <a:bodyPr/>
+          <a:lstStyle/>
+          <a:p>
+            <a:fld id="{997274CE-51E2-314F-8544-5E91EE33A09F}" type="slidenum">
+              <a:rPr lang="en-US" smtClean="0"/>
+              <a:t>11</a:t>
+            </a:fld>
+            <a:endParaRPr lang="en-US"/>
+          </a:p>
+        </p:txBody>
+      </p:sp>
+    </p:spTree>
+    <p:extLst>
+      <p:ext uri="{BB962C8B-B14F-4D97-AF65-F5344CB8AC3E}">
+        <p14:creationId xmlns:p14="http://schemas.microsoft.com/office/powerpoint/2010/main" val="1648110788"/>
+      </p:ext>
+    </p:extLst>
+  </p:cSld>
+  <p:clrMapOvr>
+    <a:masterClrMapping/>
+  </p:clrMapOvr>
+</p:notes>
+</file>
+
+<file path=ppt/notesSlides/notesSlide12.xml><?xml version="1.0" encoding="utf-8"?>
+<p:notes xmlns:a="http://schemas.openxmlformats.org/drawingml/2006/main" xmlns:r="http://schemas.openxmlformats.org/officeDocument/2006/relationships" xmlns:p="http://schemas.openxmlformats.org/presentationml/2006/main">
+  <p:cSld>
+    <p:spTree>
+      <p:nvGrpSpPr>
+        <p:cNvPr id="1" name=""/>
+        <p:cNvGrpSpPr/>
+        <p:nvPr/>
+      </p:nvGrpSpPr>
+      <p:grpSpPr>
+        <a:xfrm>
+          <a:off x="0" y="0"/>
+          <a:ext cx="0" cy="0"/>
+          <a:chOff x="0" y="0"/>
+          <a:chExt cx="0" cy="0"/>
+        </a:xfrm>
+      </p:grpSpPr>
+      <p:sp>
+        <p:nvSpPr>
+          <p:cNvPr id="2" name="Slide Image Placeholder 1"/>
+          <p:cNvSpPr>
+            <a:spLocks noGrp="1" noRot="1" noChangeAspect="1"/>
+          </p:cNvSpPr>
+          <p:nvPr>
+            <p:ph type="sldImg"/>
+          </p:nvPr>
+        </p:nvSpPr>
+        <p:spPr/>
+      </p:sp>
+      <p:sp>
+        <p:nvSpPr>
+          <p:cNvPr id="3" name="Notes Placeholder 2"/>
+          <p:cNvSpPr>
+            <a:spLocks noGrp="1"/>
+          </p:cNvSpPr>
+          <p:nvPr>
+            <p:ph type="body" idx="1"/>
+          </p:nvPr>
+        </p:nvSpPr>
+        <p:spPr/>
+        <p:txBody>
+          <a:bodyPr/>
+          <a:lstStyle/>
+          <a:p>
+            <a:endParaRPr lang="en-US" dirty="0"/>
+          </a:p>
+        </p:txBody>
+      </p:sp>
+      <p:sp>
+        <p:nvSpPr>
+          <p:cNvPr id="4" name="Slide Number Placeholder 3"/>
+          <p:cNvSpPr>
+            <a:spLocks noGrp="1"/>
+          </p:cNvSpPr>
+          <p:nvPr>
+            <p:ph type="sldNum" sz="quarter" idx="5"/>
+          </p:nvPr>
+        </p:nvSpPr>
+        <p:spPr/>
+        <p:txBody>
+          <a:bodyPr/>
+          <a:lstStyle/>
+          <a:p>
+            <a:fld id="{997274CE-51E2-314F-8544-5E91EE33A09F}" type="slidenum">
+              <a:rPr lang="en-US" smtClean="0"/>
+              <a:t>12</a:t>
+            </a:fld>
+            <a:endParaRPr lang="en-US"/>
+          </a:p>
+        </p:txBody>
+      </p:sp>
+    </p:spTree>
+    <p:extLst>
+      <p:ext uri="{BB962C8B-B14F-4D97-AF65-F5344CB8AC3E}">
         <p14:creationId xmlns:p14="http://schemas.microsoft.com/office/powerpoint/2010/main" val="84568496"/>
       </p:ext>
     </p:extLst>
@@ -1304,7 +1474,7 @@
     </p:spTree>
     <p:extLst>
       <p:ext uri="{BB962C8B-B14F-4D97-AF65-F5344CB8AC3E}">
-        <p14:creationId xmlns:p14="http://schemas.microsoft.com/office/powerpoint/2010/main" val="1648110788"/>
+        <p14:creationId xmlns:p14="http://schemas.microsoft.com/office/powerpoint/2010/main" val="1515143612"/>
       </p:ext>
     </p:extLst>
   </p:cSld>
@@ -6070,6 +6240,3271 @@
           <a:chExt cx="0" cy="0"/>
         </a:xfrm>
       </p:grpSpPr>
+      <p:cxnSp>
+        <p:nvCxnSpPr>
+          <p:cNvPr id="100" name="Straight Arrow Connector 99">
+            <a:extLst>
+              <a:ext uri="{FF2B5EF4-FFF2-40B4-BE49-F238E27FC236}">
+                <a16:creationId xmlns:a16="http://schemas.microsoft.com/office/drawing/2014/main" id="{0AB108C1-FABE-EE4A-9A90-853CDBD63CE7}"/>
+              </a:ext>
+            </a:extLst>
+          </p:cNvPr>
+          <p:cNvCxnSpPr>
+            <a:stCxn id="73" idx="2"/>
+            <a:endCxn id="11" idx="0"/>
+          </p:cNvCxnSpPr>
+          <p:nvPr/>
+        </p:nvCxnSpPr>
+        <p:spPr>
+          <a:xfrm>
+            <a:off x="2987804" y="2818994"/>
+            <a:ext cx="0" cy="510709"/>
+          </a:xfrm>
+          <a:prstGeom prst="straightConnector1">
+            <a:avLst/>
+          </a:prstGeom>
+          <a:ln>
+            <a:tailEnd type="triangle"/>
+          </a:ln>
+        </p:spPr>
+        <p:style>
+          <a:lnRef idx="2">
+            <a:schemeClr val="accent4"/>
+          </a:lnRef>
+          <a:fillRef idx="0">
+            <a:schemeClr val="accent4"/>
+          </a:fillRef>
+          <a:effectRef idx="1">
+            <a:schemeClr val="accent4"/>
+          </a:effectRef>
+          <a:fontRef idx="minor">
+            <a:schemeClr val="tx1"/>
+          </a:fontRef>
+        </p:style>
+      </p:cxnSp>
+      <p:sp>
+        <p:nvSpPr>
+          <p:cNvPr id="2" name="TextBox 1">
+            <a:extLst>
+              <a:ext uri="{FF2B5EF4-FFF2-40B4-BE49-F238E27FC236}">
+                <a16:creationId xmlns:a16="http://schemas.microsoft.com/office/drawing/2014/main" id="{A99980E2-A3A9-FD4A-9011-9A37E88F5891}"/>
+              </a:ext>
+            </a:extLst>
+          </p:cNvPr>
+          <p:cNvSpPr txBox="1"/>
+          <p:nvPr/>
+        </p:nvSpPr>
+        <p:spPr>
+          <a:xfrm>
+            <a:off x="1872537" y="277843"/>
+            <a:ext cx="8446926" cy="707886"/>
+          </a:xfrm>
+          <a:prstGeom prst="rect">
+            <a:avLst/>
+          </a:prstGeom>
+          <a:noFill/>
+        </p:spPr>
+        <p:txBody>
+          <a:bodyPr wrap="square" rtlCol="0">
+            <a:spAutoFit/>
+          </a:bodyPr>
+          <a:lstStyle/>
+          <a:p>
+            <a:pPr algn="ctr"/>
+            <a:r>
+              <a:rPr lang="en-US" sz="4000" dirty="0">
+                <a:solidFill>
+                  <a:schemeClr val="accent1">
+                    <a:lumMod val="60000"/>
+                    <a:lumOff val="40000"/>
+                  </a:schemeClr>
+                </a:solidFill>
+              </a:rPr>
+              <a:t>Keyboard Interrupts</a:t>
+            </a:r>
+          </a:p>
+        </p:txBody>
+      </p:sp>
+      <p:sp>
+        <p:nvSpPr>
+          <p:cNvPr id="3" name="Rectangle 2">
+            <a:extLst>
+              <a:ext uri="{FF2B5EF4-FFF2-40B4-BE49-F238E27FC236}">
+                <a16:creationId xmlns:a16="http://schemas.microsoft.com/office/drawing/2014/main" id="{3BB8FF68-23E9-A743-9B8B-EE9E50068E46}"/>
+              </a:ext>
+            </a:extLst>
+          </p:cNvPr>
+          <p:cNvSpPr/>
+          <p:nvPr/>
+        </p:nvSpPr>
+        <p:spPr>
+          <a:xfrm>
+            <a:off x="3736427" y="1155363"/>
+            <a:ext cx="4719145" cy="906517"/>
+          </a:xfrm>
+          <a:prstGeom prst="rect">
+            <a:avLst/>
+          </a:prstGeom>
+        </p:spPr>
+        <p:style>
+          <a:lnRef idx="2">
+            <a:schemeClr val="accent1">
+              <a:shade val="50000"/>
+            </a:schemeClr>
+          </a:lnRef>
+          <a:fillRef idx="1">
+            <a:schemeClr val="accent1"/>
+          </a:fillRef>
+          <a:effectRef idx="0">
+            <a:schemeClr val="accent1"/>
+          </a:effectRef>
+          <a:fontRef idx="minor">
+            <a:schemeClr val="lt1"/>
+          </a:fontRef>
+        </p:style>
+        <p:txBody>
+          <a:bodyPr rtlCol="0" anchor="ctr"/>
+          <a:lstStyle/>
+          <a:p>
+            <a:pPr algn="ctr"/>
+            <a:endParaRPr lang="en-US"/>
+          </a:p>
+        </p:txBody>
+      </p:sp>
+      <p:sp>
+        <p:nvSpPr>
+          <p:cNvPr id="4" name="TextBox 3">
+            <a:extLst>
+              <a:ext uri="{FF2B5EF4-FFF2-40B4-BE49-F238E27FC236}">
+                <a16:creationId xmlns:a16="http://schemas.microsoft.com/office/drawing/2014/main" id="{96EF8CF4-E64E-964C-923C-F6F4A01EFD00}"/>
+              </a:ext>
+            </a:extLst>
+          </p:cNvPr>
+          <p:cNvSpPr txBox="1"/>
+          <p:nvPr/>
+        </p:nvSpPr>
+        <p:spPr>
+          <a:xfrm>
+            <a:off x="5288434" y="1080350"/>
+            <a:ext cx="1619546" cy="369332"/>
+          </a:xfrm>
+          <a:prstGeom prst="rect">
+            <a:avLst/>
+          </a:prstGeom>
+          <a:noFill/>
+        </p:spPr>
+        <p:txBody>
+          <a:bodyPr wrap="none" rtlCol="0">
+            <a:spAutoFit/>
+          </a:bodyPr>
+          <a:lstStyle/>
+          <a:p>
+            <a:r>
+              <a:rPr lang="en-US" dirty="0"/>
+              <a:t>Transmit buffer</a:t>
+            </a:r>
+          </a:p>
+        </p:txBody>
+      </p:sp>
+      <p:sp>
+        <p:nvSpPr>
+          <p:cNvPr id="5" name="Rectangle 4">
+            <a:extLst>
+              <a:ext uri="{FF2B5EF4-FFF2-40B4-BE49-F238E27FC236}">
+                <a16:creationId xmlns:a16="http://schemas.microsoft.com/office/drawing/2014/main" id="{6B22B102-358F-4440-8CAF-1D6B49281D62}"/>
+              </a:ext>
+            </a:extLst>
+          </p:cNvPr>
+          <p:cNvSpPr/>
+          <p:nvPr/>
+        </p:nvSpPr>
+        <p:spPr>
+          <a:xfrm>
+            <a:off x="3736427" y="1428633"/>
+            <a:ext cx="562304" cy="633247"/>
+          </a:xfrm>
+          <a:prstGeom prst="rect">
+            <a:avLst/>
+          </a:prstGeom>
+          <a:solidFill>
+            <a:srgbClr val="00B0F0"/>
+          </a:solidFill>
+          <a:ln>
+            <a:solidFill>
+              <a:schemeClr val="bg1"/>
+            </a:solidFill>
+          </a:ln>
+        </p:spPr>
+        <p:style>
+          <a:lnRef idx="2">
+            <a:schemeClr val="accent1">
+              <a:shade val="50000"/>
+            </a:schemeClr>
+          </a:lnRef>
+          <a:fillRef idx="1">
+            <a:schemeClr val="accent1"/>
+          </a:fillRef>
+          <a:effectRef idx="0">
+            <a:schemeClr val="accent1"/>
+          </a:effectRef>
+          <a:fontRef idx="minor">
+            <a:schemeClr val="lt1"/>
+          </a:fontRef>
+        </p:style>
+        <p:txBody>
+          <a:bodyPr rtlCol="0" anchor="ctr"/>
+          <a:lstStyle/>
+          <a:p>
+            <a:pPr algn="ctr"/>
+            <a:r>
+              <a:rPr lang="en-US" sz="1000" b="1" dirty="0">
+                <a:solidFill>
+                  <a:schemeClr val="bg1"/>
+                </a:solidFill>
+              </a:rPr>
+              <a:t>1 byte</a:t>
+            </a:r>
+          </a:p>
+        </p:txBody>
+      </p:sp>
+      <p:sp>
+        <p:nvSpPr>
+          <p:cNvPr id="6" name="Rectangle 5">
+            <a:extLst>
+              <a:ext uri="{FF2B5EF4-FFF2-40B4-BE49-F238E27FC236}">
+                <a16:creationId xmlns:a16="http://schemas.microsoft.com/office/drawing/2014/main" id="{7BE9DD21-AED5-B642-ABD9-724B6E4D3387}"/>
+              </a:ext>
+            </a:extLst>
+          </p:cNvPr>
+          <p:cNvSpPr/>
+          <p:nvPr/>
+        </p:nvSpPr>
+        <p:spPr>
+          <a:xfrm>
+            <a:off x="4324576" y="1428633"/>
+            <a:ext cx="562304" cy="633247"/>
+          </a:xfrm>
+          <a:prstGeom prst="rect">
+            <a:avLst/>
+          </a:prstGeom>
+          <a:solidFill>
+            <a:srgbClr val="00B0F0"/>
+          </a:solidFill>
+          <a:ln>
+            <a:solidFill>
+              <a:schemeClr val="bg1"/>
+            </a:solidFill>
+          </a:ln>
+        </p:spPr>
+        <p:style>
+          <a:lnRef idx="2">
+            <a:schemeClr val="accent1">
+              <a:shade val="50000"/>
+            </a:schemeClr>
+          </a:lnRef>
+          <a:fillRef idx="1">
+            <a:schemeClr val="accent1"/>
+          </a:fillRef>
+          <a:effectRef idx="0">
+            <a:schemeClr val="accent1"/>
+          </a:effectRef>
+          <a:fontRef idx="minor">
+            <a:schemeClr val="lt1"/>
+          </a:fontRef>
+        </p:style>
+        <p:txBody>
+          <a:bodyPr rtlCol="0" anchor="ctr"/>
+          <a:lstStyle/>
+          <a:p>
+            <a:pPr algn="ctr"/>
+            <a:r>
+              <a:rPr lang="en-US" sz="1000" b="1" dirty="0">
+                <a:solidFill>
+                  <a:schemeClr val="bg1"/>
+                </a:solidFill>
+              </a:rPr>
+              <a:t>1 byte</a:t>
+            </a:r>
+          </a:p>
+        </p:txBody>
+      </p:sp>
+      <p:sp>
+        <p:nvSpPr>
+          <p:cNvPr id="7" name="TextBox 6">
+            <a:extLst>
+              <a:ext uri="{FF2B5EF4-FFF2-40B4-BE49-F238E27FC236}">
+                <a16:creationId xmlns:a16="http://schemas.microsoft.com/office/drawing/2014/main" id="{88DE389E-862D-4146-B333-5E83B50DCAD1}"/>
+              </a:ext>
+            </a:extLst>
+          </p:cNvPr>
+          <p:cNvSpPr txBox="1"/>
+          <p:nvPr/>
+        </p:nvSpPr>
+        <p:spPr>
+          <a:xfrm>
+            <a:off x="5064853" y="1524695"/>
+            <a:ext cx="343364" cy="369332"/>
+          </a:xfrm>
+          <a:prstGeom prst="rect">
+            <a:avLst/>
+          </a:prstGeom>
+          <a:noFill/>
+        </p:spPr>
+        <p:txBody>
+          <a:bodyPr wrap="none" rtlCol="0">
+            <a:spAutoFit/>
+          </a:bodyPr>
+          <a:lstStyle/>
+          <a:p>
+            <a:r>
+              <a:rPr lang="en-US" dirty="0"/>
+              <a:t>…</a:t>
+            </a:r>
+          </a:p>
+        </p:txBody>
+      </p:sp>
+      <p:sp>
+        <p:nvSpPr>
+          <p:cNvPr id="8" name="Rectangle 7">
+            <a:extLst>
+              <a:ext uri="{FF2B5EF4-FFF2-40B4-BE49-F238E27FC236}">
+                <a16:creationId xmlns:a16="http://schemas.microsoft.com/office/drawing/2014/main" id="{A59D9332-89F2-1A43-BF53-EFE7D76F9452}"/>
+              </a:ext>
+            </a:extLst>
+          </p:cNvPr>
+          <p:cNvSpPr/>
+          <p:nvPr/>
+        </p:nvSpPr>
+        <p:spPr>
+          <a:xfrm>
+            <a:off x="5814274" y="1428632"/>
+            <a:ext cx="562304" cy="633247"/>
+          </a:xfrm>
+          <a:prstGeom prst="rect">
+            <a:avLst/>
+          </a:prstGeom>
+          <a:solidFill>
+            <a:srgbClr val="00B0F0"/>
+          </a:solidFill>
+          <a:ln>
+            <a:solidFill>
+              <a:schemeClr val="bg1"/>
+            </a:solidFill>
+          </a:ln>
+        </p:spPr>
+        <p:style>
+          <a:lnRef idx="2">
+            <a:schemeClr val="accent1">
+              <a:shade val="50000"/>
+            </a:schemeClr>
+          </a:lnRef>
+          <a:fillRef idx="1">
+            <a:schemeClr val="accent1"/>
+          </a:fillRef>
+          <a:effectRef idx="0">
+            <a:schemeClr val="accent1"/>
+          </a:effectRef>
+          <a:fontRef idx="minor">
+            <a:schemeClr val="lt1"/>
+          </a:fontRef>
+        </p:style>
+        <p:txBody>
+          <a:bodyPr rtlCol="0" anchor="ctr"/>
+          <a:lstStyle/>
+          <a:p>
+            <a:pPr algn="ctr"/>
+            <a:r>
+              <a:rPr lang="en-US" sz="1000" b="1" dirty="0">
+                <a:solidFill>
+                  <a:schemeClr val="bg1"/>
+                </a:solidFill>
+              </a:rPr>
+              <a:t>1 byte</a:t>
+            </a:r>
+          </a:p>
+        </p:txBody>
+      </p:sp>
+      <p:sp>
+        <p:nvSpPr>
+          <p:cNvPr id="9" name="Right Arrow 8">
+            <a:extLst>
+              <a:ext uri="{FF2B5EF4-FFF2-40B4-BE49-F238E27FC236}">
+                <a16:creationId xmlns:a16="http://schemas.microsoft.com/office/drawing/2014/main" id="{2C11639D-5EB3-3E48-BE79-C7A5D27C2F3E}"/>
+              </a:ext>
+            </a:extLst>
+          </p:cNvPr>
+          <p:cNvSpPr/>
+          <p:nvPr/>
+        </p:nvSpPr>
+        <p:spPr>
+          <a:xfrm>
+            <a:off x="4684069" y="985729"/>
+            <a:ext cx="2366545" cy="179989"/>
+          </a:xfrm>
+          <a:prstGeom prst="rightArrow">
+            <a:avLst/>
+          </a:prstGeom>
+        </p:spPr>
+        <p:style>
+          <a:lnRef idx="2">
+            <a:schemeClr val="accent1">
+              <a:shade val="50000"/>
+            </a:schemeClr>
+          </a:lnRef>
+          <a:fillRef idx="1">
+            <a:schemeClr val="accent1"/>
+          </a:fillRef>
+          <a:effectRef idx="0">
+            <a:schemeClr val="accent1"/>
+          </a:effectRef>
+          <a:fontRef idx="minor">
+            <a:schemeClr val="lt1"/>
+          </a:fontRef>
+        </p:style>
+        <p:txBody>
+          <a:bodyPr rtlCol="0" anchor="ctr"/>
+          <a:lstStyle/>
+          <a:p>
+            <a:pPr algn="ctr"/>
+            <a:endParaRPr lang="en-US"/>
+          </a:p>
+        </p:txBody>
+      </p:sp>
+      <p:sp>
+        <p:nvSpPr>
+          <p:cNvPr id="11" name="Rectangle 10">
+            <a:extLst>
+              <a:ext uri="{FF2B5EF4-FFF2-40B4-BE49-F238E27FC236}">
+                <a16:creationId xmlns:a16="http://schemas.microsoft.com/office/drawing/2014/main" id="{11EA0F9C-02B0-4B44-BACC-B5943B9D4D89}"/>
+              </a:ext>
+            </a:extLst>
+          </p:cNvPr>
+          <p:cNvSpPr/>
+          <p:nvPr/>
+        </p:nvSpPr>
+        <p:spPr>
+          <a:xfrm>
+            <a:off x="2706652" y="3329703"/>
+            <a:ext cx="562304" cy="633247"/>
+          </a:xfrm>
+          <a:prstGeom prst="rect">
+            <a:avLst/>
+          </a:prstGeom>
+          <a:solidFill>
+            <a:srgbClr val="FFFF00"/>
+          </a:solidFill>
+          <a:ln>
+            <a:solidFill>
+              <a:schemeClr val="bg1"/>
+            </a:solidFill>
+          </a:ln>
+        </p:spPr>
+        <p:style>
+          <a:lnRef idx="2">
+            <a:schemeClr val="accent1">
+              <a:shade val="50000"/>
+            </a:schemeClr>
+          </a:lnRef>
+          <a:fillRef idx="1">
+            <a:schemeClr val="accent1"/>
+          </a:fillRef>
+          <a:effectRef idx="0">
+            <a:schemeClr val="accent1"/>
+          </a:effectRef>
+          <a:fontRef idx="minor">
+            <a:schemeClr val="lt1"/>
+          </a:fontRef>
+        </p:style>
+        <p:txBody>
+          <a:bodyPr rtlCol="0" anchor="ctr"/>
+          <a:lstStyle/>
+          <a:p>
+            <a:pPr algn="ctr"/>
+            <a:r>
+              <a:rPr lang="en-US" sz="1400" b="1" dirty="0">
+                <a:solidFill>
+                  <a:schemeClr val="bg1"/>
+                </a:solidFill>
+              </a:rPr>
+              <a:t>RHR</a:t>
+            </a:r>
+          </a:p>
+        </p:txBody>
+      </p:sp>
+      <p:sp>
+        <p:nvSpPr>
+          <p:cNvPr id="14" name="Rectangle 13">
+            <a:extLst>
+              <a:ext uri="{FF2B5EF4-FFF2-40B4-BE49-F238E27FC236}">
+                <a16:creationId xmlns:a16="http://schemas.microsoft.com/office/drawing/2014/main" id="{1C7000CA-3C1F-C04E-BE7C-DCBEA346C538}"/>
+              </a:ext>
+            </a:extLst>
+          </p:cNvPr>
+          <p:cNvSpPr/>
+          <p:nvPr/>
+        </p:nvSpPr>
+        <p:spPr>
+          <a:xfrm>
+            <a:off x="7870609" y="2366355"/>
+            <a:ext cx="562304" cy="633247"/>
+          </a:xfrm>
+          <a:prstGeom prst="rect">
+            <a:avLst/>
+          </a:prstGeom>
+          <a:solidFill>
+            <a:srgbClr val="FFFF00"/>
+          </a:solidFill>
+          <a:ln>
+            <a:solidFill>
+              <a:schemeClr val="bg1"/>
+            </a:solidFill>
+          </a:ln>
+        </p:spPr>
+        <p:style>
+          <a:lnRef idx="2">
+            <a:schemeClr val="accent1">
+              <a:shade val="50000"/>
+            </a:schemeClr>
+          </a:lnRef>
+          <a:fillRef idx="1">
+            <a:schemeClr val="accent1"/>
+          </a:fillRef>
+          <a:effectRef idx="0">
+            <a:schemeClr val="accent1"/>
+          </a:effectRef>
+          <a:fontRef idx="minor">
+            <a:schemeClr val="lt1"/>
+          </a:fontRef>
+        </p:style>
+        <p:txBody>
+          <a:bodyPr rtlCol="0" anchor="ctr"/>
+          <a:lstStyle/>
+          <a:p>
+            <a:pPr algn="ctr"/>
+            <a:r>
+              <a:rPr lang="en-US" sz="1400" b="1" dirty="0">
+                <a:solidFill>
+                  <a:schemeClr val="bg1"/>
+                </a:solidFill>
+              </a:rPr>
+              <a:t>THR</a:t>
+            </a:r>
+          </a:p>
+        </p:txBody>
+      </p:sp>
+      <p:sp>
+        <p:nvSpPr>
+          <p:cNvPr id="20" name="Rectangle 19">
+            <a:extLst>
+              <a:ext uri="{FF2B5EF4-FFF2-40B4-BE49-F238E27FC236}">
+                <a16:creationId xmlns:a16="http://schemas.microsoft.com/office/drawing/2014/main" id="{36A91109-75BB-C94A-B374-0B18518083B9}"/>
+              </a:ext>
+            </a:extLst>
+          </p:cNvPr>
+          <p:cNvSpPr/>
+          <p:nvPr/>
+        </p:nvSpPr>
+        <p:spPr>
+          <a:xfrm>
+            <a:off x="2706652" y="1433728"/>
+            <a:ext cx="562304" cy="633247"/>
+          </a:xfrm>
+          <a:prstGeom prst="rect">
+            <a:avLst/>
+          </a:prstGeom>
+          <a:solidFill>
+            <a:srgbClr val="FFFF00"/>
+          </a:solidFill>
+          <a:ln>
+            <a:solidFill>
+              <a:schemeClr val="bg1"/>
+            </a:solidFill>
+          </a:ln>
+        </p:spPr>
+        <p:style>
+          <a:lnRef idx="2">
+            <a:schemeClr val="accent1">
+              <a:shade val="50000"/>
+            </a:schemeClr>
+          </a:lnRef>
+          <a:fillRef idx="1">
+            <a:schemeClr val="accent1"/>
+          </a:fillRef>
+          <a:effectRef idx="0">
+            <a:schemeClr val="accent1"/>
+          </a:effectRef>
+          <a:fontRef idx="minor">
+            <a:schemeClr val="lt1"/>
+          </a:fontRef>
+        </p:style>
+        <p:txBody>
+          <a:bodyPr rtlCol="0" anchor="ctr"/>
+          <a:lstStyle/>
+          <a:p>
+            <a:pPr algn="ctr"/>
+            <a:r>
+              <a:rPr lang="en-US" sz="1400" b="1" dirty="0">
+                <a:solidFill>
+                  <a:schemeClr val="bg1"/>
+                </a:solidFill>
+              </a:rPr>
+              <a:t>LSR</a:t>
+            </a:r>
+          </a:p>
+        </p:txBody>
+      </p:sp>
+      <p:sp>
+        <p:nvSpPr>
+          <p:cNvPr id="24" name="TextBox 23">
+            <a:extLst>
+              <a:ext uri="{FF2B5EF4-FFF2-40B4-BE49-F238E27FC236}">
+                <a16:creationId xmlns:a16="http://schemas.microsoft.com/office/drawing/2014/main" id="{524A58B1-077B-F04D-A184-82EEB44350F8}"/>
+              </a:ext>
+            </a:extLst>
+          </p:cNvPr>
+          <p:cNvSpPr txBox="1"/>
+          <p:nvPr/>
+        </p:nvSpPr>
+        <p:spPr>
+          <a:xfrm>
+            <a:off x="2291599" y="1202079"/>
+            <a:ext cx="1411220" cy="276999"/>
+          </a:xfrm>
+          <a:prstGeom prst="rect">
+            <a:avLst/>
+          </a:prstGeom>
+          <a:noFill/>
+        </p:spPr>
+        <p:txBody>
+          <a:bodyPr wrap="none" rtlCol="0">
+            <a:spAutoFit/>
+          </a:bodyPr>
+          <a:lstStyle/>
+          <a:p>
+            <a:r>
+              <a:rPr lang="en-US" sz="1200" dirty="0"/>
+              <a:t>Line-Status Register</a:t>
+            </a:r>
+          </a:p>
+        </p:txBody>
+      </p:sp>
+      <p:sp>
+        <p:nvSpPr>
+          <p:cNvPr id="26" name="TextBox 25">
+            <a:extLst>
+              <a:ext uri="{FF2B5EF4-FFF2-40B4-BE49-F238E27FC236}">
+                <a16:creationId xmlns:a16="http://schemas.microsoft.com/office/drawing/2014/main" id="{22D08BF2-20F8-D440-A1B0-0C9F39124932}"/>
+              </a:ext>
+            </a:extLst>
+          </p:cNvPr>
+          <p:cNvSpPr txBox="1"/>
+          <p:nvPr/>
+        </p:nvSpPr>
+        <p:spPr>
+          <a:xfrm>
+            <a:off x="2178413" y="3060009"/>
+            <a:ext cx="1783822" cy="276999"/>
+          </a:xfrm>
+          <a:prstGeom prst="rect">
+            <a:avLst/>
+          </a:prstGeom>
+          <a:noFill/>
+        </p:spPr>
+        <p:txBody>
+          <a:bodyPr wrap="none" rtlCol="0">
+            <a:spAutoFit/>
+          </a:bodyPr>
+          <a:lstStyle/>
+          <a:p>
+            <a:r>
+              <a:rPr lang="en-US" sz="1200" dirty="0"/>
+              <a:t>Received holding Register</a:t>
+            </a:r>
+          </a:p>
+        </p:txBody>
+      </p:sp>
+      <p:sp>
+        <p:nvSpPr>
+          <p:cNvPr id="28" name="TextBox 27">
+            <a:extLst>
+              <a:ext uri="{FF2B5EF4-FFF2-40B4-BE49-F238E27FC236}">
+                <a16:creationId xmlns:a16="http://schemas.microsoft.com/office/drawing/2014/main" id="{26E066DD-AC68-BE43-9854-CF7201655A32}"/>
+              </a:ext>
+            </a:extLst>
+          </p:cNvPr>
+          <p:cNvSpPr txBox="1"/>
+          <p:nvPr/>
+        </p:nvSpPr>
+        <p:spPr>
+          <a:xfrm>
+            <a:off x="7226868" y="2122894"/>
+            <a:ext cx="1764073" cy="276999"/>
+          </a:xfrm>
+          <a:prstGeom prst="rect">
+            <a:avLst/>
+          </a:prstGeom>
+          <a:noFill/>
+        </p:spPr>
+        <p:txBody>
+          <a:bodyPr wrap="none" rtlCol="0">
+            <a:spAutoFit/>
+          </a:bodyPr>
+          <a:lstStyle/>
+          <a:p>
+            <a:r>
+              <a:rPr lang="en-US" sz="1200" dirty="0"/>
+              <a:t>Transmit holding Register</a:t>
+            </a:r>
+          </a:p>
+        </p:txBody>
+      </p:sp>
+      <p:sp>
+        <p:nvSpPr>
+          <p:cNvPr id="58" name="Rounded Rectangle 57">
+            <a:extLst>
+              <a:ext uri="{FF2B5EF4-FFF2-40B4-BE49-F238E27FC236}">
+                <a16:creationId xmlns:a16="http://schemas.microsoft.com/office/drawing/2014/main" id="{7BBEAD1A-A98A-9B4C-BD9A-FBC1EF6B8EEC}"/>
+              </a:ext>
+            </a:extLst>
+          </p:cNvPr>
+          <p:cNvSpPr/>
+          <p:nvPr/>
+        </p:nvSpPr>
+        <p:spPr>
+          <a:xfrm>
+            <a:off x="5438528" y="4045077"/>
+            <a:ext cx="1313792" cy="1124607"/>
+          </a:xfrm>
+          <a:prstGeom prst="roundRect">
+            <a:avLst/>
+          </a:prstGeom>
+          <a:solidFill>
+            <a:schemeClr val="tx2">
+              <a:lumMod val="10000"/>
+            </a:schemeClr>
+          </a:solidFill>
+          <a:ln>
+            <a:solidFill>
+              <a:srgbClr val="FF0000"/>
+            </a:solidFill>
+          </a:ln>
+        </p:spPr>
+        <p:style>
+          <a:lnRef idx="2">
+            <a:schemeClr val="accent1">
+              <a:shade val="50000"/>
+            </a:schemeClr>
+          </a:lnRef>
+          <a:fillRef idx="1">
+            <a:schemeClr val="accent1"/>
+          </a:fillRef>
+          <a:effectRef idx="0">
+            <a:schemeClr val="accent1"/>
+          </a:effectRef>
+          <a:fontRef idx="minor">
+            <a:schemeClr val="lt1"/>
+          </a:fontRef>
+        </p:style>
+        <p:txBody>
+          <a:bodyPr rtlCol="0" anchor="ctr"/>
+          <a:lstStyle/>
+          <a:p>
+            <a:pPr algn="ctr"/>
+            <a:r>
+              <a:rPr lang="en-US" b="1" dirty="0"/>
+              <a:t>Console Driver</a:t>
+            </a:r>
+          </a:p>
+        </p:txBody>
+      </p:sp>
+      <p:sp>
+        <p:nvSpPr>
+          <p:cNvPr id="59" name="Rounded Rectangle 58">
+            <a:extLst>
+              <a:ext uri="{FF2B5EF4-FFF2-40B4-BE49-F238E27FC236}">
+                <a16:creationId xmlns:a16="http://schemas.microsoft.com/office/drawing/2014/main" id="{EB24C4AC-1AB5-D945-BD90-875B726F1D2F}"/>
+              </a:ext>
+            </a:extLst>
+          </p:cNvPr>
+          <p:cNvSpPr/>
+          <p:nvPr/>
+        </p:nvSpPr>
+        <p:spPr>
+          <a:xfrm>
+            <a:off x="898754" y="2129459"/>
+            <a:ext cx="1313792" cy="1124607"/>
+          </a:xfrm>
+          <a:prstGeom prst="roundRect">
+            <a:avLst/>
+          </a:prstGeom>
+          <a:solidFill>
+            <a:schemeClr val="tx2">
+              <a:lumMod val="10000"/>
+            </a:schemeClr>
+          </a:solidFill>
+          <a:ln>
+            <a:solidFill>
+              <a:srgbClr val="FF0000"/>
+            </a:solidFill>
+          </a:ln>
+        </p:spPr>
+        <p:style>
+          <a:lnRef idx="2">
+            <a:schemeClr val="accent1">
+              <a:shade val="50000"/>
+            </a:schemeClr>
+          </a:lnRef>
+          <a:fillRef idx="1">
+            <a:schemeClr val="accent1"/>
+          </a:fillRef>
+          <a:effectRef idx="0">
+            <a:schemeClr val="accent1"/>
+          </a:effectRef>
+          <a:fontRef idx="minor">
+            <a:schemeClr val="lt1"/>
+          </a:fontRef>
+        </p:style>
+        <p:txBody>
+          <a:bodyPr rtlCol="0" anchor="ctr"/>
+          <a:lstStyle/>
+          <a:p>
+            <a:pPr algn="ctr"/>
+            <a:r>
+              <a:rPr lang="en-US" b="1" dirty="0"/>
+              <a:t>Keyboard Driver</a:t>
+            </a:r>
+          </a:p>
+        </p:txBody>
+      </p:sp>
+      <p:sp>
+        <p:nvSpPr>
+          <p:cNvPr id="67" name="Rounded Rectangle 66">
+            <a:extLst>
+              <a:ext uri="{FF2B5EF4-FFF2-40B4-BE49-F238E27FC236}">
+                <a16:creationId xmlns:a16="http://schemas.microsoft.com/office/drawing/2014/main" id="{C98A8225-DBB7-254F-B88A-E2B2EBC49283}"/>
+              </a:ext>
+            </a:extLst>
+          </p:cNvPr>
+          <p:cNvSpPr/>
+          <p:nvPr/>
+        </p:nvSpPr>
+        <p:spPr>
+          <a:xfrm>
+            <a:off x="9252914" y="2120674"/>
+            <a:ext cx="1313792" cy="1124607"/>
+          </a:xfrm>
+          <a:prstGeom prst="roundRect">
+            <a:avLst/>
+          </a:prstGeom>
+          <a:solidFill>
+            <a:schemeClr val="tx2">
+              <a:lumMod val="10000"/>
+            </a:schemeClr>
+          </a:solidFill>
+          <a:ln>
+            <a:solidFill>
+              <a:srgbClr val="FF0000"/>
+            </a:solidFill>
+          </a:ln>
+        </p:spPr>
+        <p:style>
+          <a:lnRef idx="2">
+            <a:schemeClr val="accent1">
+              <a:shade val="50000"/>
+            </a:schemeClr>
+          </a:lnRef>
+          <a:fillRef idx="1">
+            <a:schemeClr val="accent1"/>
+          </a:fillRef>
+          <a:effectRef idx="0">
+            <a:schemeClr val="accent1"/>
+          </a:effectRef>
+          <a:fontRef idx="minor">
+            <a:schemeClr val="lt1"/>
+          </a:fontRef>
+        </p:style>
+        <p:txBody>
+          <a:bodyPr rtlCol="0" anchor="ctr"/>
+          <a:lstStyle/>
+          <a:p>
+            <a:pPr algn="ctr"/>
+            <a:r>
+              <a:rPr lang="en-US" b="1" dirty="0"/>
+              <a:t>Monitor</a:t>
+            </a:r>
+          </a:p>
+        </p:txBody>
+      </p:sp>
+      <p:cxnSp>
+        <p:nvCxnSpPr>
+          <p:cNvPr id="69" name="Straight Arrow Connector 68">
+            <a:extLst>
+              <a:ext uri="{FF2B5EF4-FFF2-40B4-BE49-F238E27FC236}">
+                <a16:creationId xmlns:a16="http://schemas.microsoft.com/office/drawing/2014/main" id="{271FFE81-AA13-F848-8F38-9D5A78916C4A}"/>
+              </a:ext>
+            </a:extLst>
+          </p:cNvPr>
+          <p:cNvCxnSpPr>
+            <a:cxnSpLocks/>
+            <a:stCxn id="14" idx="3"/>
+            <a:endCxn id="67" idx="1"/>
+          </p:cNvCxnSpPr>
+          <p:nvPr/>
+        </p:nvCxnSpPr>
+        <p:spPr>
+          <a:xfrm flipV="1">
+            <a:off x="8432913" y="2682978"/>
+            <a:ext cx="820001" cy="1"/>
+          </a:xfrm>
+          <a:prstGeom prst="straightConnector1">
+            <a:avLst/>
+          </a:prstGeom>
+          <a:ln>
+            <a:tailEnd type="triangle"/>
+          </a:ln>
+        </p:spPr>
+        <p:style>
+          <a:lnRef idx="1">
+            <a:schemeClr val="accent1"/>
+          </a:lnRef>
+          <a:fillRef idx="0">
+            <a:schemeClr val="accent1"/>
+          </a:fillRef>
+          <a:effectRef idx="0">
+            <a:schemeClr val="accent1"/>
+          </a:effectRef>
+          <a:fontRef idx="minor">
+            <a:schemeClr val="tx1"/>
+          </a:fontRef>
+        </p:style>
+      </p:cxnSp>
+      <p:sp>
+        <p:nvSpPr>
+          <p:cNvPr id="73" name="Rectangle 72">
+            <a:extLst>
+              <a:ext uri="{FF2B5EF4-FFF2-40B4-BE49-F238E27FC236}">
+                <a16:creationId xmlns:a16="http://schemas.microsoft.com/office/drawing/2014/main" id="{0429B2E4-43F1-4B49-98B7-E20320409D1A}"/>
+              </a:ext>
+            </a:extLst>
+          </p:cNvPr>
+          <p:cNvSpPr/>
+          <p:nvPr/>
+        </p:nvSpPr>
+        <p:spPr>
+          <a:xfrm>
+            <a:off x="2634999" y="2564530"/>
+            <a:ext cx="705610" cy="254464"/>
+          </a:xfrm>
+          <a:prstGeom prst="rect">
+            <a:avLst/>
+          </a:prstGeom>
+        </p:spPr>
+        <p:style>
+          <a:lnRef idx="2">
+            <a:schemeClr val="accent1">
+              <a:shade val="50000"/>
+            </a:schemeClr>
+          </a:lnRef>
+          <a:fillRef idx="1">
+            <a:schemeClr val="accent1"/>
+          </a:fillRef>
+          <a:effectRef idx="0">
+            <a:schemeClr val="accent1"/>
+          </a:effectRef>
+          <a:fontRef idx="minor">
+            <a:schemeClr val="lt1"/>
+          </a:fontRef>
+        </p:style>
+        <p:txBody>
+          <a:bodyPr rtlCol="0" anchor="ctr"/>
+          <a:lstStyle/>
+          <a:p>
+            <a:pPr algn="ctr"/>
+            <a:r>
+              <a:rPr lang="en-US" sz="1200" dirty="0"/>
+              <a:t>FIFO buf</a:t>
+            </a:r>
+          </a:p>
+        </p:txBody>
+      </p:sp>
+      <p:cxnSp>
+        <p:nvCxnSpPr>
+          <p:cNvPr id="75" name="Straight Connector 74">
+            <a:extLst>
+              <a:ext uri="{FF2B5EF4-FFF2-40B4-BE49-F238E27FC236}">
+                <a16:creationId xmlns:a16="http://schemas.microsoft.com/office/drawing/2014/main" id="{5EF0ED29-B05E-2A47-9E43-6FC19A1303F8}"/>
+              </a:ext>
+            </a:extLst>
+          </p:cNvPr>
+          <p:cNvCxnSpPr>
+            <a:cxnSpLocks/>
+          </p:cNvCxnSpPr>
+          <p:nvPr/>
+        </p:nvCxnSpPr>
+        <p:spPr>
+          <a:xfrm>
+            <a:off x="2987805" y="2061879"/>
+            <a:ext cx="0" cy="497555"/>
+          </a:xfrm>
+          <a:prstGeom prst="line">
+            <a:avLst/>
+          </a:prstGeom>
+        </p:spPr>
+        <p:style>
+          <a:lnRef idx="2">
+            <a:schemeClr val="accent1"/>
+          </a:lnRef>
+          <a:fillRef idx="0">
+            <a:schemeClr val="accent1"/>
+          </a:fillRef>
+          <a:effectRef idx="1">
+            <a:schemeClr val="accent1"/>
+          </a:effectRef>
+          <a:fontRef idx="minor">
+            <a:schemeClr val="tx1"/>
+          </a:fontRef>
+        </p:style>
+      </p:cxnSp>
+      <p:sp>
+        <p:nvSpPr>
+          <p:cNvPr id="77" name="Up Arrow 76">
+            <a:extLst>
+              <a:ext uri="{FF2B5EF4-FFF2-40B4-BE49-F238E27FC236}">
+                <a16:creationId xmlns:a16="http://schemas.microsoft.com/office/drawing/2014/main" id="{5F4454F7-1315-234C-ACA1-9765478DD6A9}"/>
+              </a:ext>
+            </a:extLst>
+          </p:cNvPr>
+          <p:cNvSpPr/>
+          <p:nvPr/>
+        </p:nvSpPr>
+        <p:spPr>
+          <a:xfrm>
+            <a:off x="5990322" y="2068167"/>
+            <a:ext cx="210207" cy="446361"/>
+          </a:xfrm>
+          <a:prstGeom prst="upArrow">
+            <a:avLst/>
+          </a:prstGeom>
+          <a:solidFill>
+            <a:srgbClr val="00B0F0"/>
+          </a:solidFill>
+        </p:spPr>
+        <p:style>
+          <a:lnRef idx="2">
+            <a:schemeClr val="accent1">
+              <a:shade val="50000"/>
+            </a:schemeClr>
+          </a:lnRef>
+          <a:fillRef idx="1">
+            <a:schemeClr val="accent1"/>
+          </a:fillRef>
+          <a:effectRef idx="0">
+            <a:schemeClr val="accent1"/>
+          </a:effectRef>
+          <a:fontRef idx="minor">
+            <a:schemeClr val="lt1"/>
+          </a:fontRef>
+        </p:style>
+        <p:txBody>
+          <a:bodyPr rtlCol="0" anchor="ctr"/>
+          <a:lstStyle/>
+          <a:p>
+            <a:pPr algn="ctr"/>
+            <a:endParaRPr lang="en-US"/>
+          </a:p>
+        </p:txBody>
+      </p:sp>
+      <p:sp>
+        <p:nvSpPr>
+          <p:cNvPr id="38" name="TextBox 37">
+            <a:extLst>
+              <a:ext uri="{FF2B5EF4-FFF2-40B4-BE49-F238E27FC236}">
+                <a16:creationId xmlns:a16="http://schemas.microsoft.com/office/drawing/2014/main" id="{9347DBE1-5463-9F40-A6C6-5E26A1BF4F51}"/>
+              </a:ext>
+            </a:extLst>
+          </p:cNvPr>
+          <p:cNvSpPr txBox="1"/>
+          <p:nvPr/>
+        </p:nvSpPr>
+        <p:spPr>
+          <a:xfrm>
+            <a:off x="5563972" y="2197326"/>
+            <a:ext cx="1018740" cy="276999"/>
+          </a:xfrm>
+          <a:prstGeom prst="rect">
+            <a:avLst/>
+          </a:prstGeom>
+          <a:noFill/>
+        </p:spPr>
+        <p:txBody>
+          <a:bodyPr wrap="none" rtlCol="0">
+            <a:spAutoFit/>
+          </a:bodyPr>
+          <a:lstStyle/>
+          <a:p>
+            <a:r>
+              <a:rPr lang="en-US" sz="1200" dirty="0">
+                <a:solidFill>
+                  <a:srgbClr val="FFFF00"/>
+                </a:solidFill>
+              </a:rPr>
+              <a:t>Write Pointer</a:t>
+            </a:r>
+          </a:p>
+        </p:txBody>
+      </p:sp>
+      <p:cxnSp>
+        <p:nvCxnSpPr>
+          <p:cNvPr id="108" name="Straight Arrow Connector 107">
+            <a:extLst>
+              <a:ext uri="{FF2B5EF4-FFF2-40B4-BE49-F238E27FC236}">
+                <a16:creationId xmlns:a16="http://schemas.microsoft.com/office/drawing/2014/main" id="{6838BE6C-A428-3F44-862D-6A21899264B5}"/>
+              </a:ext>
+            </a:extLst>
+          </p:cNvPr>
+          <p:cNvCxnSpPr>
+            <a:cxnSpLocks/>
+            <a:stCxn id="59" idx="3"/>
+            <a:endCxn id="73" idx="1"/>
+          </p:cNvCxnSpPr>
+          <p:nvPr/>
+        </p:nvCxnSpPr>
+        <p:spPr>
+          <a:xfrm flipV="1">
+            <a:off x="2212546" y="2691762"/>
+            <a:ext cx="422453" cy="1"/>
+          </a:xfrm>
+          <a:prstGeom prst="straightConnector1">
+            <a:avLst/>
+          </a:prstGeom>
+          <a:ln>
+            <a:tailEnd type="triangle"/>
+          </a:ln>
+        </p:spPr>
+        <p:style>
+          <a:lnRef idx="2">
+            <a:schemeClr val="accent4"/>
+          </a:lnRef>
+          <a:fillRef idx="0">
+            <a:schemeClr val="accent4"/>
+          </a:fillRef>
+          <a:effectRef idx="1">
+            <a:schemeClr val="accent4"/>
+          </a:effectRef>
+          <a:fontRef idx="minor">
+            <a:schemeClr val="tx1"/>
+          </a:fontRef>
+        </p:style>
+      </p:cxnSp>
+      <p:sp>
+        <p:nvSpPr>
+          <p:cNvPr id="116" name="Up Arrow 115">
+            <a:extLst>
+              <a:ext uri="{FF2B5EF4-FFF2-40B4-BE49-F238E27FC236}">
+                <a16:creationId xmlns:a16="http://schemas.microsoft.com/office/drawing/2014/main" id="{37FF7D55-4734-074C-8BE3-21327CA904F1}"/>
+              </a:ext>
+            </a:extLst>
+          </p:cNvPr>
+          <p:cNvSpPr/>
+          <p:nvPr/>
+        </p:nvSpPr>
+        <p:spPr>
+          <a:xfrm>
+            <a:off x="3942393" y="2062274"/>
+            <a:ext cx="210207" cy="446361"/>
+          </a:xfrm>
+          <a:prstGeom prst="upArrow">
+            <a:avLst/>
+          </a:prstGeom>
+          <a:solidFill>
+            <a:srgbClr val="00B0F0"/>
+          </a:solidFill>
+        </p:spPr>
+        <p:style>
+          <a:lnRef idx="2">
+            <a:schemeClr val="accent1">
+              <a:shade val="50000"/>
+            </a:schemeClr>
+          </a:lnRef>
+          <a:fillRef idx="1">
+            <a:schemeClr val="accent1"/>
+          </a:fillRef>
+          <a:effectRef idx="0">
+            <a:schemeClr val="accent1"/>
+          </a:effectRef>
+          <a:fontRef idx="minor">
+            <a:schemeClr val="lt1"/>
+          </a:fontRef>
+        </p:style>
+        <p:txBody>
+          <a:bodyPr rtlCol="0" anchor="ctr"/>
+          <a:lstStyle/>
+          <a:p>
+            <a:pPr algn="ctr"/>
+            <a:endParaRPr lang="en-US"/>
+          </a:p>
+        </p:txBody>
+      </p:sp>
+      <p:sp>
+        <p:nvSpPr>
+          <p:cNvPr id="111" name="TextBox 110">
+            <a:extLst>
+              <a:ext uri="{FF2B5EF4-FFF2-40B4-BE49-F238E27FC236}">
+                <a16:creationId xmlns:a16="http://schemas.microsoft.com/office/drawing/2014/main" id="{8320AB9F-E8C8-584F-A4AC-5754976A8FD4}"/>
+              </a:ext>
+            </a:extLst>
+          </p:cNvPr>
+          <p:cNvSpPr txBox="1"/>
+          <p:nvPr/>
+        </p:nvSpPr>
+        <p:spPr>
+          <a:xfrm>
+            <a:off x="3583155" y="2185910"/>
+            <a:ext cx="983731" cy="276999"/>
+          </a:xfrm>
+          <a:prstGeom prst="rect">
+            <a:avLst/>
+          </a:prstGeom>
+          <a:noFill/>
+        </p:spPr>
+        <p:txBody>
+          <a:bodyPr wrap="none" rtlCol="0">
+            <a:spAutoFit/>
+          </a:bodyPr>
+          <a:lstStyle/>
+          <a:p>
+            <a:r>
+              <a:rPr lang="en-US" sz="1200" dirty="0">
+                <a:solidFill>
+                  <a:srgbClr val="FFFF00"/>
+                </a:solidFill>
+              </a:rPr>
+              <a:t>Read Pointer</a:t>
+            </a:r>
+          </a:p>
+        </p:txBody>
+      </p:sp>
+      <p:sp>
+        <p:nvSpPr>
+          <p:cNvPr id="44" name="Rounded Rectangle 43">
+            <a:extLst>
+              <a:ext uri="{FF2B5EF4-FFF2-40B4-BE49-F238E27FC236}">
+                <a16:creationId xmlns:a16="http://schemas.microsoft.com/office/drawing/2014/main" id="{332DF102-798B-9F46-BBA4-A490DA4472BA}"/>
+              </a:ext>
+            </a:extLst>
+          </p:cNvPr>
+          <p:cNvSpPr/>
+          <p:nvPr/>
+        </p:nvSpPr>
+        <p:spPr>
+          <a:xfrm>
+            <a:off x="578188" y="5634621"/>
+            <a:ext cx="977462" cy="1030142"/>
+          </a:xfrm>
+          <a:prstGeom prst="roundRect">
+            <a:avLst/>
+          </a:prstGeom>
+          <a:solidFill>
+            <a:schemeClr val="accent2"/>
+          </a:solidFill>
+          <a:ln>
+            <a:noFill/>
+          </a:ln>
+        </p:spPr>
+        <p:style>
+          <a:lnRef idx="2">
+            <a:schemeClr val="accent1">
+              <a:shade val="50000"/>
+            </a:schemeClr>
+          </a:lnRef>
+          <a:fillRef idx="1">
+            <a:schemeClr val="accent1"/>
+          </a:fillRef>
+          <a:effectRef idx="0">
+            <a:schemeClr val="accent1"/>
+          </a:effectRef>
+          <a:fontRef idx="minor">
+            <a:schemeClr val="lt1"/>
+          </a:fontRef>
+        </p:style>
+        <p:txBody>
+          <a:bodyPr rtlCol="0" anchor="ctr"/>
+          <a:lstStyle/>
+          <a:p>
+            <a:pPr algn="ctr"/>
+            <a:r>
+              <a:rPr lang="en-US" b="1" dirty="0"/>
+              <a:t>User</a:t>
+            </a:r>
+          </a:p>
+        </p:txBody>
+      </p:sp>
+      <p:sp>
+        <p:nvSpPr>
+          <p:cNvPr id="46" name="Down Arrow 45">
+            <a:extLst>
+              <a:ext uri="{FF2B5EF4-FFF2-40B4-BE49-F238E27FC236}">
+                <a16:creationId xmlns:a16="http://schemas.microsoft.com/office/drawing/2014/main" id="{67E626F6-9138-554C-8702-2D609BA0F4A8}"/>
+              </a:ext>
+            </a:extLst>
+          </p:cNvPr>
+          <p:cNvSpPr/>
+          <p:nvPr/>
+        </p:nvSpPr>
+        <p:spPr>
+          <a:xfrm rot="2812469">
+            <a:off x="1954441" y="3863234"/>
+            <a:ext cx="315311" cy="2121403"/>
+          </a:xfrm>
+          <a:prstGeom prst="downArrow">
+            <a:avLst/>
+          </a:prstGeom>
+          <a:solidFill>
+            <a:srgbClr val="FFFF00"/>
+          </a:solidFill>
+          <a:ln>
+            <a:noFill/>
+          </a:ln>
+        </p:spPr>
+        <p:style>
+          <a:lnRef idx="2">
+            <a:schemeClr val="accent1">
+              <a:shade val="50000"/>
+            </a:schemeClr>
+          </a:lnRef>
+          <a:fillRef idx="1">
+            <a:schemeClr val="accent1"/>
+          </a:fillRef>
+          <a:effectRef idx="0">
+            <a:schemeClr val="accent1"/>
+          </a:effectRef>
+          <a:fontRef idx="minor">
+            <a:schemeClr val="lt1"/>
+          </a:fontRef>
+        </p:style>
+        <p:txBody>
+          <a:bodyPr rtlCol="0" anchor="ctr"/>
+          <a:lstStyle/>
+          <a:p>
+            <a:pPr algn="ctr"/>
+            <a:endParaRPr lang="en-US" dirty="0">
+              <a:highlight>
+                <a:srgbClr val="FFFF00"/>
+              </a:highlight>
+            </a:endParaRPr>
+          </a:p>
+        </p:txBody>
+      </p:sp>
+      <p:sp>
+        <p:nvSpPr>
+          <p:cNvPr id="16" name="TextBox 15">
+            <a:extLst>
+              <a:ext uri="{FF2B5EF4-FFF2-40B4-BE49-F238E27FC236}">
+                <a16:creationId xmlns:a16="http://schemas.microsoft.com/office/drawing/2014/main" id="{1CCFB8E1-CCE8-D844-B693-E43C920EB427}"/>
+              </a:ext>
+            </a:extLst>
+          </p:cNvPr>
+          <p:cNvSpPr txBox="1"/>
+          <p:nvPr/>
+        </p:nvSpPr>
+        <p:spPr>
+          <a:xfrm>
+            <a:off x="1260103" y="4466750"/>
+            <a:ext cx="1031821" cy="369332"/>
+          </a:xfrm>
+          <a:prstGeom prst="rect">
+            <a:avLst/>
+          </a:prstGeom>
+          <a:noFill/>
+        </p:spPr>
+        <p:txBody>
+          <a:bodyPr wrap="none" rtlCol="0">
+            <a:spAutoFit/>
+          </a:bodyPr>
+          <a:lstStyle/>
+          <a:p>
+            <a:r>
+              <a:rPr lang="en-US" dirty="0"/>
+              <a:t>Interrupt</a:t>
+            </a:r>
+          </a:p>
+        </p:txBody>
+      </p:sp>
+      <p:sp>
+        <p:nvSpPr>
+          <p:cNvPr id="48" name="Right Arrow 47">
+            <a:extLst>
+              <a:ext uri="{FF2B5EF4-FFF2-40B4-BE49-F238E27FC236}">
+                <a16:creationId xmlns:a16="http://schemas.microsoft.com/office/drawing/2014/main" id="{A7F6D942-4583-B14B-B792-2EEEC7F449E0}"/>
+              </a:ext>
+            </a:extLst>
+          </p:cNvPr>
+          <p:cNvSpPr/>
+          <p:nvPr/>
+        </p:nvSpPr>
+        <p:spPr>
+          <a:xfrm>
+            <a:off x="1607863" y="5764096"/>
+            <a:ext cx="1367472" cy="295430"/>
+          </a:xfrm>
+          <a:prstGeom prst="rightArrow">
+            <a:avLst/>
+          </a:prstGeom>
+          <a:solidFill>
+            <a:srgbClr val="FFFF00"/>
+          </a:solidFill>
+          <a:ln>
+            <a:noFill/>
+          </a:ln>
+        </p:spPr>
+        <p:style>
+          <a:lnRef idx="2">
+            <a:schemeClr val="accent1">
+              <a:shade val="50000"/>
+            </a:schemeClr>
+          </a:lnRef>
+          <a:fillRef idx="1">
+            <a:schemeClr val="accent1"/>
+          </a:fillRef>
+          <a:effectRef idx="0">
+            <a:schemeClr val="accent1"/>
+          </a:effectRef>
+          <a:fontRef idx="minor">
+            <a:schemeClr val="lt1"/>
+          </a:fontRef>
+        </p:style>
+        <p:txBody>
+          <a:bodyPr rtlCol="0" anchor="ctr"/>
+          <a:lstStyle/>
+          <a:p>
+            <a:pPr algn="ctr"/>
+            <a:endParaRPr lang="en-US"/>
+          </a:p>
+        </p:txBody>
+      </p:sp>
+      <p:sp>
+        <p:nvSpPr>
+          <p:cNvPr id="49" name="Left Arrow 48">
+            <a:extLst>
+              <a:ext uri="{FF2B5EF4-FFF2-40B4-BE49-F238E27FC236}">
+                <a16:creationId xmlns:a16="http://schemas.microsoft.com/office/drawing/2014/main" id="{BF6A3402-6FF3-9F48-835F-F78AFCBBD869}"/>
+              </a:ext>
+            </a:extLst>
+          </p:cNvPr>
+          <p:cNvSpPr/>
+          <p:nvPr/>
+        </p:nvSpPr>
+        <p:spPr>
+          <a:xfrm>
+            <a:off x="1528810" y="6292755"/>
+            <a:ext cx="1367472" cy="301050"/>
+          </a:xfrm>
+          <a:prstGeom prst="leftArrow">
+            <a:avLst/>
+          </a:prstGeom>
+          <a:solidFill>
+            <a:srgbClr val="FFFF00"/>
+          </a:solidFill>
+          <a:ln>
+            <a:noFill/>
+          </a:ln>
+        </p:spPr>
+        <p:style>
+          <a:lnRef idx="2">
+            <a:schemeClr val="accent1">
+              <a:shade val="50000"/>
+            </a:schemeClr>
+          </a:lnRef>
+          <a:fillRef idx="1">
+            <a:schemeClr val="accent1"/>
+          </a:fillRef>
+          <a:effectRef idx="0">
+            <a:schemeClr val="accent1"/>
+          </a:effectRef>
+          <a:fontRef idx="minor">
+            <a:schemeClr val="lt1"/>
+          </a:fontRef>
+        </p:style>
+        <p:txBody>
+          <a:bodyPr rtlCol="0" anchor="ctr"/>
+          <a:lstStyle/>
+          <a:p>
+            <a:pPr algn="ctr"/>
+            <a:endParaRPr lang="en-US"/>
+          </a:p>
+        </p:txBody>
+      </p:sp>
+      <p:sp>
+        <p:nvSpPr>
+          <p:cNvPr id="50" name="Rounded Rectangle 49">
+            <a:extLst>
+              <a:ext uri="{FF2B5EF4-FFF2-40B4-BE49-F238E27FC236}">
+                <a16:creationId xmlns:a16="http://schemas.microsoft.com/office/drawing/2014/main" id="{DAEE019F-266B-5F4C-BDBE-F21AA038B8E4}"/>
+              </a:ext>
+            </a:extLst>
+          </p:cNvPr>
+          <p:cNvSpPr/>
+          <p:nvPr/>
+        </p:nvSpPr>
+        <p:spPr>
+          <a:xfrm>
+            <a:off x="2975335" y="5719015"/>
+            <a:ext cx="1416270" cy="915130"/>
+          </a:xfrm>
+          <a:prstGeom prst="roundRect">
+            <a:avLst/>
+          </a:prstGeom>
+          <a:solidFill>
+            <a:srgbClr val="00B0F0"/>
+          </a:solidFill>
+        </p:spPr>
+        <p:style>
+          <a:lnRef idx="2">
+            <a:schemeClr val="accent1">
+              <a:shade val="50000"/>
+            </a:schemeClr>
+          </a:lnRef>
+          <a:fillRef idx="1">
+            <a:schemeClr val="accent1"/>
+          </a:fillRef>
+          <a:effectRef idx="0">
+            <a:schemeClr val="accent1"/>
+          </a:effectRef>
+          <a:fontRef idx="minor">
+            <a:schemeClr val="lt1"/>
+          </a:fontRef>
+        </p:style>
+        <p:txBody>
+          <a:bodyPr rtlCol="0" anchor="ctr"/>
+          <a:lstStyle/>
+          <a:p>
+            <a:pPr algn="ctr"/>
+            <a:r>
+              <a:rPr lang="en-US" b="1" dirty="0">
+                <a:solidFill>
+                  <a:schemeClr val="bg1"/>
+                </a:solidFill>
+              </a:rPr>
+              <a:t>devintr</a:t>
+            </a:r>
+          </a:p>
+          <a:p>
+            <a:pPr algn="ctr"/>
+            <a:r>
+              <a:rPr lang="en-US" sz="1050" b="1" dirty="0">
+                <a:solidFill>
+                  <a:schemeClr val="bg1"/>
+                </a:solidFill>
+              </a:rPr>
+              <a:t>kernel/trap.c</a:t>
+            </a:r>
+          </a:p>
+        </p:txBody>
+      </p:sp>
+      <p:sp>
+        <p:nvSpPr>
+          <p:cNvPr id="51" name="TextBox 50">
+            <a:extLst>
+              <a:ext uri="{FF2B5EF4-FFF2-40B4-BE49-F238E27FC236}">
+                <a16:creationId xmlns:a16="http://schemas.microsoft.com/office/drawing/2014/main" id="{88F434DB-5E58-AD40-98CE-F784B0A95CD2}"/>
+              </a:ext>
+            </a:extLst>
+          </p:cNvPr>
+          <p:cNvSpPr txBox="1"/>
+          <p:nvPr/>
+        </p:nvSpPr>
+        <p:spPr>
+          <a:xfrm>
+            <a:off x="1975514" y="5991914"/>
+            <a:ext cx="590418" cy="369332"/>
+          </a:xfrm>
+          <a:prstGeom prst="rect">
+            <a:avLst/>
+          </a:prstGeom>
+          <a:noFill/>
+        </p:spPr>
+        <p:txBody>
+          <a:bodyPr wrap="none" rtlCol="0">
+            <a:spAutoFit/>
+          </a:bodyPr>
+          <a:lstStyle/>
+          <a:p>
+            <a:r>
+              <a:rPr lang="en-US" dirty="0"/>
+              <a:t>Trap</a:t>
+            </a:r>
+          </a:p>
+        </p:txBody>
+      </p:sp>
+      <p:sp>
+        <p:nvSpPr>
+          <p:cNvPr id="18" name="TextBox 17">
+            <a:extLst>
+              <a:ext uri="{FF2B5EF4-FFF2-40B4-BE49-F238E27FC236}">
+                <a16:creationId xmlns:a16="http://schemas.microsoft.com/office/drawing/2014/main" id="{AA366864-55C4-3249-B74D-E9929F8D8A9D}"/>
+              </a:ext>
+            </a:extLst>
+          </p:cNvPr>
+          <p:cNvSpPr txBox="1"/>
+          <p:nvPr/>
+        </p:nvSpPr>
+        <p:spPr>
+          <a:xfrm>
+            <a:off x="3221826" y="3472812"/>
+            <a:ext cx="237566" cy="369332"/>
+          </a:xfrm>
+          <a:prstGeom prst="rect">
+            <a:avLst/>
+          </a:prstGeom>
+          <a:noFill/>
+        </p:spPr>
+        <p:txBody>
+          <a:bodyPr wrap="none" rtlCol="0">
+            <a:spAutoFit/>
+          </a:bodyPr>
+          <a:lstStyle/>
+          <a:p>
+            <a:r>
+              <a:rPr lang="en-US" dirty="0">
+                <a:solidFill>
+                  <a:srgbClr val="FF0000"/>
+                </a:solidFill>
+              </a:rPr>
+              <a:t>l</a:t>
+            </a:r>
+          </a:p>
+        </p:txBody>
+      </p:sp>
+      <p:sp>
+        <p:nvSpPr>
+          <p:cNvPr id="23" name="TextBox 22">
+            <a:extLst>
+              <a:ext uri="{FF2B5EF4-FFF2-40B4-BE49-F238E27FC236}">
+                <a16:creationId xmlns:a16="http://schemas.microsoft.com/office/drawing/2014/main" id="{DDC4C60B-1D00-F74F-B89F-BBD48A485A03}"/>
+              </a:ext>
+            </a:extLst>
+          </p:cNvPr>
+          <p:cNvSpPr txBox="1"/>
+          <p:nvPr/>
+        </p:nvSpPr>
+        <p:spPr>
+          <a:xfrm>
+            <a:off x="3299018" y="2478729"/>
+            <a:ext cx="274434" cy="369332"/>
+          </a:xfrm>
+          <a:prstGeom prst="rect">
+            <a:avLst/>
+          </a:prstGeom>
+          <a:noFill/>
+        </p:spPr>
+        <p:txBody>
+          <a:bodyPr wrap="none" rtlCol="0">
+            <a:spAutoFit/>
+          </a:bodyPr>
+          <a:lstStyle/>
+          <a:p>
+            <a:r>
+              <a:rPr lang="en-US" dirty="0">
+                <a:solidFill>
+                  <a:srgbClr val="FF0000"/>
+                </a:solidFill>
+              </a:rPr>
+              <a:t>s</a:t>
+            </a:r>
+          </a:p>
+        </p:txBody>
+      </p:sp>
+      <p:sp>
+        <p:nvSpPr>
+          <p:cNvPr id="54" name="Rounded Rectangle 53">
+            <a:extLst>
+              <a:ext uri="{FF2B5EF4-FFF2-40B4-BE49-F238E27FC236}">
+                <a16:creationId xmlns:a16="http://schemas.microsoft.com/office/drawing/2014/main" id="{FC40FBD2-1FB0-1F44-B842-EC7381AF501F}"/>
+              </a:ext>
+            </a:extLst>
+          </p:cNvPr>
+          <p:cNvSpPr/>
+          <p:nvPr/>
+        </p:nvSpPr>
+        <p:spPr>
+          <a:xfrm>
+            <a:off x="2975335" y="4480720"/>
+            <a:ext cx="1416270" cy="915130"/>
+          </a:xfrm>
+          <a:prstGeom prst="roundRect">
+            <a:avLst/>
+          </a:prstGeom>
+          <a:solidFill>
+            <a:srgbClr val="00B0F0"/>
+          </a:solidFill>
+        </p:spPr>
+        <p:style>
+          <a:lnRef idx="2">
+            <a:schemeClr val="accent1">
+              <a:shade val="50000"/>
+            </a:schemeClr>
+          </a:lnRef>
+          <a:fillRef idx="1">
+            <a:schemeClr val="accent1"/>
+          </a:fillRef>
+          <a:effectRef idx="0">
+            <a:schemeClr val="accent1"/>
+          </a:effectRef>
+          <a:fontRef idx="minor">
+            <a:schemeClr val="lt1"/>
+          </a:fontRef>
+        </p:style>
+        <p:txBody>
+          <a:bodyPr rtlCol="0" anchor="ctr"/>
+          <a:lstStyle/>
+          <a:p>
+            <a:pPr algn="ctr"/>
+            <a:r>
+              <a:rPr lang="en-US" b="1" dirty="0">
+                <a:solidFill>
+                  <a:schemeClr val="bg1"/>
+                </a:solidFill>
+              </a:rPr>
+              <a:t>uartintr</a:t>
+            </a:r>
+          </a:p>
+          <a:p>
+            <a:pPr algn="ctr"/>
+            <a:r>
+              <a:rPr lang="en-US" sz="1050" b="1" dirty="0">
+                <a:solidFill>
+                  <a:schemeClr val="bg1"/>
+                </a:solidFill>
+              </a:rPr>
+              <a:t>kernel/uart.c</a:t>
+            </a:r>
+          </a:p>
+        </p:txBody>
+      </p:sp>
+      <p:sp>
+        <p:nvSpPr>
+          <p:cNvPr id="25" name="Up Arrow 24">
+            <a:extLst>
+              <a:ext uri="{FF2B5EF4-FFF2-40B4-BE49-F238E27FC236}">
+                <a16:creationId xmlns:a16="http://schemas.microsoft.com/office/drawing/2014/main" id="{4DB655CC-BC8C-9343-96C6-DBF2CF7F0F15}"/>
+              </a:ext>
+            </a:extLst>
+          </p:cNvPr>
+          <p:cNvSpPr/>
+          <p:nvPr/>
+        </p:nvSpPr>
+        <p:spPr>
+          <a:xfrm>
+            <a:off x="3531167" y="5379472"/>
+            <a:ext cx="292551" cy="323165"/>
+          </a:xfrm>
+          <a:prstGeom prst="upArrow">
+            <a:avLst/>
+          </a:prstGeom>
+          <a:solidFill>
+            <a:srgbClr val="FFFF00"/>
+          </a:solidFill>
+          <a:ln>
+            <a:noFill/>
+          </a:ln>
+        </p:spPr>
+        <p:style>
+          <a:lnRef idx="2">
+            <a:schemeClr val="accent1">
+              <a:shade val="50000"/>
+            </a:schemeClr>
+          </a:lnRef>
+          <a:fillRef idx="1">
+            <a:schemeClr val="accent1"/>
+          </a:fillRef>
+          <a:effectRef idx="0">
+            <a:schemeClr val="accent1"/>
+          </a:effectRef>
+          <a:fontRef idx="minor">
+            <a:schemeClr val="lt1"/>
+          </a:fontRef>
+        </p:style>
+        <p:txBody>
+          <a:bodyPr rtlCol="0" anchor="ctr"/>
+          <a:lstStyle/>
+          <a:p>
+            <a:pPr algn="ctr"/>
+            <a:endParaRPr lang="en-US"/>
+          </a:p>
+        </p:txBody>
+      </p:sp>
+      <p:cxnSp>
+        <p:nvCxnSpPr>
+          <p:cNvPr id="31" name="Straight Arrow Connector 30">
+            <a:extLst>
+              <a:ext uri="{FF2B5EF4-FFF2-40B4-BE49-F238E27FC236}">
+                <a16:creationId xmlns:a16="http://schemas.microsoft.com/office/drawing/2014/main" id="{1413BEF7-543C-4940-AC4A-B1FC7E2E3590}"/>
+              </a:ext>
+            </a:extLst>
+          </p:cNvPr>
+          <p:cNvCxnSpPr>
+            <a:stCxn id="54" idx="0"/>
+            <a:endCxn id="11" idx="2"/>
+          </p:cNvCxnSpPr>
+          <p:nvPr/>
+        </p:nvCxnSpPr>
+        <p:spPr>
+          <a:xfrm flipH="1" flipV="1">
+            <a:off x="2987804" y="3962950"/>
+            <a:ext cx="695666" cy="517770"/>
+          </a:xfrm>
+          <a:prstGeom prst="straightConnector1">
+            <a:avLst/>
+          </a:prstGeom>
+          <a:ln>
+            <a:tailEnd type="triangle"/>
+          </a:ln>
+        </p:spPr>
+        <p:style>
+          <a:lnRef idx="2">
+            <a:schemeClr val="accent1"/>
+          </a:lnRef>
+          <a:fillRef idx="0">
+            <a:schemeClr val="accent1"/>
+          </a:fillRef>
+          <a:effectRef idx="1">
+            <a:schemeClr val="accent1"/>
+          </a:effectRef>
+          <a:fontRef idx="minor">
+            <a:schemeClr val="tx1"/>
+          </a:fontRef>
+        </p:style>
+      </p:cxnSp>
+      <p:sp>
+        <p:nvSpPr>
+          <p:cNvPr id="60" name="TextBox 59">
+            <a:extLst>
+              <a:ext uri="{FF2B5EF4-FFF2-40B4-BE49-F238E27FC236}">
+                <a16:creationId xmlns:a16="http://schemas.microsoft.com/office/drawing/2014/main" id="{ECCE803E-2340-AA43-9131-48C7098FFB1C}"/>
+              </a:ext>
+            </a:extLst>
+          </p:cNvPr>
+          <p:cNvSpPr txBox="1"/>
+          <p:nvPr/>
+        </p:nvSpPr>
+        <p:spPr>
+          <a:xfrm>
+            <a:off x="2994272" y="4076137"/>
+            <a:ext cx="845168" cy="276999"/>
+          </a:xfrm>
+          <a:prstGeom prst="rect">
+            <a:avLst/>
+          </a:prstGeom>
+          <a:noFill/>
+        </p:spPr>
+        <p:txBody>
+          <a:bodyPr wrap="none" rtlCol="0">
+            <a:spAutoFit/>
+          </a:bodyPr>
+          <a:lstStyle/>
+          <a:p>
+            <a:r>
+              <a:rPr lang="en-US" sz="1200" dirty="0"/>
+              <a:t>uartgetc( )</a:t>
+            </a:r>
+          </a:p>
+        </p:txBody>
+      </p:sp>
+      <p:cxnSp>
+        <p:nvCxnSpPr>
+          <p:cNvPr id="33" name="Straight Arrow Connector 32">
+            <a:extLst>
+              <a:ext uri="{FF2B5EF4-FFF2-40B4-BE49-F238E27FC236}">
+                <a16:creationId xmlns:a16="http://schemas.microsoft.com/office/drawing/2014/main" id="{FECC801B-B98F-8146-AC9F-7D3A6D8A23C4}"/>
+              </a:ext>
+            </a:extLst>
+          </p:cNvPr>
+          <p:cNvCxnSpPr>
+            <a:stCxn id="11" idx="2"/>
+            <a:endCxn id="58" idx="1"/>
+          </p:cNvCxnSpPr>
+          <p:nvPr/>
+        </p:nvCxnSpPr>
+        <p:spPr>
+          <a:xfrm>
+            <a:off x="2987804" y="3962950"/>
+            <a:ext cx="2450724" cy="644431"/>
+          </a:xfrm>
+          <a:prstGeom prst="straightConnector1">
+            <a:avLst/>
+          </a:prstGeom>
+          <a:ln>
+            <a:tailEnd type="triangle"/>
+          </a:ln>
+        </p:spPr>
+        <p:style>
+          <a:lnRef idx="2">
+            <a:schemeClr val="accent1"/>
+          </a:lnRef>
+          <a:fillRef idx="0">
+            <a:schemeClr val="accent1"/>
+          </a:fillRef>
+          <a:effectRef idx="1">
+            <a:schemeClr val="accent1"/>
+          </a:effectRef>
+          <a:fontRef idx="minor">
+            <a:schemeClr val="tx1"/>
+          </a:fontRef>
+        </p:style>
+      </p:cxnSp>
+      <p:sp>
+        <p:nvSpPr>
+          <p:cNvPr id="61" name="TextBox 60">
+            <a:extLst>
+              <a:ext uri="{FF2B5EF4-FFF2-40B4-BE49-F238E27FC236}">
+                <a16:creationId xmlns:a16="http://schemas.microsoft.com/office/drawing/2014/main" id="{78519724-DD00-AA41-BAC3-2A008FC4F406}"/>
+              </a:ext>
+            </a:extLst>
+          </p:cNvPr>
+          <p:cNvSpPr txBox="1"/>
+          <p:nvPr/>
+        </p:nvSpPr>
+        <p:spPr>
+          <a:xfrm>
+            <a:off x="4545765" y="4214636"/>
+            <a:ext cx="237566" cy="369332"/>
+          </a:xfrm>
+          <a:prstGeom prst="rect">
+            <a:avLst/>
+          </a:prstGeom>
+          <a:noFill/>
+        </p:spPr>
+        <p:txBody>
+          <a:bodyPr wrap="none" rtlCol="0">
+            <a:spAutoFit/>
+          </a:bodyPr>
+          <a:lstStyle/>
+          <a:p>
+            <a:r>
+              <a:rPr lang="en-US" dirty="0">
+                <a:solidFill>
+                  <a:srgbClr val="FF0000"/>
+                </a:solidFill>
+              </a:rPr>
+              <a:t>l</a:t>
+            </a:r>
+          </a:p>
+        </p:txBody>
+      </p:sp>
+      <p:sp>
+        <p:nvSpPr>
+          <p:cNvPr id="62" name="TextBox 61">
+            <a:extLst>
+              <a:ext uri="{FF2B5EF4-FFF2-40B4-BE49-F238E27FC236}">
+                <a16:creationId xmlns:a16="http://schemas.microsoft.com/office/drawing/2014/main" id="{4818581D-0372-D240-A41B-A4A27F9324FB}"/>
+              </a:ext>
+            </a:extLst>
+          </p:cNvPr>
+          <p:cNvSpPr txBox="1"/>
+          <p:nvPr/>
+        </p:nvSpPr>
+        <p:spPr>
+          <a:xfrm>
+            <a:off x="3818412" y="4029250"/>
+            <a:ext cx="1078052" cy="276999"/>
+          </a:xfrm>
+          <a:prstGeom prst="rect">
+            <a:avLst/>
+          </a:prstGeom>
+          <a:noFill/>
+        </p:spPr>
+        <p:txBody>
+          <a:bodyPr wrap="none" rtlCol="0">
+            <a:spAutoFit/>
+          </a:bodyPr>
+          <a:lstStyle/>
+          <a:p>
+            <a:r>
+              <a:rPr lang="en-US" sz="1200" dirty="0"/>
+              <a:t>consoleintr(c)</a:t>
+            </a:r>
+          </a:p>
+        </p:txBody>
+      </p:sp>
+      <p:cxnSp>
+        <p:nvCxnSpPr>
+          <p:cNvPr id="36" name="Elbow Connector 35">
+            <a:extLst>
+              <a:ext uri="{FF2B5EF4-FFF2-40B4-BE49-F238E27FC236}">
+                <a16:creationId xmlns:a16="http://schemas.microsoft.com/office/drawing/2014/main" id="{365B4BDC-0B7D-224B-99FF-5406A69E0A1E}"/>
+              </a:ext>
+            </a:extLst>
+          </p:cNvPr>
+          <p:cNvCxnSpPr>
+            <a:stCxn id="58" idx="0"/>
+            <a:endCxn id="14" idx="1"/>
+          </p:cNvCxnSpPr>
+          <p:nvPr/>
+        </p:nvCxnSpPr>
+        <p:spPr>
+          <a:xfrm rot="5400000" flipH="1" flipV="1">
+            <a:off x="6301967" y="2476436"/>
+            <a:ext cx="1362098" cy="1775185"/>
+          </a:xfrm>
+          <a:prstGeom prst="bentConnector2">
+            <a:avLst/>
+          </a:prstGeom>
+          <a:ln>
+            <a:tailEnd type="triangle"/>
+          </a:ln>
+        </p:spPr>
+        <p:style>
+          <a:lnRef idx="2">
+            <a:schemeClr val="accent1"/>
+          </a:lnRef>
+          <a:fillRef idx="0">
+            <a:schemeClr val="accent1"/>
+          </a:fillRef>
+          <a:effectRef idx="1">
+            <a:schemeClr val="accent1"/>
+          </a:effectRef>
+          <a:fontRef idx="minor">
+            <a:schemeClr val="tx1"/>
+          </a:fontRef>
+        </p:style>
+      </p:cxnSp>
+      <p:sp>
+        <p:nvSpPr>
+          <p:cNvPr id="65" name="TextBox 64">
+            <a:extLst>
+              <a:ext uri="{FF2B5EF4-FFF2-40B4-BE49-F238E27FC236}">
+                <a16:creationId xmlns:a16="http://schemas.microsoft.com/office/drawing/2014/main" id="{A107C8FD-ED62-E140-8C84-D6810C79183E}"/>
+              </a:ext>
+            </a:extLst>
+          </p:cNvPr>
+          <p:cNvSpPr txBox="1"/>
+          <p:nvPr/>
+        </p:nvSpPr>
+        <p:spPr>
+          <a:xfrm>
+            <a:off x="5624784" y="3241093"/>
+            <a:ext cx="906082" cy="276999"/>
+          </a:xfrm>
+          <a:prstGeom prst="rect">
+            <a:avLst/>
+          </a:prstGeom>
+          <a:noFill/>
+        </p:spPr>
+        <p:txBody>
+          <a:bodyPr wrap="none" rtlCol="0">
+            <a:spAutoFit/>
+          </a:bodyPr>
+          <a:lstStyle/>
+          <a:p>
+            <a:r>
+              <a:rPr lang="en-US" sz="1200" dirty="0"/>
+              <a:t>consputc(c)</a:t>
+            </a:r>
+          </a:p>
+        </p:txBody>
+      </p:sp>
+      <p:sp>
+        <p:nvSpPr>
+          <p:cNvPr id="66" name="TextBox 65">
+            <a:extLst>
+              <a:ext uri="{FF2B5EF4-FFF2-40B4-BE49-F238E27FC236}">
+                <a16:creationId xmlns:a16="http://schemas.microsoft.com/office/drawing/2014/main" id="{6D692D69-41C8-1E46-9C54-28A1870E197A}"/>
+              </a:ext>
+            </a:extLst>
+          </p:cNvPr>
+          <p:cNvSpPr txBox="1"/>
+          <p:nvPr/>
+        </p:nvSpPr>
+        <p:spPr>
+          <a:xfrm>
+            <a:off x="6073342" y="2856847"/>
+            <a:ext cx="237566" cy="369332"/>
+          </a:xfrm>
+          <a:prstGeom prst="rect">
+            <a:avLst/>
+          </a:prstGeom>
+          <a:noFill/>
+        </p:spPr>
+        <p:txBody>
+          <a:bodyPr wrap="none" rtlCol="0">
+            <a:spAutoFit/>
+          </a:bodyPr>
+          <a:lstStyle/>
+          <a:p>
+            <a:r>
+              <a:rPr lang="en-US" dirty="0">
+                <a:solidFill>
+                  <a:srgbClr val="FF0000"/>
+                </a:solidFill>
+              </a:rPr>
+              <a:t>l</a:t>
+            </a:r>
+          </a:p>
+        </p:txBody>
+      </p:sp>
+      <p:sp>
+        <p:nvSpPr>
+          <p:cNvPr id="68" name="Rectangle 67">
+            <a:extLst>
+              <a:ext uri="{FF2B5EF4-FFF2-40B4-BE49-F238E27FC236}">
+                <a16:creationId xmlns:a16="http://schemas.microsoft.com/office/drawing/2014/main" id="{D1B506A6-EEE7-8349-B564-074E0FE77932}"/>
+              </a:ext>
+            </a:extLst>
+          </p:cNvPr>
+          <p:cNvSpPr/>
+          <p:nvPr/>
+        </p:nvSpPr>
+        <p:spPr>
+          <a:xfrm>
+            <a:off x="5742618" y="4883007"/>
+            <a:ext cx="705610" cy="254464"/>
+          </a:xfrm>
+          <a:prstGeom prst="rect">
+            <a:avLst/>
+          </a:prstGeom>
+        </p:spPr>
+        <p:style>
+          <a:lnRef idx="2">
+            <a:schemeClr val="accent1">
+              <a:shade val="50000"/>
+            </a:schemeClr>
+          </a:lnRef>
+          <a:fillRef idx="1">
+            <a:schemeClr val="accent1"/>
+          </a:fillRef>
+          <a:effectRef idx="0">
+            <a:schemeClr val="accent1"/>
+          </a:effectRef>
+          <a:fontRef idx="minor">
+            <a:schemeClr val="lt1"/>
+          </a:fontRef>
+        </p:style>
+        <p:txBody>
+          <a:bodyPr rtlCol="0" anchor="ctr"/>
+          <a:lstStyle/>
+          <a:p>
+            <a:pPr algn="ctr"/>
+            <a:r>
+              <a:rPr lang="en-US" sz="1100" dirty="0"/>
+              <a:t>cons.buf</a:t>
+            </a:r>
+          </a:p>
+        </p:txBody>
+      </p:sp>
+      <p:sp>
+        <p:nvSpPr>
+          <p:cNvPr id="70" name="Rounded Rectangle 69">
+            <a:extLst>
+              <a:ext uri="{FF2B5EF4-FFF2-40B4-BE49-F238E27FC236}">
+                <a16:creationId xmlns:a16="http://schemas.microsoft.com/office/drawing/2014/main" id="{176E2D88-4F3A-F344-8BE8-2AAD62843F91}"/>
+              </a:ext>
+            </a:extLst>
+          </p:cNvPr>
+          <p:cNvSpPr/>
+          <p:nvPr/>
+        </p:nvSpPr>
+        <p:spPr>
+          <a:xfrm>
+            <a:off x="5387289" y="5706765"/>
+            <a:ext cx="1416270" cy="915130"/>
+          </a:xfrm>
+          <a:prstGeom prst="roundRect">
+            <a:avLst/>
+          </a:prstGeom>
+          <a:solidFill>
+            <a:schemeClr val="accent3"/>
+          </a:solidFill>
+          <a:ln>
+            <a:noFill/>
+          </a:ln>
+        </p:spPr>
+        <p:style>
+          <a:lnRef idx="2">
+            <a:schemeClr val="accent1">
+              <a:shade val="50000"/>
+            </a:schemeClr>
+          </a:lnRef>
+          <a:fillRef idx="1">
+            <a:schemeClr val="accent1"/>
+          </a:fillRef>
+          <a:effectRef idx="0">
+            <a:schemeClr val="accent1"/>
+          </a:effectRef>
+          <a:fontRef idx="minor">
+            <a:schemeClr val="lt1"/>
+          </a:fontRef>
+        </p:style>
+        <p:txBody>
+          <a:bodyPr rtlCol="0" anchor="ctr"/>
+          <a:lstStyle/>
+          <a:p>
+            <a:pPr algn="ctr"/>
+            <a:r>
+              <a:rPr lang="en-US" b="1" dirty="0">
+                <a:solidFill>
+                  <a:schemeClr val="bg1"/>
+                </a:solidFill>
+              </a:rPr>
+              <a:t>Syscall</a:t>
+            </a:r>
+          </a:p>
+          <a:p>
+            <a:pPr algn="ctr"/>
+            <a:r>
+              <a:rPr lang="en-US" sz="1050" dirty="0">
+                <a:solidFill>
+                  <a:schemeClr val="bg1"/>
+                </a:solidFill>
+              </a:rPr>
+              <a:t>kernel/syscall.c</a:t>
+            </a:r>
+          </a:p>
+        </p:txBody>
+      </p:sp>
+      <p:sp>
+        <p:nvSpPr>
+          <p:cNvPr id="71" name="Rounded Rectangle 70">
+            <a:extLst>
+              <a:ext uri="{FF2B5EF4-FFF2-40B4-BE49-F238E27FC236}">
+                <a16:creationId xmlns:a16="http://schemas.microsoft.com/office/drawing/2014/main" id="{2CC33399-5EEA-114E-A4B1-85AAA9D2C52D}"/>
+              </a:ext>
+            </a:extLst>
+          </p:cNvPr>
+          <p:cNvSpPr/>
+          <p:nvPr/>
+        </p:nvSpPr>
+        <p:spPr>
+          <a:xfrm>
+            <a:off x="8275452" y="5645131"/>
+            <a:ext cx="977462" cy="1030142"/>
+          </a:xfrm>
+          <a:prstGeom prst="roundRect">
+            <a:avLst/>
+          </a:prstGeom>
+          <a:solidFill>
+            <a:schemeClr val="accent3"/>
+          </a:solidFill>
+          <a:ln>
+            <a:noFill/>
+          </a:ln>
+        </p:spPr>
+        <p:style>
+          <a:lnRef idx="2">
+            <a:schemeClr val="accent1">
+              <a:shade val="50000"/>
+            </a:schemeClr>
+          </a:lnRef>
+          <a:fillRef idx="1">
+            <a:schemeClr val="accent1"/>
+          </a:fillRef>
+          <a:effectRef idx="0">
+            <a:schemeClr val="accent1"/>
+          </a:effectRef>
+          <a:fontRef idx="minor">
+            <a:schemeClr val="lt1"/>
+          </a:fontRef>
+        </p:style>
+        <p:txBody>
+          <a:bodyPr rtlCol="0" anchor="ctr"/>
+          <a:lstStyle/>
+          <a:p>
+            <a:pPr algn="ctr"/>
+            <a:r>
+              <a:rPr lang="en-US" b="1" dirty="0"/>
+              <a:t>User</a:t>
+            </a:r>
+          </a:p>
+        </p:txBody>
+      </p:sp>
+      <p:sp>
+        <p:nvSpPr>
+          <p:cNvPr id="74" name="Right Arrow 73">
+            <a:extLst>
+              <a:ext uri="{FF2B5EF4-FFF2-40B4-BE49-F238E27FC236}">
+                <a16:creationId xmlns:a16="http://schemas.microsoft.com/office/drawing/2014/main" id="{DA2F6D6C-B39F-4D49-994E-DC81BB08A424}"/>
+              </a:ext>
+            </a:extLst>
+          </p:cNvPr>
+          <p:cNvSpPr/>
+          <p:nvPr/>
+        </p:nvSpPr>
+        <p:spPr>
+          <a:xfrm>
+            <a:off x="6866233" y="5724556"/>
+            <a:ext cx="1367472" cy="295430"/>
+          </a:xfrm>
+          <a:prstGeom prst="rightArrow">
+            <a:avLst/>
+          </a:prstGeom>
+          <a:solidFill>
+            <a:schemeClr val="accent3"/>
+          </a:solidFill>
+          <a:ln>
+            <a:noFill/>
+          </a:ln>
+        </p:spPr>
+        <p:style>
+          <a:lnRef idx="2">
+            <a:schemeClr val="accent1">
+              <a:shade val="50000"/>
+            </a:schemeClr>
+          </a:lnRef>
+          <a:fillRef idx="1">
+            <a:schemeClr val="accent1"/>
+          </a:fillRef>
+          <a:effectRef idx="0">
+            <a:schemeClr val="accent1"/>
+          </a:effectRef>
+          <a:fontRef idx="minor">
+            <a:schemeClr val="lt1"/>
+          </a:fontRef>
+        </p:style>
+        <p:txBody>
+          <a:bodyPr rtlCol="0" anchor="ctr"/>
+          <a:lstStyle/>
+          <a:p>
+            <a:pPr algn="ctr"/>
+            <a:endParaRPr lang="en-US"/>
+          </a:p>
+        </p:txBody>
+      </p:sp>
+      <p:sp>
+        <p:nvSpPr>
+          <p:cNvPr id="76" name="Left Arrow 75">
+            <a:extLst>
+              <a:ext uri="{FF2B5EF4-FFF2-40B4-BE49-F238E27FC236}">
+                <a16:creationId xmlns:a16="http://schemas.microsoft.com/office/drawing/2014/main" id="{72E9252F-4361-4145-9C23-C2446F577C17}"/>
+              </a:ext>
+            </a:extLst>
+          </p:cNvPr>
+          <p:cNvSpPr/>
+          <p:nvPr/>
+        </p:nvSpPr>
+        <p:spPr>
+          <a:xfrm>
+            <a:off x="6826036" y="6279107"/>
+            <a:ext cx="1367472" cy="301050"/>
+          </a:xfrm>
+          <a:prstGeom prst="leftArrow">
+            <a:avLst/>
+          </a:prstGeom>
+          <a:solidFill>
+            <a:schemeClr val="accent3"/>
+          </a:solidFill>
+          <a:ln>
+            <a:noFill/>
+          </a:ln>
+        </p:spPr>
+        <p:style>
+          <a:lnRef idx="2">
+            <a:schemeClr val="accent1">
+              <a:shade val="50000"/>
+            </a:schemeClr>
+          </a:lnRef>
+          <a:fillRef idx="1">
+            <a:schemeClr val="accent1"/>
+          </a:fillRef>
+          <a:effectRef idx="0">
+            <a:schemeClr val="accent1"/>
+          </a:effectRef>
+          <a:fontRef idx="minor">
+            <a:schemeClr val="lt1"/>
+          </a:fontRef>
+        </p:style>
+        <p:txBody>
+          <a:bodyPr rtlCol="0" anchor="ctr"/>
+          <a:lstStyle/>
+          <a:p>
+            <a:pPr algn="ctr"/>
+            <a:endParaRPr lang="en-US"/>
+          </a:p>
+        </p:txBody>
+      </p:sp>
+      <p:sp>
+        <p:nvSpPr>
+          <p:cNvPr id="78" name="TextBox 77">
+            <a:extLst>
+              <a:ext uri="{FF2B5EF4-FFF2-40B4-BE49-F238E27FC236}">
+                <a16:creationId xmlns:a16="http://schemas.microsoft.com/office/drawing/2014/main" id="{4213C5F4-7DE1-0941-8947-B9467F39E422}"/>
+              </a:ext>
+            </a:extLst>
+          </p:cNvPr>
+          <p:cNvSpPr txBox="1"/>
+          <p:nvPr/>
+        </p:nvSpPr>
+        <p:spPr>
+          <a:xfrm>
+            <a:off x="7272873" y="5979460"/>
+            <a:ext cx="590418" cy="369332"/>
+          </a:xfrm>
+          <a:prstGeom prst="rect">
+            <a:avLst/>
+          </a:prstGeom>
+          <a:noFill/>
+        </p:spPr>
+        <p:txBody>
+          <a:bodyPr wrap="none" rtlCol="0">
+            <a:spAutoFit/>
+          </a:bodyPr>
+          <a:lstStyle/>
+          <a:p>
+            <a:r>
+              <a:rPr lang="en-US" dirty="0"/>
+              <a:t>Trap</a:t>
+            </a:r>
+          </a:p>
+        </p:txBody>
+      </p:sp>
+      <p:cxnSp>
+        <p:nvCxnSpPr>
+          <p:cNvPr id="45" name="Straight Arrow Connector 44">
+            <a:extLst>
+              <a:ext uri="{FF2B5EF4-FFF2-40B4-BE49-F238E27FC236}">
+                <a16:creationId xmlns:a16="http://schemas.microsoft.com/office/drawing/2014/main" id="{FE25FF21-51A6-7345-B533-891C96A456AC}"/>
+              </a:ext>
+            </a:extLst>
+          </p:cNvPr>
+          <p:cNvCxnSpPr/>
+          <p:nvPr/>
+        </p:nvCxnSpPr>
+        <p:spPr>
+          <a:xfrm flipV="1">
+            <a:off x="6310908" y="5169684"/>
+            <a:ext cx="0" cy="532953"/>
+          </a:xfrm>
+          <a:prstGeom prst="straightConnector1">
+            <a:avLst/>
+          </a:prstGeom>
+          <a:ln>
+            <a:tailEnd type="triangle"/>
+          </a:ln>
+        </p:spPr>
+        <p:style>
+          <a:lnRef idx="3">
+            <a:schemeClr val="accent3"/>
+          </a:lnRef>
+          <a:fillRef idx="0">
+            <a:schemeClr val="accent3"/>
+          </a:fillRef>
+          <a:effectRef idx="2">
+            <a:schemeClr val="accent3"/>
+          </a:effectRef>
+          <a:fontRef idx="minor">
+            <a:schemeClr val="tx1"/>
+          </a:fontRef>
+        </p:style>
+      </p:cxnSp>
+      <p:sp>
+        <p:nvSpPr>
+          <p:cNvPr id="79" name="TextBox 78">
+            <a:extLst>
+              <a:ext uri="{FF2B5EF4-FFF2-40B4-BE49-F238E27FC236}">
+                <a16:creationId xmlns:a16="http://schemas.microsoft.com/office/drawing/2014/main" id="{03D1E2A4-A827-2D44-B30B-998B41C6A569}"/>
+              </a:ext>
+            </a:extLst>
+          </p:cNvPr>
+          <p:cNvSpPr txBox="1"/>
+          <p:nvPr/>
+        </p:nvSpPr>
+        <p:spPr>
+          <a:xfrm>
+            <a:off x="6293015" y="5212887"/>
+            <a:ext cx="1075807" cy="461665"/>
+          </a:xfrm>
+          <a:prstGeom prst="rect">
+            <a:avLst/>
+          </a:prstGeom>
+          <a:noFill/>
+        </p:spPr>
+        <p:txBody>
+          <a:bodyPr wrap="none" rtlCol="0">
+            <a:spAutoFit/>
+          </a:bodyPr>
+          <a:lstStyle/>
+          <a:p>
+            <a:r>
+              <a:rPr lang="en-US" sz="1200" dirty="0"/>
+              <a:t>sleep</a:t>
+            </a:r>
+          </a:p>
+          <a:p>
+            <a:r>
+              <a:rPr lang="en-US" sz="1200" dirty="0"/>
+              <a:t>consoleread( )</a:t>
+            </a:r>
+          </a:p>
+        </p:txBody>
+      </p:sp>
+      <p:cxnSp>
+        <p:nvCxnSpPr>
+          <p:cNvPr id="52" name="Straight Arrow Connector 51">
+            <a:extLst>
+              <a:ext uri="{FF2B5EF4-FFF2-40B4-BE49-F238E27FC236}">
+                <a16:creationId xmlns:a16="http://schemas.microsoft.com/office/drawing/2014/main" id="{159E991C-A2BB-524F-9C4E-D7AE4EFD2790}"/>
+              </a:ext>
+            </a:extLst>
+          </p:cNvPr>
+          <p:cNvCxnSpPr>
+            <a:cxnSpLocks/>
+          </p:cNvCxnSpPr>
+          <p:nvPr/>
+        </p:nvCxnSpPr>
+        <p:spPr>
+          <a:xfrm>
+            <a:off x="5867341" y="5169684"/>
+            <a:ext cx="0" cy="532953"/>
+          </a:xfrm>
+          <a:prstGeom prst="straightConnector1">
+            <a:avLst/>
+          </a:prstGeom>
+          <a:ln>
+            <a:tailEnd type="triangle"/>
+          </a:ln>
+        </p:spPr>
+        <p:style>
+          <a:lnRef idx="3">
+            <a:schemeClr val="accent1"/>
+          </a:lnRef>
+          <a:fillRef idx="0">
+            <a:schemeClr val="accent1"/>
+          </a:fillRef>
+          <a:effectRef idx="2">
+            <a:schemeClr val="accent1"/>
+          </a:effectRef>
+          <a:fontRef idx="minor">
+            <a:schemeClr val="tx1"/>
+          </a:fontRef>
+        </p:style>
+      </p:cxnSp>
+      <p:sp>
+        <p:nvSpPr>
+          <p:cNvPr id="85" name="TextBox 84">
+            <a:extLst>
+              <a:ext uri="{FF2B5EF4-FFF2-40B4-BE49-F238E27FC236}">
+                <a16:creationId xmlns:a16="http://schemas.microsoft.com/office/drawing/2014/main" id="{8C14F965-B756-6246-AB5E-9DDE20DFDBEA}"/>
+              </a:ext>
+            </a:extLst>
+          </p:cNvPr>
+          <p:cNvSpPr txBox="1"/>
+          <p:nvPr/>
+        </p:nvSpPr>
+        <p:spPr>
+          <a:xfrm>
+            <a:off x="4725346" y="5236045"/>
+            <a:ext cx="1532792" cy="461665"/>
+          </a:xfrm>
+          <a:prstGeom prst="rect">
+            <a:avLst/>
+          </a:prstGeom>
+          <a:noFill/>
+        </p:spPr>
+        <p:txBody>
+          <a:bodyPr wrap="none" rtlCol="0">
+            <a:spAutoFit/>
+          </a:bodyPr>
+          <a:lstStyle/>
+          <a:p>
+            <a:r>
+              <a:rPr lang="en-US" sz="1200" dirty="0"/>
+              <a:t>wakeup</a:t>
+            </a:r>
+          </a:p>
+          <a:p>
+            <a:r>
+              <a:rPr lang="en-US" sz="1200" dirty="0"/>
+              <a:t>P-&gt;state = RUNNABLE</a:t>
+            </a:r>
+          </a:p>
+        </p:txBody>
+      </p:sp>
+    </p:spTree>
+    <p:extLst>
+      <p:ext uri="{BB962C8B-B14F-4D97-AF65-F5344CB8AC3E}">
+        <p14:creationId xmlns:p14="http://schemas.microsoft.com/office/powerpoint/2010/main" val="1174377270"/>
+      </p:ext>
+    </p:extLst>
+  </p:cSld>
+  <p:clrMapOvr>
+    <a:masterClrMapping/>
+  </p:clrMapOvr>
+</p:sld>
+</file>
+
+<file path=ppt/slides/slide11.xml><?xml version="1.0" encoding="utf-8"?>
+<p:sld xmlns:a="http://schemas.openxmlformats.org/drawingml/2006/main" xmlns:r="http://schemas.openxmlformats.org/officeDocument/2006/relationships" xmlns:p="http://schemas.openxmlformats.org/presentationml/2006/main">
+  <p:cSld>
+    <p:spTree>
+      <p:nvGrpSpPr>
+        <p:cNvPr id="1" name=""/>
+        <p:cNvGrpSpPr/>
+        <p:nvPr/>
+      </p:nvGrpSpPr>
+      <p:grpSpPr>
+        <a:xfrm>
+          <a:off x="0" y="0"/>
+          <a:ext cx="0" cy="0"/>
+          <a:chOff x="0" y="0"/>
+          <a:chExt cx="0" cy="0"/>
+        </a:xfrm>
+      </p:grpSpPr>
+      <p:sp>
+        <p:nvSpPr>
+          <p:cNvPr id="2" name="TextBox 1">
+            <a:extLst>
+              <a:ext uri="{FF2B5EF4-FFF2-40B4-BE49-F238E27FC236}">
+                <a16:creationId xmlns:a16="http://schemas.microsoft.com/office/drawing/2014/main" id="{A99980E2-A3A9-FD4A-9011-9A37E88F5891}"/>
+              </a:ext>
+            </a:extLst>
+          </p:cNvPr>
+          <p:cNvSpPr txBox="1"/>
+          <p:nvPr/>
+        </p:nvSpPr>
+        <p:spPr>
+          <a:xfrm>
+            <a:off x="1872537" y="277843"/>
+            <a:ext cx="8446926" cy="707886"/>
+          </a:xfrm>
+          <a:prstGeom prst="rect">
+            <a:avLst/>
+          </a:prstGeom>
+          <a:noFill/>
+        </p:spPr>
+        <p:txBody>
+          <a:bodyPr wrap="square" rtlCol="0">
+            <a:spAutoFit/>
+          </a:bodyPr>
+          <a:lstStyle/>
+          <a:p>
+            <a:pPr algn="ctr"/>
+            <a:r>
+              <a:rPr lang="en-US" sz="4000" dirty="0">
+                <a:solidFill>
+                  <a:schemeClr val="accent1">
+                    <a:lumMod val="60000"/>
+                    <a:lumOff val="40000"/>
+                  </a:schemeClr>
+                </a:solidFill>
+              </a:rPr>
+              <a:t>Clock Interrupt</a:t>
+            </a:r>
+          </a:p>
+        </p:txBody>
+      </p:sp>
+      <p:sp>
+        <p:nvSpPr>
+          <p:cNvPr id="3" name="Oval 2">
+            <a:extLst>
+              <a:ext uri="{FF2B5EF4-FFF2-40B4-BE49-F238E27FC236}">
+                <a16:creationId xmlns:a16="http://schemas.microsoft.com/office/drawing/2014/main" id="{BA00F8CD-D712-8B4C-B445-9DEEE99AB789}"/>
+              </a:ext>
+            </a:extLst>
+          </p:cNvPr>
+          <p:cNvSpPr/>
+          <p:nvPr/>
+        </p:nvSpPr>
+        <p:spPr>
+          <a:xfrm>
+            <a:off x="5475889" y="1370692"/>
+            <a:ext cx="1240221" cy="1267811"/>
+          </a:xfrm>
+          <a:prstGeom prst="ellipse">
+            <a:avLst/>
+          </a:prstGeom>
+          <a:solidFill>
+            <a:schemeClr val="tx2">
+              <a:lumMod val="10000"/>
+            </a:schemeClr>
+          </a:solidFill>
+          <a:ln>
+            <a:solidFill>
+              <a:srgbClr val="FF0000"/>
+            </a:solidFill>
+          </a:ln>
+        </p:spPr>
+        <p:style>
+          <a:lnRef idx="2">
+            <a:schemeClr val="accent1">
+              <a:shade val="50000"/>
+            </a:schemeClr>
+          </a:lnRef>
+          <a:fillRef idx="1">
+            <a:schemeClr val="accent1"/>
+          </a:fillRef>
+          <a:effectRef idx="0">
+            <a:schemeClr val="accent1"/>
+          </a:effectRef>
+          <a:fontRef idx="minor">
+            <a:schemeClr val="lt1"/>
+          </a:fontRef>
+        </p:style>
+        <p:txBody>
+          <a:bodyPr rtlCol="0" anchor="ctr"/>
+          <a:lstStyle/>
+          <a:p>
+            <a:pPr algn="ctr"/>
+            <a:r>
+              <a:rPr lang="en-US" b="1" dirty="0">
+                <a:solidFill>
+                  <a:schemeClr val="tx1"/>
+                </a:solidFill>
+              </a:rPr>
+              <a:t>Timer</a:t>
+            </a:r>
+          </a:p>
+        </p:txBody>
+      </p:sp>
+      <p:sp>
+        <p:nvSpPr>
+          <p:cNvPr id="6" name="Down Arrow 5">
+            <a:extLst>
+              <a:ext uri="{FF2B5EF4-FFF2-40B4-BE49-F238E27FC236}">
+                <a16:creationId xmlns:a16="http://schemas.microsoft.com/office/drawing/2014/main" id="{BB390CC7-C3B1-6F4B-8F7D-C14ABC28A30A}"/>
+              </a:ext>
+            </a:extLst>
+          </p:cNvPr>
+          <p:cNvSpPr/>
+          <p:nvPr/>
+        </p:nvSpPr>
+        <p:spPr>
+          <a:xfrm>
+            <a:off x="5917323" y="2785241"/>
+            <a:ext cx="357353" cy="851338"/>
+          </a:xfrm>
+          <a:prstGeom prst="downArrow">
+            <a:avLst/>
+          </a:prstGeom>
+          <a:solidFill>
+            <a:srgbClr val="FFFF00"/>
+          </a:solidFill>
+          <a:ln>
+            <a:solidFill>
+              <a:srgbClr val="FF0000"/>
+            </a:solidFill>
+          </a:ln>
+        </p:spPr>
+        <p:style>
+          <a:lnRef idx="2">
+            <a:schemeClr val="accent1">
+              <a:shade val="50000"/>
+            </a:schemeClr>
+          </a:lnRef>
+          <a:fillRef idx="1">
+            <a:schemeClr val="accent1"/>
+          </a:fillRef>
+          <a:effectRef idx="0">
+            <a:schemeClr val="accent1"/>
+          </a:effectRef>
+          <a:fontRef idx="minor">
+            <a:schemeClr val="lt1"/>
+          </a:fontRef>
+        </p:style>
+        <p:txBody>
+          <a:bodyPr rtlCol="0" anchor="ctr"/>
+          <a:lstStyle/>
+          <a:p>
+            <a:pPr algn="ctr"/>
+            <a:endParaRPr lang="en-US"/>
+          </a:p>
+        </p:txBody>
+      </p:sp>
+      <p:sp>
+        <p:nvSpPr>
+          <p:cNvPr id="7" name="TextBox 6">
+            <a:extLst>
+              <a:ext uri="{FF2B5EF4-FFF2-40B4-BE49-F238E27FC236}">
+                <a16:creationId xmlns:a16="http://schemas.microsoft.com/office/drawing/2014/main" id="{15C20F3A-3A05-5D43-A857-0F3BA89EBCF8}"/>
+              </a:ext>
+            </a:extLst>
+          </p:cNvPr>
+          <p:cNvSpPr txBox="1"/>
+          <p:nvPr/>
+        </p:nvSpPr>
+        <p:spPr>
+          <a:xfrm>
+            <a:off x="4891754" y="2933911"/>
+            <a:ext cx="1168269" cy="276999"/>
+          </a:xfrm>
+          <a:prstGeom prst="rect">
+            <a:avLst/>
+          </a:prstGeom>
+          <a:noFill/>
+        </p:spPr>
+        <p:txBody>
+          <a:bodyPr wrap="none" rtlCol="0">
+            <a:spAutoFit/>
+          </a:bodyPr>
+          <a:lstStyle/>
+          <a:p>
+            <a:r>
+              <a:rPr lang="en-US" sz="1200" b="1" dirty="0"/>
+              <a:t>Timer interrupt</a:t>
+            </a:r>
+          </a:p>
+        </p:txBody>
+      </p:sp>
+      <p:sp>
+        <p:nvSpPr>
+          <p:cNvPr id="8" name="Rectangle 7">
+            <a:extLst>
+              <a:ext uri="{FF2B5EF4-FFF2-40B4-BE49-F238E27FC236}">
+                <a16:creationId xmlns:a16="http://schemas.microsoft.com/office/drawing/2014/main" id="{442B529A-B672-4945-B173-AA9C7CC2842F}"/>
+              </a:ext>
+            </a:extLst>
+          </p:cNvPr>
+          <p:cNvSpPr/>
+          <p:nvPr/>
+        </p:nvSpPr>
+        <p:spPr>
+          <a:xfrm>
+            <a:off x="5239405" y="3772401"/>
+            <a:ext cx="1713187" cy="430924"/>
+          </a:xfrm>
+          <a:prstGeom prst="rect">
+            <a:avLst/>
+          </a:prstGeom>
+        </p:spPr>
+        <p:style>
+          <a:lnRef idx="2">
+            <a:schemeClr val="accent1">
+              <a:shade val="50000"/>
+            </a:schemeClr>
+          </a:lnRef>
+          <a:fillRef idx="1">
+            <a:schemeClr val="accent1"/>
+          </a:fillRef>
+          <a:effectRef idx="0">
+            <a:schemeClr val="accent1"/>
+          </a:effectRef>
+          <a:fontRef idx="minor">
+            <a:schemeClr val="lt1"/>
+          </a:fontRef>
+        </p:style>
+        <p:txBody>
+          <a:bodyPr rtlCol="0" anchor="ctr"/>
+          <a:lstStyle/>
+          <a:p>
+            <a:pPr algn="ctr"/>
+            <a:r>
+              <a:rPr lang="en-US" dirty="0"/>
+              <a:t>timervec</a:t>
+            </a:r>
+          </a:p>
+          <a:p>
+            <a:pPr algn="ctr"/>
+            <a:r>
+              <a:rPr lang="en-US" sz="1200" dirty="0"/>
+              <a:t>kernel/kernelvec.S</a:t>
+            </a:r>
+          </a:p>
+        </p:txBody>
+      </p:sp>
+      <p:sp>
+        <p:nvSpPr>
+          <p:cNvPr id="9" name="Rounded Rectangle 8">
+            <a:extLst>
+              <a:ext uri="{FF2B5EF4-FFF2-40B4-BE49-F238E27FC236}">
+                <a16:creationId xmlns:a16="http://schemas.microsoft.com/office/drawing/2014/main" id="{504EB80E-E2A3-464F-8EB9-F41F3A57EF0E}"/>
+              </a:ext>
+            </a:extLst>
+          </p:cNvPr>
+          <p:cNvSpPr/>
+          <p:nvPr/>
+        </p:nvSpPr>
+        <p:spPr>
+          <a:xfrm>
+            <a:off x="3752311" y="4930700"/>
+            <a:ext cx="977462" cy="1030142"/>
+          </a:xfrm>
+          <a:prstGeom prst="roundRect">
+            <a:avLst/>
+          </a:prstGeom>
+          <a:solidFill>
+            <a:schemeClr val="accent2"/>
+          </a:solidFill>
+          <a:ln>
+            <a:noFill/>
+          </a:ln>
+        </p:spPr>
+        <p:style>
+          <a:lnRef idx="2">
+            <a:schemeClr val="accent1">
+              <a:shade val="50000"/>
+            </a:schemeClr>
+          </a:lnRef>
+          <a:fillRef idx="1">
+            <a:schemeClr val="accent1"/>
+          </a:fillRef>
+          <a:effectRef idx="0">
+            <a:schemeClr val="accent1"/>
+          </a:effectRef>
+          <a:fontRef idx="minor">
+            <a:schemeClr val="lt1"/>
+          </a:fontRef>
+        </p:style>
+        <p:txBody>
+          <a:bodyPr rtlCol="0" anchor="ctr"/>
+          <a:lstStyle/>
+          <a:p>
+            <a:pPr algn="ctr"/>
+            <a:r>
+              <a:rPr lang="en-US" b="1" dirty="0"/>
+              <a:t>User</a:t>
+            </a:r>
+          </a:p>
+        </p:txBody>
+      </p:sp>
+      <p:sp>
+        <p:nvSpPr>
+          <p:cNvPr id="10" name="Down Arrow 9">
+            <a:extLst>
+              <a:ext uri="{FF2B5EF4-FFF2-40B4-BE49-F238E27FC236}">
+                <a16:creationId xmlns:a16="http://schemas.microsoft.com/office/drawing/2014/main" id="{16BF09A8-D37C-FA4A-B33E-CE7FDCB9DA41}"/>
+              </a:ext>
+            </a:extLst>
+          </p:cNvPr>
+          <p:cNvSpPr/>
+          <p:nvPr/>
+        </p:nvSpPr>
+        <p:spPr>
+          <a:xfrm rot="2372861">
+            <a:off x="4836847" y="4191738"/>
+            <a:ext cx="246991" cy="788276"/>
+          </a:xfrm>
+          <a:prstGeom prst="downArrow">
+            <a:avLst/>
+          </a:prstGeom>
+          <a:solidFill>
+            <a:srgbClr val="FFFF00"/>
+          </a:solidFill>
+          <a:ln>
+            <a:solidFill>
+              <a:srgbClr val="FF0000"/>
+            </a:solidFill>
+          </a:ln>
+        </p:spPr>
+        <p:style>
+          <a:lnRef idx="2">
+            <a:schemeClr val="accent1">
+              <a:shade val="50000"/>
+            </a:schemeClr>
+          </a:lnRef>
+          <a:fillRef idx="1">
+            <a:schemeClr val="accent1"/>
+          </a:fillRef>
+          <a:effectRef idx="0">
+            <a:schemeClr val="accent1"/>
+          </a:effectRef>
+          <a:fontRef idx="minor">
+            <a:schemeClr val="lt1"/>
+          </a:fontRef>
+        </p:style>
+        <p:txBody>
+          <a:bodyPr rtlCol="0" anchor="ctr"/>
+          <a:lstStyle/>
+          <a:p>
+            <a:pPr algn="ctr"/>
+            <a:endParaRPr lang="en-US"/>
+          </a:p>
+        </p:txBody>
+      </p:sp>
+      <p:sp>
+        <p:nvSpPr>
+          <p:cNvPr id="12" name="TextBox 11">
+            <a:extLst>
+              <a:ext uri="{FF2B5EF4-FFF2-40B4-BE49-F238E27FC236}">
+                <a16:creationId xmlns:a16="http://schemas.microsoft.com/office/drawing/2014/main" id="{EA45DEC2-6752-0044-83EF-C0AD03407034}"/>
+              </a:ext>
+            </a:extLst>
+          </p:cNvPr>
+          <p:cNvSpPr txBox="1"/>
+          <p:nvPr/>
+        </p:nvSpPr>
+        <p:spPr>
+          <a:xfrm>
+            <a:off x="3599905" y="4295993"/>
+            <a:ext cx="1360437" cy="276999"/>
+          </a:xfrm>
+          <a:prstGeom prst="rect">
+            <a:avLst/>
+          </a:prstGeom>
+          <a:noFill/>
+        </p:spPr>
+        <p:txBody>
+          <a:bodyPr wrap="none" rtlCol="0">
+            <a:spAutoFit/>
+          </a:bodyPr>
+          <a:lstStyle/>
+          <a:p>
+            <a:r>
+              <a:rPr lang="en-US" sz="1200" b="1" dirty="0"/>
+              <a:t>software interrupt</a:t>
+            </a:r>
+          </a:p>
+        </p:txBody>
+      </p:sp>
+      <p:sp>
+        <p:nvSpPr>
+          <p:cNvPr id="13" name="Right Arrow 12">
+            <a:extLst>
+              <a:ext uri="{FF2B5EF4-FFF2-40B4-BE49-F238E27FC236}">
+                <a16:creationId xmlns:a16="http://schemas.microsoft.com/office/drawing/2014/main" id="{D6FCCE53-D223-F244-8345-67335EDE14AA}"/>
+              </a:ext>
+            </a:extLst>
+          </p:cNvPr>
+          <p:cNvSpPr/>
+          <p:nvPr/>
+        </p:nvSpPr>
+        <p:spPr>
+          <a:xfrm>
+            <a:off x="4907204" y="5011377"/>
+            <a:ext cx="1367472" cy="295430"/>
+          </a:xfrm>
+          <a:prstGeom prst="rightArrow">
+            <a:avLst/>
+          </a:prstGeom>
+          <a:solidFill>
+            <a:srgbClr val="FFFF00"/>
+          </a:solidFill>
+          <a:ln>
+            <a:noFill/>
+          </a:ln>
+        </p:spPr>
+        <p:style>
+          <a:lnRef idx="2">
+            <a:schemeClr val="accent1">
+              <a:shade val="50000"/>
+            </a:schemeClr>
+          </a:lnRef>
+          <a:fillRef idx="1">
+            <a:schemeClr val="accent1"/>
+          </a:fillRef>
+          <a:effectRef idx="0">
+            <a:schemeClr val="accent1"/>
+          </a:effectRef>
+          <a:fontRef idx="minor">
+            <a:schemeClr val="lt1"/>
+          </a:fontRef>
+        </p:style>
+        <p:txBody>
+          <a:bodyPr rtlCol="0" anchor="ctr"/>
+          <a:lstStyle/>
+          <a:p>
+            <a:pPr algn="ctr"/>
+            <a:endParaRPr lang="en-US"/>
+          </a:p>
+        </p:txBody>
+      </p:sp>
+      <p:sp>
+        <p:nvSpPr>
+          <p:cNvPr id="14" name="Left Arrow 13">
+            <a:extLst>
+              <a:ext uri="{FF2B5EF4-FFF2-40B4-BE49-F238E27FC236}">
+                <a16:creationId xmlns:a16="http://schemas.microsoft.com/office/drawing/2014/main" id="{D963D7EE-92B5-544B-A647-FDDF386877AE}"/>
+              </a:ext>
+            </a:extLst>
+          </p:cNvPr>
+          <p:cNvSpPr/>
+          <p:nvPr/>
+        </p:nvSpPr>
+        <p:spPr>
+          <a:xfrm>
+            <a:off x="4828151" y="5540036"/>
+            <a:ext cx="1367472" cy="301050"/>
+          </a:xfrm>
+          <a:prstGeom prst="leftArrow">
+            <a:avLst/>
+          </a:prstGeom>
+          <a:solidFill>
+            <a:srgbClr val="FFFF00"/>
+          </a:solidFill>
+          <a:ln>
+            <a:noFill/>
+          </a:ln>
+        </p:spPr>
+        <p:style>
+          <a:lnRef idx="2">
+            <a:schemeClr val="accent1">
+              <a:shade val="50000"/>
+            </a:schemeClr>
+          </a:lnRef>
+          <a:fillRef idx="1">
+            <a:schemeClr val="accent1"/>
+          </a:fillRef>
+          <a:effectRef idx="0">
+            <a:schemeClr val="accent1"/>
+          </a:effectRef>
+          <a:fontRef idx="minor">
+            <a:schemeClr val="lt1"/>
+          </a:fontRef>
+        </p:style>
+        <p:txBody>
+          <a:bodyPr rtlCol="0" anchor="ctr"/>
+          <a:lstStyle/>
+          <a:p>
+            <a:pPr algn="ctr"/>
+            <a:endParaRPr lang="en-US"/>
+          </a:p>
+        </p:txBody>
+      </p:sp>
+      <p:sp>
+        <p:nvSpPr>
+          <p:cNvPr id="15" name="TextBox 14">
+            <a:extLst>
+              <a:ext uri="{FF2B5EF4-FFF2-40B4-BE49-F238E27FC236}">
+                <a16:creationId xmlns:a16="http://schemas.microsoft.com/office/drawing/2014/main" id="{C77D9895-460B-F84A-AA77-0238797B2CAC}"/>
+              </a:ext>
+            </a:extLst>
+          </p:cNvPr>
+          <p:cNvSpPr txBox="1"/>
+          <p:nvPr/>
+        </p:nvSpPr>
+        <p:spPr>
+          <a:xfrm>
+            <a:off x="5256642" y="5239195"/>
+            <a:ext cx="590418" cy="369332"/>
+          </a:xfrm>
+          <a:prstGeom prst="rect">
+            <a:avLst/>
+          </a:prstGeom>
+          <a:noFill/>
+        </p:spPr>
+        <p:txBody>
+          <a:bodyPr wrap="none" rtlCol="0">
+            <a:spAutoFit/>
+          </a:bodyPr>
+          <a:lstStyle/>
+          <a:p>
+            <a:r>
+              <a:rPr lang="en-US" dirty="0"/>
+              <a:t>Trap</a:t>
+            </a:r>
+          </a:p>
+        </p:txBody>
+      </p:sp>
+      <p:sp>
+        <p:nvSpPr>
+          <p:cNvPr id="19" name="Rounded Rectangle 18">
+            <a:extLst>
+              <a:ext uri="{FF2B5EF4-FFF2-40B4-BE49-F238E27FC236}">
+                <a16:creationId xmlns:a16="http://schemas.microsoft.com/office/drawing/2014/main" id="{3473AA9F-9DFC-2645-B30A-48A7C85459CF}"/>
+              </a:ext>
+            </a:extLst>
+          </p:cNvPr>
+          <p:cNvSpPr/>
+          <p:nvPr/>
+        </p:nvSpPr>
+        <p:spPr>
+          <a:xfrm>
+            <a:off x="6373054" y="4908790"/>
+            <a:ext cx="977462" cy="1030142"/>
+          </a:xfrm>
+          <a:prstGeom prst="roundRect">
+            <a:avLst/>
+          </a:prstGeom>
+          <a:solidFill>
+            <a:srgbClr val="0070C0"/>
+          </a:solidFill>
+          <a:ln>
+            <a:noFill/>
+          </a:ln>
+        </p:spPr>
+        <p:style>
+          <a:lnRef idx="2">
+            <a:schemeClr val="accent1">
+              <a:shade val="50000"/>
+            </a:schemeClr>
+          </a:lnRef>
+          <a:fillRef idx="1">
+            <a:schemeClr val="accent1"/>
+          </a:fillRef>
+          <a:effectRef idx="0">
+            <a:schemeClr val="accent1"/>
+          </a:effectRef>
+          <a:fontRef idx="minor">
+            <a:schemeClr val="lt1"/>
+          </a:fontRef>
+        </p:style>
+        <p:txBody>
+          <a:bodyPr rtlCol="0" anchor="ctr"/>
+          <a:lstStyle/>
+          <a:p>
+            <a:pPr algn="ctr"/>
+            <a:r>
+              <a:rPr lang="en-US" sz="1200" b="1" dirty="0">
+                <a:solidFill>
+                  <a:schemeClr val="bg1"/>
+                </a:solidFill>
+              </a:rPr>
+              <a:t>Scheduler</a:t>
+            </a:r>
+          </a:p>
+        </p:txBody>
+      </p:sp>
+      <p:sp>
+        <p:nvSpPr>
+          <p:cNvPr id="20" name="TextBox 19">
+            <a:extLst>
+              <a:ext uri="{FF2B5EF4-FFF2-40B4-BE49-F238E27FC236}">
+                <a16:creationId xmlns:a16="http://schemas.microsoft.com/office/drawing/2014/main" id="{FBEEBF8D-E71D-7349-AA22-D2C47B8E7E87}"/>
+              </a:ext>
+            </a:extLst>
+          </p:cNvPr>
+          <p:cNvSpPr txBox="1"/>
+          <p:nvPr/>
+        </p:nvSpPr>
+        <p:spPr>
+          <a:xfrm>
+            <a:off x="5917323" y="4714373"/>
+            <a:ext cx="631904" cy="369332"/>
+          </a:xfrm>
+          <a:prstGeom prst="rect">
+            <a:avLst/>
+          </a:prstGeom>
+          <a:noFill/>
+        </p:spPr>
+        <p:txBody>
+          <a:bodyPr wrap="none" rtlCol="0">
+            <a:spAutoFit/>
+          </a:bodyPr>
+          <a:lstStyle/>
+          <a:p>
+            <a:r>
+              <a:rPr lang="en-US" dirty="0"/>
+              <a:t>yield</a:t>
+            </a:r>
+          </a:p>
+        </p:txBody>
+      </p:sp>
+    </p:spTree>
+    <p:extLst>
+      <p:ext uri="{BB962C8B-B14F-4D97-AF65-F5344CB8AC3E}">
+        <p14:creationId xmlns:p14="http://schemas.microsoft.com/office/powerpoint/2010/main" val="3701936336"/>
+      </p:ext>
+    </p:extLst>
+  </p:cSld>
+  <p:clrMapOvr>
+    <a:masterClrMapping/>
+  </p:clrMapOvr>
+</p:sld>
+</file>
+
+<file path=ppt/slides/slide12.xml><?xml version="1.0" encoding="utf-8"?>
+<p:sld xmlns:a="http://schemas.openxmlformats.org/drawingml/2006/main" xmlns:r="http://schemas.openxmlformats.org/officeDocument/2006/relationships" xmlns:p="http://schemas.openxmlformats.org/presentationml/2006/main">
+  <p:cSld>
+    <p:spTree>
+      <p:nvGrpSpPr>
+        <p:cNvPr id="1" name=""/>
+        <p:cNvGrpSpPr/>
+        <p:nvPr/>
+      </p:nvGrpSpPr>
+      <p:grpSpPr>
+        <a:xfrm>
+          <a:off x="0" y="0"/>
+          <a:ext cx="0" cy="0"/>
+          <a:chOff x="0" y="0"/>
+          <a:chExt cx="0" cy="0"/>
+        </a:xfrm>
+      </p:grpSpPr>
       <p:sp>
         <p:nvSpPr>
           <p:cNvPr id="2" name="TextBox 1">
@@ -13240,18 +16675,13 @@
           <a:p>
             <a:pPr algn="ctr"/>
             <a:r>
-              <a:rPr lang="en-US" sz="800" dirty="0" err="1">
+              <a:rPr lang="en-US" sz="800" dirty="0">
                 <a:solidFill>
                   <a:schemeClr val="bg1"/>
                 </a:solidFill>
               </a:rPr>
               <a:t>kernel_satp</a:t>
             </a:r>
-            <a:endParaRPr lang="en-US" sz="800" dirty="0">
-              <a:solidFill>
-                <a:schemeClr val="bg1"/>
-              </a:solidFill>
-            </a:endParaRPr>
           </a:p>
         </p:txBody>
       </p:sp>
@@ -20626,7 +24056,1517 @@
                   </a:schemeClr>
                 </a:solidFill>
               </a:rPr>
-              <a:t>RISC-V Trap Machinery</a:t>
+              <a:t>UART</a:t>
+            </a:r>
+          </a:p>
+        </p:txBody>
+      </p:sp>
+      <p:sp>
+        <p:nvSpPr>
+          <p:cNvPr id="3" name="Rectangle 2">
+            <a:extLst>
+              <a:ext uri="{FF2B5EF4-FFF2-40B4-BE49-F238E27FC236}">
+                <a16:creationId xmlns:a16="http://schemas.microsoft.com/office/drawing/2014/main" id="{3BB8FF68-23E9-A743-9B8B-EE9E50068E46}"/>
+              </a:ext>
+            </a:extLst>
+          </p:cNvPr>
+          <p:cNvSpPr/>
+          <p:nvPr/>
+        </p:nvSpPr>
+        <p:spPr>
+          <a:xfrm>
+            <a:off x="3736423" y="1924706"/>
+            <a:ext cx="4719145" cy="906517"/>
+          </a:xfrm>
+          <a:prstGeom prst="rect">
+            <a:avLst/>
+          </a:prstGeom>
+        </p:spPr>
+        <p:style>
+          <a:lnRef idx="2">
+            <a:schemeClr val="accent1">
+              <a:shade val="50000"/>
+            </a:schemeClr>
+          </a:lnRef>
+          <a:fillRef idx="1">
+            <a:schemeClr val="accent1"/>
+          </a:fillRef>
+          <a:effectRef idx="0">
+            <a:schemeClr val="accent1"/>
+          </a:effectRef>
+          <a:fontRef idx="minor">
+            <a:schemeClr val="lt1"/>
+          </a:fontRef>
+        </p:style>
+        <p:txBody>
+          <a:bodyPr rtlCol="0" anchor="ctr"/>
+          <a:lstStyle/>
+          <a:p>
+            <a:pPr algn="ctr"/>
+            <a:endParaRPr lang="en-US"/>
+          </a:p>
+        </p:txBody>
+      </p:sp>
+      <p:sp>
+        <p:nvSpPr>
+          <p:cNvPr id="4" name="TextBox 3">
+            <a:extLst>
+              <a:ext uri="{FF2B5EF4-FFF2-40B4-BE49-F238E27FC236}">
+                <a16:creationId xmlns:a16="http://schemas.microsoft.com/office/drawing/2014/main" id="{96EF8CF4-E64E-964C-923C-F6F4A01EFD00}"/>
+              </a:ext>
+            </a:extLst>
+          </p:cNvPr>
+          <p:cNvSpPr txBox="1"/>
+          <p:nvPr/>
+        </p:nvSpPr>
+        <p:spPr>
+          <a:xfrm>
+            <a:off x="5288430" y="1849693"/>
+            <a:ext cx="1619546" cy="369332"/>
+          </a:xfrm>
+          <a:prstGeom prst="rect">
+            <a:avLst/>
+          </a:prstGeom>
+          <a:noFill/>
+        </p:spPr>
+        <p:txBody>
+          <a:bodyPr wrap="none" rtlCol="0">
+            <a:spAutoFit/>
+          </a:bodyPr>
+          <a:lstStyle/>
+          <a:p>
+            <a:r>
+              <a:rPr lang="en-US" dirty="0"/>
+              <a:t>Transmit buffer</a:t>
+            </a:r>
+          </a:p>
+        </p:txBody>
+      </p:sp>
+      <p:sp>
+        <p:nvSpPr>
+          <p:cNvPr id="5" name="Rectangle 4">
+            <a:extLst>
+              <a:ext uri="{FF2B5EF4-FFF2-40B4-BE49-F238E27FC236}">
+                <a16:creationId xmlns:a16="http://schemas.microsoft.com/office/drawing/2014/main" id="{6B22B102-358F-4440-8CAF-1D6B49281D62}"/>
+              </a:ext>
+            </a:extLst>
+          </p:cNvPr>
+          <p:cNvSpPr/>
+          <p:nvPr/>
+        </p:nvSpPr>
+        <p:spPr>
+          <a:xfrm>
+            <a:off x="3736423" y="2197976"/>
+            <a:ext cx="562304" cy="633247"/>
+          </a:xfrm>
+          <a:prstGeom prst="rect">
+            <a:avLst/>
+          </a:prstGeom>
+          <a:solidFill>
+            <a:srgbClr val="00B0F0"/>
+          </a:solidFill>
+          <a:ln>
+            <a:solidFill>
+              <a:schemeClr val="bg1"/>
+            </a:solidFill>
+          </a:ln>
+        </p:spPr>
+        <p:style>
+          <a:lnRef idx="2">
+            <a:schemeClr val="accent1">
+              <a:shade val="50000"/>
+            </a:schemeClr>
+          </a:lnRef>
+          <a:fillRef idx="1">
+            <a:schemeClr val="accent1"/>
+          </a:fillRef>
+          <a:effectRef idx="0">
+            <a:schemeClr val="accent1"/>
+          </a:effectRef>
+          <a:fontRef idx="minor">
+            <a:schemeClr val="lt1"/>
+          </a:fontRef>
+        </p:style>
+        <p:txBody>
+          <a:bodyPr rtlCol="0" anchor="ctr"/>
+          <a:lstStyle/>
+          <a:p>
+            <a:pPr algn="ctr"/>
+            <a:r>
+              <a:rPr lang="en-US" sz="1000" b="1" dirty="0">
+                <a:solidFill>
+                  <a:schemeClr val="bg1"/>
+                </a:solidFill>
+              </a:rPr>
+              <a:t>1 byte</a:t>
+            </a:r>
+          </a:p>
+        </p:txBody>
+      </p:sp>
+      <p:sp>
+        <p:nvSpPr>
+          <p:cNvPr id="6" name="Rectangle 5">
+            <a:extLst>
+              <a:ext uri="{FF2B5EF4-FFF2-40B4-BE49-F238E27FC236}">
+                <a16:creationId xmlns:a16="http://schemas.microsoft.com/office/drawing/2014/main" id="{7BE9DD21-AED5-B642-ABD9-724B6E4D3387}"/>
+              </a:ext>
+            </a:extLst>
+          </p:cNvPr>
+          <p:cNvSpPr/>
+          <p:nvPr/>
+        </p:nvSpPr>
+        <p:spPr>
+          <a:xfrm>
+            <a:off x="4324572" y="2197976"/>
+            <a:ext cx="562304" cy="633247"/>
+          </a:xfrm>
+          <a:prstGeom prst="rect">
+            <a:avLst/>
+          </a:prstGeom>
+          <a:solidFill>
+            <a:srgbClr val="00B0F0"/>
+          </a:solidFill>
+          <a:ln>
+            <a:solidFill>
+              <a:schemeClr val="bg1"/>
+            </a:solidFill>
+          </a:ln>
+        </p:spPr>
+        <p:style>
+          <a:lnRef idx="2">
+            <a:schemeClr val="accent1">
+              <a:shade val="50000"/>
+            </a:schemeClr>
+          </a:lnRef>
+          <a:fillRef idx="1">
+            <a:schemeClr val="accent1"/>
+          </a:fillRef>
+          <a:effectRef idx="0">
+            <a:schemeClr val="accent1"/>
+          </a:effectRef>
+          <a:fontRef idx="minor">
+            <a:schemeClr val="lt1"/>
+          </a:fontRef>
+        </p:style>
+        <p:txBody>
+          <a:bodyPr rtlCol="0" anchor="ctr"/>
+          <a:lstStyle/>
+          <a:p>
+            <a:pPr algn="ctr"/>
+            <a:r>
+              <a:rPr lang="en-US" sz="1000" b="1" dirty="0">
+                <a:solidFill>
+                  <a:schemeClr val="bg1"/>
+                </a:solidFill>
+              </a:rPr>
+              <a:t>1 byte</a:t>
+            </a:r>
+          </a:p>
+        </p:txBody>
+      </p:sp>
+      <p:sp>
+        <p:nvSpPr>
+          <p:cNvPr id="7" name="TextBox 6">
+            <a:extLst>
+              <a:ext uri="{FF2B5EF4-FFF2-40B4-BE49-F238E27FC236}">
+                <a16:creationId xmlns:a16="http://schemas.microsoft.com/office/drawing/2014/main" id="{88DE389E-862D-4146-B333-5E83B50DCAD1}"/>
+              </a:ext>
+            </a:extLst>
+          </p:cNvPr>
+          <p:cNvSpPr txBox="1"/>
+          <p:nvPr/>
+        </p:nvSpPr>
+        <p:spPr>
+          <a:xfrm>
+            <a:off x="5064849" y="2294038"/>
+            <a:ext cx="343364" cy="369332"/>
+          </a:xfrm>
+          <a:prstGeom prst="rect">
+            <a:avLst/>
+          </a:prstGeom>
+          <a:noFill/>
+        </p:spPr>
+        <p:txBody>
+          <a:bodyPr wrap="none" rtlCol="0">
+            <a:spAutoFit/>
+          </a:bodyPr>
+          <a:lstStyle/>
+          <a:p>
+            <a:r>
+              <a:rPr lang="en-US" dirty="0"/>
+              <a:t>…</a:t>
+            </a:r>
+          </a:p>
+        </p:txBody>
+      </p:sp>
+      <p:sp>
+        <p:nvSpPr>
+          <p:cNvPr id="8" name="Rectangle 7">
+            <a:extLst>
+              <a:ext uri="{FF2B5EF4-FFF2-40B4-BE49-F238E27FC236}">
+                <a16:creationId xmlns:a16="http://schemas.microsoft.com/office/drawing/2014/main" id="{A59D9332-89F2-1A43-BF53-EFE7D76F9452}"/>
+              </a:ext>
+            </a:extLst>
+          </p:cNvPr>
+          <p:cNvSpPr/>
+          <p:nvPr/>
+        </p:nvSpPr>
+        <p:spPr>
+          <a:xfrm>
+            <a:off x="5814270" y="2197975"/>
+            <a:ext cx="562304" cy="633247"/>
+          </a:xfrm>
+          <a:prstGeom prst="rect">
+            <a:avLst/>
+          </a:prstGeom>
+          <a:solidFill>
+            <a:srgbClr val="00B0F0"/>
+          </a:solidFill>
+          <a:ln>
+            <a:solidFill>
+              <a:schemeClr val="bg1"/>
+            </a:solidFill>
+          </a:ln>
+        </p:spPr>
+        <p:style>
+          <a:lnRef idx="2">
+            <a:schemeClr val="accent1">
+              <a:shade val="50000"/>
+            </a:schemeClr>
+          </a:lnRef>
+          <a:fillRef idx="1">
+            <a:schemeClr val="accent1"/>
+          </a:fillRef>
+          <a:effectRef idx="0">
+            <a:schemeClr val="accent1"/>
+          </a:effectRef>
+          <a:fontRef idx="minor">
+            <a:schemeClr val="lt1"/>
+          </a:fontRef>
+        </p:style>
+        <p:txBody>
+          <a:bodyPr rtlCol="0" anchor="ctr"/>
+          <a:lstStyle/>
+          <a:p>
+            <a:pPr algn="ctr"/>
+            <a:r>
+              <a:rPr lang="en-US" sz="1000" b="1" dirty="0">
+                <a:solidFill>
+                  <a:schemeClr val="bg1"/>
+                </a:solidFill>
+              </a:rPr>
+              <a:t>1 byte</a:t>
+            </a:r>
+          </a:p>
+        </p:txBody>
+      </p:sp>
+      <p:sp>
+        <p:nvSpPr>
+          <p:cNvPr id="9" name="Right Arrow 8">
+            <a:extLst>
+              <a:ext uri="{FF2B5EF4-FFF2-40B4-BE49-F238E27FC236}">
+                <a16:creationId xmlns:a16="http://schemas.microsoft.com/office/drawing/2014/main" id="{2C11639D-5EB3-3E48-BE79-C7A5D27C2F3E}"/>
+              </a:ext>
+            </a:extLst>
+          </p:cNvPr>
+          <p:cNvSpPr/>
+          <p:nvPr/>
+        </p:nvSpPr>
+        <p:spPr>
+          <a:xfrm>
+            <a:off x="4684065" y="1755072"/>
+            <a:ext cx="2366545" cy="179989"/>
+          </a:xfrm>
+          <a:prstGeom prst="rightArrow">
+            <a:avLst/>
+          </a:prstGeom>
+        </p:spPr>
+        <p:style>
+          <a:lnRef idx="2">
+            <a:schemeClr val="accent1">
+              <a:shade val="50000"/>
+            </a:schemeClr>
+          </a:lnRef>
+          <a:fillRef idx="1">
+            <a:schemeClr val="accent1"/>
+          </a:fillRef>
+          <a:effectRef idx="0">
+            <a:schemeClr val="accent1"/>
+          </a:effectRef>
+          <a:fontRef idx="minor">
+            <a:schemeClr val="lt1"/>
+          </a:fontRef>
+        </p:style>
+        <p:txBody>
+          <a:bodyPr rtlCol="0" anchor="ctr"/>
+          <a:lstStyle/>
+          <a:p>
+            <a:pPr algn="ctr"/>
+            <a:endParaRPr lang="en-US"/>
+          </a:p>
+        </p:txBody>
+      </p:sp>
+      <p:sp>
+        <p:nvSpPr>
+          <p:cNvPr id="11" name="Rectangle 10">
+            <a:extLst>
+              <a:ext uri="{FF2B5EF4-FFF2-40B4-BE49-F238E27FC236}">
+                <a16:creationId xmlns:a16="http://schemas.microsoft.com/office/drawing/2014/main" id="{11EA0F9C-02B0-4B44-BACC-B5943B9D4D89}"/>
+              </a:ext>
+            </a:extLst>
+          </p:cNvPr>
+          <p:cNvSpPr/>
+          <p:nvPr/>
+        </p:nvSpPr>
+        <p:spPr>
+          <a:xfrm>
+            <a:off x="2706648" y="4099046"/>
+            <a:ext cx="562304" cy="633247"/>
+          </a:xfrm>
+          <a:prstGeom prst="rect">
+            <a:avLst/>
+          </a:prstGeom>
+          <a:solidFill>
+            <a:srgbClr val="FFFF00"/>
+          </a:solidFill>
+          <a:ln>
+            <a:solidFill>
+              <a:schemeClr val="bg1"/>
+            </a:solidFill>
+          </a:ln>
+        </p:spPr>
+        <p:style>
+          <a:lnRef idx="2">
+            <a:schemeClr val="accent1">
+              <a:shade val="50000"/>
+            </a:schemeClr>
+          </a:lnRef>
+          <a:fillRef idx="1">
+            <a:schemeClr val="accent1"/>
+          </a:fillRef>
+          <a:effectRef idx="0">
+            <a:schemeClr val="accent1"/>
+          </a:effectRef>
+          <a:fontRef idx="minor">
+            <a:schemeClr val="lt1"/>
+          </a:fontRef>
+        </p:style>
+        <p:txBody>
+          <a:bodyPr rtlCol="0" anchor="ctr"/>
+          <a:lstStyle/>
+          <a:p>
+            <a:pPr algn="ctr"/>
+            <a:r>
+              <a:rPr lang="en-US" sz="1400" b="1" dirty="0">
+                <a:solidFill>
+                  <a:schemeClr val="bg1"/>
+                </a:solidFill>
+              </a:rPr>
+              <a:t>RHR</a:t>
+            </a:r>
+          </a:p>
+        </p:txBody>
+      </p:sp>
+      <p:sp>
+        <p:nvSpPr>
+          <p:cNvPr id="14" name="Rectangle 13">
+            <a:extLst>
+              <a:ext uri="{FF2B5EF4-FFF2-40B4-BE49-F238E27FC236}">
+                <a16:creationId xmlns:a16="http://schemas.microsoft.com/office/drawing/2014/main" id="{1C7000CA-3C1F-C04E-BE7C-DCBEA346C538}"/>
+              </a:ext>
+            </a:extLst>
+          </p:cNvPr>
+          <p:cNvSpPr/>
+          <p:nvPr/>
+        </p:nvSpPr>
+        <p:spPr>
+          <a:xfrm>
+            <a:off x="7870605" y="3135698"/>
+            <a:ext cx="562304" cy="633247"/>
+          </a:xfrm>
+          <a:prstGeom prst="rect">
+            <a:avLst/>
+          </a:prstGeom>
+          <a:solidFill>
+            <a:srgbClr val="FFFF00"/>
+          </a:solidFill>
+          <a:ln>
+            <a:solidFill>
+              <a:schemeClr val="bg1"/>
+            </a:solidFill>
+          </a:ln>
+        </p:spPr>
+        <p:style>
+          <a:lnRef idx="2">
+            <a:schemeClr val="accent1">
+              <a:shade val="50000"/>
+            </a:schemeClr>
+          </a:lnRef>
+          <a:fillRef idx="1">
+            <a:schemeClr val="accent1"/>
+          </a:fillRef>
+          <a:effectRef idx="0">
+            <a:schemeClr val="accent1"/>
+          </a:effectRef>
+          <a:fontRef idx="minor">
+            <a:schemeClr val="lt1"/>
+          </a:fontRef>
+        </p:style>
+        <p:txBody>
+          <a:bodyPr rtlCol="0" anchor="ctr"/>
+          <a:lstStyle/>
+          <a:p>
+            <a:pPr algn="ctr"/>
+            <a:r>
+              <a:rPr lang="en-US" sz="1400" b="1" dirty="0">
+                <a:solidFill>
+                  <a:schemeClr val="bg1"/>
+                </a:solidFill>
+              </a:rPr>
+              <a:t>THR</a:t>
+            </a:r>
+          </a:p>
+        </p:txBody>
+      </p:sp>
+      <p:sp>
+        <p:nvSpPr>
+          <p:cNvPr id="20" name="Rectangle 19">
+            <a:extLst>
+              <a:ext uri="{FF2B5EF4-FFF2-40B4-BE49-F238E27FC236}">
+                <a16:creationId xmlns:a16="http://schemas.microsoft.com/office/drawing/2014/main" id="{36A91109-75BB-C94A-B374-0B18518083B9}"/>
+              </a:ext>
+            </a:extLst>
+          </p:cNvPr>
+          <p:cNvSpPr/>
+          <p:nvPr/>
+        </p:nvSpPr>
+        <p:spPr>
+          <a:xfrm>
+            <a:off x="2706648" y="2203071"/>
+            <a:ext cx="562304" cy="633247"/>
+          </a:xfrm>
+          <a:prstGeom prst="rect">
+            <a:avLst/>
+          </a:prstGeom>
+          <a:solidFill>
+            <a:srgbClr val="FFFF00"/>
+          </a:solidFill>
+          <a:ln>
+            <a:solidFill>
+              <a:schemeClr val="bg1"/>
+            </a:solidFill>
+          </a:ln>
+        </p:spPr>
+        <p:style>
+          <a:lnRef idx="2">
+            <a:schemeClr val="accent1">
+              <a:shade val="50000"/>
+            </a:schemeClr>
+          </a:lnRef>
+          <a:fillRef idx="1">
+            <a:schemeClr val="accent1"/>
+          </a:fillRef>
+          <a:effectRef idx="0">
+            <a:schemeClr val="accent1"/>
+          </a:effectRef>
+          <a:fontRef idx="minor">
+            <a:schemeClr val="lt1"/>
+          </a:fontRef>
+        </p:style>
+        <p:txBody>
+          <a:bodyPr rtlCol="0" anchor="ctr"/>
+          <a:lstStyle/>
+          <a:p>
+            <a:pPr algn="ctr"/>
+            <a:r>
+              <a:rPr lang="en-US" sz="1400" b="1" dirty="0">
+                <a:solidFill>
+                  <a:schemeClr val="bg1"/>
+                </a:solidFill>
+              </a:rPr>
+              <a:t>LSR</a:t>
+            </a:r>
+          </a:p>
+        </p:txBody>
+      </p:sp>
+      <p:sp>
+        <p:nvSpPr>
+          <p:cNvPr id="24" name="TextBox 23">
+            <a:extLst>
+              <a:ext uri="{FF2B5EF4-FFF2-40B4-BE49-F238E27FC236}">
+                <a16:creationId xmlns:a16="http://schemas.microsoft.com/office/drawing/2014/main" id="{524A58B1-077B-F04D-A184-82EEB44350F8}"/>
+              </a:ext>
+            </a:extLst>
+          </p:cNvPr>
+          <p:cNvSpPr txBox="1"/>
+          <p:nvPr/>
+        </p:nvSpPr>
+        <p:spPr>
+          <a:xfrm>
+            <a:off x="2291595" y="1971422"/>
+            <a:ext cx="1411220" cy="276999"/>
+          </a:xfrm>
+          <a:prstGeom prst="rect">
+            <a:avLst/>
+          </a:prstGeom>
+          <a:noFill/>
+        </p:spPr>
+        <p:txBody>
+          <a:bodyPr wrap="none" rtlCol="0">
+            <a:spAutoFit/>
+          </a:bodyPr>
+          <a:lstStyle/>
+          <a:p>
+            <a:r>
+              <a:rPr lang="en-US" sz="1200" dirty="0"/>
+              <a:t>Line-Status Register</a:t>
+            </a:r>
+          </a:p>
+        </p:txBody>
+      </p:sp>
+      <p:sp>
+        <p:nvSpPr>
+          <p:cNvPr id="26" name="TextBox 25">
+            <a:extLst>
+              <a:ext uri="{FF2B5EF4-FFF2-40B4-BE49-F238E27FC236}">
+                <a16:creationId xmlns:a16="http://schemas.microsoft.com/office/drawing/2014/main" id="{22D08BF2-20F8-D440-A1B0-0C9F39124932}"/>
+              </a:ext>
+            </a:extLst>
+          </p:cNvPr>
+          <p:cNvSpPr txBox="1"/>
+          <p:nvPr/>
+        </p:nvSpPr>
+        <p:spPr>
+          <a:xfrm>
+            <a:off x="2091880" y="4723797"/>
+            <a:ext cx="1783822" cy="276999"/>
+          </a:xfrm>
+          <a:prstGeom prst="rect">
+            <a:avLst/>
+          </a:prstGeom>
+          <a:noFill/>
+        </p:spPr>
+        <p:txBody>
+          <a:bodyPr wrap="none" rtlCol="0">
+            <a:spAutoFit/>
+          </a:bodyPr>
+          <a:lstStyle/>
+          <a:p>
+            <a:r>
+              <a:rPr lang="en-US" sz="1200" dirty="0"/>
+              <a:t>Received holding Register</a:t>
+            </a:r>
+          </a:p>
+        </p:txBody>
+      </p:sp>
+      <p:sp>
+        <p:nvSpPr>
+          <p:cNvPr id="28" name="TextBox 27">
+            <a:extLst>
+              <a:ext uri="{FF2B5EF4-FFF2-40B4-BE49-F238E27FC236}">
+                <a16:creationId xmlns:a16="http://schemas.microsoft.com/office/drawing/2014/main" id="{26E066DD-AC68-BE43-9854-CF7201655A32}"/>
+              </a:ext>
+            </a:extLst>
+          </p:cNvPr>
+          <p:cNvSpPr txBox="1"/>
+          <p:nvPr/>
+        </p:nvSpPr>
+        <p:spPr>
+          <a:xfrm>
+            <a:off x="7226864" y="2892237"/>
+            <a:ext cx="1764073" cy="276999"/>
+          </a:xfrm>
+          <a:prstGeom prst="rect">
+            <a:avLst/>
+          </a:prstGeom>
+          <a:noFill/>
+        </p:spPr>
+        <p:txBody>
+          <a:bodyPr wrap="none" rtlCol="0">
+            <a:spAutoFit/>
+          </a:bodyPr>
+          <a:lstStyle/>
+          <a:p>
+            <a:r>
+              <a:rPr lang="en-US" sz="1200" dirty="0"/>
+              <a:t>Transmit holding Register</a:t>
+            </a:r>
+          </a:p>
+        </p:txBody>
+      </p:sp>
+      <p:sp>
+        <p:nvSpPr>
+          <p:cNvPr id="58" name="Rounded Rectangle 57">
+            <a:extLst>
+              <a:ext uri="{FF2B5EF4-FFF2-40B4-BE49-F238E27FC236}">
+                <a16:creationId xmlns:a16="http://schemas.microsoft.com/office/drawing/2014/main" id="{7BBEAD1A-A98A-9B4C-BD9A-FBC1EF6B8EEC}"/>
+              </a:ext>
+            </a:extLst>
+          </p:cNvPr>
+          <p:cNvSpPr/>
+          <p:nvPr/>
+        </p:nvSpPr>
+        <p:spPr>
+          <a:xfrm>
+            <a:off x="5438524" y="4814420"/>
+            <a:ext cx="1313792" cy="1124607"/>
+          </a:xfrm>
+          <a:prstGeom prst="roundRect">
+            <a:avLst/>
+          </a:prstGeom>
+          <a:solidFill>
+            <a:schemeClr val="tx2">
+              <a:lumMod val="10000"/>
+            </a:schemeClr>
+          </a:solidFill>
+          <a:ln>
+            <a:solidFill>
+              <a:srgbClr val="FF0000"/>
+            </a:solidFill>
+          </a:ln>
+        </p:spPr>
+        <p:style>
+          <a:lnRef idx="2">
+            <a:schemeClr val="accent1">
+              <a:shade val="50000"/>
+            </a:schemeClr>
+          </a:lnRef>
+          <a:fillRef idx="1">
+            <a:schemeClr val="accent1"/>
+          </a:fillRef>
+          <a:effectRef idx="0">
+            <a:schemeClr val="accent1"/>
+          </a:effectRef>
+          <a:fontRef idx="minor">
+            <a:schemeClr val="lt1"/>
+          </a:fontRef>
+        </p:style>
+        <p:txBody>
+          <a:bodyPr rtlCol="0" anchor="ctr"/>
+          <a:lstStyle/>
+          <a:p>
+            <a:pPr algn="ctr"/>
+            <a:r>
+              <a:rPr lang="en-US" b="1" dirty="0"/>
+              <a:t>Console Driver</a:t>
+            </a:r>
+          </a:p>
+        </p:txBody>
+      </p:sp>
+      <p:sp>
+        <p:nvSpPr>
+          <p:cNvPr id="59" name="Rounded Rectangle 58">
+            <a:extLst>
+              <a:ext uri="{FF2B5EF4-FFF2-40B4-BE49-F238E27FC236}">
+                <a16:creationId xmlns:a16="http://schemas.microsoft.com/office/drawing/2014/main" id="{EB24C4AC-1AB5-D945-BD90-875B726F1D2F}"/>
+              </a:ext>
+            </a:extLst>
+          </p:cNvPr>
+          <p:cNvSpPr/>
+          <p:nvPr/>
+        </p:nvSpPr>
+        <p:spPr>
+          <a:xfrm>
+            <a:off x="898750" y="2898802"/>
+            <a:ext cx="1313792" cy="1124607"/>
+          </a:xfrm>
+          <a:prstGeom prst="roundRect">
+            <a:avLst/>
+          </a:prstGeom>
+          <a:solidFill>
+            <a:schemeClr val="tx2">
+              <a:lumMod val="10000"/>
+            </a:schemeClr>
+          </a:solidFill>
+          <a:ln>
+            <a:solidFill>
+              <a:srgbClr val="FF0000"/>
+            </a:solidFill>
+          </a:ln>
+        </p:spPr>
+        <p:style>
+          <a:lnRef idx="2">
+            <a:schemeClr val="accent1">
+              <a:shade val="50000"/>
+            </a:schemeClr>
+          </a:lnRef>
+          <a:fillRef idx="1">
+            <a:schemeClr val="accent1"/>
+          </a:fillRef>
+          <a:effectRef idx="0">
+            <a:schemeClr val="accent1"/>
+          </a:effectRef>
+          <a:fontRef idx="minor">
+            <a:schemeClr val="lt1"/>
+          </a:fontRef>
+        </p:style>
+        <p:txBody>
+          <a:bodyPr rtlCol="0" anchor="ctr"/>
+          <a:lstStyle/>
+          <a:p>
+            <a:pPr algn="ctr"/>
+            <a:r>
+              <a:rPr lang="en-US" b="1" dirty="0"/>
+              <a:t>Keyboard Driver</a:t>
+            </a:r>
+          </a:p>
+        </p:txBody>
+      </p:sp>
+      <p:sp>
+        <p:nvSpPr>
+          <p:cNvPr id="67" name="Rounded Rectangle 66">
+            <a:extLst>
+              <a:ext uri="{FF2B5EF4-FFF2-40B4-BE49-F238E27FC236}">
+                <a16:creationId xmlns:a16="http://schemas.microsoft.com/office/drawing/2014/main" id="{C98A8225-DBB7-254F-B88A-E2B2EBC49283}"/>
+              </a:ext>
+            </a:extLst>
+          </p:cNvPr>
+          <p:cNvSpPr/>
+          <p:nvPr/>
+        </p:nvSpPr>
+        <p:spPr>
+          <a:xfrm>
+            <a:off x="9252910" y="2890017"/>
+            <a:ext cx="1313792" cy="1124607"/>
+          </a:xfrm>
+          <a:prstGeom prst="roundRect">
+            <a:avLst/>
+          </a:prstGeom>
+          <a:solidFill>
+            <a:schemeClr val="tx2">
+              <a:lumMod val="10000"/>
+            </a:schemeClr>
+          </a:solidFill>
+          <a:ln>
+            <a:solidFill>
+              <a:srgbClr val="FF0000"/>
+            </a:solidFill>
+          </a:ln>
+        </p:spPr>
+        <p:style>
+          <a:lnRef idx="2">
+            <a:schemeClr val="accent1">
+              <a:shade val="50000"/>
+            </a:schemeClr>
+          </a:lnRef>
+          <a:fillRef idx="1">
+            <a:schemeClr val="accent1"/>
+          </a:fillRef>
+          <a:effectRef idx="0">
+            <a:schemeClr val="accent1"/>
+          </a:effectRef>
+          <a:fontRef idx="minor">
+            <a:schemeClr val="lt1"/>
+          </a:fontRef>
+        </p:style>
+        <p:txBody>
+          <a:bodyPr rtlCol="0" anchor="ctr"/>
+          <a:lstStyle/>
+          <a:p>
+            <a:pPr algn="ctr"/>
+            <a:r>
+              <a:rPr lang="en-US" b="1" dirty="0"/>
+              <a:t>Monitor</a:t>
+            </a:r>
+          </a:p>
+        </p:txBody>
+      </p:sp>
+      <p:cxnSp>
+        <p:nvCxnSpPr>
+          <p:cNvPr id="69" name="Straight Arrow Connector 68">
+            <a:extLst>
+              <a:ext uri="{FF2B5EF4-FFF2-40B4-BE49-F238E27FC236}">
+                <a16:creationId xmlns:a16="http://schemas.microsoft.com/office/drawing/2014/main" id="{271FFE81-AA13-F848-8F38-9D5A78916C4A}"/>
+              </a:ext>
+            </a:extLst>
+          </p:cNvPr>
+          <p:cNvCxnSpPr>
+            <a:cxnSpLocks/>
+            <a:stCxn id="14" idx="3"/>
+            <a:endCxn id="67" idx="1"/>
+          </p:cNvCxnSpPr>
+          <p:nvPr/>
+        </p:nvCxnSpPr>
+        <p:spPr>
+          <a:xfrm flipV="1">
+            <a:off x="8432909" y="3452321"/>
+            <a:ext cx="820001" cy="1"/>
+          </a:xfrm>
+          <a:prstGeom prst="straightConnector1">
+            <a:avLst/>
+          </a:prstGeom>
+          <a:ln>
+            <a:tailEnd type="triangle"/>
+          </a:ln>
+        </p:spPr>
+        <p:style>
+          <a:lnRef idx="1">
+            <a:schemeClr val="accent1"/>
+          </a:lnRef>
+          <a:fillRef idx="0">
+            <a:schemeClr val="accent1"/>
+          </a:fillRef>
+          <a:effectRef idx="0">
+            <a:schemeClr val="accent1"/>
+          </a:effectRef>
+          <a:fontRef idx="minor">
+            <a:schemeClr val="tx1"/>
+          </a:fontRef>
+        </p:style>
+      </p:cxnSp>
+      <p:cxnSp>
+        <p:nvCxnSpPr>
+          <p:cNvPr id="72" name="Straight Arrow Connector 71">
+            <a:extLst>
+              <a:ext uri="{FF2B5EF4-FFF2-40B4-BE49-F238E27FC236}">
+                <a16:creationId xmlns:a16="http://schemas.microsoft.com/office/drawing/2014/main" id="{3FFED69D-2219-7146-BCDA-B7B2A9385F8E}"/>
+              </a:ext>
+            </a:extLst>
+          </p:cNvPr>
+          <p:cNvCxnSpPr>
+            <a:cxnSpLocks/>
+            <a:stCxn id="58" idx="0"/>
+            <a:endCxn id="77" idx="2"/>
+          </p:cNvCxnSpPr>
+          <p:nvPr/>
+        </p:nvCxnSpPr>
+        <p:spPr>
+          <a:xfrm flipV="1">
+            <a:off x="6095420" y="3283871"/>
+            <a:ext cx="2" cy="1530549"/>
+          </a:xfrm>
+          <a:prstGeom prst="straightConnector1">
+            <a:avLst/>
+          </a:prstGeom>
+          <a:ln>
+            <a:tailEnd type="triangle"/>
+          </a:ln>
+        </p:spPr>
+        <p:style>
+          <a:lnRef idx="2">
+            <a:schemeClr val="accent1"/>
+          </a:lnRef>
+          <a:fillRef idx="0">
+            <a:schemeClr val="accent1"/>
+          </a:fillRef>
+          <a:effectRef idx="1">
+            <a:schemeClr val="accent1"/>
+          </a:effectRef>
+          <a:fontRef idx="minor">
+            <a:schemeClr val="tx1"/>
+          </a:fontRef>
+        </p:style>
+      </p:cxnSp>
+      <p:sp>
+        <p:nvSpPr>
+          <p:cNvPr id="73" name="Rectangle 72">
+            <a:extLst>
+              <a:ext uri="{FF2B5EF4-FFF2-40B4-BE49-F238E27FC236}">
+                <a16:creationId xmlns:a16="http://schemas.microsoft.com/office/drawing/2014/main" id="{0429B2E4-43F1-4B49-98B7-E20320409D1A}"/>
+              </a:ext>
+            </a:extLst>
+          </p:cNvPr>
+          <p:cNvSpPr/>
+          <p:nvPr/>
+        </p:nvSpPr>
+        <p:spPr>
+          <a:xfrm>
+            <a:off x="2634995" y="3333873"/>
+            <a:ext cx="705610" cy="254464"/>
+          </a:xfrm>
+          <a:prstGeom prst="rect">
+            <a:avLst/>
+          </a:prstGeom>
+        </p:spPr>
+        <p:style>
+          <a:lnRef idx="2">
+            <a:schemeClr val="accent1">
+              <a:shade val="50000"/>
+            </a:schemeClr>
+          </a:lnRef>
+          <a:fillRef idx="1">
+            <a:schemeClr val="accent1"/>
+          </a:fillRef>
+          <a:effectRef idx="0">
+            <a:schemeClr val="accent1"/>
+          </a:effectRef>
+          <a:fontRef idx="minor">
+            <a:schemeClr val="lt1"/>
+          </a:fontRef>
+        </p:style>
+        <p:txBody>
+          <a:bodyPr rtlCol="0" anchor="ctr"/>
+          <a:lstStyle/>
+          <a:p>
+            <a:pPr algn="ctr"/>
+            <a:r>
+              <a:rPr lang="en-US" sz="1200" dirty="0"/>
+              <a:t>FIFO buf</a:t>
+            </a:r>
+          </a:p>
+        </p:txBody>
+      </p:sp>
+      <p:cxnSp>
+        <p:nvCxnSpPr>
+          <p:cNvPr id="75" name="Straight Connector 74">
+            <a:extLst>
+              <a:ext uri="{FF2B5EF4-FFF2-40B4-BE49-F238E27FC236}">
+                <a16:creationId xmlns:a16="http://schemas.microsoft.com/office/drawing/2014/main" id="{5EF0ED29-B05E-2A47-9E43-6FC19A1303F8}"/>
+              </a:ext>
+            </a:extLst>
+          </p:cNvPr>
+          <p:cNvCxnSpPr>
+            <a:cxnSpLocks/>
+          </p:cNvCxnSpPr>
+          <p:nvPr/>
+        </p:nvCxnSpPr>
+        <p:spPr>
+          <a:xfrm>
+            <a:off x="2987801" y="2831222"/>
+            <a:ext cx="0" cy="497555"/>
+          </a:xfrm>
+          <a:prstGeom prst="line">
+            <a:avLst/>
+          </a:prstGeom>
+        </p:spPr>
+        <p:style>
+          <a:lnRef idx="2">
+            <a:schemeClr val="accent1"/>
+          </a:lnRef>
+          <a:fillRef idx="0">
+            <a:schemeClr val="accent1"/>
+          </a:fillRef>
+          <a:effectRef idx="1">
+            <a:schemeClr val="accent1"/>
+          </a:effectRef>
+          <a:fontRef idx="minor">
+            <a:schemeClr val="tx1"/>
+          </a:fontRef>
+        </p:style>
+      </p:cxnSp>
+      <p:sp>
+        <p:nvSpPr>
+          <p:cNvPr id="77" name="Up Arrow 76">
+            <a:extLst>
+              <a:ext uri="{FF2B5EF4-FFF2-40B4-BE49-F238E27FC236}">
+                <a16:creationId xmlns:a16="http://schemas.microsoft.com/office/drawing/2014/main" id="{5F4454F7-1315-234C-ACA1-9765478DD6A9}"/>
+              </a:ext>
+            </a:extLst>
+          </p:cNvPr>
+          <p:cNvSpPr/>
+          <p:nvPr/>
+        </p:nvSpPr>
+        <p:spPr>
+          <a:xfrm>
+            <a:off x="5990318" y="2837510"/>
+            <a:ext cx="210207" cy="446361"/>
+          </a:xfrm>
+          <a:prstGeom prst="upArrow">
+            <a:avLst/>
+          </a:prstGeom>
+          <a:solidFill>
+            <a:srgbClr val="00B0F0"/>
+          </a:solidFill>
+        </p:spPr>
+        <p:style>
+          <a:lnRef idx="2">
+            <a:schemeClr val="accent1">
+              <a:shade val="50000"/>
+            </a:schemeClr>
+          </a:lnRef>
+          <a:fillRef idx="1">
+            <a:schemeClr val="accent1"/>
+          </a:fillRef>
+          <a:effectRef idx="0">
+            <a:schemeClr val="accent1"/>
+          </a:effectRef>
+          <a:fontRef idx="minor">
+            <a:schemeClr val="lt1"/>
+          </a:fontRef>
+        </p:style>
+        <p:txBody>
+          <a:bodyPr rtlCol="0" anchor="ctr"/>
+          <a:lstStyle/>
+          <a:p>
+            <a:pPr algn="ctr"/>
+            <a:endParaRPr lang="en-US"/>
+          </a:p>
+        </p:txBody>
+      </p:sp>
+      <p:sp>
+        <p:nvSpPr>
+          <p:cNvPr id="38" name="TextBox 37">
+            <a:extLst>
+              <a:ext uri="{FF2B5EF4-FFF2-40B4-BE49-F238E27FC236}">
+                <a16:creationId xmlns:a16="http://schemas.microsoft.com/office/drawing/2014/main" id="{9347DBE1-5463-9F40-A6C6-5E26A1BF4F51}"/>
+              </a:ext>
+            </a:extLst>
+          </p:cNvPr>
+          <p:cNvSpPr txBox="1"/>
+          <p:nvPr/>
+        </p:nvSpPr>
+        <p:spPr>
+          <a:xfrm>
+            <a:off x="5563968" y="2966669"/>
+            <a:ext cx="1018740" cy="276999"/>
+          </a:xfrm>
+          <a:prstGeom prst="rect">
+            <a:avLst/>
+          </a:prstGeom>
+          <a:noFill/>
+        </p:spPr>
+        <p:txBody>
+          <a:bodyPr wrap="none" rtlCol="0">
+            <a:spAutoFit/>
+          </a:bodyPr>
+          <a:lstStyle/>
+          <a:p>
+            <a:r>
+              <a:rPr lang="en-US" sz="1200" dirty="0">
+                <a:solidFill>
+                  <a:srgbClr val="FFFF00"/>
+                </a:solidFill>
+              </a:rPr>
+              <a:t>Write Pointer</a:t>
+            </a:r>
+          </a:p>
+        </p:txBody>
+      </p:sp>
+      <p:sp>
+        <p:nvSpPr>
+          <p:cNvPr id="84" name="TextBox 83">
+            <a:extLst>
+              <a:ext uri="{FF2B5EF4-FFF2-40B4-BE49-F238E27FC236}">
+                <a16:creationId xmlns:a16="http://schemas.microsoft.com/office/drawing/2014/main" id="{D7FF5AC1-8E9D-7B4C-BEA9-45182E9CBDF7}"/>
+              </a:ext>
+            </a:extLst>
+          </p:cNvPr>
+          <p:cNvSpPr txBox="1"/>
+          <p:nvPr/>
+        </p:nvSpPr>
+        <p:spPr>
+          <a:xfrm>
+            <a:off x="5663475" y="3986818"/>
+            <a:ext cx="863891" cy="276999"/>
+          </a:xfrm>
+          <a:prstGeom prst="rect">
+            <a:avLst/>
+          </a:prstGeom>
+          <a:noFill/>
+        </p:spPr>
+        <p:txBody>
+          <a:bodyPr wrap="none" rtlCol="0">
+            <a:spAutoFit/>
+          </a:bodyPr>
+          <a:lstStyle/>
+          <a:p>
+            <a:r>
+              <a:rPr lang="en-US" sz="1200" dirty="0"/>
+              <a:t>uartputc( )</a:t>
+            </a:r>
+          </a:p>
+        </p:txBody>
+      </p:sp>
+      <p:cxnSp>
+        <p:nvCxnSpPr>
+          <p:cNvPr id="92" name="Straight Arrow Connector 91">
+            <a:extLst>
+              <a:ext uri="{FF2B5EF4-FFF2-40B4-BE49-F238E27FC236}">
+                <a16:creationId xmlns:a16="http://schemas.microsoft.com/office/drawing/2014/main" id="{4B4363F6-C40F-B14A-816F-9119E340075D}"/>
+              </a:ext>
+            </a:extLst>
+          </p:cNvPr>
+          <p:cNvCxnSpPr>
+            <a:cxnSpLocks/>
+            <a:stCxn id="11" idx="3"/>
+            <a:endCxn id="58" idx="0"/>
+          </p:cNvCxnSpPr>
+          <p:nvPr/>
+        </p:nvCxnSpPr>
+        <p:spPr>
+          <a:xfrm>
+            <a:off x="3268952" y="4415670"/>
+            <a:ext cx="2826468" cy="398750"/>
+          </a:xfrm>
+          <a:prstGeom prst="straightConnector1">
+            <a:avLst/>
+          </a:prstGeom>
+          <a:ln>
+            <a:tailEnd type="triangle"/>
+          </a:ln>
+        </p:spPr>
+        <p:style>
+          <a:lnRef idx="2">
+            <a:schemeClr val="accent4"/>
+          </a:lnRef>
+          <a:fillRef idx="0">
+            <a:schemeClr val="accent4"/>
+          </a:fillRef>
+          <a:effectRef idx="1">
+            <a:schemeClr val="accent4"/>
+          </a:effectRef>
+          <a:fontRef idx="minor">
+            <a:schemeClr val="tx1"/>
+          </a:fontRef>
+        </p:style>
+      </p:cxnSp>
+      <p:cxnSp>
+        <p:nvCxnSpPr>
+          <p:cNvPr id="100" name="Straight Arrow Connector 99">
+            <a:extLst>
+              <a:ext uri="{FF2B5EF4-FFF2-40B4-BE49-F238E27FC236}">
+                <a16:creationId xmlns:a16="http://schemas.microsoft.com/office/drawing/2014/main" id="{0AB108C1-FABE-EE4A-9A90-853CDBD63CE7}"/>
+              </a:ext>
+            </a:extLst>
+          </p:cNvPr>
+          <p:cNvCxnSpPr>
+            <a:stCxn id="73" idx="2"/>
+            <a:endCxn id="11" idx="0"/>
+          </p:cNvCxnSpPr>
+          <p:nvPr/>
+        </p:nvCxnSpPr>
+        <p:spPr>
+          <a:xfrm>
+            <a:off x="2987800" y="3588337"/>
+            <a:ext cx="0" cy="510709"/>
+          </a:xfrm>
+          <a:prstGeom prst="straightConnector1">
+            <a:avLst/>
+          </a:prstGeom>
+          <a:ln>
+            <a:tailEnd type="triangle"/>
+          </a:ln>
+        </p:spPr>
+        <p:style>
+          <a:lnRef idx="2">
+            <a:schemeClr val="accent4"/>
+          </a:lnRef>
+          <a:fillRef idx="0">
+            <a:schemeClr val="accent4"/>
+          </a:fillRef>
+          <a:effectRef idx="1">
+            <a:schemeClr val="accent4"/>
+          </a:effectRef>
+          <a:fontRef idx="minor">
+            <a:schemeClr val="tx1"/>
+          </a:fontRef>
+        </p:style>
+      </p:cxnSp>
+      <p:sp>
+        <p:nvSpPr>
+          <p:cNvPr id="90" name="TextBox 89">
+            <a:extLst>
+              <a:ext uri="{FF2B5EF4-FFF2-40B4-BE49-F238E27FC236}">
+                <a16:creationId xmlns:a16="http://schemas.microsoft.com/office/drawing/2014/main" id="{38F0AF6C-6840-8C48-9CAD-1E60002831ED}"/>
+              </a:ext>
+            </a:extLst>
+          </p:cNvPr>
+          <p:cNvSpPr txBox="1"/>
+          <p:nvPr/>
+        </p:nvSpPr>
+        <p:spPr>
+          <a:xfrm>
+            <a:off x="4140393" y="4338046"/>
+            <a:ext cx="845168" cy="276999"/>
+          </a:xfrm>
+          <a:prstGeom prst="rect">
+            <a:avLst/>
+          </a:prstGeom>
+          <a:noFill/>
+        </p:spPr>
+        <p:txBody>
+          <a:bodyPr wrap="none" rtlCol="0">
+            <a:spAutoFit/>
+          </a:bodyPr>
+          <a:lstStyle/>
+          <a:p>
+            <a:r>
+              <a:rPr lang="en-US" sz="1200" dirty="0"/>
+              <a:t>uartgetc( )</a:t>
+            </a:r>
+          </a:p>
+        </p:txBody>
+      </p:sp>
+      <p:cxnSp>
+        <p:nvCxnSpPr>
+          <p:cNvPr id="108" name="Straight Arrow Connector 107">
+            <a:extLst>
+              <a:ext uri="{FF2B5EF4-FFF2-40B4-BE49-F238E27FC236}">
+                <a16:creationId xmlns:a16="http://schemas.microsoft.com/office/drawing/2014/main" id="{6838BE6C-A428-3F44-862D-6A21899264B5}"/>
+              </a:ext>
+            </a:extLst>
+          </p:cNvPr>
+          <p:cNvCxnSpPr>
+            <a:cxnSpLocks/>
+            <a:stCxn id="59" idx="3"/>
+            <a:endCxn id="73" idx="1"/>
+          </p:cNvCxnSpPr>
+          <p:nvPr/>
+        </p:nvCxnSpPr>
+        <p:spPr>
+          <a:xfrm flipV="1">
+            <a:off x="2212542" y="3461105"/>
+            <a:ext cx="422453" cy="1"/>
+          </a:xfrm>
+          <a:prstGeom prst="straightConnector1">
+            <a:avLst/>
+          </a:prstGeom>
+          <a:ln>
+            <a:tailEnd type="triangle"/>
+          </a:ln>
+        </p:spPr>
+        <p:style>
+          <a:lnRef idx="2">
+            <a:schemeClr val="accent4"/>
+          </a:lnRef>
+          <a:fillRef idx="0">
+            <a:schemeClr val="accent4"/>
+          </a:fillRef>
+          <a:effectRef idx="1">
+            <a:schemeClr val="accent4"/>
+          </a:effectRef>
+          <a:fontRef idx="minor">
+            <a:schemeClr val="tx1"/>
+          </a:fontRef>
+        </p:style>
+      </p:cxnSp>
+      <p:sp>
+        <p:nvSpPr>
+          <p:cNvPr id="116" name="Up Arrow 115">
+            <a:extLst>
+              <a:ext uri="{FF2B5EF4-FFF2-40B4-BE49-F238E27FC236}">
+                <a16:creationId xmlns:a16="http://schemas.microsoft.com/office/drawing/2014/main" id="{37FF7D55-4734-074C-8BE3-21327CA904F1}"/>
+              </a:ext>
+            </a:extLst>
+          </p:cNvPr>
+          <p:cNvSpPr/>
+          <p:nvPr/>
+        </p:nvSpPr>
+        <p:spPr>
+          <a:xfrm>
+            <a:off x="3942389" y="2831617"/>
+            <a:ext cx="210207" cy="446361"/>
+          </a:xfrm>
+          <a:prstGeom prst="upArrow">
+            <a:avLst/>
+          </a:prstGeom>
+          <a:solidFill>
+            <a:srgbClr val="00B0F0"/>
+          </a:solidFill>
+        </p:spPr>
+        <p:style>
+          <a:lnRef idx="2">
+            <a:schemeClr val="accent1">
+              <a:shade val="50000"/>
+            </a:schemeClr>
+          </a:lnRef>
+          <a:fillRef idx="1">
+            <a:schemeClr val="accent1"/>
+          </a:fillRef>
+          <a:effectRef idx="0">
+            <a:schemeClr val="accent1"/>
+          </a:effectRef>
+          <a:fontRef idx="minor">
+            <a:schemeClr val="lt1"/>
+          </a:fontRef>
+        </p:style>
+        <p:txBody>
+          <a:bodyPr rtlCol="0" anchor="ctr"/>
+          <a:lstStyle/>
+          <a:p>
+            <a:pPr algn="ctr"/>
+            <a:endParaRPr lang="en-US"/>
+          </a:p>
+        </p:txBody>
+      </p:sp>
+      <p:sp>
+        <p:nvSpPr>
+          <p:cNvPr id="111" name="TextBox 110">
+            <a:extLst>
+              <a:ext uri="{FF2B5EF4-FFF2-40B4-BE49-F238E27FC236}">
+                <a16:creationId xmlns:a16="http://schemas.microsoft.com/office/drawing/2014/main" id="{8320AB9F-E8C8-584F-A4AC-5754976A8FD4}"/>
+              </a:ext>
+            </a:extLst>
+          </p:cNvPr>
+          <p:cNvSpPr txBox="1"/>
+          <p:nvPr/>
+        </p:nvSpPr>
+        <p:spPr>
+          <a:xfrm>
+            <a:off x="3583151" y="2955253"/>
+            <a:ext cx="983731" cy="276999"/>
+          </a:xfrm>
+          <a:prstGeom prst="rect">
+            <a:avLst/>
+          </a:prstGeom>
+          <a:noFill/>
+        </p:spPr>
+        <p:txBody>
+          <a:bodyPr wrap="none" rtlCol="0">
+            <a:spAutoFit/>
+          </a:bodyPr>
+          <a:lstStyle/>
+          <a:p>
+            <a:r>
+              <a:rPr lang="en-US" sz="1200" dirty="0">
+                <a:solidFill>
+                  <a:srgbClr val="FFFF00"/>
+                </a:solidFill>
+              </a:rPr>
+              <a:t>Read Pointer</a:t>
+            </a:r>
+          </a:p>
+        </p:txBody>
+      </p:sp>
+      <p:cxnSp>
+        <p:nvCxnSpPr>
+          <p:cNvPr id="118" name="Elbow Connector 117">
+            <a:extLst>
+              <a:ext uri="{FF2B5EF4-FFF2-40B4-BE49-F238E27FC236}">
+                <a16:creationId xmlns:a16="http://schemas.microsoft.com/office/drawing/2014/main" id="{91A082E7-1383-6E4B-B9EB-043321FAD983}"/>
+              </a:ext>
+            </a:extLst>
+          </p:cNvPr>
+          <p:cNvCxnSpPr>
+            <a:stCxn id="116" idx="2"/>
+            <a:endCxn id="14" idx="1"/>
+          </p:cNvCxnSpPr>
+          <p:nvPr/>
+        </p:nvCxnSpPr>
+        <p:spPr>
+          <a:xfrm rot="16200000" flipH="1">
+            <a:off x="5871877" y="1453594"/>
+            <a:ext cx="174344" cy="3823112"/>
+          </a:xfrm>
+          <a:prstGeom prst="bentConnector2">
+            <a:avLst/>
+          </a:prstGeom>
+          <a:ln>
+            <a:tailEnd type="triangle"/>
+          </a:ln>
+        </p:spPr>
+        <p:style>
+          <a:lnRef idx="1">
+            <a:schemeClr val="accent1"/>
+          </a:lnRef>
+          <a:fillRef idx="0">
+            <a:schemeClr val="accent1"/>
+          </a:fillRef>
+          <a:effectRef idx="0">
+            <a:schemeClr val="accent1"/>
+          </a:effectRef>
+          <a:fontRef idx="minor">
+            <a:schemeClr val="tx1"/>
+          </a:fontRef>
+        </p:style>
+      </p:cxnSp>
+      <p:sp>
+        <p:nvSpPr>
+          <p:cNvPr id="119" name="TextBox 118">
+            <a:extLst>
+              <a:ext uri="{FF2B5EF4-FFF2-40B4-BE49-F238E27FC236}">
+                <a16:creationId xmlns:a16="http://schemas.microsoft.com/office/drawing/2014/main" id="{DA8F5E5F-FFA4-9647-876F-F4A6F0D56BC0}"/>
+              </a:ext>
+            </a:extLst>
+          </p:cNvPr>
+          <p:cNvSpPr txBox="1"/>
+          <p:nvPr/>
+        </p:nvSpPr>
+        <p:spPr>
+          <a:xfrm>
+            <a:off x="4682039" y="3218217"/>
+            <a:ext cx="875561" cy="276999"/>
+          </a:xfrm>
+          <a:prstGeom prst="rect">
+            <a:avLst/>
+          </a:prstGeom>
+          <a:noFill/>
+        </p:spPr>
+        <p:txBody>
+          <a:bodyPr wrap="none" rtlCol="0">
+            <a:spAutoFit/>
+          </a:bodyPr>
+          <a:lstStyle/>
+          <a:p>
+            <a:r>
+              <a:rPr lang="en-US" sz="1200" dirty="0"/>
+              <a:t>uartstart( )</a:t>
+            </a:r>
+          </a:p>
+        </p:txBody>
+      </p:sp>
+      <p:cxnSp>
+        <p:nvCxnSpPr>
+          <p:cNvPr id="122" name="Straight Arrow Connector 121">
+            <a:extLst>
+              <a:ext uri="{FF2B5EF4-FFF2-40B4-BE49-F238E27FC236}">
+                <a16:creationId xmlns:a16="http://schemas.microsoft.com/office/drawing/2014/main" id="{58A540ED-38BB-D346-9D2D-E552DE1386B8}"/>
+              </a:ext>
+            </a:extLst>
+          </p:cNvPr>
+          <p:cNvCxnSpPr>
+            <a:stCxn id="11" idx="3"/>
+          </p:cNvCxnSpPr>
+          <p:nvPr/>
+        </p:nvCxnSpPr>
+        <p:spPr>
+          <a:xfrm flipV="1">
+            <a:off x="3268952" y="3461105"/>
+            <a:ext cx="778541" cy="954565"/>
+          </a:xfrm>
+          <a:prstGeom prst="straightConnector1">
+            <a:avLst/>
+          </a:prstGeom>
+          <a:ln>
+            <a:tailEnd type="triangle"/>
+          </a:ln>
+        </p:spPr>
+        <p:style>
+          <a:lnRef idx="1">
+            <a:schemeClr val="accent1"/>
+          </a:lnRef>
+          <a:fillRef idx="0">
+            <a:schemeClr val="accent1"/>
+          </a:fillRef>
+          <a:effectRef idx="0">
+            <a:schemeClr val="accent1"/>
+          </a:effectRef>
+          <a:fontRef idx="minor">
+            <a:schemeClr val="tx1"/>
+          </a:fontRef>
+        </p:style>
+      </p:cxnSp>
+      <p:sp>
+        <p:nvSpPr>
+          <p:cNvPr id="126" name="TextBox 125">
+            <a:extLst>
+              <a:ext uri="{FF2B5EF4-FFF2-40B4-BE49-F238E27FC236}">
+                <a16:creationId xmlns:a16="http://schemas.microsoft.com/office/drawing/2014/main" id="{3AB07A52-02D0-B34A-8212-37A3A4BEA4DE}"/>
+              </a:ext>
+            </a:extLst>
+          </p:cNvPr>
+          <p:cNvSpPr txBox="1"/>
+          <p:nvPr/>
+        </p:nvSpPr>
+        <p:spPr>
+          <a:xfrm>
+            <a:off x="4132389" y="4615045"/>
+            <a:ext cx="1012328" cy="276999"/>
+          </a:xfrm>
+          <a:prstGeom prst="rect">
+            <a:avLst/>
+          </a:prstGeom>
+          <a:noFill/>
+        </p:spPr>
+        <p:txBody>
+          <a:bodyPr wrap="none" rtlCol="0">
+            <a:spAutoFit/>
+          </a:bodyPr>
+          <a:lstStyle/>
+          <a:p>
+            <a:r>
+              <a:rPr lang="en-US" sz="1200" dirty="0"/>
+              <a:t>consoleintr( )</a:t>
             </a:r>
           </a:p>
         </p:txBody>
@@ -20699,7 +25639,1914 @@
                   </a:schemeClr>
                 </a:solidFill>
               </a:rPr>
-              <a:t>RISC-V Trap Machinery</a:t>
+              <a:t>write( ) System Call</a:t>
+            </a:r>
+          </a:p>
+        </p:txBody>
+      </p:sp>
+      <p:sp>
+        <p:nvSpPr>
+          <p:cNvPr id="3" name="Rectangle 2">
+            <a:extLst>
+              <a:ext uri="{FF2B5EF4-FFF2-40B4-BE49-F238E27FC236}">
+                <a16:creationId xmlns:a16="http://schemas.microsoft.com/office/drawing/2014/main" id="{3BB8FF68-23E9-A743-9B8B-EE9E50068E46}"/>
+              </a:ext>
+            </a:extLst>
+          </p:cNvPr>
+          <p:cNvSpPr/>
+          <p:nvPr/>
+        </p:nvSpPr>
+        <p:spPr>
+          <a:xfrm>
+            <a:off x="3736427" y="1155363"/>
+            <a:ext cx="4719145" cy="906517"/>
+          </a:xfrm>
+          <a:prstGeom prst="rect">
+            <a:avLst/>
+          </a:prstGeom>
+        </p:spPr>
+        <p:style>
+          <a:lnRef idx="2">
+            <a:schemeClr val="accent1">
+              <a:shade val="50000"/>
+            </a:schemeClr>
+          </a:lnRef>
+          <a:fillRef idx="1">
+            <a:schemeClr val="accent1"/>
+          </a:fillRef>
+          <a:effectRef idx="0">
+            <a:schemeClr val="accent1"/>
+          </a:effectRef>
+          <a:fontRef idx="minor">
+            <a:schemeClr val="lt1"/>
+          </a:fontRef>
+        </p:style>
+        <p:txBody>
+          <a:bodyPr rtlCol="0" anchor="ctr"/>
+          <a:lstStyle/>
+          <a:p>
+            <a:pPr algn="ctr"/>
+            <a:endParaRPr lang="en-US"/>
+          </a:p>
+        </p:txBody>
+      </p:sp>
+      <p:sp>
+        <p:nvSpPr>
+          <p:cNvPr id="4" name="TextBox 3">
+            <a:extLst>
+              <a:ext uri="{FF2B5EF4-FFF2-40B4-BE49-F238E27FC236}">
+                <a16:creationId xmlns:a16="http://schemas.microsoft.com/office/drawing/2014/main" id="{96EF8CF4-E64E-964C-923C-F6F4A01EFD00}"/>
+              </a:ext>
+            </a:extLst>
+          </p:cNvPr>
+          <p:cNvSpPr txBox="1"/>
+          <p:nvPr/>
+        </p:nvSpPr>
+        <p:spPr>
+          <a:xfrm>
+            <a:off x="5288434" y="1080350"/>
+            <a:ext cx="1619546" cy="369332"/>
+          </a:xfrm>
+          <a:prstGeom prst="rect">
+            <a:avLst/>
+          </a:prstGeom>
+          <a:noFill/>
+        </p:spPr>
+        <p:txBody>
+          <a:bodyPr wrap="none" rtlCol="0">
+            <a:spAutoFit/>
+          </a:bodyPr>
+          <a:lstStyle/>
+          <a:p>
+            <a:r>
+              <a:rPr lang="en-US" dirty="0"/>
+              <a:t>Transmit buffer</a:t>
+            </a:r>
+          </a:p>
+        </p:txBody>
+      </p:sp>
+      <p:sp>
+        <p:nvSpPr>
+          <p:cNvPr id="5" name="Rectangle 4">
+            <a:extLst>
+              <a:ext uri="{FF2B5EF4-FFF2-40B4-BE49-F238E27FC236}">
+                <a16:creationId xmlns:a16="http://schemas.microsoft.com/office/drawing/2014/main" id="{6B22B102-358F-4440-8CAF-1D6B49281D62}"/>
+              </a:ext>
+            </a:extLst>
+          </p:cNvPr>
+          <p:cNvSpPr/>
+          <p:nvPr/>
+        </p:nvSpPr>
+        <p:spPr>
+          <a:xfrm>
+            <a:off x="3736427" y="1428633"/>
+            <a:ext cx="562304" cy="633247"/>
+          </a:xfrm>
+          <a:prstGeom prst="rect">
+            <a:avLst/>
+          </a:prstGeom>
+          <a:solidFill>
+            <a:srgbClr val="00B0F0"/>
+          </a:solidFill>
+          <a:ln>
+            <a:solidFill>
+              <a:schemeClr val="bg1"/>
+            </a:solidFill>
+          </a:ln>
+        </p:spPr>
+        <p:style>
+          <a:lnRef idx="2">
+            <a:schemeClr val="accent1">
+              <a:shade val="50000"/>
+            </a:schemeClr>
+          </a:lnRef>
+          <a:fillRef idx="1">
+            <a:schemeClr val="accent1"/>
+          </a:fillRef>
+          <a:effectRef idx="0">
+            <a:schemeClr val="accent1"/>
+          </a:effectRef>
+          <a:fontRef idx="minor">
+            <a:schemeClr val="lt1"/>
+          </a:fontRef>
+        </p:style>
+        <p:txBody>
+          <a:bodyPr rtlCol="0" anchor="ctr"/>
+          <a:lstStyle/>
+          <a:p>
+            <a:pPr algn="ctr"/>
+            <a:r>
+              <a:rPr lang="en-US" sz="1000" b="1" dirty="0">
+                <a:solidFill>
+                  <a:schemeClr val="bg1"/>
+                </a:solidFill>
+              </a:rPr>
+              <a:t>1 byte</a:t>
+            </a:r>
+          </a:p>
+        </p:txBody>
+      </p:sp>
+      <p:sp>
+        <p:nvSpPr>
+          <p:cNvPr id="6" name="Rectangle 5">
+            <a:extLst>
+              <a:ext uri="{FF2B5EF4-FFF2-40B4-BE49-F238E27FC236}">
+                <a16:creationId xmlns:a16="http://schemas.microsoft.com/office/drawing/2014/main" id="{7BE9DD21-AED5-B642-ABD9-724B6E4D3387}"/>
+              </a:ext>
+            </a:extLst>
+          </p:cNvPr>
+          <p:cNvSpPr/>
+          <p:nvPr/>
+        </p:nvSpPr>
+        <p:spPr>
+          <a:xfrm>
+            <a:off x="4324576" y="1428633"/>
+            <a:ext cx="562304" cy="633247"/>
+          </a:xfrm>
+          <a:prstGeom prst="rect">
+            <a:avLst/>
+          </a:prstGeom>
+          <a:solidFill>
+            <a:srgbClr val="00B0F0"/>
+          </a:solidFill>
+          <a:ln>
+            <a:solidFill>
+              <a:schemeClr val="bg1"/>
+            </a:solidFill>
+          </a:ln>
+        </p:spPr>
+        <p:style>
+          <a:lnRef idx="2">
+            <a:schemeClr val="accent1">
+              <a:shade val="50000"/>
+            </a:schemeClr>
+          </a:lnRef>
+          <a:fillRef idx="1">
+            <a:schemeClr val="accent1"/>
+          </a:fillRef>
+          <a:effectRef idx="0">
+            <a:schemeClr val="accent1"/>
+          </a:effectRef>
+          <a:fontRef idx="minor">
+            <a:schemeClr val="lt1"/>
+          </a:fontRef>
+        </p:style>
+        <p:txBody>
+          <a:bodyPr rtlCol="0" anchor="ctr"/>
+          <a:lstStyle/>
+          <a:p>
+            <a:pPr algn="ctr"/>
+            <a:r>
+              <a:rPr lang="en-US" sz="1000" b="1" dirty="0">
+                <a:solidFill>
+                  <a:schemeClr val="bg1"/>
+                </a:solidFill>
+              </a:rPr>
+              <a:t>1 byte</a:t>
+            </a:r>
+          </a:p>
+        </p:txBody>
+      </p:sp>
+      <p:sp>
+        <p:nvSpPr>
+          <p:cNvPr id="7" name="TextBox 6">
+            <a:extLst>
+              <a:ext uri="{FF2B5EF4-FFF2-40B4-BE49-F238E27FC236}">
+                <a16:creationId xmlns:a16="http://schemas.microsoft.com/office/drawing/2014/main" id="{88DE389E-862D-4146-B333-5E83B50DCAD1}"/>
+              </a:ext>
+            </a:extLst>
+          </p:cNvPr>
+          <p:cNvSpPr txBox="1"/>
+          <p:nvPr/>
+        </p:nvSpPr>
+        <p:spPr>
+          <a:xfrm>
+            <a:off x="5064853" y="1524695"/>
+            <a:ext cx="343364" cy="369332"/>
+          </a:xfrm>
+          <a:prstGeom prst="rect">
+            <a:avLst/>
+          </a:prstGeom>
+          <a:noFill/>
+        </p:spPr>
+        <p:txBody>
+          <a:bodyPr wrap="none" rtlCol="0">
+            <a:spAutoFit/>
+          </a:bodyPr>
+          <a:lstStyle/>
+          <a:p>
+            <a:r>
+              <a:rPr lang="en-US" dirty="0"/>
+              <a:t>…</a:t>
+            </a:r>
+          </a:p>
+        </p:txBody>
+      </p:sp>
+      <p:sp>
+        <p:nvSpPr>
+          <p:cNvPr id="8" name="Rectangle 7">
+            <a:extLst>
+              <a:ext uri="{FF2B5EF4-FFF2-40B4-BE49-F238E27FC236}">
+                <a16:creationId xmlns:a16="http://schemas.microsoft.com/office/drawing/2014/main" id="{A59D9332-89F2-1A43-BF53-EFE7D76F9452}"/>
+              </a:ext>
+            </a:extLst>
+          </p:cNvPr>
+          <p:cNvSpPr/>
+          <p:nvPr/>
+        </p:nvSpPr>
+        <p:spPr>
+          <a:xfrm>
+            <a:off x="5814274" y="1428632"/>
+            <a:ext cx="562304" cy="633247"/>
+          </a:xfrm>
+          <a:prstGeom prst="rect">
+            <a:avLst/>
+          </a:prstGeom>
+          <a:solidFill>
+            <a:srgbClr val="00B0F0"/>
+          </a:solidFill>
+          <a:ln>
+            <a:solidFill>
+              <a:schemeClr val="bg1"/>
+            </a:solidFill>
+          </a:ln>
+        </p:spPr>
+        <p:style>
+          <a:lnRef idx="2">
+            <a:schemeClr val="accent1">
+              <a:shade val="50000"/>
+            </a:schemeClr>
+          </a:lnRef>
+          <a:fillRef idx="1">
+            <a:schemeClr val="accent1"/>
+          </a:fillRef>
+          <a:effectRef idx="0">
+            <a:schemeClr val="accent1"/>
+          </a:effectRef>
+          <a:fontRef idx="minor">
+            <a:schemeClr val="lt1"/>
+          </a:fontRef>
+        </p:style>
+        <p:txBody>
+          <a:bodyPr rtlCol="0" anchor="ctr"/>
+          <a:lstStyle/>
+          <a:p>
+            <a:pPr algn="ctr"/>
+            <a:r>
+              <a:rPr lang="en-US" sz="1000" b="1" dirty="0">
+                <a:solidFill>
+                  <a:schemeClr val="bg1"/>
+                </a:solidFill>
+              </a:rPr>
+              <a:t>1 byte</a:t>
+            </a:r>
+          </a:p>
+        </p:txBody>
+      </p:sp>
+      <p:sp>
+        <p:nvSpPr>
+          <p:cNvPr id="9" name="Right Arrow 8">
+            <a:extLst>
+              <a:ext uri="{FF2B5EF4-FFF2-40B4-BE49-F238E27FC236}">
+                <a16:creationId xmlns:a16="http://schemas.microsoft.com/office/drawing/2014/main" id="{2C11639D-5EB3-3E48-BE79-C7A5D27C2F3E}"/>
+              </a:ext>
+            </a:extLst>
+          </p:cNvPr>
+          <p:cNvSpPr/>
+          <p:nvPr/>
+        </p:nvSpPr>
+        <p:spPr>
+          <a:xfrm>
+            <a:off x="4684069" y="985729"/>
+            <a:ext cx="2366545" cy="179989"/>
+          </a:xfrm>
+          <a:prstGeom prst="rightArrow">
+            <a:avLst/>
+          </a:prstGeom>
+        </p:spPr>
+        <p:style>
+          <a:lnRef idx="2">
+            <a:schemeClr val="accent1">
+              <a:shade val="50000"/>
+            </a:schemeClr>
+          </a:lnRef>
+          <a:fillRef idx="1">
+            <a:schemeClr val="accent1"/>
+          </a:fillRef>
+          <a:effectRef idx="0">
+            <a:schemeClr val="accent1"/>
+          </a:effectRef>
+          <a:fontRef idx="minor">
+            <a:schemeClr val="lt1"/>
+          </a:fontRef>
+        </p:style>
+        <p:txBody>
+          <a:bodyPr rtlCol="0" anchor="ctr"/>
+          <a:lstStyle/>
+          <a:p>
+            <a:pPr algn="ctr"/>
+            <a:endParaRPr lang="en-US"/>
+          </a:p>
+        </p:txBody>
+      </p:sp>
+      <p:sp>
+        <p:nvSpPr>
+          <p:cNvPr id="11" name="Rectangle 10">
+            <a:extLst>
+              <a:ext uri="{FF2B5EF4-FFF2-40B4-BE49-F238E27FC236}">
+                <a16:creationId xmlns:a16="http://schemas.microsoft.com/office/drawing/2014/main" id="{11EA0F9C-02B0-4B44-BACC-B5943B9D4D89}"/>
+              </a:ext>
+            </a:extLst>
+          </p:cNvPr>
+          <p:cNvSpPr/>
+          <p:nvPr/>
+        </p:nvSpPr>
+        <p:spPr>
+          <a:xfrm>
+            <a:off x="2706652" y="3329703"/>
+            <a:ext cx="562304" cy="633247"/>
+          </a:xfrm>
+          <a:prstGeom prst="rect">
+            <a:avLst/>
+          </a:prstGeom>
+          <a:solidFill>
+            <a:srgbClr val="FFFF00"/>
+          </a:solidFill>
+          <a:ln>
+            <a:solidFill>
+              <a:schemeClr val="bg1"/>
+            </a:solidFill>
+          </a:ln>
+        </p:spPr>
+        <p:style>
+          <a:lnRef idx="2">
+            <a:schemeClr val="accent1">
+              <a:shade val="50000"/>
+            </a:schemeClr>
+          </a:lnRef>
+          <a:fillRef idx="1">
+            <a:schemeClr val="accent1"/>
+          </a:fillRef>
+          <a:effectRef idx="0">
+            <a:schemeClr val="accent1"/>
+          </a:effectRef>
+          <a:fontRef idx="minor">
+            <a:schemeClr val="lt1"/>
+          </a:fontRef>
+        </p:style>
+        <p:txBody>
+          <a:bodyPr rtlCol="0" anchor="ctr"/>
+          <a:lstStyle/>
+          <a:p>
+            <a:pPr algn="ctr"/>
+            <a:r>
+              <a:rPr lang="en-US" sz="1400" b="1" dirty="0">
+                <a:solidFill>
+                  <a:schemeClr val="bg1"/>
+                </a:solidFill>
+              </a:rPr>
+              <a:t>RHR</a:t>
+            </a:r>
+          </a:p>
+        </p:txBody>
+      </p:sp>
+      <p:sp>
+        <p:nvSpPr>
+          <p:cNvPr id="14" name="Rectangle 13">
+            <a:extLst>
+              <a:ext uri="{FF2B5EF4-FFF2-40B4-BE49-F238E27FC236}">
+                <a16:creationId xmlns:a16="http://schemas.microsoft.com/office/drawing/2014/main" id="{1C7000CA-3C1F-C04E-BE7C-DCBEA346C538}"/>
+              </a:ext>
+            </a:extLst>
+          </p:cNvPr>
+          <p:cNvSpPr/>
+          <p:nvPr/>
+        </p:nvSpPr>
+        <p:spPr>
+          <a:xfrm>
+            <a:off x="7870609" y="2366355"/>
+            <a:ext cx="562304" cy="633247"/>
+          </a:xfrm>
+          <a:prstGeom prst="rect">
+            <a:avLst/>
+          </a:prstGeom>
+          <a:solidFill>
+            <a:srgbClr val="FFFF00"/>
+          </a:solidFill>
+          <a:ln>
+            <a:solidFill>
+              <a:schemeClr val="bg1"/>
+            </a:solidFill>
+          </a:ln>
+        </p:spPr>
+        <p:style>
+          <a:lnRef idx="2">
+            <a:schemeClr val="accent1">
+              <a:shade val="50000"/>
+            </a:schemeClr>
+          </a:lnRef>
+          <a:fillRef idx="1">
+            <a:schemeClr val="accent1"/>
+          </a:fillRef>
+          <a:effectRef idx="0">
+            <a:schemeClr val="accent1"/>
+          </a:effectRef>
+          <a:fontRef idx="minor">
+            <a:schemeClr val="lt1"/>
+          </a:fontRef>
+        </p:style>
+        <p:txBody>
+          <a:bodyPr rtlCol="0" anchor="ctr"/>
+          <a:lstStyle/>
+          <a:p>
+            <a:pPr algn="ctr"/>
+            <a:r>
+              <a:rPr lang="en-US" sz="1400" b="1" dirty="0">
+                <a:solidFill>
+                  <a:schemeClr val="bg1"/>
+                </a:solidFill>
+              </a:rPr>
+              <a:t>THR</a:t>
+            </a:r>
+          </a:p>
+        </p:txBody>
+      </p:sp>
+      <p:sp>
+        <p:nvSpPr>
+          <p:cNvPr id="20" name="Rectangle 19">
+            <a:extLst>
+              <a:ext uri="{FF2B5EF4-FFF2-40B4-BE49-F238E27FC236}">
+                <a16:creationId xmlns:a16="http://schemas.microsoft.com/office/drawing/2014/main" id="{36A91109-75BB-C94A-B374-0B18518083B9}"/>
+              </a:ext>
+            </a:extLst>
+          </p:cNvPr>
+          <p:cNvSpPr/>
+          <p:nvPr/>
+        </p:nvSpPr>
+        <p:spPr>
+          <a:xfrm>
+            <a:off x="2706652" y="1433728"/>
+            <a:ext cx="562304" cy="633247"/>
+          </a:xfrm>
+          <a:prstGeom prst="rect">
+            <a:avLst/>
+          </a:prstGeom>
+          <a:solidFill>
+            <a:srgbClr val="FFFF00"/>
+          </a:solidFill>
+          <a:ln>
+            <a:solidFill>
+              <a:schemeClr val="bg1"/>
+            </a:solidFill>
+          </a:ln>
+        </p:spPr>
+        <p:style>
+          <a:lnRef idx="2">
+            <a:schemeClr val="accent1">
+              <a:shade val="50000"/>
+            </a:schemeClr>
+          </a:lnRef>
+          <a:fillRef idx="1">
+            <a:schemeClr val="accent1"/>
+          </a:fillRef>
+          <a:effectRef idx="0">
+            <a:schemeClr val="accent1"/>
+          </a:effectRef>
+          <a:fontRef idx="minor">
+            <a:schemeClr val="lt1"/>
+          </a:fontRef>
+        </p:style>
+        <p:txBody>
+          <a:bodyPr rtlCol="0" anchor="ctr"/>
+          <a:lstStyle/>
+          <a:p>
+            <a:pPr algn="ctr"/>
+            <a:r>
+              <a:rPr lang="en-US" sz="1400" b="1" dirty="0">
+                <a:solidFill>
+                  <a:schemeClr val="bg1"/>
+                </a:solidFill>
+              </a:rPr>
+              <a:t>LSR</a:t>
+            </a:r>
+          </a:p>
+        </p:txBody>
+      </p:sp>
+      <p:sp>
+        <p:nvSpPr>
+          <p:cNvPr id="24" name="TextBox 23">
+            <a:extLst>
+              <a:ext uri="{FF2B5EF4-FFF2-40B4-BE49-F238E27FC236}">
+                <a16:creationId xmlns:a16="http://schemas.microsoft.com/office/drawing/2014/main" id="{524A58B1-077B-F04D-A184-82EEB44350F8}"/>
+              </a:ext>
+            </a:extLst>
+          </p:cNvPr>
+          <p:cNvSpPr txBox="1"/>
+          <p:nvPr/>
+        </p:nvSpPr>
+        <p:spPr>
+          <a:xfrm>
+            <a:off x="2291599" y="1202079"/>
+            <a:ext cx="1411220" cy="276999"/>
+          </a:xfrm>
+          <a:prstGeom prst="rect">
+            <a:avLst/>
+          </a:prstGeom>
+          <a:noFill/>
+        </p:spPr>
+        <p:txBody>
+          <a:bodyPr wrap="none" rtlCol="0">
+            <a:spAutoFit/>
+          </a:bodyPr>
+          <a:lstStyle/>
+          <a:p>
+            <a:r>
+              <a:rPr lang="en-US" sz="1200" dirty="0"/>
+              <a:t>Line-Status Register</a:t>
+            </a:r>
+          </a:p>
+        </p:txBody>
+      </p:sp>
+      <p:sp>
+        <p:nvSpPr>
+          <p:cNvPr id="26" name="TextBox 25">
+            <a:extLst>
+              <a:ext uri="{FF2B5EF4-FFF2-40B4-BE49-F238E27FC236}">
+                <a16:creationId xmlns:a16="http://schemas.microsoft.com/office/drawing/2014/main" id="{22D08BF2-20F8-D440-A1B0-0C9F39124932}"/>
+              </a:ext>
+            </a:extLst>
+          </p:cNvPr>
+          <p:cNvSpPr txBox="1"/>
+          <p:nvPr/>
+        </p:nvSpPr>
+        <p:spPr>
+          <a:xfrm>
+            <a:off x="2091884" y="3954454"/>
+            <a:ext cx="1783822" cy="276999"/>
+          </a:xfrm>
+          <a:prstGeom prst="rect">
+            <a:avLst/>
+          </a:prstGeom>
+          <a:noFill/>
+        </p:spPr>
+        <p:txBody>
+          <a:bodyPr wrap="none" rtlCol="0">
+            <a:spAutoFit/>
+          </a:bodyPr>
+          <a:lstStyle/>
+          <a:p>
+            <a:r>
+              <a:rPr lang="en-US" sz="1200" dirty="0"/>
+              <a:t>Received holding Register</a:t>
+            </a:r>
+          </a:p>
+        </p:txBody>
+      </p:sp>
+      <p:sp>
+        <p:nvSpPr>
+          <p:cNvPr id="28" name="TextBox 27">
+            <a:extLst>
+              <a:ext uri="{FF2B5EF4-FFF2-40B4-BE49-F238E27FC236}">
+                <a16:creationId xmlns:a16="http://schemas.microsoft.com/office/drawing/2014/main" id="{26E066DD-AC68-BE43-9854-CF7201655A32}"/>
+              </a:ext>
+            </a:extLst>
+          </p:cNvPr>
+          <p:cNvSpPr txBox="1"/>
+          <p:nvPr/>
+        </p:nvSpPr>
+        <p:spPr>
+          <a:xfrm>
+            <a:off x="7226868" y="2122894"/>
+            <a:ext cx="1764073" cy="276999"/>
+          </a:xfrm>
+          <a:prstGeom prst="rect">
+            <a:avLst/>
+          </a:prstGeom>
+          <a:noFill/>
+        </p:spPr>
+        <p:txBody>
+          <a:bodyPr wrap="none" rtlCol="0">
+            <a:spAutoFit/>
+          </a:bodyPr>
+          <a:lstStyle/>
+          <a:p>
+            <a:r>
+              <a:rPr lang="en-US" sz="1200" dirty="0"/>
+              <a:t>Transmit holding Register</a:t>
+            </a:r>
+          </a:p>
+        </p:txBody>
+      </p:sp>
+      <p:sp>
+        <p:nvSpPr>
+          <p:cNvPr id="58" name="Rounded Rectangle 57">
+            <a:extLst>
+              <a:ext uri="{FF2B5EF4-FFF2-40B4-BE49-F238E27FC236}">
+                <a16:creationId xmlns:a16="http://schemas.microsoft.com/office/drawing/2014/main" id="{7BBEAD1A-A98A-9B4C-BD9A-FBC1EF6B8EEC}"/>
+              </a:ext>
+            </a:extLst>
+          </p:cNvPr>
+          <p:cNvSpPr/>
+          <p:nvPr/>
+        </p:nvSpPr>
+        <p:spPr>
+          <a:xfrm>
+            <a:off x="5438528" y="4045077"/>
+            <a:ext cx="1313792" cy="1124607"/>
+          </a:xfrm>
+          <a:prstGeom prst="roundRect">
+            <a:avLst/>
+          </a:prstGeom>
+          <a:solidFill>
+            <a:schemeClr val="tx2">
+              <a:lumMod val="10000"/>
+            </a:schemeClr>
+          </a:solidFill>
+          <a:ln>
+            <a:solidFill>
+              <a:srgbClr val="FF0000"/>
+            </a:solidFill>
+          </a:ln>
+        </p:spPr>
+        <p:style>
+          <a:lnRef idx="2">
+            <a:schemeClr val="accent1">
+              <a:shade val="50000"/>
+            </a:schemeClr>
+          </a:lnRef>
+          <a:fillRef idx="1">
+            <a:schemeClr val="accent1"/>
+          </a:fillRef>
+          <a:effectRef idx="0">
+            <a:schemeClr val="accent1"/>
+          </a:effectRef>
+          <a:fontRef idx="minor">
+            <a:schemeClr val="lt1"/>
+          </a:fontRef>
+        </p:style>
+        <p:txBody>
+          <a:bodyPr rtlCol="0" anchor="ctr"/>
+          <a:lstStyle/>
+          <a:p>
+            <a:pPr algn="ctr"/>
+            <a:r>
+              <a:rPr lang="en-US" b="1" dirty="0"/>
+              <a:t>Console Driver</a:t>
+            </a:r>
+          </a:p>
+        </p:txBody>
+      </p:sp>
+      <p:sp>
+        <p:nvSpPr>
+          <p:cNvPr id="59" name="Rounded Rectangle 58">
+            <a:extLst>
+              <a:ext uri="{FF2B5EF4-FFF2-40B4-BE49-F238E27FC236}">
+                <a16:creationId xmlns:a16="http://schemas.microsoft.com/office/drawing/2014/main" id="{EB24C4AC-1AB5-D945-BD90-875B726F1D2F}"/>
+              </a:ext>
+            </a:extLst>
+          </p:cNvPr>
+          <p:cNvSpPr/>
+          <p:nvPr/>
+        </p:nvSpPr>
+        <p:spPr>
+          <a:xfrm>
+            <a:off x="898754" y="2129459"/>
+            <a:ext cx="1313792" cy="1124607"/>
+          </a:xfrm>
+          <a:prstGeom prst="roundRect">
+            <a:avLst/>
+          </a:prstGeom>
+          <a:solidFill>
+            <a:schemeClr val="tx2">
+              <a:lumMod val="10000"/>
+            </a:schemeClr>
+          </a:solidFill>
+          <a:ln>
+            <a:solidFill>
+              <a:srgbClr val="FF0000"/>
+            </a:solidFill>
+          </a:ln>
+        </p:spPr>
+        <p:style>
+          <a:lnRef idx="2">
+            <a:schemeClr val="accent1">
+              <a:shade val="50000"/>
+            </a:schemeClr>
+          </a:lnRef>
+          <a:fillRef idx="1">
+            <a:schemeClr val="accent1"/>
+          </a:fillRef>
+          <a:effectRef idx="0">
+            <a:schemeClr val="accent1"/>
+          </a:effectRef>
+          <a:fontRef idx="minor">
+            <a:schemeClr val="lt1"/>
+          </a:fontRef>
+        </p:style>
+        <p:txBody>
+          <a:bodyPr rtlCol="0" anchor="ctr"/>
+          <a:lstStyle/>
+          <a:p>
+            <a:pPr algn="ctr"/>
+            <a:r>
+              <a:rPr lang="en-US" b="1" dirty="0"/>
+              <a:t>Keyboard Driver</a:t>
+            </a:r>
+          </a:p>
+        </p:txBody>
+      </p:sp>
+      <p:sp>
+        <p:nvSpPr>
+          <p:cNvPr id="67" name="Rounded Rectangle 66">
+            <a:extLst>
+              <a:ext uri="{FF2B5EF4-FFF2-40B4-BE49-F238E27FC236}">
+                <a16:creationId xmlns:a16="http://schemas.microsoft.com/office/drawing/2014/main" id="{C98A8225-DBB7-254F-B88A-E2B2EBC49283}"/>
+              </a:ext>
+            </a:extLst>
+          </p:cNvPr>
+          <p:cNvSpPr/>
+          <p:nvPr/>
+        </p:nvSpPr>
+        <p:spPr>
+          <a:xfrm>
+            <a:off x="9252914" y="2120674"/>
+            <a:ext cx="1313792" cy="1124607"/>
+          </a:xfrm>
+          <a:prstGeom prst="roundRect">
+            <a:avLst/>
+          </a:prstGeom>
+          <a:solidFill>
+            <a:schemeClr val="tx2">
+              <a:lumMod val="10000"/>
+            </a:schemeClr>
+          </a:solidFill>
+          <a:ln>
+            <a:solidFill>
+              <a:srgbClr val="FF0000"/>
+            </a:solidFill>
+          </a:ln>
+        </p:spPr>
+        <p:style>
+          <a:lnRef idx="2">
+            <a:schemeClr val="accent1">
+              <a:shade val="50000"/>
+            </a:schemeClr>
+          </a:lnRef>
+          <a:fillRef idx="1">
+            <a:schemeClr val="accent1"/>
+          </a:fillRef>
+          <a:effectRef idx="0">
+            <a:schemeClr val="accent1"/>
+          </a:effectRef>
+          <a:fontRef idx="minor">
+            <a:schemeClr val="lt1"/>
+          </a:fontRef>
+        </p:style>
+        <p:txBody>
+          <a:bodyPr rtlCol="0" anchor="ctr"/>
+          <a:lstStyle/>
+          <a:p>
+            <a:pPr algn="ctr"/>
+            <a:r>
+              <a:rPr lang="en-US" b="1" dirty="0"/>
+              <a:t>Monitor</a:t>
+            </a:r>
+          </a:p>
+        </p:txBody>
+      </p:sp>
+      <p:cxnSp>
+        <p:nvCxnSpPr>
+          <p:cNvPr id="69" name="Straight Arrow Connector 68">
+            <a:extLst>
+              <a:ext uri="{FF2B5EF4-FFF2-40B4-BE49-F238E27FC236}">
+                <a16:creationId xmlns:a16="http://schemas.microsoft.com/office/drawing/2014/main" id="{271FFE81-AA13-F848-8F38-9D5A78916C4A}"/>
+              </a:ext>
+            </a:extLst>
+          </p:cNvPr>
+          <p:cNvCxnSpPr>
+            <a:cxnSpLocks/>
+            <a:stCxn id="14" idx="3"/>
+            <a:endCxn id="67" idx="1"/>
+          </p:cNvCxnSpPr>
+          <p:nvPr/>
+        </p:nvCxnSpPr>
+        <p:spPr>
+          <a:xfrm flipV="1">
+            <a:off x="8432913" y="2682978"/>
+            <a:ext cx="820001" cy="1"/>
+          </a:xfrm>
+          <a:prstGeom prst="straightConnector1">
+            <a:avLst/>
+          </a:prstGeom>
+          <a:ln>
+            <a:tailEnd type="triangle"/>
+          </a:ln>
+        </p:spPr>
+        <p:style>
+          <a:lnRef idx="1">
+            <a:schemeClr val="accent1"/>
+          </a:lnRef>
+          <a:fillRef idx="0">
+            <a:schemeClr val="accent1"/>
+          </a:fillRef>
+          <a:effectRef idx="0">
+            <a:schemeClr val="accent1"/>
+          </a:effectRef>
+          <a:fontRef idx="minor">
+            <a:schemeClr val="tx1"/>
+          </a:fontRef>
+        </p:style>
+      </p:cxnSp>
+      <p:cxnSp>
+        <p:nvCxnSpPr>
+          <p:cNvPr id="72" name="Straight Arrow Connector 71">
+            <a:extLst>
+              <a:ext uri="{FF2B5EF4-FFF2-40B4-BE49-F238E27FC236}">
+                <a16:creationId xmlns:a16="http://schemas.microsoft.com/office/drawing/2014/main" id="{3FFED69D-2219-7146-BCDA-B7B2A9385F8E}"/>
+              </a:ext>
+            </a:extLst>
+          </p:cNvPr>
+          <p:cNvCxnSpPr>
+            <a:cxnSpLocks/>
+            <a:stCxn id="58" idx="0"/>
+            <a:endCxn id="77" idx="2"/>
+          </p:cNvCxnSpPr>
+          <p:nvPr/>
+        </p:nvCxnSpPr>
+        <p:spPr>
+          <a:xfrm flipV="1">
+            <a:off x="6095424" y="2514528"/>
+            <a:ext cx="2" cy="1530549"/>
+          </a:xfrm>
+          <a:prstGeom prst="straightConnector1">
+            <a:avLst/>
+          </a:prstGeom>
+          <a:ln>
+            <a:tailEnd type="triangle"/>
+          </a:ln>
+        </p:spPr>
+        <p:style>
+          <a:lnRef idx="2">
+            <a:schemeClr val="accent1"/>
+          </a:lnRef>
+          <a:fillRef idx="0">
+            <a:schemeClr val="accent1"/>
+          </a:fillRef>
+          <a:effectRef idx="1">
+            <a:schemeClr val="accent1"/>
+          </a:effectRef>
+          <a:fontRef idx="minor">
+            <a:schemeClr val="tx1"/>
+          </a:fontRef>
+        </p:style>
+      </p:cxnSp>
+      <p:sp>
+        <p:nvSpPr>
+          <p:cNvPr id="73" name="Rectangle 72">
+            <a:extLst>
+              <a:ext uri="{FF2B5EF4-FFF2-40B4-BE49-F238E27FC236}">
+                <a16:creationId xmlns:a16="http://schemas.microsoft.com/office/drawing/2014/main" id="{0429B2E4-43F1-4B49-98B7-E20320409D1A}"/>
+              </a:ext>
+            </a:extLst>
+          </p:cNvPr>
+          <p:cNvSpPr/>
+          <p:nvPr/>
+        </p:nvSpPr>
+        <p:spPr>
+          <a:xfrm>
+            <a:off x="2634999" y="2564530"/>
+            <a:ext cx="705610" cy="254464"/>
+          </a:xfrm>
+          <a:prstGeom prst="rect">
+            <a:avLst/>
+          </a:prstGeom>
+        </p:spPr>
+        <p:style>
+          <a:lnRef idx="2">
+            <a:schemeClr val="accent1">
+              <a:shade val="50000"/>
+            </a:schemeClr>
+          </a:lnRef>
+          <a:fillRef idx="1">
+            <a:schemeClr val="accent1"/>
+          </a:fillRef>
+          <a:effectRef idx="0">
+            <a:schemeClr val="accent1"/>
+          </a:effectRef>
+          <a:fontRef idx="minor">
+            <a:schemeClr val="lt1"/>
+          </a:fontRef>
+        </p:style>
+        <p:txBody>
+          <a:bodyPr rtlCol="0" anchor="ctr"/>
+          <a:lstStyle/>
+          <a:p>
+            <a:pPr algn="ctr"/>
+            <a:r>
+              <a:rPr lang="en-US" sz="1200" dirty="0"/>
+              <a:t>FIFO buf</a:t>
+            </a:r>
+          </a:p>
+        </p:txBody>
+      </p:sp>
+      <p:cxnSp>
+        <p:nvCxnSpPr>
+          <p:cNvPr id="75" name="Straight Connector 74">
+            <a:extLst>
+              <a:ext uri="{FF2B5EF4-FFF2-40B4-BE49-F238E27FC236}">
+                <a16:creationId xmlns:a16="http://schemas.microsoft.com/office/drawing/2014/main" id="{5EF0ED29-B05E-2A47-9E43-6FC19A1303F8}"/>
+              </a:ext>
+            </a:extLst>
+          </p:cNvPr>
+          <p:cNvCxnSpPr>
+            <a:cxnSpLocks/>
+          </p:cNvCxnSpPr>
+          <p:nvPr/>
+        </p:nvCxnSpPr>
+        <p:spPr>
+          <a:xfrm>
+            <a:off x="2987805" y="2061879"/>
+            <a:ext cx="0" cy="497555"/>
+          </a:xfrm>
+          <a:prstGeom prst="line">
+            <a:avLst/>
+          </a:prstGeom>
+        </p:spPr>
+        <p:style>
+          <a:lnRef idx="2">
+            <a:schemeClr val="accent1"/>
+          </a:lnRef>
+          <a:fillRef idx="0">
+            <a:schemeClr val="accent1"/>
+          </a:fillRef>
+          <a:effectRef idx="1">
+            <a:schemeClr val="accent1"/>
+          </a:effectRef>
+          <a:fontRef idx="minor">
+            <a:schemeClr val="tx1"/>
+          </a:fontRef>
+        </p:style>
+      </p:cxnSp>
+      <p:sp>
+        <p:nvSpPr>
+          <p:cNvPr id="77" name="Up Arrow 76">
+            <a:extLst>
+              <a:ext uri="{FF2B5EF4-FFF2-40B4-BE49-F238E27FC236}">
+                <a16:creationId xmlns:a16="http://schemas.microsoft.com/office/drawing/2014/main" id="{5F4454F7-1315-234C-ACA1-9765478DD6A9}"/>
+              </a:ext>
+            </a:extLst>
+          </p:cNvPr>
+          <p:cNvSpPr/>
+          <p:nvPr/>
+        </p:nvSpPr>
+        <p:spPr>
+          <a:xfrm>
+            <a:off x="5990322" y="2068167"/>
+            <a:ext cx="210207" cy="446361"/>
+          </a:xfrm>
+          <a:prstGeom prst="upArrow">
+            <a:avLst/>
+          </a:prstGeom>
+          <a:solidFill>
+            <a:srgbClr val="00B0F0"/>
+          </a:solidFill>
+        </p:spPr>
+        <p:style>
+          <a:lnRef idx="2">
+            <a:schemeClr val="accent1">
+              <a:shade val="50000"/>
+            </a:schemeClr>
+          </a:lnRef>
+          <a:fillRef idx="1">
+            <a:schemeClr val="accent1"/>
+          </a:fillRef>
+          <a:effectRef idx="0">
+            <a:schemeClr val="accent1"/>
+          </a:effectRef>
+          <a:fontRef idx="minor">
+            <a:schemeClr val="lt1"/>
+          </a:fontRef>
+        </p:style>
+        <p:txBody>
+          <a:bodyPr rtlCol="0" anchor="ctr"/>
+          <a:lstStyle/>
+          <a:p>
+            <a:pPr algn="ctr"/>
+            <a:endParaRPr lang="en-US"/>
+          </a:p>
+        </p:txBody>
+      </p:sp>
+      <p:sp>
+        <p:nvSpPr>
+          <p:cNvPr id="38" name="TextBox 37">
+            <a:extLst>
+              <a:ext uri="{FF2B5EF4-FFF2-40B4-BE49-F238E27FC236}">
+                <a16:creationId xmlns:a16="http://schemas.microsoft.com/office/drawing/2014/main" id="{9347DBE1-5463-9F40-A6C6-5E26A1BF4F51}"/>
+              </a:ext>
+            </a:extLst>
+          </p:cNvPr>
+          <p:cNvSpPr txBox="1"/>
+          <p:nvPr/>
+        </p:nvSpPr>
+        <p:spPr>
+          <a:xfrm>
+            <a:off x="5563972" y="2197326"/>
+            <a:ext cx="1018740" cy="276999"/>
+          </a:xfrm>
+          <a:prstGeom prst="rect">
+            <a:avLst/>
+          </a:prstGeom>
+          <a:noFill/>
+        </p:spPr>
+        <p:txBody>
+          <a:bodyPr wrap="none" rtlCol="0">
+            <a:spAutoFit/>
+          </a:bodyPr>
+          <a:lstStyle/>
+          <a:p>
+            <a:r>
+              <a:rPr lang="en-US" sz="1200" dirty="0">
+                <a:solidFill>
+                  <a:srgbClr val="FFFF00"/>
+                </a:solidFill>
+              </a:rPr>
+              <a:t>Write Pointer</a:t>
+            </a:r>
+          </a:p>
+        </p:txBody>
+      </p:sp>
+      <p:sp>
+        <p:nvSpPr>
+          <p:cNvPr id="84" name="TextBox 83">
+            <a:extLst>
+              <a:ext uri="{FF2B5EF4-FFF2-40B4-BE49-F238E27FC236}">
+                <a16:creationId xmlns:a16="http://schemas.microsoft.com/office/drawing/2014/main" id="{D7FF5AC1-8E9D-7B4C-BEA9-45182E9CBDF7}"/>
+              </a:ext>
+            </a:extLst>
+          </p:cNvPr>
+          <p:cNvSpPr txBox="1"/>
+          <p:nvPr/>
+        </p:nvSpPr>
+        <p:spPr>
+          <a:xfrm>
+            <a:off x="5663479" y="3217475"/>
+            <a:ext cx="863891" cy="276999"/>
+          </a:xfrm>
+          <a:prstGeom prst="rect">
+            <a:avLst/>
+          </a:prstGeom>
+          <a:noFill/>
+        </p:spPr>
+        <p:txBody>
+          <a:bodyPr wrap="none" rtlCol="0">
+            <a:spAutoFit/>
+          </a:bodyPr>
+          <a:lstStyle/>
+          <a:p>
+            <a:r>
+              <a:rPr lang="en-US" sz="1200" dirty="0"/>
+              <a:t>uartputc( )</a:t>
+            </a:r>
+          </a:p>
+        </p:txBody>
+      </p:sp>
+      <p:cxnSp>
+        <p:nvCxnSpPr>
+          <p:cNvPr id="100" name="Straight Arrow Connector 99">
+            <a:extLst>
+              <a:ext uri="{FF2B5EF4-FFF2-40B4-BE49-F238E27FC236}">
+                <a16:creationId xmlns:a16="http://schemas.microsoft.com/office/drawing/2014/main" id="{0AB108C1-FABE-EE4A-9A90-853CDBD63CE7}"/>
+              </a:ext>
+            </a:extLst>
+          </p:cNvPr>
+          <p:cNvCxnSpPr>
+            <a:stCxn id="73" idx="2"/>
+            <a:endCxn id="11" idx="0"/>
+          </p:cNvCxnSpPr>
+          <p:nvPr/>
+        </p:nvCxnSpPr>
+        <p:spPr>
+          <a:xfrm>
+            <a:off x="2987804" y="2818994"/>
+            <a:ext cx="0" cy="510709"/>
+          </a:xfrm>
+          <a:prstGeom prst="straightConnector1">
+            <a:avLst/>
+          </a:prstGeom>
+          <a:ln>
+            <a:tailEnd type="triangle"/>
+          </a:ln>
+        </p:spPr>
+        <p:style>
+          <a:lnRef idx="2">
+            <a:schemeClr val="accent4"/>
+          </a:lnRef>
+          <a:fillRef idx="0">
+            <a:schemeClr val="accent4"/>
+          </a:fillRef>
+          <a:effectRef idx="1">
+            <a:schemeClr val="accent4"/>
+          </a:effectRef>
+          <a:fontRef idx="minor">
+            <a:schemeClr val="tx1"/>
+          </a:fontRef>
+        </p:style>
+      </p:cxnSp>
+      <p:cxnSp>
+        <p:nvCxnSpPr>
+          <p:cNvPr id="108" name="Straight Arrow Connector 107">
+            <a:extLst>
+              <a:ext uri="{FF2B5EF4-FFF2-40B4-BE49-F238E27FC236}">
+                <a16:creationId xmlns:a16="http://schemas.microsoft.com/office/drawing/2014/main" id="{6838BE6C-A428-3F44-862D-6A21899264B5}"/>
+              </a:ext>
+            </a:extLst>
+          </p:cNvPr>
+          <p:cNvCxnSpPr>
+            <a:cxnSpLocks/>
+            <a:stCxn id="59" idx="3"/>
+            <a:endCxn id="73" idx="1"/>
+          </p:cNvCxnSpPr>
+          <p:nvPr/>
+        </p:nvCxnSpPr>
+        <p:spPr>
+          <a:xfrm flipV="1">
+            <a:off x="2212546" y="2691762"/>
+            <a:ext cx="422453" cy="1"/>
+          </a:xfrm>
+          <a:prstGeom prst="straightConnector1">
+            <a:avLst/>
+          </a:prstGeom>
+          <a:ln>
+            <a:tailEnd type="triangle"/>
+          </a:ln>
+        </p:spPr>
+        <p:style>
+          <a:lnRef idx="2">
+            <a:schemeClr val="accent4"/>
+          </a:lnRef>
+          <a:fillRef idx="0">
+            <a:schemeClr val="accent4"/>
+          </a:fillRef>
+          <a:effectRef idx="1">
+            <a:schemeClr val="accent4"/>
+          </a:effectRef>
+          <a:fontRef idx="minor">
+            <a:schemeClr val="tx1"/>
+          </a:fontRef>
+        </p:style>
+      </p:cxnSp>
+      <p:sp>
+        <p:nvSpPr>
+          <p:cNvPr id="116" name="Up Arrow 115">
+            <a:extLst>
+              <a:ext uri="{FF2B5EF4-FFF2-40B4-BE49-F238E27FC236}">
+                <a16:creationId xmlns:a16="http://schemas.microsoft.com/office/drawing/2014/main" id="{37FF7D55-4734-074C-8BE3-21327CA904F1}"/>
+              </a:ext>
+            </a:extLst>
+          </p:cNvPr>
+          <p:cNvSpPr/>
+          <p:nvPr/>
+        </p:nvSpPr>
+        <p:spPr>
+          <a:xfrm>
+            <a:off x="3942393" y="2062274"/>
+            <a:ext cx="210207" cy="446361"/>
+          </a:xfrm>
+          <a:prstGeom prst="upArrow">
+            <a:avLst/>
+          </a:prstGeom>
+          <a:solidFill>
+            <a:srgbClr val="00B0F0"/>
+          </a:solidFill>
+        </p:spPr>
+        <p:style>
+          <a:lnRef idx="2">
+            <a:schemeClr val="accent1">
+              <a:shade val="50000"/>
+            </a:schemeClr>
+          </a:lnRef>
+          <a:fillRef idx="1">
+            <a:schemeClr val="accent1"/>
+          </a:fillRef>
+          <a:effectRef idx="0">
+            <a:schemeClr val="accent1"/>
+          </a:effectRef>
+          <a:fontRef idx="minor">
+            <a:schemeClr val="lt1"/>
+          </a:fontRef>
+        </p:style>
+        <p:txBody>
+          <a:bodyPr rtlCol="0" anchor="ctr"/>
+          <a:lstStyle/>
+          <a:p>
+            <a:pPr algn="ctr"/>
+            <a:endParaRPr lang="en-US"/>
+          </a:p>
+        </p:txBody>
+      </p:sp>
+      <p:sp>
+        <p:nvSpPr>
+          <p:cNvPr id="111" name="TextBox 110">
+            <a:extLst>
+              <a:ext uri="{FF2B5EF4-FFF2-40B4-BE49-F238E27FC236}">
+                <a16:creationId xmlns:a16="http://schemas.microsoft.com/office/drawing/2014/main" id="{8320AB9F-E8C8-584F-A4AC-5754976A8FD4}"/>
+              </a:ext>
+            </a:extLst>
+          </p:cNvPr>
+          <p:cNvSpPr txBox="1"/>
+          <p:nvPr/>
+        </p:nvSpPr>
+        <p:spPr>
+          <a:xfrm>
+            <a:off x="3583155" y="2185910"/>
+            <a:ext cx="983731" cy="276999"/>
+          </a:xfrm>
+          <a:prstGeom prst="rect">
+            <a:avLst/>
+          </a:prstGeom>
+          <a:noFill/>
+        </p:spPr>
+        <p:txBody>
+          <a:bodyPr wrap="none" rtlCol="0">
+            <a:spAutoFit/>
+          </a:bodyPr>
+          <a:lstStyle/>
+          <a:p>
+            <a:r>
+              <a:rPr lang="en-US" sz="1200" dirty="0">
+                <a:solidFill>
+                  <a:srgbClr val="FFFF00"/>
+                </a:solidFill>
+              </a:rPr>
+              <a:t>Read Pointer</a:t>
+            </a:r>
+          </a:p>
+        </p:txBody>
+      </p:sp>
+      <p:cxnSp>
+        <p:nvCxnSpPr>
+          <p:cNvPr id="118" name="Elbow Connector 117">
+            <a:extLst>
+              <a:ext uri="{FF2B5EF4-FFF2-40B4-BE49-F238E27FC236}">
+                <a16:creationId xmlns:a16="http://schemas.microsoft.com/office/drawing/2014/main" id="{91A082E7-1383-6E4B-B9EB-043321FAD983}"/>
+              </a:ext>
+            </a:extLst>
+          </p:cNvPr>
+          <p:cNvCxnSpPr>
+            <a:stCxn id="116" idx="2"/>
+            <a:endCxn id="14" idx="1"/>
+          </p:cNvCxnSpPr>
+          <p:nvPr/>
+        </p:nvCxnSpPr>
+        <p:spPr>
+          <a:xfrm rot="16200000" flipH="1">
+            <a:off x="5871881" y="684251"/>
+            <a:ext cx="174344" cy="3823112"/>
+          </a:xfrm>
+          <a:prstGeom prst="bentConnector2">
+            <a:avLst/>
+          </a:prstGeom>
+          <a:ln>
+            <a:tailEnd type="triangle"/>
+          </a:ln>
+        </p:spPr>
+        <p:style>
+          <a:lnRef idx="1">
+            <a:schemeClr val="accent1"/>
+          </a:lnRef>
+          <a:fillRef idx="0">
+            <a:schemeClr val="accent1"/>
+          </a:fillRef>
+          <a:effectRef idx="0">
+            <a:schemeClr val="accent1"/>
+          </a:effectRef>
+          <a:fontRef idx="minor">
+            <a:schemeClr val="tx1"/>
+          </a:fontRef>
+        </p:style>
+      </p:cxnSp>
+      <p:sp>
+        <p:nvSpPr>
+          <p:cNvPr id="119" name="TextBox 118">
+            <a:extLst>
+              <a:ext uri="{FF2B5EF4-FFF2-40B4-BE49-F238E27FC236}">
+                <a16:creationId xmlns:a16="http://schemas.microsoft.com/office/drawing/2014/main" id="{DA8F5E5F-FFA4-9647-876F-F4A6F0D56BC0}"/>
+              </a:ext>
+            </a:extLst>
+          </p:cNvPr>
+          <p:cNvSpPr txBox="1"/>
+          <p:nvPr/>
+        </p:nvSpPr>
+        <p:spPr>
+          <a:xfrm>
+            <a:off x="4682043" y="2448874"/>
+            <a:ext cx="875561" cy="276999"/>
+          </a:xfrm>
+          <a:prstGeom prst="rect">
+            <a:avLst/>
+          </a:prstGeom>
+          <a:noFill/>
+        </p:spPr>
+        <p:txBody>
+          <a:bodyPr wrap="none" rtlCol="0">
+            <a:spAutoFit/>
+          </a:bodyPr>
+          <a:lstStyle/>
+          <a:p>
+            <a:r>
+              <a:rPr lang="en-US" sz="1200" dirty="0"/>
+              <a:t>uartstart( )</a:t>
+            </a:r>
+          </a:p>
+        </p:txBody>
+      </p:sp>
+      <p:cxnSp>
+        <p:nvCxnSpPr>
+          <p:cNvPr id="122" name="Straight Arrow Connector 121">
+            <a:extLst>
+              <a:ext uri="{FF2B5EF4-FFF2-40B4-BE49-F238E27FC236}">
+                <a16:creationId xmlns:a16="http://schemas.microsoft.com/office/drawing/2014/main" id="{58A540ED-38BB-D346-9D2D-E552DE1386B8}"/>
+              </a:ext>
+            </a:extLst>
+          </p:cNvPr>
+          <p:cNvCxnSpPr>
+            <a:stCxn id="11" idx="3"/>
+          </p:cNvCxnSpPr>
+          <p:nvPr/>
+        </p:nvCxnSpPr>
+        <p:spPr>
+          <a:xfrm flipV="1">
+            <a:off x="3268956" y="2691762"/>
+            <a:ext cx="778541" cy="954565"/>
+          </a:xfrm>
+          <a:prstGeom prst="straightConnector1">
+            <a:avLst/>
+          </a:prstGeom>
+          <a:ln>
+            <a:tailEnd type="triangle"/>
+          </a:ln>
+        </p:spPr>
+        <p:style>
+          <a:lnRef idx="1">
+            <a:schemeClr val="accent1"/>
+          </a:lnRef>
+          <a:fillRef idx="0">
+            <a:schemeClr val="accent1"/>
+          </a:fillRef>
+          <a:effectRef idx="0">
+            <a:schemeClr val="accent1"/>
+          </a:effectRef>
+          <a:fontRef idx="minor">
+            <a:schemeClr val="tx1"/>
+          </a:fontRef>
+        </p:style>
+      </p:cxnSp>
+      <p:sp>
+        <p:nvSpPr>
+          <p:cNvPr id="35" name="Rounded Rectangle 34">
+            <a:extLst>
+              <a:ext uri="{FF2B5EF4-FFF2-40B4-BE49-F238E27FC236}">
+                <a16:creationId xmlns:a16="http://schemas.microsoft.com/office/drawing/2014/main" id="{61D77E3A-5598-CC4C-BBB1-64807E8BB784}"/>
+              </a:ext>
+            </a:extLst>
+          </p:cNvPr>
+          <p:cNvSpPr/>
+          <p:nvPr/>
+        </p:nvSpPr>
+        <p:spPr>
+          <a:xfrm>
+            <a:off x="5387289" y="5706765"/>
+            <a:ext cx="1416270" cy="915130"/>
+          </a:xfrm>
+          <a:prstGeom prst="roundRect">
+            <a:avLst/>
+          </a:prstGeom>
+          <a:solidFill>
+            <a:srgbClr val="00B0F0"/>
+          </a:solidFill>
+        </p:spPr>
+        <p:style>
+          <a:lnRef idx="2">
+            <a:schemeClr val="accent1">
+              <a:shade val="50000"/>
+            </a:schemeClr>
+          </a:lnRef>
+          <a:fillRef idx="1">
+            <a:schemeClr val="accent1"/>
+          </a:fillRef>
+          <a:effectRef idx="0">
+            <a:schemeClr val="accent1"/>
+          </a:effectRef>
+          <a:fontRef idx="minor">
+            <a:schemeClr val="lt1"/>
+          </a:fontRef>
+        </p:style>
+        <p:txBody>
+          <a:bodyPr rtlCol="0" anchor="ctr"/>
+          <a:lstStyle/>
+          <a:p>
+            <a:pPr algn="ctr"/>
+            <a:r>
+              <a:rPr lang="en-US" b="1" dirty="0">
+                <a:solidFill>
+                  <a:schemeClr val="bg1"/>
+                </a:solidFill>
+              </a:rPr>
+              <a:t>Syscall</a:t>
+            </a:r>
+          </a:p>
+          <a:p>
+            <a:pPr algn="ctr"/>
+            <a:r>
+              <a:rPr lang="en-US" sz="1050" dirty="0">
+                <a:solidFill>
+                  <a:schemeClr val="bg1"/>
+                </a:solidFill>
+              </a:rPr>
+              <a:t>kernel/syscall.c</a:t>
+            </a:r>
+          </a:p>
+        </p:txBody>
+      </p:sp>
+      <p:sp>
+        <p:nvSpPr>
+          <p:cNvPr id="37" name="Rounded Rectangle 36">
+            <a:extLst>
+              <a:ext uri="{FF2B5EF4-FFF2-40B4-BE49-F238E27FC236}">
+                <a16:creationId xmlns:a16="http://schemas.microsoft.com/office/drawing/2014/main" id="{03A8A3A9-00C1-674E-8B8E-6FED58123CDC}"/>
+              </a:ext>
+            </a:extLst>
+          </p:cNvPr>
+          <p:cNvSpPr/>
+          <p:nvPr/>
+        </p:nvSpPr>
+        <p:spPr>
+          <a:xfrm>
+            <a:off x="8275452" y="5645131"/>
+            <a:ext cx="977462" cy="1030142"/>
+          </a:xfrm>
+          <a:prstGeom prst="roundRect">
+            <a:avLst/>
+          </a:prstGeom>
+          <a:solidFill>
+            <a:schemeClr val="accent2"/>
+          </a:solidFill>
+          <a:ln>
+            <a:noFill/>
+          </a:ln>
+        </p:spPr>
+        <p:style>
+          <a:lnRef idx="2">
+            <a:schemeClr val="accent1">
+              <a:shade val="50000"/>
+            </a:schemeClr>
+          </a:lnRef>
+          <a:fillRef idx="1">
+            <a:schemeClr val="accent1"/>
+          </a:fillRef>
+          <a:effectRef idx="0">
+            <a:schemeClr val="accent1"/>
+          </a:effectRef>
+          <a:fontRef idx="minor">
+            <a:schemeClr val="lt1"/>
+          </a:fontRef>
+        </p:style>
+        <p:txBody>
+          <a:bodyPr rtlCol="0" anchor="ctr"/>
+          <a:lstStyle/>
+          <a:p>
+            <a:pPr algn="ctr"/>
+            <a:r>
+              <a:rPr lang="en-US" b="1" dirty="0"/>
+              <a:t>User</a:t>
+            </a:r>
+          </a:p>
+        </p:txBody>
+      </p:sp>
+      <p:sp>
+        <p:nvSpPr>
+          <p:cNvPr id="12" name="Right Arrow 11">
+            <a:extLst>
+              <a:ext uri="{FF2B5EF4-FFF2-40B4-BE49-F238E27FC236}">
+                <a16:creationId xmlns:a16="http://schemas.microsoft.com/office/drawing/2014/main" id="{D9504B37-C0E3-1E4F-87D0-FB3CC059EDD2}"/>
+              </a:ext>
+            </a:extLst>
+          </p:cNvPr>
+          <p:cNvSpPr/>
+          <p:nvPr/>
+        </p:nvSpPr>
+        <p:spPr>
+          <a:xfrm>
+            <a:off x="6866233" y="5724556"/>
+            <a:ext cx="1367472" cy="295430"/>
+          </a:xfrm>
+          <a:prstGeom prst="rightArrow">
+            <a:avLst/>
+          </a:prstGeom>
+          <a:solidFill>
+            <a:srgbClr val="FFFF00"/>
+          </a:solidFill>
+          <a:ln>
+            <a:noFill/>
+          </a:ln>
+        </p:spPr>
+        <p:style>
+          <a:lnRef idx="2">
+            <a:schemeClr val="accent1">
+              <a:shade val="50000"/>
+            </a:schemeClr>
+          </a:lnRef>
+          <a:fillRef idx="1">
+            <a:schemeClr val="accent1"/>
+          </a:fillRef>
+          <a:effectRef idx="0">
+            <a:schemeClr val="accent1"/>
+          </a:effectRef>
+          <a:fontRef idx="minor">
+            <a:schemeClr val="lt1"/>
+          </a:fontRef>
+        </p:style>
+        <p:txBody>
+          <a:bodyPr rtlCol="0" anchor="ctr"/>
+          <a:lstStyle/>
+          <a:p>
+            <a:pPr algn="ctr"/>
+            <a:endParaRPr lang="en-US"/>
+          </a:p>
+        </p:txBody>
+      </p:sp>
+      <p:sp>
+        <p:nvSpPr>
+          <p:cNvPr id="13" name="Left Arrow 12">
+            <a:extLst>
+              <a:ext uri="{FF2B5EF4-FFF2-40B4-BE49-F238E27FC236}">
+                <a16:creationId xmlns:a16="http://schemas.microsoft.com/office/drawing/2014/main" id="{8CD3D5FB-D0E7-344C-B5AE-782B8432E6DD}"/>
+              </a:ext>
+            </a:extLst>
+          </p:cNvPr>
+          <p:cNvSpPr/>
+          <p:nvPr/>
+        </p:nvSpPr>
+        <p:spPr>
+          <a:xfrm>
+            <a:off x="6826036" y="6279107"/>
+            <a:ext cx="1367472" cy="301050"/>
+          </a:xfrm>
+          <a:prstGeom prst="leftArrow">
+            <a:avLst/>
+          </a:prstGeom>
+          <a:solidFill>
+            <a:srgbClr val="FFFF00"/>
+          </a:solidFill>
+          <a:ln>
+            <a:noFill/>
+          </a:ln>
+        </p:spPr>
+        <p:style>
+          <a:lnRef idx="2">
+            <a:schemeClr val="accent1">
+              <a:shade val="50000"/>
+            </a:schemeClr>
+          </a:lnRef>
+          <a:fillRef idx="1">
+            <a:schemeClr val="accent1"/>
+          </a:fillRef>
+          <a:effectRef idx="0">
+            <a:schemeClr val="accent1"/>
+          </a:effectRef>
+          <a:fontRef idx="minor">
+            <a:schemeClr val="lt1"/>
+          </a:fontRef>
+        </p:style>
+        <p:txBody>
+          <a:bodyPr rtlCol="0" anchor="ctr"/>
+          <a:lstStyle/>
+          <a:p>
+            <a:pPr algn="ctr"/>
+            <a:endParaRPr lang="en-US"/>
+          </a:p>
+        </p:txBody>
+      </p:sp>
+      <p:sp>
+        <p:nvSpPr>
+          <p:cNvPr id="15" name="TextBox 14">
+            <a:extLst>
+              <a:ext uri="{FF2B5EF4-FFF2-40B4-BE49-F238E27FC236}">
+                <a16:creationId xmlns:a16="http://schemas.microsoft.com/office/drawing/2014/main" id="{28BA8CA1-4F0F-DE42-BF9E-C103F6F40A31}"/>
+              </a:ext>
+            </a:extLst>
+          </p:cNvPr>
+          <p:cNvSpPr txBox="1"/>
+          <p:nvPr/>
+        </p:nvSpPr>
+        <p:spPr>
+          <a:xfrm>
+            <a:off x="7272873" y="5979460"/>
+            <a:ext cx="590418" cy="369332"/>
+          </a:xfrm>
+          <a:prstGeom prst="rect">
+            <a:avLst/>
+          </a:prstGeom>
+          <a:noFill/>
+        </p:spPr>
+        <p:txBody>
+          <a:bodyPr wrap="none" rtlCol="0">
+            <a:spAutoFit/>
+          </a:bodyPr>
+          <a:lstStyle/>
+          <a:p>
+            <a:r>
+              <a:rPr lang="en-US" dirty="0"/>
+              <a:t>Trap</a:t>
+            </a:r>
+          </a:p>
+        </p:txBody>
+      </p:sp>
+      <p:cxnSp>
+        <p:nvCxnSpPr>
+          <p:cNvPr id="17" name="Straight Arrow Connector 16">
+            <a:extLst>
+              <a:ext uri="{FF2B5EF4-FFF2-40B4-BE49-F238E27FC236}">
+                <a16:creationId xmlns:a16="http://schemas.microsoft.com/office/drawing/2014/main" id="{10D58113-649D-0445-9E3D-E3E0E52B3190}"/>
+              </a:ext>
+            </a:extLst>
+          </p:cNvPr>
+          <p:cNvCxnSpPr>
+            <a:stCxn id="35" idx="0"/>
+            <a:endCxn id="58" idx="2"/>
+          </p:cNvCxnSpPr>
+          <p:nvPr/>
+        </p:nvCxnSpPr>
+        <p:spPr>
+          <a:xfrm flipV="1">
+            <a:off x="6095424" y="5169684"/>
+            <a:ext cx="0" cy="537081"/>
+          </a:xfrm>
+          <a:prstGeom prst="straightConnector1">
+            <a:avLst/>
+          </a:prstGeom>
+          <a:ln>
+            <a:tailEnd type="triangle"/>
+          </a:ln>
+        </p:spPr>
+        <p:style>
+          <a:lnRef idx="1">
+            <a:schemeClr val="accent1"/>
+          </a:lnRef>
+          <a:fillRef idx="0">
+            <a:schemeClr val="accent1"/>
+          </a:fillRef>
+          <a:effectRef idx="0">
+            <a:schemeClr val="accent1"/>
+          </a:effectRef>
+          <a:fontRef idx="minor">
+            <a:schemeClr val="tx1"/>
+          </a:fontRef>
+        </p:style>
+      </p:cxnSp>
+      <p:sp>
+        <p:nvSpPr>
+          <p:cNvPr id="19" name="TextBox 18">
+            <a:extLst>
+              <a:ext uri="{FF2B5EF4-FFF2-40B4-BE49-F238E27FC236}">
+                <a16:creationId xmlns:a16="http://schemas.microsoft.com/office/drawing/2014/main" id="{ED806884-D265-0245-ABDC-852E9D0CFE39}"/>
+              </a:ext>
+            </a:extLst>
+          </p:cNvPr>
+          <p:cNvSpPr txBox="1"/>
+          <p:nvPr/>
+        </p:nvSpPr>
+        <p:spPr>
+          <a:xfrm>
+            <a:off x="5557604" y="5299725"/>
+            <a:ext cx="1118704" cy="276999"/>
+          </a:xfrm>
+          <a:prstGeom prst="rect">
+            <a:avLst/>
+          </a:prstGeom>
+          <a:noFill/>
+        </p:spPr>
+        <p:txBody>
+          <a:bodyPr wrap="none" rtlCol="0">
+            <a:spAutoFit/>
+          </a:bodyPr>
+          <a:lstStyle/>
+          <a:p>
+            <a:r>
+              <a:rPr lang="en-US" sz="1200" dirty="0"/>
+              <a:t>consolewrite( )</a:t>
+            </a:r>
+          </a:p>
+        </p:txBody>
+      </p:sp>
+      <p:sp>
+        <p:nvSpPr>
+          <p:cNvPr id="21" name="Down Arrow 20">
+            <a:extLst>
+              <a:ext uri="{FF2B5EF4-FFF2-40B4-BE49-F238E27FC236}">
+                <a16:creationId xmlns:a16="http://schemas.microsoft.com/office/drawing/2014/main" id="{F594A1E2-6A15-8D4E-A0A1-AFA165D29827}"/>
+              </a:ext>
+            </a:extLst>
+          </p:cNvPr>
+          <p:cNvSpPr/>
+          <p:nvPr/>
+        </p:nvSpPr>
+        <p:spPr>
+          <a:xfrm>
+            <a:off x="9741318" y="3279802"/>
+            <a:ext cx="315311" cy="951651"/>
+          </a:xfrm>
+          <a:prstGeom prst="downArrow">
+            <a:avLst/>
+          </a:prstGeom>
+          <a:solidFill>
+            <a:srgbClr val="FFFF00"/>
+          </a:solidFill>
+          <a:ln>
+            <a:noFill/>
+          </a:ln>
+        </p:spPr>
+        <p:style>
+          <a:lnRef idx="2">
+            <a:schemeClr val="accent1">
+              <a:shade val="50000"/>
+            </a:schemeClr>
+          </a:lnRef>
+          <a:fillRef idx="1">
+            <a:schemeClr val="accent1"/>
+          </a:fillRef>
+          <a:effectRef idx="0">
+            <a:schemeClr val="accent1"/>
+          </a:effectRef>
+          <a:fontRef idx="minor">
+            <a:schemeClr val="lt1"/>
+          </a:fontRef>
+        </p:style>
+        <p:txBody>
+          <a:bodyPr rtlCol="0" anchor="ctr"/>
+          <a:lstStyle/>
+          <a:p>
+            <a:pPr algn="ctr"/>
+            <a:endParaRPr lang="en-US" dirty="0">
+              <a:highlight>
+                <a:srgbClr val="FFFF00"/>
+              </a:highlight>
+            </a:endParaRPr>
+          </a:p>
+        </p:txBody>
+      </p:sp>
+      <p:sp>
+        <p:nvSpPr>
+          <p:cNvPr id="22" name="TextBox 21">
+            <a:extLst>
+              <a:ext uri="{FF2B5EF4-FFF2-40B4-BE49-F238E27FC236}">
+                <a16:creationId xmlns:a16="http://schemas.microsoft.com/office/drawing/2014/main" id="{1E11F817-8DCC-A846-9D16-05BC0114C3B2}"/>
+              </a:ext>
+            </a:extLst>
+          </p:cNvPr>
+          <p:cNvSpPr txBox="1"/>
+          <p:nvPr/>
+        </p:nvSpPr>
+        <p:spPr>
+          <a:xfrm>
+            <a:off x="9383062" y="4195560"/>
+            <a:ext cx="1031821" cy="369332"/>
+          </a:xfrm>
+          <a:prstGeom prst="rect">
+            <a:avLst/>
+          </a:prstGeom>
+          <a:noFill/>
+        </p:spPr>
+        <p:txBody>
+          <a:bodyPr wrap="none" rtlCol="0">
+            <a:spAutoFit/>
+          </a:bodyPr>
+          <a:lstStyle/>
+          <a:p>
+            <a:r>
+              <a:rPr lang="en-US" dirty="0"/>
+              <a:t>Interrupt</a:t>
+            </a:r>
+          </a:p>
+        </p:txBody>
+      </p:sp>
+      <p:cxnSp>
+        <p:nvCxnSpPr>
+          <p:cNvPr id="27" name="Straight Arrow Connector 26">
+            <a:extLst>
+              <a:ext uri="{FF2B5EF4-FFF2-40B4-BE49-F238E27FC236}">
+                <a16:creationId xmlns:a16="http://schemas.microsoft.com/office/drawing/2014/main" id="{5A8935CE-73DF-DC45-8D2E-AC57E588519E}"/>
+              </a:ext>
+            </a:extLst>
+          </p:cNvPr>
+          <p:cNvCxnSpPr>
+            <a:cxnSpLocks/>
+            <a:stCxn id="22" idx="0"/>
+          </p:cNvCxnSpPr>
+          <p:nvPr/>
+        </p:nvCxnSpPr>
+        <p:spPr>
+          <a:xfrm flipH="1" flipV="1">
+            <a:off x="3658226" y="3156718"/>
+            <a:ext cx="6240747" cy="1038842"/>
+          </a:xfrm>
+          <a:prstGeom prst="straightConnector1">
+            <a:avLst/>
+          </a:prstGeom>
+          <a:ln>
+            <a:solidFill>
+              <a:srgbClr val="FFFF00"/>
+            </a:solidFill>
+            <a:headEnd type="none" w="med" len="med"/>
+            <a:tailEnd type="arrow" w="med" len="med"/>
+          </a:ln>
+        </p:spPr>
+        <p:style>
+          <a:lnRef idx="3">
+            <a:schemeClr val="accent4"/>
+          </a:lnRef>
+          <a:fillRef idx="0">
+            <a:schemeClr val="accent4"/>
+          </a:fillRef>
+          <a:effectRef idx="2">
+            <a:schemeClr val="accent4"/>
+          </a:effectRef>
+          <a:fontRef idx="minor">
+            <a:schemeClr val="tx1"/>
+          </a:fontRef>
+        </p:style>
+      </p:cxnSp>
+      <p:sp>
+        <p:nvSpPr>
+          <p:cNvPr id="30" name="TextBox 29">
+            <a:extLst>
+              <a:ext uri="{FF2B5EF4-FFF2-40B4-BE49-F238E27FC236}">
+                <a16:creationId xmlns:a16="http://schemas.microsoft.com/office/drawing/2014/main" id="{7EF9CD10-36C0-394D-AD13-1E69DCC42B0D}"/>
+              </a:ext>
+            </a:extLst>
+          </p:cNvPr>
+          <p:cNvSpPr txBox="1"/>
+          <p:nvPr/>
+        </p:nvSpPr>
+        <p:spPr>
+          <a:xfrm>
+            <a:off x="3883724" y="3262061"/>
+            <a:ext cx="789190" cy="276999"/>
+          </a:xfrm>
+          <a:prstGeom prst="rect">
+            <a:avLst/>
+          </a:prstGeom>
+          <a:noFill/>
+        </p:spPr>
+        <p:txBody>
+          <a:bodyPr wrap="none" rtlCol="0">
+            <a:spAutoFit/>
+          </a:bodyPr>
+          <a:lstStyle/>
+          <a:p>
+            <a:r>
+              <a:rPr lang="en-US" sz="1200" dirty="0"/>
+              <a:t>uartintr( )</a:t>
             </a:r>
           </a:p>
         </p:txBody>
@@ -20707,7 +27554,7 @@
     </p:spTree>
     <p:extLst>
       <p:ext uri="{BB962C8B-B14F-4D97-AF65-F5344CB8AC3E}">
-        <p14:creationId xmlns:p14="http://schemas.microsoft.com/office/powerpoint/2010/main" val="3701936336"/>
+        <p14:creationId xmlns:p14="http://schemas.microsoft.com/office/powerpoint/2010/main" val="34750854"/>
       </p:ext>
     </p:extLst>
   </p:cSld>

--- a/docs/figures/os1.pptx
+++ b/docs/figures/os1.pptx
@@ -5,7 +5,7 @@
     <p:sldMasterId id="2147483648" r:id="rId1"/>
   </p:sldMasterIdLst>
   <p:notesMasterIdLst>
-    <p:notesMasterId r:id="rId14"/>
+    <p:notesMasterId r:id="rId16"/>
   </p:notesMasterIdLst>
   <p:sldIdLst>
     <p:sldId id="331" r:id="rId2"/>
@@ -20,6 +20,8 @@
     <p:sldId id="346" r:id="rId11"/>
     <p:sldId id="342" r:id="rId12"/>
     <p:sldId id="343" r:id="rId13"/>
+    <p:sldId id="348" r:id="rId14"/>
+    <p:sldId id="347" r:id="rId15"/>
   </p:sldIdLst>
   <p:sldSz cx="12192000" cy="6858000"/>
   <p:notesSz cx="6858000" cy="9144000"/>
@@ -803,6 +805,174 @@
     <p:extLst>
       <p:ext uri="{BB962C8B-B14F-4D97-AF65-F5344CB8AC3E}">
         <p14:creationId xmlns:p14="http://schemas.microsoft.com/office/powerpoint/2010/main" val="84568496"/>
+      </p:ext>
+    </p:extLst>
+  </p:cSld>
+  <p:clrMapOvr>
+    <a:masterClrMapping/>
+  </p:clrMapOvr>
+</p:notes>
+</file>
+
+<file path=ppt/notesSlides/notesSlide13.xml><?xml version="1.0" encoding="utf-8"?>
+<p:notes xmlns:a="http://schemas.openxmlformats.org/drawingml/2006/main" xmlns:r="http://schemas.openxmlformats.org/officeDocument/2006/relationships" xmlns:p="http://schemas.openxmlformats.org/presentationml/2006/main">
+  <p:cSld>
+    <p:spTree>
+      <p:nvGrpSpPr>
+        <p:cNvPr id="1" name=""/>
+        <p:cNvGrpSpPr/>
+        <p:nvPr/>
+      </p:nvGrpSpPr>
+      <p:grpSpPr>
+        <a:xfrm>
+          <a:off x="0" y="0"/>
+          <a:ext cx="0" cy="0"/>
+          <a:chOff x="0" y="0"/>
+          <a:chExt cx="0" cy="0"/>
+        </a:xfrm>
+      </p:grpSpPr>
+      <p:sp>
+        <p:nvSpPr>
+          <p:cNvPr id="2" name="Slide Image Placeholder 1"/>
+          <p:cNvSpPr>
+            <a:spLocks noGrp="1" noRot="1" noChangeAspect="1"/>
+          </p:cNvSpPr>
+          <p:nvPr>
+            <p:ph type="sldImg"/>
+          </p:nvPr>
+        </p:nvSpPr>
+        <p:spPr/>
+      </p:sp>
+      <p:sp>
+        <p:nvSpPr>
+          <p:cNvPr id="3" name="Notes Placeholder 2"/>
+          <p:cNvSpPr>
+            <a:spLocks noGrp="1"/>
+          </p:cNvSpPr>
+          <p:nvPr>
+            <p:ph type="body" idx="1"/>
+          </p:nvPr>
+        </p:nvSpPr>
+        <p:spPr/>
+        <p:txBody>
+          <a:bodyPr/>
+          <a:lstStyle/>
+          <a:p>
+            <a:endParaRPr lang="en-US" dirty="0"/>
+          </a:p>
+        </p:txBody>
+      </p:sp>
+      <p:sp>
+        <p:nvSpPr>
+          <p:cNvPr id="4" name="Slide Number Placeholder 3"/>
+          <p:cNvSpPr>
+            <a:spLocks noGrp="1"/>
+          </p:cNvSpPr>
+          <p:nvPr>
+            <p:ph type="sldNum" sz="quarter" idx="5"/>
+          </p:nvPr>
+        </p:nvSpPr>
+        <p:spPr/>
+        <p:txBody>
+          <a:bodyPr/>
+          <a:lstStyle/>
+          <a:p>
+            <a:fld id="{997274CE-51E2-314F-8544-5E91EE33A09F}" type="slidenum">
+              <a:rPr lang="en-US" smtClean="0"/>
+              <a:t>13</a:t>
+            </a:fld>
+            <a:endParaRPr lang="en-US"/>
+          </a:p>
+        </p:txBody>
+      </p:sp>
+    </p:spTree>
+    <p:extLst>
+      <p:ext uri="{BB962C8B-B14F-4D97-AF65-F5344CB8AC3E}">
+        <p14:creationId xmlns:p14="http://schemas.microsoft.com/office/powerpoint/2010/main" val="1626310887"/>
+      </p:ext>
+    </p:extLst>
+  </p:cSld>
+  <p:clrMapOvr>
+    <a:masterClrMapping/>
+  </p:clrMapOvr>
+</p:notes>
+</file>
+
+<file path=ppt/notesSlides/notesSlide14.xml><?xml version="1.0" encoding="utf-8"?>
+<p:notes xmlns:a="http://schemas.openxmlformats.org/drawingml/2006/main" xmlns:r="http://schemas.openxmlformats.org/officeDocument/2006/relationships" xmlns:p="http://schemas.openxmlformats.org/presentationml/2006/main">
+  <p:cSld>
+    <p:spTree>
+      <p:nvGrpSpPr>
+        <p:cNvPr id="1" name=""/>
+        <p:cNvGrpSpPr/>
+        <p:nvPr/>
+      </p:nvGrpSpPr>
+      <p:grpSpPr>
+        <a:xfrm>
+          <a:off x="0" y="0"/>
+          <a:ext cx="0" cy="0"/>
+          <a:chOff x="0" y="0"/>
+          <a:chExt cx="0" cy="0"/>
+        </a:xfrm>
+      </p:grpSpPr>
+      <p:sp>
+        <p:nvSpPr>
+          <p:cNvPr id="2" name="Slide Image Placeholder 1"/>
+          <p:cNvSpPr>
+            <a:spLocks noGrp="1" noRot="1" noChangeAspect="1"/>
+          </p:cNvSpPr>
+          <p:nvPr>
+            <p:ph type="sldImg"/>
+          </p:nvPr>
+        </p:nvSpPr>
+        <p:spPr/>
+      </p:sp>
+      <p:sp>
+        <p:nvSpPr>
+          <p:cNvPr id="3" name="Notes Placeholder 2"/>
+          <p:cNvSpPr>
+            <a:spLocks noGrp="1"/>
+          </p:cNvSpPr>
+          <p:nvPr>
+            <p:ph type="body" idx="1"/>
+          </p:nvPr>
+        </p:nvSpPr>
+        <p:spPr/>
+        <p:txBody>
+          <a:bodyPr/>
+          <a:lstStyle/>
+          <a:p>
+            <a:endParaRPr lang="en-US" dirty="0"/>
+          </a:p>
+        </p:txBody>
+      </p:sp>
+      <p:sp>
+        <p:nvSpPr>
+          <p:cNvPr id="4" name="Slide Number Placeholder 3"/>
+          <p:cNvSpPr>
+            <a:spLocks noGrp="1"/>
+          </p:cNvSpPr>
+          <p:nvPr>
+            <p:ph type="sldNum" sz="quarter" idx="5"/>
+          </p:nvPr>
+        </p:nvSpPr>
+        <p:spPr/>
+        <p:txBody>
+          <a:bodyPr/>
+          <a:lstStyle/>
+          <a:p>
+            <a:fld id="{997274CE-51E2-314F-8544-5E91EE33A09F}" type="slidenum">
+              <a:rPr lang="en-US" smtClean="0"/>
+              <a:t>14</a:t>
+            </a:fld>
+            <a:endParaRPr lang="en-US"/>
+          </a:p>
+        </p:txBody>
+      </p:sp>
+    </p:spTree>
+    <p:extLst>
+      <p:ext uri="{BB962C8B-B14F-4D97-AF65-F5344CB8AC3E}">
+        <p14:creationId xmlns:p14="http://schemas.microsoft.com/office/powerpoint/2010/main" val="2239800203"/>
       </p:ext>
     </p:extLst>
   </p:cSld>
@@ -8885,7 +9055,7 @@
                   </a:schemeClr>
                 </a:solidFill>
               </a:rPr>
-              <a:t>Clock Interrupt</a:t>
+              <a:t>Timer Interrupts</a:t>
             </a:r>
           </a:p>
         </p:txBody>
@@ -8948,7 +9118,7 @@
                   <a:schemeClr val="tx1"/>
                 </a:solidFill>
               </a:rPr>
-              <a:t>Timer</a:t>
+              <a:t>Clock</a:t>
             </a:r>
           </a:p>
         </p:txBody>
@@ -9543,7 +9713,1033 @@
                   </a:schemeClr>
                 </a:solidFill>
               </a:rPr>
-              <a:t>RISC-V Trap Machinery</a:t>
+              <a:t>Thread Switching HLP</a:t>
+            </a:r>
+          </a:p>
+        </p:txBody>
+      </p:sp>
+      <p:cxnSp>
+        <p:nvCxnSpPr>
+          <p:cNvPr id="3" name="Straight Connector 2">
+            <a:extLst>
+              <a:ext uri="{FF2B5EF4-FFF2-40B4-BE49-F238E27FC236}">
+                <a16:creationId xmlns:a16="http://schemas.microsoft.com/office/drawing/2014/main" id="{19A17965-90A2-E543-BB60-BF2EFB605B82}"/>
+              </a:ext>
+            </a:extLst>
+          </p:cNvPr>
+          <p:cNvCxnSpPr/>
+          <p:nvPr/>
+        </p:nvCxnSpPr>
+        <p:spPr>
+          <a:xfrm>
+            <a:off x="3242066" y="2954962"/>
+            <a:ext cx="5885794" cy="0"/>
+          </a:xfrm>
+          <a:prstGeom prst="line">
+            <a:avLst/>
+          </a:prstGeom>
+          <a:ln w="9525" cap="flat" cmpd="sng" algn="ctr">
+            <a:solidFill>
+              <a:srgbClr val="FFFF00"/>
+            </a:solidFill>
+            <a:prstDash val="dash"/>
+            <a:round/>
+            <a:headEnd type="none" w="med" len="med"/>
+            <a:tailEnd type="none" w="med" len="med"/>
+          </a:ln>
+        </p:spPr>
+        <p:style>
+          <a:lnRef idx="0">
+            <a:scrgbClr r="0" g="0" b="0"/>
+          </a:lnRef>
+          <a:fillRef idx="0">
+            <a:scrgbClr r="0" g="0" b="0"/>
+          </a:fillRef>
+          <a:effectRef idx="0">
+            <a:scrgbClr r="0" g="0" b="0"/>
+          </a:effectRef>
+          <a:fontRef idx="minor">
+            <a:schemeClr val="tx1"/>
+          </a:fontRef>
+        </p:style>
+      </p:cxnSp>
+      <p:sp>
+        <p:nvSpPr>
+          <p:cNvPr id="4" name="TextBox 3">
+            <a:extLst>
+              <a:ext uri="{FF2B5EF4-FFF2-40B4-BE49-F238E27FC236}">
+                <a16:creationId xmlns:a16="http://schemas.microsoft.com/office/drawing/2014/main" id="{F6453FD3-BD93-2E4B-833C-5A35866E9556}"/>
+              </a:ext>
+            </a:extLst>
+          </p:cNvPr>
+          <p:cNvSpPr txBox="1"/>
+          <p:nvPr/>
+        </p:nvSpPr>
+        <p:spPr>
+          <a:xfrm>
+            <a:off x="9218428" y="1584251"/>
+            <a:ext cx="1234633" cy="369332"/>
+          </a:xfrm>
+          <a:prstGeom prst="rect">
+            <a:avLst/>
+          </a:prstGeom>
+          <a:noFill/>
+        </p:spPr>
+        <p:txBody>
+          <a:bodyPr wrap="none" rtlCol="0">
+            <a:spAutoFit/>
+          </a:bodyPr>
+          <a:lstStyle/>
+          <a:p>
+            <a:r>
+              <a:rPr lang="en-US" b="1" dirty="0">
+                <a:solidFill>
+                  <a:schemeClr val="accent2"/>
+                </a:solidFill>
+              </a:rPr>
+              <a:t>User Space</a:t>
+            </a:r>
+          </a:p>
+        </p:txBody>
+      </p:sp>
+      <p:sp>
+        <p:nvSpPr>
+          <p:cNvPr id="5" name="Rounded Rectangle 4">
+            <a:extLst>
+              <a:ext uri="{FF2B5EF4-FFF2-40B4-BE49-F238E27FC236}">
+                <a16:creationId xmlns:a16="http://schemas.microsoft.com/office/drawing/2014/main" id="{BB8229BF-5F4F-3A43-B81D-529FE7D1B5A1}"/>
+              </a:ext>
+            </a:extLst>
+          </p:cNvPr>
+          <p:cNvSpPr/>
+          <p:nvPr/>
+        </p:nvSpPr>
+        <p:spPr>
+          <a:xfrm>
+            <a:off x="5636739" y="5488437"/>
+            <a:ext cx="918519" cy="939114"/>
+          </a:xfrm>
+          <a:prstGeom prst="roundRect">
+            <a:avLst/>
+          </a:prstGeom>
+          <a:solidFill>
+            <a:srgbClr val="FFFF00"/>
+          </a:solidFill>
+          <a:ln>
+            <a:noFill/>
+          </a:ln>
+        </p:spPr>
+        <p:style>
+          <a:lnRef idx="2">
+            <a:schemeClr val="accent1">
+              <a:shade val="50000"/>
+            </a:schemeClr>
+          </a:lnRef>
+          <a:fillRef idx="1">
+            <a:schemeClr val="accent1"/>
+          </a:fillRef>
+          <a:effectRef idx="0">
+            <a:schemeClr val="accent1"/>
+          </a:effectRef>
+          <a:fontRef idx="minor">
+            <a:schemeClr val="lt1"/>
+          </a:fontRef>
+        </p:style>
+        <p:txBody>
+          <a:bodyPr rtlCol="0" anchor="ctr"/>
+          <a:lstStyle/>
+          <a:p>
+            <a:pPr algn="ctr"/>
+            <a:r>
+              <a:rPr lang="en-US" b="1" dirty="0">
+                <a:solidFill>
+                  <a:schemeClr val="bg1"/>
+                </a:solidFill>
+              </a:rPr>
+              <a:t>CPU</a:t>
+            </a:r>
+          </a:p>
+        </p:txBody>
+      </p:sp>
+      <p:sp>
+        <p:nvSpPr>
+          <p:cNvPr id="7" name="Rounded Rectangle 6">
+            <a:extLst>
+              <a:ext uri="{FF2B5EF4-FFF2-40B4-BE49-F238E27FC236}">
+                <a16:creationId xmlns:a16="http://schemas.microsoft.com/office/drawing/2014/main" id="{69E40667-C65F-F74B-9408-B84762DDE042}"/>
+              </a:ext>
+            </a:extLst>
+          </p:cNvPr>
+          <p:cNvSpPr/>
+          <p:nvPr/>
+        </p:nvSpPr>
+        <p:spPr>
+          <a:xfrm>
+            <a:off x="3465350" y="1512148"/>
+            <a:ext cx="882869" cy="882869"/>
+          </a:xfrm>
+          <a:prstGeom prst="roundRect">
+            <a:avLst/>
+          </a:prstGeom>
+          <a:solidFill>
+            <a:schemeClr val="accent2"/>
+          </a:solidFill>
+          <a:ln>
+            <a:noFill/>
+          </a:ln>
+        </p:spPr>
+        <p:style>
+          <a:lnRef idx="2">
+            <a:schemeClr val="accent1">
+              <a:shade val="50000"/>
+            </a:schemeClr>
+          </a:lnRef>
+          <a:fillRef idx="1">
+            <a:schemeClr val="accent1"/>
+          </a:fillRef>
+          <a:effectRef idx="0">
+            <a:schemeClr val="accent1"/>
+          </a:effectRef>
+          <a:fontRef idx="minor">
+            <a:schemeClr val="lt1"/>
+          </a:fontRef>
+        </p:style>
+        <p:txBody>
+          <a:bodyPr rtlCol="0" anchor="ctr"/>
+          <a:lstStyle/>
+          <a:p>
+            <a:pPr algn="ctr"/>
+            <a:r>
+              <a:rPr lang="en-US" dirty="0"/>
+              <a:t>spin1</a:t>
+            </a:r>
+          </a:p>
+          <a:p>
+            <a:pPr algn="ctr"/>
+            <a:r>
+              <a:rPr lang="en-US" sz="1200" b="1" dirty="0"/>
+              <a:t>echo /</a:t>
+            </a:r>
+          </a:p>
+        </p:txBody>
+      </p:sp>
+      <p:sp>
+        <p:nvSpPr>
+          <p:cNvPr id="8" name="TextBox 7">
+            <a:extLst>
+              <a:ext uri="{FF2B5EF4-FFF2-40B4-BE49-F238E27FC236}">
+                <a16:creationId xmlns:a16="http://schemas.microsoft.com/office/drawing/2014/main" id="{F4B0BF28-A8F2-B24A-8051-E992057724A8}"/>
+              </a:ext>
+            </a:extLst>
+          </p:cNvPr>
+          <p:cNvSpPr txBox="1"/>
+          <p:nvPr/>
+        </p:nvSpPr>
+        <p:spPr>
+          <a:xfrm>
+            <a:off x="9218428" y="3896833"/>
+            <a:ext cx="1410001" cy="369332"/>
+          </a:xfrm>
+          <a:prstGeom prst="rect">
+            <a:avLst/>
+          </a:prstGeom>
+          <a:noFill/>
+        </p:spPr>
+        <p:txBody>
+          <a:bodyPr wrap="none" rtlCol="0">
+            <a:spAutoFit/>
+          </a:bodyPr>
+          <a:lstStyle/>
+          <a:p>
+            <a:r>
+              <a:rPr lang="en-US" b="1" dirty="0">
+                <a:solidFill>
+                  <a:srgbClr val="00B0F0"/>
+                </a:solidFill>
+              </a:rPr>
+              <a:t>Kernel Space</a:t>
+            </a:r>
+          </a:p>
+        </p:txBody>
+      </p:sp>
+      <p:sp>
+        <p:nvSpPr>
+          <p:cNvPr id="9" name="Rounded Rectangle 8">
+            <a:extLst>
+              <a:ext uri="{FF2B5EF4-FFF2-40B4-BE49-F238E27FC236}">
+                <a16:creationId xmlns:a16="http://schemas.microsoft.com/office/drawing/2014/main" id="{C2CABE75-0B5C-B24A-BE78-7ED15B3ED6C0}"/>
+              </a:ext>
+            </a:extLst>
+          </p:cNvPr>
+          <p:cNvSpPr/>
+          <p:nvPr/>
+        </p:nvSpPr>
+        <p:spPr>
+          <a:xfrm>
+            <a:off x="7843783" y="1520455"/>
+            <a:ext cx="882869" cy="882869"/>
+          </a:xfrm>
+          <a:prstGeom prst="roundRect">
+            <a:avLst/>
+          </a:prstGeom>
+          <a:solidFill>
+            <a:schemeClr val="accent2"/>
+          </a:solidFill>
+          <a:ln>
+            <a:noFill/>
+          </a:ln>
+        </p:spPr>
+        <p:style>
+          <a:lnRef idx="2">
+            <a:schemeClr val="accent1">
+              <a:shade val="50000"/>
+            </a:schemeClr>
+          </a:lnRef>
+          <a:fillRef idx="1">
+            <a:schemeClr val="accent1"/>
+          </a:fillRef>
+          <a:effectRef idx="0">
+            <a:schemeClr val="accent1"/>
+          </a:effectRef>
+          <a:fontRef idx="minor">
+            <a:schemeClr val="lt1"/>
+          </a:fontRef>
+        </p:style>
+        <p:txBody>
+          <a:bodyPr rtlCol="0" anchor="ctr"/>
+          <a:lstStyle/>
+          <a:p>
+            <a:pPr algn="ctr"/>
+            <a:r>
+              <a:rPr lang="en-US" dirty="0"/>
+              <a:t>spin2</a:t>
+            </a:r>
+          </a:p>
+          <a:p>
+            <a:pPr algn="ctr"/>
+            <a:r>
+              <a:rPr lang="en-US" sz="1200" b="1" dirty="0"/>
+              <a:t>echo \</a:t>
+            </a:r>
+          </a:p>
+        </p:txBody>
+      </p:sp>
+      <p:sp>
+        <p:nvSpPr>
+          <p:cNvPr id="10" name="Down Arrow 9">
+            <a:extLst>
+              <a:ext uri="{FF2B5EF4-FFF2-40B4-BE49-F238E27FC236}">
+                <a16:creationId xmlns:a16="http://schemas.microsoft.com/office/drawing/2014/main" id="{E6290FDC-C370-DC49-B1E4-D7B0E26755EA}"/>
+              </a:ext>
+            </a:extLst>
+          </p:cNvPr>
+          <p:cNvSpPr/>
+          <p:nvPr/>
+        </p:nvSpPr>
+        <p:spPr>
+          <a:xfrm>
+            <a:off x="3465350" y="2447998"/>
+            <a:ext cx="277310" cy="1103276"/>
+          </a:xfrm>
+          <a:prstGeom prst="downArrow">
+            <a:avLst/>
+          </a:prstGeom>
+          <a:solidFill>
+            <a:srgbClr val="FFFF00"/>
+          </a:solidFill>
+          <a:ln>
+            <a:solidFill>
+              <a:srgbClr val="FF0000"/>
+            </a:solidFill>
+          </a:ln>
+        </p:spPr>
+        <p:style>
+          <a:lnRef idx="2">
+            <a:schemeClr val="accent1">
+              <a:shade val="50000"/>
+            </a:schemeClr>
+          </a:lnRef>
+          <a:fillRef idx="1">
+            <a:schemeClr val="accent1"/>
+          </a:fillRef>
+          <a:effectRef idx="0">
+            <a:schemeClr val="accent1"/>
+          </a:effectRef>
+          <a:fontRef idx="minor">
+            <a:schemeClr val="lt1"/>
+          </a:fontRef>
+        </p:style>
+        <p:txBody>
+          <a:bodyPr rtlCol="0" anchor="ctr"/>
+          <a:lstStyle/>
+          <a:p>
+            <a:pPr algn="ctr"/>
+            <a:endParaRPr lang="en-US"/>
+          </a:p>
+        </p:txBody>
+      </p:sp>
+      <p:sp>
+        <p:nvSpPr>
+          <p:cNvPr id="11" name="Down Arrow 10">
+            <a:extLst>
+              <a:ext uri="{FF2B5EF4-FFF2-40B4-BE49-F238E27FC236}">
+                <a16:creationId xmlns:a16="http://schemas.microsoft.com/office/drawing/2014/main" id="{2D80C02A-B9DB-8D45-8A7D-6D99E3D6D283}"/>
+              </a:ext>
+            </a:extLst>
+          </p:cNvPr>
+          <p:cNvSpPr/>
+          <p:nvPr/>
+        </p:nvSpPr>
+        <p:spPr>
+          <a:xfrm>
+            <a:off x="8417038" y="2447998"/>
+            <a:ext cx="277310" cy="1103276"/>
+          </a:xfrm>
+          <a:prstGeom prst="downArrow">
+            <a:avLst/>
+          </a:prstGeom>
+          <a:solidFill>
+            <a:srgbClr val="FFFF00"/>
+          </a:solidFill>
+          <a:ln>
+            <a:solidFill>
+              <a:srgbClr val="FF0000"/>
+            </a:solidFill>
+          </a:ln>
+        </p:spPr>
+        <p:style>
+          <a:lnRef idx="2">
+            <a:schemeClr val="accent1">
+              <a:shade val="50000"/>
+            </a:schemeClr>
+          </a:lnRef>
+          <a:fillRef idx="1">
+            <a:schemeClr val="accent1"/>
+          </a:fillRef>
+          <a:effectRef idx="0">
+            <a:schemeClr val="accent1"/>
+          </a:effectRef>
+          <a:fontRef idx="minor">
+            <a:schemeClr val="lt1"/>
+          </a:fontRef>
+        </p:style>
+        <p:txBody>
+          <a:bodyPr rtlCol="0" anchor="ctr"/>
+          <a:lstStyle/>
+          <a:p>
+            <a:pPr algn="ctr"/>
+            <a:endParaRPr lang="en-US"/>
+          </a:p>
+        </p:txBody>
+      </p:sp>
+      <p:sp>
+        <p:nvSpPr>
+          <p:cNvPr id="12" name="Up Arrow 11">
+            <a:extLst>
+              <a:ext uri="{FF2B5EF4-FFF2-40B4-BE49-F238E27FC236}">
+                <a16:creationId xmlns:a16="http://schemas.microsoft.com/office/drawing/2014/main" id="{50E464A8-2E20-F141-8DB5-02CB63F20C67}"/>
+              </a:ext>
+            </a:extLst>
+          </p:cNvPr>
+          <p:cNvSpPr/>
+          <p:nvPr/>
+        </p:nvSpPr>
+        <p:spPr>
+          <a:xfrm>
+            <a:off x="4070908" y="2421508"/>
+            <a:ext cx="277310" cy="1103277"/>
+          </a:xfrm>
+          <a:prstGeom prst="upArrow">
+            <a:avLst/>
+          </a:prstGeom>
+          <a:solidFill>
+            <a:srgbClr val="FFFF00"/>
+          </a:solidFill>
+          <a:ln>
+            <a:solidFill>
+              <a:srgbClr val="FF0000"/>
+            </a:solidFill>
+          </a:ln>
+        </p:spPr>
+        <p:style>
+          <a:lnRef idx="2">
+            <a:schemeClr val="accent1">
+              <a:shade val="50000"/>
+            </a:schemeClr>
+          </a:lnRef>
+          <a:fillRef idx="1">
+            <a:schemeClr val="accent1"/>
+          </a:fillRef>
+          <a:effectRef idx="0">
+            <a:schemeClr val="accent1"/>
+          </a:effectRef>
+          <a:fontRef idx="minor">
+            <a:schemeClr val="lt1"/>
+          </a:fontRef>
+        </p:style>
+        <p:txBody>
+          <a:bodyPr rtlCol="0" anchor="ctr"/>
+          <a:lstStyle/>
+          <a:p>
+            <a:pPr algn="ctr"/>
+            <a:endParaRPr lang="en-US" dirty="0"/>
+          </a:p>
+        </p:txBody>
+      </p:sp>
+      <p:sp>
+        <p:nvSpPr>
+          <p:cNvPr id="13" name="Up Arrow 12">
+            <a:extLst>
+              <a:ext uri="{FF2B5EF4-FFF2-40B4-BE49-F238E27FC236}">
+                <a16:creationId xmlns:a16="http://schemas.microsoft.com/office/drawing/2014/main" id="{38E2AA21-257B-1742-A3AD-4432E3C66DEC}"/>
+              </a:ext>
+            </a:extLst>
+          </p:cNvPr>
+          <p:cNvSpPr/>
+          <p:nvPr/>
+        </p:nvSpPr>
+        <p:spPr>
+          <a:xfrm>
+            <a:off x="7883203" y="2421508"/>
+            <a:ext cx="277310" cy="1103277"/>
+          </a:xfrm>
+          <a:prstGeom prst="upArrow">
+            <a:avLst/>
+          </a:prstGeom>
+          <a:solidFill>
+            <a:srgbClr val="FFFF00"/>
+          </a:solidFill>
+          <a:ln>
+            <a:solidFill>
+              <a:srgbClr val="FF0000"/>
+            </a:solidFill>
+          </a:ln>
+        </p:spPr>
+        <p:style>
+          <a:lnRef idx="2">
+            <a:schemeClr val="accent1">
+              <a:shade val="50000"/>
+            </a:schemeClr>
+          </a:lnRef>
+          <a:fillRef idx="1">
+            <a:schemeClr val="accent1"/>
+          </a:fillRef>
+          <a:effectRef idx="0">
+            <a:schemeClr val="accent1"/>
+          </a:effectRef>
+          <a:fontRef idx="minor">
+            <a:schemeClr val="lt1"/>
+          </a:fontRef>
+        </p:style>
+        <p:txBody>
+          <a:bodyPr rtlCol="0" anchor="ctr"/>
+          <a:lstStyle/>
+          <a:p>
+            <a:pPr algn="ctr"/>
+            <a:endParaRPr lang="en-US" dirty="0"/>
+          </a:p>
+        </p:txBody>
+      </p:sp>
+      <p:sp>
+        <p:nvSpPr>
+          <p:cNvPr id="15" name="Rectangle 14">
+            <a:extLst>
+              <a:ext uri="{FF2B5EF4-FFF2-40B4-BE49-F238E27FC236}">
+                <a16:creationId xmlns:a16="http://schemas.microsoft.com/office/drawing/2014/main" id="{F8305DCD-4712-4D4D-A6A8-DA2700602D50}"/>
+              </a:ext>
+            </a:extLst>
+          </p:cNvPr>
+          <p:cNvSpPr/>
+          <p:nvPr/>
+        </p:nvSpPr>
+        <p:spPr>
+          <a:xfrm>
+            <a:off x="3668367" y="3714527"/>
+            <a:ext cx="495096" cy="1103276"/>
+          </a:xfrm>
+          <a:prstGeom prst="rect">
+            <a:avLst/>
+          </a:prstGeom>
+        </p:spPr>
+        <p:style>
+          <a:lnRef idx="2">
+            <a:schemeClr val="accent1">
+              <a:shade val="50000"/>
+            </a:schemeClr>
+          </a:lnRef>
+          <a:fillRef idx="1">
+            <a:schemeClr val="accent1"/>
+          </a:fillRef>
+          <a:effectRef idx="0">
+            <a:schemeClr val="accent1"/>
+          </a:effectRef>
+          <a:fontRef idx="minor">
+            <a:schemeClr val="lt1"/>
+          </a:fontRef>
+        </p:style>
+        <p:txBody>
+          <a:bodyPr rtlCol="0" anchor="ctr"/>
+          <a:lstStyle/>
+          <a:p>
+            <a:pPr algn="ctr"/>
+            <a:endParaRPr lang="en-US"/>
+          </a:p>
+        </p:txBody>
+      </p:sp>
+      <p:sp>
+        <p:nvSpPr>
+          <p:cNvPr id="16" name="Rectangle 15">
+            <a:extLst>
+              <a:ext uri="{FF2B5EF4-FFF2-40B4-BE49-F238E27FC236}">
+                <a16:creationId xmlns:a16="http://schemas.microsoft.com/office/drawing/2014/main" id="{3A90F5DF-A714-8C40-B0C3-B1F5B2C0E6BB}"/>
+              </a:ext>
+            </a:extLst>
+          </p:cNvPr>
+          <p:cNvSpPr/>
+          <p:nvPr/>
+        </p:nvSpPr>
+        <p:spPr>
+          <a:xfrm>
+            <a:off x="5848451" y="3714527"/>
+            <a:ext cx="495096" cy="1103276"/>
+          </a:xfrm>
+          <a:prstGeom prst="rect">
+            <a:avLst/>
+          </a:prstGeom>
+        </p:spPr>
+        <p:style>
+          <a:lnRef idx="2">
+            <a:schemeClr val="accent1">
+              <a:shade val="50000"/>
+            </a:schemeClr>
+          </a:lnRef>
+          <a:fillRef idx="1">
+            <a:schemeClr val="accent1"/>
+          </a:fillRef>
+          <a:effectRef idx="0">
+            <a:schemeClr val="accent1"/>
+          </a:effectRef>
+          <a:fontRef idx="minor">
+            <a:schemeClr val="lt1"/>
+          </a:fontRef>
+        </p:style>
+        <p:txBody>
+          <a:bodyPr rtlCol="0" anchor="ctr"/>
+          <a:lstStyle/>
+          <a:p>
+            <a:pPr algn="ctr"/>
+            <a:endParaRPr lang="en-US"/>
+          </a:p>
+        </p:txBody>
+      </p:sp>
+      <p:sp>
+        <p:nvSpPr>
+          <p:cNvPr id="17" name="Rectangle 16">
+            <a:extLst>
+              <a:ext uri="{FF2B5EF4-FFF2-40B4-BE49-F238E27FC236}">
+                <a16:creationId xmlns:a16="http://schemas.microsoft.com/office/drawing/2014/main" id="{127146D3-7AF9-F64A-B99C-9542226EE7C7}"/>
+              </a:ext>
+            </a:extLst>
+          </p:cNvPr>
+          <p:cNvSpPr/>
+          <p:nvPr/>
+        </p:nvSpPr>
+        <p:spPr>
+          <a:xfrm>
+            <a:off x="8028535" y="3714527"/>
+            <a:ext cx="495096" cy="1103276"/>
+          </a:xfrm>
+          <a:prstGeom prst="rect">
+            <a:avLst/>
+          </a:prstGeom>
+        </p:spPr>
+        <p:style>
+          <a:lnRef idx="2">
+            <a:schemeClr val="accent1">
+              <a:shade val="50000"/>
+            </a:schemeClr>
+          </a:lnRef>
+          <a:fillRef idx="1">
+            <a:schemeClr val="accent1"/>
+          </a:fillRef>
+          <a:effectRef idx="0">
+            <a:schemeClr val="accent1"/>
+          </a:effectRef>
+          <a:fontRef idx="minor">
+            <a:schemeClr val="lt1"/>
+          </a:fontRef>
+        </p:style>
+        <p:txBody>
+          <a:bodyPr rtlCol="0" anchor="ctr"/>
+          <a:lstStyle/>
+          <a:p>
+            <a:pPr algn="ctr"/>
+            <a:endParaRPr lang="en-US"/>
+          </a:p>
+        </p:txBody>
+      </p:sp>
+      <p:sp>
+        <p:nvSpPr>
+          <p:cNvPr id="18" name="TextBox 17">
+            <a:extLst>
+              <a:ext uri="{FF2B5EF4-FFF2-40B4-BE49-F238E27FC236}">
+                <a16:creationId xmlns:a16="http://schemas.microsoft.com/office/drawing/2014/main" id="{C9BCCCEA-565B-0E4E-B173-D2541D85BAEE}"/>
+              </a:ext>
+            </a:extLst>
+          </p:cNvPr>
+          <p:cNvSpPr txBox="1"/>
+          <p:nvPr/>
+        </p:nvSpPr>
+        <p:spPr>
+          <a:xfrm>
+            <a:off x="3594731" y="4761077"/>
+            <a:ext cx="714042" cy="584775"/>
+          </a:xfrm>
+          <a:prstGeom prst="rect">
+            <a:avLst/>
+          </a:prstGeom>
+          <a:noFill/>
+        </p:spPr>
+        <p:txBody>
+          <a:bodyPr wrap="none" rtlCol="0">
+            <a:spAutoFit/>
+          </a:bodyPr>
+          <a:lstStyle/>
+          <a:p>
+            <a:r>
+              <a:rPr lang="en-US" sz="1600" b="1" dirty="0"/>
+              <a:t>spin1</a:t>
+            </a:r>
+          </a:p>
+          <a:p>
+            <a:r>
+              <a:rPr lang="en-US" sz="1600" b="1" dirty="0"/>
+              <a:t>kstack</a:t>
+            </a:r>
+          </a:p>
+        </p:txBody>
+      </p:sp>
+      <p:sp>
+        <p:nvSpPr>
+          <p:cNvPr id="20" name="TextBox 19">
+            <a:extLst>
+              <a:ext uri="{FF2B5EF4-FFF2-40B4-BE49-F238E27FC236}">
+                <a16:creationId xmlns:a16="http://schemas.microsoft.com/office/drawing/2014/main" id="{D04D40BB-E1C2-F348-B28D-8468D828719F}"/>
+              </a:ext>
+            </a:extLst>
+          </p:cNvPr>
+          <p:cNvSpPr txBox="1"/>
+          <p:nvPr/>
+        </p:nvSpPr>
+        <p:spPr>
+          <a:xfrm>
+            <a:off x="5581273" y="4817803"/>
+            <a:ext cx="1029449" cy="584775"/>
+          </a:xfrm>
+          <a:prstGeom prst="rect">
+            <a:avLst/>
+          </a:prstGeom>
+          <a:noFill/>
+        </p:spPr>
+        <p:txBody>
+          <a:bodyPr wrap="none" rtlCol="0">
+            <a:spAutoFit/>
+          </a:bodyPr>
+          <a:lstStyle/>
+          <a:p>
+            <a:r>
+              <a:rPr lang="en-US" sz="1600" b="1" dirty="0"/>
+              <a:t>Scheduler</a:t>
+            </a:r>
+          </a:p>
+          <a:p>
+            <a:pPr algn="ctr"/>
+            <a:r>
+              <a:rPr lang="en-US" sz="1600" b="1" dirty="0"/>
+              <a:t>stack</a:t>
+            </a:r>
+          </a:p>
+        </p:txBody>
+      </p:sp>
+      <p:sp>
+        <p:nvSpPr>
+          <p:cNvPr id="21" name="TextBox 20">
+            <a:extLst>
+              <a:ext uri="{FF2B5EF4-FFF2-40B4-BE49-F238E27FC236}">
+                <a16:creationId xmlns:a16="http://schemas.microsoft.com/office/drawing/2014/main" id="{A0DE6A70-2A74-2342-B3A9-695424526066}"/>
+              </a:ext>
+            </a:extLst>
+          </p:cNvPr>
+          <p:cNvSpPr txBox="1"/>
+          <p:nvPr/>
+        </p:nvSpPr>
+        <p:spPr>
+          <a:xfrm>
+            <a:off x="7928196" y="4817803"/>
+            <a:ext cx="714042" cy="584775"/>
+          </a:xfrm>
+          <a:prstGeom prst="rect">
+            <a:avLst/>
+          </a:prstGeom>
+          <a:noFill/>
+        </p:spPr>
+        <p:txBody>
+          <a:bodyPr wrap="none" rtlCol="0">
+            <a:spAutoFit/>
+          </a:bodyPr>
+          <a:lstStyle/>
+          <a:p>
+            <a:pPr algn="ctr"/>
+            <a:r>
+              <a:rPr lang="en-US" sz="1600" b="1" dirty="0"/>
+              <a:t>spin2</a:t>
+            </a:r>
+          </a:p>
+          <a:p>
+            <a:pPr algn="ctr"/>
+            <a:r>
+              <a:rPr lang="en-US" sz="1600" b="1" dirty="0"/>
+              <a:t>kstack</a:t>
+            </a:r>
+          </a:p>
+        </p:txBody>
+      </p:sp>
+      <p:sp>
+        <p:nvSpPr>
+          <p:cNvPr id="22" name="TextBox 21">
+            <a:extLst>
+              <a:ext uri="{FF2B5EF4-FFF2-40B4-BE49-F238E27FC236}">
+                <a16:creationId xmlns:a16="http://schemas.microsoft.com/office/drawing/2014/main" id="{2231806D-71C4-E146-8D3F-AC08BCB2DE6C}"/>
+              </a:ext>
+            </a:extLst>
+          </p:cNvPr>
+          <p:cNvSpPr txBox="1"/>
+          <p:nvPr/>
+        </p:nvSpPr>
+        <p:spPr>
+          <a:xfrm>
+            <a:off x="3604005" y="2736770"/>
+            <a:ext cx="590418" cy="369332"/>
+          </a:xfrm>
+          <a:prstGeom prst="rect">
+            <a:avLst/>
+          </a:prstGeom>
+          <a:noFill/>
+        </p:spPr>
+        <p:txBody>
+          <a:bodyPr wrap="none" rtlCol="0">
+            <a:spAutoFit/>
+          </a:bodyPr>
+          <a:lstStyle/>
+          <a:p>
+            <a:r>
+              <a:rPr lang="en-US" dirty="0">
+                <a:solidFill>
+                  <a:srgbClr val="FFFF00"/>
+                </a:solidFill>
+              </a:rPr>
+              <a:t>Trap</a:t>
+            </a:r>
+          </a:p>
+        </p:txBody>
+      </p:sp>
+      <p:sp>
+        <p:nvSpPr>
+          <p:cNvPr id="23" name="Right Arrow 22">
+            <a:extLst>
+              <a:ext uri="{FF2B5EF4-FFF2-40B4-BE49-F238E27FC236}">
+                <a16:creationId xmlns:a16="http://schemas.microsoft.com/office/drawing/2014/main" id="{A096617B-5611-9240-AB43-7606FB8B0449}"/>
+              </a:ext>
+            </a:extLst>
+          </p:cNvPr>
+          <p:cNvSpPr/>
+          <p:nvPr/>
+        </p:nvSpPr>
+        <p:spPr>
+          <a:xfrm>
+            <a:off x="4348218" y="4167963"/>
+            <a:ext cx="1393363" cy="350874"/>
+          </a:xfrm>
+          <a:prstGeom prst="rightArrow">
+            <a:avLst/>
+          </a:prstGeom>
+        </p:spPr>
+        <p:style>
+          <a:lnRef idx="2">
+            <a:schemeClr val="accent1">
+              <a:shade val="50000"/>
+            </a:schemeClr>
+          </a:lnRef>
+          <a:fillRef idx="1">
+            <a:schemeClr val="accent1"/>
+          </a:fillRef>
+          <a:effectRef idx="0">
+            <a:schemeClr val="accent1"/>
+          </a:effectRef>
+          <a:fontRef idx="minor">
+            <a:schemeClr val="lt1"/>
+          </a:fontRef>
+        </p:style>
+        <p:txBody>
+          <a:bodyPr rtlCol="0" anchor="ctr"/>
+          <a:lstStyle/>
+          <a:p>
+            <a:pPr algn="ctr"/>
+            <a:endParaRPr lang="en-US"/>
+          </a:p>
+        </p:txBody>
+      </p:sp>
+      <p:sp>
+        <p:nvSpPr>
+          <p:cNvPr id="24" name="TextBox 23">
+            <a:extLst>
+              <a:ext uri="{FF2B5EF4-FFF2-40B4-BE49-F238E27FC236}">
+                <a16:creationId xmlns:a16="http://schemas.microsoft.com/office/drawing/2014/main" id="{A36A9DB6-56FA-3E44-BE9C-83D16884128C}"/>
+              </a:ext>
+            </a:extLst>
+          </p:cNvPr>
+          <p:cNvSpPr txBox="1"/>
+          <p:nvPr/>
+        </p:nvSpPr>
+        <p:spPr>
+          <a:xfrm>
+            <a:off x="8010900" y="2742480"/>
+            <a:ext cx="590418" cy="369332"/>
+          </a:xfrm>
+          <a:prstGeom prst="rect">
+            <a:avLst/>
+          </a:prstGeom>
+          <a:noFill/>
+        </p:spPr>
+        <p:txBody>
+          <a:bodyPr wrap="none" rtlCol="0">
+            <a:spAutoFit/>
+          </a:bodyPr>
+          <a:lstStyle/>
+          <a:p>
+            <a:r>
+              <a:rPr lang="en-US" dirty="0">
+                <a:solidFill>
+                  <a:srgbClr val="FFFF00"/>
+                </a:solidFill>
+              </a:rPr>
+              <a:t>Trap</a:t>
+            </a:r>
+          </a:p>
+        </p:txBody>
+      </p:sp>
+      <p:sp>
+        <p:nvSpPr>
+          <p:cNvPr id="25" name="TextBox 24">
+            <a:extLst>
+              <a:ext uri="{FF2B5EF4-FFF2-40B4-BE49-F238E27FC236}">
+                <a16:creationId xmlns:a16="http://schemas.microsoft.com/office/drawing/2014/main" id="{B59EA1E7-A1DE-1E4C-BD51-AB1B46C66FB4}"/>
+              </a:ext>
+            </a:extLst>
+          </p:cNvPr>
+          <p:cNvSpPr txBox="1"/>
+          <p:nvPr/>
+        </p:nvSpPr>
+        <p:spPr>
+          <a:xfrm>
+            <a:off x="4613898" y="3956567"/>
+            <a:ext cx="732573" cy="369332"/>
+          </a:xfrm>
+          <a:prstGeom prst="rect">
+            <a:avLst/>
+          </a:prstGeom>
+          <a:noFill/>
+        </p:spPr>
+        <p:txBody>
+          <a:bodyPr wrap="none" rtlCol="0">
+            <a:spAutoFit/>
+          </a:bodyPr>
+          <a:lstStyle/>
+          <a:p>
+            <a:r>
+              <a:rPr lang="en-US" dirty="0"/>
+              <a:t>swtch</a:t>
+            </a:r>
+          </a:p>
+        </p:txBody>
+      </p:sp>
+      <p:sp>
+        <p:nvSpPr>
+          <p:cNvPr id="26" name="Right Arrow 25">
+            <a:extLst>
+              <a:ext uri="{FF2B5EF4-FFF2-40B4-BE49-F238E27FC236}">
+                <a16:creationId xmlns:a16="http://schemas.microsoft.com/office/drawing/2014/main" id="{078FAD86-3C42-F04C-8562-4E512B785133}"/>
+              </a:ext>
+            </a:extLst>
+          </p:cNvPr>
+          <p:cNvSpPr/>
+          <p:nvPr/>
+        </p:nvSpPr>
+        <p:spPr>
+          <a:xfrm>
+            <a:off x="6489359" y="4167963"/>
+            <a:ext cx="1393363" cy="350874"/>
+          </a:xfrm>
+          <a:prstGeom prst="rightArrow">
+            <a:avLst/>
+          </a:prstGeom>
+        </p:spPr>
+        <p:style>
+          <a:lnRef idx="2">
+            <a:schemeClr val="accent1">
+              <a:shade val="50000"/>
+            </a:schemeClr>
+          </a:lnRef>
+          <a:fillRef idx="1">
+            <a:schemeClr val="accent1"/>
+          </a:fillRef>
+          <a:effectRef idx="0">
+            <a:schemeClr val="accent1"/>
+          </a:effectRef>
+          <a:fontRef idx="minor">
+            <a:schemeClr val="lt1"/>
+          </a:fontRef>
+        </p:style>
+        <p:txBody>
+          <a:bodyPr rtlCol="0" anchor="ctr"/>
+          <a:lstStyle/>
+          <a:p>
+            <a:pPr algn="ctr"/>
+            <a:endParaRPr lang="en-US"/>
+          </a:p>
+        </p:txBody>
+      </p:sp>
+      <p:sp>
+        <p:nvSpPr>
+          <p:cNvPr id="27" name="TextBox 26">
+            <a:extLst>
+              <a:ext uri="{FF2B5EF4-FFF2-40B4-BE49-F238E27FC236}">
+                <a16:creationId xmlns:a16="http://schemas.microsoft.com/office/drawing/2014/main" id="{01818FFC-D168-004F-9299-B51EE797C2A7}"/>
+              </a:ext>
+            </a:extLst>
+          </p:cNvPr>
+          <p:cNvSpPr txBox="1"/>
+          <p:nvPr/>
+        </p:nvSpPr>
+        <p:spPr>
+          <a:xfrm>
+            <a:off x="6764284" y="3962032"/>
+            <a:ext cx="732573" cy="369332"/>
+          </a:xfrm>
+          <a:prstGeom prst="rect">
+            <a:avLst/>
+          </a:prstGeom>
+          <a:noFill/>
+        </p:spPr>
+        <p:txBody>
+          <a:bodyPr wrap="none" rtlCol="0">
+            <a:spAutoFit/>
+          </a:bodyPr>
+          <a:lstStyle/>
+          <a:p>
+            <a:r>
+              <a:rPr lang="en-US" dirty="0"/>
+              <a:t>swtch</a:t>
             </a:r>
           </a:p>
         </p:txBody>
@@ -9552,6 +10748,4274 @@
     <p:extLst>
       <p:ext uri="{BB962C8B-B14F-4D97-AF65-F5344CB8AC3E}">
         <p14:creationId xmlns:p14="http://schemas.microsoft.com/office/powerpoint/2010/main" val="434740498"/>
+      </p:ext>
+    </p:extLst>
+  </p:cSld>
+  <p:clrMapOvr>
+    <a:masterClrMapping/>
+  </p:clrMapOvr>
+</p:sld>
+</file>
+
+<file path=ppt/slides/slide13.xml><?xml version="1.0" encoding="utf-8"?>
+<p:sld xmlns:a="http://schemas.openxmlformats.org/drawingml/2006/main" xmlns:r="http://schemas.openxmlformats.org/officeDocument/2006/relationships" xmlns:p="http://schemas.openxmlformats.org/presentationml/2006/main">
+  <p:cSld>
+    <p:spTree>
+      <p:nvGrpSpPr>
+        <p:cNvPr id="1" name=""/>
+        <p:cNvGrpSpPr/>
+        <p:nvPr/>
+      </p:nvGrpSpPr>
+      <p:grpSpPr>
+        <a:xfrm>
+          <a:off x="0" y="0"/>
+          <a:ext cx="0" cy="0"/>
+          <a:chOff x="0" y="0"/>
+          <a:chExt cx="0" cy="0"/>
+        </a:xfrm>
+      </p:grpSpPr>
+      <p:sp>
+        <p:nvSpPr>
+          <p:cNvPr id="2" name="TextBox 1">
+            <a:extLst>
+              <a:ext uri="{FF2B5EF4-FFF2-40B4-BE49-F238E27FC236}">
+                <a16:creationId xmlns:a16="http://schemas.microsoft.com/office/drawing/2014/main" id="{A99980E2-A3A9-FD4A-9011-9A37E88F5891}"/>
+              </a:ext>
+            </a:extLst>
+          </p:cNvPr>
+          <p:cNvSpPr txBox="1"/>
+          <p:nvPr/>
+        </p:nvSpPr>
+        <p:spPr>
+          <a:xfrm>
+            <a:off x="1892246" y="377000"/>
+            <a:ext cx="8446926" cy="707886"/>
+          </a:xfrm>
+          <a:prstGeom prst="rect">
+            <a:avLst/>
+          </a:prstGeom>
+          <a:noFill/>
+        </p:spPr>
+        <p:txBody>
+          <a:bodyPr wrap="square" rtlCol="0">
+            <a:spAutoFit/>
+          </a:bodyPr>
+          <a:lstStyle/>
+          <a:p>
+            <a:pPr algn="ctr"/>
+            <a:r>
+              <a:rPr lang="en-US" sz="4000" dirty="0">
+                <a:solidFill>
+                  <a:schemeClr val="accent1">
+                    <a:lumMod val="60000"/>
+                    <a:lumOff val="40000"/>
+                  </a:schemeClr>
+                </a:solidFill>
+              </a:rPr>
+              <a:t>Thread Switching</a:t>
+            </a:r>
+          </a:p>
+        </p:txBody>
+      </p:sp>
+      <p:cxnSp>
+        <p:nvCxnSpPr>
+          <p:cNvPr id="3" name="Straight Connector 2">
+            <a:extLst>
+              <a:ext uri="{FF2B5EF4-FFF2-40B4-BE49-F238E27FC236}">
+                <a16:creationId xmlns:a16="http://schemas.microsoft.com/office/drawing/2014/main" id="{19A17965-90A2-E543-BB60-BF2EFB605B82}"/>
+              </a:ext>
+            </a:extLst>
+          </p:cNvPr>
+          <p:cNvCxnSpPr/>
+          <p:nvPr/>
+        </p:nvCxnSpPr>
+        <p:spPr>
+          <a:xfrm>
+            <a:off x="3242066" y="2954962"/>
+            <a:ext cx="5885794" cy="0"/>
+          </a:xfrm>
+          <a:prstGeom prst="line">
+            <a:avLst/>
+          </a:prstGeom>
+          <a:ln w="9525" cap="flat" cmpd="sng" algn="ctr">
+            <a:solidFill>
+              <a:srgbClr val="FFFF00"/>
+            </a:solidFill>
+            <a:prstDash val="dash"/>
+            <a:round/>
+            <a:headEnd type="none" w="med" len="med"/>
+            <a:tailEnd type="none" w="med" len="med"/>
+          </a:ln>
+        </p:spPr>
+        <p:style>
+          <a:lnRef idx="0">
+            <a:scrgbClr r="0" g="0" b="0"/>
+          </a:lnRef>
+          <a:fillRef idx="0">
+            <a:scrgbClr r="0" g="0" b="0"/>
+          </a:fillRef>
+          <a:effectRef idx="0">
+            <a:scrgbClr r="0" g="0" b="0"/>
+          </a:effectRef>
+          <a:fontRef idx="minor">
+            <a:schemeClr val="tx1"/>
+          </a:fontRef>
+        </p:style>
+      </p:cxnSp>
+      <p:sp>
+        <p:nvSpPr>
+          <p:cNvPr id="4" name="TextBox 3">
+            <a:extLst>
+              <a:ext uri="{FF2B5EF4-FFF2-40B4-BE49-F238E27FC236}">
+                <a16:creationId xmlns:a16="http://schemas.microsoft.com/office/drawing/2014/main" id="{F6453FD3-BD93-2E4B-833C-5A35866E9556}"/>
+              </a:ext>
+            </a:extLst>
+          </p:cNvPr>
+          <p:cNvSpPr txBox="1"/>
+          <p:nvPr/>
+        </p:nvSpPr>
+        <p:spPr>
+          <a:xfrm>
+            <a:off x="5498393" y="2434491"/>
+            <a:ext cx="1234633" cy="369332"/>
+          </a:xfrm>
+          <a:prstGeom prst="rect">
+            <a:avLst/>
+          </a:prstGeom>
+          <a:noFill/>
+        </p:spPr>
+        <p:txBody>
+          <a:bodyPr wrap="none" rtlCol="0">
+            <a:spAutoFit/>
+          </a:bodyPr>
+          <a:lstStyle/>
+          <a:p>
+            <a:r>
+              <a:rPr lang="en-US" b="1" dirty="0">
+                <a:solidFill>
+                  <a:schemeClr val="accent2"/>
+                </a:solidFill>
+              </a:rPr>
+              <a:t>User Space</a:t>
+            </a:r>
+          </a:p>
+        </p:txBody>
+      </p:sp>
+      <p:sp>
+        <p:nvSpPr>
+          <p:cNvPr id="5" name="Rounded Rectangle 4">
+            <a:extLst>
+              <a:ext uri="{FF2B5EF4-FFF2-40B4-BE49-F238E27FC236}">
+                <a16:creationId xmlns:a16="http://schemas.microsoft.com/office/drawing/2014/main" id="{BB8229BF-5F4F-3A43-B81D-529FE7D1B5A1}"/>
+              </a:ext>
+            </a:extLst>
+          </p:cNvPr>
+          <p:cNvSpPr/>
+          <p:nvPr/>
+        </p:nvSpPr>
+        <p:spPr>
+          <a:xfrm>
+            <a:off x="5636739" y="5084431"/>
+            <a:ext cx="918519" cy="939114"/>
+          </a:xfrm>
+          <a:prstGeom prst="roundRect">
+            <a:avLst/>
+          </a:prstGeom>
+          <a:solidFill>
+            <a:srgbClr val="FFFF00"/>
+          </a:solidFill>
+          <a:ln>
+            <a:noFill/>
+          </a:ln>
+        </p:spPr>
+        <p:style>
+          <a:lnRef idx="2">
+            <a:schemeClr val="accent1">
+              <a:shade val="50000"/>
+            </a:schemeClr>
+          </a:lnRef>
+          <a:fillRef idx="1">
+            <a:schemeClr val="accent1"/>
+          </a:fillRef>
+          <a:effectRef idx="0">
+            <a:schemeClr val="accent1"/>
+          </a:effectRef>
+          <a:fontRef idx="minor">
+            <a:schemeClr val="lt1"/>
+          </a:fontRef>
+        </p:style>
+        <p:txBody>
+          <a:bodyPr rtlCol="0" anchor="ctr"/>
+          <a:lstStyle/>
+          <a:p>
+            <a:pPr algn="ctr"/>
+            <a:r>
+              <a:rPr lang="en-US" b="1" dirty="0">
+                <a:solidFill>
+                  <a:schemeClr val="bg1"/>
+                </a:solidFill>
+              </a:rPr>
+              <a:t>CPU</a:t>
+            </a:r>
+          </a:p>
+          <a:p>
+            <a:pPr algn="ctr"/>
+            <a:endParaRPr lang="en-US" b="1" dirty="0">
+              <a:solidFill>
+                <a:schemeClr val="bg1"/>
+              </a:solidFill>
+            </a:endParaRPr>
+          </a:p>
+        </p:txBody>
+      </p:sp>
+      <p:sp>
+        <p:nvSpPr>
+          <p:cNvPr id="7" name="Rounded Rectangle 6">
+            <a:extLst>
+              <a:ext uri="{FF2B5EF4-FFF2-40B4-BE49-F238E27FC236}">
+                <a16:creationId xmlns:a16="http://schemas.microsoft.com/office/drawing/2014/main" id="{69E40667-C65F-F74B-9408-B84762DDE042}"/>
+              </a:ext>
+            </a:extLst>
+          </p:cNvPr>
+          <p:cNvSpPr/>
+          <p:nvPr/>
+        </p:nvSpPr>
+        <p:spPr>
+          <a:xfrm>
+            <a:off x="3465350" y="1512148"/>
+            <a:ext cx="882869" cy="882869"/>
+          </a:xfrm>
+          <a:prstGeom prst="roundRect">
+            <a:avLst/>
+          </a:prstGeom>
+          <a:solidFill>
+            <a:schemeClr val="accent2"/>
+          </a:solidFill>
+          <a:ln>
+            <a:noFill/>
+          </a:ln>
+        </p:spPr>
+        <p:style>
+          <a:lnRef idx="2">
+            <a:schemeClr val="accent1">
+              <a:shade val="50000"/>
+            </a:schemeClr>
+          </a:lnRef>
+          <a:fillRef idx="1">
+            <a:schemeClr val="accent1"/>
+          </a:fillRef>
+          <a:effectRef idx="0">
+            <a:schemeClr val="accent1"/>
+          </a:effectRef>
+          <a:fontRef idx="minor">
+            <a:schemeClr val="lt1"/>
+          </a:fontRef>
+        </p:style>
+        <p:txBody>
+          <a:bodyPr rtlCol="0" anchor="ctr"/>
+          <a:lstStyle/>
+          <a:p>
+            <a:pPr algn="ctr"/>
+            <a:r>
+              <a:rPr lang="en-US" dirty="0"/>
+              <a:t>spin1</a:t>
+            </a:r>
+          </a:p>
+          <a:p>
+            <a:pPr algn="ctr"/>
+            <a:r>
+              <a:rPr lang="en-US" sz="1200" b="1" dirty="0"/>
+              <a:t>echo /</a:t>
+            </a:r>
+          </a:p>
+        </p:txBody>
+      </p:sp>
+      <p:sp>
+        <p:nvSpPr>
+          <p:cNvPr id="8" name="TextBox 7">
+            <a:extLst>
+              <a:ext uri="{FF2B5EF4-FFF2-40B4-BE49-F238E27FC236}">
+                <a16:creationId xmlns:a16="http://schemas.microsoft.com/office/drawing/2014/main" id="{F4B0BF28-A8F2-B24A-8051-E992057724A8}"/>
+              </a:ext>
+            </a:extLst>
+          </p:cNvPr>
+          <p:cNvSpPr txBox="1"/>
+          <p:nvPr/>
+        </p:nvSpPr>
+        <p:spPr>
+          <a:xfrm>
+            <a:off x="5391208" y="3065431"/>
+            <a:ext cx="1410001" cy="369332"/>
+          </a:xfrm>
+          <a:prstGeom prst="rect">
+            <a:avLst/>
+          </a:prstGeom>
+          <a:noFill/>
+        </p:spPr>
+        <p:txBody>
+          <a:bodyPr wrap="none" rtlCol="0">
+            <a:spAutoFit/>
+          </a:bodyPr>
+          <a:lstStyle/>
+          <a:p>
+            <a:r>
+              <a:rPr lang="en-US" b="1" dirty="0">
+                <a:solidFill>
+                  <a:srgbClr val="00B0F0"/>
+                </a:solidFill>
+              </a:rPr>
+              <a:t>Kernel Space</a:t>
+            </a:r>
+          </a:p>
+        </p:txBody>
+      </p:sp>
+      <p:sp>
+        <p:nvSpPr>
+          <p:cNvPr id="9" name="Rounded Rectangle 8">
+            <a:extLst>
+              <a:ext uri="{FF2B5EF4-FFF2-40B4-BE49-F238E27FC236}">
+                <a16:creationId xmlns:a16="http://schemas.microsoft.com/office/drawing/2014/main" id="{C2CABE75-0B5C-B24A-BE78-7ED15B3ED6C0}"/>
+              </a:ext>
+            </a:extLst>
+          </p:cNvPr>
+          <p:cNvSpPr/>
+          <p:nvPr/>
+        </p:nvSpPr>
+        <p:spPr>
+          <a:xfrm>
+            <a:off x="7843783" y="1520455"/>
+            <a:ext cx="882869" cy="882869"/>
+          </a:xfrm>
+          <a:prstGeom prst="roundRect">
+            <a:avLst/>
+          </a:prstGeom>
+          <a:solidFill>
+            <a:schemeClr val="accent2"/>
+          </a:solidFill>
+          <a:ln>
+            <a:noFill/>
+          </a:ln>
+        </p:spPr>
+        <p:style>
+          <a:lnRef idx="2">
+            <a:schemeClr val="accent1">
+              <a:shade val="50000"/>
+            </a:schemeClr>
+          </a:lnRef>
+          <a:fillRef idx="1">
+            <a:schemeClr val="accent1"/>
+          </a:fillRef>
+          <a:effectRef idx="0">
+            <a:schemeClr val="accent1"/>
+          </a:effectRef>
+          <a:fontRef idx="minor">
+            <a:schemeClr val="lt1"/>
+          </a:fontRef>
+        </p:style>
+        <p:txBody>
+          <a:bodyPr rtlCol="0" anchor="ctr"/>
+          <a:lstStyle/>
+          <a:p>
+            <a:pPr algn="ctr"/>
+            <a:r>
+              <a:rPr lang="en-US" dirty="0"/>
+              <a:t>spin2</a:t>
+            </a:r>
+          </a:p>
+          <a:p>
+            <a:pPr algn="ctr"/>
+            <a:r>
+              <a:rPr lang="en-US" sz="1200" b="1" dirty="0"/>
+              <a:t>echo \</a:t>
+            </a:r>
+          </a:p>
+        </p:txBody>
+      </p:sp>
+      <p:sp>
+        <p:nvSpPr>
+          <p:cNvPr id="10" name="Down Arrow 9">
+            <a:extLst>
+              <a:ext uri="{FF2B5EF4-FFF2-40B4-BE49-F238E27FC236}">
+                <a16:creationId xmlns:a16="http://schemas.microsoft.com/office/drawing/2014/main" id="{E6290FDC-C370-DC49-B1E4-D7B0E26755EA}"/>
+              </a:ext>
+            </a:extLst>
+          </p:cNvPr>
+          <p:cNvSpPr/>
+          <p:nvPr/>
+        </p:nvSpPr>
+        <p:spPr>
+          <a:xfrm>
+            <a:off x="3465350" y="2447998"/>
+            <a:ext cx="277310" cy="1103276"/>
+          </a:xfrm>
+          <a:prstGeom prst="downArrow">
+            <a:avLst/>
+          </a:prstGeom>
+          <a:solidFill>
+            <a:srgbClr val="FFFF00"/>
+          </a:solidFill>
+          <a:ln>
+            <a:solidFill>
+              <a:srgbClr val="FF0000"/>
+            </a:solidFill>
+          </a:ln>
+        </p:spPr>
+        <p:style>
+          <a:lnRef idx="2">
+            <a:schemeClr val="accent1">
+              <a:shade val="50000"/>
+            </a:schemeClr>
+          </a:lnRef>
+          <a:fillRef idx="1">
+            <a:schemeClr val="accent1"/>
+          </a:fillRef>
+          <a:effectRef idx="0">
+            <a:schemeClr val="accent1"/>
+          </a:effectRef>
+          <a:fontRef idx="minor">
+            <a:schemeClr val="lt1"/>
+          </a:fontRef>
+        </p:style>
+        <p:txBody>
+          <a:bodyPr rtlCol="0" anchor="ctr"/>
+          <a:lstStyle/>
+          <a:p>
+            <a:pPr algn="ctr"/>
+            <a:endParaRPr lang="en-US"/>
+          </a:p>
+        </p:txBody>
+      </p:sp>
+      <p:sp>
+        <p:nvSpPr>
+          <p:cNvPr id="11" name="Down Arrow 10">
+            <a:extLst>
+              <a:ext uri="{FF2B5EF4-FFF2-40B4-BE49-F238E27FC236}">
+                <a16:creationId xmlns:a16="http://schemas.microsoft.com/office/drawing/2014/main" id="{2D80C02A-B9DB-8D45-8A7D-6D99E3D6D283}"/>
+              </a:ext>
+            </a:extLst>
+          </p:cNvPr>
+          <p:cNvSpPr/>
+          <p:nvPr/>
+        </p:nvSpPr>
+        <p:spPr>
+          <a:xfrm>
+            <a:off x="7882506" y="2447998"/>
+            <a:ext cx="277310" cy="1103276"/>
+          </a:xfrm>
+          <a:prstGeom prst="downArrow">
+            <a:avLst/>
+          </a:prstGeom>
+          <a:solidFill>
+            <a:schemeClr val="accent3"/>
+          </a:solidFill>
+          <a:ln>
+            <a:noFill/>
+          </a:ln>
+        </p:spPr>
+        <p:style>
+          <a:lnRef idx="2">
+            <a:schemeClr val="accent1">
+              <a:shade val="50000"/>
+            </a:schemeClr>
+          </a:lnRef>
+          <a:fillRef idx="1">
+            <a:schemeClr val="accent1"/>
+          </a:fillRef>
+          <a:effectRef idx="0">
+            <a:schemeClr val="accent1"/>
+          </a:effectRef>
+          <a:fontRef idx="minor">
+            <a:schemeClr val="lt1"/>
+          </a:fontRef>
+        </p:style>
+        <p:txBody>
+          <a:bodyPr rtlCol="0" anchor="ctr"/>
+          <a:lstStyle/>
+          <a:p>
+            <a:pPr algn="ctr"/>
+            <a:endParaRPr lang="en-US"/>
+          </a:p>
+        </p:txBody>
+      </p:sp>
+      <p:sp>
+        <p:nvSpPr>
+          <p:cNvPr id="12" name="Up Arrow 11">
+            <a:extLst>
+              <a:ext uri="{FF2B5EF4-FFF2-40B4-BE49-F238E27FC236}">
+                <a16:creationId xmlns:a16="http://schemas.microsoft.com/office/drawing/2014/main" id="{50E464A8-2E20-F141-8DB5-02CB63F20C67}"/>
+              </a:ext>
+            </a:extLst>
+          </p:cNvPr>
+          <p:cNvSpPr/>
+          <p:nvPr/>
+        </p:nvSpPr>
+        <p:spPr>
+          <a:xfrm>
+            <a:off x="4070908" y="2421508"/>
+            <a:ext cx="277310" cy="1103277"/>
+          </a:xfrm>
+          <a:prstGeom prst="upArrow">
+            <a:avLst/>
+          </a:prstGeom>
+          <a:solidFill>
+            <a:schemeClr val="accent3"/>
+          </a:solidFill>
+          <a:ln>
+            <a:noFill/>
+          </a:ln>
+        </p:spPr>
+        <p:style>
+          <a:lnRef idx="2">
+            <a:schemeClr val="accent1">
+              <a:shade val="50000"/>
+            </a:schemeClr>
+          </a:lnRef>
+          <a:fillRef idx="1">
+            <a:schemeClr val="accent1"/>
+          </a:fillRef>
+          <a:effectRef idx="0">
+            <a:schemeClr val="accent1"/>
+          </a:effectRef>
+          <a:fontRef idx="minor">
+            <a:schemeClr val="lt1"/>
+          </a:fontRef>
+        </p:style>
+        <p:txBody>
+          <a:bodyPr rtlCol="0" anchor="ctr"/>
+          <a:lstStyle/>
+          <a:p>
+            <a:pPr algn="ctr"/>
+            <a:endParaRPr lang="en-US" dirty="0"/>
+          </a:p>
+        </p:txBody>
+      </p:sp>
+      <p:sp>
+        <p:nvSpPr>
+          <p:cNvPr id="13" name="Up Arrow 12">
+            <a:extLst>
+              <a:ext uri="{FF2B5EF4-FFF2-40B4-BE49-F238E27FC236}">
+                <a16:creationId xmlns:a16="http://schemas.microsoft.com/office/drawing/2014/main" id="{38E2AA21-257B-1742-A3AD-4432E3C66DEC}"/>
+              </a:ext>
+            </a:extLst>
+          </p:cNvPr>
+          <p:cNvSpPr/>
+          <p:nvPr/>
+        </p:nvSpPr>
+        <p:spPr>
+          <a:xfrm>
+            <a:off x="8410526" y="2434491"/>
+            <a:ext cx="277310" cy="1103277"/>
+          </a:xfrm>
+          <a:prstGeom prst="upArrow">
+            <a:avLst/>
+          </a:prstGeom>
+          <a:solidFill>
+            <a:srgbClr val="FFFF00"/>
+          </a:solidFill>
+          <a:ln>
+            <a:solidFill>
+              <a:srgbClr val="FF0000"/>
+            </a:solidFill>
+          </a:ln>
+        </p:spPr>
+        <p:style>
+          <a:lnRef idx="2">
+            <a:schemeClr val="accent1">
+              <a:shade val="50000"/>
+            </a:schemeClr>
+          </a:lnRef>
+          <a:fillRef idx="1">
+            <a:schemeClr val="accent1"/>
+          </a:fillRef>
+          <a:effectRef idx="0">
+            <a:schemeClr val="accent1"/>
+          </a:effectRef>
+          <a:fontRef idx="minor">
+            <a:schemeClr val="lt1"/>
+          </a:fontRef>
+        </p:style>
+        <p:txBody>
+          <a:bodyPr rtlCol="0" anchor="ctr"/>
+          <a:lstStyle/>
+          <a:p>
+            <a:pPr algn="ctr"/>
+            <a:endParaRPr lang="en-US" dirty="0"/>
+          </a:p>
+        </p:txBody>
+      </p:sp>
+      <p:sp>
+        <p:nvSpPr>
+          <p:cNvPr id="15" name="Rectangle 14">
+            <a:extLst>
+              <a:ext uri="{FF2B5EF4-FFF2-40B4-BE49-F238E27FC236}">
+                <a16:creationId xmlns:a16="http://schemas.microsoft.com/office/drawing/2014/main" id="{F8305DCD-4712-4D4D-A6A8-DA2700602D50}"/>
+              </a:ext>
+            </a:extLst>
+          </p:cNvPr>
+          <p:cNvSpPr/>
+          <p:nvPr/>
+        </p:nvSpPr>
+        <p:spPr>
+          <a:xfrm>
+            <a:off x="3668367" y="3714527"/>
+            <a:ext cx="495096" cy="1103276"/>
+          </a:xfrm>
+          <a:prstGeom prst="rect">
+            <a:avLst/>
+          </a:prstGeom>
+        </p:spPr>
+        <p:style>
+          <a:lnRef idx="2">
+            <a:schemeClr val="accent1">
+              <a:shade val="50000"/>
+            </a:schemeClr>
+          </a:lnRef>
+          <a:fillRef idx="1">
+            <a:schemeClr val="accent1"/>
+          </a:fillRef>
+          <a:effectRef idx="0">
+            <a:schemeClr val="accent1"/>
+          </a:effectRef>
+          <a:fontRef idx="minor">
+            <a:schemeClr val="lt1"/>
+          </a:fontRef>
+        </p:style>
+        <p:txBody>
+          <a:bodyPr rtlCol="0" anchor="ctr"/>
+          <a:lstStyle/>
+          <a:p>
+            <a:pPr algn="ctr"/>
+            <a:r>
+              <a:rPr lang="en-US" sz="800" dirty="0"/>
+              <a:t>Spin1</a:t>
+            </a:r>
+          </a:p>
+          <a:p>
+            <a:pPr algn="ctr"/>
+            <a:r>
+              <a:rPr lang="en-US" sz="1200" dirty="0"/>
+              <a:t>S</a:t>
+            </a:r>
+          </a:p>
+          <a:p>
+            <a:pPr algn="ctr"/>
+            <a:r>
+              <a:rPr lang="en-US" sz="1200" dirty="0"/>
+              <a:t>PC</a:t>
+            </a:r>
+          </a:p>
+          <a:p>
+            <a:pPr algn="ctr"/>
+            <a:r>
+              <a:rPr lang="en-US" sz="1200" dirty="0"/>
+              <a:t>REG</a:t>
+            </a:r>
+          </a:p>
+        </p:txBody>
+      </p:sp>
+      <p:sp>
+        <p:nvSpPr>
+          <p:cNvPr id="16" name="Rectangle 15">
+            <a:extLst>
+              <a:ext uri="{FF2B5EF4-FFF2-40B4-BE49-F238E27FC236}">
+                <a16:creationId xmlns:a16="http://schemas.microsoft.com/office/drawing/2014/main" id="{3A90F5DF-A714-8C40-B0C3-B1F5B2C0E6BB}"/>
+              </a:ext>
+            </a:extLst>
+          </p:cNvPr>
+          <p:cNvSpPr/>
+          <p:nvPr/>
+        </p:nvSpPr>
+        <p:spPr>
+          <a:xfrm>
+            <a:off x="5848451" y="3714527"/>
+            <a:ext cx="495096" cy="1103276"/>
+          </a:xfrm>
+          <a:prstGeom prst="rect">
+            <a:avLst/>
+          </a:prstGeom>
+        </p:spPr>
+        <p:style>
+          <a:lnRef idx="2">
+            <a:schemeClr val="accent1">
+              <a:shade val="50000"/>
+            </a:schemeClr>
+          </a:lnRef>
+          <a:fillRef idx="1">
+            <a:schemeClr val="accent1"/>
+          </a:fillRef>
+          <a:effectRef idx="0">
+            <a:schemeClr val="accent1"/>
+          </a:effectRef>
+          <a:fontRef idx="minor">
+            <a:schemeClr val="lt1"/>
+          </a:fontRef>
+        </p:style>
+        <p:txBody>
+          <a:bodyPr rtlCol="0" anchor="ctr"/>
+          <a:lstStyle/>
+          <a:p>
+            <a:pPr algn="ctr"/>
+            <a:r>
+              <a:rPr lang="en-US" sz="1200" dirty="0"/>
+              <a:t>S</a:t>
+            </a:r>
+          </a:p>
+          <a:p>
+            <a:pPr algn="ctr"/>
+            <a:r>
+              <a:rPr lang="en-US" sz="1200" dirty="0"/>
+              <a:t>PC</a:t>
+            </a:r>
+            <a:br>
+              <a:rPr lang="en-US" sz="1200" dirty="0"/>
+            </a:br>
+            <a:r>
+              <a:rPr lang="en-US" sz="1200" dirty="0"/>
+              <a:t>REG</a:t>
+            </a:r>
+          </a:p>
+        </p:txBody>
+      </p:sp>
+      <p:sp>
+        <p:nvSpPr>
+          <p:cNvPr id="20" name="TextBox 19">
+            <a:extLst>
+              <a:ext uri="{FF2B5EF4-FFF2-40B4-BE49-F238E27FC236}">
+                <a16:creationId xmlns:a16="http://schemas.microsoft.com/office/drawing/2014/main" id="{D04D40BB-E1C2-F348-B28D-8468D828719F}"/>
+              </a:ext>
+            </a:extLst>
+          </p:cNvPr>
+          <p:cNvSpPr txBox="1"/>
+          <p:nvPr/>
+        </p:nvSpPr>
+        <p:spPr>
+          <a:xfrm>
+            <a:off x="5600986" y="3429000"/>
+            <a:ext cx="1029449" cy="584775"/>
+          </a:xfrm>
+          <a:prstGeom prst="rect">
+            <a:avLst/>
+          </a:prstGeom>
+          <a:noFill/>
+        </p:spPr>
+        <p:txBody>
+          <a:bodyPr wrap="none" rtlCol="0">
+            <a:spAutoFit/>
+          </a:bodyPr>
+          <a:lstStyle/>
+          <a:p>
+            <a:r>
+              <a:rPr lang="en-US" sz="1600" b="1" dirty="0"/>
+              <a:t>Scheduler</a:t>
+            </a:r>
+          </a:p>
+          <a:p>
+            <a:pPr algn="ctr"/>
+            <a:r>
+              <a:rPr lang="en-US" sz="1600" b="1" dirty="0"/>
+              <a:t>Context</a:t>
+            </a:r>
+          </a:p>
+        </p:txBody>
+      </p:sp>
+      <p:sp>
+        <p:nvSpPr>
+          <p:cNvPr id="22" name="TextBox 21">
+            <a:extLst>
+              <a:ext uri="{FF2B5EF4-FFF2-40B4-BE49-F238E27FC236}">
+                <a16:creationId xmlns:a16="http://schemas.microsoft.com/office/drawing/2014/main" id="{2231806D-71C4-E146-8D3F-AC08BCB2DE6C}"/>
+              </a:ext>
+            </a:extLst>
+          </p:cNvPr>
+          <p:cNvSpPr txBox="1"/>
+          <p:nvPr/>
+        </p:nvSpPr>
+        <p:spPr>
+          <a:xfrm>
+            <a:off x="3604005" y="2736770"/>
+            <a:ext cx="590418" cy="369332"/>
+          </a:xfrm>
+          <a:prstGeom prst="rect">
+            <a:avLst/>
+          </a:prstGeom>
+          <a:noFill/>
+        </p:spPr>
+        <p:txBody>
+          <a:bodyPr wrap="none" rtlCol="0">
+            <a:spAutoFit/>
+          </a:bodyPr>
+          <a:lstStyle/>
+          <a:p>
+            <a:r>
+              <a:rPr lang="en-US" dirty="0">
+                <a:solidFill>
+                  <a:srgbClr val="FFFF00"/>
+                </a:solidFill>
+              </a:rPr>
+              <a:t>Trap</a:t>
+            </a:r>
+          </a:p>
+        </p:txBody>
+      </p:sp>
+      <p:sp>
+        <p:nvSpPr>
+          <p:cNvPr id="23" name="Right Arrow 22">
+            <a:extLst>
+              <a:ext uri="{FF2B5EF4-FFF2-40B4-BE49-F238E27FC236}">
+                <a16:creationId xmlns:a16="http://schemas.microsoft.com/office/drawing/2014/main" id="{A096617B-5611-9240-AB43-7606FB8B0449}"/>
+              </a:ext>
+            </a:extLst>
+          </p:cNvPr>
+          <p:cNvSpPr/>
+          <p:nvPr/>
+        </p:nvSpPr>
+        <p:spPr>
+          <a:xfrm>
+            <a:off x="4455007" y="4707969"/>
+            <a:ext cx="1151495" cy="350874"/>
+          </a:xfrm>
+          <a:prstGeom prst="rightArrow">
+            <a:avLst/>
+          </a:prstGeom>
+        </p:spPr>
+        <p:style>
+          <a:lnRef idx="2">
+            <a:schemeClr val="accent1">
+              <a:shade val="50000"/>
+            </a:schemeClr>
+          </a:lnRef>
+          <a:fillRef idx="1">
+            <a:schemeClr val="accent1"/>
+          </a:fillRef>
+          <a:effectRef idx="0">
+            <a:schemeClr val="accent1"/>
+          </a:effectRef>
+          <a:fontRef idx="minor">
+            <a:schemeClr val="lt1"/>
+          </a:fontRef>
+        </p:style>
+        <p:txBody>
+          <a:bodyPr rtlCol="0" anchor="ctr"/>
+          <a:lstStyle/>
+          <a:p>
+            <a:pPr algn="ctr"/>
+            <a:endParaRPr lang="en-US"/>
+          </a:p>
+        </p:txBody>
+      </p:sp>
+      <p:sp>
+        <p:nvSpPr>
+          <p:cNvPr id="24" name="TextBox 23">
+            <a:extLst>
+              <a:ext uri="{FF2B5EF4-FFF2-40B4-BE49-F238E27FC236}">
+                <a16:creationId xmlns:a16="http://schemas.microsoft.com/office/drawing/2014/main" id="{A36A9DB6-56FA-3E44-BE9C-83D16884128C}"/>
+              </a:ext>
+            </a:extLst>
+          </p:cNvPr>
+          <p:cNvSpPr txBox="1"/>
+          <p:nvPr/>
+        </p:nvSpPr>
+        <p:spPr>
+          <a:xfrm>
+            <a:off x="8010900" y="2742480"/>
+            <a:ext cx="590418" cy="369332"/>
+          </a:xfrm>
+          <a:prstGeom prst="rect">
+            <a:avLst/>
+          </a:prstGeom>
+          <a:noFill/>
+        </p:spPr>
+        <p:txBody>
+          <a:bodyPr wrap="none" rtlCol="0">
+            <a:spAutoFit/>
+          </a:bodyPr>
+          <a:lstStyle/>
+          <a:p>
+            <a:r>
+              <a:rPr lang="en-US" dirty="0">
+                <a:solidFill>
+                  <a:srgbClr val="FFFF00"/>
+                </a:solidFill>
+              </a:rPr>
+              <a:t>Trap</a:t>
+            </a:r>
+          </a:p>
+        </p:txBody>
+      </p:sp>
+      <p:sp>
+        <p:nvSpPr>
+          <p:cNvPr id="25" name="TextBox 24">
+            <a:extLst>
+              <a:ext uri="{FF2B5EF4-FFF2-40B4-BE49-F238E27FC236}">
+                <a16:creationId xmlns:a16="http://schemas.microsoft.com/office/drawing/2014/main" id="{B59EA1E7-A1DE-1E4C-BD51-AB1B46C66FB4}"/>
+              </a:ext>
+            </a:extLst>
+          </p:cNvPr>
+          <p:cNvSpPr txBox="1"/>
+          <p:nvPr/>
+        </p:nvSpPr>
+        <p:spPr>
+          <a:xfrm>
+            <a:off x="4578133" y="4476860"/>
+            <a:ext cx="732573" cy="369332"/>
+          </a:xfrm>
+          <a:prstGeom prst="rect">
+            <a:avLst/>
+          </a:prstGeom>
+          <a:noFill/>
+        </p:spPr>
+        <p:txBody>
+          <a:bodyPr wrap="none" rtlCol="0">
+            <a:spAutoFit/>
+          </a:bodyPr>
+          <a:lstStyle/>
+          <a:p>
+            <a:r>
+              <a:rPr lang="en-US" dirty="0"/>
+              <a:t>swtch</a:t>
+            </a:r>
+          </a:p>
+        </p:txBody>
+      </p:sp>
+      <p:sp>
+        <p:nvSpPr>
+          <p:cNvPr id="27" name="TextBox 26">
+            <a:extLst>
+              <a:ext uri="{FF2B5EF4-FFF2-40B4-BE49-F238E27FC236}">
+                <a16:creationId xmlns:a16="http://schemas.microsoft.com/office/drawing/2014/main" id="{01818FFC-D168-004F-9299-B51EE797C2A7}"/>
+              </a:ext>
+            </a:extLst>
+          </p:cNvPr>
+          <p:cNvSpPr txBox="1"/>
+          <p:nvPr/>
+        </p:nvSpPr>
+        <p:spPr>
+          <a:xfrm>
+            <a:off x="6806373" y="4448471"/>
+            <a:ext cx="732573" cy="369332"/>
+          </a:xfrm>
+          <a:prstGeom prst="rect">
+            <a:avLst/>
+          </a:prstGeom>
+          <a:noFill/>
+        </p:spPr>
+        <p:txBody>
+          <a:bodyPr wrap="none" rtlCol="0">
+            <a:spAutoFit/>
+          </a:bodyPr>
+          <a:lstStyle/>
+          <a:p>
+            <a:r>
+              <a:rPr lang="en-US" dirty="0"/>
+              <a:t>swtch</a:t>
+            </a:r>
+          </a:p>
+        </p:txBody>
+      </p:sp>
+      <p:sp>
+        <p:nvSpPr>
+          <p:cNvPr id="6" name="Rectangle 5">
+            <a:extLst>
+              <a:ext uri="{FF2B5EF4-FFF2-40B4-BE49-F238E27FC236}">
+                <a16:creationId xmlns:a16="http://schemas.microsoft.com/office/drawing/2014/main" id="{4ADE9D84-9B52-1444-A865-E3A06BD537F5}"/>
+              </a:ext>
+            </a:extLst>
+          </p:cNvPr>
+          <p:cNvSpPr/>
+          <p:nvPr/>
+        </p:nvSpPr>
+        <p:spPr>
+          <a:xfrm>
+            <a:off x="2942621" y="1345956"/>
+            <a:ext cx="414670" cy="1039184"/>
+          </a:xfrm>
+          <a:prstGeom prst="rect">
+            <a:avLst/>
+          </a:prstGeom>
+          <a:solidFill>
+            <a:schemeClr val="accent2"/>
+          </a:solidFill>
+          <a:ln>
+            <a:noFill/>
+          </a:ln>
+        </p:spPr>
+        <p:style>
+          <a:lnRef idx="2">
+            <a:schemeClr val="accent1">
+              <a:shade val="50000"/>
+            </a:schemeClr>
+          </a:lnRef>
+          <a:fillRef idx="1">
+            <a:schemeClr val="accent1"/>
+          </a:fillRef>
+          <a:effectRef idx="0">
+            <a:schemeClr val="accent1"/>
+          </a:effectRef>
+          <a:fontRef idx="minor">
+            <a:schemeClr val="lt1"/>
+          </a:fontRef>
+        </p:style>
+        <p:txBody>
+          <a:bodyPr rtlCol="0" anchor="ctr"/>
+          <a:lstStyle/>
+          <a:p>
+            <a:pPr algn="ctr"/>
+            <a:r>
+              <a:rPr lang="en-US" sz="800" dirty="0"/>
+              <a:t>Spin1</a:t>
+            </a:r>
+          </a:p>
+          <a:p>
+            <a:pPr algn="ctr"/>
+            <a:r>
+              <a:rPr lang="en-US" sz="1200" dirty="0"/>
+              <a:t>S</a:t>
+            </a:r>
+          </a:p>
+          <a:p>
+            <a:pPr algn="ctr"/>
+            <a:r>
+              <a:rPr lang="en-US" sz="1200" dirty="0"/>
+              <a:t>PC</a:t>
+            </a:r>
+          </a:p>
+          <a:p>
+            <a:pPr algn="ctr"/>
+            <a:r>
+              <a:rPr lang="en-US" sz="1000" dirty="0"/>
+              <a:t>REG</a:t>
+            </a:r>
+          </a:p>
+          <a:p>
+            <a:pPr algn="ctr"/>
+            <a:endParaRPr lang="en-US" sz="1200" dirty="0"/>
+          </a:p>
+        </p:txBody>
+      </p:sp>
+      <p:sp>
+        <p:nvSpPr>
+          <p:cNvPr id="14" name="TextBox 13">
+            <a:extLst>
+              <a:ext uri="{FF2B5EF4-FFF2-40B4-BE49-F238E27FC236}">
+                <a16:creationId xmlns:a16="http://schemas.microsoft.com/office/drawing/2014/main" id="{2EE601D0-29DA-7D4B-97E4-486DA8259BC6}"/>
+              </a:ext>
+            </a:extLst>
+          </p:cNvPr>
+          <p:cNvSpPr txBox="1"/>
+          <p:nvPr/>
+        </p:nvSpPr>
+        <p:spPr>
+          <a:xfrm>
+            <a:off x="2652127" y="1113853"/>
+            <a:ext cx="995657" cy="276999"/>
+          </a:xfrm>
+          <a:prstGeom prst="rect">
+            <a:avLst/>
+          </a:prstGeom>
+          <a:noFill/>
+        </p:spPr>
+        <p:txBody>
+          <a:bodyPr wrap="none" rtlCol="0">
+            <a:spAutoFit/>
+          </a:bodyPr>
+          <a:lstStyle/>
+          <a:p>
+            <a:r>
+              <a:rPr lang="en-US" sz="1200" dirty="0"/>
+              <a:t>User Context</a:t>
+            </a:r>
+          </a:p>
+        </p:txBody>
+      </p:sp>
+      <p:sp>
+        <p:nvSpPr>
+          <p:cNvPr id="28" name="Rectangle 27">
+            <a:extLst>
+              <a:ext uri="{FF2B5EF4-FFF2-40B4-BE49-F238E27FC236}">
+                <a16:creationId xmlns:a16="http://schemas.microsoft.com/office/drawing/2014/main" id="{B6F21BB2-EBFB-A544-AC62-5F490A4C299C}"/>
+              </a:ext>
+            </a:extLst>
+          </p:cNvPr>
+          <p:cNvSpPr/>
+          <p:nvPr/>
+        </p:nvSpPr>
+        <p:spPr>
+          <a:xfrm>
+            <a:off x="2932810" y="2453554"/>
+            <a:ext cx="414670" cy="1039184"/>
+          </a:xfrm>
+          <a:prstGeom prst="rect">
+            <a:avLst/>
+          </a:prstGeom>
+          <a:solidFill>
+            <a:srgbClr val="FFFF00"/>
+          </a:solidFill>
+          <a:ln>
+            <a:solidFill>
+              <a:srgbClr val="FFFF00"/>
+            </a:solidFill>
+          </a:ln>
+        </p:spPr>
+        <p:style>
+          <a:lnRef idx="2">
+            <a:schemeClr val="accent1">
+              <a:shade val="50000"/>
+            </a:schemeClr>
+          </a:lnRef>
+          <a:fillRef idx="1">
+            <a:schemeClr val="accent1"/>
+          </a:fillRef>
+          <a:effectRef idx="0">
+            <a:schemeClr val="accent1"/>
+          </a:effectRef>
+          <a:fontRef idx="minor">
+            <a:schemeClr val="lt1"/>
+          </a:fontRef>
+        </p:style>
+        <p:txBody>
+          <a:bodyPr rtlCol="0" anchor="ctr"/>
+          <a:lstStyle/>
+          <a:p>
+            <a:pPr algn="ctr"/>
+            <a:r>
+              <a:rPr lang="en-US" sz="800" dirty="0">
+                <a:solidFill>
+                  <a:schemeClr val="bg1"/>
+                </a:solidFill>
+              </a:rPr>
+              <a:t>Spin1</a:t>
+            </a:r>
+          </a:p>
+          <a:p>
+            <a:pPr algn="ctr"/>
+            <a:r>
+              <a:rPr lang="en-US" sz="1200" dirty="0">
+                <a:solidFill>
+                  <a:schemeClr val="bg1"/>
+                </a:solidFill>
+              </a:rPr>
+              <a:t>S</a:t>
+            </a:r>
+          </a:p>
+          <a:p>
+            <a:pPr algn="ctr"/>
+            <a:r>
+              <a:rPr lang="en-US" sz="1200" dirty="0">
+                <a:solidFill>
+                  <a:schemeClr val="bg1"/>
+                </a:solidFill>
+              </a:rPr>
+              <a:t>PC</a:t>
+            </a:r>
+          </a:p>
+          <a:p>
+            <a:pPr algn="ctr"/>
+            <a:r>
+              <a:rPr lang="en-US" sz="1000" dirty="0">
+                <a:solidFill>
+                  <a:schemeClr val="bg1"/>
+                </a:solidFill>
+              </a:rPr>
+              <a:t>REG</a:t>
+            </a:r>
+          </a:p>
+          <a:p>
+            <a:pPr algn="ctr"/>
+            <a:endParaRPr lang="en-US" sz="1200" dirty="0">
+              <a:solidFill>
+                <a:schemeClr val="bg1"/>
+              </a:solidFill>
+            </a:endParaRPr>
+          </a:p>
+        </p:txBody>
+      </p:sp>
+      <p:sp>
+        <p:nvSpPr>
+          <p:cNvPr id="29" name="TextBox 28">
+            <a:extLst>
+              <a:ext uri="{FF2B5EF4-FFF2-40B4-BE49-F238E27FC236}">
+                <a16:creationId xmlns:a16="http://schemas.microsoft.com/office/drawing/2014/main" id="{18E1EDCB-DBA2-8043-A8DD-7B9556D17C4D}"/>
+              </a:ext>
+            </a:extLst>
+          </p:cNvPr>
+          <p:cNvSpPr txBox="1"/>
+          <p:nvPr/>
+        </p:nvSpPr>
+        <p:spPr>
+          <a:xfrm>
+            <a:off x="2695218" y="3460082"/>
+            <a:ext cx="883768" cy="276999"/>
+          </a:xfrm>
+          <a:prstGeom prst="rect">
+            <a:avLst/>
+          </a:prstGeom>
+          <a:noFill/>
+        </p:spPr>
+        <p:txBody>
+          <a:bodyPr wrap="none" rtlCol="0">
+            <a:spAutoFit/>
+          </a:bodyPr>
+          <a:lstStyle/>
+          <a:p>
+            <a:r>
+              <a:rPr lang="en-US" sz="1200" dirty="0"/>
+              <a:t>Trap Frame</a:t>
+            </a:r>
+          </a:p>
+        </p:txBody>
+      </p:sp>
+      <p:sp>
+        <p:nvSpPr>
+          <p:cNvPr id="30" name="Rectangle 29">
+            <a:extLst>
+              <a:ext uri="{FF2B5EF4-FFF2-40B4-BE49-F238E27FC236}">
+                <a16:creationId xmlns:a16="http://schemas.microsoft.com/office/drawing/2014/main" id="{77A4C43E-B3D3-C042-9C2B-3422922CB22E}"/>
+              </a:ext>
+            </a:extLst>
+          </p:cNvPr>
+          <p:cNvSpPr/>
+          <p:nvPr/>
+        </p:nvSpPr>
+        <p:spPr>
+          <a:xfrm>
+            <a:off x="759863" y="1768766"/>
+            <a:ext cx="1096360" cy="4189228"/>
+          </a:xfrm>
+          <a:prstGeom prst="rect">
+            <a:avLst/>
+          </a:prstGeom>
+          <a:solidFill>
+            <a:schemeClr val="accent2"/>
+          </a:solidFill>
+        </p:spPr>
+        <p:style>
+          <a:lnRef idx="2">
+            <a:schemeClr val="accent1">
+              <a:shade val="50000"/>
+            </a:schemeClr>
+          </a:lnRef>
+          <a:fillRef idx="1">
+            <a:schemeClr val="accent1"/>
+          </a:fillRef>
+          <a:effectRef idx="0">
+            <a:schemeClr val="accent1"/>
+          </a:effectRef>
+          <a:fontRef idx="minor">
+            <a:schemeClr val="lt1"/>
+          </a:fontRef>
+        </p:style>
+        <p:txBody>
+          <a:bodyPr rtlCol="0" anchor="ctr"/>
+          <a:lstStyle/>
+          <a:p>
+            <a:pPr algn="ctr"/>
+            <a:endParaRPr lang="en-US"/>
+          </a:p>
+        </p:txBody>
+      </p:sp>
+      <p:sp>
+        <p:nvSpPr>
+          <p:cNvPr id="31" name="TextBox 30">
+            <a:extLst>
+              <a:ext uri="{FF2B5EF4-FFF2-40B4-BE49-F238E27FC236}">
+                <a16:creationId xmlns:a16="http://schemas.microsoft.com/office/drawing/2014/main" id="{710C0CBA-87AE-0047-81E5-B38C6FE2A350}"/>
+              </a:ext>
+            </a:extLst>
+          </p:cNvPr>
+          <p:cNvSpPr txBox="1"/>
+          <p:nvPr/>
+        </p:nvSpPr>
+        <p:spPr>
+          <a:xfrm>
+            <a:off x="709898" y="1461940"/>
+            <a:ext cx="1196290" cy="369332"/>
+          </a:xfrm>
+          <a:prstGeom prst="rect">
+            <a:avLst/>
+          </a:prstGeom>
+          <a:noFill/>
+        </p:spPr>
+        <p:txBody>
+          <a:bodyPr wrap="none" rtlCol="0">
+            <a:spAutoFit/>
+          </a:bodyPr>
+          <a:lstStyle/>
+          <a:p>
+            <a:r>
+              <a:rPr lang="en-US" dirty="0"/>
+              <a:t>struct proc</a:t>
+            </a:r>
+          </a:p>
+        </p:txBody>
+      </p:sp>
+      <p:sp>
+        <p:nvSpPr>
+          <p:cNvPr id="32" name="Rectangle 31">
+            <a:extLst>
+              <a:ext uri="{FF2B5EF4-FFF2-40B4-BE49-F238E27FC236}">
+                <a16:creationId xmlns:a16="http://schemas.microsoft.com/office/drawing/2014/main" id="{32D22854-7CEB-7C44-917E-3A62A37FC99F}"/>
+              </a:ext>
+            </a:extLst>
+          </p:cNvPr>
+          <p:cNvSpPr/>
+          <p:nvPr/>
+        </p:nvSpPr>
+        <p:spPr>
+          <a:xfrm>
+            <a:off x="759863" y="1953582"/>
+            <a:ext cx="1096360" cy="693925"/>
+          </a:xfrm>
+          <a:prstGeom prst="rect">
+            <a:avLst/>
+          </a:prstGeom>
+          <a:solidFill>
+            <a:schemeClr val="accent2"/>
+          </a:solidFill>
+        </p:spPr>
+        <p:style>
+          <a:lnRef idx="2">
+            <a:schemeClr val="accent1">
+              <a:shade val="50000"/>
+            </a:schemeClr>
+          </a:lnRef>
+          <a:fillRef idx="1">
+            <a:schemeClr val="accent1"/>
+          </a:fillRef>
+          <a:effectRef idx="0">
+            <a:schemeClr val="accent1"/>
+          </a:effectRef>
+          <a:fontRef idx="minor">
+            <a:schemeClr val="lt1"/>
+          </a:fontRef>
+        </p:style>
+        <p:txBody>
+          <a:bodyPr rtlCol="0" anchor="ctr"/>
+          <a:lstStyle/>
+          <a:p>
+            <a:pPr algn="ctr"/>
+            <a:r>
+              <a:rPr lang="en-US" dirty="0"/>
+              <a:t>…</a:t>
+            </a:r>
+          </a:p>
+        </p:txBody>
+      </p:sp>
+      <p:sp>
+        <p:nvSpPr>
+          <p:cNvPr id="33" name="Rectangle 32">
+            <a:extLst>
+              <a:ext uri="{FF2B5EF4-FFF2-40B4-BE49-F238E27FC236}">
+                <a16:creationId xmlns:a16="http://schemas.microsoft.com/office/drawing/2014/main" id="{DC126ED5-3927-F948-8596-176CAA07E7BC}"/>
+              </a:ext>
+            </a:extLst>
+          </p:cNvPr>
+          <p:cNvSpPr/>
+          <p:nvPr/>
+        </p:nvSpPr>
+        <p:spPr>
+          <a:xfrm>
+            <a:off x="759863" y="2759722"/>
+            <a:ext cx="1096360" cy="426847"/>
+          </a:xfrm>
+          <a:prstGeom prst="rect">
+            <a:avLst/>
+          </a:prstGeom>
+          <a:solidFill>
+            <a:srgbClr val="FFFF00"/>
+          </a:solidFill>
+        </p:spPr>
+        <p:style>
+          <a:lnRef idx="2">
+            <a:schemeClr val="accent1">
+              <a:shade val="50000"/>
+            </a:schemeClr>
+          </a:lnRef>
+          <a:fillRef idx="1">
+            <a:schemeClr val="accent1"/>
+          </a:fillRef>
+          <a:effectRef idx="0">
+            <a:schemeClr val="accent1"/>
+          </a:effectRef>
+          <a:fontRef idx="minor">
+            <a:schemeClr val="lt1"/>
+          </a:fontRef>
+        </p:style>
+        <p:txBody>
+          <a:bodyPr rtlCol="0" anchor="ctr"/>
+          <a:lstStyle/>
+          <a:p>
+            <a:pPr algn="ctr"/>
+            <a:r>
+              <a:rPr lang="en-US" sz="1200" dirty="0">
+                <a:solidFill>
+                  <a:schemeClr val="bg1"/>
+                </a:solidFill>
+              </a:rPr>
+              <a:t>Trap Frame</a:t>
+            </a:r>
+          </a:p>
+        </p:txBody>
+      </p:sp>
+      <p:cxnSp>
+        <p:nvCxnSpPr>
+          <p:cNvPr id="35" name="Straight Arrow Connector 34">
+            <a:extLst>
+              <a:ext uri="{FF2B5EF4-FFF2-40B4-BE49-F238E27FC236}">
+                <a16:creationId xmlns:a16="http://schemas.microsoft.com/office/drawing/2014/main" id="{709D5E42-3805-724E-88DD-8159945A9434}"/>
+              </a:ext>
+            </a:extLst>
+          </p:cNvPr>
+          <p:cNvCxnSpPr>
+            <a:stCxn id="33" idx="3"/>
+            <a:endCxn id="28" idx="1"/>
+          </p:cNvCxnSpPr>
+          <p:nvPr/>
+        </p:nvCxnSpPr>
+        <p:spPr>
+          <a:xfrm>
+            <a:off x="1856223" y="2973146"/>
+            <a:ext cx="1076587" cy="0"/>
+          </a:xfrm>
+          <a:prstGeom prst="straightConnector1">
+            <a:avLst/>
+          </a:prstGeom>
+          <a:ln>
+            <a:tailEnd type="triangle"/>
+          </a:ln>
+        </p:spPr>
+        <p:style>
+          <a:lnRef idx="2">
+            <a:schemeClr val="accent1"/>
+          </a:lnRef>
+          <a:fillRef idx="0">
+            <a:schemeClr val="accent1"/>
+          </a:fillRef>
+          <a:effectRef idx="1">
+            <a:schemeClr val="accent1"/>
+          </a:effectRef>
+          <a:fontRef idx="minor">
+            <a:schemeClr val="tx1"/>
+          </a:fontRef>
+        </p:style>
+      </p:cxnSp>
+      <p:sp>
+        <p:nvSpPr>
+          <p:cNvPr id="40" name="Rectangle 39">
+            <a:extLst>
+              <a:ext uri="{FF2B5EF4-FFF2-40B4-BE49-F238E27FC236}">
+                <a16:creationId xmlns:a16="http://schemas.microsoft.com/office/drawing/2014/main" id="{E45CC443-2440-2043-B90E-8D5E695141A3}"/>
+              </a:ext>
+            </a:extLst>
+          </p:cNvPr>
+          <p:cNvSpPr/>
+          <p:nvPr/>
+        </p:nvSpPr>
+        <p:spPr>
+          <a:xfrm>
+            <a:off x="759863" y="4052741"/>
+            <a:ext cx="1096360" cy="426847"/>
+          </a:xfrm>
+          <a:prstGeom prst="rect">
+            <a:avLst/>
+          </a:prstGeom>
+          <a:solidFill>
+            <a:srgbClr val="0070C0"/>
+          </a:solidFill>
+        </p:spPr>
+        <p:style>
+          <a:lnRef idx="2">
+            <a:schemeClr val="accent1">
+              <a:shade val="50000"/>
+            </a:schemeClr>
+          </a:lnRef>
+          <a:fillRef idx="1">
+            <a:schemeClr val="accent1"/>
+          </a:fillRef>
+          <a:effectRef idx="0">
+            <a:schemeClr val="accent1"/>
+          </a:effectRef>
+          <a:fontRef idx="minor">
+            <a:schemeClr val="lt1"/>
+          </a:fontRef>
+        </p:style>
+        <p:txBody>
+          <a:bodyPr rtlCol="0" anchor="ctr"/>
+          <a:lstStyle/>
+          <a:p>
+            <a:pPr algn="ctr"/>
+            <a:r>
+              <a:rPr lang="en-US" sz="1200" dirty="0">
+                <a:solidFill>
+                  <a:schemeClr val="bg1"/>
+                </a:solidFill>
+              </a:rPr>
+              <a:t>Kernel</a:t>
+            </a:r>
+          </a:p>
+          <a:p>
+            <a:pPr algn="ctr"/>
+            <a:r>
+              <a:rPr lang="en-US" sz="1200" dirty="0">
+                <a:solidFill>
+                  <a:schemeClr val="bg1"/>
+                </a:solidFill>
+              </a:rPr>
+              <a:t>stack</a:t>
+            </a:r>
+          </a:p>
+        </p:txBody>
+      </p:sp>
+      <p:sp>
+        <p:nvSpPr>
+          <p:cNvPr id="45" name="Rectangle 44">
+            <a:extLst>
+              <a:ext uri="{FF2B5EF4-FFF2-40B4-BE49-F238E27FC236}">
+                <a16:creationId xmlns:a16="http://schemas.microsoft.com/office/drawing/2014/main" id="{BFC8B03C-6A24-BF42-A62C-AAAFD3F7325E}"/>
+              </a:ext>
+            </a:extLst>
+          </p:cNvPr>
+          <p:cNvSpPr/>
+          <p:nvPr/>
+        </p:nvSpPr>
+        <p:spPr>
+          <a:xfrm>
+            <a:off x="3699449" y="4981056"/>
+            <a:ext cx="414670" cy="1039184"/>
+          </a:xfrm>
+          <a:prstGeom prst="rect">
+            <a:avLst/>
+          </a:prstGeom>
+          <a:solidFill>
+            <a:srgbClr val="00B0F0"/>
+          </a:solidFill>
+          <a:ln>
+            <a:noFill/>
+          </a:ln>
+        </p:spPr>
+        <p:style>
+          <a:lnRef idx="2">
+            <a:schemeClr val="accent1">
+              <a:shade val="50000"/>
+            </a:schemeClr>
+          </a:lnRef>
+          <a:fillRef idx="1">
+            <a:schemeClr val="accent1"/>
+          </a:fillRef>
+          <a:effectRef idx="0">
+            <a:schemeClr val="accent1"/>
+          </a:effectRef>
+          <a:fontRef idx="minor">
+            <a:schemeClr val="lt1"/>
+          </a:fontRef>
+        </p:style>
+        <p:txBody>
+          <a:bodyPr rtlCol="0" anchor="ctr"/>
+          <a:lstStyle/>
+          <a:p>
+            <a:pPr algn="ctr"/>
+            <a:r>
+              <a:rPr lang="en-US" sz="800" dirty="0"/>
+              <a:t>Spin1</a:t>
+            </a:r>
+          </a:p>
+          <a:p>
+            <a:pPr algn="ctr"/>
+            <a:r>
+              <a:rPr lang="en-US" sz="1200" dirty="0"/>
+              <a:t>S</a:t>
+            </a:r>
+          </a:p>
+          <a:p>
+            <a:pPr algn="ctr"/>
+            <a:r>
+              <a:rPr lang="en-US" sz="1200" dirty="0"/>
+              <a:t>PC</a:t>
+            </a:r>
+          </a:p>
+          <a:p>
+            <a:pPr algn="ctr"/>
+            <a:r>
+              <a:rPr lang="en-US" sz="1000" dirty="0"/>
+              <a:t>REG</a:t>
+            </a:r>
+          </a:p>
+          <a:p>
+            <a:pPr algn="ctr"/>
+            <a:endParaRPr lang="en-US" sz="1200" dirty="0"/>
+          </a:p>
+        </p:txBody>
+      </p:sp>
+      <p:sp>
+        <p:nvSpPr>
+          <p:cNvPr id="46" name="TextBox 45">
+            <a:extLst>
+              <a:ext uri="{FF2B5EF4-FFF2-40B4-BE49-F238E27FC236}">
+                <a16:creationId xmlns:a16="http://schemas.microsoft.com/office/drawing/2014/main" id="{3853DEC9-B385-BE49-A3F0-9066E5B39DC8}"/>
+              </a:ext>
+            </a:extLst>
+          </p:cNvPr>
+          <p:cNvSpPr txBox="1"/>
+          <p:nvPr/>
+        </p:nvSpPr>
+        <p:spPr>
+          <a:xfrm>
+            <a:off x="3376823" y="3613066"/>
+            <a:ext cx="1105111" cy="276999"/>
+          </a:xfrm>
+          <a:prstGeom prst="rect">
+            <a:avLst/>
+          </a:prstGeom>
+          <a:noFill/>
+        </p:spPr>
+        <p:txBody>
+          <a:bodyPr wrap="none" rtlCol="0">
+            <a:spAutoFit/>
+          </a:bodyPr>
+          <a:lstStyle/>
+          <a:p>
+            <a:r>
+              <a:rPr lang="en-US" sz="1200" dirty="0"/>
+              <a:t>Kernel Context</a:t>
+            </a:r>
+          </a:p>
+        </p:txBody>
+      </p:sp>
+      <p:sp>
+        <p:nvSpPr>
+          <p:cNvPr id="47" name="Rectangle 46">
+            <a:extLst>
+              <a:ext uri="{FF2B5EF4-FFF2-40B4-BE49-F238E27FC236}">
+                <a16:creationId xmlns:a16="http://schemas.microsoft.com/office/drawing/2014/main" id="{6BFC4EF9-D471-4D43-B487-AF29C1BFE720}"/>
+              </a:ext>
+            </a:extLst>
+          </p:cNvPr>
+          <p:cNvSpPr/>
+          <p:nvPr/>
+        </p:nvSpPr>
+        <p:spPr>
+          <a:xfrm>
+            <a:off x="759863" y="5287224"/>
+            <a:ext cx="1096360" cy="426847"/>
+          </a:xfrm>
+          <a:prstGeom prst="rect">
+            <a:avLst/>
+          </a:prstGeom>
+          <a:solidFill>
+            <a:srgbClr val="00B0F0"/>
+          </a:solidFill>
+        </p:spPr>
+        <p:style>
+          <a:lnRef idx="2">
+            <a:schemeClr val="accent1">
+              <a:shade val="50000"/>
+            </a:schemeClr>
+          </a:lnRef>
+          <a:fillRef idx="1">
+            <a:schemeClr val="accent1"/>
+          </a:fillRef>
+          <a:effectRef idx="0">
+            <a:schemeClr val="accent1"/>
+          </a:effectRef>
+          <a:fontRef idx="minor">
+            <a:schemeClr val="lt1"/>
+          </a:fontRef>
+        </p:style>
+        <p:txBody>
+          <a:bodyPr rtlCol="0" anchor="ctr"/>
+          <a:lstStyle/>
+          <a:p>
+            <a:pPr algn="ctr"/>
+            <a:r>
+              <a:rPr lang="en-US" sz="1200" dirty="0">
+                <a:solidFill>
+                  <a:schemeClr val="bg1"/>
+                </a:solidFill>
+              </a:rPr>
+              <a:t>Context</a:t>
+            </a:r>
+          </a:p>
+        </p:txBody>
+      </p:sp>
+      <p:cxnSp>
+        <p:nvCxnSpPr>
+          <p:cNvPr id="48" name="Straight Arrow Connector 47">
+            <a:extLst>
+              <a:ext uri="{FF2B5EF4-FFF2-40B4-BE49-F238E27FC236}">
+                <a16:creationId xmlns:a16="http://schemas.microsoft.com/office/drawing/2014/main" id="{5BE6A56D-95F8-2949-880D-B487B7218D7B}"/>
+              </a:ext>
+            </a:extLst>
+          </p:cNvPr>
+          <p:cNvCxnSpPr>
+            <a:cxnSpLocks/>
+            <a:endCxn id="45" idx="1"/>
+          </p:cNvCxnSpPr>
+          <p:nvPr/>
+        </p:nvCxnSpPr>
+        <p:spPr>
+          <a:xfrm>
+            <a:off x="1846337" y="5488437"/>
+            <a:ext cx="1853112" cy="12211"/>
+          </a:xfrm>
+          <a:prstGeom prst="straightConnector1">
+            <a:avLst/>
+          </a:prstGeom>
+          <a:ln>
+            <a:tailEnd type="triangle"/>
+          </a:ln>
+        </p:spPr>
+        <p:style>
+          <a:lnRef idx="2">
+            <a:schemeClr val="accent1"/>
+          </a:lnRef>
+          <a:fillRef idx="0">
+            <a:schemeClr val="accent1"/>
+          </a:fillRef>
+          <a:effectRef idx="1">
+            <a:schemeClr val="accent1"/>
+          </a:effectRef>
+          <a:fontRef idx="minor">
+            <a:schemeClr val="tx1"/>
+          </a:fontRef>
+        </p:style>
+      </p:cxnSp>
+      <p:sp>
+        <p:nvSpPr>
+          <p:cNvPr id="57" name="TextBox 56">
+            <a:extLst>
+              <a:ext uri="{FF2B5EF4-FFF2-40B4-BE49-F238E27FC236}">
+                <a16:creationId xmlns:a16="http://schemas.microsoft.com/office/drawing/2014/main" id="{1DFF98B4-0F1D-7147-86F0-118AB796E9F6}"/>
+              </a:ext>
+            </a:extLst>
+          </p:cNvPr>
+          <p:cNvSpPr txBox="1"/>
+          <p:nvPr/>
+        </p:nvSpPr>
+        <p:spPr>
+          <a:xfrm>
+            <a:off x="3478525" y="5944454"/>
+            <a:ext cx="856517" cy="276999"/>
+          </a:xfrm>
+          <a:prstGeom prst="rect">
+            <a:avLst/>
+          </a:prstGeom>
+          <a:noFill/>
+        </p:spPr>
+        <p:txBody>
+          <a:bodyPr wrap="none" rtlCol="0">
+            <a:spAutoFit/>
+          </a:bodyPr>
+          <a:lstStyle/>
+          <a:p>
+            <a:r>
+              <a:rPr lang="en-US" sz="1200" dirty="0"/>
+              <a:t>p-&gt;context</a:t>
+            </a:r>
+          </a:p>
+        </p:txBody>
+      </p:sp>
+      <p:sp>
+        <p:nvSpPr>
+          <p:cNvPr id="59" name="Rectangle 58">
+            <a:extLst>
+              <a:ext uri="{FF2B5EF4-FFF2-40B4-BE49-F238E27FC236}">
+                <a16:creationId xmlns:a16="http://schemas.microsoft.com/office/drawing/2014/main" id="{AFA2609E-CCC7-F447-B069-76CACD1A5F56}"/>
+              </a:ext>
+            </a:extLst>
+          </p:cNvPr>
+          <p:cNvSpPr/>
+          <p:nvPr/>
+        </p:nvSpPr>
+        <p:spPr>
+          <a:xfrm>
+            <a:off x="5884977" y="5701861"/>
+            <a:ext cx="414670" cy="1039184"/>
+          </a:xfrm>
+          <a:prstGeom prst="rect">
+            <a:avLst/>
+          </a:prstGeom>
+          <a:solidFill>
+            <a:srgbClr val="FFFF00"/>
+          </a:solidFill>
+          <a:ln>
+            <a:solidFill>
+              <a:schemeClr val="bg1"/>
+            </a:solidFill>
+          </a:ln>
+        </p:spPr>
+        <p:style>
+          <a:lnRef idx="2">
+            <a:schemeClr val="accent1">
+              <a:shade val="50000"/>
+            </a:schemeClr>
+          </a:lnRef>
+          <a:fillRef idx="1">
+            <a:schemeClr val="accent1"/>
+          </a:fillRef>
+          <a:effectRef idx="0">
+            <a:schemeClr val="accent1"/>
+          </a:effectRef>
+          <a:fontRef idx="minor">
+            <a:schemeClr val="lt1"/>
+          </a:fontRef>
+        </p:style>
+        <p:txBody>
+          <a:bodyPr rtlCol="0" anchor="ctr"/>
+          <a:lstStyle/>
+          <a:p>
+            <a:pPr algn="ctr"/>
+            <a:r>
+              <a:rPr lang="en-US" sz="1200" dirty="0">
+                <a:solidFill>
+                  <a:schemeClr val="bg1"/>
+                </a:solidFill>
+              </a:rPr>
+              <a:t>S</a:t>
+            </a:r>
+          </a:p>
+          <a:p>
+            <a:pPr algn="ctr"/>
+            <a:r>
+              <a:rPr lang="en-US" sz="1200" dirty="0">
+                <a:solidFill>
+                  <a:schemeClr val="bg1"/>
+                </a:solidFill>
+              </a:rPr>
+              <a:t>PC</a:t>
+            </a:r>
+          </a:p>
+          <a:p>
+            <a:pPr algn="ctr"/>
+            <a:r>
+              <a:rPr lang="en-US" sz="1000" dirty="0">
+                <a:solidFill>
+                  <a:schemeClr val="bg1"/>
+                </a:solidFill>
+              </a:rPr>
+              <a:t>REG</a:t>
+            </a:r>
+          </a:p>
+          <a:p>
+            <a:pPr algn="ctr"/>
+            <a:endParaRPr lang="en-US" sz="1200" dirty="0">
+              <a:solidFill>
+                <a:schemeClr val="bg1"/>
+              </a:solidFill>
+            </a:endParaRPr>
+          </a:p>
+        </p:txBody>
+      </p:sp>
+      <p:sp>
+        <p:nvSpPr>
+          <p:cNvPr id="61" name="TextBox 60">
+            <a:extLst>
+              <a:ext uri="{FF2B5EF4-FFF2-40B4-BE49-F238E27FC236}">
+                <a16:creationId xmlns:a16="http://schemas.microsoft.com/office/drawing/2014/main" id="{60831472-8256-A445-AED5-84A80C6B5D05}"/>
+              </a:ext>
+            </a:extLst>
+          </p:cNvPr>
+          <p:cNvSpPr txBox="1"/>
+          <p:nvPr/>
+        </p:nvSpPr>
+        <p:spPr>
+          <a:xfrm>
+            <a:off x="5591117" y="5474762"/>
+            <a:ext cx="1002390" cy="276999"/>
+          </a:xfrm>
+          <a:prstGeom prst="rect">
+            <a:avLst/>
+          </a:prstGeom>
+          <a:noFill/>
+        </p:spPr>
+        <p:txBody>
+          <a:bodyPr wrap="none" rtlCol="0">
+            <a:spAutoFit/>
+          </a:bodyPr>
+          <a:lstStyle/>
+          <a:p>
+            <a:r>
+              <a:rPr lang="en-US" sz="1200" dirty="0">
+                <a:solidFill>
+                  <a:schemeClr val="bg1"/>
+                </a:solidFill>
+              </a:rPr>
+              <a:t>cpu-&gt;context</a:t>
+            </a:r>
+          </a:p>
+        </p:txBody>
+      </p:sp>
+      <p:cxnSp>
+        <p:nvCxnSpPr>
+          <p:cNvPr id="68" name="Curved Connector 67">
+            <a:extLst>
+              <a:ext uri="{FF2B5EF4-FFF2-40B4-BE49-F238E27FC236}">
+                <a16:creationId xmlns:a16="http://schemas.microsoft.com/office/drawing/2014/main" id="{08242C06-D8DC-6E4B-B064-AE3EB1A90FCC}"/>
+              </a:ext>
+            </a:extLst>
+          </p:cNvPr>
+          <p:cNvCxnSpPr>
+            <a:stCxn id="59" idx="1"/>
+            <a:endCxn id="16" idx="1"/>
+          </p:cNvCxnSpPr>
+          <p:nvPr/>
+        </p:nvCxnSpPr>
+        <p:spPr>
+          <a:xfrm rot="10800000">
+            <a:off x="5848451" y="4266165"/>
+            <a:ext cx="36526" cy="1955288"/>
+          </a:xfrm>
+          <a:prstGeom prst="curvedConnector3">
+            <a:avLst>
+              <a:gd name="adj1" fmla="val 725856"/>
+            </a:avLst>
+          </a:prstGeom>
+          <a:ln>
+            <a:tailEnd type="triangle"/>
+          </a:ln>
+        </p:spPr>
+        <p:style>
+          <a:lnRef idx="3">
+            <a:schemeClr val="accent4"/>
+          </a:lnRef>
+          <a:fillRef idx="0">
+            <a:schemeClr val="accent4"/>
+          </a:fillRef>
+          <a:effectRef idx="2">
+            <a:schemeClr val="accent4"/>
+          </a:effectRef>
+          <a:fontRef idx="minor">
+            <a:schemeClr val="tx1"/>
+          </a:fontRef>
+        </p:style>
+      </p:cxnSp>
+      <p:cxnSp>
+        <p:nvCxnSpPr>
+          <p:cNvPr id="70" name="Curved Connector 69">
+            <a:extLst>
+              <a:ext uri="{FF2B5EF4-FFF2-40B4-BE49-F238E27FC236}">
+                <a16:creationId xmlns:a16="http://schemas.microsoft.com/office/drawing/2014/main" id="{79B1CA7E-19DB-A441-A6F1-73B729154F64}"/>
+              </a:ext>
+            </a:extLst>
+          </p:cNvPr>
+          <p:cNvCxnSpPr>
+            <a:stCxn id="16" idx="3"/>
+            <a:endCxn id="59" idx="3"/>
+          </p:cNvCxnSpPr>
+          <p:nvPr/>
+        </p:nvCxnSpPr>
+        <p:spPr>
+          <a:xfrm flipH="1">
+            <a:off x="6299647" y="4266165"/>
+            <a:ext cx="43900" cy="1955288"/>
+          </a:xfrm>
+          <a:prstGeom prst="curvedConnector3">
+            <a:avLst>
+              <a:gd name="adj1" fmla="val -520729"/>
+            </a:avLst>
+          </a:prstGeom>
+          <a:ln>
+            <a:tailEnd type="triangle"/>
+          </a:ln>
+        </p:spPr>
+        <p:style>
+          <a:lnRef idx="3">
+            <a:schemeClr val="accent4"/>
+          </a:lnRef>
+          <a:fillRef idx="0">
+            <a:schemeClr val="accent4"/>
+          </a:fillRef>
+          <a:effectRef idx="2">
+            <a:schemeClr val="accent4"/>
+          </a:effectRef>
+          <a:fontRef idx="minor">
+            <a:schemeClr val="tx1"/>
+          </a:fontRef>
+        </p:style>
+      </p:cxnSp>
+      <p:sp>
+        <p:nvSpPr>
+          <p:cNvPr id="71" name="Right Arrow 70">
+            <a:extLst>
+              <a:ext uri="{FF2B5EF4-FFF2-40B4-BE49-F238E27FC236}">
+                <a16:creationId xmlns:a16="http://schemas.microsoft.com/office/drawing/2014/main" id="{43420D02-ED5D-2645-A41F-709604E2A66D}"/>
+              </a:ext>
+            </a:extLst>
+          </p:cNvPr>
+          <p:cNvSpPr/>
+          <p:nvPr/>
+        </p:nvSpPr>
+        <p:spPr>
+          <a:xfrm>
+            <a:off x="6630435" y="4707969"/>
+            <a:ext cx="1151495" cy="350874"/>
+          </a:xfrm>
+          <a:prstGeom prst="rightArrow">
+            <a:avLst/>
+          </a:prstGeom>
+        </p:spPr>
+        <p:style>
+          <a:lnRef idx="2">
+            <a:schemeClr val="accent1">
+              <a:shade val="50000"/>
+            </a:schemeClr>
+          </a:lnRef>
+          <a:fillRef idx="1">
+            <a:schemeClr val="accent1"/>
+          </a:fillRef>
+          <a:effectRef idx="0">
+            <a:schemeClr val="accent1"/>
+          </a:effectRef>
+          <a:fontRef idx="minor">
+            <a:schemeClr val="lt1"/>
+          </a:fontRef>
+        </p:style>
+        <p:txBody>
+          <a:bodyPr rtlCol="0" anchor="ctr"/>
+          <a:lstStyle/>
+          <a:p>
+            <a:pPr algn="ctr"/>
+            <a:endParaRPr lang="en-US"/>
+          </a:p>
+        </p:txBody>
+      </p:sp>
+      <p:sp>
+        <p:nvSpPr>
+          <p:cNvPr id="73" name="Right Arrow 72">
+            <a:extLst>
+              <a:ext uri="{FF2B5EF4-FFF2-40B4-BE49-F238E27FC236}">
+                <a16:creationId xmlns:a16="http://schemas.microsoft.com/office/drawing/2014/main" id="{679695F6-D481-B540-A32E-86F0112A54AB}"/>
+              </a:ext>
+            </a:extLst>
+          </p:cNvPr>
+          <p:cNvSpPr/>
+          <p:nvPr/>
+        </p:nvSpPr>
+        <p:spPr>
+          <a:xfrm>
+            <a:off x="4531568" y="981141"/>
+            <a:ext cx="3007378" cy="406602"/>
+          </a:xfrm>
+          <a:prstGeom prst="rightArrow">
+            <a:avLst/>
+          </a:prstGeom>
+        </p:spPr>
+        <p:style>
+          <a:lnRef idx="2">
+            <a:schemeClr val="accent1">
+              <a:shade val="50000"/>
+            </a:schemeClr>
+          </a:lnRef>
+          <a:fillRef idx="1">
+            <a:schemeClr val="accent1"/>
+          </a:fillRef>
+          <a:effectRef idx="0">
+            <a:schemeClr val="accent1"/>
+          </a:effectRef>
+          <a:fontRef idx="minor">
+            <a:schemeClr val="lt1"/>
+          </a:fontRef>
+        </p:style>
+        <p:txBody>
+          <a:bodyPr rtlCol="0" anchor="ctr"/>
+          <a:lstStyle/>
+          <a:p>
+            <a:pPr algn="ctr"/>
+            <a:endParaRPr lang="en-US"/>
+          </a:p>
+        </p:txBody>
+      </p:sp>
+      <p:sp>
+        <p:nvSpPr>
+          <p:cNvPr id="74" name="TextBox 73">
+            <a:extLst>
+              <a:ext uri="{FF2B5EF4-FFF2-40B4-BE49-F238E27FC236}">
+                <a16:creationId xmlns:a16="http://schemas.microsoft.com/office/drawing/2014/main" id="{35E49EED-E0CE-F54C-82D4-0DC317012298}"/>
+              </a:ext>
+            </a:extLst>
+          </p:cNvPr>
+          <p:cNvSpPr txBox="1"/>
+          <p:nvPr/>
+        </p:nvSpPr>
+        <p:spPr>
+          <a:xfrm>
+            <a:off x="5520032" y="981141"/>
+            <a:ext cx="992579" cy="369332"/>
+          </a:xfrm>
+          <a:prstGeom prst="rect">
+            <a:avLst/>
+          </a:prstGeom>
+          <a:noFill/>
+        </p:spPr>
+        <p:txBody>
+          <a:bodyPr wrap="none" rtlCol="0">
+            <a:spAutoFit/>
+          </a:bodyPr>
+          <a:lstStyle/>
+          <a:p>
+            <a:r>
+              <a:rPr lang="en-US" dirty="0"/>
+              <a:t>Timeline</a:t>
+            </a:r>
+          </a:p>
+        </p:txBody>
+      </p:sp>
+      <p:cxnSp>
+        <p:nvCxnSpPr>
+          <p:cNvPr id="76" name="Curved Connector 75">
+            <a:extLst>
+              <a:ext uri="{FF2B5EF4-FFF2-40B4-BE49-F238E27FC236}">
+                <a16:creationId xmlns:a16="http://schemas.microsoft.com/office/drawing/2014/main" id="{AE9ED9C2-73D8-864F-944A-A310F3F83C6F}"/>
+              </a:ext>
+            </a:extLst>
+          </p:cNvPr>
+          <p:cNvCxnSpPr>
+            <a:stCxn id="15" idx="3"/>
+            <a:endCxn id="45" idx="3"/>
+          </p:cNvCxnSpPr>
+          <p:nvPr/>
+        </p:nvCxnSpPr>
+        <p:spPr>
+          <a:xfrm flipH="1">
+            <a:off x="4114119" y="4266165"/>
+            <a:ext cx="49344" cy="1234483"/>
+          </a:xfrm>
+          <a:prstGeom prst="curvedConnector3">
+            <a:avLst>
+              <a:gd name="adj1" fmla="val -463278"/>
+            </a:avLst>
+          </a:prstGeom>
+          <a:ln>
+            <a:tailEnd type="triangle"/>
+          </a:ln>
+        </p:spPr>
+        <p:style>
+          <a:lnRef idx="3">
+            <a:schemeClr val="accent5"/>
+          </a:lnRef>
+          <a:fillRef idx="0">
+            <a:schemeClr val="accent5"/>
+          </a:fillRef>
+          <a:effectRef idx="2">
+            <a:schemeClr val="accent5"/>
+          </a:effectRef>
+          <a:fontRef idx="minor">
+            <a:schemeClr val="tx1"/>
+          </a:fontRef>
+        </p:style>
+      </p:cxnSp>
+      <p:cxnSp>
+        <p:nvCxnSpPr>
+          <p:cNvPr id="78" name="Curved Connector 77">
+            <a:extLst>
+              <a:ext uri="{FF2B5EF4-FFF2-40B4-BE49-F238E27FC236}">
+                <a16:creationId xmlns:a16="http://schemas.microsoft.com/office/drawing/2014/main" id="{C4DDE2B4-6CF8-F24D-B923-C78E61DF7386}"/>
+              </a:ext>
+            </a:extLst>
+          </p:cNvPr>
+          <p:cNvCxnSpPr>
+            <a:stCxn id="6" idx="1"/>
+            <a:endCxn id="28" idx="1"/>
+          </p:cNvCxnSpPr>
+          <p:nvPr/>
+        </p:nvCxnSpPr>
+        <p:spPr>
+          <a:xfrm rot="10800000" flipV="1">
+            <a:off x="2932811" y="1865548"/>
+            <a:ext cx="9811" cy="1107598"/>
+          </a:xfrm>
+          <a:prstGeom prst="curvedConnector3">
+            <a:avLst>
+              <a:gd name="adj1" fmla="val 2430038"/>
+            </a:avLst>
+          </a:prstGeom>
+          <a:ln>
+            <a:tailEnd type="triangle"/>
+          </a:ln>
+        </p:spPr>
+        <p:style>
+          <a:lnRef idx="3">
+            <a:schemeClr val="accent2"/>
+          </a:lnRef>
+          <a:fillRef idx="0">
+            <a:schemeClr val="accent2"/>
+          </a:fillRef>
+          <a:effectRef idx="2">
+            <a:schemeClr val="accent2"/>
+          </a:effectRef>
+          <a:fontRef idx="minor">
+            <a:schemeClr val="tx1"/>
+          </a:fontRef>
+        </p:style>
+      </p:cxnSp>
+      <p:sp>
+        <p:nvSpPr>
+          <p:cNvPr id="79" name="Rectangle 78">
+            <a:extLst>
+              <a:ext uri="{FF2B5EF4-FFF2-40B4-BE49-F238E27FC236}">
+                <a16:creationId xmlns:a16="http://schemas.microsoft.com/office/drawing/2014/main" id="{124D9EE7-69B3-7440-BA95-AA435B937F3E}"/>
+              </a:ext>
+            </a:extLst>
+          </p:cNvPr>
+          <p:cNvSpPr/>
+          <p:nvPr/>
+        </p:nvSpPr>
+        <p:spPr>
+          <a:xfrm>
+            <a:off x="8021161" y="3645266"/>
+            <a:ext cx="495096" cy="1103276"/>
+          </a:xfrm>
+          <a:prstGeom prst="rect">
+            <a:avLst/>
+          </a:prstGeom>
+        </p:spPr>
+        <p:style>
+          <a:lnRef idx="2">
+            <a:schemeClr val="accent1">
+              <a:shade val="50000"/>
+            </a:schemeClr>
+          </a:lnRef>
+          <a:fillRef idx="1">
+            <a:schemeClr val="accent1"/>
+          </a:fillRef>
+          <a:effectRef idx="0">
+            <a:schemeClr val="accent1"/>
+          </a:effectRef>
+          <a:fontRef idx="minor">
+            <a:schemeClr val="lt1"/>
+          </a:fontRef>
+        </p:style>
+        <p:txBody>
+          <a:bodyPr rtlCol="0" anchor="ctr"/>
+          <a:lstStyle/>
+          <a:p>
+            <a:pPr algn="ctr"/>
+            <a:r>
+              <a:rPr lang="en-US" sz="800" dirty="0"/>
+              <a:t>Spin2</a:t>
+            </a:r>
+          </a:p>
+          <a:p>
+            <a:pPr algn="ctr"/>
+            <a:r>
+              <a:rPr lang="en-US" sz="1200" dirty="0"/>
+              <a:t>S</a:t>
+            </a:r>
+          </a:p>
+          <a:p>
+            <a:pPr algn="ctr"/>
+            <a:r>
+              <a:rPr lang="en-US" sz="1200" dirty="0"/>
+              <a:t>PC</a:t>
+            </a:r>
+          </a:p>
+          <a:p>
+            <a:pPr algn="ctr"/>
+            <a:r>
+              <a:rPr lang="en-US" sz="1200" dirty="0"/>
+              <a:t>REG</a:t>
+            </a:r>
+          </a:p>
+        </p:txBody>
+      </p:sp>
+      <p:sp>
+        <p:nvSpPr>
+          <p:cNvPr id="80" name="Rectangle 79">
+            <a:extLst>
+              <a:ext uri="{FF2B5EF4-FFF2-40B4-BE49-F238E27FC236}">
+                <a16:creationId xmlns:a16="http://schemas.microsoft.com/office/drawing/2014/main" id="{F50BE90A-A4D8-D542-92AE-6EA5E4BA768F}"/>
+              </a:ext>
+            </a:extLst>
+          </p:cNvPr>
+          <p:cNvSpPr/>
+          <p:nvPr/>
+        </p:nvSpPr>
+        <p:spPr>
+          <a:xfrm>
+            <a:off x="8052243" y="4911795"/>
+            <a:ext cx="414670" cy="1039184"/>
+          </a:xfrm>
+          <a:prstGeom prst="rect">
+            <a:avLst/>
+          </a:prstGeom>
+          <a:solidFill>
+            <a:srgbClr val="00B0F0"/>
+          </a:solidFill>
+          <a:ln>
+            <a:noFill/>
+          </a:ln>
+        </p:spPr>
+        <p:style>
+          <a:lnRef idx="2">
+            <a:schemeClr val="accent1">
+              <a:shade val="50000"/>
+            </a:schemeClr>
+          </a:lnRef>
+          <a:fillRef idx="1">
+            <a:schemeClr val="accent1"/>
+          </a:fillRef>
+          <a:effectRef idx="0">
+            <a:schemeClr val="accent1"/>
+          </a:effectRef>
+          <a:fontRef idx="minor">
+            <a:schemeClr val="lt1"/>
+          </a:fontRef>
+        </p:style>
+        <p:txBody>
+          <a:bodyPr rtlCol="0" anchor="ctr"/>
+          <a:lstStyle/>
+          <a:p>
+            <a:pPr algn="ctr"/>
+            <a:r>
+              <a:rPr lang="en-US" sz="800" dirty="0"/>
+              <a:t>Spin2</a:t>
+            </a:r>
+          </a:p>
+          <a:p>
+            <a:pPr algn="ctr"/>
+            <a:r>
+              <a:rPr lang="en-US" sz="1200" dirty="0"/>
+              <a:t>S</a:t>
+            </a:r>
+          </a:p>
+          <a:p>
+            <a:pPr algn="ctr"/>
+            <a:r>
+              <a:rPr lang="en-US" sz="1200" dirty="0"/>
+              <a:t>PC</a:t>
+            </a:r>
+          </a:p>
+          <a:p>
+            <a:pPr algn="ctr"/>
+            <a:r>
+              <a:rPr lang="en-US" sz="1000" dirty="0"/>
+              <a:t>REG</a:t>
+            </a:r>
+          </a:p>
+          <a:p>
+            <a:pPr algn="ctr"/>
+            <a:endParaRPr lang="en-US" sz="1200" dirty="0"/>
+          </a:p>
+        </p:txBody>
+      </p:sp>
+      <p:sp>
+        <p:nvSpPr>
+          <p:cNvPr id="81" name="TextBox 80">
+            <a:extLst>
+              <a:ext uri="{FF2B5EF4-FFF2-40B4-BE49-F238E27FC236}">
+                <a16:creationId xmlns:a16="http://schemas.microsoft.com/office/drawing/2014/main" id="{AC376C55-3F9C-C940-8BA4-EB72BBEB9B27}"/>
+              </a:ext>
+            </a:extLst>
+          </p:cNvPr>
+          <p:cNvSpPr txBox="1"/>
+          <p:nvPr/>
+        </p:nvSpPr>
+        <p:spPr>
+          <a:xfrm>
+            <a:off x="7831319" y="5875193"/>
+            <a:ext cx="856517" cy="276999"/>
+          </a:xfrm>
+          <a:prstGeom prst="rect">
+            <a:avLst/>
+          </a:prstGeom>
+          <a:noFill/>
+        </p:spPr>
+        <p:txBody>
+          <a:bodyPr wrap="none" rtlCol="0">
+            <a:spAutoFit/>
+          </a:bodyPr>
+          <a:lstStyle/>
+          <a:p>
+            <a:r>
+              <a:rPr lang="en-US" sz="1200" dirty="0"/>
+              <a:t>p-&gt;context</a:t>
+            </a:r>
+          </a:p>
+        </p:txBody>
+      </p:sp>
+      <p:sp>
+        <p:nvSpPr>
+          <p:cNvPr id="83" name="TextBox 82">
+            <a:extLst>
+              <a:ext uri="{FF2B5EF4-FFF2-40B4-BE49-F238E27FC236}">
+                <a16:creationId xmlns:a16="http://schemas.microsoft.com/office/drawing/2014/main" id="{357AACEF-76EC-904C-9487-B57D4A746215}"/>
+              </a:ext>
+            </a:extLst>
+          </p:cNvPr>
+          <p:cNvSpPr txBox="1"/>
+          <p:nvPr/>
+        </p:nvSpPr>
+        <p:spPr>
+          <a:xfrm>
+            <a:off x="7732661" y="3542268"/>
+            <a:ext cx="1105111" cy="276999"/>
+          </a:xfrm>
+          <a:prstGeom prst="rect">
+            <a:avLst/>
+          </a:prstGeom>
+          <a:noFill/>
+        </p:spPr>
+        <p:txBody>
+          <a:bodyPr wrap="none" rtlCol="0">
+            <a:spAutoFit/>
+          </a:bodyPr>
+          <a:lstStyle/>
+          <a:p>
+            <a:r>
+              <a:rPr lang="en-US" sz="1200" dirty="0"/>
+              <a:t>Kernel Context</a:t>
+            </a:r>
+          </a:p>
+        </p:txBody>
+      </p:sp>
+      <p:cxnSp>
+        <p:nvCxnSpPr>
+          <p:cNvPr id="85" name="Curved Connector 84">
+            <a:extLst>
+              <a:ext uri="{FF2B5EF4-FFF2-40B4-BE49-F238E27FC236}">
+                <a16:creationId xmlns:a16="http://schemas.microsoft.com/office/drawing/2014/main" id="{918782F1-C05E-314B-8134-E56348ECFC41}"/>
+              </a:ext>
+            </a:extLst>
+          </p:cNvPr>
+          <p:cNvCxnSpPr>
+            <a:stCxn id="80" idx="1"/>
+            <a:endCxn id="79" idx="1"/>
+          </p:cNvCxnSpPr>
+          <p:nvPr/>
+        </p:nvCxnSpPr>
+        <p:spPr>
+          <a:xfrm rot="10800000">
+            <a:off x="8021161" y="4196905"/>
+            <a:ext cx="31082" cy="1234483"/>
+          </a:xfrm>
+          <a:prstGeom prst="curvedConnector3">
+            <a:avLst>
+              <a:gd name="adj1" fmla="val 835474"/>
+            </a:avLst>
+          </a:prstGeom>
+          <a:ln>
+            <a:tailEnd type="triangle"/>
+          </a:ln>
+        </p:spPr>
+        <p:style>
+          <a:lnRef idx="3">
+            <a:schemeClr val="accent5"/>
+          </a:lnRef>
+          <a:fillRef idx="0">
+            <a:schemeClr val="accent5"/>
+          </a:fillRef>
+          <a:effectRef idx="2">
+            <a:schemeClr val="accent5"/>
+          </a:effectRef>
+          <a:fontRef idx="minor">
+            <a:schemeClr val="tx1"/>
+          </a:fontRef>
+        </p:style>
+      </p:cxnSp>
+      <p:sp>
+        <p:nvSpPr>
+          <p:cNvPr id="91" name="Rectangle 90">
+            <a:extLst>
+              <a:ext uri="{FF2B5EF4-FFF2-40B4-BE49-F238E27FC236}">
+                <a16:creationId xmlns:a16="http://schemas.microsoft.com/office/drawing/2014/main" id="{12C06BF4-419D-C041-82CA-6DA64CE68EDD}"/>
+              </a:ext>
+            </a:extLst>
+          </p:cNvPr>
+          <p:cNvSpPr/>
+          <p:nvPr/>
+        </p:nvSpPr>
+        <p:spPr>
+          <a:xfrm>
+            <a:off x="8864538" y="1345956"/>
+            <a:ext cx="414670" cy="1039184"/>
+          </a:xfrm>
+          <a:prstGeom prst="rect">
+            <a:avLst/>
+          </a:prstGeom>
+          <a:solidFill>
+            <a:schemeClr val="accent2"/>
+          </a:solidFill>
+          <a:ln>
+            <a:noFill/>
+          </a:ln>
+        </p:spPr>
+        <p:style>
+          <a:lnRef idx="2">
+            <a:schemeClr val="accent1">
+              <a:shade val="50000"/>
+            </a:schemeClr>
+          </a:lnRef>
+          <a:fillRef idx="1">
+            <a:schemeClr val="accent1"/>
+          </a:fillRef>
+          <a:effectRef idx="0">
+            <a:schemeClr val="accent1"/>
+          </a:effectRef>
+          <a:fontRef idx="minor">
+            <a:schemeClr val="lt1"/>
+          </a:fontRef>
+        </p:style>
+        <p:txBody>
+          <a:bodyPr rtlCol="0" anchor="ctr"/>
+          <a:lstStyle/>
+          <a:p>
+            <a:pPr algn="ctr"/>
+            <a:r>
+              <a:rPr lang="en-US" sz="1200" dirty="0"/>
+              <a:t>S</a:t>
+            </a:r>
+          </a:p>
+          <a:p>
+            <a:pPr algn="ctr"/>
+            <a:r>
+              <a:rPr lang="en-US" sz="1200" dirty="0"/>
+              <a:t>PC</a:t>
+            </a:r>
+          </a:p>
+          <a:p>
+            <a:pPr algn="ctr"/>
+            <a:r>
+              <a:rPr lang="en-US" sz="1000" dirty="0"/>
+              <a:t>REG</a:t>
+            </a:r>
+          </a:p>
+          <a:p>
+            <a:pPr algn="ctr"/>
+            <a:endParaRPr lang="en-US" sz="1200" dirty="0"/>
+          </a:p>
+        </p:txBody>
+      </p:sp>
+      <p:sp>
+        <p:nvSpPr>
+          <p:cNvPr id="92" name="Rectangle 91">
+            <a:extLst>
+              <a:ext uri="{FF2B5EF4-FFF2-40B4-BE49-F238E27FC236}">
+                <a16:creationId xmlns:a16="http://schemas.microsoft.com/office/drawing/2014/main" id="{860D8B50-4B9E-1C43-98B2-248036D95419}"/>
+              </a:ext>
+            </a:extLst>
+          </p:cNvPr>
+          <p:cNvSpPr/>
+          <p:nvPr/>
+        </p:nvSpPr>
+        <p:spPr>
+          <a:xfrm>
+            <a:off x="8854727" y="2453554"/>
+            <a:ext cx="414670" cy="1039184"/>
+          </a:xfrm>
+          <a:prstGeom prst="rect">
+            <a:avLst/>
+          </a:prstGeom>
+          <a:solidFill>
+            <a:srgbClr val="FFFF00"/>
+          </a:solidFill>
+          <a:ln>
+            <a:solidFill>
+              <a:srgbClr val="FFFF00"/>
+            </a:solidFill>
+          </a:ln>
+        </p:spPr>
+        <p:style>
+          <a:lnRef idx="2">
+            <a:schemeClr val="accent1">
+              <a:shade val="50000"/>
+            </a:schemeClr>
+          </a:lnRef>
+          <a:fillRef idx="1">
+            <a:schemeClr val="accent1"/>
+          </a:fillRef>
+          <a:effectRef idx="0">
+            <a:schemeClr val="accent1"/>
+          </a:effectRef>
+          <a:fontRef idx="minor">
+            <a:schemeClr val="lt1"/>
+          </a:fontRef>
+        </p:style>
+        <p:txBody>
+          <a:bodyPr rtlCol="0" anchor="ctr"/>
+          <a:lstStyle/>
+          <a:p>
+            <a:pPr algn="ctr"/>
+            <a:r>
+              <a:rPr lang="en-US" sz="1200" dirty="0">
+                <a:solidFill>
+                  <a:schemeClr val="bg1"/>
+                </a:solidFill>
+              </a:rPr>
+              <a:t>S</a:t>
+            </a:r>
+          </a:p>
+          <a:p>
+            <a:pPr algn="ctr"/>
+            <a:r>
+              <a:rPr lang="en-US" sz="1200" dirty="0">
+                <a:solidFill>
+                  <a:schemeClr val="bg1"/>
+                </a:solidFill>
+              </a:rPr>
+              <a:t>PC</a:t>
+            </a:r>
+          </a:p>
+          <a:p>
+            <a:pPr algn="ctr"/>
+            <a:r>
+              <a:rPr lang="en-US" sz="1000" dirty="0">
+                <a:solidFill>
+                  <a:schemeClr val="bg1"/>
+                </a:solidFill>
+              </a:rPr>
+              <a:t>REG</a:t>
+            </a:r>
+          </a:p>
+          <a:p>
+            <a:pPr algn="ctr"/>
+            <a:endParaRPr lang="en-US" sz="1200" dirty="0">
+              <a:solidFill>
+                <a:schemeClr val="bg1"/>
+              </a:solidFill>
+            </a:endParaRPr>
+          </a:p>
+        </p:txBody>
+      </p:sp>
+      <p:cxnSp>
+        <p:nvCxnSpPr>
+          <p:cNvPr id="95" name="Curved Connector 94">
+            <a:extLst>
+              <a:ext uri="{FF2B5EF4-FFF2-40B4-BE49-F238E27FC236}">
+                <a16:creationId xmlns:a16="http://schemas.microsoft.com/office/drawing/2014/main" id="{E5916CC0-8F27-154C-A723-36AB5980A36B}"/>
+              </a:ext>
+            </a:extLst>
+          </p:cNvPr>
+          <p:cNvCxnSpPr>
+            <a:stCxn id="92" idx="1"/>
+            <a:endCxn id="91" idx="1"/>
+          </p:cNvCxnSpPr>
+          <p:nvPr/>
+        </p:nvCxnSpPr>
+        <p:spPr>
+          <a:xfrm rot="10800000" flipH="1">
+            <a:off x="8854726" y="1865548"/>
+            <a:ext cx="9811" cy="1107598"/>
+          </a:xfrm>
+          <a:prstGeom prst="curvedConnector3">
+            <a:avLst>
+              <a:gd name="adj1" fmla="val -2330038"/>
+            </a:avLst>
+          </a:prstGeom>
+          <a:ln>
+            <a:tailEnd type="triangle"/>
+          </a:ln>
+        </p:spPr>
+        <p:style>
+          <a:lnRef idx="3">
+            <a:schemeClr val="accent3"/>
+          </a:lnRef>
+          <a:fillRef idx="0">
+            <a:schemeClr val="accent3"/>
+          </a:fillRef>
+          <a:effectRef idx="2">
+            <a:schemeClr val="accent3"/>
+          </a:effectRef>
+          <a:fontRef idx="minor">
+            <a:schemeClr val="tx1"/>
+          </a:fontRef>
+        </p:style>
+      </p:cxnSp>
+      <p:cxnSp>
+        <p:nvCxnSpPr>
+          <p:cNvPr id="97" name="Curved Connector 96">
+            <a:extLst>
+              <a:ext uri="{FF2B5EF4-FFF2-40B4-BE49-F238E27FC236}">
+                <a16:creationId xmlns:a16="http://schemas.microsoft.com/office/drawing/2014/main" id="{3C2DE159-8036-1943-A394-5C0CB27A39FE}"/>
+              </a:ext>
+            </a:extLst>
+          </p:cNvPr>
+          <p:cNvCxnSpPr>
+            <a:stCxn id="91" idx="3"/>
+            <a:endCxn id="92" idx="3"/>
+          </p:cNvCxnSpPr>
+          <p:nvPr/>
+        </p:nvCxnSpPr>
+        <p:spPr>
+          <a:xfrm flipH="1">
+            <a:off x="9269397" y="1865548"/>
+            <a:ext cx="9811" cy="1107598"/>
+          </a:xfrm>
+          <a:prstGeom prst="curvedConnector3">
+            <a:avLst>
+              <a:gd name="adj1" fmla="val -2330038"/>
+            </a:avLst>
+          </a:prstGeom>
+          <a:ln>
+            <a:tailEnd type="triangle"/>
+          </a:ln>
+        </p:spPr>
+        <p:style>
+          <a:lnRef idx="3">
+            <a:schemeClr val="accent2"/>
+          </a:lnRef>
+          <a:fillRef idx="0">
+            <a:schemeClr val="accent2"/>
+          </a:fillRef>
+          <a:effectRef idx="2">
+            <a:schemeClr val="accent2"/>
+          </a:effectRef>
+          <a:fontRef idx="minor">
+            <a:schemeClr val="tx1"/>
+          </a:fontRef>
+        </p:style>
+      </p:cxnSp>
+      <p:sp>
+        <p:nvSpPr>
+          <p:cNvPr id="98" name="Down Arrow 97">
+            <a:extLst>
+              <a:ext uri="{FF2B5EF4-FFF2-40B4-BE49-F238E27FC236}">
+                <a16:creationId xmlns:a16="http://schemas.microsoft.com/office/drawing/2014/main" id="{7D098D81-528C-084C-9C00-9D67FCF93F40}"/>
+              </a:ext>
+            </a:extLst>
+          </p:cNvPr>
+          <p:cNvSpPr/>
+          <p:nvPr/>
+        </p:nvSpPr>
+        <p:spPr>
+          <a:xfrm>
+            <a:off x="9468800" y="2462474"/>
+            <a:ext cx="277310" cy="1103276"/>
+          </a:xfrm>
+          <a:prstGeom prst="downArrow">
+            <a:avLst/>
+          </a:prstGeom>
+          <a:solidFill>
+            <a:srgbClr val="FFFF00"/>
+          </a:solidFill>
+          <a:ln>
+            <a:solidFill>
+              <a:srgbClr val="FF0000"/>
+            </a:solidFill>
+          </a:ln>
+        </p:spPr>
+        <p:style>
+          <a:lnRef idx="2">
+            <a:schemeClr val="accent1">
+              <a:shade val="50000"/>
+            </a:schemeClr>
+          </a:lnRef>
+          <a:fillRef idx="1">
+            <a:schemeClr val="accent1"/>
+          </a:fillRef>
+          <a:effectRef idx="0">
+            <a:schemeClr val="accent1"/>
+          </a:effectRef>
+          <a:fontRef idx="minor">
+            <a:schemeClr val="lt1"/>
+          </a:fontRef>
+        </p:style>
+        <p:txBody>
+          <a:bodyPr rtlCol="0" anchor="ctr"/>
+          <a:lstStyle/>
+          <a:p>
+            <a:pPr algn="ctr"/>
+            <a:endParaRPr lang="en-US"/>
+          </a:p>
+        </p:txBody>
+      </p:sp>
+      <p:sp>
+        <p:nvSpPr>
+          <p:cNvPr id="99" name="Up Arrow 98">
+            <a:extLst>
+              <a:ext uri="{FF2B5EF4-FFF2-40B4-BE49-F238E27FC236}">
+                <a16:creationId xmlns:a16="http://schemas.microsoft.com/office/drawing/2014/main" id="{A7D63F71-EE78-1044-9D04-C96B73EBD46C}"/>
+              </a:ext>
+            </a:extLst>
+          </p:cNvPr>
+          <p:cNvSpPr/>
+          <p:nvPr/>
+        </p:nvSpPr>
+        <p:spPr>
+          <a:xfrm>
+            <a:off x="10074358" y="2435984"/>
+            <a:ext cx="277310" cy="1103277"/>
+          </a:xfrm>
+          <a:prstGeom prst="upArrow">
+            <a:avLst/>
+          </a:prstGeom>
+          <a:solidFill>
+            <a:schemeClr val="accent3"/>
+          </a:solidFill>
+          <a:ln>
+            <a:noFill/>
+          </a:ln>
+        </p:spPr>
+        <p:style>
+          <a:lnRef idx="2">
+            <a:schemeClr val="accent1">
+              <a:shade val="50000"/>
+            </a:schemeClr>
+          </a:lnRef>
+          <a:fillRef idx="1">
+            <a:schemeClr val="accent1"/>
+          </a:fillRef>
+          <a:effectRef idx="0">
+            <a:schemeClr val="accent1"/>
+          </a:effectRef>
+          <a:fontRef idx="minor">
+            <a:schemeClr val="lt1"/>
+          </a:fontRef>
+        </p:style>
+        <p:txBody>
+          <a:bodyPr rtlCol="0" anchor="ctr"/>
+          <a:lstStyle/>
+          <a:p>
+            <a:pPr algn="ctr"/>
+            <a:endParaRPr lang="en-US" dirty="0"/>
+          </a:p>
+        </p:txBody>
+      </p:sp>
+      <p:sp>
+        <p:nvSpPr>
+          <p:cNvPr id="100" name="TextBox 99">
+            <a:extLst>
+              <a:ext uri="{FF2B5EF4-FFF2-40B4-BE49-F238E27FC236}">
+                <a16:creationId xmlns:a16="http://schemas.microsoft.com/office/drawing/2014/main" id="{3D8BB414-AD41-E548-9411-C4360C4A3115}"/>
+              </a:ext>
+            </a:extLst>
+          </p:cNvPr>
+          <p:cNvSpPr txBox="1"/>
+          <p:nvPr/>
+        </p:nvSpPr>
+        <p:spPr>
+          <a:xfrm>
+            <a:off x="9607455" y="2751246"/>
+            <a:ext cx="590418" cy="369332"/>
+          </a:xfrm>
+          <a:prstGeom prst="rect">
+            <a:avLst/>
+          </a:prstGeom>
+          <a:noFill/>
+        </p:spPr>
+        <p:txBody>
+          <a:bodyPr wrap="none" rtlCol="0">
+            <a:spAutoFit/>
+          </a:bodyPr>
+          <a:lstStyle/>
+          <a:p>
+            <a:r>
+              <a:rPr lang="en-US" dirty="0">
+                <a:solidFill>
+                  <a:srgbClr val="FFFF00"/>
+                </a:solidFill>
+              </a:rPr>
+              <a:t>Trap</a:t>
+            </a:r>
+          </a:p>
+        </p:txBody>
+      </p:sp>
+      <p:cxnSp>
+        <p:nvCxnSpPr>
+          <p:cNvPr id="102" name="Curved Connector 101">
+            <a:extLst>
+              <a:ext uri="{FF2B5EF4-FFF2-40B4-BE49-F238E27FC236}">
+                <a16:creationId xmlns:a16="http://schemas.microsoft.com/office/drawing/2014/main" id="{BCDE1D19-3460-1C40-A0D1-36EFCEC9409B}"/>
+              </a:ext>
+            </a:extLst>
+          </p:cNvPr>
+          <p:cNvCxnSpPr>
+            <a:stCxn id="79" idx="3"/>
+            <a:endCxn id="80" idx="3"/>
+          </p:cNvCxnSpPr>
+          <p:nvPr/>
+        </p:nvCxnSpPr>
+        <p:spPr>
+          <a:xfrm flipH="1">
+            <a:off x="8466913" y="4196904"/>
+            <a:ext cx="49344" cy="1234483"/>
+          </a:xfrm>
+          <a:prstGeom prst="curvedConnector3">
+            <a:avLst>
+              <a:gd name="adj1" fmla="val -463278"/>
+            </a:avLst>
+          </a:prstGeom>
+          <a:ln>
+            <a:tailEnd type="triangle"/>
+          </a:ln>
+        </p:spPr>
+        <p:style>
+          <a:lnRef idx="3">
+            <a:schemeClr val="accent5"/>
+          </a:lnRef>
+          <a:fillRef idx="0">
+            <a:schemeClr val="accent5"/>
+          </a:fillRef>
+          <a:effectRef idx="2">
+            <a:schemeClr val="accent5"/>
+          </a:effectRef>
+          <a:fontRef idx="minor">
+            <a:schemeClr val="tx1"/>
+          </a:fontRef>
+        </p:style>
+      </p:cxnSp>
+      <p:sp>
+        <p:nvSpPr>
+          <p:cNvPr id="103" name="Down Arrow 102">
+            <a:extLst>
+              <a:ext uri="{FF2B5EF4-FFF2-40B4-BE49-F238E27FC236}">
+                <a16:creationId xmlns:a16="http://schemas.microsoft.com/office/drawing/2014/main" id="{266427A6-C9C9-3745-B29A-5F4A6FC4DBAB}"/>
+              </a:ext>
+            </a:extLst>
+          </p:cNvPr>
+          <p:cNvSpPr/>
+          <p:nvPr/>
+        </p:nvSpPr>
+        <p:spPr>
+          <a:xfrm>
+            <a:off x="10641042" y="2463855"/>
+            <a:ext cx="277310" cy="1103276"/>
+          </a:xfrm>
+          <a:prstGeom prst="downArrow">
+            <a:avLst/>
+          </a:prstGeom>
+          <a:solidFill>
+            <a:schemeClr val="accent3"/>
+          </a:solidFill>
+          <a:ln>
+            <a:noFill/>
+          </a:ln>
+        </p:spPr>
+        <p:style>
+          <a:lnRef idx="2">
+            <a:schemeClr val="accent1">
+              <a:shade val="50000"/>
+            </a:schemeClr>
+          </a:lnRef>
+          <a:fillRef idx="1">
+            <a:schemeClr val="accent1"/>
+          </a:fillRef>
+          <a:effectRef idx="0">
+            <a:schemeClr val="accent1"/>
+          </a:effectRef>
+          <a:fontRef idx="minor">
+            <a:schemeClr val="lt1"/>
+          </a:fontRef>
+        </p:style>
+        <p:txBody>
+          <a:bodyPr rtlCol="0" anchor="ctr"/>
+          <a:lstStyle/>
+          <a:p>
+            <a:pPr algn="ctr"/>
+            <a:endParaRPr lang="en-US"/>
+          </a:p>
+        </p:txBody>
+      </p:sp>
+      <p:sp>
+        <p:nvSpPr>
+          <p:cNvPr id="104" name="Up Arrow 103">
+            <a:extLst>
+              <a:ext uri="{FF2B5EF4-FFF2-40B4-BE49-F238E27FC236}">
+                <a16:creationId xmlns:a16="http://schemas.microsoft.com/office/drawing/2014/main" id="{3AF0A260-5B70-524B-92C8-595E596D8E89}"/>
+              </a:ext>
+            </a:extLst>
+          </p:cNvPr>
+          <p:cNvSpPr/>
+          <p:nvPr/>
+        </p:nvSpPr>
+        <p:spPr>
+          <a:xfrm>
+            <a:off x="11169062" y="2450348"/>
+            <a:ext cx="277310" cy="1103277"/>
+          </a:xfrm>
+          <a:prstGeom prst="upArrow">
+            <a:avLst/>
+          </a:prstGeom>
+          <a:solidFill>
+            <a:srgbClr val="FFFF00"/>
+          </a:solidFill>
+          <a:ln>
+            <a:solidFill>
+              <a:srgbClr val="FF0000"/>
+            </a:solidFill>
+          </a:ln>
+        </p:spPr>
+        <p:style>
+          <a:lnRef idx="2">
+            <a:schemeClr val="accent1">
+              <a:shade val="50000"/>
+            </a:schemeClr>
+          </a:lnRef>
+          <a:fillRef idx="1">
+            <a:schemeClr val="accent1"/>
+          </a:fillRef>
+          <a:effectRef idx="0">
+            <a:schemeClr val="accent1"/>
+          </a:effectRef>
+          <a:fontRef idx="minor">
+            <a:schemeClr val="lt1"/>
+          </a:fontRef>
+        </p:style>
+        <p:txBody>
+          <a:bodyPr rtlCol="0" anchor="ctr"/>
+          <a:lstStyle/>
+          <a:p>
+            <a:pPr algn="ctr"/>
+            <a:endParaRPr lang="en-US" dirty="0"/>
+          </a:p>
+        </p:txBody>
+      </p:sp>
+      <p:sp>
+        <p:nvSpPr>
+          <p:cNvPr id="105" name="TextBox 104">
+            <a:extLst>
+              <a:ext uri="{FF2B5EF4-FFF2-40B4-BE49-F238E27FC236}">
+                <a16:creationId xmlns:a16="http://schemas.microsoft.com/office/drawing/2014/main" id="{5E4C8CDA-0AB2-204D-9AD0-9C6F097760BC}"/>
+              </a:ext>
+            </a:extLst>
+          </p:cNvPr>
+          <p:cNvSpPr txBox="1"/>
+          <p:nvPr/>
+        </p:nvSpPr>
+        <p:spPr>
+          <a:xfrm>
+            <a:off x="10769436" y="2758337"/>
+            <a:ext cx="590418" cy="369332"/>
+          </a:xfrm>
+          <a:prstGeom prst="rect">
+            <a:avLst/>
+          </a:prstGeom>
+          <a:noFill/>
+        </p:spPr>
+        <p:txBody>
+          <a:bodyPr wrap="none" rtlCol="0">
+            <a:spAutoFit/>
+          </a:bodyPr>
+          <a:lstStyle/>
+          <a:p>
+            <a:r>
+              <a:rPr lang="en-US" dirty="0">
+                <a:solidFill>
+                  <a:srgbClr val="FFFF00"/>
+                </a:solidFill>
+              </a:rPr>
+              <a:t>Trap</a:t>
+            </a:r>
+          </a:p>
+        </p:txBody>
+      </p:sp>
+      <p:sp>
+        <p:nvSpPr>
+          <p:cNvPr id="106" name="Rounded Rectangle 105">
+            <a:extLst>
+              <a:ext uri="{FF2B5EF4-FFF2-40B4-BE49-F238E27FC236}">
+                <a16:creationId xmlns:a16="http://schemas.microsoft.com/office/drawing/2014/main" id="{A8E59E63-15C7-1F44-A60E-EFB9D4024CAC}"/>
+              </a:ext>
+            </a:extLst>
+          </p:cNvPr>
+          <p:cNvSpPr/>
+          <p:nvPr/>
+        </p:nvSpPr>
+        <p:spPr>
+          <a:xfrm>
+            <a:off x="10604800" y="1502271"/>
+            <a:ext cx="882869" cy="882869"/>
+          </a:xfrm>
+          <a:prstGeom prst="roundRect">
+            <a:avLst/>
+          </a:prstGeom>
+          <a:solidFill>
+            <a:schemeClr val="accent2"/>
+          </a:solidFill>
+          <a:ln>
+            <a:noFill/>
+          </a:ln>
+        </p:spPr>
+        <p:style>
+          <a:lnRef idx="2">
+            <a:schemeClr val="accent1">
+              <a:shade val="50000"/>
+            </a:schemeClr>
+          </a:lnRef>
+          <a:fillRef idx="1">
+            <a:schemeClr val="accent1"/>
+          </a:fillRef>
+          <a:effectRef idx="0">
+            <a:schemeClr val="accent1"/>
+          </a:effectRef>
+          <a:fontRef idx="minor">
+            <a:schemeClr val="lt1"/>
+          </a:fontRef>
+        </p:style>
+        <p:txBody>
+          <a:bodyPr rtlCol="0" anchor="ctr"/>
+          <a:lstStyle/>
+          <a:p>
+            <a:pPr algn="ctr"/>
+            <a:r>
+              <a:rPr lang="en-US" dirty="0"/>
+              <a:t>spin1</a:t>
+            </a:r>
+          </a:p>
+          <a:p>
+            <a:pPr algn="ctr"/>
+            <a:r>
+              <a:rPr lang="en-US" sz="1200" b="1" dirty="0"/>
+              <a:t>echo /</a:t>
+            </a:r>
+          </a:p>
+        </p:txBody>
+      </p:sp>
+      <p:sp>
+        <p:nvSpPr>
+          <p:cNvPr id="107" name="Rounded Rectangle 106">
+            <a:extLst>
+              <a:ext uri="{FF2B5EF4-FFF2-40B4-BE49-F238E27FC236}">
+                <a16:creationId xmlns:a16="http://schemas.microsoft.com/office/drawing/2014/main" id="{7F102CFB-DACB-8543-8ABD-4488266F0A3C}"/>
+              </a:ext>
+            </a:extLst>
+          </p:cNvPr>
+          <p:cNvSpPr/>
+          <p:nvPr/>
+        </p:nvSpPr>
+        <p:spPr>
+          <a:xfrm>
+            <a:off x="9317342" y="5033682"/>
+            <a:ext cx="918519" cy="939114"/>
+          </a:xfrm>
+          <a:prstGeom prst="roundRect">
+            <a:avLst/>
+          </a:prstGeom>
+          <a:solidFill>
+            <a:srgbClr val="FFFF00"/>
+          </a:solidFill>
+          <a:ln>
+            <a:noFill/>
+          </a:ln>
+        </p:spPr>
+        <p:style>
+          <a:lnRef idx="2">
+            <a:schemeClr val="accent1">
+              <a:shade val="50000"/>
+            </a:schemeClr>
+          </a:lnRef>
+          <a:fillRef idx="1">
+            <a:schemeClr val="accent1"/>
+          </a:fillRef>
+          <a:effectRef idx="0">
+            <a:schemeClr val="accent1"/>
+          </a:effectRef>
+          <a:fontRef idx="minor">
+            <a:schemeClr val="lt1"/>
+          </a:fontRef>
+        </p:style>
+        <p:txBody>
+          <a:bodyPr rtlCol="0" anchor="ctr"/>
+          <a:lstStyle/>
+          <a:p>
+            <a:pPr algn="ctr"/>
+            <a:r>
+              <a:rPr lang="en-US" b="1" dirty="0">
+                <a:solidFill>
+                  <a:schemeClr val="bg1"/>
+                </a:solidFill>
+              </a:rPr>
+              <a:t>CPU</a:t>
+            </a:r>
+          </a:p>
+          <a:p>
+            <a:pPr algn="ctr"/>
+            <a:endParaRPr lang="en-US" b="1" dirty="0">
+              <a:solidFill>
+                <a:schemeClr val="bg1"/>
+              </a:solidFill>
+            </a:endParaRPr>
+          </a:p>
+        </p:txBody>
+      </p:sp>
+      <p:sp>
+        <p:nvSpPr>
+          <p:cNvPr id="108" name="Rectangle 107">
+            <a:extLst>
+              <a:ext uri="{FF2B5EF4-FFF2-40B4-BE49-F238E27FC236}">
+                <a16:creationId xmlns:a16="http://schemas.microsoft.com/office/drawing/2014/main" id="{0EAE83D4-C9F3-1D44-B6AF-A18AEA4401CF}"/>
+              </a:ext>
+            </a:extLst>
+          </p:cNvPr>
+          <p:cNvSpPr/>
+          <p:nvPr/>
+        </p:nvSpPr>
+        <p:spPr>
+          <a:xfrm>
+            <a:off x="9529054" y="3663778"/>
+            <a:ext cx="495096" cy="1103276"/>
+          </a:xfrm>
+          <a:prstGeom prst="rect">
+            <a:avLst/>
+          </a:prstGeom>
+        </p:spPr>
+        <p:style>
+          <a:lnRef idx="2">
+            <a:schemeClr val="accent1">
+              <a:shade val="50000"/>
+            </a:schemeClr>
+          </a:lnRef>
+          <a:fillRef idx="1">
+            <a:schemeClr val="accent1"/>
+          </a:fillRef>
+          <a:effectRef idx="0">
+            <a:schemeClr val="accent1"/>
+          </a:effectRef>
+          <a:fontRef idx="minor">
+            <a:schemeClr val="lt1"/>
+          </a:fontRef>
+        </p:style>
+        <p:txBody>
+          <a:bodyPr rtlCol="0" anchor="ctr"/>
+          <a:lstStyle/>
+          <a:p>
+            <a:pPr algn="ctr"/>
+            <a:r>
+              <a:rPr lang="en-US" sz="1200" dirty="0"/>
+              <a:t>S</a:t>
+            </a:r>
+          </a:p>
+          <a:p>
+            <a:pPr algn="ctr"/>
+            <a:r>
+              <a:rPr lang="en-US" sz="1200" dirty="0"/>
+              <a:t>PC</a:t>
+            </a:r>
+            <a:br>
+              <a:rPr lang="en-US" sz="1200" dirty="0"/>
+            </a:br>
+            <a:r>
+              <a:rPr lang="en-US" sz="1200" dirty="0"/>
+              <a:t>REG</a:t>
+            </a:r>
+          </a:p>
+        </p:txBody>
+      </p:sp>
+      <p:sp>
+        <p:nvSpPr>
+          <p:cNvPr id="109" name="Rectangle 108">
+            <a:extLst>
+              <a:ext uri="{FF2B5EF4-FFF2-40B4-BE49-F238E27FC236}">
+                <a16:creationId xmlns:a16="http://schemas.microsoft.com/office/drawing/2014/main" id="{2E171545-9D86-CA47-B284-BD5798B67B58}"/>
+              </a:ext>
+            </a:extLst>
+          </p:cNvPr>
+          <p:cNvSpPr/>
+          <p:nvPr/>
+        </p:nvSpPr>
+        <p:spPr>
+          <a:xfrm>
+            <a:off x="9565580" y="5651112"/>
+            <a:ext cx="414670" cy="1039184"/>
+          </a:xfrm>
+          <a:prstGeom prst="rect">
+            <a:avLst/>
+          </a:prstGeom>
+          <a:solidFill>
+            <a:srgbClr val="FFFF00"/>
+          </a:solidFill>
+          <a:ln>
+            <a:solidFill>
+              <a:schemeClr val="bg1"/>
+            </a:solidFill>
+          </a:ln>
+        </p:spPr>
+        <p:style>
+          <a:lnRef idx="2">
+            <a:schemeClr val="accent1">
+              <a:shade val="50000"/>
+            </a:schemeClr>
+          </a:lnRef>
+          <a:fillRef idx="1">
+            <a:schemeClr val="accent1"/>
+          </a:fillRef>
+          <a:effectRef idx="0">
+            <a:schemeClr val="accent1"/>
+          </a:effectRef>
+          <a:fontRef idx="minor">
+            <a:schemeClr val="lt1"/>
+          </a:fontRef>
+        </p:style>
+        <p:txBody>
+          <a:bodyPr rtlCol="0" anchor="ctr"/>
+          <a:lstStyle/>
+          <a:p>
+            <a:pPr algn="ctr"/>
+            <a:r>
+              <a:rPr lang="en-US" sz="1200" dirty="0">
+                <a:solidFill>
+                  <a:schemeClr val="bg1"/>
+                </a:solidFill>
+              </a:rPr>
+              <a:t>S</a:t>
+            </a:r>
+          </a:p>
+          <a:p>
+            <a:pPr algn="ctr"/>
+            <a:r>
+              <a:rPr lang="en-US" sz="1200" dirty="0">
+                <a:solidFill>
+                  <a:schemeClr val="bg1"/>
+                </a:solidFill>
+              </a:rPr>
+              <a:t>PC</a:t>
+            </a:r>
+          </a:p>
+          <a:p>
+            <a:pPr algn="ctr"/>
+            <a:r>
+              <a:rPr lang="en-US" sz="1000" dirty="0">
+                <a:solidFill>
+                  <a:schemeClr val="bg1"/>
+                </a:solidFill>
+              </a:rPr>
+              <a:t>REG</a:t>
+            </a:r>
+          </a:p>
+          <a:p>
+            <a:pPr algn="ctr"/>
+            <a:endParaRPr lang="en-US" sz="1200" dirty="0">
+              <a:solidFill>
+                <a:schemeClr val="bg1"/>
+              </a:solidFill>
+            </a:endParaRPr>
+          </a:p>
+        </p:txBody>
+      </p:sp>
+      <p:sp>
+        <p:nvSpPr>
+          <p:cNvPr id="110" name="TextBox 109">
+            <a:extLst>
+              <a:ext uri="{FF2B5EF4-FFF2-40B4-BE49-F238E27FC236}">
+                <a16:creationId xmlns:a16="http://schemas.microsoft.com/office/drawing/2014/main" id="{F967C5F9-F65E-5C44-8601-E536E2646FCE}"/>
+              </a:ext>
+            </a:extLst>
+          </p:cNvPr>
+          <p:cNvSpPr txBox="1"/>
+          <p:nvPr/>
+        </p:nvSpPr>
+        <p:spPr>
+          <a:xfrm>
+            <a:off x="9271720" y="5424013"/>
+            <a:ext cx="1002390" cy="276999"/>
+          </a:xfrm>
+          <a:prstGeom prst="rect">
+            <a:avLst/>
+          </a:prstGeom>
+          <a:noFill/>
+        </p:spPr>
+        <p:txBody>
+          <a:bodyPr wrap="none" rtlCol="0">
+            <a:spAutoFit/>
+          </a:bodyPr>
+          <a:lstStyle/>
+          <a:p>
+            <a:r>
+              <a:rPr lang="en-US" sz="1200" dirty="0">
+                <a:solidFill>
+                  <a:schemeClr val="bg1"/>
+                </a:solidFill>
+              </a:rPr>
+              <a:t>cpu-&gt;context</a:t>
+            </a:r>
+          </a:p>
+        </p:txBody>
+      </p:sp>
+      <p:cxnSp>
+        <p:nvCxnSpPr>
+          <p:cNvPr id="111" name="Curved Connector 110">
+            <a:extLst>
+              <a:ext uri="{FF2B5EF4-FFF2-40B4-BE49-F238E27FC236}">
+                <a16:creationId xmlns:a16="http://schemas.microsoft.com/office/drawing/2014/main" id="{8F7D6A26-089B-2742-9B75-D15F3044F187}"/>
+              </a:ext>
+            </a:extLst>
+          </p:cNvPr>
+          <p:cNvCxnSpPr>
+            <a:stCxn id="109" idx="1"/>
+            <a:endCxn id="108" idx="1"/>
+          </p:cNvCxnSpPr>
+          <p:nvPr/>
+        </p:nvCxnSpPr>
+        <p:spPr>
+          <a:xfrm rot="10800000">
+            <a:off x="9529054" y="4215416"/>
+            <a:ext cx="36526" cy="1955288"/>
+          </a:xfrm>
+          <a:prstGeom prst="curvedConnector3">
+            <a:avLst>
+              <a:gd name="adj1" fmla="val 725856"/>
+            </a:avLst>
+          </a:prstGeom>
+          <a:ln>
+            <a:tailEnd type="triangle"/>
+          </a:ln>
+        </p:spPr>
+        <p:style>
+          <a:lnRef idx="3">
+            <a:schemeClr val="accent4"/>
+          </a:lnRef>
+          <a:fillRef idx="0">
+            <a:schemeClr val="accent4"/>
+          </a:fillRef>
+          <a:effectRef idx="2">
+            <a:schemeClr val="accent4"/>
+          </a:effectRef>
+          <a:fontRef idx="minor">
+            <a:schemeClr val="tx1"/>
+          </a:fontRef>
+        </p:style>
+      </p:cxnSp>
+      <p:cxnSp>
+        <p:nvCxnSpPr>
+          <p:cNvPr id="112" name="Curved Connector 111">
+            <a:extLst>
+              <a:ext uri="{FF2B5EF4-FFF2-40B4-BE49-F238E27FC236}">
+                <a16:creationId xmlns:a16="http://schemas.microsoft.com/office/drawing/2014/main" id="{D2F8F484-6169-8149-9B90-3CCBC769E31A}"/>
+              </a:ext>
+            </a:extLst>
+          </p:cNvPr>
+          <p:cNvCxnSpPr>
+            <a:stCxn id="108" idx="3"/>
+            <a:endCxn id="109" idx="3"/>
+          </p:cNvCxnSpPr>
+          <p:nvPr/>
+        </p:nvCxnSpPr>
+        <p:spPr>
+          <a:xfrm flipH="1">
+            <a:off x="9980250" y="4215416"/>
+            <a:ext cx="43900" cy="1955288"/>
+          </a:xfrm>
+          <a:prstGeom prst="curvedConnector3">
+            <a:avLst>
+              <a:gd name="adj1" fmla="val -520729"/>
+            </a:avLst>
+          </a:prstGeom>
+          <a:ln>
+            <a:tailEnd type="triangle"/>
+          </a:ln>
+        </p:spPr>
+        <p:style>
+          <a:lnRef idx="3">
+            <a:schemeClr val="accent4"/>
+          </a:lnRef>
+          <a:fillRef idx="0">
+            <a:schemeClr val="accent4"/>
+          </a:fillRef>
+          <a:effectRef idx="2">
+            <a:schemeClr val="accent4"/>
+          </a:effectRef>
+          <a:fontRef idx="minor">
+            <a:schemeClr val="tx1"/>
+          </a:fontRef>
+        </p:style>
+      </p:cxnSp>
+      <p:sp>
+        <p:nvSpPr>
+          <p:cNvPr id="124" name="Rectangle 123">
+            <a:extLst>
+              <a:ext uri="{FF2B5EF4-FFF2-40B4-BE49-F238E27FC236}">
+                <a16:creationId xmlns:a16="http://schemas.microsoft.com/office/drawing/2014/main" id="{847DFDA2-ADCE-0143-9D9B-D55C1F4875A7}"/>
+              </a:ext>
+            </a:extLst>
+          </p:cNvPr>
+          <p:cNvSpPr/>
+          <p:nvPr/>
+        </p:nvSpPr>
+        <p:spPr>
+          <a:xfrm>
+            <a:off x="10827880" y="3663778"/>
+            <a:ext cx="495096" cy="1103276"/>
+          </a:xfrm>
+          <a:prstGeom prst="rect">
+            <a:avLst/>
+          </a:prstGeom>
+        </p:spPr>
+        <p:style>
+          <a:lnRef idx="2">
+            <a:schemeClr val="accent1">
+              <a:shade val="50000"/>
+            </a:schemeClr>
+          </a:lnRef>
+          <a:fillRef idx="1">
+            <a:schemeClr val="accent1"/>
+          </a:fillRef>
+          <a:effectRef idx="0">
+            <a:schemeClr val="accent1"/>
+          </a:effectRef>
+          <a:fontRef idx="minor">
+            <a:schemeClr val="lt1"/>
+          </a:fontRef>
+        </p:style>
+        <p:txBody>
+          <a:bodyPr rtlCol="0" anchor="ctr"/>
+          <a:lstStyle/>
+          <a:p>
+            <a:pPr algn="ctr"/>
+            <a:r>
+              <a:rPr lang="en-US" sz="800" dirty="0"/>
+              <a:t>Spin1</a:t>
+            </a:r>
+          </a:p>
+          <a:p>
+            <a:pPr algn="ctr"/>
+            <a:r>
+              <a:rPr lang="en-US" sz="1200" dirty="0"/>
+              <a:t>S</a:t>
+            </a:r>
+          </a:p>
+          <a:p>
+            <a:pPr algn="ctr"/>
+            <a:r>
+              <a:rPr lang="en-US" sz="1200" dirty="0"/>
+              <a:t>PC</a:t>
+            </a:r>
+          </a:p>
+          <a:p>
+            <a:pPr algn="ctr"/>
+            <a:r>
+              <a:rPr lang="en-US" sz="1200" dirty="0"/>
+              <a:t>REG</a:t>
+            </a:r>
+          </a:p>
+        </p:txBody>
+      </p:sp>
+      <p:sp>
+        <p:nvSpPr>
+          <p:cNvPr id="125" name="Rectangle 124">
+            <a:extLst>
+              <a:ext uri="{FF2B5EF4-FFF2-40B4-BE49-F238E27FC236}">
+                <a16:creationId xmlns:a16="http://schemas.microsoft.com/office/drawing/2014/main" id="{9398779A-0E3A-184C-A774-BC1DA814FE44}"/>
+              </a:ext>
+            </a:extLst>
+          </p:cNvPr>
+          <p:cNvSpPr/>
+          <p:nvPr/>
+        </p:nvSpPr>
+        <p:spPr>
+          <a:xfrm>
+            <a:off x="10858962" y="4930307"/>
+            <a:ext cx="414670" cy="1039184"/>
+          </a:xfrm>
+          <a:prstGeom prst="rect">
+            <a:avLst/>
+          </a:prstGeom>
+          <a:solidFill>
+            <a:srgbClr val="00B0F0"/>
+          </a:solidFill>
+          <a:ln>
+            <a:noFill/>
+          </a:ln>
+        </p:spPr>
+        <p:style>
+          <a:lnRef idx="2">
+            <a:schemeClr val="accent1">
+              <a:shade val="50000"/>
+            </a:schemeClr>
+          </a:lnRef>
+          <a:fillRef idx="1">
+            <a:schemeClr val="accent1"/>
+          </a:fillRef>
+          <a:effectRef idx="0">
+            <a:schemeClr val="accent1"/>
+          </a:effectRef>
+          <a:fontRef idx="minor">
+            <a:schemeClr val="lt1"/>
+          </a:fontRef>
+        </p:style>
+        <p:txBody>
+          <a:bodyPr rtlCol="0" anchor="ctr"/>
+          <a:lstStyle/>
+          <a:p>
+            <a:pPr algn="ctr"/>
+            <a:r>
+              <a:rPr lang="en-US" sz="800" dirty="0"/>
+              <a:t>Spin1</a:t>
+            </a:r>
+          </a:p>
+          <a:p>
+            <a:pPr algn="ctr"/>
+            <a:r>
+              <a:rPr lang="en-US" sz="1200" dirty="0"/>
+              <a:t>S</a:t>
+            </a:r>
+          </a:p>
+          <a:p>
+            <a:pPr algn="ctr"/>
+            <a:r>
+              <a:rPr lang="en-US" sz="1200" dirty="0"/>
+              <a:t>PC</a:t>
+            </a:r>
+          </a:p>
+          <a:p>
+            <a:pPr algn="ctr"/>
+            <a:r>
+              <a:rPr lang="en-US" sz="1000" dirty="0"/>
+              <a:t>REG</a:t>
+            </a:r>
+          </a:p>
+          <a:p>
+            <a:pPr algn="ctr"/>
+            <a:endParaRPr lang="en-US" sz="1200" dirty="0"/>
+          </a:p>
+        </p:txBody>
+      </p:sp>
+      <p:sp>
+        <p:nvSpPr>
+          <p:cNvPr id="126" name="TextBox 125">
+            <a:extLst>
+              <a:ext uri="{FF2B5EF4-FFF2-40B4-BE49-F238E27FC236}">
+                <a16:creationId xmlns:a16="http://schemas.microsoft.com/office/drawing/2014/main" id="{D585F0CC-BDCB-7342-BCB5-5E243A87DD5A}"/>
+              </a:ext>
+            </a:extLst>
+          </p:cNvPr>
+          <p:cNvSpPr txBox="1"/>
+          <p:nvPr/>
+        </p:nvSpPr>
+        <p:spPr>
+          <a:xfrm>
+            <a:off x="10638038" y="5893705"/>
+            <a:ext cx="856517" cy="276999"/>
+          </a:xfrm>
+          <a:prstGeom prst="rect">
+            <a:avLst/>
+          </a:prstGeom>
+          <a:noFill/>
+        </p:spPr>
+        <p:txBody>
+          <a:bodyPr wrap="none" rtlCol="0">
+            <a:spAutoFit/>
+          </a:bodyPr>
+          <a:lstStyle/>
+          <a:p>
+            <a:r>
+              <a:rPr lang="en-US" sz="1200" dirty="0"/>
+              <a:t>p-&gt;context</a:t>
+            </a:r>
+          </a:p>
+        </p:txBody>
+      </p:sp>
+      <p:sp>
+        <p:nvSpPr>
+          <p:cNvPr id="128" name="Rectangle 127">
+            <a:extLst>
+              <a:ext uri="{FF2B5EF4-FFF2-40B4-BE49-F238E27FC236}">
+                <a16:creationId xmlns:a16="http://schemas.microsoft.com/office/drawing/2014/main" id="{69E856FB-5E61-B146-A5CA-24861ADE3F07}"/>
+              </a:ext>
+            </a:extLst>
+          </p:cNvPr>
+          <p:cNvSpPr/>
+          <p:nvPr/>
+        </p:nvSpPr>
+        <p:spPr>
+          <a:xfrm>
+            <a:off x="11671315" y="1378003"/>
+            <a:ext cx="414670" cy="1039184"/>
+          </a:xfrm>
+          <a:prstGeom prst="rect">
+            <a:avLst/>
+          </a:prstGeom>
+          <a:solidFill>
+            <a:schemeClr val="accent2"/>
+          </a:solidFill>
+          <a:ln>
+            <a:noFill/>
+          </a:ln>
+        </p:spPr>
+        <p:style>
+          <a:lnRef idx="2">
+            <a:schemeClr val="accent1">
+              <a:shade val="50000"/>
+            </a:schemeClr>
+          </a:lnRef>
+          <a:fillRef idx="1">
+            <a:schemeClr val="accent1"/>
+          </a:fillRef>
+          <a:effectRef idx="0">
+            <a:schemeClr val="accent1"/>
+          </a:effectRef>
+          <a:fontRef idx="minor">
+            <a:schemeClr val="lt1"/>
+          </a:fontRef>
+        </p:style>
+        <p:txBody>
+          <a:bodyPr rtlCol="0" anchor="ctr"/>
+          <a:lstStyle/>
+          <a:p>
+            <a:pPr algn="ctr"/>
+            <a:r>
+              <a:rPr lang="en-US" sz="800" dirty="0"/>
+              <a:t>Spin1</a:t>
+            </a:r>
+          </a:p>
+          <a:p>
+            <a:pPr algn="ctr"/>
+            <a:r>
+              <a:rPr lang="en-US" sz="1200" dirty="0"/>
+              <a:t>S</a:t>
+            </a:r>
+          </a:p>
+          <a:p>
+            <a:pPr algn="ctr"/>
+            <a:r>
+              <a:rPr lang="en-US" sz="1200" dirty="0"/>
+              <a:t>PC</a:t>
+            </a:r>
+          </a:p>
+          <a:p>
+            <a:pPr algn="ctr"/>
+            <a:r>
+              <a:rPr lang="en-US" sz="1000" dirty="0"/>
+              <a:t>REG</a:t>
+            </a:r>
+          </a:p>
+          <a:p>
+            <a:pPr algn="ctr"/>
+            <a:endParaRPr lang="en-US" sz="1200" dirty="0"/>
+          </a:p>
+        </p:txBody>
+      </p:sp>
+      <p:sp>
+        <p:nvSpPr>
+          <p:cNvPr id="129" name="Rectangle 128">
+            <a:extLst>
+              <a:ext uri="{FF2B5EF4-FFF2-40B4-BE49-F238E27FC236}">
+                <a16:creationId xmlns:a16="http://schemas.microsoft.com/office/drawing/2014/main" id="{75E156FB-27A4-8945-BB2E-08E52EA07CC7}"/>
+              </a:ext>
+            </a:extLst>
+          </p:cNvPr>
+          <p:cNvSpPr/>
+          <p:nvPr/>
+        </p:nvSpPr>
+        <p:spPr>
+          <a:xfrm>
+            <a:off x="11661504" y="2485601"/>
+            <a:ext cx="414670" cy="1039184"/>
+          </a:xfrm>
+          <a:prstGeom prst="rect">
+            <a:avLst/>
+          </a:prstGeom>
+          <a:solidFill>
+            <a:srgbClr val="FFFF00"/>
+          </a:solidFill>
+          <a:ln>
+            <a:solidFill>
+              <a:srgbClr val="FFFF00"/>
+            </a:solidFill>
+          </a:ln>
+        </p:spPr>
+        <p:style>
+          <a:lnRef idx="2">
+            <a:schemeClr val="accent1">
+              <a:shade val="50000"/>
+            </a:schemeClr>
+          </a:lnRef>
+          <a:fillRef idx="1">
+            <a:schemeClr val="accent1"/>
+          </a:fillRef>
+          <a:effectRef idx="0">
+            <a:schemeClr val="accent1"/>
+          </a:effectRef>
+          <a:fontRef idx="minor">
+            <a:schemeClr val="lt1"/>
+          </a:fontRef>
+        </p:style>
+        <p:txBody>
+          <a:bodyPr rtlCol="0" anchor="ctr"/>
+          <a:lstStyle/>
+          <a:p>
+            <a:pPr algn="ctr"/>
+            <a:r>
+              <a:rPr lang="en-US" sz="800" dirty="0">
+                <a:solidFill>
+                  <a:schemeClr val="bg1"/>
+                </a:solidFill>
+              </a:rPr>
+              <a:t>Spin1</a:t>
+            </a:r>
+          </a:p>
+          <a:p>
+            <a:pPr algn="ctr"/>
+            <a:r>
+              <a:rPr lang="en-US" sz="1200" dirty="0">
+                <a:solidFill>
+                  <a:schemeClr val="bg1"/>
+                </a:solidFill>
+              </a:rPr>
+              <a:t>S</a:t>
+            </a:r>
+          </a:p>
+          <a:p>
+            <a:pPr algn="ctr"/>
+            <a:r>
+              <a:rPr lang="en-US" sz="1200" dirty="0">
+                <a:solidFill>
+                  <a:schemeClr val="bg1"/>
+                </a:solidFill>
+              </a:rPr>
+              <a:t>PC</a:t>
+            </a:r>
+          </a:p>
+          <a:p>
+            <a:pPr algn="ctr"/>
+            <a:r>
+              <a:rPr lang="en-US" sz="1000" dirty="0">
+                <a:solidFill>
+                  <a:schemeClr val="bg1"/>
+                </a:solidFill>
+              </a:rPr>
+              <a:t>REG</a:t>
+            </a:r>
+          </a:p>
+          <a:p>
+            <a:pPr algn="ctr"/>
+            <a:endParaRPr lang="en-US" sz="1200" dirty="0">
+              <a:solidFill>
+                <a:schemeClr val="bg1"/>
+              </a:solidFill>
+            </a:endParaRPr>
+          </a:p>
+        </p:txBody>
+      </p:sp>
+      <p:sp>
+        <p:nvSpPr>
+          <p:cNvPr id="130" name="TextBox 129">
+            <a:extLst>
+              <a:ext uri="{FF2B5EF4-FFF2-40B4-BE49-F238E27FC236}">
+                <a16:creationId xmlns:a16="http://schemas.microsoft.com/office/drawing/2014/main" id="{DEE3B063-EEB0-C842-84E8-94A7EABD72DD}"/>
+              </a:ext>
+            </a:extLst>
+          </p:cNvPr>
+          <p:cNvSpPr txBox="1"/>
+          <p:nvPr/>
+        </p:nvSpPr>
+        <p:spPr>
+          <a:xfrm>
+            <a:off x="11423912" y="3492129"/>
+            <a:ext cx="883768" cy="276999"/>
+          </a:xfrm>
+          <a:prstGeom prst="rect">
+            <a:avLst/>
+          </a:prstGeom>
+          <a:noFill/>
+        </p:spPr>
+        <p:txBody>
+          <a:bodyPr wrap="none" rtlCol="0">
+            <a:spAutoFit/>
+          </a:bodyPr>
+          <a:lstStyle/>
+          <a:p>
+            <a:r>
+              <a:rPr lang="en-US" sz="1200" dirty="0"/>
+              <a:t>Trap Frame</a:t>
+            </a:r>
+          </a:p>
+        </p:txBody>
+      </p:sp>
+      <p:cxnSp>
+        <p:nvCxnSpPr>
+          <p:cNvPr id="133" name="Curved Connector 132">
+            <a:extLst>
+              <a:ext uri="{FF2B5EF4-FFF2-40B4-BE49-F238E27FC236}">
+                <a16:creationId xmlns:a16="http://schemas.microsoft.com/office/drawing/2014/main" id="{CA2C3F19-4883-E941-BDD6-4037AB60BF85}"/>
+              </a:ext>
+            </a:extLst>
+          </p:cNvPr>
+          <p:cNvCxnSpPr>
+            <a:stCxn id="129" idx="1"/>
+            <a:endCxn id="128" idx="1"/>
+          </p:cNvCxnSpPr>
+          <p:nvPr/>
+        </p:nvCxnSpPr>
+        <p:spPr>
+          <a:xfrm rot="10800000" flipH="1">
+            <a:off x="11661503" y="1897595"/>
+            <a:ext cx="9811" cy="1107598"/>
+          </a:xfrm>
+          <a:prstGeom prst="curvedConnector3">
+            <a:avLst>
+              <a:gd name="adj1" fmla="val -2330038"/>
+            </a:avLst>
+          </a:prstGeom>
+          <a:ln>
+            <a:tailEnd type="triangle"/>
+          </a:ln>
+        </p:spPr>
+        <p:style>
+          <a:lnRef idx="3">
+            <a:schemeClr val="accent3"/>
+          </a:lnRef>
+          <a:fillRef idx="0">
+            <a:schemeClr val="accent3"/>
+          </a:fillRef>
+          <a:effectRef idx="2">
+            <a:schemeClr val="accent3"/>
+          </a:effectRef>
+          <a:fontRef idx="minor">
+            <a:schemeClr val="tx1"/>
+          </a:fontRef>
+        </p:style>
+      </p:cxnSp>
+      <p:sp>
+        <p:nvSpPr>
+          <p:cNvPr id="134" name="TextBox 133">
+            <a:extLst>
+              <a:ext uri="{FF2B5EF4-FFF2-40B4-BE49-F238E27FC236}">
+                <a16:creationId xmlns:a16="http://schemas.microsoft.com/office/drawing/2014/main" id="{42EFD72B-F367-0A49-8125-4C61C0AF4BB4}"/>
+              </a:ext>
+            </a:extLst>
+          </p:cNvPr>
+          <p:cNvSpPr txBox="1"/>
+          <p:nvPr/>
+        </p:nvSpPr>
+        <p:spPr>
+          <a:xfrm>
+            <a:off x="11671180" y="4426739"/>
+            <a:ext cx="343364" cy="369332"/>
+          </a:xfrm>
+          <a:prstGeom prst="rect">
+            <a:avLst/>
+          </a:prstGeom>
+          <a:noFill/>
+        </p:spPr>
+        <p:txBody>
+          <a:bodyPr wrap="none" rtlCol="0">
+            <a:spAutoFit/>
+          </a:bodyPr>
+          <a:lstStyle/>
+          <a:p>
+            <a:r>
+              <a:rPr lang="en-US" dirty="0"/>
+              <a:t>…</a:t>
+            </a:r>
+          </a:p>
+        </p:txBody>
+      </p:sp>
+      <p:sp>
+        <p:nvSpPr>
+          <p:cNvPr id="135" name="Right Arrow 134">
+            <a:extLst>
+              <a:ext uri="{FF2B5EF4-FFF2-40B4-BE49-F238E27FC236}">
+                <a16:creationId xmlns:a16="http://schemas.microsoft.com/office/drawing/2014/main" id="{2795D4D4-8364-B140-8C62-E365AACC7FE2}"/>
+              </a:ext>
+            </a:extLst>
+          </p:cNvPr>
+          <p:cNvSpPr/>
+          <p:nvPr/>
+        </p:nvSpPr>
+        <p:spPr>
+          <a:xfrm>
+            <a:off x="8758499" y="4702537"/>
+            <a:ext cx="509499" cy="350874"/>
+          </a:xfrm>
+          <a:prstGeom prst="rightArrow">
+            <a:avLst/>
+          </a:prstGeom>
+        </p:spPr>
+        <p:style>
+          <a:lnRef idx="2">
+            <a:schemeClr val="accent1">
+              <a:shade val="50000"/>
+            </a:schemeClr>
+          </a:lnRef>
+          <a:fillRef idx="1">
+            <a:schemeClr val="accent1"/>
+          </a:fillRef>
+          <a:effectRef idx="0">
+            <a:schemeClr val="accent1"/>
+          </a:effectRef>
+          <a:fontRef idx="minor">
+            <a:schemeClr val="lt1"/>
+          </a:fontRef>
+        </p:style>
+        <p:txBody>
+          <a:bodyPr rtlCol="0" anchor="ctr"/>
+          <a:lstStyle/>
+          <a:p>
+            <a:pPr algn="ctr"/>
+            <a:endParaRPr lang="en-US"/>
+          </a:p>
+        </p:txBody>
+      </p:sp>
+      <p:sp>
+        <p:nvSpPr>
+          <p:cNvPr id="137" name="Right Arrow 136">
+            <a:extLst>
+              <a:ext uri="{FF2B5EF4-FFF2-40B4-BE49-F238E27FC236}">
+                <a16:creationId xmlns:a16="http://schemas.microsoft.com/office/drawing/2014/main" id="{8E4A227C-DF1F-E341-85E8-BD050B37F627}"/>
+              </a:ext>
+            </a:extLst>
+          </p:cNvPr>
+          <p:cNvSpPr/>
+          <p:nvPr/>
+        </p:nvSpPr>
+        <p:spPr>
+          <a:xfrm>
+            <a:off x="10300119" y="4702537"/>
+            <a:ext cx="509499" cy="350874"/>
+          </a:xfrm>
+          <a:prstGeom prst="rightArrow">
+            <a:avLst/>
+          </a:prstGeom>
+        </p:spPr>
+        <p:style>
+          <a:lnRef idx="2">
+            <a:schemeClr val="accent1">
+              <a:shade val="50000"/>
+            </a:schemeClr>
+          </a:lnRef>
+          <a:fillRef idx="1">
+            <a:schemeClr val="accent1"/>
+          </a:fillRef>
+          <a:effectRef idx="0">
+            <a:schemeClr val="accent1"/>
+          </a:effectRef>
+          <a:fontRef idx="minor">
+            <a:schemeClr val="lt1"/>
+          </a:fontRef>
+        </p:style>
+        <p:txBody>
+          <a:bodyPr rtlCol="0" anchor="ctr"/>
+          <a:lstStyle/>
+          <a:p>
+            <a:pPr algn="ctr"/>
+            <a:endParaRPr lang="en-US"/>
+          </a:p>
+        </p:txBody>
+      </p:sp>
+      <p:sp>
+        <p:nvSpPr>
+          <p:cNvPr id="138" name="TextBox 137">
+            <a:extLst>
+              <a:ext uri="{FF2B5EF4-FFF2-40B4-BE49-F238E27FC236}">
+                <a16:creationId xmlns:a16="http://schemas.microsoft.com/office/drawing/2014/main" id="{CA30FF2B-6D5A-6342-A3E1-B8EF6D7F645E}"/>
+              </a:ext>
+            </a:extLst>
+          </p:cNvPr>
+          <p:cNvSpPr txBox="1"/>
+          <p:nvPr/>
+        </p:nvSpPr>
+        <p:spPr>
+          <a:xfrm>
+            <a:off x="8737724" y="4519073"/>
+            <a:ext cx="551048" cy="276999"/>
+          </a:xfrm>
+          <a:prstGeom prst="rect">
+            <a:avLst/>
+          </a:prstGeom>
+          <a:noFill/>
+        </p:spPr>
+        <p:txBody>
+          <a:bodyPr wrap="none" rtlCol="0">
+            <a:spAutoFit/>
+          </a:bodyPr>
+          <a:lstStyle/>
+          <a:p>
+            <a:r>
+              <a:rPr lang="en-US" sz="1200" dirty="0"/>
+              <a:t>swtch</a:t>
+            </a:r>
+          </a:p>
+        </p:txBody>
+      </p:sp>
+      <p:sp>
+        <p:nvSpPr>
+          <p:cNvPr id="139" name="TextBox 138">
+            <a:extLst>
+              <a:ext uri="{FF2B5EF4-FFF2-40B4-BE49-F238E27FC236}">
+                <a16:creationId xmlns:a16="http://schemas.microsoft.com/office/drawing/2014/main" id="{E7FCE7F5-927C-894E-B440-9399B946755A}"/>
+              </a:ext>
+            </a:extLst>
+          </p:cNvPr>
+          <p:cNvSpPr txBox="1"/>
+          <p:nvPr/>
+        </p:nvSpPr>
+        <p:spPr>
+          <a:xfrm>
+            <a:off x="10234081" y="4519072"/>
+            <a:ext cx="551048" cy="276999"/>
+          </a:xfrm>
+          <a:prstGeom prst="rect">
+            <a:avLst/>
+          </a:prstGeom>
+          <a:noFill/>
+        </p:spPr>
+        <p:txBody>
+          <a:bodyPr wrap="none" rtlCol="0">
+            <a:spAutoFit/>
+          </a:bodyPr>
+          <a:lstStyle/>
+          <a:p>
+            <a:r>
+              <a:rPr lang="en-US" sz="1200" dirty="0"/>
+              <a:t>swtch</a:t>
+            </a:r>
+          </a:p>
+        </p:txBody>
+      </p:sp>
+      <p:sp>
+        <p:nvSpPr>
+          <p:cNvPr id="140" name="Right Arrow 139">
+            <a:extLst>
+              <a:ext uri="{FF2B5EF4-FFF2-40B4-BE49-F238E27FC236}">
+                <a16:creationId xmlns:a16="http://schemas.microsoft.com/office/drawing/2014/main" id="{ACA3C66E-E10A-5A49-9D2D-B877672392A2}"/>
+              </a:ext>
+            </a:extLst>
+          </p:cNvPr>
+          <p:cNvSpPr/>
+          <p:nvPr/>
+        </p:nvSpPr>
+        <p:spPr>
+          <a:xfrm>
+            <a:off x="11626134" y="4707969"/>
+            <a:ext cx="509499" cy="350874"/>
+          </a:xfrm>
+          <a:prstGeom prst="rightArrow">
+            <a:avLst/>
+          </a:prstGeom>
+        </p:spPr>
+        <p:style>
+          <a:lnRef idx="2">
+            <a:schemeClr val="accent1">
+              <a:shade val="50000"/>
+            </a:schemeClr>
+          </a:lnRef>
+          <a:fillRef idx="1">
+            <a:schemeClr val="accent1"/>
+          </a:fillRef>
+          <a:effectRef idx="0">
+            <a:schemeClr val="accent1"/>
+          </a:effectRef>
+          <a:fontRef idx="minor">
+            <a:schemeClr val="lt1"/>
+          </a:fontRef>
+        </p:style>
+        <p:txBody>
+          <a:bodyPr rtlCol="0" anchor="ctr"/>
+          <a:lstStyle/>
+          <a:p>
+            <a:pPr algn="ctr"/>
+            <a:endParaRPr lang="en-US"/>
+          </a:p>
+        </p:txBody>
+      </p:sp>
+      <p:cxnSp>
+        <p:nvCxnSpPr>
+          <p:cNvPr id="142" name="Curved Connector 141">
+            <a:extLst>
+              <a:ext uri="{FF2B5EF4-FFF2-40B4-BE49-F238E27FC236}">
+                <a16:creationId xmlns:a16="http://schemas.microsoft.com/office/drawing/2014/main" id="{62D0BC00-F526-9F44-991C-B94512E36C0B}"/>
+              </a:ext>
+            </a:extLst>
+          </p:cNvPr>
+          <p:cNvCxnSpPr>
+            <a:stCxn id="125" idx="3"/>
+            <a:endCxn id="124" idx="3"/>
+          </p:cNvCxnSpPr>
+          <p:nvPr/>
+        </p:nvCxnSpPr>
+        <p:spPr>
+          <a:xfrm flipV="1">
+            <a:off x="11273632" y="4215416"/>
+            <a:ext cx="49344" cy="1234483"/>
+          </a:xfrm>
+          <a:prstGeom prst="curvedConnector3">
+            <a:avLst>
+              <a:gd name="adj1" fmla="val 563278"/>
+            </a:avLst>
+          </a:prstGeom>
+          <a:ln>
+            <a:tailEnd type="triangle"/>
+          </a:ln>
+        </p:spPr>
+        <p:style>
+          <a:lnRef idx="3">
+            <a:schemeClr val="accent5"/>
+          </a:lnRef>
+          <a:fillRef idx="0">
+            <a:schemeClr val="accent5"/>
+          </a:fillRef>
+          <a:effectRef idx="2">
+            <a:schemeClr val="accent5"/>
+          </a:effectRef>
+          <a:fontRef idx="minor">
+            <a:schemeClr val="tx1"/>
+          </a:fontRef>
+        </p:style>
+      </p:cxnSp>
+    </p:spTree>
+    <p:extLst>
+      <p:ext uri="{BB962C8B-B14F-4D97-AF65-F5344CB8AC3E}">
+        <p14:creationId xmlns:p14="http://schemas.microsoft.com/office/powerpoint/2010/main" val="1032563181"/>
+      </p:ext>
+    </p:extLst>
+  </p:cSld>
+  <p:clrMapOvr>
+    <a:masterClrMapping/>
+  </p:clrMapOvr>
+</p:sld>
+</file>
+
+<file path=ppt/slides/slide14.xml><?xml version="1.0" encoding="utf-8"?>
+<p:sld xmlns:a="http://schemas.openxmlformats.org/drawingml/2006/main" xmlns:r="http://schemas.openxmlformats.org/officeDocument/2006/relationships" xmlns:p="http://schemas.openxmlformats.org/presentationml/2006/main">
+  <p:cSld>
+    <p:spTree>
+      <p:nvGrpSpPr>
+        <p:cNvPr id="1" name=""/>
+        <p:cNvGrpSpPr/>
+        <p:nvPr/>
+      </p:nvGrpSpPr>
+      <p:grpSpPr>
+        <a:xfrm>
+          <a:off x="0" y="0"/>
+          <a:ext cx="0" cy="0"/>
+          <a:chOff x="0" y="0"/>
+          <a:chExt cx="0" cy="0"/>
+        </a:xfrm>
+      </p:grpSpPr>
+      <p:sp>
+        <p:nvSpPr>
+          <p:cNvPr id="2" name="TextBox 1">
+            <a:extLst>
+              <a:ext uri="{FF2B5EF4-FFF2-40B4-BE49-F238E27FC236}">
+                <a16:creationId xmlns:a16="http://schemas.microsoft.com/office/drawing/2014/main" id="{A99980E2-A3A9-FD4A-9011-9A37E88F5891}"/>
+              </a:ext>
+            </a:extLst>
+          </p:cNvPr>
+          <p:cNvSpPr txBox="1"/>
+          <p:nvPr/>
+        </p:nvSpPr>
+        <p:spPr>
+          <a:xfrm>
+            <a:off x="1872537" y="277843"/>
+            <a:ext cx="8446926" cy="707886"/>
+          </a:xfrm>
+          <a:prstGeom prst="rect">
+            <a:avLst/>
+          </a:prstGeom>
+          <a:noFill/>
+        </p:spPr>
+        <p:txBody>
+          <a:bodyPr wrap="square" rtlCol="0">
+            <a:spAutoFit/>
+          </a:bodyPr>
+          <a:lstStyle/>
+          <a:p>
+            <a:pPr algn="ctr"/>
+            <a:r>
+              <a:rPr lang="en-US" sz="4000" dirty="0">
+                <a:solidFill>
+                  <a:schemeClr val="accent1">
+                    <a:lumMod val="60000"/>
+                    <a:lumOff val="40000"/>
+                  </a:schemeClr>
+                </a:solidFill>
+              </a:rPr>
+              <a:t>RISC-V Trap Machinery</a:t>
+            </a:r>
+          </a:p>
+        </p:txBody>
+      </p:sp>
+    </p:spTree>
+    <p:extLst>
+      <p:ext uri="{BB962C8B-B14F-4D97-AF65-F5344CB8AC3E}">
+        <p14:creationId xmlns:p14="http://schemas.microsoft.com/office/powerpoint/2010/main" val="144044801"/>
       </p:ext>
     </p:extLst>
   </p:cSld>

--- a/docs/figures/os1.pptx
+++ b/docs/figures/os1.pptx
@@ -20803,18 +20803,13 @@
           <a:p>
             <a:pPr algn="ctr"/>
             <a:r>
-              <a:rPr lang="en-US" sz="800" dirty="0" err="1">
+              <a:rPr lang="en-US" sz="800" dirty="0">
                 <a:solidFill>
                   <a:schemeClr val="bg1"/>
                 </a:solidFill>
               </a:rPr>
               <a:t>kernel_satp</a:t>
             </a:r>
-            <a:endParaRPr lang="en-US" sz="800" dirty="0">
-              <a:solidFill>
-                <a:schemeClr val="bg1"/>
-              </a:solidFill>
-            </a:endParaRPr>
           </a:p>
         </p:txBody>
       </p:sp>

--- a/docs/figures/os1.pptx
+++ b/docs/figures/os1.pptx
@@ -5,7 +5,7 @@
     <p:sldMasterId id="2147483648" r:id="rId1"/>
   </p:sldMasterIdLst>
   <p:notesMasterIdLst>
-    <p:notesMasterId r:id="rId16"/>
+    <p:notesMasterId r:id="rId18"/>
   </p:notesMasterIdLst>
   <p:sldIdLst>
     <p:sldId id="331" r:id="rId2"/>
@@ -22,6 +22,8 @@
     <p:sldId id="343" r:id="rId13"/>
     <p:sldId id="348" r:id="rId14"/>
     <p:sldId id="347" r:id="rId15"/>
+    <p:sldId id="349" r:id="rId16"/>
+    <p:sldId id="350" r:id="rId17"/>
   </p:sldIdLst>
   <p:sldSz cx="12192000" cy="6858000"/>
   <p:notesSz cx="6858000" cy="9144000"/>
@@ -210,7 +212,7 @@
           <a:p>
             <a:fld id="{2EFFAEC8-D018-F645-91F8-523BBA3A2E09}" type="datetimeFigureOut">
               <a:rPr lang="en-US" smtClean="0"/>
-              <a:t>3/31/22</a:t>
+              <a:t>5/20/22</a:t>
             </a:fld>
             <a:endParaRPr lang="en-US"/>
           </a:p>
@@ -982,6 +984,174 @@
 </p:notes>
 </file>
 
+<file path=ppt/notesSlides/notesSlide15.xml><?xml version="1.0" encoding="utf-8"?>
+<p:notes xmlns:a="http://schemas.openxmlformats.org/drawingml/2006/main" xmlns:r="http://schemas.openxmlformats.org/officeDocument/2006/relationships" xmlns:p="http://schemas.openxmlformats.org/presentationml/2006/main">
+  <p:cSld>
+    <p:spTree>
+      <p:nvGrpSpPr>
+        <p:cNvPr id="1" name=""/>
+        <p:cNvGrpSpPr/>
+        <p:nvPr/>
+      </p:nvGrpSpPr>
+      <p:grpSpPr>
+        <a:xfrm>
+          <a:off x="0" y="0"/>
+          <a:ext cx="0" cy="0"/>
+          <a:chOff x="0" y="0"/>
+          <a:chExt cx="0" cy="0"/>
+        </a:xfrm>
+      </p:grpSpPr>
+      <p:sp>
+        <p:nvSpPr>
+          <p:cNvPr id="2" name="Slide Image Placeholder 1"/>
+          <p:cNvSpPr>
+            <a:spLocks noGrp="1" noRot="1" noChangeAspect="1"/>
+          </p:cNvSpPr>
+          <p:nvPr>
+            <p:ph type="sldImg"/>
+          </p:nvPr>
+        </p:nvSpPr>
+        <p:spPr/>
+      </p:sp>
+      <p:sp>
+        <p:nvSpPr>
+          <p:cNvPr id="3" name="Notes Placeholder 2"/>
+          <p:cNvSpPr>
+            <a:spLocks noGrp="1"/>
+          </p:cNvSpPr>
+          <p:nvPr>
+            <p:ph type="body" idx="1"/>
+          </p:nvPr>
+        </p:nvSpPr>
+        <p:spPr/>
+        <p:txBody>
+          <a:bodyPr/>
+          <a:lstStyle/>
+          <a:p>
+            <a:endParaRPr lang="en-US" dirty="0"/>
+          </a:p>
+        </p:txBody>
+      </p:sp>
+      <p:sp>
+        <p:nvSpPr>
+          <p:cNvPr id="4" name="Slide Number Placeholder 3"/>
+          <p:cNvSpPr>
+            <a:spLocks noGrp="1"/>
+          </p:cNvSpPr>
+          <p:nvPr>
+            <p:ph type="sldNum" sz="quarter" idx="5"/>
+          </p:nvPr>
+        </p:nvSpPr>
+        <p:spPr/>
+        <p:txBody>
+          <a:bodyPr/>
+          <a:lstStyle/>
+          <a:p>
+            <a:fld id="{997274CE-51E2-314F-8544-5E91EE33A09F}" type="slidenum">
+              <a:rPr lang="en-US" smtClean="0"/>
+              <a:t>15</a:t>
+            </a:fld>
+            <a:endParaRPr lang="en-US"/>
+          </a:p>
+        </p:txBody>
+      </p:sp>
+    </p:spTree>
+    <p:extLst>
+      <p:ext uri="{BB962C8B-B14F-4D97-AF65-F5344CB8AC3E}">
+        <p14:creationId xmlns:p14="http://schemas.microsoft.com/office/powerpoint/2010/main" val="2678855188"/>
+      </p:ext>
+    </p:extLst>
+  </p:cSld>
+  <p:clrMapOvr>
+    <a:masterClrMapping/>
+  </p:clrMapOvr>
+</p:notes>
+</file>
+
+<file path=ppt/notesSlides/notesSlide16.xml><?xml version="1.0" encoding="utf-8"?>
+<p:notes xmlns:a="http://schemas.openxmlformats.org/drawingml/2006/main" xmlns:r="http://schemas.openxmlformats.org/officeDocument/2006/relationships" xmlns:p="http://schemas.openxmlformats.org/presentationml/2006/main">
+  <p:cSld>
+    <p:spTree>
+      <p:nvGrpSpPr>
+        <p:cNvPr id="1" name=""/>
+        <p:cNvGrpSpPr/>
+        <p:nvPr/>
+      </p:nvGrpSpPr>
+      <p:grpSpPr>
+        <a:xfrm>
+          <a:off x="0" y="0"/>
+          <a:ext cx="0" cy="0"/>
+          <a:chOff x="0" y="0"/>
+          <a:chExt cx="0" cy="0"/>
+        </a:xfrm>
+      </p:grpSpPr>
+      <p:sp>
+        <p:nvSpPr>
+          <p:cNvPr id="2" name="Slide Image Placeholder 1"/>
+          <p:cNvSpPr>
+            <a:spLocks noGrp="1" noRot="1" noChangeAspect="1"/>
+          </p:cNvSpPr>
+          <p:nvPr>
+            <p:ph type="sldImg"/>
+          </p:nvPr>
+        </p:nvSpPr>
+        <p:spPr/>
+      </p:sp>
+      <p:sp>
+        <p:nvSpPr>
+          <p:cNvPr id="3" name="Notes Placeholder 2"/>
+          <p:cNvSpPr>
+            <a:spLocks noGrp="1"/>
+          </p:cNvSpPr>
+          <p:nvPr>
+            <p:ph type="body" idx="1"/>
+          </p:nvPr>
+        </p:nvSpPr>
+        <p:spPr/>
+        <p:txBody>
+          <a:bodyPr/>
+          <a:lstStyle/>
+          <a:p>
+            <a:endParaRPr lang="en-US" dirty="0"/>
+          </a:p>
+        </p:txBody>
+      </p:sp>
+      <p:sp>
+        <p:nvSpPr>
+          <p:cNvPr id="4" name="Slide Number Placeholder 3"/>
+          <p:cNvSpPr>
+            <a:spLocks noGrp="1"/>
+          </p:cNvSpPr>
+          <p:nvPr>
+            <p:ph type="sldNum" sz="quarter" idx="5"/>
+          </p:nvPr>
+        </p:nvSpPr>
+        <p:spPr/>
+        <p:txBody>
+          <a:bodyPr/>
+          <a:lstStyle/>
+          <a:p>
+            <a:fld id="{997274CE-51E2-314F-8544-5E91EE33A09F}" type="slidenum">
+              <a:rPr lang="en-US" smtClean="0"/>
+              <a:t>16</a:t>
+            </a:fld>
+            <a:endParaRPr lang="en-US"/>
+          </a:p>
+        </p:txBody>
+      </p:sp>
+    </p:spTree>
+    <p:extLst>
+      <p:ext uri="{BB962C8B-B14F-4D97-AF65-F5344CB8AC3E}">
+        <p14:creationId xmlns:p14="http://schemas.microsoft.com/office/powerpoint/2010/main" val="443316110"/>
+      </p:ext>
+    </p:extLst>
+  </p:cSld>
+  <p:clrMapOvr>
+    <a:masterClrMapping/>
+  </p:clrMapOvr>
+</p:notes>
+</file>
+
 <file path=ppt/notesSlides/notesSlide2.xml><?xml version="1.0" encoding="utf-8"?>
 <p:notes xmlns:a="http://schemas.openxmlformats.org/drawingml/2006/main" xmlns:r="http://schemas.openxmlformats.org/officeDocument/2006/relationships" xmlns:p="http://schemas.openxmlformats.org/presentationml/2006/main">
   <p:cSld>
@@ -1803,7 +1973,7 @@
           <a:p>
             <a:fld id="{19461545-4337-D04F-96C2-94803B0B0F81}" type="datetimeFigureOut">
               <a:rPr lang="en-US" smtClean="0"/>
-              <a:t>3/31/22</a:t>
+              <a:t>5/20/22</a:t>
             </a:fld>
             <a:endParaRPr lang="en-US"/>
           </a:p>
@@ -2003,7 +2173,7 @@
           <a:p>
             <a:fld id="{19461545-4337-D04F-96C2-94803B0B0F81}" type="datetimeFigureOut">
               <a:rPr lang="en-US" smtClean="0"/>
-              <a:t>3/31/22</a:t>
+              <a:t>5/20/22</a:t>
             </a:fld>
             <a:endParaRPr lang="en-US"/>
           </a:p>
@@ -2213,7 +2383,7 @@
           <a:p>
             <a:fld id="{19461545-4337-D04F-96C2-94803B0B0F81}" type="datetimeFigureOut">
               <a:rPr lang="en-US" smtClean="0"/>
-              <a:t>3/31/22</a:t>
+              <a:t>5/20/22</a:t>
             </a:fld>
             <a:endParaRPr lang="en-US"/>
           </a:p>
@@ -2448,7 +2618,7 @@
           <a:p>
             <a:fld id="{19461545-4337-D04F-96C2-94803B0B0F81}" type="datetimeFigureOut">
               <a:rPr lang="en-US" smtClean="0"/>
-              <a:t>3/31/22</a:t>
+              <a:t>5/20/22</a:t>
             </a:fld>
             <a:endParaRPr lang="en-US"/>
           </a:p>
@@ -2724,7 +2894,7 @@
           <a:p>
             <a:fld id="{19461545-4337-D04F-96C2-94803B0B0F81}" type="datetimeFigureOut">
               <a:rPr lang="en-US" smtClean="0"/>
-              <a:t>3/31/22</a:t>
+              <a:t>5/20/22</a:t>
             </a:fld>
             <a:endParaRPr lang="en-US"/>
           </a:p>
@@ -2992,7 +3162,7 @@
           <a:p>
             <a:fld id="{19461545-4337-D04F-96C2-94803B0B0F81}" type="datetimeFigureOut">
               <a:rPr lang="en-US" smtClean="0"/>
-              <a:t>3/31/22</a:t>
+              <a:t>5/20/22</a:t>
             </a:fld>
             <a:endParaRPr lang="en-US"/>
           </a:p>
@@ -3407,7 +3577,7 @@
           <a:p>
             <a:fld id="{19461545-4337-D04F-96C2-94803B0B0F81}" type="datetimeFigureOut">
               <a:rPr lang="en-US" smtClean="0"/>
-              <a:t>3/31/22</a:t>
+              <a:t>5/20/22</a:t>
             </a:fld>
             <a:endParaRPr lang="en-US"/>
           </a:p>
@@ -3549,7 +3719,7 @@
           <a:p>
             <a:fld id="{19461545-4337-D04F-96C2-94803B0B0F81}" type="datetimeFigureOut">
               <a:rPr lang="en-US" smtClean="0"/>
-              <a:t>3/31/22</a:t>
+              <a:t>5/20/22</a:t>
             </a:fld>
             <a:endParaRPr lang="en-US"/>
           </a:p>
@@ -3662,7 +3832,7 @@
           <a:p>
             <a:fld id="{19461545-4337-D04F-96C2-94803B0B0F81}" type="datetimeFigureOut">
               <a:rPr lang="en-US" smtClean="0"/>
-              <a:t>3/31/22</a:t>
+              <a:t>5/20/22</a:t>
             </a:fld>
             <a:endParaRPr lang="en-US"/>
           </a:p>
@@ -3975,7 +4145,7 @@
           <a:p>
             <a:fld id="{19461545-4337-D04F-96C2-94803B0B0F81}" type="datetimeFigureOut">
               <a:rPr lang="en-US" smtClean="0"/>
-              <a:t>3/31/22</a:t>
+              <a:t>5/20/22</a:t>
             </a:fld>
             <a:endParaRPr lang="en-US"/>
           </a:p>
@@ -4264,7 +4434,7 @@
           <a:p>
             <a:fld id="{19461545-4337-D04F-96C2-94803B0B0F81}" type="datetimeFigureOut">
               <a:rPr lang="en-US" smtClean="0"/>
-              <a:t>3/31/22</a:t>
+              <a:t>5/20/22</a:t>
             </a:fld>
             <a:endParaRPr lang="en-US"/>
           </a:p>
@@ -4507,7 +4677,7 @@
           <a:p>
             <a:fld id="{19461545-4337-D04F-96C2-94803B0B0F81}" type="datetimeFigureOut">
               <a:rPr lang="en-US" smtClean="0"/>
-              <a:t>3/31/22</a:t>
+              <a:t>5/20/22</a:t>
             </a:fld>
             <a:endParaRPr lang="en-US"/>
           </a:p>
@@ -15003,6 +15173,1307 @@
       </p:grpSpPr>
       <p:sp>
         <p:nvSpPr>
+          <p:cNvPr id="20" name="Triangle 19">
+            <a:extLst>
+              <a:ext uri="{FF2B5EF4-FFF2-40B4-BE49-F238E27FC236}">
+                <a16:creationId xmlns:a16="http://schemas.microsoft.com/office/drawing/2014/main" id="{EEA8EA49-B991-5E32-25C3-0E58FD20A9B1}"/>
+              </a:ext>
+            </a:extLst>
+          </p:cNvPr>
+          <p:cNvSpPr/>
+          <p:nvPr/>
+        </p:nvSpPr>
+        <p:spPr>
+          <a:xfrm rot="10800000">
+            <a:off x="4353794" y="2139548"/>
+            <a:ext cx="3352019" cy="3807638"/>
+          </a:xfrm>
+          <a:prstGeom prst="triangle">
+            <a:avLst>
+              <a:gd name="adj" fmla="val 50807"/>
+            </a:avLst>
+          </a:prstGeom>
+        </p:spPr>
+        <p:style>
+          <a:lnRef idx="2">
+            <a:schemeClr val="accent1">
+              <a:shade val="50000"/>
+            </a:schemeClr>
+          </a:lnRef>
+          <a:fillRef idx="1">
+            <a:schemeClr val="accent1"/>
+          </a:fillRef>
+          <a:effectRef idx="0">
+            <a:schemeClr val="accent1"/>
+          </a:effectRef>
+          <a:fontRef idx="minor">
+            <a:schemeClr val="lt1"/>
+          </a:fontRef>
+        </p:style>
+        <p:txBody>
+          <a:bodyPr rtlCol="0" anchor="ctr"/>
+          <a:lstStyle/>
+          <a:p>
+            <a:pPr algn="ctr"/>
+            <a:endParaRPr lang="en-US"/>
+          </a:p>
+        </p:txBody>
+      </p:sp>
+      <p:sp>
+        <p:nvSpPr>
+          <p:cNvPr id="2" name="TextBox 1">
+            <a:extLst>
+              <a:ext uri="{FF2B5EF4-FFF2-40B4-BE49-F238E27FC236}">
+                <a16:creationId xmlns:a16="http://schemas.microsoft.com/office/drawing/2014/main" id="{A99980E2-A3A9-FD4A-9011-9A37E88F5891}"/>
+              </a:ext>
+            </a:extLst>
+          </p:cNvPr>
+          <p:cNvSpPr txBox="1"/>
+          <p:nvPr/>
+        </p:nvSpPr>
+        <p:spPr>
+          <a:xfrm>
+            <a:off x="1872537" y="277843"/>
+            <a:ext cx="8446926" cy="707886"/>
+          </a:xfrm>
+          <a:prstGeom prst="rect">
+            <a:avLst/>
+          </a:prstGeom>
+          <a:noFill/>
+        </p:spPr>
+        <p:txBody>
+          <a:bodyPr wrap="square" rtlCol="0">
+            <a:spAutoFit/>
+          </a:bodyPr>
+          <a:lstStyle/>
+          <a:p>
+            <a:pPr algn="ctr"/>
+            <a:r>
+              <a:rPr lang="en-US" sz="4000" dirty="0">
+                <a:solidFill>
+                  <a:schemeClr val="accent1">
+                    <a:lumMod val="60000"/>
+                    <a:lumOff val="40000"/>
+                  </a:schemeClr>
+                </a:solidFill>
+              </a:rPr>
+              <a:t>File System Layers</a:t>
+            </a:r>
+          </a:p>
+        </p:txBody>
+      </p:sp>
+      <p:sp>
+        <p:nvSpPr>
+          <p:cNvPr id="3" name="Rectangle 2">
+            <a:extLst>
+              <a:ext uri="{FF2B5EF4-FFF2-40B4-BE49-F238E27FC236}">
+                <a16:creationId xmlns:a16="http://schemas.microsoft.com/office/drawing/2014/main" id="{AAE5AAAB-A88D-FF87-7DB5-E51835108775}"/>
+              </a:ext>
+            </a:extLst>
+          </p:cNvPr>
+          <p:cNvSpPr/>
+          <p:nvPr/>
+        </p:nvSpPr>
+        <p:spPr>
+          <a:xfrm>
+            <a:off x="4323425" y="2104766"/>
+            <a:ext cx="3382392" cy="523781"/>
+          </a:xfrm>
+          <a:prstGeom prst="rect">
+            <a:avLst/>
+          </a:prstGeom>
+        </p:spPr>
+        <p:style>
+          <a:lnRef idx="2">
+            <a:schemeClr val="accent1">
+              <a:shade val="50000"/>
+            </a:schemeClr>
+          </a:lnRef>
+          <a:fillRef idx="1">
+            <a:schemeClr val="accent1"/>
+          </a:fillRef>
+          <a:effectRef idx="0">
+            <a:schemeClr val="accent1"/>
+          </a:effectRef>
+          <a:fontRef idx="minor">
+            <a:schemeClr val="lt1"/>
+          </a:fontRef>
+        </p:style>
+        <p:txBody>
+          <a:bodyPr rtlCol="0" anchor="ctr"/>
+          <a:lstStyle/>
+          <a:p>
+            <a:pPr algn="ctr"/>
+            <a:r>
+              <a:rPr lang="en-US" b="1" dirty="0"/>
+              <a:t>File</a:t>
+            </a:r>
+            <a:r>
+              <a:rPr lang="en-US" dirty="0"/>
+              <a:t> </a:t>
+            </a:r>
+            <a:r>
+              <a:rPr lang="en-US" b="1" dirty="0"/>
+              <a:t>descriptor</a:t>
+            </a:r>
+          </a:p>
+        </p:txBody>
+      </p:sp>
+      <p:sp>
+        <p:nvSpPr>
+          <p:cNvPr id="4" name="Rectangle 3">
+            <a:extLst>
+              <a:ext uri="{FF2B5EF4-FFF2-40B4-BE49-F238E27FC236}">
+                <a16:creationId xmlns:a16="http://schemas.microsoft.com/office/drawing/2014/main" id="{C8E679DF-79DD-058B-C0F6-7F0DE2D19120}"/>
+              </a:ext>
+            </a:extLst>
+          </p:cNvPr>
+          <p:cNvSpPr/>
+          <p:nvPr/>
+        </p:nvSpPr>
+        <p:spPr>
+          <a:xfrm>
+            <a:off x="4323425" y="2709169"/>
+            <a:ext cx="3382392" cy="523781"/>
+          </a:xfrm>
+          <a:prstGeom prst="rect">
+            <a:avLst/>
+          </a:prstGeom>
+        </p:spPr>
+        <p:style>
+          <a:lnRef idx="2">
+            <a:schemeClr val="accent1">
+              <a:shade val="50000"/>
+            </a:schemeClr>
+          </a:lnRef>
+          <a:fillRef idx="1">
+            <a:schemeClr val="accent1"/>
+          </a:fillRef>
+          <a:effectRef idx="0">
+            <a:schemeClr val="accent1"/>
+          </a:effectRef>
+          <a:fontRef idx="minor">
+            <a:schemeClr val="lt1"/>
+          </a:fontRef>
+        </p:style>
+        <p:txBody>
+          <a:bodyPr rtlCol="0" anchor="ctr"/>
+          <a:lstStyle/>
+          <a:p>
+            <a:pPr algn="ctr"/>
+            <a:r>
+              <a:rPr lang="en-US" b="1" dirty="0"/>
+              <a:t>Pathname</a:t>
+            </a:r>
+          </a:p>
+        </p:txBody>
+      </p:sp>
+      <p:sp>
+        <p:nvSpPr>
+          <p:cNvPr id="5" name="Rectangle 4">
+            <a:extLst>
+              <a:ext uri="{FF2B5EF4-FFF2-40B4-BE49-F238E27FC236}">
+                <a16:creationId xmlns:a16="http://schemas.microsoft.com/office/drawing/2014/main" id="{44DF0EC7-8D4F-A9C9-125B-EF947FC04F5D}"/>
+              </a:ext>
+            </a:extLst>
+          </p:cNvPr>
+          <p:cNvSpPr/>
+          <p:nvPr/>
+        </p:nvSpPr>
+        <p:spPr>
+          <a:xfrm>
+            <a:off x="4323425" y="3314331"/>
+            <a:ext cx="3382392" cy="523781"/>
+          </a:xfrm>
+          <a:prstGeom prst="rect">
+            <a:avLst/>
+          </a:prstGeom>
+        </p:spPr>
+        <p:style>
+          <a:lnRef idx="2">
+            <a:schemeClr val="accent1">
+              <a:shade val="50000"/>
+            </a:schemeClr>
+          </a:lnRef>
+          <a:fillRef idx="1">
+            <a:schemeClr val="accent1"/>
+          </a:fillRef>
+          <a:effectRef idx="0">
+            <a:schemeClr val="accent1"/>
+          </a:effectRef>
+          <a:fontRef idx="minor">
+            <a:schemeClr val="lt1"/>
+          </a:fontRef>
+        </p:style>
+        <p:txBody>
+          <a:bodyPr rtlCol="0" anchor="ctr"/>
+          <a:lstStyle/>
+          <a:p>
+            <a:pPr algn="ctr"/>
+            <a:r>
+              <a:rPr lang="en-US" b="1" dirty="0"/>
+              <a:t>Directory</a:t>
+            </a:r>
+          </a:p>
+        </p:txBody>
+      </p:sp>
+      <p:sp>
+        <p:nvSpPr>
+          <p:cNvPr id="6" name="Rectangle 5">
+            <a:extLst>
+              <a:ext uri="{FF2B5EF4-FFF2-40B4-BE49-F238E27FC236}">
+                <a16:creationId xmlns:a16="http://schemas.microsoft.com/office/drawing/2014/main" id="{92946CC0-20CB-E582-5F6A-DA7292405CEC}"/>
+              </a:ext>
+            </a:extLst>
+          </p:cNvPr>
+          <p:cNvSpPr/>
+          <p:nvPr/>
+        </p:nvSpPr>
+        <p:spPr>
+          <a:xfrm>
+            <a:off x="4323425" y="3919493"/>
+            <a:ext cx="3382392" cy="523781"/>
+          </a:xfrm>
+          <a:prstGeom prst="rect">
+            <a:avLst/>
+          </a:prstGeom>
+        </p:spPr>
+        <p:style>
+          <a:lnRef idx="2">
+            <a:schemeClr val="accent1">
+              <a:shade val="50000"/>
+            </a:schemeClr>
+          </a:lnRef>
+          <a:fillRef idx="1">
+            <a:schemeClr val="accent1"/>
+          </a:fillRef>
+          <a:effectRef idx="0">
+            <a:schemeClr val="accent1"/>
+          </a:effectRef>
+          <a:fontRef idx="minor">
+            <a:schemeClr val="lt1"/>
+          </a:fontRef>
+        </p:style>
+        <p:txBody>
+          <a:bodyPr rtlCol="0" anchor="ctr"/>
+          <a:lstStyle/>
+          <a:p>
+            <a:pPr algn="ctr"/>
+            <a:r>
+              <a:rPr lang="en-US" b="1" dirty="0"/>
+              <a:t>Inode</a:t>
+            </a:r>
+          </a:p>
+        </p:txBody>
+      </p:sp>
+      <p:sp>
+        <p:nvSpPr>
+          <p:cNvPr id="7" name="Rectangle 6">
+            <a:extLst>
+              <a:ext uri="{FF2B5EF4-FFF2-40B4-BE49-F238E27FC236}">
+                <a16:creationId xmlns:a16="http://schemas.microsoft.com/office/drawing/2014/main" id="{3A55194C-177C-5269-B503-18D640503AE4}"/>
+              </a:ext>
+            </a:extLst>
+          </p:cNvPr>
+          <p:cNvSpPr/>
+          <p:nvPr/>
+        </p:nvSpPr>
+        <p:spPr>
+          <a:xfrm>
+            <a:off x="4323425" y="4524655"/>
+            <a:ext cx="3382392" cy="523781"/>
+          </a:xfrm>
+          <a:prstGeom prst="rect">
+            <a:avLst/>
+          </a:prstGeom>
+        </p:spPr>
+        <p:style>
+          <a:lnRef idx="2">
+            <a:schemeClr val="accent1">
+              <a:shade val="50000"/>
+            </a:schemeClr>
+          </a:lnRef>
+          <a:fillRef idx="1">
+            <a:schemeClr val="accent1"/>
+          </a:fillRef>
+          <a:effectRef idx="0">
+            <a:schemeClr val="accent1"/>
+          </a:effectRef>
+          <a:fontRef idx="minor">
+            <a:schemeClr val="lt1"/>
+          </a:fontRef>
+        </p:style>
+        <p:txBody>
+          <a:bodyPr rtlCol="0" anchor="ctr"/>
+          <a:lstStyle/>
+          <a:p>
+            <a:pPr algn="ctr"/>
+            <a:r>
+              <a:rPr lang="en-US" b="1" dirty="0"/>
+              <a:t>Logging</a:t>
+            </a:r>
+          </a:p>
+        </p:txBody>
+      </p:sp>
+      <p:sp>
+        <p:nvSpPr>
+          <p:cNvPr id="8" name="Rectangle 7">
+            <a:extLst>
+              <a:ext uri="{FF2B5EF4-FFF2-40B4-BE49-F238E27FC236}">
+                <a16:creationId xmlns:a16="http://schemas.microsoft.com/office/drawing/2014/main" id="{08DC43ED-6CFA-71C5-038E-F1837F544A8F}"/>
+              </a:ext>
+            </a:extLst>
+          </p:cNvPr>
+          <p:cNvSpPr/>
+          <p:nvPr/>
+        </p:nvSpPr>
+        <p:spPr>
+          <a:xfrm>
+            <a:off x="4323425" y="5129817"/>
+            <a:ext cx="3382392" cy="523781"/>
+          </a:xfrm>
+          <a:prstGeom prst="rect">
+            <a:avLst/>
+          </a:prstGeom>
+        </p:spPr>
+        <p:style>
+          <a:lnRef idx="2">
+            <a:schemeClr val="accent1">
+              <a:shade val="50000"/>
+            </a:schemeClr>
+          </a:lnRef>
+          <a:fillRef idx="1">
+            <a:schemeClr val="accent1"/>
+          </a:fillRef>
+          <a:effectRef idx="0">
+            <a:schemeClr val="accent1"/>
+          </a:effectRef>
+          <a:fontRef idx="minor">
+            <a:schemeClr val="lt1"/>
+          </a:fontRef>
+        </p:style>
+        <p:txBody>
+          <a:bodyPr rtlCol="0" anchor="ctr"/>
+          <a:lstStyle/>
+          <a:p>
+            <a:pPr algn="ctr"/>
+            <a:r>
+              <a:rPr lang="en-US" b="1" dirty="0"/>
+              <a:t>Buffer</a:t>
+            </a:r>
+            <a:r>
+              <a:rPr lang="en-US" dirty="0"/>
+              <a:t> </a:t>
+            </a:r>
+            <a:r>
+              <a:rPr lang="en-US" b="1" dirty="0"/>
+              <a:t>cache</a:t>
+            </a:r>
+          </a:p>
+        </p:txBody>
+      </p:sp>
+      <p:sp>
+        <p:nvSpPr>
+          <p:cNvPr id="9" name="Oval 8">
+            <a:extLst>
+              <a:ext uri="{FF2B5EF4-FFF2-40B4-BE49-F238E27FC236}">
+                <a16:creationId xmlns:a16="http://schemas.microsoft.com/office/drawing/2014/main" id="{DAE7AECA-B9D3-1606-F41B-289476082A67}"/>
+              </a:ext>
+            </a:extLst>
+          </p:cNvPr>
+          <p:cNvSpPr/>
+          <p:nvPr/>
+        </p:nvSpPr>
+        <p:spPr>
+          <a:xfrm>
+            <a:off x="5573696" y="875338"/>
+            <a:ext cx="881849" cy="877860"/>
+          </a:xfrm>
+          <a:prstGeom prst="ellipse">
+            <a:avLst/>
+          </a:prstGeom>
+          <a:solidFill>
+            <a:schemeClr val="accent2"/>
+          </a:solidFill>
+          <a:ln>
+            <a:noFill/>
+          </a:ln>
+        </p:spPr>
+        <p:style>
+          <a:lnRef idx="2">
+            <a:schemeClr val="accent1">
+              <a:shade val="50000"/>
+            </a:schemeClr>
+          </a:lnRef>
+          <a:fillRef idx="1">
+            <a:schemeClr val="accent1"/>
+          </a:fillRef>
+          <a:effectRef idx="0">
+            <a:schemeClr val="accent1"/>
+          </a:effectRef>
+          <a:fontRef idx="minor">
+            <a:schemeClr val="lt1"/>
+          </a:fontRef>
+        </p:style>
+        <p:txBody>
+          <a:bodyPr rtlCol="0" anchor="ctr"/>
+          <a:lstStyle/>
+          <a:p>
+            <a:pPr algn="ctr"/>
+            <a:endParaRPr lang="en-US" sz="1100" dirty="0"/>
+          </a:p>
+        </p:txBody>
+      </p:sp>
+      <p:sp>
+        <p:nvSpPr>
+          <p:cNvPr id="10" name="TextBox 9">
+            <a:extLst>
+              <a:ext uri="{FF2B5EF4-FFF2-40B4-BE49-F238E27FC236}">
+                <a16:creationId xmlns:a16="http://schemas.microsoft.com/office/drawing/2014/main" id="{1F10C7D4-82CA-64EC-2C80-713C835A9015}"/>
+              </a:ext>
+            </a:extLst>
+          </p:cNvPr>
+          <p:cNvSpPr txBox="1"/>
+          <p:nvPr/>
+        </p:nvSpPr>
+        <p:spPr>
+          <a:xfrm>
+            <a:off x="5573696" y="1129602"/>
+            <a:ext cx="904799" cy="369332"/>
+          </a:xfrm>
+          <a:prstGeom prst="rect">
+            <a:avLst/>
+          </a:prstGeom>
+          <a:noFill/>
+        </p:spPr>
+        <p:txBody>
+          <a:bodyPr wrap="none" rtlCol="0">
+            <a:spAutoFit/>
+          </a:bodyPr>
+          <a:lstStyle/>
+          <a:p>
+            <a:r>
+              <a:rPr lang="en-US" b="1" dirty="0"/>
+              <a:t>Process</a:t>
+            </a:r>
+          </a:p>
+        </p:txBody>
+      </p:sp>
+      <p:cxnSp>
+        <p:nvCxnSpPr>
+          <p:cNvPr id="12" name="Straight Arrow Connector 11">
+            <a:extLst>
+              <a:ext uri="{FF2B5EF4-FFF2-40B4-BE49-F238E27FC236}">
+                <a16:creationId xmlns:a16="http://schemas.microsoft.com/office/drawing/2014/main" id="{15EE82AF-A9D4-6B58-04B3-3E6C5054E889}"/>
+              </a:ext>
+            </a:extLst>
+          </p:cNvPr>
+          <p:cNvCxnSpPr>
+            <a:stCxn id="9" idx="4"/>
+            <a:endCxn id="3" idx="0"/>
+          </p:cNvCxnSpPr>
+          <p:nvPr/>
+        </p:nvCxnSpPr>
+        <p:spPr>
+          <a:xfrm>
+            <a:off x="6014621" y="1753198"/>
+            <a:ext cx="0" cy="351568"/>
+          </a:xfrm>
+          <a:prstGeom prst="straightConnector1">
+            <a:avLst/>
+          </a:prstGeom>
+          <a:ln>
+            <a:tailEnd type="triangle"/>
+          </a:ln>
+        </p:spPr>
+        <p:style>
+          <a:lnRef idx="3">
+            <a:schemeClr val="accent2"/>
+          </a:lnRef>
+          <a:fillRef idx="0">
+            <a:schemeClr val="accent2"/>
+          </a:fillRef>
+          <a:effectRef idx="2">
+            <a:schemeClr val="accent2"/>
+          </a:effectRef>
+          <a:fontRef idx="minor">
+            <a:schemeClr val="tx1"/>
+          </a:fontRef>
+        </p:style>
+      </p:cxnSp>
+      <p:sp>
+        <p:nvSpPr>
+          <p:cNvPr id="14" name="TextBox 13">
+            <a:extLst>
+              <a:ext uri="{FF2B5EF4-FFF2-40B4-BE49-F238E27FC236}">
+                <a16:creationId xmlns:a16="http://schemas.microsoft.com/office/drawing/2014/main" id="{884BFC55-BF1D-58DE-FAE3-3AFCB6E9CF68}"/>
+              </a:ext>
+            </a:extLst>
+          </p:cNvPr>
+          <p:cNvSpPr txBox="1"/>
+          <p:nvPr/>
+        </p:nvSpPr>
+        <p:spPr>
+          <a:xfrm>
+            <a:off x="4603682" y="1732928"/>
+            <a:ext cx="1273618" cy="276999"/>
+          </a:xfrm>
+          <a:prstGeom prst="rect">
+            <a:avLst/>
+          </a:prstGeom>
+          <a:solidFill>
+            <a:srgbClr val="00B0F0"/>
+          </a:solidFill>
+        </p:spPr>
+        <p:txBody>
+          <a:bodyPr wrap="none" rtlCol="0">
+            <a:spAutoFit/>
+          </a:bodyPr>
+          <a:lstStyle/>
+          <a:p>
+            <a:r>
+              <a:rPr lang="en-US" sz="1200" dirty="0">
+                <a:solidFill>
+                  <a:schemeClr val="bg1"/>
+                </a:solidFill>
+              </a:rPr>
+              <a:t>fd = open(“x/y”);</a:t>
+            </a:r>
+          </a:p>
+        </p:txBody>
+      </p:sp>
+      <p:sp>
+        <p:nvSpPr>
+          <p:cNvPr id="16" name="TextBox 15">
+            <a:extLst>
+              <a:ext uri="{FF2B5EF4-FFF2-40B4-BE49-F238E27FC236}">
+                <a16:creationId xmlns:a16="http://schemas.microsoft.com/office/drawing/2014/main" id="{1D906EC4-6C32-C4FD-32BC-634CB934D816}"/>
+              </a:ext>
+            </a:extLst>
+          </p:cNvPr>
+          <p:cNvSpPr txBox="1"/>
+          <p:nvPr/>
+        </p:nvSpPr>
+        <p:spPr>
+          <a:xfrm>
+            <a:off x="6151943" y="1742030"/>
+            <a:ext cx="1322542" cy="276999"/>
+          </a:xfrm>
+          <a:prstGeom prst="rect">
+            <a:avLst/>
+          </a:prstGeom>
+          <a:solidFill>
+            <a:srgbClr val="00B0F0"/>
+          </a:solidFill>
+        </p:spPr>
+        <p:txBody>
+          <a:bodyPr wrap="none" rtlCol="0">
+            <a:spAutoFit/>
+          </a:bodyPr>
+          <a:lstStyle/>
+          <a:p>
+            <a:r>
+              <a:rPr lang="en-US" sz="1200" dirty="0">
+                <a:solidFill>
+                  <a:schemeClr val="bg1"/>
+                </a:solidFill>
+              </a:rPr>
+              <a:t>write(fd, “abc”, 3);</a:t>
+            </a:r>
+          </a:p>
+        </p:txBody>
+      </p:sp>
+      <p:sp>
+        <p:nvSpPr>
+          <p:cNvPr id="17" name="Rectangle 16">
+            <a:extLst>
+              <a:ext uri="{FF2B5EF4-FFF2-40B4-BE49-F238E27FC236}">
+                <a16:creationId xmlns:a16="http://schemas.microsoft.com/office/drawing/2014/main" id="{25CC0CB4-5D3A-7D1C-E909-3F9587FECF15}"/>
+              </a:ext>
+            </a:extLst>
+          </p:cNvPr>
+          <p:cNvSpPr/>
+          <p:nvPr/>
+        </p:nvSpPr>
+        <p:spPr>
+          <a:xfrm>
+            <a:off x="5663212" y="6081204"/>
+            <a:ext cx="702815" cy="762592"/>
+          </a:xfrm>
+          <a:prstGeom prst="rect">
+            <a:avLst/>
+          </a:prstGeom>
+          <a:noFill/>
+          <a:ln>
+            <a:solidFill>
+              <a:srgbClr val="FF0000"/>
+            </a:solidFill>
+          </a:ln>
+        </p:spPr>
+        <p:style>
+          <a:lnRef idx="2">
+            <a:schemeClr val="accent1">
+              <a:shade val="50000"/>
+            </a:schemeClr>
+          </a:lnRef>
+          <a:fillRef idx="1">
+            <a:schemeClr val="accent1"/>
+          </a:fillRef>
+          <a:effectRef idx="0">
+            <a:schemeClr val="accent1"/>
+          </a:effectRef>
+          <a:fontRef idx="minor">
+            <a:schemeClr val="lt1"/>
+          </a:fontRef>
+        </p:style>
+        <p:txBody>
+          <a:bodyPr rtlCol="0" anchor="ctr"/>
+          <a:lstStyle/>
+          <a:p>
+            <a:pPr algn="ctr"/>
+            <a:endParaRPr lang="en-US"/>
+          </a:p>
+        </p:txBody>
+      </p:sp>
+      <p:sp>
+        <p:nvSpPr>
+          <p:cNvPr id="18" name="TextBox 17">
+            <a:extLst>
+              <a:ext uri="{FF2B5EF4-FFF2-40B4-BE49-F238E27FC236}">
+                <a16:creationId xmlns:a16="http://schemas.microsoft.com/office/drawing/2014/main" id="{4B57B658-638F-1BBB-95CC-52C17863F6D3}"/>
+              </a:ext>
+            </a:extLst>
+          </p:cNvPr>
+          <p:cNvSpPr txBox="1"/>
+          <p:nvPr/>
+        </p:nvSpPr>
+        <p:spPr>
+          <a:xfrm>
+            <a:off x="5727521" y="6210825"/>
+            <a:ext cx="574196" cy="369332"/>
+          </a:xfrm>
+          <a:prstGeom prst="rect">
+            <a:avLst/>
+          </a:prstGeom>
+          <a:noFill/>
+        </p:spPr>
+        <p:txBody>
+          <a:bodyPr wrap="none" rtlCol="0">
+            <a:spAutoFit/>
+          </a:bodyPr>
+          <a:lstStyle/>
+          <a:p>
+            <a:r>
+              <a:rPr lang="en-US" dirty="0"/>
+              <a:t>Disk</a:t>
+            </a:r>
+          </a:p>
+        </p:txBody>
+      </p:sp>
+      <p:sp>
+        <p:nvSpPr>
+          <p:cNvPr id="19" name="Rectangle 18">
+            <a:extLst>
+              <a:ext uri="{FF2B5EF4-FFF2-40B4-BE49-F238E27FC236}">
+                <a16:creationId xmlns:a16="http://schemas.microsoft.com/office/drawing/2014/main" id="{A0475E62-9397-81A2-778C-770AFB1E9C7E}"/>
+              </a:ext>
+            </a:extLst>
+          </p:cNvPr>
+          <p:cNvSpPr/>
+          <p:nvPr/>
+        </p:nvSpPr>
+        <p:spPr>
+          <a:xfrm>
+            <a:off x="4323423" y="5743003"/>
+            <a:ext cx="3382392" cy="204183"/>
+          </a:xfrm>
+          <a:prstGeom prst="rect">
+            <a:avLst/>
+          </a:prstGeom>
+        </p:spPr>
+        <p:style>
+          <a:lnRef idx="2">
+            <a:schemeClr val="accent1">
+              <a:shade val="50000"/>
+            </a:schemeClr>
+          </a:lnRef>
+          <a:fillRef idx="1">
+            <a:schemeClr val="accent1"/>
+          </a:fillRef>
+          <a:effectRef idx="0">
+            <a:schemeClr val="accent1"/>
+          </a:effectRef>
+          <a:fontRef idx="minor">
+            <a:schemeClr val="lt1"/>
+          </a:fontRef>
+        </p:style>
+        <p:txBody>
+          <a:bodyPr rtlCol="0" anchor="ctr"/>
+          <a:lstStyle/>
+          <a:p>
+            <a:pPr algn="ctr"/>
+            <a:r>
+              <a:rPr lang="en-US" b="1" dirty="0"/>
+              <a:t>Disk driver</a:t>
+            </a:r>
+          </a:p>
+        </p:txBody>
+      </p:sp>
+      <p:sp>
+        <p:nvSpPr>
+          <p:cNvPr id="22" name="Up Arrow 21">
+            <a:extLst>
+              <a:ext uri="{FF2B5EF4-FFF2-40B4-BE49-F238E27FC236}">
+                <a16:creationId xmlns:a16="http://schemas.microsoft.com/office/drawing/2014/main" id="{6DA9ADEA-F173-7369-FD4B-9FA9BCB7A5EB}"/>
+              </a:ext>
+            </a:extLst>
+          </p:cNvPr>
+          <p:cNvSpPr/>
+          <p:nvPr/>
+        </p:nvSpPr>
+        <p:spPr>
+          <a:xfrm>
+            <a:off x="3967473" y="2104766"/>
+            <a:ext cx="189485" cy="3842420"/>
+          </a:xfrm>
+          <a:prstGeom prst="upArrow">
+            <a:avLst/>
+          </a:prstGeom>
+        </p:spPr>
+        <p:style>
+          <a:lnRef idx="2">
+            <a:schemeClr val="accent4">
+              <a:shade val="50000"/>
+            </a:schemeClr>
+          </a:lnRef>
+          <a:fillRef idx="1">
+            <a:schemeClr val="accent4"/>
+          </a:fillRef>
+          <a:effectRef idx="0">
+            <a:schemeClr val="accent4"/>
+          </a:effectRef>
+          <a:fontRef idx="minor">
+            <a:schemeClr val="lt1"/>
+          </a:fontRef>
+        </p:style>
+        <p:txBody>
+          <a:bodyPr rtlCol="0" anchor="ctr"/>
+          <a:lstStyle/>
+          <a:p>
+            <a:pPr algn="ctr"/>
+            <a:endParaRPr lang="en-US"/>
+          </a:p>
+        </p:txBody>
+      </p:sp>
+      <p:sp>
+        <p:nvSpPr>
+          <p:cNvPr id="23" name="TextBox 22">
+            <a:extLst>
+              <a:ext uri="{FF2B5EF4-FFF2-40B4-BE49-F238E27FC236}">
+                <a16:creationId xmlns:a16="http://schemas.microsoft.com/office/drawing/2014/main" id="{2D0A17E0-37A3-277B-7304-98D78390DDD8}"/>
+              </a:ext>
+            </a:extLst>
+          </p:cNvPr>
+          <p:cNvSpPr txBox="1"/>
+          <p:nvPr/>
+        </p:nvSpPr>
+        <p:spPr>
+          <a:xfrm>
+            <a:off x="3527827" y="1698347"/>
+            <a:ext cx="1056636" cy="461665"/>
+          </a:xfrm>
+          <a:prstGeom prst="rect">
+            <a:avLst/>
+          </a:prstGeom>
+          <a:noFill/>
+        </p:spPr>
+        <p:txBody>
+          <a:bodyPr wrap="none" rtlCol="0">
+            <a:spAutoFit/>
+          </a:bodyPr>
+          <a:lstStyle/>
+          <a:p>
+            <a:pPr algn="ctr"/>
+            <a:r>
+              <a:rPr lang="en-US" sz="1200" b="1" dirty="0">
+                <a:solidFill>
+                  <a:srgbClr val="FFC000"/>
+                </a:solidFill>
+              </a:rPr>
+              <a:t>Accumulated </a:t>
+            </a:r>
+          </a:p>
+          <a:p>
+            <a:pPr algn="ctr"/>
+            <a:r>
+              <a:rPr lang="en-US" sz="1200" b="1" dirty="0">
+                <a:solidFill>
+                  <a:srgbClr val="FFC000"/>
+                </a:solidFill>
+              </a:rPr>
+              <a:t>Complexity</a:t>
+            </a:r>
+          </a:p>
+        </p:txBody>
+      </p:sp>
+      <p:cxnSp>
+        <p:nvCxnSpPr>
+          <p:cNvPr id="25" name="Straight Connector 24">
+            <a:extLst>
+              <a:ext uri="{FF2B5EF4-FFF2-40B4-BE49-F238E27FC236}">
+                <a16:creationId xmlns:a16="http://schemas.microsoft.com/office/drawing/2014/main" id="{89B2A22C-8F10-75A3-DEC2-D8BAF2AE8287}"/>
+              </a:ext>
+            </a:extLst>
+          </p:cNvPr>
+          <p:cNvCxnSpPr>
+            <a:cxnSpLocks/>
+          </p:cNvCxnSpPr>
+          <p:nvPr/>
+        </p:nvCxnSpPr>
+        <p:spPr>
+          <a:xfrm>
+            <a:off x="2769834" y="5120090"/>
+            <a:ext cx="1760444" cy="0"/>
+          </a:xfrm>
+          <a:prstGeom prst="line">
+            <a:avLst/>
+          </a:prstGeom>
+          <a:ln w="9525" cap="flat" cmpd="sng" algn="ctr">
+            <a:solidFill>
+              <a:schemeClr val="accent4"/>
+            </a:solidFill>
+            <a:prstDash val="dash"/>
+            <a:round/>
+            <a:headEnd type="none" w="med" len="med"/>
+            <a:tailEnd type="none" w="med" len="med"/>
+          </a:ln>
+        </p:spPr>
+        <p:style>
+          <a:lnRef idx="0">
+            <a:scrgbClr r="0" g="0" b="0"/>
+          </a:lnRef>
+          <a:fillRef idx="0">
+            <a:scrgbClr r="0" g="0" b="0"/>
+          </a:fillRef>
+          <a:effectRef idx="0">
+            <a:scrgbClr r="0" g="0" b="0"/>
+          </a:effectRef>
+          <a:fontRef idx="minor">
+            <a:schemeClr val="tx1"/>
+          </a:fontRef>
+        </p:style>
+      </p:cxnSp>
+      <p:cxnSp>
+        <p:nvCxnSpPr>
+          <p:cNvPr id="27" name="Straight Connector 26">
+            <a:extLst>
+              <a:ext uri="{FF2B5EF4-FFF2-40B4-BE49-F238E27FC236}">
+                <a16:creationId xmlns:a16="http://schemas.microsoft.com/office/drawing/2014/main" id="{73DBFD0F-27B7-A4B6-300E-710632D4FF3E}"/>
+              </a:ext>
+            </a:extLst>
+          </p:cNvPr>
+          <p:cNvCxnSpPr>
+            <a:cxnSpLocks/>
+          </p:cNvCxnSpPr>
+          <p:nvPr/>
+        </p:nvCxnSpPr>
+        <p:spPr>
+          <a:xfrm>
+            <a:off x="2769834" y="5947186"/>
+            <a:ext cx="1760444" cy="0"/>
+          </a:xfrm>
+          <a:prstGeom prst="line">
+            <a:avLst/>
+          </a:prstGeom>
+          <a:ln w="9525" cap="flat" cmpd="sng" algn="ctr">
+            <a:solidFill>
+              <a:schemeClr val="accent4"/>
+            </a:solidFill>
+            <a:prstDash val="dash"/>
+            <a:round/>
+            <a:headEnd type="none" w="med" len="med"/>
+            <a:tailEnd type="none" w="med" len="med"/>
+          </a:ln>
+        </p:spPr>
+        <p:style>
+          <a:lnRef idx="0">
+            <a:scrgbClr r="0" g="0" b="0"/>
+          </a:lnRef>
+          <a:fillRef idx="0">
+            <a:scrgbClr r="0" g="0" b="0"/>
+          </a:fillRef>
+          <a:effectRef idx="0">
+            <a:scrgbClr r="0" g="0" b="0"/>
+          </a:effectRef>
+          <a:fontRef idx="minor">
+            <a:schemeClr val="tx1"/>
+          </a:fontRef>
+        </p:style>
+      </p:cxnSp>
+      <p:sp>
+        <p:nvSpPr>
+          <p:cNvPr id="28" name="TextBox 27">
+            <a:extLst>
+              <a:ext uri="{FF2B5EF4-FFF2-40B4-BE49-F238E27FC236}">
+                <a16:creationId xmlns:a16="http://schemas.microsoft.com/office/drawing/2014/main" id="{C9D2787E-61BA-8F6F-F418-69AFA9143077}"/>
+              </a:ext>
+            </a:extLst>
+          </p:cNvPr>
+          <p:cNvSpPr txBox="1"/>
+          <p:nvPr/>
+        </p:nvSpPr>
+        <p:spPr>
+          <a:xfrm>
+            <a:off x="2683245" y="5407763"/>
+            <a:ext cx="1131528" cy="276999"/>
+          </a:xfrm>
+          <a:prstGeom prst="rect">
+            <a:avLst/>
+          </a:prstGeom>
+          <a:noFill/>
+        </p:spPr>
+        <p:txBody>
+          <a:bodyPr wrap="none" rtlCol="0">
+            <a:spAutoFit/>
+          </a:bodyPr>
+          <a:lstStyle/>
+          <a:p>
+            <a:r>
+              <a:rPr lang="en-US" sz="1200" dirty="0"/>
+              <a:t>1. Buffer Cache</a:t>
+            </a:r>
+          </a:p>
+        </p:txBody>
+      </p:sp>
+      <p:cxnSp>
+        <p:nvCxnSpPr>
+          <p:cNvPr id="29" name="Straight Connector 28">
+            <a:extLst>
+              <a:ext uri="{FF2B5EF4-FFF2-40B4-BE49-F238E27FC236}">
+                <a16:creationId xmlns:a16="http://schemas.microsoft.com/office/drawing/2014/main" id="{931DF5E8-FF46-161F-0B08-B4FB32B6E9F1}"/>
+              </a:ext>
+            </a:extLst>
+          </p:cNvPr>
+          <p:cNvCxnSpPr>
+            <a:cxnSpLocks/>
+          </p:cNvCxnSpPr>
+          <p:nvPr/>
+        </p:nvCxnSpPr>
+        <p:spPr>
+          <a:xfrm>
+            <a:off x="2769834" y="4524655"/>
+            <a:ext cx="1760444" cy="0"/>
+          </a:xfrm>
+          <a:prstGeom prst="line">
+            <a:avLst/>
+          </a:prstGeom>
+          <a:ln w="9525" cap="flat" cmpd="sng" algn="ctr">
+            <a:solidFill>
+              <a:schemeClr val="accent4"/>
+            </a:solidFill>
+            <a:prstDash val="dash"/>
+            <a:round/>
+            <a:headEnd type="none" w="med" len="med"/>
+            <a:tailEnd type="none" w="med" len="med"/>
+          </a:ln>
+        </p:spPr>
+        <p:style>
+          <a:lnRef idx="0">
+            <a:scrgbClr r="0" g="0" b="0"/>
+          </a:lnRef>
+          <a:fillRef idx="0">
+            <a:scrgbClr r="0" g="0" b="0"/>
+          </a:fillRef>
+          <a:effectRef idx="0">
+            <a:scrgbClr r="0" g="0" b="0"/>
+          </a:effectRef>
+          <a:fontRef idx="minor">
+            <a:schemeClr val="tx1"/>
+          </a:fontRef>
+        </p:style>
+      </p:cxnSp>
+      <p:sp>
+        <p:nvSpPr>
+          <p:cNvPr id="32" name="TextBox 31">
+            <a:extLst>
+              <a:ext uri="{FF2B5EF4-FFF2-40B4-BE49-F238E27FC236}">
+                <a16:creationId xmlns:a16="http://schemas.microsoft.com/office/drawing/2014/main" id="{DE29FFB0-D773-6B91-D0CA-677472F9E887}"/>
+              </a:ext>
+            </a:extLst>
+          </p:cNvPr>
+          <p:cNvSpPr txBox="1"/>
+          <p:nvPr/>
+        </p:nvSpPr>
+        <p:spPr>
+          <a:xfrm>
+            <a:off x="2683245" y="4669243"/>
+            <a:ext cx="1288623" cy="276999"/>
+          </a:xfrm>
+          <a:prstGeom prst="rect">
+            <a:avLst/>
+          </a:prstGeom>
+          <a:noFill/>
+        </p:spPr>
+        <p:txBody>
+          <a:bodyPr wrap="none" rtlCol="0">
+            <a:spAutoFit/>
+          </a:bodyPr>
+          <a:lstStyle/>
+          <a:p>
+            <a:r>
+              <a:rPr lang="en-US" sz="1200" dirty="0"/>
+              <a:t>2. Crash Recovery</a:t>
+            </a:r>
+          </a:p>
+        </p:txBody>
+      </p:sp>
+      <p:cxnSp>
+        <p:nvCxnSpPr>
+          <p:cNvPr id="33" name="Straight Connector 32">
+            <a:extLst>
+              <a:ext uri="{FF2B5EF4-FFF2-40B4-BE49-F238E27FC236}">
+                <a16:creationId xmlns:a16="http://schemas.microsoft.com/office/drawing/2014/main" id="{22784EB0-B643-31EF-294D-DDB478F797FD}"/>
+              </a:ext>
+            </a:extLst>
+          </p:cNvPr>
+          <p:cNvCxnSpPr>
+            <a:cxnSpLocks/>
+          </p:cNvCxnSpPr>
+          <p:nvPr/>
+        </p:nvCxnSpPr>
+        <p:spPr>
+          <a:xfrm>
+            <a:off x="2759811" y="2104766"/>
+            <a:ext cx="1760444" cy="0"/>
+          </a:xfrm>
+          <a:prstGeom prst="line">
+            <a:avLst/>
+          </a:prstGeom>
+          <a:ln w="9525" cap="flat" cmpd="sng" algn="ctr">
+            <a:solidFill>
+              <a:schemeClr val="accent4"/>
+            </a:solidFill>
+            <a:prstDash val="dash"/>
+            <a:round/>
+            <a:headEnd type="none" w="med" len="med"/>
+            <a:tailEnd type="none" w="med" len="med"/>
+          </a:ln>
+        </p:spPr>
+        <p:style>
+          <a:lnRef idx="0">
+            <a:scrgbClr r="0" g="0" b="0"/>
+          </a:lnRef>
+          <a:fillRef idx="0">
+            <a:scrgbClr r="0" g="0" b="0"/>
+          </a:fillRef>
+          <a:effectRef idx="0">
+            <a:scrgbClr r="0" g="0" b="0"/>
+          </a:effectRef>
+          <a:fontRef idx="minor">
+            <a:schemeClr val="tx1"/>
+          </a:fontRef>
+        </p:style>
+      </p:cxnSp>
+      <p:sp>
+        <p:nvSpPr>
+          <p:cNvPr id="35" name="TextBox 34">
+            <a:extLst>
+              <a:ext uri="{FF2B5EF4-FFF2-40B4-BE49-F238E27FC236}">
+                <a16:creationId xmlns:a16="http://schemas.microsoft.com/office/drawing/2014/main" id="{7779671E-D677-AF25-5016-09221F50C03F}"/>
+              </a:ext>
+            </a:extLst>
+          </p:cNvPr>
+          <p:cNvSpPr txBox="1"/>
+          <p:nvPr/>
+        </p:nvSpPr>
+        <p:spPr>
+          <a:xfrm>
+            <a:off x="2683245" y="3177279"/>
+            <a:ext cx="1279581" cy="276999"/>
+          </a:xfrm>
+          <a:prstGeom prst="rect">
+            <a:avLst/>
+          </a:prstGeom>
+          <a:noFill/>
+        </p:spPr>
+        <p:txBody>
+          <a:bodyPr wrap="none" rtlCol="0">
+            <a:spAutoFit/>
+          </a:bodyPr>
+          <a:lstStyle/>
+          <a:p>
+            <a:r>
+              <a:rPr lang="en-US" sz="1200" dirty="0"/>
+              <a:t>3. Inode and Path</a:t>
+            </a:r>
+          </a:p>
+        </p:txBody>
+      </p:sp>
+      <p:sp>
+        <p:nvSpPr>
+          <p:cNvPr id="37" name="Sun 36">
+            <a:extLst>
+              <a:ext uri="{FF2B5EF4-FFF2-40B4-BE49-F238E27FC236}">
+                <a16:creationId xmlns:a16="http://schemas.microsoft.com/office/drawing/2014/main" id="{FDA87A99-80EE-067E-C008-396FDE6A3A11}"/>
+              </a:ext>
+            </a:extLst>
+          </p:cNvPr>
+          <p:cNvSpPr/>
+          <p:nvPr/>
+        </p:nvSpPr>
+        <p:spPr>
+          <a:xfrm>
+            <a:off x="2441360" y="4643711"/>
+            <a:ext cx="328474" cy="328062"/>
+          </a:xfrm>
+          <a:prstGeom prst="sun">
+            <a:avLst/>
+          </a:prstGeom>
+          <a:solidFill>
+            <a:srgbClr val="FF0000"/>
+          </a:solidFill>
+          <a:ln>
+            <a:solidFill>
+              <a:srgbClr val="FFC000"/>
+            </a:solidFill>
+          </a:ln>
+        </p:spPr>
+        <p:style>
+          <a:lnRef idx="2">
+            <a:schemeClr val="accent1">
+              <a:shade val="50000"/>
+            </a:schemeClr>
+          </a:lnRef>
+          <a:fillRef idx="1">
+            <a:schemeClr val="accent1"/>
+          </a:fillRef>
+          <a:effectRef idx="0">
+            <a:schemeClr val="accent1"/>
+          </a:effectRef>
+          <a:fontRef idx="minor">
+            <a:schemeClr val="lt1"/>
+          </a:fontRef>
+        </p:style>
+        <p:txBody>
+          <a:bodyPr rtlCol="0" anchor="ctr"/>
+          <a:lstStyle/>
+          <a:p>
+            <a:pPr algn="ctr"/>
+            <a:endParaRPr lang="en-US"/>
+          </a:p>
+        </p:txBody>
+      </p:sp>
+      <p:sp>
+        <p:nvSpPr>
+          <p:cNvPr id="39" name="Up Arrow 38">
+            <a:extLst>
+              <a:ext uri="{FF2B5EF4-FFF2-40B4-BE49-F238E27FC236}">
+                <a16:creationId xmlns:a16="http://schemas.microsoft.com/office/drawing/2014/main" id="{02678C99-E54D-47F4-4CAA-1D1F240B83B7}"/>
+              </a:ext>
+            </a:extLst>
+          </p:cNvPr>
+          <p:cNvSpPr/>
+          <p:nvPr/>
+        </p:nvSpPr>
+        <p:spPr>
+          <a:xfrm rot="10800000">
+            <a:off x="7872280" y="2104766"/>
+            <a:ext cx="158276" cy="3807637"/>
+          </a:xfrm>
+          <a:prstGeom prst="upArrow">
+            <a:avLst/>
+          </a:prstGeom>
+        </p:spPr>
+        <p:style>
+          <a:lnRef idx="3">
+            <a:schemeClr val="lt1"/>
+          </a:lnRef>
+          <a:fillRef idx="1">
+            <a:schemeClr val="accent2"/>
+          </a:fillRef>
+          <a:effectRef idx="1">
+            <a:schemeClr val="accent2"/>
+          </a:effectRef>
+          <a:fontRef idx="minor">
+            <a:schemeClr val="lt1"/>
+          </a:fontRef>
+        </p:style>
+        <p:txBody>
+          <a:bodyPr rtlCol="0" anchor="ctr"/>
+          <a:lstStyle/>
+          <a:p>
+            <a:pPr algn="ctr"/>
+            <a:endParaRPr lang="en-US"/>
+          </a:p>
+        </p:txBody>
+      </p:sp>
+      <p:sp>
+        <p:nvSpPr>
+          <p:cNvPr id="41" name="TextBox 40">
+            <a:extLst>
+              <a:ext uri="{FF2B5EF4-FFF2-40B4-BE49-F238E27FC236}">
+                <a16:creationId xmlns:a16="http://schemas.microsoft.com/office/drawing/2014/main" id="{F27D4230-7471-C638-4A6A-FF74ED32547A}"/>
+              </a:ext>
+            </a:extLst>
+          </p:cNvPr>
+          <p:cNvSpPr txBox="1"/>
+          <p:nvPr/>
+        </p:nvSpPr>
+        <p:spPr>
+          <a:xfrm>
+            <a:off x="7428193" y="1862548"/>
+            <a:ext cx="1104533" cy="276999"/>
+          </a:xfrm>
+          <a:prstGeom prst="rect">
+            <a:avLst/>
+          </a:prstGeom>
+          <a:noFill/>
+        </p:spPr>
+        <p:txBody>
+          <a:bodyPr wrap="none" rtlCol="0">
+            <a:spAutoFit/>
+          </a:bodyPr>
+          <a:lstStyle/>
+          <a:p>
+            <a:r>
+              <a:rPr lang="en-US" sz="1200" dirty="0"/>
+              <a:t>4. System Calls</a:t>
+            </a:r>
+          </a:p>
+        </p:txBody>
+      </p:sp>
+    </p:spTree>
+    <p:extLst>
+      <p:ext uri="{BB962C8B-B14F-4D97-AF65-F5344CB8AC3E}">
+        <p14:creationId xmlns:p14="http://schemas.microsoft.com/office/powerpoint/2010/main" val="144044801"/>
+      </p:ext>
+    </p:extLst>
+  </p:cSld>
+  <p:clrMapOvr>
+    <a:masterClrMapping/>
+  </p:clrMapOvr>
+</p:sld>
+</file>
+
+<file path=ppt/slides/slide15.xml><?xml version="1.0" encoding="utf-8"?>
+<p:sld xmlns:a="http://schemas.openxmlformats.org/drawingml/2006/main" xmlns:r="http://schemas.openxmlformats.org/officeDocument/2006/relationships" xmlns:p="http://schemas.openxmlformats.org/presentationml/2006/main">
+  <p:cSld>
+    <p:spTree>
+      <p:nvGrpSpPr>
+        <p:cNvPr id="1" name=""/>
+        <p:cNvGrpSpPr/>
+        <p:nvPr/>
+      </p:nvGrpSpPr>
+      <p:grpSpPr>
+        <a:xfrm>
+          <a:off x="0" y="0"/>
+          <a:ext cx="0" cy="0"/>
+          <a:chOff x="0" y="0"/>
+          <a:chExt cx="0" cy="0"/>
+        </a:xfrm>
+      </p:grpSpPr>
+      <p:sp>
+        <p:nvSpPr>
           <p:cNvPr id="2" name="TextBox 1">
             <a:extLst>
               <a:ext uri="{FF2B5EF4-FFF2-40B4-BE49-F238E27FC236}">
@@ -15047,7 +16518,80 @@
     </p:spTree>
     <p:extLst>
       <p:ext uri="{BB962C8B-B14F-4D97-AF65-F5344CB8AC3E}">
-        <p14:creationId xmlns:p14="http://schemas.microsoft.com/office/powerpoint/2010/main" val="144044801"/>
+        <p14:creationId xmlns:p14="http://schemas.microsoft.com/office/powerpoint/2010/main" val="2897981531"/>
+      </p:ext>
+    </p:extLst>
+  </p:cSld>
+  <p:clrMapOvr>
+    <a:masterClrMapping/>
+  </p:clrMapOvr>
+</p:sld>
+</file>
+
+<file path=ppt/slides/slide16.xml><?xml version="1.0" encoding="utf-8"?>
+<p:sld xmlns:a="http://schemas.openxmlformats.org/drawingml/2006/main" xmlns:r="http://schemas.openxmlformats.org/officeDocument/2006/relationships" xmlns:p="http://schemas.openxmlformats.org/presentationml/2006/main">
+  <p:cSld>
+    <p:spTree>
+      <p:nvGrpSpPr>
+        <p:cNvPr id="1" name=""/>
+        <p:cNvGrpSpPr/>
+        <p:nvPr/>
+      </p:nvGrpSpPr>
+      <p:grpSpPr>
+        <a:xfrm>
+          <a:off x="0" y="0"/>
+          <a:ext cx="0" cy="0"/>
+          <a:chOff x="0" y="0"/>
+          <a:chExt cx="0" cy="0"/>
+        </a:xfrm>
+      </p:grpSpPr>
+      <p:sp>
+        <p:nvSpPr>
+          <p:cNvPr id="2" name="TextBox 1">
+            <a:extLst>
+              <a:ext uri="{FF2B5EF4-FFF2-40B4-BE49-F238E27FC236}">
+                <a16:creationId xmlns:a16="http://schemas.microsoft.com/office/drawing/2014/main" id="{A99980E2-A3A9-FD4A-9011-9A37E88F5891}"/>
+              </a:ext>
+            </a:extLst>
+          </p:cNvPr>
+          <p:cNvSpPr txBox="1"/>
+          <p:nvPr/>
+        </p:nvSpPr>
+        <p:spPr>
+          <a:xfrm>
+            <a:off x="1872537" y="277843"/>
+            <a:ext cx="8446926" cy="707886"/>
+          </a:xfrm>
+          <a:prstGeom prst="rect">
+            <a:avLst/>
+          </a:prstGeom>
+          <a:noFill/>
+        </p:spPr>
+        <p:txBody>
+          <a:bodyPr wrap="square" rtlCol="0">
+            <a:spAutoFit/>
+          </a:bodyPr>
+          <a:lstStyle/>
+          <a:p>
+            <a:pPr algn="ctr"/>
+            <a:r>
+              <a:rPr lang="en-US" sz="4000" dirty="0">
+                <a:solidFill>
+                  <a:schemeClr val="accent1">
+                    <a:lumMod val="60000"/>
+                    <a:lumOff val="40000"/>
+                  </a:schemeClr>
+                </a:solidFill>
+              </a:rPr>
+              <a:t>RISC-V Trap Machinery</a:t>
+            </a:r>
+          </a:p>
+        </p:txBody>
+      </p:sp>
+    </p:spTree>
+    <p:extLst>
+      <p:ext uri="{BB962C8B-B14F-4D97-AF65-F5344CB8AC3E}">
+        <p14:creationId xmlns:p14="http://schemas.microsoft.com/office/powerpoint/2010/main" val="501874486"/>
       </p:ext>
     </p:extLst>
   </p:cSld>

--- a/docs/figures/os1.pptx
+++ b/docs/figures/os1.pptx
@@ -5,7 +5,7 @@
     <p:sldMasterId id="2147483648" r:id="rId1"/>
   </p:sldMasterIdLst>
   <p:notesMasterIdLst>
-    <p:notesMasterId r:id="rId18"/>
+    <p:notesMasterId r:id="rId19"/>
   </p:notesMasterIdLst>
   <p:sldIdLst>
     <p:sldId id="331" r:id="rId2"/>
@@ -23,7 +23,8 @@
     <p:sldId id="348" r:id="rId14"/>
     <p:sldId id="347" r:id="rId15"/>
     <p:sldId id="349" r:id="rId16"/>
-    <p:sldId id="350" r:id="rId17"/>
+    <p:sldId id="351" r:id="rId17"/>
+    <p:sldId id="350" r:id="rId18"/>
   </p:sldIdLst>
   <p:sldSz cx="12192000" cy="6858000"/>
   <p:notesSz cx="6858000" cy="9144000"/>
@@ -1134,6 +1135,90 @@
             <a:fld id="{997274CE-51E2-314F-8544-5E91EE33A09F}" type="slidenum">
               <a:rPr lang="en-US" smtClean="0"/>
               <a:t>16</a:t>
+            </a:fld>
+            <a:endParaRPr lang="en-US"/>
+          </a:p>
+        </p:txBody>
+      </p:sp>
+    </p:spTree>
+    <p:extLst>
+      <p:ext uri="{BB962C8B-B14F-4D97-AF65-F5344CB8AC3E}">
+        <p14:creationId xmlns:p14="http://schemas.microsoft.com/office/powerpoint/2010/main" val="661453714"/>
+      </p:ext>
+    </p:extLst>
+  </p:cSld>
+  <p:clrMapOvr>
+    <a:masterClrMapping/>
+  </p:clrMapOvr>
+</p:notes>
+</file>
+
+<file path=ppt/notesSlides/notesSlide17.xml><?xml version="1.0" encoding="utf-8"?>
+<p:notes xmlns:a="http://schemas.openxmlformats.org/drawingml/2006/main" xmlns:r="http://schemas.openxmlformats.org/officeDocument/2006/relationships" xmlns:p="http://schemas.openxmlformats.org/presentationml/2006/main">
+  <p:cSld>
+    <p:spTree>
+      <p:nvGrpSpPr>
+        <p:cNvPr id="1" name=""/>
+        <p:cNvGrpSpPr/>
+        <p:nvPr/>
+      </p:nvGrpSpPr>
+      <p:grpSpPr>
+        <a:xfrm>
+          <a:off x="0" y="0"/>
+          <a:ext cx="0" cy="0"/>
+          <a:chOff x="0" y="0"/>
+          <a:chExt cx="0" cy="0"/>
+        </a:xfrm>
+      </p:grpSpPr>
+      <p:sp>
+        <p:nvSpPr>
+          <p:cNvPr id="2" name="Slide Image Placeholder 1"/>
+          <p:cNvSpPr>
+            <a:spLocks noGrp="1" noRot="1" noChangeAspect="1"/>
+          </p:cNvSpPr>
+          <p:nvPr>
+            <p:ph type="sldImg"/>
+          </p:nvPr>
+        </p:nvSpPr>
+        <p:spPr/>
+      </p:sp>
+      <p:sp>
+        <p:nvSpPr>
+          <p:cNvPr id="3" name="Notes Placeholder 2"/>
+          <p:cNvSpPr>
+            <a:spLocks noGrp="1"/>
+          </p:cNvSpPr>
+          <p:nvPr>
+            <p:ph type="body" idx="1"/>
+          </p:nvPr>
+        </p:nvSpPr>
+        <p:spPr/>
+        <p:txBody>
+          <a:bodyPr/>
+          <a:lstStyle/>
+          <a:p>
+            <a:endParaRPr lang="en-US" dirty="0"/>
+          </a:p>
+        </p:txBody>
+      </p:sp>
+      <p:sp>
+        <p:nvSpPr>
+          <p:cNvPr id="4" name="Slide Number Placeholder 3"/>
+          <p:cNvSpPr>
+            <a:spLocks noGrp="1"/>
+          </p:cNvSpPr>
+          <p:nvPr>
+            <p:ph type="sldNum" sz="quarter" idx="5"/>
+          </p:nvPr>
+        </p:nvSpPr>
+        <p:spPr/>
+        <p:txBody>
+          <a:bodyPr/>
+          <a:lstStyle/>
+          <a:p>
+            <a:fld id="{997274CE-51E2-314F-8544-5E91EE33A09F}" type="slidenum">
+              <a:rPr lang="en-US" smtClean="0"/>
+              <a:t>17</a:t>
             </a:fld>
             <a:endParaRPr lang="en-US"/>
           </a:p>
@@ -16510,7 +16595,1872 @@
                   </a:schemeClr>
                 </a:solidFill>
               </a:rPr>
-              <a:t>RISC-V Trap Machinery</a:t>
+              <a:t>Buffer Cache</a:t>
+            </a:r>
+          </a:p>
+        </p:txBody>
+      </p:sp>
+      <p:sp>
+        <p:nvSpPr>
+          <p:cNvPr id="3" name="Rectangle 2">
+            <a:extLst>
+              <a:ext uri="{FF2B5EF4-FFF2-40B4-BE49-F238E27FC236}">
+                <a16:creationId xmlns:a16="http://schemas.microsoft.com/office/drawing/2014/main" id="{8FCC94B5-34A0-ABC3-9412-813BECF5BB5E}"/>
+              </a:ext>
+            </a:extLst>
+          </p:cNvPr>
+          <p:cNvSpPr/>
+          <p:nvPr/>
+        </p:nvSpPr>
+        <p:spPr>
+          <a:xfrm>
+            <a:off x="5532268" y="5007114"/>
+            <a:ext cx="1127464" cy="707886"/>
+          </a:xfrm>
+          <a:prstGeom prst="rect">
+            <a:avLst/>
+          </a:prstGeom>
+          <a:solidFill>
+            <a:srgbClr val="002060"/>
+          </a:solidFill>
+        </p:spPr>
+        <p:style>
+          <a:lnRef idx="2">
+            <a:schemeClr val="accent1">
+              <a:shade val="50000"/>
+            </a:schemeClr>
+          </a:lnRef>
+          <a:fillRef idx="1">
+            <a:schemeClr val="accent1"/>
+          </a:fillRef>
+          <a:effectRef idx="0">
+            <a:schemeClr val="accent1"/>
+          </a:effectRef>
+          <a:fontRef idx="minor">
+            <a:schemeClr val="lt1"/>
+          </a:fontRef>
+        </p:style>
+        <p:txBody>
+          <a:bodyPr rtlCol="0" anchor="ctr"/>
+          <a:lstStyle/>
+          <a:p>
+            <a:pPr algn="ctr"/>
+            <a:endParaRPr lang="en-US" dirty="0"/>
+          </a:p>
+        </p:txBody>
+      </p:sp>
+      <p:sp>
+        <p:nvSpPr>
+          <p:cNvPr id="4" name="TextBox 3">
+            <a:extLst>
+              <a:ext uri="{FF2B5EF4-FFF2-40B4-BE49-F238E27FC236}">
+                <a16:creationId xmlns:a16="http://schemas.microsoft.com/office/drawing/2014/main" id="{39616A5C-39AF-2FB7-6226-AD3C66552D64}"/>
+              </a:ext>
+            </a:extLst>
+          </p:cNvPr>
+          <p:cNvSpPr txBox="1"/>
+          <p:nvPr/>
+        </p:nvSpPr>
+        <p:spPr>
+          <a:xfrm>
+            <a:off x="5637320" y="5007114"/>
+            <a:ext cx="1228221" cy="276999"/>
+          </a:xfrm>
+          <a:prstGeom prst="rect">
+            <a:avLst/>
+          </a:prstGeom>
+          <a:noFill/>
+        </p:spPr>
+        <p:txBody>
+          <a:bodyPr wrap="square" rtlCol="0">
+            <a:spAutoFit/>
+          </a:bodyPr>
+          <a:lstStyle/>
+          <a:p>
+            <a:r>
+              <a:rPr lang="en-US" sz="1200" b="1" dirty="0"/>
+              <a:t>Head block</a:t>
+            </a:r>
+          </a:p>
+        </p:txBody>
+      </p:sp>
+      <p:sp>
+        <p:nvSpPr>
+          <p:cNvPr id="5" name="Rectangle 4">
+            <a:extLst>
+              <a:ext uri="{FF2B5EF4-FFF2-40B4-BE49-F238E27FC236}">
+                <a16:creationId xmlns:a16="http://schemas.microsoft.com/office/drawing/2014/main" id="{36EE6BC4-D0FA-8908-93AB-AFF4DCB6C7FD}"/>
+              </a:ext>
+            </a:extLst>
+          </p:cNvPr>
+          <p:cNvSpPr/>
+          <p:nvPr/>
+        </p:nvSpPr>
+        <p:spPr>
+          <a:xfrm>
+            <a:off x="5532268" y="6109425"/>
+            <a:ext cx="1127464" cy="335764"/>
+          </a:xfrm>
+          <a:prstGeom prst="rect">
+            <a:avLst/>
+          </a:prstGeom>
+          <a:solidFill>
+            <a:srgbClr val="002060"/>
+          </a:solidFill>
+        </p:spPr>
+        <p:style>
+          <a:lnRef idx="2">
+            <a:schemeClr val="accent1">
+              <a:shade val="50000"/>
+            </a:schemeClr>
+          </a:lnRef>
+          <a:fillRef idx="1">
+            <a:schemeClr val="accent1"/>
+          </a:fillRef>
+          <a:effectRef idx="0">
+            <a:schemeClr val="accent1"/>
+          </a:effectRef>
+          <a:fontRef idx="minor">
+            <a:schemeClr val="lt1"/>
+          </a:fontRef>
+        </p:style>
+        <p:txBody>
+          <a:bodyPr rtlCol="0" anchor="ctr"/>
+          <a:lstStyle/>
+          <a:p>
+            <a:pPr algn="ctr"/>
+            <a:endParaRPr lang="en-US" dirty="0"/>
+          </a:p>
+        </p:txBody>
+      </p:sp>
+      <p:sp>
+        <p:nvSpPr>
+          <p:cNvPr id="6" name="TextBox 5">
+            <a:extLst>
+              <a:ext uri="{FF2B5EF4-FFF2-40B4-BE49-F238E27FC236}">
+                <a16:creationId xmlns:a16="http://schemas.microsoft.com/office/drawing/2014/main" id="{4E21F53A-5A1F-6DCB-8078-F0306BA5E8F0}"/>
+              </a:ext>
+            </a:extLst>
+          </p:cNvPr>
+          <p:cNvSpPr txBox="1"/>
+          <p:nvPr/>
+        </p:nvSpPr>
+        <p:spPr>
+          <a:xfrm>
+            <a:off x="5780843" y="6138807"/>
+            <a:ext cx="1228221" cy="276999"/>
+          </a:xfrm>
+          <a:prstGeom prst="rect">
+            <a:avLst/>
+          </a:prstGeom>
+          <a:noFill/>
+        </p:spPr>
+        <p:txBody>
+          <a:bodyPr wrap="square" rtlCol="0">
+            <a:spAutoFit/>
+          </a:bodyPr>
+          <a:lstStyle/>
+          <a:p>
+            <a:r>
+              <a:rPr lang="en-US" sz="1200" b="1" dirty="0"/>
+              <a:t>bcache</a:t>
+            </a:r>
+          </a:p>
+        </p:txBody>
+      </p:sp>
+      <p:cxnSp>
+        <p:nvCxnSpPr>
+          <p:cNvPr id="8" name="Straight Arrow Connector 7">
+            <a:extLst>
+              <a:ext uri="{FF2B5EF4-FFF2-40B4-BE49-F238E27FC236}">
+                <a16:creationId xmlns:a16="http://schemas.microsoft.com/office/drawing/2014/main" id="{B1908804-2A50-92A8-8B0F-BAA0F9DD2D93}"/>
+              </a:ext>
+            </a:extLst>
+          </p:cNvPr>
+          <p:cNvCxnSpPr>
+            <a:stCxn id="5" idx="0"/>
+            <a:endCxn id="3" idx="2"/>
+          </p:cNvCxnSpPr>
+          <p:nvPr/>
+        </p:nvCxnSpPr>
+        <p:spPr>
+          <a:xfrm flipV="1">
+            <a:off x="6096000" y="5715000"/>
+            <a:ext cx="0" cy="394425"/>
+          </a:xfrm>
+          <a:prstGeom prst="straightConnector1">
+            <a:avLst/>
+          </a:prstGeom>
+          <a:ln>
+            <a:tailEnd type="triangle"/>
+          </a:ln>
+        </p:spPr>
+        <p:style>
+          <a:lnRef idx="3">
+            <a:schemeClr val="accent1"/>
+          </a:lnRef>
+          <a:fillRef idx="0">
+            <a:schemeClr val="accent1"/>
+          </a:fillRef>
+          <a:effectRef idx="2">
+            <a:schemeClr val="accent1"/>
+          </a:effectRef>
+          <a:fontRef idx="minor">
+            <a:schemeClr val="tx1"/>
+          </a:fontRef>
+        </p:style>
+      </p:cxnSp>
+      <p:sp>
+        <p:nvSpPr>
+          <p:cNvPr id="10" name="TextBox 9">
+            <a:extLst>
+              <a:ext uri="{FF2B5EF4-FFF2-40B4-BE49-F238E27FC236}">
+                <a16:creationId xmlns:a16="http://schemas.microsoft.com/office/drawing/2014/main" id="{865D3F47-F326-940F-13D6-96ACE4D7ABB7}"/>
+              </a:ext>
+            </a:extLst>
+          </p:cNvPr>
+          <p:cNvSpPr txBox="1"/>
+          <p:nvPr/>
+        </p:nvSpPr>
+        <p:spPr>
+          <a:xfrm>
+            <a:off x="6045621" y="5777256"/>
+            <a:ext cx="1228221" cy="276999"/>
+          </a:xfrm>
+          <a:prstGeom prst="rect">
+            <a:avLst/>
+          </a:prstGeom>
+          <a:noFill/>
+        </p:spPr>
+        <p:txBody>
+          <a:bodyPr wrap="square" rtlCol="0">
+            <a:spAutoFit/>
+          </a:bodyPr>
+          <a:lstStyle/>
+          <a:p>
+            <a:r>
+              <a:rPr lang="en-US" sz="1200" b="1" dirty="0"/>
+              <a:t>head</a:t>
+            </a:r>
+          </a:p>
+        </p:txBody>
+      </p:sp>
+      <p:sp>
+        <p:nvSpPr>
+          <p:cNvPr id="11" name="Rectangle 10">
+            <a:extLst>
+              <a:ext uri="{FF2B5EF4-FFF2-40B4-BE49-F238E27FC236}">
+                <a16:creationId xmlns:a16="http://schemas.microsoft.com/office/drawing/2014/main" id="{F92866AA-CFE2-CB41-8C98-0434D74938DA}"/>
+              </a:ext>
+            </a:extLst>
+          </p:cNvPr>
+          <p:cNvSpPr/>
+          <p:nvPr/>
+        </p:nvSpPr>
+        <p:spPr>
+          <a:xfrm rot="19904949">
+            <a:off x="7109447" y="4557772"/>
+            <a:ext cx="1127464" cy="707886"/>
+          </a:xfrm>
+          <a:prstGeom prst="rect">
+            <a:avLst/>
+          </a:prstGeom>
+          <a:solidFill>
+            <a:schemeClr val="accent2"/>
+          </a:solidFill>
+        </p:spPr>
+        <p:style>
+          <a:lnRef idx="2">
+            <a:schemeClr val="accent1">
+              <a:shade val="50000"/>
+            </a:schemeClr>
+          </a:lnRef>
+          <a:fillRef idx="1">
+            <a:schemeClr val="accent1"/>
+          </a:fillRef>
+          <a:effectRef idx="0">
+            <a:schemeClr val="accent1"/>
+          </a:effectRef>
+          <a:fontRef idx="minor">
+            <a:schemeClr val="lt1"/>
+          </a:fontRef>
+        </p:style>
+        <p:txBody>
+          <a:bodyPr rtlCol="0" anchor="ctr"/>
+          <a:lstStyle/>
+          <a:p>
+            <a:pPr algn="ctr"/>
+            <a:r>
+              <a:rPr lang="en-US" dirty="0">
+                <a:solidFill>
+                  <a:schemeClr val="bg1"/>
+                </a:solidFill>
+              </a:rPr>
+              <a:t>Block 1</a:t>
+            </a:r>
+          </a:p>
+        </p:txBody>
+      </p:sp>
+      <p:sp>
+        <p:nvSpPr>
+          <p:cNvPr id="12" name="Rectangle 11">
+            <a:extLst>
+              <a:ext uri="{FF2B5EF4-FFF2-40B4-BE49-F238E27FC236}">
+                <a16:creationId xmlns:a16="http://schemas.microsoft.com/office/drawing/2014/main" id="{683636D8-012A-79C9-5546-D22B688A48C6}"/>
+              </a:ext>
+            </a:extLst>
+          </p:cNvPr>
+          <p:cNvSpPr/>
+          <p:nvPr/>
+        </p:nvSpPr>
+        <p:spPr>
+          <a:xfrm rot="1836984">
+            <a:off x="3953801" y="4544684"/>
+            <a:ext cx="1127464" cy="707886"/>
+          </a:xfrm>
+          <a:prstGeom prst="rect">
+            <a:avLst/>
+          </a:prstGeom>
+          <a:solidFill>
+            <a:srgbClr val="FFFF00"/>
+          </a:solidFill>
+        </p:spPr>
+        <p:style>
+          <a:lnRef idx="2">
+            <a:schemeClr val="accent1">
+              <a:shade val="50000"/>
+            </a:schemeClr>
+          </a:lnRef>
+          <a:fillRef idx="1">
+            <a:schemeClr val="accent1"/>
+          </a:fillRef>
+          <a:effectRef idx="0">
+            <a:schemeClr val="accent1"/>
+          </a:effectRef>
+          <a:fontRef idx="minor">
+            <a:schemeClr val="lt1"/>
+          </a:fontRef>
+        </p:style>
+        <p:txBody>
+          <a:bodyPr rtlCol="0" anchor="ctr"/>
+          <a:lstStyle/>
+          <a:p>
+            <a:pPr algn="ctr"/>
+            <a:r>
+              <a:rPr lang="en-US" dirty="0">
+                <a:solidFill>
+                  <a:schemeClr val="bg1"/>
+                </a:solidFill>
+              </a:rPr>
+              <a:t>Block n+2</a:t>
+            </a:r>
+          </a:p>
+        </p:txBody>
+      </p:sp>
+      <p:sp>
+        <p:nvSpPr>
+          <p:cNvPr id="13" name="Rectangle 12">
+            <a:extLst>
+              <a:ext uri="{FF2B5EF4-FFF2-40B4-BE49-F238E27FC236}">
+                <a16:creationId xmlns:a16="http://schemas.microsoft.com/office/drawing/2014/main" id="{9B091E64-9C6F-27A2-405B-EAE6C40D9E83}"/>
+              </a:ext>
+            </a:extLst>
+          </p:cNvPr>
+          <p:cNvSpPr/>
+          <p:nvPr/>
+        </p:nvSpPr>
+        <p:spPr>
+          <a:xfrm rot="3569557">
+            <a:off x="2697059" y="3362971"/>
+            <a:ext cx="1127464" cy="707886"/>
+          </a:xfrm>
+          <a:prstGeom prst="rect">
+            <a:avLst/>
+          </a:prstGeom>
+          <a:solidFill>
+            <a:srgbClr val="00B0F0"/>
+          </a:solidFill>
+        </p:spPr>
+        <p:style>
+          <a:lnRef idx="2">
+            <a:schemeClr val="accent1">
+              <a:shade val="50000"/>
+            </a:schemeClr>
+          </a:lnRef>
+          <a:fillRef idx="1">
+            <a:schemeClr val="accent1"/>
+          </a:fillRef>
+          <a:effectRef idx="0">
+            <a:schemeClr val="accent1"/>
+          </a:effectRef>
+          <a:fontRef idx="minor">
+            <a:schemeClr val="lt1"/>
+          </a:fontRef>
+        </p:style>
+        <p:txBody>
+          <a:bodyPr rtlCol="0" anchor="ctr"/>
+          <a:lstStyle/>
+          <a:p>
+            <a:pPr algn="ctr"/>
+            <a:r>
+              <a:rPr lang="en-US" dirty="0">
+                <a:solidFill>
+                  <a:schemeClr val="bg1"/>
+                </a:solidFill>
+              </a:rPr>
+              <a:t>Block n+1</a:t>
+            </a:r>
+          </a:p>
+        </p:txBody>
+      </p:sp>
+      <p:sp>
+        <p:nvSpPr>
+          <p:cNvPr id="16" name="Rectangle 15">
+            <a:extLst>
+              <a:ext uri="{FF2B5EF4-FFF2-40B4-BE49-F238E27FC236}">
+                <a16:creationId xmlns:a16="http://schemas.microsoft.com/office/drawing/2014/main" id="{3ECA9F1C-6674-59AB-A009-173EEDD7E971}"/>
+              </a:ext>
+            </a:extLst>
+          </p:cNvPr>
+          <p:cNvSpPr/>
+          <p:nvPr/>
+        </p:nvSpPr>
+        <p:spPr>
+          <a:xfrm rot="20036567">
+            <a:off x="3355017" y="1739900"/>
+            <a:ext cx="1127464" cy="707886"/>
+          </a:xfrm>
+          <a:prstGeom prst="rect">
+            <a:avLst/>
+          </a:prstGeom>
+          <a:solidFill>
+            <a:srgbClr val="00B0F0"/>
+          </a:solidFill>
+        </p:spPr>
+        <p:style>
+          <a:lnRef idx="2">
+            <a:schemeClr val="accent1">
+              <a:shade val="50000"/>
+            </a:schemeClr>
+          </a:lnRef>
+          <a:fillRef idx="1">
+            <a:schemeClr val="accent1"/>
+          </a:fillRef>
+          <a:effectRef idx="0">
+            <a:schemeClr val="accent1"/>
+          </a:effectRef>
+          <a:fontRef idx="minor">
+            <a:schemeClr val="lt1"/>
+          </a:fontRef>
+        </p:style>
+        <p:txBody>
+          <a:bodyPr rtlCol="0" anchor="ctr"/>
+          <a:lstStyle/>
+          <a:p>
+            <a:pPr algn="ctr"/>
+            <a:r>
+              <a:rPr lang="en-US" dirty="0">
+                <a:solidFill>
+                  <a:schemeClr val="bg1"/>
+                </a:solidFill>
+              </a:rPr>
+              <a:t>Block n</a:t>
+            </a:r>
+          </a:p>
+        </p:txBody>
+      </p:sp>
+      <p:sp>
+        <p:nvSpPr>
+          <p:cNvPr id="17" name="Rectangle 16">
+            <a:extLst>
+              <a:ext uri="{FF2B5EF4-FFF2-40B4-BE49-F238E27FC236}">
+                <a16:creationId xmlns:a16="http://schemas.microsoft.com/office/drawing/2014/main" id="{A0DE90F0-2D3D-6BA8-A8D1-65FCC58B7867}"/>
+              </a:ext>
+            </a:extLst>
+          </p:cNvPr>
+          <p:cNvSpPr/>
+          <p:nvPr/>
+        </p:nvSpPr>
+        <p:spPr>
+          <a:xfrm rot="18137722">
+            <a:off x="8388786" y="3363821"/>
+            <a:ext cx="1127464" cy="707886"/>
+          </a:xfrm>
+          <a:prstGeom prst="rect">
+            <a:avLst/>
+          </a:prstGeom>
+          <a:solidFill>
+            <a:srgbClr val="00B0F0"/>
+          </a:solidFill>
+        </p:spPr>
+        <p:style>
+          <a:lnRef idx="2">
+            <a:schemeClr val="accent1">
+              <a:shade val="50000"/>
+            </a:schemeClr>
+          </a:lnRef>
+          <a:fillRef idx="1">
+            <a:schemeClr val="accent1"/>
+          </a:fillRef>
+          <a:effectRef idx="0">
+            <a:schemeClr val="accent1"/>
+          </a:effectRef>
+          <a:fontRef idx="minor">
+            <a:schemeClr val="lt1"/>
+          </a:fontRef>
+        </p:style>
+        <p:txBody>
+          <a:bodyPr rtlCol="0" anchor="ctr"/>
+          <a:lstStyle/>
+          <a:p>
+            <a:pPr algn="ctr"/>
+            <a:r>
+              <a:rPr lang="en-US" dirty="0">
+                <a:solidFill>
+                  <a:schemeClr val="bg1"/>
+                </a:solidFill>
+              </a:rPr>
+              <a:t>Block 2</a:t>
+            </a:r>
+          </a:p>
+        </p:txBody>
+      </p:sp>
+      <p:sp>
+        <p:nvSpPr>
+          <p:cNvPr id="18" name="Rectangle 17">
+            <a:extLst>
+              <a:ext uri="{FF2B5EF4-FFF2-40B4-BE49-F238E27FC236}">
+                <a16:creationId xmlns:a16="http://schemas.microsoft.com/office/drawing/2014/main" id="{4FC9E708-996A-BC5E-7987-FA96F5B09363}"/>
+              </a:ext>
+            </a:extLst>
+          </p:cNvPr>
+          <p:cNvSpPr/>
+          <p:nvPr/>
+        </p:nvSpPr>
+        <p:spPr>
+          <a:xfrm rot="1585064">
+            <a:off x="7709412" y="1757068"/>
+            <a:ext cx="1127464" cy="707886"/>
+          </a:xfrm>
+          <a:prstGeom prst="rect">
+            <a:avLst/>
+          </a:prstGeom>
+          <a:solidFill>
+            <a:srgbClr val="00B0F0"/>
+          </a:solidFill>
+        </p:spPr>
+        <p:style>
+          <a:lnRef idx="2">
+            <a:schemeClr val="accent1">
+              <a:shade val="50000"/>
+            </a:schemeClr>
+          </a:lnRef>
+          <a:fillRef idx="1">
+            <a:schemeClr val="accent1"/>
+          </a:fillRef>
+          <a:effectRef idx="0">
+            <a:schemeClr val="accent1"/>
+          </a:effectRef>
+          <a:fontRef idx="minor">
+            <a:schemeClr val="lt1"/>
+          </a:fontRef>
+        </p:style>
+        <p:txBody>
+          <a:bodyPr rtlCol="0" anchor="ctr"/>
+          <a:lstStyle/>
+          <a:p>
+            <a:pPr algn="ctr"/>
+            <a:r>
+              <a:rPr lang="en-US" dirty="0">
+                <a:solidFill>
+                  <a:schemeClr val="bg1"/>
+                </a:solidFill>
+              </a:rPr>
+              <a:t>Block 3</a:t>
+            </a:r>
+          </a:p>
+        </p:txBody>
+      </p:sp>
+      <p:cxnSp>
+        <p:nvCxnSpPr>
+          <p:cNvPr id="27" name="Straight Arrow Connector 26">
+            <a:extLst>
+              <a:ext uri="{FF2B5EF4-FFF2-40B4-BE49-F238E27FC236}">
+                <a16:creationId xmlns:a16="http://schemas.microsoft.com/office/drawing/2014/main" id="{61D5AF6A-D5D3-C7A7-54EF-F4397281B9C4}"/>
+              </a:ext>
+            </a:extLst>
+          </p:cNvPr>
+          <p:cNvCxnSpPr>
+            <a:cxnSpLocks/>
+          </p:cNvCxnSpPr>
+          <p:nvPr/>
+        </p:nvCxnSpPr>
+        <p:spPr>
+          <a:xfrm flipV="1">
+            <a:off x="6657317" y="4997188"/>
+            <a:ext cx="435941" cy="232630"/>
+          </a:xfrm>
+          <a:prstGeom prst="straightConnector1">
+            <a:avLst/>
+          </a:prstGeom>
+          <a:ln>
+            <a:tailEnd type="triangle"/>
+          </a:ln>
+        </p:spPr>
+        <p:style>
+          <a:lnRef idx="3">
+            <a:schemeClr val="accent5"/>
+          </a:lnRef>
+          <a:fillRef idx="0">
+            <a:schemeClr val="accent5"/>
+          </a:fillRef>
+          <a:effectRef idx="2">
+            <a:schemeClr val="accent5"/>
+          </a:effectRef>
+          <a:fontRef idx="minor">
+            <a:schemeClr val="tx1"/>
+          </a:fontRef>
+        </p:style>
+      </p:cxnSp>
+      <p:cxnSp>
+        <p:nvCxnSpPr>
+          <p:cNvPr id="29" name="Straight Arrow Connector 28">
+            <a:extLst>
+              <a:ext uri="{FF2B5EF4-FFF2-40B4-BE49-F238E27FC236}">
+                <a16:creationId xmlns:a16="http://schemas.microsoft.com/office/drawing/2014/main" id="{DF43B010-AC03-2A44-1689-21838BE8C54C}"/>
+              </a:ext>
+            </a:extLst>
+          </p:cNvPr>
+          <p:cNvCxnSpPr>
+            <a:cxnSpLocks/>
+          </p:cNvCxnSpPr>
+          <p:nvPr/>
+        </p:nvCxnSpPr>
+        <p:spPr>
+          <a:xfrm flipH="1">
+            <a:off x="6657317" y="5308152"/>
+            <a:ext cx="616525" cy="312436"/>
+          </a:xfrm>
+          <a:prstGeom prst="straightConnector1">
+            <a:avLst/>
+          </a:prstGeom>
+          <a:ln>
+            <a:tailEnd type="triangle"/>
+          </a:ln>
+        </p:spPr>
+        <p:style>
+          <a:lnRef idx="3">
+            <a:schemeClr val="accent4"/>
+          </a:lnRef>
+          <a:fillRef idx="0">
+            <a:schemeClr val="accent4"/>
+          </a:fillRef>
+          <a:effectRef idx="2">
+            <a:schemeClr val="accent4"/>
+          </a:effectRef>
+          <a:fontRef idx="minor">
+            <a:schemeClr val="tx1"/>
+          </a:fontRef>
+        </p:style>
+      </p:cxnSp>
+      <p:cxnSp>
+        <p:nvCxnSpPr>
+          <p:cNvPr id="30" name="Straight Arrow Connector 29">
+            <a:extLst>
+              <a:ext uri="{FF2B5EF4-FFF2-40B4-BE49-F238E27FC236}">
+                <a16:creationId xmlns:a16="http://schemas.microsoft.com/office/drawing/2014/main" id="{AAB801E8-F700-DBCC-A646-7E734EB177A4}"/>
+              </a:ext>
+            </a:extLst>
+          </p:cNvPr>
+          <p:cNvCxnSpPr>
+            <a:cxnSpLocks/>
+          </p:cNvCxnSpPr>
+          <p:nvPr/>
+        </p:nvCxnSpPr>
+        <p:spPr>
+          <a:xfrm flipH="1" flipV="1">
+            <a:off x="4860381" y="5371759"/>
+            <a:ext cx="671886" cy="265561"/>
+          </a:xfrm>
+          <a:prstGeom prst="straightConnector1">
+            <a:avLst/>
+          </a:prstGeom>
+          <a:ln>
+            <a:tailEnd type="triangle"/>
+          </a:ln>
+        </p:spPr>
+        <p:style>
+          <a:lnRef idx="3">
+            <a:schemeClr val="accent4"/>
+          </a:lnRef>
+          <a:fillRef idx="0">
+            <a:schemeClr val="accent4"/>
+          </a:fillRef>
+          <a:effectRef idx="2">
+            <a:schemeClr val="accent4"/>
+          </a:effectRef>
+          <a:fontRef idx="minor">
+            <a:schemeClr val="tx1"/>
+          </a:fontRef>
+        </p:style>
+      </p:cxnSp>
+      <p:cxnSp>
+        <p:nvCxnSpPr>
+          <p:cNvPr id="32" name="Straight Arrow Connector 31">
+            <a:extLst>
+              <a:ext uri="{FF2B5EF4-FFF2-40B4-BE49-F238E27FC236}">
+                <a16:creationId xmlns:a16="http://schemas.microsoft.com/office/drawing/2014/main" id="{D3D341C7-FBB0-5960-C0A4-363D32DB21C7}"/>
+              </a:ext>
+            </a:extLst>
+          </p:cNvPr>
+          <p:cNvCxnSpPr>
+            <a:cxnSpLocks/>
+          </p:cNvCxnSpPr>
+          <p:nvPr/>
+        </p:nvCxnSpPr>
+        <p:spPr>
+          <a:xfrm>
+            <a:off x="5068848" y="5030756"/>
+            <a:ext cx="462932" cy="194014"/>
+          </a:xfrm>
+          <a:prstGeom prst="straightConnector1">
+            <a:avLst/>
+          </a:prstGeom>
+          <a:ln>
+            <a:tailEnd type="triangle"/>
+          </a:ln>
+        </p:spPr>
+        <p:style>
+          <a:lnRef idx="3">
+            <a:schemeClr val="accent5"/>
+          </a:lnRef>
+          <a:fillRef idx="0">
+            <a:schemeClr val="accent5"/>
+          </a:fillRef>
+          <a:effectRef idx="2">
+            <a:schemeClr val="accent5"/>
+          </a:effectRef>
+          <a:fontRef idx="minor">
+            <a:schemeClr val="tx1"/>
+          </a:fontRef>
+        </p:style>
+      </p:cxnSp>
+      <p:cxnSp>
+        <p:nvCxnSpPr>
+          <p:cNvPr id="34" name="Straight Arrow Connector 33">
+            <a:extLst>
+              <a:ext uri="{FF2B5EF4-FFF2-40B4-BE49-F238E27FC236}">
+                <a16:creationId xmlns:a16="http://schemas.microsoft.com/office/drawing/2014/main" id="{26320E25-2694-1CFF-C0AC-72BCA372C98D}"/>
+              </a:ext>
+            </a:extLst>
+          </p:cNvPr>
+          <p:cNvCxnSpPr>
+            <a:cxnSpLocks/>
+          </p:cNvCxnSpPr>
+          <p:nvPr/>
+        </p:nvCxnSpPr>
+        <p:spPr>
+          <a:xfrm flipV="1">
+            <a:off x="8059395" y="4046174"/>
+            <a:ext cx="421422" cy="463353"/>
+          </a:xfrm>
+          <a:prstGeom prst="straightConnector1">
+            <a:avLst/>
+          </a:prstGeom>
+          <a:ln>
+            <a:tailEnd type="triangle"/>
+          </a:ln>
+        </p:spPr>
+        <p:style>
+          <a:lnRef idx="3">
+            <a:schemeClr val="accent5"/>
+          </a:lnRef>
+          <a:fillRef idx="0">
+            <a:schemeClr val="accent5"/>
+          </a:fillRef>
+          <a:effectRef idx="2">
+            <a:schemeClr val="accent5"/>
+          </a:effectRef>
+          <a:fontRef idx="minor">
+            <a:schemeClr val="tx1"/>
+          </a:fontRef>
+        </p:style>
+      </p:cxnSp>
+      <p:cxnSp>
+        <p:nvCxnSpPr>
+          <p:cNvPr id="41" name="Straight Arrow Connector 40">
+            <a:extLst>
+              <a:ext uri="{FF2B5EF4-FFF2-40B4-BE49-F238E27FC236}">
+                <a16:creationId xmlns:a16="http://schemas.microsoft.com/office/drawing/2014/main" id="{C8E328EC-3E83-B92F-BBBD-293756C991DE}"/>
+              </a:ext>
+            </a:extLst>
+          </p:cNvPr>
+          <p:cNvCxnSpPr>
+            <a:cxnSpLocks/>
+          </p:cNvCxnSpPr>
+          <p:nvPr/>
+        </p:nvCxnSpPr>
+        <p:spPr>
+          <a:xfrm flipH="1">
+            <a:off x="8259333" y="4242431"/>
+            <a:ext cx="499382" cy="566638"/>
+          </a:xfrm>
+          <a:prstGeom prst="straightConnector1">
+            <a:avLst/>
+          </a:prstGeom>
+          <a:ln>
+            <a:tailEnd type="triangle"/>
+          </a:ln>
+        </p:spPr>
+        <p:style>
+          <a:lnRef idx="3">
+            <a:schemeClr val="accent4"/>
+          </a:lnRef>
+          <a:fillRef idx="0">
+            <a:schemeClr val="accent4"/>
+          </a:fillRef>
+          <a:effectRef idx="2">
+            <a:schemeClr val="accent4"/>
+          </a:effectRef>
+          <a:fontRef idx="minor">
+            <a:schemeClr val="tx1"/>
+          </a:fontRef>
+        </p:style>
+      </p:cxnSp>
+      <p:cxnSp>
+        <p:nvCxnSpPr>
+          <p:cNvPr id="57" name="Straight Arrow Connector 56">
+            <a:extLst>
+              <a:ext uri="{FF2B5EF4-FFF2-40B4-BE49-F238E27FC236}">
+                <a16:creationId xmlns:a16="http://schemas.microsoft.com/office/drawing/2014/main" id="{F95AD88F-FBAF-9D69-685A-50ED77FC6090}"/>
+              </a:ext>
+            </a:extLst>
+          </p:cNvPr>
+          <p:cNvCxnSpPr>
+            <a:cxnSpLocks/>
+            <a:endCxn id="18" idx="3"/>
+          </p:cNvCxnSpPr>
+          <p:nvPr/>
+        </p:nvCxnSpPr>
+        <p:spPr>
+          <a:xfrm flipH="1" flipV="1">
+            <a:off x="8778008" y="2361822"/>
+            <a:ext cx="430885" cy="874471"/>
+          </a:xfrm>
+          <a:prstGeom prst="straightConnector1">
+            <a:avLst/>
+          </a:prstGeom>
+          <a:ln>
+            <a:tailEnd type="triangle"/>
+          </a:ln>
+        </p:spPr>
+        <p:style>
+          <a:lnRef idx="3">
+            <a:schemeClr val="accent5"/>
+          </a:lnRef>
+          <a:fillRef idx="0">
+            <a:schemeClr val="accent5"/>
+          </a:fillRef>
+          <a:effectRef idx="2">
+            <a:schemeClr val="accent5"/>
+          </a:effectRef>
+          <a:fontRef idx="minor">
+            <a:schemeClr val="tx1"/>
+          </a:fontRef>
+        </p:style>
+      </p:cxnSp>
+      <p:cxnSp>
+        <p:nvCxnSpPr>
+          <p:cNvPr id="61" name="Straight Arrow Connector 60">
+            <a:extLst>
+              <a:ext uri="{FF2B5EF4-FFF2-40B4-BE49-F238E27FC236}">
+                <a16:creationId xmlns:a16="http://schemas.microsoft.com/office/drawing/2014/main" id="{1492CC71-B5B9-8112-B517-FE09DA5F62E4}"/>
+              </a:ext>
+            </a:extLst>
+          </p:cNvPr>
+          <p:cNvCxnSpPr>
+            <a:cxnSpLocks/>
+          </p:cNvCxnSpPr>
+          <p:nvPr/>
+        </p:nvCxnSpPr>
+        <p:spPr>
+          <a:xfrm>
+            <a:off x="8930995" y="2041452"/>
+            <a:ext cx="636748" cy="1387548"/>
+          </a:xfrm>
+          <a:prstGeom prst="straightConnector1">
+            <a:avLst/>
+          </a:prstGeom>
+          <a:ln>
+            <a:tailEnd type="triangle"/>
+          </a:ln>
+        </p:spPr>
+        <p:style>
+          <a:lnRef idx="3">
+            <a:schemeClr val="accent4"/>
+          </a:lnRef>
+          <a:fillRef idx="0">
+            <a:schemeClr val="accent4"/>
+          </a:fillRef>
+          <a:effectRef idx="2">
+            <a:schemeClr val="accent4"/>
+          </a:effectRef>
+          <a:fontRef idx="minor">
+            <a:schemeClr val="tx1"/>
+          </a:fontRef>
+        </p:style>
+      </p:cxnSp>
+      <p:cxnSp>
+        <p:nvCxnSpPr>
+          <p:cNvPr id="67" name="Straight Arrow Connector 66">
+            <a:extLst>
+              <a:ext uri="{FF2B5EF4-FFF2-40B4-BE49-F238E27FC236}">
+                <a16:creationId xmlns:a16="http://schemas.microsoft.com/office/drawing/2014/main" id="{74DDE0F5-386F-AD64-E872-1AD1B31C1CEE}"/>
+              </a:ext>
+            </a:extLst>
+          </p:cNvPr>
+          <p:cNvCxnSpPr>
+            <a:cxnSpLocks/>
+          </p:cNvCxnSpPr>
+          <p:nvPr/>
+        </p:nvCxnSpPr>
+        <p:spPr>
+          <a:xfrm>
+            <a:off x="3621547" y="4118346"/>
+            <a:ext cx="502648" cy="391181"/>
+          </a:xfrm>
+          <a:prstGeom prst="straightConnector1">
+            <a:avLst/>
+          </a:prstGeom>
+          <a:ln>
+            <a:tailEnd type="triangle"/>
+          </a:ln>
+        </p:spPr>
+        <p:style>
+          <a:lnRef idx="3">
+            <a:schemeClr val="accent5"/>
+          </a:lnRef>
+          <a:fillRef idx="0">
+            <a:schemeClr val="accent5"/>
+          </a:fillRef>
+          <a:effectRef idx="2">
+            <a:schemeClr val="accent5"/>
+          </a:effectRef>
+          <a:fontRef idx="minor">
+            <a:schemeClr val="tx1"/>
+          </a:fontRef>
+        </p:style>
+      </p:cxnSp>
+      <p:cxnSp>
+        <p:nvCxnSpPr>
+          <p:cNvPr id="70" name="Straight Arrow Connector 69">
+            <a:extLst>
+              <a:ext uri="{FF2B5EF4-FFF2-40B4-BE49-F238E27FC236}">
+                <a16:creationId xmlns:a16="http://schemas.microsoft.com/office/drawing/2014/main" id="{C7685426-4DCF-DD48-6687-19516C06FBC1}"/>
+              </a:ext>
+            </a:extLst>
+          </p:cNvPr>
+          <p:cNvCxnSpPr>
+            <a:cxnSpLocks/>
+          </p:cNvCxnSpPr>
+          <p:nvPr/>
+        </p:nvCxnSpPr>
+        <p:spPr>
+          <a:xfrm flipH="1" flipV="1">
+            <a:off x="3325801" y="4298327"/>
+            <a:ext cx="641134" cy="462359"/>
+          </a:xfrm>
+          <a:prstGeom prst="straightConnector1">
+            <a:avLst/>
+          </a:prstGeom>
+          <a:ln>
+            <a:tailEnd type="triangle"/>
+          </a:ln>
+        </p:spPr>
+        <p:style>
+          <a:lnRef idx="3">
+            <a:schemeClr val="accent4"/>
+          </a:lnRef>
+          <a:fillRef idx="0">
+            <a:schemeClr val="accent4"/>
+          </a:fillRef>
+          <a:effectRef idx="2">
+            <a:schemeClr val="accent4"/>
+          </a:effectRef>
+          <a:fontRef idx="minor">
+            <a:schemeClr val="tx1"/>
+          </a:fontRef>
+        </p:style>
+      </p:cxnSp>
+      <p:cxnSp>
+        <p:nvCxnSpPr>
+          <p:cNvPr id="75" name="Straight Arrow Connector 74">
+            <a:extLst>
+              <a:ext uri="{FF2B5EF4-FFF2-40B4-BE49-F238E27FC236}">
+                <a16:creationId xmlns:a16="http://schemas.microsoft.com/office/drawing/2014/main" id="{22C901FC-3A7B-DB34-EE5D-C4BE446899E9}"/>
+              </a:ext>
+            </a:extLst>
+          </p:cNvPr>
+          <p:cNvCxnSpPr>
+            <a:cxnSpLocks/>
+          </p:cNvCxnSpPr>
+          <p:nvPr/>
+        </p:nvCxnSpPr>
+        <p:spPr>
+          <a:xfrm flipH="1">
+            <a:off x="3143916" y="2464763"/>
+            <a:ext cx="336131" cy="649951"/>
+          </a:xfrm>
+          <a:prstGeom prst="straightConnector1">
+            <a:avLst/>
+          </a:prstGeom>
+          <a:ln>
+            <a:tailEnd type="triangle"/>
+          </a:ln>
+        </p:spPr>
+        <p:style>
+          <a:lnRef idx="3">
+            <a:schemeClr val="accent5"/>
+          </a:lnRef>
+          <a:fillRef idx="0">
+            <a:schemeClr val="accent5"/>
+          </a:fillRef>
+          <a:effectRef idx="2">
+            <a:schemeClr val="accent5"/>
+          </a:effectRef>
+          <a:fontRef idx="minor">
+            <a:schemeClr val="tx1"/>
+          </a:fontRef>
+        </p:style>
+      </p:cxnSp>
+      <p:cxnSp>
+        <p:nvCxnSpPr>
+          <p:cNvPr id="78" name="Straight Arrow Connector 77">
+            <a:extLst>
+              <a:ext uri="{FF2B5EF4-FFF2-40B4-BE49-F238E27FC236}">
+                <a16:creationId xmlns:a16="http://schemas.microsoft.com/office/drawing/2014/main" id="{F8884241-719F-4F25-FA4B-C73BF5E22757}"/>
+              </a:ext>
+            </a:extLst>
+          </p:cNvPr>
+          <p:cNvCxnSpPr>
+            <a:cxnSpLocks/>
+          </p:cNvCxnSpPr>
+          <p:nvPr/>
+        </p:nvCxnSpPr>
+        <p:spPr>
+          <a:xfrm flipV="1">
+            <a:off x="2732203" y="2111011"/>
+            <a:ext cx="593598" cy="1258243"/>
+          </a:xfrm>
+          <a:prstGeom prst="straightConnector1">
+            <a:avLst/>
+          </a:prstGeom>
+          <a:ln>
+            <a:tailEnd type="triangle"/>
+          </a:ln>
+        </p:spPr>
+        <p:style>
+          <a:lnRef idx="3">
+            <a:schemeClr val="accent4"/>
+          </a:lnRef>
+          <a:fillRef idx="0">
+            <a:schemeClr val="accent4"/>
+          </a:fillRef>
+          <a:effectRef idx="2">
+            <a:schemeClr val="accent4"/>
+          </a:effectRef>
+          <a:fontRef idx="minor">
+            <a:schemeClr val="tx1"/>
+          </a:fontRef>
+        </p:style>
+      </p:cxnSp>
+      <p:cxnSp>
+        <p:nvCxnSpPr>
+          <p:cNvPr id="84" name="Straight Arrow Connector 83">
+            <a:extLst>
+              <a:ext uri="{FF2B5EF4-FFF2-40B4-BE49-F238E27FC236}">
+                <a16:creationId xmlns:a16="http://schemas.microsoft.com/office/drawing/2014/main" id="{961E6B09-A124-D530-84A9-797C2E00B407}"/>
+              </a:ext>
+            </a:extLst>
+          </p:cNvPr>
+          <p:cNvCxnSpPr>
+            <a:cxnSpLocks/>
+          </p:cNvCxnSpPr>
+          <p:nvPr/>
+        </p:nvCxnSpPr>
+        <p:spPr>
+          <a:xfrm>
+            <a:off x="4860381" y="1722268"/>
+            <a:ext cx="2481452" cy="0"/>
+          </a:xfrm>
+          <a:prstGeom prst="straightConnector1">
+            <a:avLst/>
+          </a:prstGeom>
+          <a:ln w="38100" cap="flat" cmpd="sng" algn="ctr">
+            <a:solidFill>
+              <a:schemeClr val="accent4"/>
+            </a:solidFill>
+            <a:prstDash val="sysDot"/>
+            <a:round/>
+            <a:headEnd type="none" w="lg" len="med"/>
+            <a:tailEnd type="triangle" w="lg" len="med"/>
+          </a:ln>
+        </p:spPr>
+        <p:style>
+          <a:lnRef idx="0">
+            <a:scrgbClr r="0" g="0" b="0"/>
+          </a:lnRef>
+          <a:fillRef idx="0">
+            <a:scrgbClr r="0" g="0" b="0"/>
+          </a:fillRef>
+          <a:effectRef idx="0">
+            <a:scrgbClr r="0" g="0" b="0"/>
+          </a:effectRef>
+          <a:fontRef idx="minor">
+            <a:schemeClr val="tx1"/>
+          </a:fontRef>
+        </p:style>
+      </p:cxnSp>
+      <p:cxnSp>
+        <p:nvCxnSpPr>
+          <p:cNvPr id="87" name="Straight Arrow Connector 86">
+            <a:extLst>
+              <a:ext uri="{FF2B5EF4-FFF2-40B4-BE49-F238E27FC236}">
+                <a16:creationId xmlns:a16="http://schemas.microsoft.com/office/drawing/2014/main" id="{3EB2159D-A0D9-8B5E-FD41-9AC6F0F28096}"/>
+              </a:ext>
+            </a:extLst>
+          </p:cNvPr>
+          <p:cNvCxnSpPr>
+            <a:cxnSpLocks/>
+          </p:cNvCxnSpPr>
+          <p:nvPr/>
+        </p:nvCxnSpPr>
+        <p:spPr>
+          <a:xfrm>
+            <a:off x="4860381" y="2019587"/>
+            <a:ext cx="2481452" cy="0"/>
+          </a:xfrm>
+          <a:prstGeom prst="straightConnector1">
+            <a:avLst/>
+          </a:prstGeom>
+          <a:ln w="31750" cap="flat" cmpd="sng" algn="ctr">
+            <a:solidFill>
+              <a:schemeClr val="accent5"/>
+            </a:solidFill>
+            <a:prstDash val="sysDot"/>
+            <a:round/>
+            <a:headEnd type="triangle" w="lg" len="med"/>
+            <a:tailEnd type="none" w="lg" len="med"/>
+          </a:ln>
+        </p:spPr>
+        <p:style>
+          <a:lnRef idx="0">
+            <a:scrgbClr r="0" g="0" b="0"/>
+          </a:lnRef>
+          <a:fillRef idx="0">
+            <a:scrgbClr r="0" g="0" b="0"/>
+          </a:fillRef>
+          <a:effectRef idx="0">
+            <a:scrgbClr r="0" g="0" b="0"/>
+          </a:effectRef>
+          <a:fontRef idx="minor">
+            <a:schemeClr val="tx1"/>
+          </a:fontRef>
+        </p:style>
+      </p:cxnSp>
+      <p:sp>
+        <p:nvSpPr>
+          <p:cNvPr id="88" name="TextBox 87">
+            <a:extLst>
+              <a:ext uri="{FF2B5EF4-FFF2-40B4-BE49-F238E27FC236}">
+                <a16:creationId xmlns:a16="http://schemas.microsoft.com/office/drawing/2014/main" id="{39F201ED-35EE-593F-4A49-E171C62E8A38}"/>
+              </a:ext>
+            </a:extLst>
+          </p:cNvPr>
+          <p:cNvSpPr txBox="1"/>
+          <p:nvPr/>
+        </p:nvSpPr>
+        <p:spPr>
+          <a:xfrm>
+            <a:off x="5816115" y="1297766"/>
+            <a:ext cx="574196" cy="369332"/>
+          </a:xfrm>
+          <a:prstGeom prst="rect">
+            <a:avLst/>
+          </a:prstGeom>
+          <a:noFill/>
+        </p:spPr>
+        <p:txBody>
+          <a:bodyPr wrap="none" rtlCol="0">
+            <a:spAutoFit/>
+          </a:bodyPr>
+          <a:lstStyle/>
+          <a:p>
+            <a:r>
+              <a:rPr lang="en-US" dirty="0"/>
+              <a:t>...….</a:t>
+            </a:r>
+          </a:p>
+        </p:txBody>
+      </p:sp>
+      <p:cxnSp>
+        <p:nvCxnSpPr>
+          <p:cNvPr id="89" name="Straight Arrow Connector 88">
+            <a:extLst>
+              <a:ext uri="{FF2B5EF4-FFF2-40B4-BE49-F238E27FC236}">
+                <a16:creationId xmlns:a16="http://schemas.microsoft.com/office/drawing/2014/main" id="{BE2050EE-CAC1-BD60-0F73-CE50D5D337C6}"/>
+              </a:ext>
+            </a:extLst>
+          </p:cNvPr>
+          <p:cNvCxnSpPr>
+            <a:cxnSpLocks/>
+          </p:cNvCxnSpPr>
+          <p:nvPr/>
+        </p:nvCxnSpPr>
+        <p:spPr>
+          <a:xfrm>
+            <a:off x="10110876" y="5777256"/>
+            <a:ext cx="568413" cy="0"/>
+          </a:xfrm>
+          <a:prstGeom prst="straightConnector1">
+            <a:avLst/>
+          </a:prstGeom>
+          <a:ln>
+            <a:tailEnd type="triangle"/>
+          </a:ln>
+        </p:spPr>
+        <p:style>
+          <a:lnRef idx="3">
+            <a:schemeClr val="accent5"/>
+          </a:lnRef>
+          <a:fillRef idx="0">
+            <a:schemeClr val="accent5"/>
+          </a:fillRef>
+          <a:effectRef idx="2">
+            <a:schemeClr val="accent5"/>
+          </a:effectRef>
+          <a:fontRef idx="minor">
+            <a:schemeClr val="tx1"/>
+          </a:fontRef>
+        </p:style>
+      </p:cxnSp>
+      <p:sp>
+        <p:nvSpPr>
+          <p:cNvPr id="92" name="TextBox 91">
+            <a:extLst>
+              <a:ext uri="{FF2B5EF4-FFF2-40B4-BE49-F238E27FC236}">
+                <a16:creationId xmlns:a16="http://schemas.microsoft.com/office/drawing/2014/main" id="{E10DC723-BE5E-08D1-5FB4-459539ADD43F}"/>
+              </a:ext>
+            </a:extLst>
+          </p:cNvPr>
+          <p:cNvSpPr txBox="1"/>
+          <p:nvPr/>
+        </p:nvSpPr>
+        <p:spPr>
+          <a:xfrm>
+            <a:off x="10577690" y="5620588"/>
+            <a:ext cx="601831" cy="307777"/>
+          </a:xfrm>
+          <a:prstGeom prst="rect">
+            <a:avLst/>
+          </a:prstGeom>
+          <a:noFill/>
+        </p:spPr>
+        <p:txBody>
+          <a:bodyPr wrap="none" rtlCol="0">
+            <a:spAutoFit/>
+          </a:bodyPr>
+          <a:lstStyle/>
+          <a:p>
+            <a:r>
+              <a:rPr lang="en-US" sz="1400" b="1" dirty="0"/>
+              <a:t>: next</a:t>
+            </a:r>
+          </a:p>
+        </p:txBody>
+      </p:sp>
+      <p:sp>
+        <p:nvSpPr>
+          <p:cNvPr id="94" name="TextBox 93">
+            <a:extLst>
+              <a:ext uri="{FF2B5EF4-FFF2-40B4-BE49-F238E27FC236}">
+                <a16:creationId xmlns:a16="http://schemas.microsoft.com/office/drawing/2014/main" id="{343F72A5-B258-5B16-2F85-AA6FD4080A23}"/>
+              </a:ext>
+            </a:extLst>
+          </p:cNvPr>
+          <p:cNvSpPr txBox="1"/>
+          <p:nvPr/>
+        </p:nvSpPr>
+        <p:spPr>
+          <a:xfrm>
+            <a:off x="10577690" y="5984918"/>
+            <a:ext cx="606576" cy="307777"/>
+          </a:xfrm>
+          <a:prstGeom prst="rect">
+            <a:avLst/>
+          </a:prstGeom>
+          <a:noFill/>
+        </p:spPr>
+        <p:txBody>
+          <a:bodyPr wrap="none" rtlCol="0">
+            <a:spAutoFit/>
+          </a:bodyPr>
+          <a:lstStyle/>
+          <a:p>
+            <a:r>
+              <a:rPr lang="en-US" sz="1400" b="1" dirty="0"/>
+              <a:t>: prev</a:t>
+            </a:r>
+          </a:p>
+        </p:txBody>
+      </p:sp>
+      <p:cxnSp>
+        <p:nvCxnSpPr>
+          <p:cNvPr id="95" name="Straight Arrow Connector 94">
+            <a:extLst>
+              <a:ext uri="{FF2B5EF4-FFF2-40B4-BE49-F238E27FC236}">
+                <a16:creationId xmlns:a16="http://schemas.microsoft.com/office/drawing/2014/main" id="{36754004-D822-9605-077E-2C3DC848367D}"/>
+              </a:ext>
+            </a:extLst>
+          </p:cNvPr>
+          <p:cNvCxnSpPr>
+            <a:cxnSpLocks/>
+          </p:cNvCxnSpPr>
+          <p:nvPr/>
+        </p:nvCxnSpPr>
+        <p:spPr>
+          <a:xfrm flipH="1">
+            <a:off x="10110876" y="6140857"/>
+            <a:ext cx="568413" cy="0"/>
+          </a:xfrm>
+          <a:prstGeom prst="straightConnector1">
+            <a:avLst/>
+          </a:prstGeom>
+          <a:ln>
+            <a:tailEnd type="triangle"/>
+          </a:ln>
+        </p:spPr>
+        <p:style>
+          <a:lnRef idx="3">
+            <a:schemeClr val="accent4"/>
+          </a:lnRef>
+          <a:fillRef idx="0">
+            <a:schemeClr val="accent4"/>
+          </a:fillRef>
+          <a:effectRef idx="2">
+            <a:schemeClr val="accent4"/>
+          </a:effectRef>
+          <a:fontRef idx="minor">
+            <a:schemeClr val="tx1"/>
+          </a:fontRef>
+        </p:style>
+      </p:cxnSp>
+      <p:sp>
+        <p:nvSpPr>
+          <p:cNvPr id="97" name="Down Arrow 96">
+            <a:extLst>
+              <a:ext uri="{FF2B5EF4-FFF2-40B4-BE49-F238E27FC236}">
+                <a16:creationId xmlns:a16="http://schemas.microsoft.com/office/drawing/2014/main" id="{6F880298-DC35-5EFF-0B42-2879BA6A2465}"/>
+              </a:ext>
+            </a:extLst>
+          </p:cNvPr>
+          <p:cNvSpPr/>
+          <p:nvPr/>
+        </p:nvSpPr>
+        <p:spPr>
+          <a:xfrm>
+            <a:off x="6756989" y="4509527"/>
+            <a:ext cx="172806" cy="576503"/>
+          </a:xfrm>
+          <a:prstGeom prst="downArrow">
+            <a:avLst/>
+          </a:prstGeom>
+          <a:solidFill>
+            <a:srgbClr val="0070C0"/>
+          </a:solidFill>
+        </p:spPr>
+        <p:style>
+          <a:lnRef idx="2">
+            <a:schemeClr val="accent1">
+              <a:shade val="50000"/>
+            </a:schemeClr>
+          </a:lnRef>
+          <a:fillRef idx="1">
+            <a:schemeClr val="accent1"/>
+          </a:fillRef>
+          <a:effectRef idx="0">
+            <a:schemeClr val="accent1"/>
+          </a:effectRef>
+          <a:fontRef idx="minor">
+            <a:schemeClr val="lt1"/>
+          </a:fontRef>
+        </p:style>
+        <p:txBody>
+          <a:bodyPr rtlCol="0" anchor="ctr"/>
+          <a:lstStyle/>
+          <a:p>
+            <a:pPr algn="ctr"/>
+            <a:endParaRPr lang="en-US"/>
+          </a:p>
+        </p:txBody>
+      </p:sp>
+      <p:sp>
+        <p:nvSpPr>
+          <p:cNvPr id="98" name="TextBox 97">
+            <a:extLst>
+              <a:ext uri="{FF2B5EF4-FFF2-40B4-BE49-F238E27FC236}">
+                <a16:creationId xmlns:a16="http://schemas.microsoft.com/office/drawing/2014/main" id="{C6ED59B8-9D6D-63B5-8509-3690DBB90DAD}"/>
+              </a:ext>
+            </a:extLst>
+          </p:cNvPr>
+          <p:cNvSpPr txBox="1"/>
+          <p:nvPr/>
+        </p:nvSpPr>
+        <p:spPr>
+          <a:xfrm>
+            <a:off x="6475434" y="4198865"/>
+            <a:ext cx="780214" cy="307777"/>
+          </a:xfrm>
+          <a:prstGeom prst="rect">
+            <a:avLst/>
+          </a:prstGeom>
+          <a:noFill/>
+        </p:spPr>
+        <p:txBody>
+          <a:bodyPr wrap="none" rtlCol="0">
+            <a:spAutoFit/>
+          </a:bodyPr>
+          <a:lstStyle/>
+          <a:p>
+            <a:r>
+              <a:rPr lang="en-US" sz="1400" i="1" dirty="0"/>
+              <a:t>brelse( )</a:t>
+            </a:r>
+          </a:p>
+        </p:txBody>
+      </p:sp>
+      <p:sp>
+        <p:nvSpPr>
+          <p:cNvPr id="112" name="Left Arrow 111">
+            <a:extLst>
+              <a:ext uri="{FF2B5EF4-FFF2-40B4-BE49-F238E27FC236}">
+                <a16:creationId xmlns:a16="http://schemas.microsoft.com/office/drawing/2014/main" id="{8A98ED8C-6B09-F206-4EB6-D056D4D026B5}"/>
+              </a:ext>
+            </a:extLst>
+          </p:cNvPr>
+          <p:cNvSpPr/>
+          <p:nvPr/>
+        </p:nvSpPr>
+        <p:spPr>
+          <a:xfrm rot="1719417">
+            <a:off x="3426330" y="5327650"/>
+            <a:ext cx="1309482" cy="342552"/>
+          </a:xfrm>
+          <a:prstGeom prst="leftArrow">
+            <a:avLst/>
+          </a:prstGeom>
+          <a:solidFill>
+            <a:srgbClr val="FFFF00"/>
+          </a:solidFill>
+        </p:spPr>
+        <p:style>
+          <a:lnRef idx="2">
+            <a:schemeClr val="accent1">
+              <a:shade val="50000"/>
+            </a:schemeClr>
+          </a:lnRef>
+          <a:fillRef idx="1">
+            <a:schemeClr val="accent1"/>
+          </a:fillRef>
+          <a:effectRef idx="0">
+            <a:schemeClr val="accent1"/>
+          </a:effectRef>
+          <a:fontRef idx="minor">
+            <a:schemeClr val="lt1"/>
+          </a:fontRef>
+        </p:style>
+        <p:txBody>
+          <a:bodyPr rtlCol="0" anchor="ctr"/>
+          <a:lstStyle/>
+          <a:p>
+            <a:pPr algn="ctr"/>
+            <a:endParaRPr lang="en-US"/>
+          </a:p>
+        </p:txBody>
+      </p:sp>
+      <p:sp>
+        <p:nvSpPr>
+          <p:cNvPr id="113" name="TextBox 112">
+            <a:extLst>
+              <a:ext uri="{FF2B5EF4-FFF2-40B4-BE49-F238E27FC236}">
+                <a16:creationId xmlns:a16="http://schemas.microsoft.com/office/drawing/2014/main" id="{AD9F0FC0-A4B1-D630-44DF-77E689415323}"/>
+              </a:ext>
+            </a:extLst>
+          </p:cNvPr>
+          <p:cNvSpPr txBox="1"/>
+          <p:nvPr/>
+        </p:nvSpPr>
+        <p:spPr>
+          <a:xfrm rot="1819363">
+            <a:off x="2879489" y="5623877"/>
+            <a:ext cx="1986762" cy="369332"/>
+          </a:xfrm>
+          <a:prstGeom prst="rect">
+            <a:avLst/>
+          </a:prstGeom>
+          <a:noFill/>
+        </p:spPr>
+        <p:txBody>
+          <a:bodyPr wrap="none" rtlCol="0">
+            <a:spAutoFit/>
+          </a:bodyPr>
+          <a:lstStyle/>
+          <a:p>
+            <a:r>
+              <a:rPr lang="en-US" dirty="0"/>
+              <a:t>Least recently used</a:t>
+            </a:r>
+          </a:p>
+        </p:txBody>
+      </p:sp>
+      <p:sp>
+        <p:nvSpPr>
+          <p:cNvPr id="115" name="Left Arrow 114">
+            <a:extLst>
+              <a:ext uri="{FF2B5EF4-FFF2-40B4-BE49-F238E27FC236}">
+                <a16:creationId xmlns:a16="http://schemas.microsoft.com/office/drawing/2014/main" id="{9E4FDA34-AA5C-6D22-4A5A-A5D560789FB5}"/>
+              </a:ext>
+            </a:extLst>
+          </p:cNvPr>
+          <p:cNvSpPr/>
+          <p:nvPr/>
+        </p:nvSpPr>
+        <p:spPr>
+          <a:xfrm rot="8955625">
+            <a:off x="7452689" y="5319054"/>
+            <a:ext cx="1309482" cy="342552"/>
+          </a:xfrm>
+          <a:prstGeom prst="leftArrow">
+            <a:avLst/>
+          </a:prstGeom>
+          <a:solidFill>
+            <a:schemeClr val="accent2"/>
+          </a:solidFill>
+        </p:spPr>
+        <p:style>
+          <a:lnRef idx="2">
+            <a:schemeClr val="accent1">
+              <a:shade val="50000"/>
+            </a:schemeClr>
+          </a:lnRef>
+          <a:fillRef idx="1">
+            <a:schemeClr val="accent1"/>
+          </a:fillRef>
+          <a:effectRef idx="0">
+            <a:schemeClr val="accent1"/>
+          </a:effectRef>
+          <a:fontRef idx="minor">
+            <a:schemeClr val="lt1"/>
+          </a:fontRef>
+        </p:style>
+        <p:txBody>
+          <a:bodyPr rtlCol="0" anchor="ctr"/>
+          <a:lstStyle/>
+          <a:p>
+            <a:pPr algn="ctr"/>
+            <a:endParaRPr lang="en-US"/>
+          </a:p>
+        </p:txBody>
+      </p:sp>
+      <p:sp>
+        <p:nvSpPr>
+          <p:cNvPr id="116" name="TextBox 115">
+            <a:extLst>
+              <a:ext uri="{FF2B5EF4-FFF2-40B4-BE49-F238E27FC236}">
+                <a16:creationId xmlns:a16="http://schemas.microsoft.com/office/drawing/2014/main" id="{28A3C6F5-C50A-B3E1-290D-C386E1E22B57}"/>
+              </a:ext>
+            </a:extLst>
+          </p:cNvPr>
+          <p:cNvSpPr txBox="1"/>
+          <p:nvPr/>
+        </p:nvSpPr>
+        <p:spPr>
+          <a:xfrm rot="19636333">
+            <a:off x="7335587" y="5574469"/>
+            <a:ext cx="1981953" cy="369332"/>
+          </a:xfrm>
+          <a:prstGeom prst="rect">
+            <a:avLst/>
+          </a:prstGeom>
+          <a:noFill/>
+        </p:spPr>
+        <p:txBody>
+          <a:bodyPr wrap="none" rtlCol="0">
+            <a:spAutoFit/>
+          </a:bodyPr>
+          <a:lstStyle/>
+          <a:p>
+            <a:r>
+              <a:rPr lang="en-US" dirty="0"/>
+              <a:t>Most recently used</a:t>
+            </a:r>
+          </a:p>
+        </p:txBody>
+      </p:sp>
+      <p:sp>
+        <p:nvSpPr>
+          <p:cNvPr id="117" name="Rectangle 116">
+            <a:extLst>
+              <a:ext uri="{FF2B5EF4-FFF2-40B4-BE49-F238E27FC236}">
+                <a16:creationId xmlns:a16="http://schemas.microsoft.com/office/drawing/2014/main" id="{98538EF1-BDBE-BB3A-C8D1-582EEB455B35}"/>
+              </a:ext>
+            </a:extLst>
+          </p:cNvPr>
+          <p:cNvSpPr/>
+          <p:nvPr/>
+        </p:nvSpPr>
+        <p:spPr>
+          <a:xfrm>
+            <a:off x="5743034" y="3047704"/>
+            <a:ext cx="702815" cy="762592"/>
+          </a:xfrm>
+          <a:prstGeom prst="rect">
+            <a:avLst/>
+          </a:prstGeom>
+          <a:noFill/>
+          <a:ln>
+            <a:solidFill>
+              <a:srgbClr val="FF0000"/>
+            </a:solidFill>
+          </a:ln>
+        </p:spPr>
+        <p:style>
+          <a:lnRef idx="2">
+            <a:schemeClr val="accent1">
+              <a:shade val="50000"/>
+            </a:schemeClr>
+          </a:lnRef>
+          <a:fillRef idx="1">
+            <a:schemeClr val="accent1"/>
+          </a:fillRef>
+          <a:effectRef idx="0">
+            <a:schemeClr val="accent1"/>
+          </a:effectRef>
+          <a:fontRef idx="minor">
+            <a:schemeClr val="lt1"/>
+          </a:fontRef>
+        </p:style>
+        <p:txBody>
+          <a:bodyPr rtlCol="0" anchor="ctr"/>
+          <a:lstStyle/>
+          <a:p>
+            <a:pPr algn="ctr"/>
+            <a:endParaRPr lang="en-US"/>
+          </a:p>
+        </p:txBody>
+      </p:sp>
+      <p:sp>
+        <p:nvSpPr>
+          <p:cNvPr id="118" name="TextBox 117">
+            <a:extLst>
+              <a:ext uri="{FF2B5EF4-FFF2-40B4-BE49-F238E27FC236}">
+                <a16:creationId xmlns:a16="http://schemas.microsoft.com/office/drawing/2014/main" id="{2F925E0C-763D-6EC3-F5AA-A02F1DA64CA8}"/>
+              </a:ext>
+            </a:extLst>
+          </p:cNvPr>
+          <p:cNvSpPr txBox="1"/>
+          <p:nvPr/>
+        </p:nvSpPr>
+        <p:spPr>
+          <a:xfrm>
+            <a:off x="5807343" y="3213189"/>
+            <a:ext cx="574196" cy="369332"/>
+          </a:xfrm>
+          <a:prstGeom prst="rect">
+            <a:avLst/>
+          </a:prstGeom>
+          <a:noFill/>
+        </p:spPr>
+        <p:txBody>
+          <a:bodyPr wrap="none" rtlCol="0">
+            <a:spAutoFit/>
+          </a:bodyPr>
+          <a:lstStyle/>
+          <a:p>
+            <a:r>
+              <a:rPr lang="en-US" dirty="0"/>
+              <a:t>Disk</a:t>
+            </a:r>
+          </a:p>
+        </p:txBody>
+      </p:sp>
+      <p:sp>
+        <p:nvSpPr>
+          <p:cNvPr id="120" name="Doughnut 119">
+            <a:extLst>
+              <a:ext uri="{FF2B5EF4-FFF2-40B4-BE49-F238E27FC236}">
+                <a16:creationId xmlns:a16="http://schemas.microsoft.com/office/drawing/2014/main" id="{01CF477B-4CAF-0EBB-D574-29E0549FFED1}"/>
+              </a:ext>
+            </a:extLst>
+          </p:cNvPr>
+          <p:cNvSpPr/>
+          <p:nvPr/>
+        </p:nvSpPr>
+        <p:spPr>
+          <a:xfrm>
+            <a:off x="5309338" y="2642151"/>
+            <a:ext cx="1556204" cy="1557789"/>
+          </a:xfrm>
+          <a:prstGeom prst="donut">
+            <a:avLst>
+              <a:gd name="adj" fmla="val 11491"/>
+            </a:avLst>
+          </a:prstGeom>
+        </p:spPr>
+        <p:style>
+          <a:lnRef idx="2">
+            <a:schemeClr val="accent1">
+              <a:shade val="50000"/>
+            </a:schemeClr>
+          </a:lnRef>
+          <a:fillRef idx="1">
+            <a:schemeClr val="accent1"/>
+          </a:fillRef>
+          <a:effectRef idx="0">
+            <a:schemeClr val="accent1"/>
+          </a:effectRef>
+          <a:fontRef idx="minor">
+            <a:schemeClr val="lt1"/>
+          </a:fontRef>
+        </p:style>
+        <p:txBody>
+          <a:bodyPr rtlCol="0" anchor="ctr"/>
+          <a:lstStyle/>
+          <a:p>
+            <a:pPr algn="ctr"/>
+            <a:endParaRPr lang="en-US">
+              <a:solidFill>
+                <a:schemeClr val="tx1"/>
+              </a:solidFill>
+            </a:endParaRPr>
+          </a:p>
+        </p:txBody>
+      </p:sp>
+      <p:sp>
+        <p:nvSpPr>
+          <p:cNvPr id="121" name="TextBox 120">
+            <a:extLst>
+              <a:ext uri="{FF2B5EF4-FFF2-40B4-BE49-F238E27FC236}">
+                <a16:creationId xmlns:a16="http://schemas.microsoft.com/office/drawing/2014/main" id="{B8C9518A-FD23-7495-0DB0-67E39425A2CA}"/>
+              </a:ext>
+            </a:extLst>
+          </p:cNvPr>
+          <p:cNvSpPr txBox="1"/>
+          <p:nvPr/>
+        </p:nvSpPr>
+        <p:spPr>
+          <a:xfrm>
+            <a:off x="5673650" y="2596726"/>
+            <a:ext cx="854914" cy="276999"/>
+          </a:xfrm>
+          <a:prstGeom prst="rect">
+            <a:avLst/>
+          </a:prstGeom>
+          <a:noFill/>
+        </p:spPr>
+        <p:txBody>
+          <a:bodyPr wrap="none" rtlCol="0">
+            <a:spAutoFit/>
+          </a:bodyPr>
+          <a:lstStyle/>
+          <a:p>
+            <a:r>
+              <a:rPr lang="en-US" sz="1200" b="1" dirty="0"/>
+              <a:t>disk driver</a:t>
+            </a:r>
+          </a:p>
+        </p:txBody>
+      </p:sp>
+      <p:sp>
+        <p:nvSpPr>
+          <p:cNvPr id="123" name="Down Arrow 122">
+            <a:extLst>
+              <a:ext uri="{FF2B5EF4-FFF2-40B4-BE49-F238E27FC236}">
+                <a16:creationId xmlns:a16="http://schemas.microsoft.com/office/drawing/2014/main" id="{0DCF8FC6-D835-C167-FA5C-3E20866FD8FD}"/>
+              </a:ext>
+            </a:extLst>
+          </p:cNvPr>
+          <p:cNvSpPr/>
+          <p:nvPr/>
+        </p:nvSpPr>
+        <p:spPr>
+          <a:xfrm rot="12808621">
+            <a:off x="4930563" y="3531118"/>
+            <a:ext cx="166029" cy="1104432"/>
+          </a:xfrm>
+          <a:prstGeom prst="downArrow">
+            <a:avLst/>
+          </a:prstGeom>
+          <a:solidFill>
+            <a:srgbClr val="0070C0"/>
+          </a:solidFill>
+        </p:spPr>
+        <p:style>
+          <a:lnRef idx="2">
+            <a:schemeClr val="accent1">
+              <a:shade val="50000"/>
+            </a:schemeClr>
+          </a:lnRef>
+          <a:fillRef idx="1">
+            <a:schemeClr val="accent1"/>
+          </a:fillRef>
+          <a:effectRef idx="0">
+            <a:schemeClr val="accent1"/>
+          </a:effectRef>
+          <a:fontRef idx="minor">
+            <a:schemeClr val="lt1"/>
+          </a:fontRef>
+        </p:style>
+        <p:txBody>
+          <a:bodyPr rtlCol="0" anchor="ctr"/>
+          <a:lstStyle/>
+          <a:p>
+            <a:pPr algn="ctr"/>
+            <a:endParaRPr lang="en-US"/>
+          </a:p>
+        </p:txBody>
+      </p:sp>
+      <p:sp>
+        <p:nvSpPr>
+          <p:cNvPr id="124" name="TextBox 123">
+            <a:extLst>
+              <a:ext uri="{FF2B5EF4-FFF2-40B4-BE49-F238E27FC236}">
+                <a16:creationId xmlns:a16="http://schemas.microsoft.com/office/drawing/2014/main" id="{4B598800-ACC8-DC2C-441F-609408B4E036}"/>
+              </a:ext>
+            </a:extLst>
+          </p:cNvPr>
+          <p:cNvSpPr txBox="1"/>
+          <p:nvPr/>
+        </p:nvSpPr>
+        <p:spPr>
+          <a:xfrm>
+            <a:off x="4339183" y="3931806"/>
+            <a:ext cx="1366977" cy="307777"/>
+          </a:xfrm>
+          <a:prstGeom prst="rect">
+            <a:avLst/>
+          </a:prstGeom>
+          <a:noFill/>
+        </p:spPr>
+        <p:txBody>
+          <a:bodyPr wrap="none" rtlCol="0">
+            <a:spAutoFit/>
+          </a:bodyPr>
+          <a:lstStyle/>
+          <a:p>
+            <a:r>
+              <a:rPr lang="en-US" sz="1400" i="1" dirty="0"/>
+              <a:t>virtio_disk_rw( )</a:t>
             </a:r>
           </a:p>
         </p:txBody>
@@ -16529,6 +18479,1985 @@
 </file>
 
 <file path=ppt/slides/slide16.xml><?xml version="1.0" encoding="utf-8"?>
+<p:sld xmlns:a="http://schemas.openxmlformats.org/drawingml/2006/main" xmlns:r="http://schemas.openxmlformats.org/officeDocument/2006/relationships" xmlns:p="http://schemas.openxmlformats.org/presentationml/2006/main">
+  <p:cSld>
+    <p:spTree>
+      <p:nvGrpSpPr>
+        <p:cNvPr id="1" name=""/>
+        <p:cNvGrpSpPr/>
+        <p:nvPr/>
+      </p:nvGrpSpPr>
+      <p:grpSpPr>
+        <a:xfrm>
+          <a:off x="0" y="0"/>
+          <a:ext cx="0" cy="0"/>
+          <a:chOff x="0" y="0"/>
+          <a:chExt cx="0" cy="0"/>
+        </a:xfrm>
+      </p:grpSpPr>
+      <p:sp>
+        <p:nvSpPr>
+          <p:cNvPr id="2" name="TextBox 1">
+            <a:extLst>
+              <a:ext uri="{FF2B5EF4-FFF2-40B4-BE49-F238E27FC236}">
+                <a16:creationId xmlns:a16="http://schemas.microsoft.com/office/drawing/2014/main" id="{A99980E2-A3A9-FD4A-9011-9A37E88F5891}"/>
+              </a:ext>
+            </a:extLst>
+          </p:cNvPr>
+          <p:cNvSpPr txBox="1"/>
+          <p:nvPr/>
+        </p:nvSpPr>
+        <p:spPr>
+          <a:xfrm>
+            <a:off x="1872537" y="277843"/>
+            <a:ext cx="8446926" cy="707886"/>
+          </a:xfrm>
+          <a:prstGeom prst="rect">
+            <a:avLst/>
+          </a:prstGeom>
+          <a:noFill/>
+        </p:spPr>
+        <p:txBody>
+          <a:bodyPr wrap="square" rtlCol="0">
+            <a:spAutoFit/>
+          </a:bodyPr>
+          <a:lstStyle/>
+          <a:p>
+            <a:pPr algn="ctr"/>
+            <a:r>
+              <a:rPr lang="en-US" sz="4000" dirty="0">
+                <a:solidFill>
+                  <a:schemeClr val="accent1">
+                    <a:lumMod val="60000"/>
+                    <a:lumOff val="40000"/>
+                  </a:schemeClr>
+                </a:solidFill>
+              </a:rPr>
+              <a:t>Buffer Cache </a:t>
+            </a:r>
+            <a:r>
+              <a:rPr lang="en-US" sz="2400" dirty="0">
+                <a:solidFill>
+                  <a:schemeClr val="accent1">
+                    <a:lumMod val="60000"/>
+                    <a:lumOff val="40000"/>
+                  </a:schemeClr>
+                </a:solidFill>
+              </a:rPr>
+              <a:t>(after </a:t>
+            </a:r>
+            <a:r>
+              <a:rPr lang="en-US" sz="2400" i="1" dirty="0">
+                <a:solidFill>
+                  <a:schemeClr val="accent1">
+                    <a:lumMod val="60000"/>
+                    <a:lumOff val="40000"/>
+                  </a:schemeClr>
+                </a:solidFill>
+              </a:rPr>
+              <a:t>brelse(Block 3)</a:t>
+            </a:r>
+            <a:r>
+              <a:rPr lang="en-US" sz="2400" dirty="0">
+                <a:solidFill>
+                  <a:schemeClr val="accent1">
+                    <a:lumMod val="60000"/>
+                    <a:lumOff val="40000"/>
+                  </a:schemeClr>
+                </a:solidFill>
+              </a:rPr>
+              <a:t>)</a:t>
+            </a:r>
+            <a:endParaRPr lang="en-US" sz="2400" i="1" dirty="0">
+              <a:solidFill>
+                <a:schemeClr val="accent1">
+                  <a:lumMod val="60000"/>
+                  <a:lumOff val="40000"/>
+                </a:schemeClr>
+              </a:solidFill>
+            </a:endParaRPr>
+          </a:p>
+        </p:txBody>
+      </p:sp>
+      <p:sp>
+        <p:nvSpPr>
+          <p:cNvPr id="3" name="Rectangle 2">
+            <a:extLst>
+              <a:ext uri="{FF2B5EF4-FFF2-40B4-BE49-F238E27FC236}">
+                <a16:creationId xmlns:a16="http://schemas.microsoft.com/office/drawing/2014/main" id="{8FCC94B5-34A0-ABC3-9412-813BECF5BB5E}"/>
+              </a:ext>
+            </a:extLst>
+          </p:cNvPr>
+          <p:cNvSpPr/>
+          <p:nvPr/>
+        </p:nvSpPr>
+        <p:spPr>
+          <a:xfrm>
+            <a:off x="5532268" y="5007114"/>
+            <a:ext cx="1127464" cy="707886"/>
+          </a:xfrm>
+          <a:prstGeom prst="rect">
+            <a:avLst/>
+          </a:prstGeom>
+          <a:solidFill>
+            <a:srgbClr val="002060"/>
+          </a:solidFill>
+        </p:spPr>
+        <p:style>
+          <a:lnRef idx="2">
+            <a:schemeClr val="accent1">
+              <a:shade val="50000"/>
+            </a:schemeClr>
+          </a:lnRef>
+          <a:fillRef idx="1">
+            <a:schemeClr val="accent1"/>
+          </a:fillRef>
+          <a:effectRef idx="0">
+            <a:schemeClr val="accent1"/>
+          </a:effectRef>
+          <a:fontRef idx="minor">
+            <a:schemeClr val="lt1"/>
+          </a:fontRef>
+        </p:style>
+        <p:txBody>
+          <a:bodyPr rtlCol="0" anchor="ctr"/>
+          <a:lstStyle/>
+          <a:p>
+            <a:pPr algn="ctr"/>
+            <a:endParaRPr lang="en-US" dirty="0"/>
+          </a:p>
+        </p:txBody>
+      </p:sp>
+      <p:sp>
+        <p:nvSpPr>
+          <p:cNvPr id="4" name="TextBox 3">
+            <a:extLst>
+              <a:ext uri="{FF2B5EF4-FFF2-40B4-BE49-F238E27FC236}">
+                <a16:creationId xmlns:a16="http://schemas.microsoft.com/office/drawing/2014/main" id="{39616A5C-39AF-2FB7-6226-AD3C66552D64}"/>
+              </a:ext>
+            </a:extLst>
+          </p:cNvPr>
+          <p:cNvSpPr txBox="1"/>
+          <p:nvPr/>
+        </p:nvSpPr>
+        <p:spPr>
+          <a:xfrm>
+            <a:off x="5637320" y="5007114"/>
+            <a:ext cx="1228221" cy="276999"/>
+          </a:xfrm>
+          <a:prstGeom prst="rect">
+            <a:avLst/>
+          </a:prstGeom>
+          <a:noFill/>
+        </p:spPr>
+        <p:txBody>
+          <a:bodyPr wrap="square" rtlCol="0">
+            <a:spAutoFit/>
+          </a:bodyPr>
+          <a:lstStyle/>
+          <a:p>
+            <a:r>
+              <a:rPr lang="en-US" sz="1200" b="1" dirty="0"/>
+              <a:t>Head block</a:t>
+            </a:r>
+          </a:p>
+        </p:txBody>
+      </p:sp>
+      <p:sp>
+        <p:nvSpPr>
+          <p:cNvPr id="5" name="Rectangle 4">
+            <a:extLst>
+              <a:ext uri="{FF2B5EF4-FFF2-40B4-BE49-F238E27FC236}">
+                <a16:creationId xmlns:a16="http://schemas.microsoft.com/office/drawing/2014/main" id="{36EE6BC4-D0FA-8908-93AB-AFF4DCB6C7FD}"/>
+              </a:ext>
+            </a:extLst>
+          </p:cNvPr>
+          <p:cNvSpPr/>
+          <p:nvPr/>
+        </p:nvSpPr>
+        <p:spPr>
+          <a:xfrm>
+            <a:off x="5532268" y="6109425"/>
+            <a:ext cx="1127464" cy="335764"/>
+          </a:xfrm>
+          <a:prstGeom prst="rect">
+            <a:avLst/>
+          </a:prstGeom>
+          <a:solidFill>
+            <a:srgbClr val="002060"/>
+          </a:solidFill>
+        </p:spPr>
+        <p:style>
+          <a:lnRef idx="2">
+            <a:schemeClr val="accent1">
+              <a:shade val="50000"/>
+            </a:schemeClr>
+          </a:lnRef>
+          <a:fillRef idx="1">
+            <a:schemeClr val="accent1"/>
+          </a:fillRef>
+          <a:effectRef idx="0">
+            <a:schemeClr val="accent1"/>
+          </a:effectRef>
+          <a:fontRef idx="minor">
+            <a:schemeClr val="lt1"/>
+          </a:fontRef>
+        </p:style>
+        <p:txBody>
+          <a:bodyPr rtlCol="0" anchor="ctr"/>
+          <a:lstStyle/>
+          <a:p>
+            <a:pPr algn="ctr"/>
+            <a:endParaRPr lang="en-US" dirty="0"/>
+          </a:p>
+        </p:txBody>
+      </p:sp>
+      <p:sp>
+        <p:nvSpPr>
+          <p:cNvPr id="6" name="TextBox 5">
+            <a:extLst>
+              <a:ext uri="{FF2B5EF4-FFF2-40B4-BE49-F238E27FC236}">
+                <a16:creationId xmlns:a16="http://schemas.microsoft.com/office/drawing/2014/main" id="{4E21F53A-5A1F-6DCB-8078-F0306BA5E8F0}"/>
+              </a:ext>
+            </a:extLst>
+          </p:cNvPr>
+          <p:cNvSpPr txBox="1"/>
+          <p:nvPr/>
+        </p:nvSpPr>
+        <p:spPr>
+          <a:xfrm>
+            <a:off x="5780843" y="6138807"/>
+            <a:ext cx="1228221" cy="276999"/>
+          </a:xfrm>
+          <a:prstGeom prst="rect">
+            <a:avLst/>
+          </a:prstGeom>
+          <a:noFill/>
+        </p:spPr>
+        <p:txBody>
+          <a:bodyPr wrap="square" rtlCol="0">
+            <a:spAutoFit/>
+          </a:bodyPr>
+          <a:lstStyle/>
+          <a:p>
+            <a:r>
+              <a:rPr lang="en-US" sz="1200" b="1" dirty="0"/>
+              <a:t>bcache</a:t>
+            </a:r>
+          </a:p>
+        </p:txBody>
+      </p:sp>
+      <p:cxnSp>
+        <p:nvCxnSpPr>
+          <p:cNvPr id="8" name="Straight Arrow Connector 7">
+            <a:extLst>
+              <a:ext uri="{FF2B5EF4-FFF2-40B4-BE49-F238E27FC236}">
+                <a16:creationId xmlns:a16="http://schemas.microsoft.com/office/drawing/2014/main" id="{B1908804-2A50-92A8-8B0F-BAA0F9DD2D93}"/>
+              </a:ext>
+            </a:extLst>
+          </p:cNvPr>
+          <p:cNvCxnSpPr>
+            <a:stCxn id="5" idx="0"/>
+            <a:endCxn id="3" idx="2"/>
+          </p:cNvCxnSpPr>
+          <p:nvPr/>
+        </p:nvCxnSpPr>
+        <p:spPr>
+          <a:xfrm flipV="1">
+            <a:off x="6096000" y="5715000"/>
+            <a:ext cx="0" cy="394425"/>
+          </a:xfrm>
+          <a:prstGeom prst="straightConnector1">
+            <a:avLst/>
+          </a:prstGeom>
+          <a:ln>
+            <a:tailEnd type="triangle"/>
+          </a:ln>
+        </p:spPr>
+        <p:style>
+          <a:lnRef idx="3">
+            <a:schemeClr val="accent1"/>
+          </a:lnRef>
+          <a:fillRef idx="0">
+            <a:schemeClr val="accent1"/>
+          </a:fillRef>
+          <a:effectRef idx="2">
+            <a:schemeClr val="accent1"/>
+          </a:effectRef>
+          <a:fontRef idx="minor">
+            <a:schemeClr val="tx1"/>
+          </a:fontRef>
+        </p:style>
+      </p:cxnSp>
+      <p:sp>
+        <p:nvSpPr>
+          <p:cNvPr id="10" name="TextBox 9">
+            <a:extLst>
+              <a:ext uri="{FF2B5EF4-FFF2-40B4-BE49-F238E27FC236}">
+                <a16:creationId xmlns:a16="http://schemas.microsoft.com/office/drawing/2014/main" id="{865D3F47-F326-940F-13D6-96ACE4D7ABB7}"/>
+              </a:ext>
+            </a:extLst>
+          </p:cNvPr>
+          <p:cNvSpPr txBox="1"/>
+          <p:nvPr/>
+        </p:nvSpPr>
+        <p:spPr>
+          <a:xfrm>
+            <a:off x="6045621" y="5777256"/>
+            <a:ext cx="1228221" cy="276999"/>
+          </a:xfrm>
+          <a:prstGeom prst="rect">
+            <a:avLst/>
+          </a:prstGeom>
+          <a:noFill/>
+        </p:spPr>
+        <p:txBody>
+          <a:bodyPr wrap="square" rtlCol="0">
+            <a:spAutoFit/>
+          </a:bodyPr>
+          <a:lstStyle/>
+          <a:p>
+            <a:r>
+              <a:rPr lang="en-US" sz="1200" b="1" dirty="0"/>
+              <a:t>head</a:t>
+            </a:r>
+          </a:p>
+        </p:txBody>
+      </p:sp>
+      <p:sp>
+        <p:nvSpPr>
+          <p:cNvPr id="11" name="Rectangle 10">
+            <a:extLst>
+              <a:ext uri="{FF2B5EF4-FFF2-40B4-BE49-F238E27FC236}">
+                <a16:creationId xmlns:a16="http://schemas.microsoft.com/office/drawing/2014/main" id="{F92866AA-CFE2-CB41-8C98-0434D74938DA}"/>
+              </a:ext>
+            </a:extLst>
+          </p:cNvPr>
+          <p:cNvSpPr/>
+          <p:nvPr/>
+        </p:nvSpPr>
+        <p:spPr>
+          <a:xfrm rot="19904949">
+            <a:off x="7109447" y="4557772"/>
+            <a:ext cx="1127464" cy="707886"/>
+          </a:xfrm>
+          <a:prstGeom prst="rect">
+            <a:avLst/>
+          </a:prstGeom>
+          <a:solidFill>
+            <a:schemeClr val="accent2"/>
+          </a:solidFill>
+        </p:spPr>
+        <p:style>
+          <a:lnRef idx="2">
+            <a:schemeClr val="accent1">
+              <a:shade val="50000"/>
+            </a:schemeClr>
+          </a:lnRef>
+          <a:fillRef idx="1">
+            <a:schemeClr val="accent1"/>
+          </a:fillRef>
+          <a:effectRef idx="0">
+            <a:schemeClr val="accent1"/>
+          </a:effectRef>
+          <a:fontRef idx="minor">
+            <a:schemeClr val="lt1"/>
+          </a:fontRef>
+        </p:style>
+        <p:txBody>
+          <a:bodyPr rtlCol="0" anchor="ctr"/>
+          <a:lstStyle/>
+          <a:p>
+            <a:pPr algn="ctr"/>
+            <a:r>
+              <a:rPr lang="en-US" dirty="0">
+                <a:solidFill>
+                  <a:schemeClr val="bg1"/>
+                </a:solidFill>
+              </a:rPr>
+              <a:t>Block 3</a:t>
+            </a:r>
+          </a:p>
+        </p:txBody>
+      </p:sp>
+      <p:sp>
+        <p:nvSpPr>
+          <p:cNvPr id="12" name="Rectangle 11">
+            <a:extLst>
+              <a:ext uri="{FF2B5EF4-FFF2-40B4-BE49-F238E27FC236}">
+                <a16:creationId xmlns:a16="http://schemas.microsoft.com/office/drawing/2014/main" id="{683636D8-012A-79C9-5546-D22B688A48C6}"/>
+              </a:ext>
+            </a:extLst>
+          </p:cNvPr>
+          <p:cNvSpPr/>
+          <p:nvPr/>
+        </p:nvSpPr>
+        <p:spPr>
+          <a:xfrm rot="1836984">
+            <a:off x="3953801" y="4544684"/>
+            <a:ext cx="1127464" cy="707886"/>
+          </a:xfrm>
+          <a:prstGeom prst="rect">
+            <a:avLst/>
+          </a:prstGeom>
+          <a:solidFill>
+            <a:srgbClr val="FFFF00"/>
+          </a:solidFill>
+        </p:spPr>
+        <p:style>
+          <a:lnRef idx="2">
+            <a:schemeClr val="accent1">
+              <a:shade val="50000"/>
+            </a:schemeClr>
+          </a:lnRef>
+          <a:fillRef idx="1">
+            <a:schemeClr val="accent1"/>
+          </a:fillRef>
+          <a:effectRef idx="0">
+            <a:schemeClr val="accent1"/>
+          </a:effectRef>
+          <a:fontRef idx="minor">
+            <a:schemeClr val="lt1"/>
+          </a:fontRef>
+        </p:style>
+        <p:txBody>
+          <a:bodyPr rtlCol="0" anchor="ctr"/>
+          <a:lstStyle/>
+          <a:p>
+            <a:pPr algn="ctr"/>
+            <a:r>
+              <a:rPr lang="en-US" dirty="0">
+                <a:solidFill>
+                  <a:schemeClr val="bg1"/>
+                </a:solidFill>
+              </a:rPr>
+              <a:t>Block n+2</a:t>
+            </a:r>
+          </a:p>
+        </p:txBody>
+      </p:sp>
+      <p:sp>
+        <p:nvSpPr>
+          <p:cNvPr id="13" name="Rectangle 12">
+            <a:extLst>
+              <a:ext uri="{FF2B5EF4-FFF2-40B4-BE49-F238E27FC236}">
+                <a16:creationId xmlns:a16="http://schemas.microsoft.com/office/drawing/2014/main" id="{9B091E64-9C6F-27A2-405B-EAE6C40D9E83}"/>
+              </a:ext>
+            </a:extLst>
+          </p:cNvPr>
+          <p:cNvSpPr/>
+          <p:nvPr/>
+        </p:nvSpPr>
+        <p:spPr>
+          <a:xfrm rot="3569557">
+            <a:off x="2697059" y="3362971"/>
+            <a:ext cx="1127464" cy="707886"/>
+          </a:xfrm>
+          <a:prstGeom prst="rect">
+            <a:avLst/>
+          </a:prstGeom>
+          <a:solidFill>
+            <a:srgbClr val="00B0F0"/>
+          </a:solidFill>
+        </p:spPr>
+        <p:style>
+          <a:lnRef idx="2">
+            <a:schemeClr val="accent1">
+              <a:shade val="50000"/>
+            </a:schemeClr>
+          </a:lnRef>
+          <a:fillRef idx="1">
+            <a:schemeClr val="accent1"/>
+          </a:fillRef>
+          <a:effectRef idx="0">
+            <a:schemeClr val="accent1"/>
+          </a:effectRef>
+          <a:fontRef idx="minor">
+            <a:schemeClr val="lt1"/>
+          </a:fontRef>
+        </p:style>
+        <p:txBody>
+          <a:bodyPr rtlCol="0" anchor="ctr"/>
+          <a:lstStyle/>
+          <a:p>
+            <a:pPr algn="ctr"/>
+            <a:r>
+              <a:rPr lang="en-US" dirty="0">
+                <a:solidFill>
+                  <a:schemeClr val="bg1"/>
+                </a:solidFill>
+              </a:rPr>
+              <a:t>Block n+1</a:t>
+            </a:r>
+          </a:p>
+        </p:txBody>
+      </p:sp>
+      <p:sp>
+        <p:nvSpPr>
+          <p:cNvPr id="16" name="Rectangle 15">
+            <a:extLst>
+              <a:ext uri="{FF2B5EF4-FFF2-40B4-BE49-F238E27FC236}">
+                <a16:creationId xmlns:a16="http://schemas.microsoft.com/office/drawing/2014/main" id="{3ECA9F1C-6674-59AB-A009-173EEDD7E971}"/>
+              </a:ext>
+            </a:extLst>
+          </p:cNvPr>
+          <p:cNvSpPr/>
+          <p:nvPr/>
+        </p:nvSpPr>
+        <p:spPr>
+          <a:xfrm rot="20036567">
+            <a:off x="3355017" y="1739900"/>
+            <a:ext cx="1127464" cy="707886"/>
+          </a:xfrm>
+          <a:prstGeom prst="rect">
+            <a:avLst/>
+          </a:prstGeom>
+          <a:solidFill>
+            <a:srgbClr val="00B0F0"/>
+          </a:solidFill>
+        </p:spPr>
+        <p:style>
+          <a:lnRef idx="2">
+            <a:schemeClr val="accent1">
+              <a:shade val="50000"/>
+            </a:schemeClr>
+          </a:lnRef>
+          <a:fillRef idx="1">
+            <a:schemeClr val="accent1"/>
+          </a:fillRef>
+          <a:effectRef idx="0">
+            <a:schemeClr val="accent1"/>
+          </a:effectRef>
+          <a:fontRef idx="minor">
+            <a:schemeClr val="lt1"/>
+          </a:fontRef>
+        </p:style>
+        <p:txBody>
+          <a:bodyPr rtlCol="0" anchor="ctr"/>
+          <a:lstStyle/>
+          <a:p>
+            <a:pPr algn="ctr"/>
+            <a:r>
+              <a:rPr lang="en-US" dirty="0">
+                <a:solidFill>
+                  <a:schemeClr val="bg1"/>
+                </a:solidFill>
+              </a:rPr>
+              <a:t>Block n</a:t>
+            </a:r>
+          </a:p>
+        </p:txBody>
+      </p:sp>
+      <p:sp>
+        <p:nvSpPr>
+          <p:cNvPr id="17" name="Rectangle 16">
+            <a:extLst>
+              <a:ext uri="{FF2B5EF4-FFF2-40B4-BE49-F238E27FC236}">
+                <a16:creationId xmlns:a16="http://schemas.microsoft.com/office/drawing/2014/main" id="{A0DE90F0-2D3D-6BA8-A8D1-65FCC58B7867}"/>
+              </a:ext>
+            </a:extLst>
+          </p:cNvPr>
+          <p:cNvSpPr/>
+          <p:nvPr/>
+        </p:nvSpPr>
+        <p:spPr>
+          <a:xfrm rot="18137722">
+            <a:off x="8388786" y="3363821"/>
+            <a:ext cx="1127464" cy="707886"/>
+          </a:xfrm>
+          <a:prstGeom prst="rect">
+            <a:avLst/>
+          </a:prstGeom>
+          <a:solidFill>
+            <a:srgbClr val="00B0F0"/>
+          </a:solidFill>
+        </p:spPr>
+        <p:style>
+          <a:lnRef idx="2">
+            <a:schemeClr val="accent1">
+              <a:shade val="50000"/>
+            </a:schemeClr>
+          </a:lnRef>
+          <a:fillRef idx="1">
+            <a:schemeClr val="accent1"/>
+          </a:fillRef>
+          <a:effectRef idx="0">
+            <a:schemeClr val="accent1"/>
+          </a:effectRef>
+          <a:fontRef idx="minor">
+            <a:schemeClr val="lt1"/>
+          </a:fontRef>
+        </p:style>
+        <p:txBody>
+          <a:bodyPr rtlCol="0" anchor="ctr"/>
+          <a:lstStyle/>
+          <a:p>
+            <a:pPr algn="ctr"/>
+            <a:r>
+              <a:rPr lang="en-US" dirty="0">
+                <a:solidFill>
+                  <a:schemeClr val="bg1"/>
+                </a:solidFill>
+              </a:rPr>
+              <a:t>Block 1</a:t>
+            </a:r>
+          </a:p>
+        </p:txBody>
+      </p:sp>
+      <p:sp>
+        <p:nvSpPr>
+          <p:cNvPr id="18" name="Rectangle 17">
+            <a:extLst>
+              <a:ext uri="{FF2B5EF4-FFF2-40B4-BE49-F238E27FC236}">
+                <a16:creationId xmlns:a16="http://schemas.microsoft.com/office/drawing/2014/main" id="{4FC9E708-996A-BC5E-7987-FA96F5B09363}"/>
+              </a:ext>
+            </a:extLst>
+          </p:cNvPr>
+          <p:cNvSpPr/>
+          <p:nvPr/>
+        </p:nvSpPr>
+        <p:spPr>
+          <a:xfrm rot="1585064">
+            <a:off x="7709412" y="1757068"/>
+            <a:ext cx="1127464" cy="707886"/>
+          </a:xfrm>
+          <a:prstGeom prst="rect">
+            <a:avLst/>
+          </a:prstGeom>
+          <a:solidFill>
+            <a:srgbClr val="00B0F0"/>
+          </a:solidFill>
+        </p:spPr>
+        <p:style>
+          <a:lnRef idx="2">
+            <a:schemeClr val="accent1">
+              <a:shade val="50000"/>
+            </a:schemeClr>
+          </a:lnRef>
+          <a:fillRef idx="1">
+            <a:schemeClr val="accent1"/>
+          </a:fillRef>
+          <a:effectRef idx="0">
+            <a:schemeClr val="accent1"/>
+          </a:effectRef>
+          <a:fontRef idx="minor">
+            <a:schemeClr val="lt1"/>
+          </a:fontRef>
+        </p:style>
+        <p:txBody>
+          <a:bodyPr rtlCol="0" anchor="ctr"/>
+          <a:lstStyle/>
+          <a:p>
+            <a:pPr algn="ctr"/>
+            <a:r>
+              <a:rPr lang="en-US" dirty="0">
+                <a:solidFill>
+                  <a:schemeClr val="bg1"/>
+                </a:solidFill>
+              </a:rPr>
+              <a:t>Block 2</a:t>
+            </a:r>
+          </a:p>
+        </p:txBody>
+      </p:sp>
+      <p:cxnSp>
+        <p:nvCxnSpPr>
+          <p:cNvPr id="27" name="Straight Arrow Connector 26">
+            <a:extLst>
+              <a:ext uri="{FF2B5EF4-FFF2-40B4-BE49-F238E27FC236}">
+                <a16:creationId xmlns:a16="http://schemas.microsoft.com/office/drawing/2014/main" id="{61D5AF6A-D5D3-C7A7-54EF-F4397281B9C4}"/>
+              </a:ext>
+            </a:extLst>
+          </p:cNvPr>
+          <p:cNvCxnSpPr>
+            <a:cxnSpLocks/>
+          </p:cNvCxnSpPr>
+          <p:nvPr/>
+        </p:nvCxnSpPr>
+        <p:spPr>
+          <a:xfrm flipV="1">
+            <a:off x="6657317" y="4997188"/>
+            <a:ext cx="435941" cy="232630"/>
+          </a:xfrm>
+          <a:prstGeom prst="straightConnector1">
+            <a:avLst/>
+          </a:prstGeom>
+          <a:ln>
+            <a:tailEnd type="triangle"/>
+          </a:ln>
+        </p:spPr>
+        <p:style>
+          <a:lnRef idx="3">
+            <a:schemeClr val="accent5"/>
+          </a:lnRef>
+          <a:fillRef idx="0">
+            <a:schemeClr val="accent5"/>
+          </a:fillRef>
+          <a:effectRef idx="2">
+            <a:schemeClr val="accent5"/>
+          </a:effectRef>
+          <a:fontRef idx="minor">
+            <a:schemeClr val="tx1"/>
+          </a:fontRef>
+        </p:style>
+      </p:cxnSp>
+      <p:cxnSp>
+        <p:nvCxnSpPr>
+          <p:cNvPr id="29" name="Straight Arrow Connector 28">
+            <a:extLst>
+              <a:ext uri="{FF2B5EF4-FFF2-40B4-BE49-F238E27FC236}">
+                <a16:creationId xmlns:a16="http://schemas.microsoft.com/office/drawing/2014/main" id="{DF43B010-AC03-2A44-1689-21838BE8C54C}"/>
+              </a:ext>
+            </a:extLst>
+          </p:cNvPr>
+          <p:cNvCxnSpPr>
+            <a:cxnSpLocks/>
+          </p:cNvCxnSpPr>
+          <p:nvPr/>
+        </p:nvCxnSpPr>
+        <p:spPr>
+          <a:xfrm flipH="1">
+            <a:off x="6657317" y="5308152"/>
+            <a:ext cx="616525" cy="312436"/>
+          </a:xfrm>
+          <a:prstGeom prst="straightConnector1">
+            <a:avLst/>
+          </a:prstGeom>
+          <a:ln>
+            <a:tailEnd type="triangle"/>
+          </a:ln>
+        </p:spPr>
+        <p:style>
+          <a:lnRef idx="3">
+            <a:schemeClr val="accent4"/>
+          </a:lnRef>
+          <a:fillRef idx="0">
+            <a:schemeClr val="accent4"/>
+          </a:fillRef>
+          <a:effectRef idx="2">
+            <a:schemeClr val="accent4"/>
+          </a:effectRef>
+          <a:fontRef idx="minor">
+            <a:schemeClr val="tx1"/>
+          </a:fontRef>
+        </p:style>
+      </p:cxnSp>
+      <p:cxnSp>
+        <p:nvCxnSpPr>
+          <p:cNvPr id="30" name="Straight Arrow Connector 29">
+            <a:extLst>
+              <a:ext uri="{FF2B5EF4-FFF2-40B4-BE49-F238E27FC236}">
+                <a16:creationId xmlns:a16="http://schemas.microsoft.com/office/drawing/2014/main" id="{AAB801E8-F700-DBCC-A646-7E734EB177A4}"/>
+              </a:ext>
+            </a:extLst>
+          </p:cNvPr>
+          <p:cNvCxnSpPr>
+            <a:cxnSpLocks/>
+          </p:cNvCxnSpPr>
+          <p:nvPr/>
+        </p:nvCxnSpPr>
+        <p:spPr>
+          <a:xfrm flipH="1" flipV="1">
+            <a:off x="4860381" y="5371759"/>
+            <a:ext cx="671886" cy="265561"/>
+          </a:xfrm>
+          <a:prstGeom prst="straightConnector1">
+            <a:avLst/>
+          </a:prstGeom>
+          <a:ln>
+            <a:tailEnd type="triangle"/>
+          </a:ln>
+        </p:spPr>
+        <p:style>
+          <a:lnRef idx="3">
+            <a:schemeClr val="accent4"/>
+          </a:lnRef>
+          <a:fillRef idx="0">
+            <a:schemeClr val="accent4"/>
+          </a:fillRef>
+          <a:effectRef idx="2">
+            <a:schemeClr val="accent4"/>
+          </a:effectRef>
+          <a:fontRef idx="minor">
+            <a:schemeClr val="tx1"/>
+          </a:fontRef>
+        </p:style>
+      </p:cxnSp>
+      <p:cxnSp>
+        <p:nvCxnSpPr>
+          <p:cNvPr id="32" name="Straight Arrow Connector 31">
+            <a:extLst>
+              <a:ext uri="{FF2B5EF4-FFF2-40B4-BE49-F238E27FC236}">
+                <a16:creationId xmlns:a16="http://schemas.microsoft.com/office/drawing/2014/main" id="{D3D341C7-FBB0-5960-C0A4-363D32DB21C7}"/>
+              </a:ext>
+            </a:extLst>
+          </p:cNvPr>
+          <p:cNvCxnSpPr>
+            <a:cxnSpLocks/>
+          </p:cNvCxnSpPr>
+          <p:nvPr/>
+        </p:nvCxnSpPr>
+        <p:spPr>
+          <a:xfrm>
+            <a:off x="5068848" y="5030756"/>
+            <a:ext cx="462932" cy="194014"/>
+          </a:xfrm>
+          <a:prstGeom prst="straightConnector1">
+            <a:avLst/>
+          </a:prstGeom>
+          <a:ln>
+            <a:tailEnd type="triangle"/>
+          </a:ln>
+        </p:spPr>
+        <p:style>
+          <a:lnRef idx="3">
+            <a:schemeClr val="accent5"/>
+          </a:lnRef>
+          <a:fillRef idx="0">
+            <a:schemeClr val="accent5"/>
+          </a:fillRef>
+          <a:effectRef idx="2">
+            <a:schemeClr val="accent5"/>
+          </a:effectRef>
+          <a:fontRef idx="minor">
+            <a:schemeClr val="tx1"/>
+          </a:fontRef>
+        </p:style>
+      </p:cxnSp>
+      <p:cxnSp>
+        <p:nvCxnSpPr>
+          <p:cNvPr id="34" name="Straight Arrow Connector 33">
+            <a:extLst>
+              <a:ext uri="{FF2B5EF4-FFF2-40B4-BE49-F238E27FC236}">
+                <a16:creationId xmlns:a16="http://schemas.microsoft.com/office/drawing/2014/main" id="{26320E25-2694-1CFF-C0AC-72BCA372C98D}"/>
+              </a:ext>
+            </a:extLst>
+          </p:cNvPr>
+          <p:cNvCxnSpPr>
+            <a:cxnSpLocks/>
+          </p:cNvCxnSpPr>
+          <p:nvPr/>
+        </p:nvCxnSpPr>
+        <p:spPr>
+          <a:xfrm flipV="1">
+            <a:off x="8059395" y="4046174"/>
+            <a:ext cx="421422" cy="463353"/>
+          </a:xfrm>
+          <a:prstGeom prst="straightConnector1">
+            <a:avLst/>
+          </a:prstGeom>
+          <a:ln>
+            <a:tailEnd type="triangle"/>
+          </a:ln>
+        </p:spPr>
+        <p:style>
+          <a:lnRef idx="3">
+            <a:schemeClr val="accent5"/>
+          </a:lnRef>
+          <a:fillRef idx="0">
+            <a:schemeClr val="accent5"/>
+          </a:fillRef>
+          <a:effectRef idx="2">
+            <a:schemeClr val="accent5"/>
+          </a:effectRef>
+          <a:fontRef idx="minor">
+            <a:schemeClr val="tx1"/>
+          </a:fontRef>
+        </p:style>
+      </p:cxnSp>
+      <p:cxnSp>
+        <p:nvCxnSpPr>
+          <p:cNvPr id="41" name="Straight Arrow Connector 40">
+            <a:extLst>
+              <a:ext uri="{FF2B5EF4-FFF2-40B4-BE49-F238E27FC236}">
+                <a16:creationId xmlns:a16="http://schemas.microsoft.com/office/drawing/2014/main" id="{C8E328EC-3E83-B92F-BBBD-293756C991DE}"/>
+              </a:ext>
+            </a:extLst>
+          </p:cNvPr>
+          <p:cNvCxnSpPr>
+            <a:cxnSpLocks/>
+          </p:cNvCxnSpPr>
+          <p:nvPr/>
+        </p:nvCxnSpPr>
+        <p:spPr>
+          <a:xfrm flipH="1">
+            <a:off x="8259333" y="4242431"/>
+            <a:ext cx="499382" cy="566638"/>
+          </a:xfrm>
+          <a:prstGeom prst="straightConnector1">
+            <a:avLst/>
+          </a:prstGeom>
+          <a:ln>
+            <a:tailEnd type="triangle"/>
+          </a:ln>
+        </p:spPr>
+        <p:style>
+          <a:lnRef idx="3">
+            <a:schemeClr val="accent4"/>
+          </a:lnRef>
+          <a:fillRef idx="0">
+            <a:schemeClr val="accent4"/>
+          </a:fillRef>
+          <a:effectRef idx="2">
+            <a:schemeClr val="accent4"/>
+          </a:effectRef>
+          <a:fontRef idx="minor">
+            <a:schemeClr val="tx1"/>
+          </a:fontRef>
+        </p:style>
+      </p:cxnSp>
+      <p:cxnSp>
+        <p:nvCxnSpPr>
+          <p:cNvPr id="57" name="Straight Arrow Connector 56">
+            <a:extLst>
+              <a:ext uri="{FF2B5EF4-FFF2-40B4-BE49-F238E27FC236}">
+                <a16:creationId xmlns:a16="http://schemas.microsoft.com/office/drawing/2014/main" id="{F95AD88F-FBAF-9D69-685A-50ED77FC6090}"/>
+              </a:ext>
+            </a:extLst>
+          </p:cNvPr>
+          <p:cNvCxnSpPr>
+            <a:cxnSpLocks/>
+            <a:endCxn id="18" idx="3"/>
+          </p:cNvCxnSpPr>
+          <p:nvPr/>
+        </p:nvCxnSpPr>
+        <p:spPr>
+          <a:xfrm flipH="1" flipV="1">
+            <a:off x="8778008" y="2361822"/>
+            <a:ext cx="430885" cy="874471"/>
+          </a:xfrm>
+          <a:prstGeom prst="straightConnector1">
+            <a:avLst/>
+          </a:prstGeom>
+          <a:ln>
+            <a:tailEnd type="triangle"/>
+          </a:ln>
+        </p:spPr>
+        <p:style>
+          <a:lnRef idx="3">
+            <a:schemeClr val="accent5"/>
+          </a:lnRef>
+          <a:fillRef idx="0">
+            <a:schemeClr val="accent5"/>
+          </a:fillRef>
+          <a:effectRef idx="2">
+            <a:schemeClr val="accent5"/>
+          </a:effectRef>
+          <a:fontRef idx="minor">
+            <a:schemeClr val="tx1"/>
+          </a:fontRef>
+        </p:style>
+      </p:cxnSp>
+      <p:cxnSp>
+        <p:nvCxnSpPr>
+          <p:cNvPr id="61" name="Straight Arrow Connector 60">
+            <a:extLst>
+              <a:ext uri="{FF2B5EF4-FFF2-40B4-BE49-F238E27FC236}">
+                <a16:creationId xmlns:a16="http://schemas.microsoft.com/office/drawing/2014/main" id="{1492CC71-B5B9-8112-B517-FE09DA5F62E4}"/>
+              </a:ext>
+            </a:extLst>
+          </p:cNvPr>
+          <p:cNvCxnSpPr>
+            <a:cxnSpLocks/>
+          </p:cNvCxnSpPr>
+          <p:nvPr/>
+        </p:nvCxnSpPr>
+        <p:spPr>
+          <a:xfrm>
+            <a:off x="8930995" y="2041452"/>
+            <a:ext cx="636748" cy="1387548"/>
+          </a:xfrm>
+          <a:prstGeom prst="straightConnector1">
+            <a:avLst/>
+          </a:prstGeom>
+          <a:ln>
+            <a:tailEnd type="triangle"/>
+          </a:ln>
+        </p:spPr>
+        <p:style>
+          <a:lnRef idx="3">
+            <a:schemeClr val="accent4"/>
+          </a:lnRef>
+          <a:fillRef idx="0">
+            <a:schemeClr val="accent4"/>
+          </a:fillRef>
+          <a:effectRef idx="2">
+            <a:schemeClr val="accent4"/>
+          </a:effectRef>
+          <a:fontRef idx="minor">
+            <a:schemeClr val="tx1"/>
+          </a:fontRef>
+        </p:style>
+      </p:cxnSp>
+      <p:cxnSp>
+        <p:nvCxnSpPr>
+          <p:cNvPr id="67" name="Straight Arrow Connector 66">
+            <a:extLst>
+              <a:ext uri="{FF2B5EF4-FFF2-40B4-BE49-F238E27FC236}">
+                <a16:creationId xmlns:a16="http://schemas.microsoft.com/office/drawing/2014/main" id="{74DDE0F5-386F-AD64-E872-1AD1B31C1CEE}"/>
+              </a:ext>
+            </a:extLst>
+          </p:cNvPr>
+          <p:cNvCxnSpPr>
+            <a:cxnSpLocks/>
+          </p:cNvCxnSpPr>
+          <p:nvPr/>
+        </p:nvCxnSpPr>
+        <p:spPr>
+          <a:xfrm>
+            <a:off x="3621547" y="4118346"/>
+            <a:ext cx="502648" cy="391181"/>
+          </a:xfrm>
+          <a:prstGeom prst="straightConnector1">
+            <a:avLst/>
+          </a:prstGeom>
+          <a:ln>
+            <a:tailEnd type="triangle"/>
+          </a:ln>
+        </p:spPr>
+        <p:style>
+          <a:lnRef idx="3">
+            <a:schemeClr val="accent5"/>
+          </a:lnRef>
+          <a:fillRef idx="0">
+            <a:schemeClr val="accent5"/>
+          </a:fillRef>
+          <a:effectRef idx="2">
+            <a:schemeClr val="accent5"/>
+          </a:effectRef>
+          <a:fontRef idx="minor">
+            <a:schemeClr val="tx1"/>
+          </a:fontRef>
+        </p:style>
+      </p:cxnSp>
+      <p:cxnSp>
+        <p:nvCxnSpPr>
+          <p:cNvPr id="70" name="Straight Arrow Connector 69">
+            <a:extLst>
+              <a:ext uri="{FF2B5EF4-FFF2-40B4-BE49-F238E27FC236}">
+                <a16:creationId xmlns:a16="http://schemas.microsoft.com/office/drawing/2014/main" id="{C7685426-4DCF-DD48-6687-19516C06FBC1}"/>
+              </a:ext>
+            </a:extLst>
+          </p:cNvPr>
+          <p:cNvCxnSpPr>
+            <a:cxnSpLocks/>
+          </p:cNvCxnSpPr>
+          <p:nvPr/>
+        </p:nvCxnSpPr>
+        <p:spPr>
+          <a:xfrm flipH="1" flipV="1">
+            <a:off x="3325801" y="4298327"/>
+            <a:ext cx="641134" cy="462359"/>
+          </a:xfrm>
+          <a:prstGeom prst="straightConnector1">
+            <a:avLst/>
+          </a:prstGeom>
+          <a:ln>
+            <a:tailEnd type="triangle"/>
+          </a:ln>
+        </p:spPr>
+        <p:style>
+          <a:lnRef idx="3">
+            <a:schemeClr val="accent4"/>
+          </a:lnRef>
+          <a:fillRef idx="0">
+            <a:schemeClr val="accent4"/>
+          </a:fillRef>
+          <a:effectRef idx="2">
+            <a:schemeClr val="accent4"/>
+          </a:effectRef>
+          <a:fontRef idx="minor">
+            <a:schemeClr val="tx1"/>
+          </a:fontRef>
+        </p:style>
+      </p:cxnSp>
+      <p:cxnSp>
+        <p:nvCxnSpPr>
+          <p:cNvPr id="75" name="Straight Arrow Connector 74">
+            <a:extLst>
+              <a:ext uri="{FF2B5EF4-FFF2-40B4-BE49-F238E27FC236}">
+                <a16:creationId xmlns:a16="http://schemas.microsoft.com/office/drawing/2014/main" id="{22C901FC-3A7B-DB34-EE5D-C4BE446899E9}"/>
+              </a:ext>
+            </a:extLst>
+          </p:cNvPr>
+          <p:cNvCxnSpPr>
+            <a:cxnSpLocks/>
+          </p:cNvCxnSpPr>
+          <p:nvPr/>
+        </p:nvCxnSpPr>
+        <p:spPr>
+          <a:xfrm flipH="1">
+            <a:off x="3143916" y="2464763"/>
+            <a:ext cx="336131" cy="649951"/>
+          </a:xfrm>
+          <a:prstGeom prst="straightConnector1">
+            <a:avLst/>
+          </a:prstGeom>
+          <a:ln>
+            <a:tailEnd type="triangle"/>
+          </a:ln>
+        </p:spPr>
+        <p:style>
+          <a:lnRef idx="3">
+            <a:schemeClr val="accent5"/>
+          </a:lnRef>
+          <a:fillRef idx="0">
+            <a:schemeClr val="accent5"/>
+          </a:fillRef>
+          <a:effectRef idx="2">
+            <a:schemeClr val="accent5"/>
+          </a:effectRef>
+          <a:fontRef idx="minor">
+            <a:schemeClr val="tx1"/>
+          </a:fontRef>
+        </p:style>
+      </p:cxnSp>
+      <p:cxnSp>
+        <p:nvCxnSpPr>
+          <p:cNvPr id="78" name="Straight Arrow Connector 77">
+            <a:extLst>
+              <a:ext uri="{FF2B5EF4-FFF2-40B4-BE49-F238E27FC236}">
+                <a16:creationId xmlns:a16="http://schemas.microsoft.com/office/drawing/2014/main" id="{F8884241-719F-4F25-FA4B-C73BF5E22757}"/>
+              </a:ext>
+            </a:extLst>
+          </p:cNvPr>
+          <p:cNvCxnSpPr>
+            <a:cxnSpLocks/>
+          </p:cNvCxnSpPr>
+          <p:nvPr/>
+        </p:nvCxnSpPr>
+        <p:spPr>
+          <a:xfrm flipV="1">
+            <a:off x="2732203" y="2111011"/>
+            <a:ext cx="593598" cy="1258243"/>
+          </a:xfrm>
+          <a:prstGeom prst="straightConnector1">
+            <a:avLst/>
+          </a:prstGeom>
+          <a:ln>
+            <a:tailEnd type="triangle"/>
+          </a:ln>
+        </p:spPr>
+        <p:style>
+          <a:lnRef idx="3">
+            <a:schemeClr val="accent4"/>
+          </a:lnRef>
+          <a:fillRef idx="0">
+            <a:schemeClr val="accent4"/>
+          </a:fillRef>
+          <a:effectRef idx="2">
+            <a:schemeClr val="accent4"/>
+          </a:effectRef>
+          <a:fontRef idx="minor">
+            <a:schemeClr val="tx1"/>
+          </a:fontRef>
+        </p:style>
+      </p:cxnSp>
+      <p:cxnSp>
+        <p:nvCxnSpPr>
+          <p:cNvPr id="84" name="Straight Arrow Connector 83">
+            <a:extLst>
+              <a:ext uri="{FF2B5EF4-FFF2-40B4-BE49-F238E27FC236}">
+                <a16:creationId xmlns:a16="http://schemas.microsoft.com/office/drawing/2014/main" id="{961E6B09-A124-D530-84A9-797C2E00B407}"/>
+              </a:ext>
+            </a:extLst>
+          </p:cNvPr>
+          <p:cNvCxnSpPr>
+            <a:cxnSpLocks/>
+          </p:cNvCxnSpPr>
+          <p:nvPr/>
+        </p:nvCxnSpPr>
+        <p:spPr>
+          <a:xfrm>
+            <a:off x="4860381" y="1722268"/>
+            <a:ext cx="2481452" cy="0"/>
+          </a:xfrm>
+          <a:prstGeom prst="straightConnector1">
+            <a:avLst/>
+          </a:prstGeom>
+          <a:ln w="38100" cap="flat" cmpd="sng" algn="ctr">
+            <a:solidFill>
+              <a:schemeClr val="accent4"/>
+            </a:solidFill>
+            <a:prstDash val="sysDot"/>
+            <a:round/>
+            <a:headEnd type="none" w="lg" len="med"/>
+            <a:tailEnd type="triangle" w="lg" len="med"/>
+          </a:ln>
+        </p:spPr>
+        <p:style>
+          <a:lnRef idx="0">
+            <a:scrgbClr r="0" g="0" b="0"/>
+          </a:lnRef>
+          <a:fillRef idx="0">
+            <a:scrgbClr r="0" g="0" b="0"/>
+          </a:fillRef>
+          <a:effectRef idx="0">
+            <a:scrgbClr r="0" g="0" b="0"/>
+          </a:effectRef>
+          <a:fontRef idx="minor">
+            <a:schemeClr val="tx1"/>
+          </a:fontRef>
+        </p:style>
+      </p:cxnSp>
+      <p:cxnSp>
+        <p:nvCxnSpPr>
+          <p:cNvPr id="87" name="Straight Arrow Connector 86">
+            <a:extLst>
+              <a:ext uri="{FF2B5EF4-FFF2-40B4-BE49-F238E27FC236}">
+                <a16:creationId xmlns:a16="http://schemas.microsoft.com/office/drawing/2014/main" id="{3EB2159D-A0D9-8B5E-FD41-9AC6F0F28096}"/>
+              </a:ext>
+            </a:extLst>
+          </p:cNvPr>
+          <p:cNvCxnSpPr>
+            <a:cxnSpLocks/>
+          </p:cNvCxnSpPr>
+          <p:nvPr/>
+        </p:nvCxnSpPr>
+        <p:spPr>
+          <a:xfrm>
+            <a:off x="4860381" y="2019587"/>
+            <a:ext cx="2481452" cy="0"/>
+          </a:xfrm>
+          <a:prstGeom prst="straightConnector1">
+            <a:avLst/>
+          </a:prstGeom>
+          <a:ln w="31750" cap="flat" cmpd="sng" algn="ctr">
+            <a:solidFill>
+              <a:schemeClr val="accent5"/>
+            </a:solidFill>
+            <a:prstDash val="sysDot"/>
+            <a:round/>
+            <a:headEnd type="triangle" w="lg" len="med"/>
+            <a:tailEnd type="none" w="lg" len="med"/>
+          </a:ln>
+        </p:spPr>
+        <p:style>
+          <a:lnRef idx="0">
+            <a:scrgbClr r="0" g="0" b="0"/>
+          </a:lnRef>
+          <a:fillRef idx="0">
+            <a:scrgbClr r="0" g="0" b="0"/>
+          </a:fillRef>
+          <a:effectRef idx="0">
+            <a:scrgbClr r="0" g="0" b="0"/>
+          </a:effectRef>
+          <a:fontRef idx="minor">
+            <a:schemeClr val="tx1"/>
+          </a:fontRef>
+        </p:style>
+      </p:cxnSp>
+      <p:sp>
+        <p:nvSpPr>
+          <p:cNvPr id="88" name="TextBox 87">
+            <a:extLst>
+              <a:ext uri="{FF2B5EF4-FFF2-40B4-BE49-F238E27FC236}">
+                <a16:creationId xmlns:a16="http://schemas.microsoft.com/office/drawing/2014/main" id="{39F201ED-35EE-593F-4A49-E171C62E8A38}"/>
+              </a:ext>
+            </a:extLst>
+          </p:cNvPr>
+          <p:cNvSpPr txBox="1"/>
+          <p:nvPr/>
+        </p:nvSpPr>
+        <p:spPr>
+          <a:xfrm>
+            <a:off x="5816115" y="1297766"/>
+            <a:ext cx="574196" cy="369332"/>
+          </a:xfrm>
+          <a:prstGeom prst="rect">
+            <a:avLst/>
+          </a:prstGeom>
+          <a:noFill/>
+        </p:spPr>
+        <p:txBody>
+          <a:bodyPr wrap="none" rtlCol="0">
+            <a:spAutoFit/>
+          </a:bodyPr>
+          <a:lstStyle/>
+          <a:p>
+            <a:r>
+              <a:rPr lang="en-US" dirty="0"/>
+              <a:t>...….</a:t>
+            </a:r>
+          </a:p>
+        </p:txBody>
+      </p:sp>
+      <p:cxnSp>
+        <p:nvCxnSpPr>
+          <p:cNvPr id="89" name="Straight Arrow Connector 88">
+            <a:extLst>
+              <a:ext uri="{FF2B5EF4-FFF2-40B4-BE49-F238E27FC236}">
+                <a16:creationId xmlns:a16="http://schemas.microsoft.com/office/drawing/2014/main" id="{BE2050EE-CAC1-BD60-0F73-CE50D5D337C6}"/>
+              </a:ext>
+            </a:extLst>
+          </p:cNvPr>
+          <p:cNvCxnSpPr>
+            <a:cxnSpLocks/>
+          </p:cNvCxnSpPr>
+          <p:nvPr/>
+        </p:nvCxnSpPr>
+        <p:spPr>
+          <a:xfrm>
+            <a:off x="10110876" y="5777256"/>
+            <a:ext cx="568413" cy="0"/>
+          </a:xfrm>
+          <a:prstGeom prst="straightConnector1">
+            <a:avLst/>
+          </a:prstGeom>
+          <a:ln>
+            <a:tailEnd type="triangle"/>
+          </a:ln>
+        </p:spPr>
+        <p:style>
+          <a:lnRef idx="3">
+            <a:schemeClr val="accent5"/>
+          </a:lnRef>
+          <a:fillRef idx="0">
+            <a:schemeClr val="accent5"/>
+          </a:fillRef>
+          <a:effectRef idx="2">
+            <a:schemeClr val="accent5"/>
+          </a:effectRef>
+          <a:fontRef idx="minor">
+            <a:schemeClr val="tx1"/>
+          </a:fontRef>
+        </p:style>
+      </p:cxnSp>
+      <p:sp>
+        <p:nvSpPr>
+          <p:cNvPr id="92" name="TextBox 91">
+            <a:extLst>
+              <a:ext uri="{FF2B5EF4-FFF2-40B4-BE49-F238E27FC236}">
+                <a16:creationId xmlns:a16="http://schemas.microsoft.com/office/drawing/2014/main" id="{E10DC723-BE5E-08D1-5FB4-459539ADD43F}"/>
+              </a:ext>
+            </a:extLst>
+          </p:cNvPr>
+          <p:cNvSpPr txBox="1"/>
+          <p:nvPr/>
+        </p:nvSpPr>
+        <p:spPr>
+          <a:xfrm>
+            <a:off x="10577690" y="5620588"/>
+            <a:ext cx="601831" cy="307777"/>
+          </a:xfrm>
+          <a:prstGeom prst="rect">
+            <a:avLst/>
+          </a:prstGeom>
+          <a:noFill/>
+        </p:spPr>
+        <p:txBody>
+          <a:bodyPr wrap="none" rtlCol="0">
+            <a:spAutoFit/>
+          </a:bodyPr>
+          <a:lstStyle/>
+          <a:p>
+            <a:r>
+              <a:rPr lang="en-US" sz="1400" b="1" dirty="0"/>
+              <a:t>: next</a:t>
+            </a:r>
+          </a:p>
+        </p:txBody>
+      </p:sp>
+      <p:sp>
+        <p:nvSpPr>
+          <p:cNvPr id="94" name="TextBox 93">
+            <a:extLst>
+              <a:ext uri="{FF2B5EF4-FFF2-40B4-BE49-F238E27FC236}">
+                <a16:creationId xmlns:a16="http://schemas.microsoft.com/office/drawing/2014/main" id="{343F72A5-B258-5B16-2F85-AA6FD4080A23}"/>
+              </a:ext>
+            </a:extLst>
+          </p:cNvPr>
+          <p:cNvSpPr txBox="1"/>
+          <p:nvPr/>
+        </p:nvSpPr>
+        <p:spPr>
+          <a:xfrm>
+            <a:off x="10577690" y="5984918"/>
+            <a:ext cx="606576" cy="307777"/>
+          </a:xfrm>
+          <a:prstGeom prst="rect">
+            <a:avLst/>
+          </a:prstGeom>
+          <a:noFill/>
+        </p:spPr>
+        <p:txBody>
+          <a:bodyPr wrap="none" rtlCol="0">
+            <a:spAutoFit/>
+          </a:bodyPr>
+          <a:lstStyle/>
+          <a:p>
+            <a:r>
+              <a:rPr lang="en-US" sz="1400" b="1" dirty="0"/>
+              <a:t>: prev</a:t>
+            </a:r>
+          </a:p>
+        </p:txBody>
+      </p:sp>
+      <p:cxnSp>
+        <p:nvCxnSpPr>
+          <p:cNvPr id="95" name="Straight Arrow Connector 94">
+            <a:extLst>
+              <a:ext uri="{FF2B5EF4-FFF2-40B4-BE49-F238E27FC236}">
+                <a16:creationId xmlns:a16="http://schemas.microsoft.com/office/drawing/2014/main" id="{36754004-D822-9605-077E-2C3DC848367D}"/>
+              </a:ext>
+            </a:extLst>
+          </p:cNvPr>
+          <p:cNvCxnSpPr>
+            <a:cxnSpLocks/>
+          </p:cNvCxnSpPr>
+          <p:nvPr/>
+        </p:nvCxnSpPr>
+        <p:spPr>
+          <a:xfrm flipH="1">
+            <a:off x="10110876" y="6140857"/>
+            <a:ext cx="568413" cy="0"/>
+          </a:xfrm>
+          <a:prstGeom prst="straightConnector1">
+            <a:avLst/>
+          </a:prstGeom>
+          <a:ln>
+            <a:tailEnd type="triangle"/>
+          </a:ln>
+        </p:spPr>
+        <p:style>
+          <a:lnRef idx="3">
+            <a:schemeClr val="accent4"/>
+          </a:lnRef>
+          <a:fillRef idx="0">
+            <a:schemeClr val="accent4"/>
+          </a:fillRef>
+          <a:effectRef idx="2">
+            <a:schemeClr val="accent4"/>
+          </a:effectRef>
+          <a:fontRef idx="minor">
+            <a:schemeClr val="tx1"/>
+          </a:fontRef>
+        </p:style>
+      </p:cxnSp>
+      <p:sp>
+        <p:nvSpPr>
+          <p:cNvPr id="97" name="Down Arrow 96">
+            <a:extLst>
+              <a:ext uri="{FF2B5EF4-FFF2-40B4-BE49-F238E27FC236}">
+                <a16:creationId xmlns:a16="http://schemas.microsoft.com/office/drawing/2014/main" id="{6F880298-DC35-5EFF-0B42-2879BA6A2465}"/>
+              </a:ext>
+            </a:extLst>
+          </p:cNvPr>
+          <p:cNvSpPr/>
+          <p:nvPr/>
+        </p:nvSpPr>
+        <p:spPr>
+          <a:xfrm>
+            <a:off x="6756989" y="4509527"/>
+            <a:ext cx="172806" cy="576503"/>
+          </a:xfrm>
+          <a:prstGeom prst="downArrow">
+            <a:avLst/>
+          </a:prstGeom>
+          <a:solidFill>
+            <a:srgbClr val="0070C0"/>
+          </a:solidFill>
+        </p:spPr>
+        <p:style>
+          <a:lnRef idx="2">
+            <a:schemeClr val="accent1">
+              <a:shade val="50000"/>
+            </a:schemeClr>
+          </a:lnRef>
+          <a:fillRef idx="1">
+            <a:schemeClr val="accent1"/>
+          </a:fillRef>
+          <a:effectRef idx="0">
+            <a:schemeClr val="accent1"/>
+          </a:effectRef>
+          <a:fontRef idx="minor">
+            <a:schemeClr val="lt1"/>
+          </a:fontRef>
+        </p:style>
+        <p:txBody>
+          <a:bodyPr rtlCol="0" anchor="ctr"/>
+          <a:lstStyle/>
+          <a:p>
+            <a:pPr algn="ctr"/>
+            <a:endParaRPr lang="en-US"/>
+          </a:p>
+        </p:txBody>
+      </p:sp>
+      <p:sp>
+        <p:nvSpPr>
+          <p:cNvPr id="98" name="TextBox 97">
+            <a:extLst>
+              <a:ext uri="{FF2B5EF4-FFF2-40B4-BE49-F238E27FC236}">
+                <a16:creationId xmlns:a16="http://schemas.microsoft.com/office/drawing/2014/main" id="{C6ED59B8-9D6D-63B5-8509-3690DBB90DAD}"/>
+              </a:ext>
+            </a:extLst>
+          </p:cNvPr>
+          <p:cNvSpPr txBox="1"/>
+          <p:nvPr/>
+        </p:nvSpPr>
+        <p:spPr>
+          <a:xfrm>
+            <a:off x="6475434" y="4198865"/>
+            <a:ext cx="780214" cy="307777"/>
+          </a:xfrm>
+          <a:prstGeom prst="rect">
+            <a:avLst/>
+          </a:prstGeom>
+          <a:noFill/>
+        </p:spPr>
+        <p:txBody>
+          <a:bodyPr wrap="none" rtlCol="0">
+            <a:spAutoFit/>
+          </a:bodyPr>
+          <a:lstStyle/>
+          <a:p>
+            <a:r>
+              <a:rPr lang="en-US" sz="1400" i="1" dirty="0"/>
+              <a:t>brelse( )</a:t>
+            </a:r>
+          </a:p>
+        </p:txBody>
+      </p:sp>
+      <p:sp>
+        <p:nvSpPr>
+          <p:cNvPr id="112" name="Left Arrow 111">
+            <a:extLst>
+              <a:ext uri="{FF2B5EF4-FFF2-40B4-BE49-F238E27FC236}">
+                <a16:creationId xmlns:a16="http://schemas.microsoft.com/office/drawing/2014/main" id="{8A98ED8C-6B09-F206-4EB6-D056D4D026B5}"/>
+              </a:ext>
+            </a:extLst>
+          </p:cNvPr>
+          <p:cNvSpPr/>
+          <p:nvPr/>
+        </p:nvSpPr>
+        <p:spPr>
+          <a:xfrm rot="1719417">
+            <a:off x="3426330" y="5327650"/>
+            <a:ext cx="1309482" cy="342552"/>
+          </a:xfrm>
+          <a:prstGeom prst="leftArrow">
+            <a:avLst/>
+          </a:prstGeom>
+          <a:solidFill>
+            <a:srgbClr val="FFFF00"/>
+          </a:solidFill>
+        </p:spPr>
+        <p:style>
+          <a:lnRef idx="2">
+            <a:schemeClr val="accent1">
+              <a:shade val="50000"/>
+            </a:schemeClr>
+          </a:lnRef>
+          <a:fillRef idx="1">
+            <a:schemeClr val="accent1"/>
+          </a:fillRef>
+          <a:effectRef idx="0">
+            <a:schemeClr val="accent1"/>
+          </a:effectRef>
+          <a:fontRef idx="minor">
+            <a:schemeClr val="lt1"/>
+          </a:fontRef>
+        </p:style>
+        <p:txBody>
+          <a:bodyPr rtlCol="0" anchor="ctr"/>
+          <a:lstStyle/>
+          <a:p>
+            <a:pPr algn="ctr"/>
+            <a:endParaRPr lang="en-US"/>
+          </a:p>
+        </p:txBody>
+      </p:sp>
+      <p:sp>
+        <p:nvSpPr>
+          <p:cNvPr id="113" name="TextBox 112">
+            <a:extLst>
+              <a:ext uri="{FF2B5EF4-FFF2-40B4-BE49-F238E27FC236}">
+                <a16:creationId xmlns:a16="http://schemas.microsoft.com/office/drawing/2014/main" id="{AD9F0FC0-A4B1-D630-44DF-77E689415323}"/>
+              </a:ext>
+            </a:extLst>
+          </p:cNvPr>
+          <p:cNvSpPr txBox="1"/>
+          <p:nvPr/>
+        </p:nvSpPr>
+        <p:spPr>
+          <a:xfrm rot="1819363">
+            <a:off x="2879489" y="5623877"/>
+            <a:ext cx="1986762" cy="369332"/>
+          </a:xfrm>
+          <a:prstGeom prst="rect">
+            <a:avLst/>
+          </a:prstGeom>
+          <a:noFill/>
+        </p:spPr>
+        <p:txBody>
+          <a:bodyPr wrap="none" rtlCol="0">
+            <a:spAutoFit/>
+          </a:bodyPr>
+          <a:lstStyle/>
+          <a:p>
+            <a:r>
+              <a:rPr lang="en-US" dirty="0"/>
+              <a:t>Least recently used</a:t>
+            </a:r>
+          </a:p>
+        </p:txBody>
+      </p:sp>
+      <p:sp>
+        <p:nvSpPr>
+          <p:cNvPr id="115" name="Left Arrow 114">
+            <a:extLst>
+              <a:ext uri="{FF2B5EF4-FFF2-40B4-BE49-F238E27FC236}">
+                <a16:creationId xmlns:a16="http://schemas.microsoft.com/office/drawing/2014/main" id="{9E4FDA34-AA5C-6D22-4A5A-A5D560789FB5}"/>
+              </a:ext>
+            </a:extLst>
+          </p:cNvPr>
+          <p:cNvSpPr/>
+          <p:nvPr/>
+        </p:nvSpPr>
+        <p:spPr>
+          <a:xfrm rot="8955625">
+            <a:off x="7452689" y="5319054"/>
+            <a:ext cx="1309482" cy="342552"/>
+          </a:xfrm>
+          <a:prstGeom prst="leftArrow">
+            <a:avLst/>
+          </a:prstGeom>
+          <a:solidFill>
+            <a:schemeClr val="accent2"/>
+          </a:solidFill>
+        </p:spPr>
+        <p:style>
+          <a:lnRef idx="2">
+            <a:schemeClr val="accent1">
+              <a:shade val="50000"/>
+            </a:schemeClr>
+          </a:lnRef>
+          <a:fillRef idx="1">
+            <a:schemeClr val="accent1"/>
+          </a:fillRef>
+          <a:effectRef idx="0">
+            <a:schemeClr val="accent1"/>
+          </a:effectRef>
+          <a:fontRef idx="minor">
+            <a:schemeClr val="lt1"/>
+          </a:fontRef>
+        </p:style>
+        <p:txBody>
+          <a:bodyPr rtlCol="0" anchor="ctr"/>
+          <a:lstStyle/>
+          <a:p>
+            <a:pPr algn="ctr"/>
+            <a:endParaRPr lang="en-US"/>
+          </a:p>
+        </p:txBody>
+      </p:sp>
+      <p:sp>
+        <p:nvSpPr>
+          <p:cNvPr id="116" name="TextBox 115">
+            <a:extLst>
+              <a:ext uri="{FF2B5EF4-FFF2-40B4-BE49-F238E27FC236}">
+                <a16:creationId xmlns:a16="http://schemas.microsoft.com/office/drawing/2014/main" id="{28A3C6F5-C50A-B3E1-290D-C386E1E22B57}"/>
+              </a:ext>
+            </a:extLst>
+          </p:cNvPr>
+          <p:cNvSpPr txBox="1"/>
+          <p:nvPr/>
+        </p:nvSpPr>
+        <p:spPr>
+          <a:xfrm rot="19636333">
+            <a:off x="7335587" y="5574469"/>
+            <a:ext cx="1981953" cy="369332"/>
+          </a:xfrm>
+          <a:prstGeom prst="rect">
+            <a:avLst/>
+          </a:prstGeom>
+          <a:noFill/>
+        </p:spPr>
+        <p:txBody>
+          <a:bodyPr wrap="none" rtlCol="0">
+            <a:spAutoFit/>
+          </a:bodyPr>
+          <a:lstStyle/>
+          <a:p>
+            <a:r>
+              <a:rPr lang="en-US" dirty="0"/>
+              <a:t>Most recently used</a:t>
+            </a:r>
+          </a:p>
+        </p:txBody>
+      </p:sp>
+      <p:sp>
+        <p:nvSpPr>
+          <p:cNvPr id="117" name="Rectangle 116">
+            <a:extLst>
+              <a:ext uri="{FF2B5EF4-FFF2-40B4-BE49-F238E27FC236}">
+                <a16:creationId xmlns:a16="http://schemas.microsoft.com/office/drawing/2014/main" id="{98538EF1-BDBE-BB3A-C8D1-582EEB455B35}"/>
+              </a:ext>
+            </a:extLst>
+          </p:cNvPr>
+          <p:cNvSpPr/>
+          <p:nvPr/>
+        </p:nvSpPr>
+        <p:spPr>
+          <a:xfrm>
+            <a:off x="5743034" y="3047704"/>
+            <a:ext cx="702815" cy="762592"/>
+          </a:xfrm>
+          <a:prstGeom prst="rect">
+            <a:avLst/>
+          </a:prstGeom>
+          <a:noFill/>
+          <a:ln>
+            <a:solidFill>
+              <a:srgbClr val="FF0000"/>
+            </a:solidFill>
+          </a:ln>
+        </p:spPr>
+        <p:style>
+          <a:lnRef idx="2">
+            <a:schemeClr val="accent1">
+              <a:shade val="50000"/>
+            </a:schemeClr>
+          </a:lnRef>
+          <a:fillRef idx="1">
+            <a:schemeClr val="accent1"/>
+          </a:fillRef>
+          <a:effectRef idx="0">
+            <a:schemeClr val="accent1"/>
+          </a:effectRef>
+          <a:fontRef idx="minor">
+            <a:schemeClr val="lt1"/>
+          </a:fontRef>
+        </p:style>
+        <p:txBody>
+          <a:bodyPr rtlCol="0" anchor="ctr"/>
+          <a:lstStyle/>
+          <a:p>
+            <a:pPr algn="ctr"/>
+            <a:endParaRPr lang="en-US"/>
+          </a:p>
+        </p:txBody>
+      </p:sp>
+      <p:sp>
+        <p:nvSpPr>
+          <p:cNvPr id="118" name="TextBox 117">
+            <a:extLst>
+              <a:ext uri="{FF2B5EF4-FFF2-40B4-BE49-F238E27FC236}">
+                <a16:creationId xmlns:a16="http://schemas.microsoft.com/office/drawing/2014/main" id="{2F925E0C-763D-6EC3-F5AA-A02F1DA64CA8}"/>
+              </a:ext>
+            </a:extLst>
+          </p:cNvPr>
+          <p:cNvSpPr txBox="1"/>
+          <p:nvPr/>
+        </p:nvSpPr>
+        <p:spPr>
+          <a:xfrm>
+            <a:off x="5807343" y="3213189"/>
+            <a:ext cx="574196" cy="369332"/>
+          </a:xfrm>
+          <a:prstGeom prst="rect">
+            <a:avLst/>
+          </a:prstGeom>
+          <a:noFill/>
+        </p:spPr>
+        <p:txBody>
+          <a:bodyPr wrap="none" rtlCol="0">
+            <a:spAutoFit/>
+          </a:bodyPr>
+          <a:lstStyle/>
+          <a:p>
+            <a:r>
+              <a:rPr lang="en-US" dirty="0"/>
+              <a:t>Disk</a:t>
+            </a:r>
+          </a:p>
+        </p:txBody>
+      </p:sp>
+      <p:sp>
+        <p:nvSpPr>
+          <p:cNvPr id="120" name="Doughnut 119">
+            <a:extLst>
+              <a:ext uri="{FF2B5EF4-FFF2-40B4-BE49-F238E27FC236}">
+                <a16:creationId xmlns:a16="http://schemas.microsoft.com/office/drawing/2014/main" id="{01CF477B-4CAF-0EBB-D574-29E0549FFED1}"/>
+              </a:ext>
+            </a:extLst>
+          </p:cNvPr>
+          <p:cNvSpPr/>
+          <p:nvPr/>
+        </p:nvSpPr>
+        <p:spPr>
+          <a:xfrm>
+            <a:off x="5309338" y="2642151"/>
+            <a:ext cx="1556204" cy="1557789"/>
+          </a:xfrm>
+          <a:prstGeom prst="donut">
+            <a:avLst>
+              <a:gd name="adj" fmla="val 11491"/>
+            </a:avLst>
+          </a:prstGeom>
+        </p:spPr>
+        <p:style>
+          <a:lnRef idx="2">
+            <a:schemeClr val="accent1">
+              <a:shade val="50000"/>
+            </a:schemeClr>
+          </a:lnRef>
+          <a:fillRef idx="1">
+            <a:schemeClr val="accent1"/>
+          </a:fillRef>
+          <a:effectRef idx="0">
+            <a:schemeClr val="accent1"/>
+          </a:effectRef>
+          <a:fontRef idx="minor">
+            <a:schemeClr val="lt1"/>
+          </a:fontRef>
+        </p:style>
+        <p:txBody>
+          <a:bodyPr rtlCol="0" anchor="ctr"/>
+          <a:lstStyle/>
+          <a:p>
+            <a:pPr algn="ctr"/>
+            <a:endParaRPr lang="en-US">
+              <a:solidFill>
+                <a:schemeClr val="tx1"/>
+              </a:solidFill>
+            </a:endParaRPr>
+          </a:p>
+        </p:txBody>
+      </p:sp>
+      <p:sp>
+        <p:nvSpPr>
+          <p:cNvPr id="121" name="TextBox 120">
+            <a:extLst>
+              <a:ext uri="{FF2B5EF4-FFF2-40B4-BE49-F238E27FC236}">
+                <a16:creationId xmlns:a16="http://schemas.microsoft.com/office/drawing/2014/main" id="{B8C9518A-FD23-7495-0DB0-67E39425A2CA}"/>
+              </a:ext>
+            </a:extLst>
+          </p:cNvPr>
+          <p:cNvSpPr txBox="1"/>
+          <p:nvPr/>
+        </p:nvSpPr>
+        <p:spPr>
+          <a:xfrm>
+            <a:off x="5673650" y="2596726"/>
+            <a:ext cx="854914" cy="276999"/>
+          </a:xfrm>
+          <a:prstGeom prst="rect">
+            <a:avLst/>
+          </a:prstGeom>
+          <a:noFill/>
+        </p:spPr>
+        <p:txBody>
+          <a:bodyPr wrap="none" rtlCol="0">
+            <a:spAutoFit/>
+          </a:bodyPr>
+          <a:lstStyle/>
+          <a:p>
+            <a:r>
+              <a:rPr lang="en-US" sz="1200" b="1" dirty="0"/>
+              <a:t>disk driver</a:t>
+            </a:r>
+          </a:p>
+        </p:txBody>
+      </p:sp>
+      <p:sp>
+        <p:nvSpPr>
+          <p:cNvPr id="123" name="Down Arrow 122">
+            <a:extLst>
+              <a:ext uri="{FF2B5EF4-FFF2-40B4-BE49-F238E27FC236}">
+                <a16:creationId xmlns:a16="http://schemas.microsoft.com/office/drawing/2014/main" id="{0DCF8FC6-D835-C167-FA5C-3E20866FD8FD}"/>
+              </a:ext>
+            </a:extLst>
+          </p:cNvPr>
+          <p:cNvSpPr/>
+          <p:nvPr/>
+        </p:nvSpPr>
+        <p:spPr>
+          <a:xfrm rot="12808621">
+            <a:off x="4930563" y="3531118"/>
+            <a:ext cx="166029" cy="1104432"/>
+          </a:xfrm>
+          <a:prstGeom prst="downArrow">
+            <a:avLst/>
+          </a:prstGeom>
+          <a:solidFill>
+            <a:srgbClr val="0070C0"/>
+          </a:solidFill>
+        </p:spPr>
+        <p:style>
+          <a:lnRef idx="2">
+            <a:schemeClr val="accent1">
+              <a:shade val="50000"/>
+            </a:schemeClr>
+          </a:lnRef>
+          <a:fillRef idx="1">
+            <a:schemeClr val="accent1"/>
+          </a:fillRef>
+          <a:effectRef idx="0">
+            <a:schemeClr val="accent1"/>
+          </a:effectRef>
+          <a:fontRef idx="minor">
+            <a:schemeClr val="lt1"/>
+          </a:fontRef>
+        </p:style>
+        <p:txBody>
+          <a:bodyPr rtlCol="0" anchor="ctr"/>
+          <a:lstStyle/>
+          <a:p>
+            <a:pPr algn="ctr"/>
+            <a:endParaRPr lang="en-US"/>
+          </a:p>
+        </p:txBody>
+      </p:sp>
+      <p:sp>
+        <p:nvSpPr>
+          <p:cNvPr id="124" name="TextBox 123">
+            <a:extLst>
+              <a:ext uri="{FF2B5EF4-FFF2-40B4-BE49-F238E27FC236}">
+                <a16:creationId xmlns:a16="http://schemas.microsoft.com/office/drawing/2014/main" id="{4B598800-ACC8-DC2C-441F-609408B4E036}"/>
+              </a:ext>
+            </a:extLst>
+          </p:cNvPr>
+          <p:cNvSpPr txBox="1"/>
+          <p:nvPr/>
+        </p:nvSpPr>
+        <p:spPr>
+          <a:xfrm>
+            <a:off x="4339183" y="3931806"/>
+            <a:ext cx="1366977" cy="307777"/>
+          </a:xfrm>
+          <a:prstGeom prst="rect">
+            <a:avLst/>
+          </a:prstGeom>
+          <a:noFill/>
+        </p:spPr>
+        <p:txBody>
+          <a:bodyPr wrap="none" rtlCol="0">
+            <a:spAutoFit/>
+          </a:bodyPr>
+          <a:lstStyle/>
+          <a:p>
+            <a:r>
+              <a:rPr lang="en-US" sz="1400" i="1" dirty="0"/>
+              <a:t>virtio_disk_rw( )</a:t>
+            </a:r>
+          </a:p>
+        </p:txBody>
+      </p:sp>
+    </p:spTree>
+    <p:extLst>
+      <p:ext uri="{BB962C8B-B14F-4D97-AF65-F5344CB8AC3E}">
+        <p14:creationId xmlns:p14="http://schemas.microsoft.com/office/powerpoint/2010/main" val="1153895007"/>
+      </p:ext>
+    </p:extLst>
+  </p:cSld>
+  <p:clrMapOvr>
+    <a:masterClrMapping/>
+  </p:clrMapOvr>
+</p:sld>
+</file>
+
+<file path=ppt/slides/slide17.xml><?xml version="1.0" encoding="utf-8"?>
 <p:sld xmlns:a="http://schemas.openxmlformats.org/drawingml/2006/main" xmlns:r="http://schemas.openxmlformats.org/officeDocument/2006/relationships" xmlns:p="http://schemas.openxmlformats.org/presentationml/2006/main">
   <p:cSld>
     <p:spTree>

--- a/docs/figures/os1.pptx
+++ b/docs/figures/os1.pptx
@@ -5,7 +5,7 @@
     <p:sldMasterId id="2147483648" r:id="rId1"/>
   </p:sldMasterIdLst>
   <p:notesMasterIdLst>
-    <p:notesMasterId r:id="rId19"/>
+    <p:notesMasterId r:id="rId22"/>
   </p:notesMasterIdLst>
   <p:sldIdLst>
     <p:sldId id="331" r:id="rId2"/>
@@ -25,6 +25,9 @@
     <p:sldId id="349" r:id="rId16"/>
     <p:sldId id="351" r:id="rId17"/>
     <p:sldId id="350" r:id="rId18"/>
+    <p:sldId id="354" r:id="rId19"/>
+    <p:sldId id="352" r:id="rId20"/>
+    <p:sldId id="353" r:id="rId21"/>
   </p:sldIdLst>
   <p:sldSz cx="12192000" cy="6858000"/>
   <p:notesSz cx="6858000" cy="9144000"/>
@@ -1237,6 +1240,174 @@
 </p:notes>
 </file>
 
+<file path=ppt/notesSlides/notesSlide18.xml><?xml version="1.0" encoding="utf-8"?>
+<p:notes xmlns:a="http://schemas.openxmlformats.org/drawingml/2006/main" xmlns:r="http://schemas.openxmlformats.org/officeDocument/2006/relationships" xmlns:p="http://schemas.openxmlformats.org/presentationml/2006/main">
+  <p:cSld>
+    <p:spTree>
+      <p:nvGrpSpPr>
+        <p:cNvPr id="1" name=""/>
+        <p:cNvGrpSpPr/>
+        <p:nvPr/>
+      </p:nvGrpSpPr>
+      <p:grpSpPr>
+        <a:xfrm>
+          <a:off x="0" y="0"/>
+          <a:ext cx="0" cy="0"/>
+          <a:chOff x="0" y="0"/>
+          <a:chExt cx="0" cy="0"/>
+        </a:xfrm>
+      </p:grpSpPr>
+      <p:sp>
+        <p:nvSpPr>
+          <p:cNvPr id="2" name="Slide Image Placeholder 1"/>
+          <p:cNvSpPr>
+            <a:spLocks noGrp="1" noRot="1" noChangeAspect="1"/>
+          </p:cNvSpPr>
+          <p:nvPr>
+            <p:ph type="sldImg"/>
+          </p:nvPr>
+        </p:nvSpPr>
+        <p:spPr/>
+      </p:sp>
+      <p:sp>
+        <p:nvSpPr>
+          <p:cNvPr id="3" name="Notes Placeholder 2"/>
+          <p:cNvSpPr>
+            <a:spLocks noGrp="1"/>
+          </p:cNvSpPr>
+          <p:nvPr>
+            <p:ph type="body" idx="1"/>
+          </p:nvPr>
+        </p:nvSpPr>
+        <p:spPr/>
+        <p:txBody>
+          <a:bodyPr/>
+          <a:lstStyle/>
+          <a:p>
+            <a:endParaRPr lang="en-US" dirty="0"/>
+          </a:p>
+        </p:txBody>
+      </p:sp>
+      <p:sp>
+        <p:nvSpPr>
+          <p:cNvPr id="4" name="Slide Number Placeholder 3"/>
+          <p:cNvSpPr>
+            <a:spLocks noGrp="1"/>
+          </p:cNvSpPr>
+          <p:nvPr>
+            <p:ph type="sldNum" sz="quarter" idx="5"/>
+          </p:nvPr>
+        </p:nvSpPr>
+        <p:spPr/>
+        <p:txBody>
+          <a:bodyPr/>
+          <a:lstStyle/>
+          <a:p>
+            <a:fld id="{997274CE-51E2-314F-8544-5E91EE33A09F}" type="slidenum">
+              <a:rPr lang="en-US" smtClean="0"/>
+              <a:t>18</a:t>
+            </a:fld>
+            <a:endParaRPr lang="en-US"/>
+          </a:p>
+        </p:txBody>
+      </p:sp>
+    </p:spTree>
+    <p:extLst>
+      <p:ext uri="{BB962C8B-B14F-4D97-AF65-F5344CB8AC3E}">
+        <p14:creationId xmlns:p14="http://schemas.microsoft.com/office/powerpoint/2010/main" val="3081264595"/>
+      </p:ext>
+    </p:extLst>
+  </p:cSld>
+  <p:clrMapOvr>
+    <a:masterClrMapping/>
+  </p:clrMapOvr>
+</p:notes>
+</file>
+
+<file path=ppt/notesSlides/notesSlide19.xml><?xml version="1.0" encoding="utf-8"?>
+<p:notes xmlns:a="http://schemas.openxmlformats.org/drawingml/2006/main" xmlns:r="http://schemas.openxmlformats.org/officeDocument/2006/relationships" xmlns:p="http://schemas.openxmlformats.org/presentationml/2006/main">
+  <p:cSld>
+    <p:spTree>
+      <p:nvGrpSpPr>
+        <p:cNvPr id="1" name=""/>
+        <p:cNvGrpSpPr/>
+        <p:nvPr/>
+      </p:nvGrpSpPr>
+      <p:grpSpPr>
+        <a:xfrm>
+          <a:off x="0" y="0"/>
+          <a:ext cx="0" cy="0"/>
+          <a:chOff x="0" y="0"/>
+          <a:chExt cx="0" cy="0"/>
+        </a:xfrm>
+      </p:grpSpPr>
+      <p:sp>
+        <p:nvSpPr>
+          <p:cNvPr id="2" name="Slide Image Placeholder 1"/>
+          <p:cNvSpPr>
+            <a:spLocks noGrp="1" noRot="1" noChangeAspect="1"/>
+          </p:cNvSpPr>
+          <p:nvPr>
+            <p:ph type="sldImg"/>
+          </p:nvPr>
+        </p:nvSpPr>
+        <p:spPr/>
+      </p:sp>
+      <p:sp>
+        <p:nvSpPr>
+          <p:cNvPr id="3" name="Notes Placeholder 2"/>
+          <p:cNvSpPr>
+            <a:spLocks noGrp="1"/>
+          </p:cNvSpPr>
+          <p:nvPr>
+            <p:ph type="body" idx="1"/>
+          </p:nvPr>
+        </p:nvSpPr>
+        <p:spPr/>
+        <p:txBody>
+          <a:bodyPr/>
+          <a:lstStyle/>
+          <a:p>
+            <a:endParaRPr lang="en-US" dirty="0"/>
+          </a:p>
+        </p:txBody>
+      </p:sp>
+      <p:sp>
+        <p:nvSpPr>
+          <p:cNvPr id="4" name="Slide Number Placeholder 3"/>
+          <p:cNvSpPr>
+            <a:spLocks noGrp="1"/>
+          </p:cNvSpPr>
+          <p:nvPr>
+            <p:ph type="sldNum" sz="quarter" idx="5"/>
+          </p:nvPr>
+        </p:nvSpPr>
+        <p:spPr/>
+        <p:txBody>
+          <a:bodyPr/>
+          <a:lstStyle/>
+          <a:p>
+            <a:fld id="{997274CE-51E2-314F-8544-5E91EE33A09F}" type="slidenum">
+              <a:rPr lang="en-US" smtClean="0"/>
+              <a:t>19</a:t>
+            </a:fld>
+            <a:endParaRPr lang="en-US"/>
+          </a:p>
+        </p:txBody>
+      </p:sp>
+    </p:spTree>
+    <p:extLst>
+      <p:ext uri="{BB962C8B-B14F-4D97-AF65-F5344CB8AC3E}">
+        <p14:creationId xmlns:p14="http://schemas.microsoft.com/office/powerpoint/2010/main" val="2499192101"/>
+      </p:ext>
+    </p:extLst>
+  </p:cSld>
+  <p:clrMapOvr>
+    <a:masterClrMapping/>
+  </p:clrMapOvr>
+</p:notes>
+</file>
+
 <file path=ppt/notesSlides/notesSlide2.xml><?xml version="1.0" encoding="utf-8"?>
 <p:notes xmlns:a="http://schemas.openxmlformats.org/drawingml/2006/main" xmlns:r="http://schemas.openxmlformats.org/officeDocument/2006/relationships" xmlns:p="http://schemas.openxmlformats.org/presentationml/2006/main">
   <p:cSld>
@@ -1312,6 +1483,90 @@
     <p:extLst>
       <p:ext uri="{BB962C8B-B14F-4D97-AF65-F5344CB8AC3E}">
         <p14:creationId xmlns:p14="http://schemas.microsoft.com/office/powerpoint/2010/main" val="1398693450"/>
+      </p:ext>
+    </p:extLst>
+  </p:cSld>
+  <p:clrMapOvr>
+    <a:masterClrMapping/>
+  </p:clrMapOvr>
+</p:notes>
+</file>
+
+<file path=ppt/notesSlides/notesSlide20.xml><?xml version="1.0" encoding="utf-8"?>
+<p:notes xmlns:a="http://schemas.openxmlformats.org/drawingml/2006/main" xmlns:r="http://schemas.openxmlformats.org/officeDocument/2006/relationships" xmlns:p="http://schemas.openxmlformats.org/presentationml/2006/main">
+  <p:cSld>
+    <p:spTree>
+      <p:nvGrpSpPr>
+        <p:cNvPr id="1" name=""/>
+        <p:cNvGrpSpPr/>
+        <p:nvPr/>
+      </p:nvGrpSpPr>
+      <p:grpSpPr>
+        <a:xfrm>
+          <a:off x="0" y="0"/>
+          <a:ext cx="0" cy="0"/>
+          <a:chOff x="0" y="0"/>
+          <a:chExt cx="0" cy="0"/>
+        </a:xfrm>
+      </p:grpSpPr>
+      <p:sp>
+        <p:nvSpPr>
+          <p:cNvPr id="2" name="Slide Image Placeholder 1"/>
+          <p:cNvSpPr>
+            <a:spLocks noGrp="1" noRot="1" noChangeAspect="1"/>
+          </p:cNvSpPr>
+          <p:nvPr>
+            <p:ph type="sldImg"/>
+          </p:nvPr>
+        </p:nvSpPr>
+        <p:spPr/>
+      </p:sp>
+      <p:sp>
+        <p:nvSpPr>
+          <p:cNvPr id="3" name="Notes Placeholder 2"/>
+          <p:cNvSpPr>
+            <a:spLocks noGrp="1"/>
+          </p:cNvSpPr>
+          <p:nvPr>
+            <p:ph type="body" idx="1"/>
+          </p:nvPr>
+        </p:nvSpPr>
+        <p:spPr/>
+        <p:txBody>
+          <a:bodyPr/>
+          <a:lstStyle/>
+          <a:p>
+            <a:endParaRPr lang="en-US" dirty="0"/>
+          </a:p>
+        </p:txBody>
+      </p:sp>
+      <p:sp>
+        <p:nvSpPr>
+          <p:cNvPr id="4" name="Slide Number Placeholder 3"/>
+          <p:cNvSpPr>
+            <a:spLocks noGrp="1"/>
+          </p:cNvSpPr>
+          <p:nvPr>
+            <p:ph type="sldNum" sz="quarter" idx="5"/>
+          </p:nvPr>
+        </p:nvSpPr>
+        <p:spPr/>
+        <p:txBody>
+          <a:bodyPr/>
+          <a:lstStyle/>
+          <a:p>
+            <a:fld id="{997274CE-51E2-314F-8544-5E91EE33A09F}" type="slidenum">
+              <a:rPr lang="en-US" smtClean="0"/>
+              <a:t>20</a:t>
+            </a:fld>
+            <a:endParaRPr lang="en-US"/>
+          </a:p>
+        </p:txBody>
+      </p:sp>
+    </p:spTree>
+    <p:extLst>
+      <p:ext uri="{BB962C8B-B14F-4D97-AF65-F5344CB8AC3E}">
+        <p14:creationId xmlns:p14="http://schemas.microsoft.com/office/powerpoint/2010/main" val="709084783"/>
       </p:ext>
     </p:extLst>
   </p:cSld>
@@ -20512,7 +20767,2553 @@
                   </a:schemeClr>
                 </a:solidFill>
               </a:rPr>
-              <a:t>RISC-V Trap Machinery</a:t>
+              <a:t>Logging Data Flow</a:t>
+            </a:r>
+          </a:p>
+        </p:txBody>
+      </p:sp>
+      <p:sp>
+        <p:nvSpPr>
+          <p:cNvPr id="3" name="Rectangle 2">
+            <a:extLst>
+              <a:ext uri="{FF2B5EF4-FFF2-40B4-BE49-F238E27FC236}">
+                <a16:creationId xmlns:a16="http://schemas.microsoft.com/office/drawing/2014/main" id="{2283F882-560C-CF6D-F386-6AF87044BF0D}"/>
+              </a:ext>
+            </a:extLst>
+          </p:cNvPr>
+          <p:cNvSpPr/>
+          <p:nvPr/>
+        </p:nvSpPr>
+        <p:spPr>
+          <a:xfrm>
+            <a:off x="2883136" y="1429306"/>
+            <a:ext cx="6030046" cy="976544"/>
+          </a:xfrm>
+          <a:prstGeom prst="rect">
+            <a:avLst/>
+          </a:prstGeom>
+          <a:noFill/>
+          <a:ln>
+            <a:solidFill>
+              <a:srgbClr val="FF0000"/>
+            </a:solidFill>
+          </a:ln>
+        </p:spPr>
+        <p:style>
+          <a:lnRef idx="2">
+            <a:schemeClr val="accent1">
+              <a:shade val="50000"/>
+            </a:schemeClr>
+          </a:lnRef>
+          <a:fillRef idx="1">
+            <a:schemeClr val="accent1"/>
+          </a:fillRef>
+          <a:effectRef idx="0">
+            <a:schemeClr val="accent1"/>
+          </a:effectRef>
+          <a:fontRef idx="minor">
+            <a:schemeClr val="lt1"/>
+          </a:fontRef>
+        </p:style>
+        <p:txBody>
+          <a:bodyPr rtlCol="0" anchor="ctr"/>
+          <a:lstStyle/>
+          <a:p>
+            <a:pPr algn="ctr"/>
+            <a:endParaRPr lang="en-US"/>
+          </a:p>
+        </p:txBody>
+      </p:sp>
+      <p:sp>
+        <p:nvSpPr>
+          <p:cNvPr id="4" name="TextBox 3">
+            <a:extLst>
+              <a:ext uri="{FF2B5EF4-FFF2-40B4-BE49-F238E27FC236}">
+                <a16:creationId xmlns:a16="http://schemas.microsoft.com/office/drawing/2014/main" id="{21BE89D8-8B03-9730-DAB0-23D723D7A903}"/>
+              </a:ext>
+            </a:extLst>
+          </p:cNvPr>
+          <p:cNvSpPr txBox="1"/>
+          <p:nvPr/>
+        </p:nvSpPr>
+        <p:spPr>
+          <a:xfrm>
+            <a:off x="6428817" y="1118016"/>
+            <a:ext cx="1354923" cy="369332"/>
+          </a:xfrm>
+          <a:prstGeom prst="rect">
+            <a:avLst/>
+          </a:prstGeom>
+          <a:noFill/>
+        </p:spPr>
+        <p:txBody>
+          <a:bodyPr wrap="none" rtlCol="0">
+            <a:spAutoFit/>
+          </a:bodyPr>
+          <a:lstStyle/>
+          <a:p>
+            <a:r>
+              <a:rPr lang="en-US" dirty="0"/>
+              <a:t>Data Sectors</a:t>
+            </a:r>
+          </a:p>
+        </p:txBody>
+      </p:sp>
+      <p:sp>
+        <p:nvSpPr>
+          <p:cNvPr id="5" name="Rectangle 4">
+            <a:extLst>
+              <a:ext uri="{FF2B5EF4-FFF2-40B4-BE49-F238E27FC236}">
+                <a16:creationId xmlns:a16="http://schemas.microsoft.com/office/drawing/2014/main" id="{35AE0402-847B-4B0D-B448-EBD84FEF777D}"/>
+              </a:ext>
+            </a:extLst>
+          </p:cNvPr>
+          <p:cNvSpPr/>
+          <p:nvPr/>
+        </p:nvSpPr>
+        <p:spPr>
+          <a:xfrm>
+            <a:off x="3495582" y="1469256"/>
+            <a:ext cx="472736" cy="896644"/>
+          </a:xfrm>
+          <a:prstGeom prst="rect">
+            <a:avLst/>
+          </a:prstGeom>
+        </p:spPr>
+        <p:style>
+          <a:lnRef idx="2">
+            <a:schemeClr val="accent1">
+              <a:shade val="50000"/>
+            </a:schemeClr>
+          </a:lnRef>
+          <a:fillRef idx="1">
+            <a:schemeClr val="accent1"/>
+          </a:fillRef>
+          <a:effectRef idx="0">
+            <a:schemeClr val="accent1"/>
+          </a:effectRef>
+          <a:fontRef idx="minor">
+            <a:schemeClr val="lt1"/>
+          </a:fontRef>
+        </p:style>
+        <p:txBody>
+          <a:bodyPr rtlCol="0" anchor="ctr"/>
+          <a:lstStyle/>
+          <a:p>
+            <a:pPr algn="ctr"/>
+            <a:endParaRPr lang="en-US" dirty="0"/>
+          </a:p>
+        </p:txBody>
+      </p:sp>
+      <p:sp>
+        <p:nvSpPr>
+          <p:cNvPr id="6" name="TextBox 5">
+            <a:extLst>
+              <a:ext uri="{FF2B5EF4-FFF2-40B4-BE49-F238E27FC236}">
+                <a16:creationId xmlns:a16="http://schemas.microsoft.com/office/drawing/2014/main" id="{B223C2A1-246C-E245-EA53-EFACD601BEE3}"/>
+              </a:ext>
+            </a:extLst>
+          </p:cNvPr>
+          <p:cNvSpPr txBox="1"/>
+          <p:nvPr/>
+        </p:nvSpPr>
+        <p:spPr>
+          <a:xfrm>
+            <a:off x="3495582" y="1429306"/>
+            <a:ext cx="458780" cy="276999"/>
+          </a:xfrm>
+          <a:prstGeom prst="rect">
+            <a:avLst/>
+          </a:prstGeom>
+          <a:noFill/>
+        </p:spPr>
+        <p:txBody>
+          <a:bodyPr wrap="none" rtlCol="0">
+            <a:spAutoFit/>
+          </a:bodyPr>
+          <a:lstStyle/>
+          <a:p>
+            <a:r>
+              <a:rPr lang="en-US" sz="1200" b="1" dirty="0"/>
+              <a:t>log1</a:t>
+            </a:r>
+          </a:p>
+        </p:txBody>
+      </p:sp>
+      <p:sp>
+        <p:nvSpPr>
+          <p:cNvPr id="7" name="Rectangle 6">
+            <a:extLst>
+              <a:ext uri="{FF2B5EF4-FFF2-40B4-BE49-F238E27FC236}">
+                <a16:creationId xmlns:a16="http://schemas.microsoft.com/office/drawing/2014/main" id="{3660936D-635E-8C34-1EF1-F0C64268F8C5}"/>
+              </a:ext>
+            </a:extLst>
+          </p:cNvPr>
+          <p:cNvSpPr/>
+          <p:nvPr/>
+        </p:nvSpPr>
+        <p:spPr>
+          <a:xfrm>
+            <a:off x="4039339" y="1469256"/>
+            <a:ext cx="472736" cy="896644"/>
+          </a:xfrm>
+          <a:prstGeom prst="rect">
+            <a:avLst/>
+          </a:prstGeom>
+        </p:spPr>
+        <p:style>
+          <a:lnRef idx="2">
+            <a:schemeClr val="accent1">
+              <a:shade val="50000"/>
+            </a:schemeClr>
+          </a:lnRef>
+          <a:fillRef idx="1">
+            <a:schemeClr val="accent1"/>
+          </a:fillRef>
+          <a:effectRef idx="0">
+            <a:schemeClr val="accent1"/>
+          </a:effectRef>
+          <a:fontRef idx="minor">
+            <a:schemeClr val="lt1"/>
+          </a:fontRef>
+        </p:style>
+        <p:txBody>
+          <a:bodyPr rtlCol="0" anchor="ctr"/>
+          <a:lstStyle/>
+          <a:p>
+            <a:pPr algn="ctr"/>
+            <a:endParaRPr lang="en-US" dirty="0"/>
+          </a:p>
+        </p:txBody>
+      </p:sp>
+      <p:sp>
+        <p:nvSpPr>
+          <p:cNvPr id="8" name="TextBox 7">
+            <a:extLst>
+              <a:ext uri="{FF2B5EF4-FFF2-40B4-BE49-F238E27FC236}">
+                <a16:creationId xmlns:a16="http://schemas.microsoft.com/office/drawing/2014/main" id="{678D8DF9-C611-CFCB-77B3-4BB53753B538}"/>
+              </a:ext>
+            </a:extLst>
+          </p:cNvPr>
+          <p:cNvSpPr txBox="1"/>
+          <p:nvPr/>
+        </p:nvSpPr>
+        <p:spPr>
+          <a:xfrm>
+            <a:off x="4046317" y="1434641"/>
+            <a:ext cx="458780" cy="276999"/>
+          </a:xfrm>
+          <a:prstGeom prst="rect">
+            <a:avLst/>
+          </a:prstGeom>
+          <a:noFill/>
+        </p:spPr>
+        <p:txBody>
+          <a:bodyPr wrap="none" rtlCol="0">
+            <a:spAutoFit/>
+          </a:bodyPr>
+          <a:lstStyle/>
+          <a:p>
+            <a:r>
+              <a:rPr lang="en-US" sz="1200" b="1" dirty="0"/>
+              <a:t>log2</a:t>
+            </a:r>
+          </a:p>
+        </p:txBody>
+      </p:sp>
+      <p:sp>
+        <p:nvSpPr>
+          <p:cNvPr id="9" name="Rectangle 8">
+            <a:extLst>
+              <a:ext uri="{FF2B5EF4-FFF2-40B4-BE49-F238E27FC236}">
+                <a16:creationId xmlns:a16="http://schemas.microsoft.com/office/drawing/2014/main" id="{A4034590-C5A6-4E97-CCBA-976432FF6CF7}"/>
+              </a:ext>
+            </a:extLst>
+          </p:cNvPr>
+          <p:cNvSpPr/>
+          <p:nvPr/>
+        </p:nvSpPr>
+        <p:spPr>
+          <a:xfrm>
+            <a:off x="4777360" y="1469256"/>
+            <a:ext cx="472736" cy="896644"/>
+          </a:xfrm>
+          <a:prstGeom prst="rect">
+            <a:avLst/>
+          </a:prstGeom>
+        </p:spPr>
+        <p:style>
+          <a:lnRef idx="2">
+            <a:schemeClr val="accent1">
+              <a:shade val="50000"/>
+            </a:schemeClr>
+          </a:lnRef>
+          <a:fillRef idx="1">
+            <a:schemeClr val="accent1"/>
+          </a:fillRef>
+          <a:effectRef idx="0">
+            <a:schemeClr val="accent1"/>
+          </a:effectRef>
+          <a:fontRef idx="minor">
+            <a:schemeClr val="lt1"/>
+          </a:fontRef>
+        </p:style>
+        <p:txBody>
+          <a:bodyPr rtlCol="0" anchor="ctr"/>
+          <a:lstStyle/>
+          <a:p>
+            <a:pPr algn="ctr"/>
+            <a:endParaRPr lang="en-US" dirty="0"/>
+          </a:p>
+        </p:txBody>
+      </p:sp>
+      <p:sp>
+        <p:nvSpPr>
+          <p:cNvPr id="10" name="TextBox 9">
+            <a:extLst>
+              <a:ext uri="{FF2B5EF4-FFF2-40B4-BE49-F238E27FC236}">
+                <a16:creationId xmlns:a16="http://schemas.microsoft.com/office/drawing/2014/main" id="{8724D329-7A83-BAAA-9D92-895F23A234AC}"/>
+              </a:ext>
+            </a:extLst>
+          </p:cNvPr>
+          <p:cNvSpPr txBox="1"/>
+          <p:nvPr/>
+        </p:nvSpPr>
+        <p:spPr>
+          <a:xfrm>
+            <a:off x="4774720" y="1439502"/>
+            <a:ext cx="463588" cy="276999"/>
+          </a:xfrm>
+          <a:prstGeom prst="rect">
+            <a:avLst/>
+          </a:prstGeom>
+          <a:noFill/>
+        </p:spPr>
+        <p:txBody>
+          <a:bodyPr wrap="none" rtlCol="0">
+            <a:spAutoFit/>
+          </a:bodyPr>
+          <a:lstStyle/>
+          <a:p>
+            <a:r>
+              <a:rPr lang="en-US" sz="1200" b="1" dirty="0"/>
+              <a:t>logn</a:t>
+            </a:r>
+          </a:p>
+        </p:txBody>
+      </p:sp>
+      <p:sp>
+        <p:nvSpPr>
+          <p:cNvPr id="11" name="TextBox 10">
+            <a:extLst>
+              <a:ext uri="{FF2B5EF4-FFF2-40B4-BE49-F238E27FC236}">
+                <a16:creationId xmlns:a16="http://schemas.microsoft.com/office/drawing/2014/main" id="{129002D7-51FD-D1D1-E072-02B3213EAB4A}"/>
+              </a:ext>
+            </a:extLst>
+          </p:cNvPr>
+          <p:cNvSpPr txBox="1"/>
+          <p:nvPr/>
+        </p:nvSpPr>
+        <p:spPr>
+          <a:xfrm>
+            <a:off x="4480768" y="1686746"/>
+            <a:ext cx="357790" cy="369332"/>
+          </a:xfrm>
+          <a:prstGeom prst="rect">
+            <a:avLst/>
+          </a:prstGeom>
+          <a:noFill/>
+        </p:spPr>
+        <p:txBody>
+          <a:bodyPr wrap="none" rtlCol="0">
+            <a:spAutoFit/>
+          </a:bodyPr>
+          <a:lstStyle/>
+          <a:p>
+            <a:r>
+              <a:rPr lang="en-US" dirty="0"/>
+              <a:t>...</a:t>
+            </a:r>
+          </a:p>
+        </p:txBody>
+      </p:sp>
+      <p:sp>
+        <p:nvSpPr>
+          <p:cNvPr id="13" name="Right Brace 12">
+            <a:extLst>
+              <a:ext uri="{FF2B5EF4-FFF2-40B4-BE49-F238E27FC236}">
+                <a16:creationId xmlns:a16="http://schemas.microsoft.com/office/drawing/2014/main" id="{61D91ED9-B82F-4803-B40C-92CA930D1B52}"/>
+              </a:ext>
+            </a:extLst>
+          </p:cNvPr>
+          <p:cNvSpPr/>
+          <p:nvPr/>
+        </p:nvSpPr>
+        <p:spPr>
+          <a:xfrm rot="16200000">
+            <a:off x="3887158" y="332312"/>
+            <a:ext cx="364869" cy="1803805"/>
+          </a:xfrm>
+          <a:prstGeom prst="rightBrace">
+            <a:avLst>
+              <a:gd name="adj1" fmla="val 76343"/>
+              <a:gd name="adj2" fmla="val 50000"/>
+            </a:avLst>
+          </a:prstGeom>
+        </p:spPr>
+        <p:style>
+          <a:lnRef idx="3">
+            <a:schemeClr val="accent1"/>
+          </a:lnRef>
+          <a:fillRef idx="0">
+            <a:schemeClr val="accent1"/>
+          </a:fillRef>
+          <a:effectRef idx="2">
+            <a:schemeClr val="accent1"/>
+          </a:effectRef>
+          <a:fontRef idx="minor">
+            <a:schemeClr val="tx1"/>
+          </a:fontRef>
+        </p:style>
+        <p:txBody>
+          <a:bodyPr rtlCol="0" anchor="ctr"/>
+          <a:lstStyle/>
+          <a:p>
+            <a:pPr algn="ctr"/>
+            <a:endParaRPr lang="en-US"/>
+          </a:p>
+        </p:txBody>
+      </p:sp>
+      <p:sp>
+        <p:nvSpPr>
+          <p:cNvPr id="14" name="TextBox 13">
+            <a:extLst>
+              <a:ext uri="{FF2B5EF4-FFF2-40B4-BE49-F238E27FC236}">
+                <a16:creationId xmlns:a16="http://schemas.microsoft.com/office/drawing/2014/main" id="{CECFE09B-5FC3-9437-415F-5CB17D35C59E}"/>
+              </a:ext>
+            </a:extLst>
+          </p:cNvPr>
+          <p:cNvSpPr txBox="1"/>
+          <p:nvPr/>
+        </p:nvSpPr>
+        <p:spPr>
+          <a:xfrm>
+            <a:off x="3835393" y="730367"/>
+            <a:ext cx="468398" cy="369332"/>
+          </a:xfrm>
+          <a:prstGeom prst="rect">
+            <a:avLst/>
+          </a:prstGeom>
+          <a:noFill/>
+        </p:spPr>
+        <p:txBody>
+          <a:bodyPr wrap="none" rtlCol="0">
+            <a:spAutoFit/>
+          </a:bodyPr>
+          <a:lstStyle/>
+          <a:p>
+            <a:r>
+              <a:rPr lang="en-US" dirty="0"/>
+              <a:t>log</a:t>
+            </a:r>
+          </a:p>
+        </p:txBody>
+      </p:sp>
+      <p:sp>
+        <p:nvSpPr>
+          <p:cNvPr id="15" name="Rectangle 14">
+            <a:extLst>
+              <a:ext uri="{FF2B5EF4-FFF2-40B4-BE49-F238E27FC236}">
+                <a16:creationId xmlns:a16="http://schemas.microsoft.com/office/drawing/2014/main" id="{EDDA81B1-E520-6049-9816-BC8F3E124D61}"/>
+              </a:ext>
+            </a:extLst>
+          </p:cNvPr>
+          <p:cNvSpPr/>
+          <p:nvPr/>
+        </p:nvSpPr>
+        <p:spPr>
+          <a:xfrm>
+            <a:off x="5378009" y="1469256"/>
+            <a:ext cx="472736" cy="896644"/>
+          </a:xfrm>
+          <a:prstGeom prst="rect">
+            <a:avLst/>
+          </a:prstGeom>
+          <a:solidFill>
+            <a:schemeClr val="accent2"/>
+          </a:solidFill>
+          <a:ln>
+            <a:noFill/>
+          </a:ln>
+        </p:spPr>
+        <p:style>
+          <a:lnRef idx="2">
+            <a:schemeClr val="accent1">
+              <a:shade val="50000"/>
+            </a:schemeClr>
+          </a:lnRef>
+          <a:fillRef idx="1">
+            <a:schemeClr val="accent1"/>
+          </a:fillRef>
+          <a:effectRef idx="0">
+            <a:schemeClr val="accent1"/>
+          </a:effectRef>
+          <a:fontRef idx="minor">
+            <a:schemeClr val="lt1"/>
+          </a:fontRef>
+        </p:style>
+        <p:txBody>
+          <a:bodyPr rtlCol="0" anchor="ctr"/>
+          <a:lstStyle/>
+          <a:p>
+            <a:pPr algn="ctr"/>
+            <a:endParaRPr lang="en-US" dirty="0"/>
+          </a:p>
+        </p:txBody>
+      </p:sp>
+      <p:sp>
+        <p:nvSpPr>
+          <p:cNvPr id="16" name="Rectangle 15">
+            <a:extLst>
+              <a:ext uri="{FF2B5EF4-FFF2-40B4-BE49-F238E27FC236}">
+                <a16:creationId xmlns:a16="http://schemas.microsoft.com/office/drawing/2014/main" id="{1525B466-AECD-2E3C-C6A2-56241F1EC63D}"/>
+              </a:ext>
+            </a:extLst>
+          </p:cNvPr>
+          <p:cNvSpPr/>
+          <p:nvPr/>
+        </p:nvSpPr>
+        <p:spPr>
+          <a:xfrm>
+            <a:off x="5922766" y="1469256"/>
+            <a:ext cx="472736" cy="896644"/>
+          </a:xfrm>
+          <a:prstGeom prst="rect">
+            <a:avLst/>
+          </a:prstGeom>
+          <a:solidFill>
+            <a:schemeClr val="accent2"/>
+          </a:solidFill>
+          <a:ln>
+            <a:noFill/>
+          </a:ln>
+        </p:spPr>
+        <p:style>
+          <a:lnRef idx="2">
+            <a:schemeClr val="accent1">
+              <a:shade val="50000"/>
+            </a:schemeClr>
+          </a:lnRef>
+          <a:fillRef idx="1">
+            <a:schemeClr val="accent1"/>
+          </a:fillRef>
+          <a:effectRef idx="0">
+            <a:schemeClr val="accent1"/>
+          </a:effectRef>
+          <a:fontRef idx="minor">
+            <a:schemeClr val="lt1"/>
+          </a:fontRef>
+        </p:style>
+        <p:txBody>
+          <a:bodyPr rtlCol="0" anchor="ctr"/>
+          <a:lstStyle/>
+          <a:p>
+            <a:pPr algn="ctr"/>
+            <a:endParaRPr lang="en-US" dirty="0"/>
+          </a:p>
+        </p:txBody>
+      </p:sp>
+      <p:sp>
+        <p:nvSpPr>
+          <p:cNvPr id="18" name="TextBox 17">
+            <a:extLst>
+              <a:ext uri="{FF2B5EF4-FFF2-40B4-BE49-F238E27FC236}">
+                <a16:creationId xmlns:a16="http://schemas.microsoft.com/office/drawing/2014/main" id="{492F16C7-4B16-93E0-179C-8D47AA98E440}"/>
+              </a:ext>
+            </a:extLst>
+          </p:cNvPr>
+          <p:cNvSpPr txBox="1"/>
+          <p:nvPr/>
+        </p:nvSpPr>
+        <p:spPr>
+          <a:xfrm>
+            <a:off x="6438112" y="1686746"/>
+            <a:ext cx="357790" cy="369332"/>
+          </a:xfrm>
+          <a:prstGeom prst="rect">
+            <a:avLst/>
+          </a:prstGeom>
+          <a:noFill/>
+        </p:spPr>
+        <p:txBody>
+          <a:bodyPr wrap="none" rtlCol="0">
+            <a:spAutoFit/>
+          </a:bodyPr>
+          <a:lstStyle/>
+          <a:p>
+            <a:r>
+              <a:rPr lang="en-US" dirty="0"/>
+              <a:t>...</a:t>
+            </a:r>
+          </a:p>
+        </p:txBody>
+      </p:sp>
+      <p:sp>
+        <p:nvSpPr>
+          <p:cNvPr id="19" name="Rectangle 18">
+            <a:extLst>
+              <a:ext uri="{FF2B5EF4-FFF2-40B4-BE49-F238E27FC236}">
+                <a16:creationId xmlns:a16="http://schemas.microsoft.com/office/drawing/2014/main" id="{4E4882F5-5BE7-2A8E-40EA-C55F495ED0D4}"/>
+              </a:ext>
+            </a:extLst>
+          </p:cNvPr>
+          <p:cNvSpPr/>
+          <p:nvPr/>
+        </p:nvSpPr>
+        <p:spPr>
+          <a:xfrm>
+            <a:off x="6469170" y="1471477"/>
+            <a:ext cx="472736" cy="896644"/>
+          </a:xfrm>
+          <a:prstGeom prst="rect">
+            <a:avLst/>
+          </a:prstGeom>
+          <a:solidFill>
+            <a:schemeClr val="accent2"/>
+          </a:solidFill>
+          <a:ln>
+            <a:noFill/>
+          </a:ln>
+        </p:spPr>
+        <p:style>
+          <a:lnRef idx="2">
+            <a:schemeClr val="accent1">
+              <a:shade val="50000"/>
+            </a:schemeClr>
+          </a:lnRef>
+          <a:fillRef idx="1">
+            <a:schemeClr val="accent1"/>
+          </a:fillRef>
+          <a:effectRef idx="0">
+            <a:schemeClr val="accent1"/>
+          </a:effectRef>
+          <a:fontRef idx="minor">
+            <a:schemeClr val="lt1"/>
+          </a:fontRef>
+        </p:style>
+        <p:txBody>
+          <a:bodyPr rtlCol="0" anchor="ctr"/>
+          <a:lstStyle/>
+          <a:p>
+            <a:pPr algn="ctr"/>
+            <a:endParaRPr lang="en-US" dirty="0"/>
+          </a:p>
+        </p:txBody>
+      </p:sp>
+      <p:sp>
+        <p:nvSpPr>
+          <p:cNvPr id="20" name="Rectangle 19">
+            <a:extLst>
+              <a:ext uri="{FF2B5EF4-FFF2-40B4-BE49-F238E27FC236}">
+                <a16:creationId xmlns:a16="http://schemas.microsoft.com/office/drawing/2014/main" id="{1305FB23-ACF5-45D8-B3C1-D410501DC1F5}"/>
+              </a:ext>
+            </a:extLst>
+          </p:cNvPr>
+          <p:cNvSpPr/>
+          <p:nvPr/>
+        </p:nvSpPr>
+        <p:spPr>
+          <a:xfrm>
+            <a:off x="7016414" y="1469256"/>
+            <a:ext cx="472736" cy="896644"/>
+          </a:xfrm>
+          <a:prstGeom prst="rect">
+            <a:avLst/>
+          </a:prstGeom>
+          <a:solidFill>
+            <a:schemeClr val="accent2"/>
+          </a:solidFill>
+          <a:ln>
+            <a:noFill/>
+          </a:ln>
+        </p:spPr>
+        <p:style>
+          <a:lnRef idx="2">
+            <a:schemeClr val="accent1">
+              <a:shade val="50000"/>
+            </a:schemeClr>
+          </a:lnRef>
+          <a:fillRef idx="1">
+            <a:schemeClr val="accent1"/>
+          </a:fillRef>
+          <a:effectRef idx="0">
+            <a:schemeClr val="accent1"/>
+          </a:effectRef>
+          <a:fontRef idx="minor">
+            <a:schemeClr val="lt1"/>
+          </a:fontRef>
+        </p:style>
+        <p:txBody>
+          <a:bodyPr rtlCol="0" anchor="ctr"/>
+          <a:lstStyle/>
+          <a:p>
+            <a:pPr algn="ctr"/>
+            <a:endParaRPr lang="en-US" dirty="0"/>
+          </a:p>
+        </p:txBody>
+      </p:sp>
+      <p:sp>
+        <p:nvSpPr>
+          <p:cNvPr id="21" name="Rectangle 20">
+            <a:extLst>
+              <a:ext uri="{FF2B5EF4-FFF2-40B4-BE49-F238E27FC236}">
+                <a16:creationId xmlns:a16="http://schemas.microsoft.com/office/drawing/2014/main" id="{F7EEAD1B-3B59-1339-8E4D-E52DA1CA378C}"/>
+              </a:ext>
+            </a:extLst>
+          </p:cNvPr>
+          <p:cNvSpPr/>
+          <p:nvPr/>
+        </p:nvSpPr>
+        <p:spPr>
+          <a:xfrm>
+            <a:off x="8369492" y="1469256"/>
+            <a:ext cx="472736" cy="896644"/>
+          </a:xfrm>
+          <a:prstGeom prst="rect">
+            <a:avLst/>
+          </a:prstGeom>
+          <a:solidFill>
+            <a:schemeClr val="accent2"/>
+          </a:solidFill>
+          <a:ln>
+            <a:noFill/>
+          </a:ln>
+        </p:spPr>
+        <p:style>
+          <a:lnRef idx="2">
+            <a:schemeClr val="accent1">
+              <a:shade val="50000"/>
+            </a:schemeClr>
+          </a:lnRef>
+          <a:fillRef idx="1">
+            <a:schemeClr val="accent1"/>
+          </a:fillRef>
+          <a:effectRef idx="0">
+            <a:schemeClr val="accent1"/>
+          </a:effectRef>
+          <a:fontRef idx="minor">
+            <a:schemeClr val="lt1"/>
+          </a:fontRef>
+        </p:style>
+        <p:txBody>
+          <a:bodyPr rtlCol="0" anchor="ctr"/>
+          <a:lstStyle/>
+          <a:p>
+            <a:pPr algn="ctr"/>
+            <a:endParaRPr lang="en-US" dirty="0"/>
+          </a:p>
+        </p:txBody>
+      </p:sp>
+      <p:sp>
+        <p:nvSpPr>
+          <p:cNvPr id="22" name="Rectangle 21">
+            <a:extLst>
+              <a:ext uri="{FF2B5EF4-FFF2-40B4-BE49-F238E27FC236}">
+                <a16:creationId xmlns:a16="http://schemas.microsoft.com/office/drawing/2014/main" id="{F20FE40C-1660-D6B3-D9B1-C9DB77BAD6F4}"/>
+              </a:ext>
+            </a:extLst>
+          </p:cNvPr>
+          <p:cNvSpPr/>
+          <p:nvPr/>
+        </p:nvSpPr>
+        <p:spPr>
+          <a:xfrm>
+            <a:off x="7820407" y="1469256"/>
+            <a:ext cx="472736" cy="896644"/>
+          </a:xfrm>
+          <a:prstGeom prst="rect">
+            <a:avLst/>
+          </a:prstGeom>
+          <a:solidFill>
+            <a:schemeClr val="accent2"/>
+          </a:solidFill>
+          <a:ln>
+            <a:noFill/>
+          </a:ln>
+        </p:spPr>
+        <p:style>
+          <a:lnRef idx="2">
+            <a:schemeClr val="accent1">
+              <a:shade val="50000"/>
+            </a:schemeClr>
+          </a:lnRef>
+          <a:fillRef idx="1">
+            <a:schemeClr val="accent1"/>
+          </a:fillRef>
+          <a:effectRef idx="0">
+            <a:schemeClr val="accent1"/>
+          </a:effectRef>
+          <a:fontRef idx="minor">
+            <a:schemeClr val="lt1"/>
+          </a:fontRef>
+        </p:style>
+        <p:txBody>
+          <a:bodyPr rtlCol="0" anchor="ctr"/>
+          <a:lstStyle/>
+          <a:p>
+            <a:pPr algn="ctr"/>
+            <a:endParaRPr lang="en-US" dirty="0"/>
+          </a:p>
+        </p:txBody>
+      </p:sp>
+      <p:sp>
+        <p:nvSpPr>
+          <p:cNvPr id="24" name="TextBox 23">
+            <a:extLst>
+              <a:ext uri="{FF2B5EF4-FFF2-40B4-BE49-F238E27FC236}">
+                <a16:creationId xmlns:a16="http://schemas.microsoft.com/office/drawing/2014/main" id="{4ED799B6-0DE8-95EE-4784-C9CEB6973828}"/>
+              </a:ext>
+            </a:extLst>
+          </p:cNvPr>
+          <p:cNvSpPr txBox="1"/>
+          <p:nvPr/>
+        </p:nvSpPr>
+        <p:spPr>
+          <a:xfrm>
+            <a:off x="7475884" y="1686746"/>
+            <a:ext cx="357790" cy="369332"/>
+          </a:xfrm>
+          <a:prstGeom prst="rect">
+            <a:avLst/>
+          </a:prstGeom>
+          <a:noFill/>
+        </p:spPr>
+        <p:txBody>
+          <a:bodyPr wrap="none" rtlCol="0">
+            <a:spAutoFit/>
+          </a:bodyPr>
+          <a:lstStyle/>
+          <a:p>
+            <a:r>
+              <a:rPr lang="en-US" dirty="0"/>
+              <a:t>...</a:t>
+            </a:r>
+          </a:p>
+        </p:txBody>
+      </p:sp>
+      <p:sp>
+        <p:nvSpPr>
+          <p:cNvPr id="27" name="Rectangle 26">
+            <a:extLst>
+              <a:ext uri="{FF2B5EF4-FFF2-40B4-BE49-F238E27FC236}">
+                <a16:creationId xmlns:a16="http://schemas.microsoft.com/office/drawing/2014/main" id="{C16654F3-DDA5-718C-9D5B-E839FCDCDF78}"/>
+              </a:ext>
+            </a:extLst>
+          </p:cNvPr>
+          <p:cNvSpPr/>
+          <p:nvPr/>
+        </p:nvSpPr>
+        <p:spPr>
+          <a:xfrm>
+            <a:off x="2952991" y="1469256"/>
+            <a:ext cx="472736" cy="896644"/>
+          </a:xfrm>
+          <a:prstGeom prst="rect">
+            <a:avLst/>
+          </a:prstGeom>
+        </p:spPr>
+        <p:style>
+          <a:lnRef idx="2">
+            <a:schemeClr val="accent1">
+              <a:shade val="50000"/>
+            </a:schemeClr>
+          </a:lnRef>
+          <a:fillRef idx="1">
+            <a:schemeClr val="accent1"/>
+          </a:fillRef>
+          <a:effectRef idx="0">
+            <a:schemeClr val="accent1"/>
+          </a:effectRef>
+          <a:fontRef idx="minor">
+            <a:schemeClr val="lt1"/>
+          </a:fontRef>
+        </p:style>
+        <p:txBody>
+          <a:bodyPr rtlCol="0" anchor="ctr"/>
+          <a:lstStyle/>
+          <a:p>
+            <a:pPr algn="ctr"/>
+            <a:endParaRPr lang="en-US" dirty="0"/>
+          </a:p>
+        </p:txBody>
+      </p:sp>
+      <p:sp>
+        <p:nvSpPr>
+          <p:cNvPr id="29" name="TextBox 28">
+            <a:extLst>
+              <a:ext uri="{FF2B5EF4-FFF2-40B4-BE49-F238E27FC236}">
+                <a16:creationId xmlns:a16="http://schemas.microsoft.com/office/drawing/2014/main" id="{5CD92863-5BAA-60C0-8BC8-3E44AC7B50C1}"/>
+              </a:ext>
+            </a:extLst>
+          </p:cNvPr>
+          <p:cNvSpPr txBox="1"/>
+          <p:nvPr/>
+        </p:nvSpPr>
+        <p:spPr>
+          <a:xfrm>
+            <a:off x="3032727" y="1421748"/>
+            <a:ext cx="306494" cy="276999"/>
+          </a:xfrm>
+          <a:prstGeom prst="rect">
+            <a:avLst/>
+          </a:prstGeom>
+          <a:noFill/>
+        </p:spPr>
+        <p:txBody>
+          <a:bodyPr wrap="none" rtlCol="0">
+            <a:spAutoFit/>
+          </a:bodyPr>
+          <a:lstStyle/>
+          <a:p>
+            <a:r>
+              <a:rPr lang="en-US" sz="1200" b="1" dirty="0"/>
+              <a:t>lh</a:t>
+            </a:r>
+          </a:p>
+        </p:txBody>
+      </p:sp>
+      <p:sp>
+        <p:nvSpPr>
+          <p:cNvPr id="30" name="Rectangle 29">
+            <a:extLst>
+              <a:ext uri="{FF2B5EF4-FFF2-40B4-BE49-F238E27FC236}">
+                <a16:creationId xmlns:a16="http://schemas.microsoft.com/office/drawing/2014/main" id="{9E011C5A-7B57-1F3A-6642-7F12EEAF4800}"/>
+              </a:ext>
+            </a:extLst>
+          </p:cNvPr>
+          <p:cNvSpPr/>
+          <p:nvPr/>
+        </p:nvSpPr>
+        <p:spPr>
+          <a:xfrm>
+            <a:off x="1133064" y="2858609"/>
+            <a:ext cx="1552381" cy="2734323"/>
+          </a:xfrm>
+          <a:prstGeom prst="rect">
+            <a:avLst/>
+          </a:prstGeom>
+        </p:spPr>
+        <p:style>
+          <a:lnRef idx="2">
+            <a:schemeClr val="accent1">
+              <a:shade val="50000"/>
+            </a:schemeClr>
+          </a:lnRef>
+          <a:fillRef idx="1">
+            <a:schemeClr val="accent1"/>
+          </a:fillRef>
+          <a:effectRef idx="0">
+            <a:schemeClr val="accent1"/>
+          </a:effectRef>
+          <a:fontRef idx="minor">
+            <a:schemeClr val="lt1"/>
+          </a:fontRef>
+        </p:style>
+        <p:txBody>
+          <a:bodyPr rtlCol="0" anchor="ctr"/>
+          <a:lstStyle/>
+          <a:p>
+            <a:pPr algn="ctr"/>
+            <a:endParaRPr lang="en-US"/>
+          </a:p>
+        </p:txBody>
+      </p:sp>
+      <p:sp>
+        <p:nvSpPr>
+          <p:cNvPr id="32" name="TextBox 31">
+            <a:extLst>
+              <a:ext uri="{FF2B5EF4-FFF2-40B4-BE49-F238E27FC236}">
+                <a16:creationId xmlns:a16="http://schemas.microsoft.com/office/drawing/2014/main" id="{37ABAB9C-575C-E152-CC65-60D6BB0BDD52}"/>
+              </a:ext>
+            </a:extLst>
+          </p:cNvPr>
+          <p:cNvSpPr txBox="1"/>
+          <p:nvPr/>
+        </p:nvSpPr>
+        <p:spPr>
+          <a:xfrm>
+            <a:off x="1378074" y="5502485"/>
+            <a:ext cx="988925" cy="369332"/>
+          </a:xfrm>
+          <a:prstGeom prst="rect">
+            <a:avLst/>
+          </a:prstGeom>
+          <a:noFill/>
+        </p:spPr>
+        <p:txBody>
+          <a:bodyPr wrap="none" rtlCol="0">
+            <a:spAutoFit/>
+          </a:bodyPr>
+          <a:lstStyle/>
+          <a:p>
+            <a:r>
+              <a:rPr lang="en-US" dirty="0"/>
+              <a:t>Memory</a:t>
+            </a:r>
+          </a:p>
+        </p:txBody>
+      </p:sp>
+      <p:sp>
+        <p:nvSpPr>
+          <p:cNvPr id="35" name="Rectangle 34">
+            <a:extLst>
+              <a:ext uri="{FF2B5EF4-FFF2-40B4-BE49-F238E27FC236}">
+                <a16:creationId xmlns:a16="http://schemas.microsoft.com/office/drawing/2014/main" id="{8DEE0ECC-A60C-5C67-D510-9CBF543E538C}"/>
+              </a:ext>
+            </a:extLst>
+          </p:cNvPr>
+          <p:cNvSpPr/>
+          <p:nvPr/>
+        </p:nvSpPr>
+        <p:spPr>
+          <a:xfrm>
+            <a:off x="1214904" y="4639654"/>
+            <a:ext cx="472736" cy="896644"/>
+          </a:xfrm>
+          <a:prstGeom prst="rect">
+            <a:avLst/>
+          </a:prstGeom>
+          <a:solidFill>
+            <a:srgbClr val="FFFF00"/>
+          </a:solidFill>
+        </p:spPr>
+        <p:style>
+          <a:lnRef idx="2">
+            <a:schemeClr val="accent1">
+              <a:shade val="50000"/>
+            </a:schemeClr>
+          </a:lnRef>
+          <a:fillRef idx="1">
+            <a:schemeClr val="accent1"/>
+          </a:fillRef>
+          <a:effectRef idx="0">
+            <a:schemeClr val="accent1"/>
+          </a:effectRef>
+          <a:fontRef idx="minor">
+            <a:schemeClr val="lt1"/>
+          </a:fontRef>
+        </p:style>
+        <p:txBody>
+          <a:bodyPr rtlCol="0" anchor="ctr"/>
+          <a:lstStyle/>
+          <a:p>
+            <a:pPr algn="ctr"/>
+            <a:endParaRPr lang="en-US" dirty="0"/>
+          </a:p>
+        </p:txBody>
+      </p:sp>
+      <p:sp>
+        <p:nvSpPr>
+          <p:cNvPr id="37" name="Rectangle 36">
+            <a:extLst>
+              <a:ext uri="{FF2B5EF4-FFF2-40B4-BE49-F238E27FC236}">
+                <a16:creationId xmlns:a16="http://schemas.microsoft.com/office/drawing/2014/main" id="{E4BFE6F3-F3F7-FFDB-B82E-F10D91CCF091}"/>
+              </a:ext>
+            </a:extLst>
+          </p:cNvPr>
+          <p:cNvSpPr/>
+          <p:nvPr/>
+        </p:nvSpPr>
+        <p:spPr>
+          <a:xfrm>
+            <a:off x="5219466" y="1129679"/>
+            <a:ext cx="920315" cy="301831"/>
+          </a:xfrm>
+          <a:prstGeom prst="rect">
+            <a:avLst/>
+          </a:prstGeom>
+          <a:solidFill>
+            <a:srgbClr val="FF0000"/>
+          </a:solidFill>
+          <a:ln>
+            <a:solidFill>
+              <a:srgbClr val="FF0000"/>
+            </a:solidFill>
+          </a:ln>
+        </p:spPr>
+        <p:style>
+          <a:lnRef idx="2">
+            <a:schemeClr val="accent1">
+              <a:shade val="50000"/>
+            </a:schemeClr>
+          </a:lnRef>
+          <a:fillRef idx="1">
+            <a:schemeClr val="accent1"/>
+          </a:fillRef>
+          <a:effectRef idx="0">
+            <a:schemeClr val="accent1"/>
+          </a:effectRef>
+          <a:fontRef idx="minor">
+            <a:schemeClr val="lt1"/>
+          </a:fontRef>
+        </p:style>
+        <p:txBody>
+          <a:bodyPr rtlCol="0" anchor="ctr"/>
+          <a:lstStyle/>
+          <a:p>
+            <a:pPr algn="ctr"/>
+            <a:r>
+              <a:rPr lang="en-US" b="1" dirty="0">
+                <a:solidFill>
+                  <a:schemeClr val="bg1"/>
+                </a:solidFill>
+              </a:rPr>
+              <a:t>Disk</a:t>
+            </a:r>
+          </a:p>
+        </p:txBody>
+      </p:sp>
+      <p:sp>
+        <p:nvSpPr>
+          <p:cNvPr id="39" name="TextBox 38">
+            <a:extLst>
+              <a:ext uri="{FF2B5EF4-FFF2-40B4-BE49-F238E27FC236}">
+                <a16:creationId xmlns:a16="http://schemas.microsoft.com/office/drawing/2014/main" id="{31ECBE6C-880D-9334-38C2-5D6F122978D4}"/>
+              </a:ext>
+            </a:extLst>
+          </p:cNvPr>
+          <p:cNvSpPr txBox="1"/>
+          <p:nvPr/>
+        </p:nvSpPr>
+        <p:spPr>
+          <a:xfrm>
+            <a:off x="1298025" y="4637432"/>
+            <a:ext cx="306494" cy="276999"/>
+          </a:xfrm>
+          <a:prstGeom prst="rect">
+            <a:avLst/>
+          </a:prstGeom>
+          <a:noFill/>
+        </p:spPr>
+        <p:txBody>
+          <a:bodyPr wrap="none" rtlCol="0">
+            <a:spAutoFit/>
+          </a:bodyPr>
+          <a:lstStyle/>
+          <a:p>
+            <a:r>
+              <a:rPr lang="en-US" sz="1200" b="1" dirty="0">
+                <a:solidFill>
+                  <a:schemeClr val="bg1"/>
+                </a:solidFill>
+              </a:rPr>
+              <a:t>lh</a:t>
+            </a:r>
+          </a:p>
+        </p:txBody>
+      </p:sp>
+      <p:sp>
+        <p:nvSpPr>
+          <p:cNvPr id="41" name="Hexagon 40">
+            <a:extLst>
+              <a:ext uri="{FF2B5EF4-FFF2-40B4-BE49-F238E27FC236}">
+                <a16:creationId xmlns:a16="http://schemas.microsoft.com/office/drawing/2014/main" id="{3157ED18-DBED-76E9-DBB4-4CC6E1D0F94B}"/>
+              </a:ext>
+            </a:extLst>
+          </p:cNvPr>
+          <p:cNvSpPr/>
+          <p:nvPr/>
+        </p:nvSpPr>
+        <p:spPr>
+          <a:xfrm>
+            <a:off x="1124185" y="2906378"/>
+            <a:ext cx="1552380" cy="1305021"/>
+          </a:xfrm>
+          <a:prstGeom prst="hexagon">
+            <a:avLst/>
+          </a:prstGeom>
+          <a:solidFill>
+            <a:srgbClr val="00B0F0"/>
+          </a:solidFill>
+        </p:spPr>
+        <p:style>
+          <a:lnRef idx="2">
+            <a:schemeClr val="accent1">
+              <a:shade val="50000"/>
+            </a:schemeClr>
+          </a:lnRef>
+          <a:fillRef idx="1">
+            <a:schemeClr val="accent1"/>
+          </a:fillRef>
+          <a:effectRef idx="0">
+            <a:schemeClr val="accent1"/>
+          </a:effectRef>
+          <a:fontRef idx="minor">
+            <a:schemeClr val="lt1"/>
+          </a:fontRef>
+        </p:style>
+        <p:txBody>
+          <a:bodyPr rtlCol="0" anchor="ctr"/>
+          <a:lstStyle/>
+          <a:p>
+            <a:pPr algn="ctr"/>
+            <a:endParaRPr lang="en-US"/>
+          </a:p>
+        </p:txBody>
+      </p:sp>
+      <p:sp>
+        <p:nvSpPr>
+          <p:cNvPr id="42" name="TextBox 41">
+            <a:extLst>
+              <a:ext uri="{FF2B5EF4-FFF2-40B4-BE49-F238E27FC236}">
+                <a16:creationId xmlns:a16="http://schemas.microsoft.com/office/drawing/2014/main" id="{D1C15EAF-1B38-0B68-C89B-DE4F9F8FC837}"/>
+              </a:ext>
+            </a:extLst>
+          </p:cNvPr>
+          <p:cNvSpPr txBox="1"/>
+          <p:nvPr/>
+        </p:nvSpPr>
+        <p:spPr>
+          <a:xfrm>
+            <a:off x="1344803" y="2836027"/>
+            <a:ext cx="1128899" cy="307777"/>
+          </a:xfrm>
+          <a:prstGeom prst="rect">
+            <a:avLst/>
+          </a:prstGeom>
+          <a:noFill/>
+        </p:spPr>
+        <p:txBody>
+          <a:bodyPr wrap="none" rtlCol="0">
+            <a:spAutoFit/>
+          </a:bodyPr>
+          <a:lstStyle/>
+          <a:p>
+            <a:r>
+              <a:rPr lang="en-US" sz="1400" b="1" dirty="0">
+                <a:solidFill>
+                  <a:schemeClr val="bg1"/>
+                </a:solidFill>
+              </a:rPr>
+              <a:t>Buffer Cache</a:t>
+            </a:r>
+          </a:p>
+        </p:txBody>
+      </p:sp>
+      <p:sp>
+        <p:nvSpPr>
+          <p:cNvPr id="44" name="Rectangle 43">
+            <a:extLst>
+              <a:ext uri="{FF2B5EF4-FFF2-40B4-BE49-F238E27FC236}">
+                <a16:creationId xmlns:a16="http://schemas.microsoft.com/office/drawing/2014/main" id="{9D13A012-A5AE-8D5D-48B5-65D03E13663C}"/>
+              </a:ext>
+            </a:extLst>
+          </p:cNvPr>
+          <p:cNvSpPr/>
+          <p:nvPr/>
+        </p:nvSpPr>
+        <p:spPr>
+          <a:xfrm>
+            <a:off x="1214904" y="4968126"/>
+            <a:ext cx="472736" cy="230820"/>
+          </a:xfrm>
+          <a:prstGeom prst="rect">
+            <a:avLst/>
+          </a:prstGeom>
+          <a:solidFill>
+            <a:srgbClr val="00B0F0"/>
+          </a:solidFill>
+        </p:spPr>
+        <p:style>
+          <a:lnRef idx="2">
+            <a:schemeClr val="accent1">
+              <a:shade val="50000"/>
+            </a:schemeClr>
+          </a:lnRef>
+          <a:fillRef idx="1">
+            <a:schemeClr val="accent1"/>
+          </a:fillRef>
+          <a:effectRef idx="0">
+            <a:schemeClr val="accent1"/>
+          </a:effectRef>
+          <a:fontRef idx="minor">
+            <a:schemeClr val="lt1"/>
+          </a:fontRef>
+        </p:style>
+        <p:txBody>
+          <a:bodyPr rtlCol="0" anchor="ctr"/>
+          <a:lstStyle/>
+          <a:p>
+            <a:pPr algn="ctr"/>
+            <a:r>
+              <a:rPr lang="en-US" sz="1000" b="1" dirty="0">
+                <a:solidFill>
+                  <a:schemeClr val="bg1"/>
+                </a:solidFill>
+              </a:rPr>
+              <a:t>block</a:t>
+            </a:r>
+          </a:p>
+        </p:txBody>
+      </p:sp>
+      <p:sp>
+        <p:nvSpPr>
+          <p:cNvPr id="45" name="Rectangle 44">
+            <a:extLst>
+              <a:ext uri="{FF2B5EF4-FFF2-40B4-BE49-F238E27FC236}">
+                <a16:creationId xmlns:a16="http://schemas.microsoft.com/office/drawing/2014/main" id="{239D8065-5093-08D2-7AFF-459AC6457C65}"/>
+              </a:ext>
+            </a:extLst>
+          </p:cNvPr>
+          <p:cNvSpPr/>
+          <p:nvPr/>
+        </p:nvSpPr>
+        <p:spPr>
+          <a:xfrm>
+            <a:off x="1770761" y="4645035"/>
+            <a:ext cx="905804" cy="197025"/>
+          </a:xfrm>
+          <a:prstGeom prst="rect">
+            <a:avLst/>
+          </a:prstGeom>
+          <a:solidFill>
+            <a:srgbClr val="00B0F0"/>
+          </a:solidFill>
+        </p:spPr>
+        <p:style>
+          <a:lnRef idx="2">
+            <a:schemeClr val="accent1">
+              <a:shade val="50000"/>
+            </a:schemeClr>
+          </a:lnRef>
+          <a:fillRef idx="1">
+            <a:schemeClr val="accent1"/>
+          </a:fillRef>
+          <a:effectRef idx="0">
+            <a:schemeClr val="accent1"/>
+          </a:effectRef>
+          <a:fontRef idx="minor">
+            <a:schemeClr val="lt1"/>
+          </a:fontRef>
+        </p:style>
+        <p:txBody>
+          <a:bodyPr rtlCol="0" anchor="ctr"/>
+          <a:lstStyle/>
+          <a:p>
+            <a:pPr algn="ctr"/>
+            <a:r>
+              <a:rPr lang="en-US" sz="1000" b="1" dirty="0">
+                <a:solidFill>
+                  <a:schemeClr val="bg1"/>
+                </a:solidFill>
+              </a:rPr>
+              <a:t>log1 </a:t>
+            </a:r>
+            <a:r>
+              <a:rPr lang="en-US" sz="1000" b="1" i="1" dirty="0">
+                <a:solidFill>
+                  <a:schemeClr val="bg1"/>
+                </a:solidFill>
+              </a:rPr>
+              <a:t>blockno</a:t>
+            </a:r>
+          </a:p>
+        </p:txBody>
+      </p:sp>
+      <p:sp>
+        <p:nvSpPr>
+          <p:cNvPr id="46" name="Rectangle 45">
+            <a:extLst>
+              <a:ext uri="{FF2B5EF4-FFF2-40B4-BE49-F238E27FC236}">
+                <a16:creationId xmlns:a16="http://schemas.microsoft.com/office/drawing/2014/main" id="{144BED34-B78B-F2D8-D228-94185350D358}"/>
+              </a:ext>
+            </a:extLst>
+          </p:cNvPr>
+          <p:cNvSpPr/>
+          <p:nvPr/>
+        </p:nvSpPr>
+        <p:spPr>
+          <a:xfrm>
+            <a:off x="1770761" y="4876293"/>
+            <a:ext cx="905804" cy="197025"/>
+          </a:xfrm>
+          <a:prstGeom prst="rect">
+            <a:avLst/>
+          </a:prstGeom>
+          <a:solidFill>
+            <a:srgbClr val="00B0F0"/>
+          </a:solidFill>
+        </p:spPr>
+        <p:style>
+          <a:lnRef idx="2">
+            <a:schemeClr val="accent1">
+              <a:shade val="50000"/>
+            </a:schemeClr>
+          </a:lnRef>
+          <a:fillRef idx="1">
+            <a:schemeClr val="accent1"/>
+          </a:fillRef>
+          <a:effectRef idx="0">
+            <a:schemeClr val="accent1"/>
+          </a:effectRef>
+          <a:fontRef idx="minor">
+            <a:schemeClr val="lt1"/>
+          </a:fontRef>
+        </p:style>
+        <p:txBody>
+          <a:bodyPr rtlCol="0" anchor="ctr"/>
+          <a:lstStyle/>
+          <a:p>
+            <a:pPr algn="ctr"/>
+            <a:r>
+              <a:rPr lang="en-US" sz="1000" b="1" dirty="0">
+                <a:solidFill>
+                  <a:schemeClr val="bg1"/>
+                </a:solidFill>
+              </a:rPr>
+              <a:t>log2 </a:t>
+            </a:r>
+            <a:r>
+              <a:rPr lang="en-US" sz="1000" b="1" i="1" dirty="0">
+                <a:solidFill>
+                  <a:schemeClr val="bg1"/>
+                </a:solidFill>
+              </a:rPr>
+              <a:t>blockno</a:t>
+            </a:r>
+          </a:p>
+        </p:txBody>
+      </p:sp>
+      <p:sp>
+        <p:nvSpPr>
+          <p:cNvPr id="47" name="Rectangle 46">
+            <a:extLst>
+              <a:ext uri="{FF2B5EF4-FFF2-40B4-BE49-F238E27FC236}">
+                <a16:creationId xmlns:a16="http://schemas.microsoft.com/office/drawing/2014/main" id="{D7D27254-BCF1-B24D-5B59-87D044B13780}"/>
+              </a:ext>
+            </a:extLst>
+          </p:cNvPr>
+          <p:cNvSpPr/>
+          <p:nvPr/>
+        </p:nvSpPr>
+        <p:spPr>
+          <a:xfrm>
+            <a:off x="1770761" y="5339273"/>
+            <a:ext cx="905804" cy="197025"/>
+          </a:xfrm>
+          <a:prstGeom prst="rect">
+            <a:avLst/>
+          </a:prstGeom>
+          <a:solidFill>
+            <a:srgbClr val="00B0F0"/>
+          </a:solidFill>
+        </p:spPr>
+        <p:style>
+          <a:lnRef idx="2">
+            <a:schemeClr val="accent1">
+              <a:shade val="50000"/>
+            </a:schemeClr>
+          </a:lnRef>
+          <a:fillRef idx="1">
+            <a:schemeClr val="accent1"/>
+          </a:fillRef>
+          <a:effectRef idx="0">
+            <a:schemeClr val="accent1"/>
+          </a:effectRef>
+          <a:fontRef idx="minor">
+            <a:schemeClr val="lt1"/>
+          </a:fontRef>
+        </p:style>
+        <p:txBody>
+          <a:bodyPr rtlCol="0" anchor="ctr"/>
+          <a:lstStyle/>
+          <a:p>
+            <a:pPr algn="ctr"/>
+            <a:r>
+              <a:rPr lang="en-US" sz="1000" b="1" dirty="0">
+                <a:solidFill>
+                  <a:schemeClr val="bg1"/>
+                </a:solidFill>
+              </a:rPr>
+              <a:t>logn </a:t>
+            </a:r>
+            <a:r>
+              <a:rPr lang="en-US" sz="1000" b="1" i="1" dirty="0">
+                <a:solidFill>
+                  <a:schemeClr val="bg1"/>
+                </a:solidFill>
+              </a:rPr>
+              <a:t>blockno</a:t>
+            </a:r>
+          </a:p>
+        </p:txBody>
+      </p:sp>
+      <p:sp>
+        <p:nvSpPr>
+          <p:cNvPr id="48" name="Left Brace 47">
+            <a:extLst>
+              <a:ext uri="{FF2B5EF4-FFF2-40B4-BE49-F238E27FC236}">
+                <a16:creationId xmlns:a16="http://schemas.microsoft.com/office/drawing/2014/main" id="{774BA5EE-3956-0E11-D3B4-F2C012BFB392}"/>
+              </a:ext>
+            </a:extLst>
+          </p:cNvPr>
+          <p:cNvSpPr/>
+          <p:nvPr/>
+        </p:nvSpPr>
+        <p:spPr>
+          <a:xfrm>
+            <a:off x="1604519" y="4645036"/>
+            <a:ext cx="203882" cy="875291"/>
+          </a:xfrm>
+          <a:prstGeom prst="leftBrace">
+            <a:avLst>
+              <a:gd name="adj1" fmla="val 31505"/>
+              <a:gd name="adj2" fmla="val 50784"/>
+            </a:avLst>
+          </a:prstGeom>
+        </p:spPr>
+        <p:style>
+          <a:lnRef idx="2">
+            <a:schemeClr val="dk1"/>
+          </a:lnRef>
+          <a:fillRef idx="0">
+            <a:schemeClr val="dk1"/>
+          </a:fillRef>
+          <a:effectRef idx="1">
+            <a:schemeClr val="dk1"/>
+          </a:effectRef>
+          <a:fontRef idx="minor">
+            <a:schemeClr val="tx1"/>
+          </a:fontRef>
+        </p:style>
+        <p:txBody>
+          <a:bodyPr rtlCol="0" anchor="ctr"/>
+          <a:lstStyle/>
+          <a:p>
+            <a:pPr algn="ctr"/>
+            <a:endParaRPr lang="en-US"/>
+          </a:p>
+        </p:txBody>
+      </p:sp>
+      <p:sp>
+        <p:nvSpPr>
+          <p:cNvPr id="49" name="TextBox 48">
+            <a:extLst>
+              <a:ext uri="{FF2B5EF4-FFF2-40B4-BE49-F238E27FC236}">
+                <a16:creationId xmlns:a16="http://schemas.microsoft.com/office/drawing/2014/main" id="{0E6AA078-539E-7C36-FAAA-3449CF135FC2}"/>
+              </a:ext>
+            </a:extLst>
+          </p:cNvPr>
+          <p:cNvSpPr txBox="1"/>
+          <p:nvPr/>
+        </p:nvSpPr>
+        <p:spPr>
+          <a:xfrm>
+            <a:off x="2044768" y="4959701"/>
+            <a:ext cx="357790" cy="369332"/>
+          </a:xfrm>
+          <a:prstGeom prst="rect">
+            <a:avLst/>
+          </a:prstGeom>
+          <a:noFill/>
+        </p:spPr>
+        <p:txBody>
+          <a:bodyPr wrap="none" rtlCol="0">
+            <a:spAutoFit/>
+          </a:bodyPr>
+          <a:lstStyle/>
+          <a:p>
+            <a:r>
+              <a:rPr lang="en-US" dirty="0"/>
+              <a:t>...</a:t>
+            </a:r>
+          </a:p>
+        </p:txBody>
+      </p:sp>
+      <p:sp>
+        <p:nvSpPr>
+          <p:cNvPr id="51" name="Rectangle 50">
+            <a:extLst>
+              <a:ext uri="{FF2B5EF4-FFF2-40B4-BE49-F238E27FC236}">
+                <a16:creationId xmlns:a16="http://schemas.microsoft.com/office/drawing/2014/main" id="{386E6059-EB4C-7251-8047-C10248E4D2E8}"/>
+              </a:ext>
+            </a:extLst>
+          </p:cNvPr>
+          <p:cNvSpPr/>
+          <p:nvPr/>
+        </p:nvSpPr>
+        <p:spPr>
+          <a:xfrm>
+            <a:off x="1203781" y="5233632"/>
+            <a:ext cx="472736" cy="230820"/>
+          </a:xfrm>
+          <a:prstGeom prst="rect">
+            <a:avLst/>
+          </a:prstGeom>
+          <a:solidFill>
+            <a:srgbClr val="00B0F0"/>
+          </a:solidFill>
+        </p:spPr>
+        <p:style>
+          <a:lnRef idx="2">
+            <a:schemeClr val="accent1">
+              <a:shade val="50000"/>
+            </a:schemeClr>
+          </a:lnRef>
+          <a:fillRef idx="1">
+            <a:schemeClr val="accent1"/>
+          </a:fillRef>
+          <a:effectRef idx="0">
+            <a:schemeClr val="accent1"/>
+          </a:effectRef>
+          <a:fontRef idx="minor">
+            <a:schemeClr val="lt1"/>
+          </a:fontRef>
+        </p:style>
+        <p:txBody>
+          <a:bodyPr rtlCol="0" anchor="ctr"/>
+          <a:lstStyle/>
+          <a:p>
+            <a:pPr algn="ctr"/>
+            <a:r>
+              <a:rPr lang="en-US" sz="1000" b="1" dirty="0">
+                <a:solidFill>
+                  <a:schemeClr val="bg1"/>
+                </a:solidFill>
+              </a:rPr>
+              <a:t>n</a:t>
+            </a:r>
+          </a:p>
+        </p:txBody>
+      </p:sp>
+      <p:sp>
+        <p:nvSpPr>
+          <p:cNvPr id="52" name="Rectangle 51">
+            <a:extLst>
+              <a:ext uri="{FF2B5EF4-FFF2-40B4-BE49-F238E27FC236}">
+                <a16:creationId xmlns:a16="http://schemas.microsoft.com/office/drawing/2014/main" id="{5AB7F443-4A1D-388B-4B54-E44C7593993D}"/>
+              </a:ext>
+            </a:extLst>
+          </p:cNvPr>
+          <p:cNvSpPr/>
+          <p:nvPr/>
+        </p:nvSpPr>
+        <p:spPr>
+          <a:xfrm>
+            <a:off x="4379321" y="2865657"/>
+            <a:ext cx="3527634" cy="570391"/>
+          </a:xfrm>
+          <a:prstGeom prst="rect">
+            <a:avLst/>
+          </a:prstGeom>
+          <a:noFill/>
+          <a:ln>
+            <a:solidFill>
+              <a:srgbClr val="7030A0"/>
+            </a:solidFill>
+          </a:ln>
+        </p:spPr>
+        <p:style>
+          <a:lnRef idx="2">
+            <a:schemeClr val="accent1">
+              <a:shade val="50000"/>
+            </a:schemeClr>
+          </a:lnRef>
+          <a:fillRef idx="1">
+            <a:schemeClr val="accent1"/>
+          </a:fillRef>
+          <a:effectRef idx="0">
+            <a:schemeClr val="accent1"/>
+          </a:effectRef>
+          <a:fontRef idx="minor">
+            <a:schemeClr val="lt1"/>
+          </a:fontRef>
+        </p:style>
+        <p:txBody>
+          <a:bodyPr rtlCol="0" anchor="ctr"/>
+          <a:lstStyle/>
+          <a:p>
+            <a:pPr algn="ctr"/>
+            <a:r>
+              <a:rPr lang="en-US" b="1" dirty="0"/>
+              <a:t>1. Log writes</a:t>
+            </a:r>
+          </a:p>
+        </p:txBody>
+      </p:sp>
+      <p:sp>
+        <p:nvSpPr>
+          <p:cNvPr id="53" name="Rectangle 52">
+            <a:extLst>
+              <a:ext uri="{FF2B5EF4-FFF2-40B4-BE49-F238E27FC236}">
+                <a16:creationId xmlns:a16="http://schemas.microsoft.com/office/drawing/2014/main" id="{079A47F9-717D-7B8D-52D2-CE67BF5EC83F}"/>
+              </a:ext>
+            </a:extLst>
+          </p:cNvPr>
+          <p:cNvSpPr/>
+          <p:nvPr/>
+        </p:nvSpPr>
+        <p:spPr>
+          <a:xfrm>
+            <a:off x="4379321" y="3713652"/>
+            <a:ext cx="3527634" cy="476395"/>
+          </a:xfrm>
+          <a:prstGeom prst="rect">
+            <a:avLst/>
+          </a:prstGeom>
+          <a:noFill/>
+          <a:ln>
+            <a:solidFill>
+              <a:srgbClr val="7030A0"/>
+            </a:solidFill>
+          </a:ln>
+        </p:spPr>
+        <p:style>
+          <a:lnRef idx="2">
+            <a:schemeClr val="accent1">
+              <a:shade val="50000"/>
+            </a:schemeClr>
+          </a:lnRef>
+          <a:fillRef idx="1">
+            <a:schemeClr val="accent1"/>
+          </a:fillRef>
+          <a:effectRef idx="0">
+            <a:schemeClr val="accent1"/>
+          </a:effectRef>
+          <a:fontRef idx="minor">
+            <a:schemeClr val="lt1"/>
+          </a:fontRef>
+        </p:style>
+        <p:txBody>
+          <a:bodyPr rtlCol="0" anchor="ctr"/>
+          <a:lstStyle/>
+          <a:p>
+            <a:pPr algn="ctr"/>
+            <a:r>
+              <a:rPr lang="en-US" b="1" dirty="0"/>
+              <a:t>2. Commit Operation (log header)</a:t>
+            </a:r>
+          </a:p>
+        </p:txBody>
+      </p:sp>
+      <p:sp>
+        <p:nvSpPr>
+          <p:cNvPr id="54" name="Rectangle 53">
+            <a:extLst>
+              <a:ext uri="{FF2B5EF4-FFF2-40B4-BE49-F238E27FC236}">
+                <a16:creationId xmlns:a16="http://schemas.microsoft.com/office/drawing/2014/main" id="{21F19472-F79C-D470-4EAD-64B11D30C9EA}"/>
+              </a:ext>
+            </a:extLst>
+          </p:cNvPr>
+          <p:cNvSpPr/>
+          <p:nvPr/>
+        </p:nvSpPr>
+        <p:spPr>
+          <a:xfrm>
+            <a:off x="4381297" y="4356704"/>
+            <a:ext cx="3527634" cy="624345"/>
+          </a:xfrm>
+          <a:prstGeom prst="rect">
+            <a:avLst/>
+          </a:prstGeom>
+          <a:noFill/>
+          <a:ln>
+            <a:solidFill>
+              <a:srgbClr val="7030A0"/>
+            </a:solidFill>
+          </a:ln>
+        </p:spPr>
+        <p:style>
+          <a:lnRef idx="2">
+            <a:schemeClr val="accent1">
+              <a:shade val="50000"/>
+            </a:schemeClr>
+          </a:lnRef>
+          <a:fillRef idx="1">
+            <a:schemeClr val="accent1"/>
+          </a:fillRef>
+          <a:effectRef idx="0">
+            <a:schemeClr val="accent1"/>
+          </a:effectRef>
+          <a:fontRef idx="minor">
+            <a:schemeClr val="lt1"/>
+          </a:fontRef>
+        </p:style>
+        <p:txBody>
+          <a:bodyPr rtlCol="0" anchor="ctr"/>
+          <a:lstStyle/>
+          <a:p>
+            <a:pPr algn="ctr"/>
+            <a:r>
+              <a:rPr lang="en-US" b="1" dirty="0"/>
+              <a:t>3. Install Transaction</a:t>
+            </a:r>
+          </a:p>
+        </p:txBody>
+      </p:sp>
+      <p:sp>
+        <p:nvSpPr>
+          <p:cNvPr id="55" name="Rectangle 54">
+            <a:extLst>
+              <a:ext uri="{FF2B5EF4-FFF2-40B4-BE49-F238E27FC236}">
+                <a16:creationId xmlns:a16="http://schemas.microsoft.com/office/drawing/2014/main" id="{B7F8A570-5F90-752B-1910-8F9A08F210FD}"/>
+              </a:ext>
+            </a:extLst>
+          </p:cNvPr>
+          <p:cNvSpPr/>
+          <p:nvPr/>
+        </p:nvSpPr>
+        <p:spPr>
+          <a:xfrm>
+            <a:off x="4395317" y="5198945"/>
+            <a:ext cx="3527634" cy="314087"/>
+          </a:xfrm>
+          <a:prstGeom prst="rect">
+            <a:avLst/>
+          </a:prstGeom>
+          <a:noFill/>
+          <a:ln>
+            <a:solidFill>
+              <a:srgbClr val="7030A0"/>
+            </a:solidFill>
+          </a:ln>
+        </p:spPr>
+        <p:style>
+          <a:lnRef idx="2">
+            <a:schemeClr val="accent1">
+              <a:shade val="50000"/>
+            </a:schemeClr>
+          </a:lnRef>
+          <a:fillRef idx="1">
+            <a:schemeClr val="accent1"/>
+          </a:fillRef>
+          <a:effectRef idx="0">
+            <a:schemeClr val="accent1"/>
+          </a:effectRef>
+          <a:fontRef idx="minor">
+            <a:schemeClr val="lt1"/>
+          </a:fontRef>
+        </p:style>
+        <p:txBody>
+          <a:bodyPr rtlCol="0" anchor="ctr"/>
+          <a:lstStyle/>
+          <a:p>
+            <a:pPr algn="ctr"/>
+            <a:r>
+              <a:rPr lang="en-US" b="1" dirty="0"/>
+              <a:t>4. Clean Log</a:t>
+            </a:r>
+          </a:p>
+        </p:txBody>
+      </p:sp>
+      <p:sp>
+        <p:nvSpPr>
+          <p:cNvPr id="56" name="Rectangle 55">
+            <a:extLst>
+              <a:ext uri="{FF2B5EF4-FFF2-40B4-BE49-F238E27FC236}">
+                <a16:creationId xmlns:a16="http://schemas.microsoft.com/office/drawing/2014/main" id="{600B8663-FC41-42C8-CBEE-794E8207C67A}"/>
+              </a:ext>
+            </a:extLst>
+          </p:cNvPr>
+          <p:cNvSpPr/>
+          <p:nvPr/>
+        </p:nvSpPr>
+        <p:spPr>
+          <a:xfrm>
+            <a:off x="2818180" y="4958505"/>
+            <a:ext cx="919277" cy="240440"/>
+          </a:xfrm>
+          <a:prstGeom prst="rect">
+            <a:avLst/>
+          </a:prstGeom>
+          <a:solidFill>
+            <a:srgbClr val="00B0F0"/>
+          </a:solidFill>
+          <a:ln>
+            <a:solidFill>
+              <a:srgbClr val="FF0000"/>
+            </a:solidFill>
+          </a:ln>
+        </p:spPr>
+        <p:style>
+          <a:lnRef idx="2">
+            <a:schemeClr val="accent1">
+              <a:shade val="50000"/>
+            </a:schemeClr>
+          </a:lnRef>
+          <a:fillRef idx="1">
+            <a:schemeClr val="accent1"/>
+          </a:fillRef>
+          <a:effectRef idx="0">
+            <a:schemeClr val="accent1"/>
+          </a:effectRef>
+          <a:fontRef idx="minor">
+            <a:schemeClr val="lt1"/>
+          </a:fontRef>
+        </p:style>
+        <p:txBody>
+          <a:bodyPr rtlCol="0" anchor="ctr"/>
+          <a:lstStyle/>
+          <a:p>
+            <a:pPr algn="ctr"/>
+            <a:r>
+              <a:rPr lang="en-US" sz="1200" i="1" dirty="0">
+                <a:solidFill>
+                  <a:schemeClr val="bg1"/>
+                </a:solidFill>
+              </a:rPr>
+              <a:t>log_write()</a:t>
+            </a:r>
+          </a:p>
+        </p:txBody>
+      </p:sp>
+      <p:sp>
+        <p:nvSpPr>
+          <p:cNvPr id="58" name="Rectangle 57">
+            <a:extLst>
+              <a:ext uri="{FF2B5EF4-FFF2-40B4-BE49-F238E27FC236}">
+                <a16:creationId xmlns:a16="http://schemas.microsoft.com/office/drawing/2014/main" id="{D83F7999-780C-C4BD-E482-1343C7B1038C}"/>
+              </a:ext>
+            </a:extLst>
+          </p:cNvPr>
+          <p:cNvSpPr/>
+          <p:nvPr/>
+        </p:nvSpPr>
+        <p:spPr>
+          <a:xfrm>
+            <a:off x="77680" y="3713652"/>
+            <a:ext cx="981352" cy="297387"/>
+          </a:xfrm>
+          <a:prstGeom prst="rect">
+            <a:avLst/>
+          </a:prstGeom>
+          <a:solidFill>
+            <a:srgbClr val="00B050"/>
+          </a:solidFill>
+          <a:ln>
+            <a:solidFill>
+              <a:srgbClr val="FF0000"/>
+            </a:solidFill>
+          </a:ln>
+        </p:spPr>
+        <p:style>
+          <a:lnRef idx="2">
+            <a:schemeClr val="accent1">
+              <a:shade val="50000"/>
+            </a:schemeClr>
+          </a:lnRef>
+          <a:fillRef idx="1">
+            <a:schemeClr val="accent1"/>
+          </a:fillRef>
+          <a:effectRef idx="0">
+            <a:schemeClr val="accent1"/>
+          </a:effectRef>
+          <a:fontRef idx="minor">
+            <a:schemeClr val="lt1"/>
+          </a:fontRef>
+        </p:style>
+        <p:txBody>
+          <a:bodyPr rtlCol="0" anchor="ctr"/>
+          <a:lstStyle/>
+          <a:p>
+            <a:pPr algn="ctr"/>
+            <a:r>
+              <a:rPr lang="en-US" sz="1200" i="1" dirty="0">
+                <a:solidFill>
+                  <a:schemeClr val="bg1"/>
+                </a:solidFill>
+              </a:rPr>
+              <a:t>write_head()</a:t>
+            </a:r>
+          </a:p>
+        </p:txBody>
+      </p:sp>
+      <p:sp>
+        <p:nvSpPr>
+          <p:cNvPr id="62" name="Up Arrow 61">
+            <a:extLst>
+              <a:ext uri="{FF2B5EF4-FFF2-40B4-BE49-F238E27FC236}">
+                <a16:creationId xmlns:a16="http://schemas.microsoft.com/office/drawing/2014/main" id="{9F20BA20-E6BF-268B-5C60-7BC612ACB903}"/>
+              </a:ext>
+            </a:extLst>
+          </p:cNvPr>
+          <p:cNvSpPr/>
+          <p:nvPr/>
+        </p:nvSpPr>
+        <p:spPr>
+          <a:xfrm>
+            <a:off x="1604519" y="4232823"/>
+            <a:ext cx="166242" cy="362078"/>
+          </a:xfrm>
+          <a:prstGeom prst="upArrow">
+            <a:avLst/>
+          </a:prstGeom>
+          <a:solidFill>
+            <a:srgbClr val="0070C0"/>
+          </a:solidFill>
+        </p:spPr>
+        <p:style>
+          <a:lnRef idx="2">
+            <a:schemeClr val="accent1">
+              <a:shade val="50000"/>
+            </a:schemeClr>
+          </a:lnRef>
+          <a:fillRef idx="1">
+            <a:schemeClr val="accent1"/>
+          </a:fillRef>
+          <a:effectRef idx="0">
+            <a:schemeClr val="accent1"/>
+          </a:effectRef>
+          <a:fontRef idx="minor">
+            <a:schemeClr val="lt1"/>
+          </a:fontRef>
+        </p:style>
+        <p:txBody>
+          <a:bodyPr rtlCol="0" anchor="ctr"/>
+          <a:lstStyle/>
+          <a:p>
+            <a:pPr algn="ctr"/>
+            <a:endParaRPr lang="en-US"/>
+          </a:p>
+        </p:txBody>
+      </p:sp>
+      <p:sp>
+        <p:nvSpPr>
+          <p:cNvPr id="65" name="Up Arrow 64">
+            <a:extLst>
+              <a:ext uri="{FF2B5EF4-FFF2-40B4-BE49-F238E27FC236}">
+                <a16:creationId xmlns:a16="http://schemas.microsoft.com/office/drawing/2014/main" id="{4673DA1B-0CB9-E557-EF82-9EABA7ABDE5E}"/>
+              </a:ext>
+            </a:extLst>
+          </p:cNvPr>
+          <p:cNvSpPr/>
+          <p:nvPr/>
+        </p:nvSpPr>
+        <p:spPr>
+          <a:xfrm rot="10800000">
+            <a:off x="1978740" y="4253914"/>
+            <a:ext cx="166242" cy="362078"/>
+          </a:xfrm>
+          <a:prstGeom prst="upArrow">
+            <a:avLst/>
+          </a:prstGeom>
+          <a:solidFill>
+            <a:srgbClr val="0070C0"/>
+          </a:solidFill>
+        </p:spPr>
+        <p:style>
+          <a:lnRef idx="2">
+            <a:schemeClr val="accent1">
+              <a:shade val="50000"/>
+            </a:schemeClr>
+          </a:lnRef>
+          <a:fillRef idx="1">
+            <a:schemeClr val="accent1"/>
+          </a:fillRef>
+          <a:effectRef idx="0">
+            <a:schemeClr val="accent1"/>
+          </a:effectRef>
+          <a:fontRef idx="minor">
+            <a:schemeClr val="lt1"/>
+          </a:fontRef>
+        </p:style>
+        <p:txBody>
+          <a:bodyPr rtlCol="0" anchor="ctr"/>
+          <a:lstStyle/>
+          <a:p>
+            <a:pPr algn="ctr"/>
+            <a:endParaRPr lang="en-US"/>
+          </a:p>
+        </p:txBody>
+      </p:sp>
+      <p:sp>
+        <p:nvSpPr>
+          <p:cNvPr id="66" name="TextBox 65">
+            <a:extLst>
+              <a:ext uri="{FF2B5EF4-FFF2-40B4-BE49-F238E27FC236}">
+                <a16:creationId xmlns:a16="http://schemas.microsoft.com/office/drawing/2014/main" id="{6337589E-745C-C9B7-0921-8F8988E38DFE}"/>
+              </a:ext>
+            </a:extLst>
+          </p:cNvPr>
+          <p:cNvSpPr txBox="1"/>
+          <p:nvPr/>
+        </p:nvSpPr>
+        <p:spPr>
+          <a:xfrm>
+            <a:off x="1805953" y="4195111"/>
+            <a:ext cx="546496" cy="276999"/>
+          </a:xfrm>
+          <a:prstGeom prst="rect">
+            <a:avLst/>
+          </a:prstGeom>
+          <a:noFill/>
+        </p:spPr>
+        <p:txBody>
+          <a:bodyPr wrap="none" rtlCol="0">
+            <a:spAutoFit/>
+          </a:bodyPr>
+          <a:lstStyle/>
+          <a:p>
+            <a:r>
+              <a:rPr lang="en-US" sz="1200" i="1" dirty="0"/>
+              <a:t>bread</a:t>
+            </a:r>
+          </a:p>
+        </p:txBody>
+      </p:sp>
+      <p:sp>
+        <p:nvSpPr>
+          <p:cNvPr id="68" name="TextBox 67">
+            <a:extLst>
+              <a:ext uri="{FF2B5EF4-FFF2-40B4-BE49-F238E27FC236}">
+                <a16:creationId xmlns:a16="http://schemas.microsoft.com/office/drawing/2014/main" id="{4137BA51-15D1-0D51-8809-3BDB92643D0C}"/>
+              </a:ext>
+            </a:extLst>
+          </p:cNvPr>
+          <p:cNvSpPr txBox="1"/>
+          <p:nvPr/>
+        </p:nvSpPr>
+        <p:spPr>
+          <a:xfrm>
+            <a:off x="1414791" y="4348133"/>
+            <a:ext cx="584584" cy="276999"/>
+          </a:xfrm>
+          <a:prstGeom prst="rect">
+            <a:avLst/>
+          </a:prstGeom>
+          <a:noFill/>
+        </p:spPr>
+        <p:txBody>
+          <a:bodyPr wrap="none" rtlCol="0">
+            <a:spAutoFit/>
+          </a:bodyPr>
+          <a:lstStyle/>
+          <a:p>
+            <a:r>
+              <a:rPr lang="en-US" sz="1200" i="1" dirty="0"/>
+              <a:t>bwrite</a:t>
+            </a:r>
+          </a:p>
+        </p:txBody>
+      </p:sp>
+      <p:sp>
+        <p:nvSpPr>
+          <p:cNvPr id="86" name="Striped Right Arrow 85">
+            <a:extLst>
+              <a:ext uri="{FF2B5EF4-FFF2-40B4-BE49-F238E27FC236}">
+                <a16:creationId xmlns:a16="http://schemas.microsoft.com/office/drawing/2014/main" id="{65B43171-A586-1FB8-E014-6E60EC495A1C}"/>
+              </a:ext>
+            </a:extLst>
+          </p:cNvPr>
+          <p:cNvSpPr/>
+          <p:nvPr/>
+        </p:nvSpPr>
+        <p:spPr>
+          <a:xfrm rot="18677539">
+            <a:off x="1677515" y="2082102"/>
+            <a:ext cx="1420440" cy="377302"/>
+          </a:xfrm>
+          <a:prstGeom prst="stripedRightArrow">
+            <a:avLst/>
+          </a:prstGeom>
+        </p:spPr>
+        <p:style>
+          <a:lnRef idx="2">
+            <a:schemeClr val="accent1">
+              <a:shade val="50000"/>
+            </a:schemeClr>
+          </a:lnRef>
+          <a:fillRef idx="1">
+            <a:schemeClr val="accent1"/>
+          </a:fillRef>
+          <a:effectRef idx="0">
+            <a:schemeClr val="accent1"/>
+          </a:effectRef>
+          <a:fontRef idx="minor">
+            <a:schemeClr val="lt1"/>
+          </a:fontRef>
+        </p:style>
+        <p:txBody>
+          <a:bodyPr rtlCol="0" anchor="ctr"/>
+          <a:lstStyle/>
+          <a:p>
+            <a:pPr algn="ctr"/>
+            <a:endParaRPr lang="en-US"/>
+          </a:p>
+        </p:txBody>
+      </p:sp>
+      <p:sp>
+        <p:nvSpPr>
+          <p:cNvPr id="87" name="TextBox 86">
+            <a:extLst>
+              <a:ext uri="{FF2B5EF4-FFF2-40B4-BE49-F238E27FC236}">
+                <a16:creationId xmlns:a16="http://schemas.microsoft.com/office/drawing/2014/main" id="{0521665A-D4C4-9086-3609-B0CF8C6E9E44}"/>
+              </a:ext>
+            </a:extLst>
+          </p:cNvPr>
+          <p:cNvSpPr txBox="1"/>
+          <p:nvPr/>
+        </p:nvSpPr>
+        <p:spPr>
+          <a:xfrm>
+            <a:off x="1810372" y="2128851"/>
+            <a:ext cx="1102353" cy="276999"/>
+          </a:xfrm>
+          <a:prstGeom prst="rect">
+            <a:avLst/>
+          </a:prstGeom>
+          <a:noFill/>
+        </p:spPr>
+        <p:txBody>
+          <a:bodyPr wrap="none" rtlCol="0">
+            <a:spAutoFit/>
+          </a:bodyPr>
+          <a:lstStyle/>
+          <a:p>
+            <a:r>
+              <a:rPr lang="en-US" sz="1200" b="1" i="1" dirty="0"/>
+              <a:t>virtio_disk_rw</a:t>
+            </a:r>
+          </a:p>
+        </p:txBody>
+      </p:sp>
+      <p:cxnSp>
+        <p:nvCxnSpPr>
+          <p:cNvPr id="97" name="Straight Arrow Connector 96">
+            <a:extLst>
+              <a:ext uri="{FF2B5EF4-FFF2-40B4-BE49-F238E27FC236}">
+                <a16:creationId xmlns:a16="http://schemas.microsoft.com/office/drawing/2014/main" id="{144C887A-E67E-FECD-78F7-64C9EC830FE5}"/>
+              </a:ext>
+            </a:extLst>
+          </p:cNvPr>
+          <p:cNvCxnSpPr>
+            <a:cxnSpLocks/>
+            <a:stCxn id="45" idx="3"/>
+            <a:endCxn id="5" idx="2"/>
+          </p:cNvCxnSpPr>
+          <p:nvPr/>
+        </p:nvCxnSpPr>
+        <p:spPr>
+          <a:xfrm flipV="1">
+            <a:off x="2676565" y="2365900"/>
+            <a:ext cx="1055385" cy="2377648"/>
+          </a:xfrm>
+          <a:prstGeom prst="straightConnector1">
+            <a:avLst/>
+          </a:prstGeom>
+          <a:ln>
+            <a:tailEnd type="triangle"/>
+          </a:ln>
+        </p:spPr>
+        <p:style>
+          <a:lnRef idx="3">
+            <a:schemeClr val="accent1"/>
+          </a:lnRef>
+          <a:fillRef idx="0">
+            <a:schemeClr val="accent1"/>
+          </a:fillRef>
+          <a:effectRef idx="2">
+            <a:schemeClr val="accent1"/>
+          </a:effectRef>
+          <a:fontRef idx="minor">
+            <a:schemeClr val="tx1"/>
+          </a:fontRef>
+        </p:style>
+      </p:cxnSp>
+      <p:sp>
+        <p:nvSpPr>
+          <p:cNvPr id="60" name="Rectangle 59">
+            <a:extLst>
+              <a:ext uri="{FF2B5EF4-FFF2-40B4-BE49-F238E27FC236}">
+                <a16:creationId xmlns:a16="http://schemas.microsoft.com/office/drawing/2014/main" id="{9004F27C-DE3A-B75B-CACC-DDB369088845}"/>
+              </a:ext>
+            </a:extLst>
+          </p:cNvPr>
+          <p:cNvSpPr/>
+          <p:nvPr/>
+        </p:nvSpPr>
+        <p:spPr>
+          <a:xfrm>
+            <a:off x="2879228" y="3341674"/>
+            <a:ext cx="919277" cy="240440"/>
+          </a:xfrm>
+          <a:prstGeom prst="rect">
+            <a:avLst/>
+          </a:prstGeom>
+          <a:solidFill>
+            <a:srgbClr val="0070C0"/>
+          </a:solidFill>
+          <a:ln>
+            <a:solidFill>
+              <a:srgbClr val="FF0000"/>
+            </a:solidFill>
+          </a:ln>
+        </p:spPr>
+        <p:style>
+          <a:lnRef idx="2">
+            <a:schemeClr val="accent1">
+              <a:shade val="50000"/>
+            </a:schemeClr>
+          </a:lnRef>
+          <a:fillRef idx="1">
+            <a:schemeClr val="accent1"/>
+          </a:fillRef>
+          <a:effectRef idx="0">
+            <a:schemeClr val="accent1"/>
+          </a:effectRef>
+          <a:fontRef idx="minor">
+            <a:schemeClr val="lt1"/>
+          </a:fontRef>
+        </p:style>
+        <p:txBody>
+          <a:bodyPr rtlCol="0" anchor="ctr"/>
+          <a:lstStyle/>
+          <a:p>
+            <a:pPr algn="ctr"/>
+            <a:r>
+              <a:rPr lang="en-US" sz="1200" i="1" dirty="0">
+                <a:solidFill>
+                  <a:schemeClr val="bg1"/>
+                </a:solidFill>
+              </a:rPr>
+              <a:t>write_log()</a:t>
+            </a:r>
+          </a:p>
+        </p:txBody>
+      </p:sp>
+      <p:cxnSp>
+        <p:nvCxnSpPr>
+          <p:cNvPr id="99" name="Straight Arrow Connector 98">
+            <a:extLst>
+              <a:ext uri="{FF2B5EF4-FFF2-40B4-BE49-F238E27FC236}">
+                <a16:creationId xmlns:a16="http://schemas.microsoft.com/office/drawing/2014/main" id="{1B00B007-360C-B673-1768-BE03A16A0F8E}"/>
+              </a:ext>
+            </a:extLst>
+          </p:cNvPr>
+          <p:cNvCxnSpPr>
+            <a:stCxn id="56" idx="1"/>
+            <a:endCxn id="45" idx="3"/>
+          </p:cNvCxnSpPr>
+          <p:nvPr/>
+        </p:nvCxnSpPr>
+        <p:spPr>
+          <a:xfrm flipH="1" flipV="1">
+            <a:off x="2676565" y="4743548"/>
+            <a:ext cx="141615" cy="335177"/>
+          </a:xfrm>
+          <a:prstGeom prst="straightConnector1">
+            <a:avLst/>
+          </a:prstGeom>
+          <a:ln>
+            <a:solidFill>
+              <a:srgbClr val="00B0F0"/>
+            </a:solidFill>
+            <a:tailEnd type="triangle"/>
+          </a:ln>
+        </p:spPr>
+        <p:style>
+          <a:lnRef idx="3">
+            <a:schemeClr val="accent1"/>
+          </a:lnRef>
+          <a:fillRef idx="0">
+            <a:schemeClr val="accent1"/>
+          </a:fillRef>
+          <a:effectRef idx="2">
+            <a:schemeClr val="accent1"/>
+          </a:effectRef>
+          <a:fontRef idx="minor">
+            <a:schemeClr val="tx1"/>
+          </a:fontRef>
+        </p:style>
+      </p:cxnSp>
+      <p:cxnSp>
+        <p:nvCxnSpPr>
+          <p:cNvPr id="102" name="Elbow Connector 101">
+            <a:extLst>
+              <a:ext uri="{FF2B5EF4-FFF2-40B4-BE49-F238E27FC236}">
+                <a16:creationId xmlns:a16="http://schemas.microsoft.com/office/drawing/2014/main" id="{D00B36F0-FA84-5A1A-A28A-B3C1260C7575}"/>
+              </a:ext>
+            </a:extLst>
+          </p:cNvPr>
+          <p:cNvCxnSpPr>
+            <a:cxnSpLocks/>
+            <a:stCxn id="44" idx="1"/>
+            <a:endCxn id="58" idx="2"/>
+          </p:cNvCxnSpPr>
+          <p:nvPr/>
+        </p:nvCxnSpPr>
+        <p:spPr>
+          <a:xfrm rot="10800000">
+            <a:off x="568356" y="4011040"/>
+            <a:ext cx="646548" cy="1072497"/>
+          </a:xfrm>
+          <a:prstGeom prst="bentConnector2">
+            <a:avLst/>
+          </a:prstGeom>
+          <a:ln>
+            <a:tailEnd type="none"/>
+          </a:ln>
+        </p:spPr>
+        <p:style>
+          <a:lnRef idx="3">
+            <a:schemeClr val="accent6"/>
+          </a:lnRef>
+          <a:fillRef idx="0">
+            <a:schemeClr val="accent6"/>
+          </a:fillRef>
+          <a:effectRef idx="2">
+            <a:schemeClr val="accent6"/>
+          </a:effectRef>
+          <a:fontRef idx="minor">
+            <a:schemeClr val="tx1"/>
+          </a:fontRef>
+        </p:style>
+      </p:cxnSp>
+      <p:cxnSp>
+        <p:nvCxnSpPr>
+          <p:cNvPr id="106" name="Elbow Connector 105">
+            <a:extLst>
+              <a:ext uri="{FF2B5EF4-FFF2-40B4-BE49-F238E27FC236}">
+                <a16:creationId xmlns:a16="http://schemas.microsoft.com/office/drawing/2014/main" id="{470E2024-641E-BE03-B551-7EEECFEDF97B}"/>
+              </a:ext>
+            </a:extLst>
+          </p:cNvPr>
+          <p:cNvCxnSpPr>
+            <a:stCxn id="58" idx="0"/>
+            <a:endCxn id="29" idx="0"/>
+          </p:cNvCxnSpPr>
+          <p:nvPr/>
+        </p:nvCxnSpPr>
+        <p:spPr>
+          <a:xfrm rot="5400000" flipH="1" flipV="1">
+            <a:off x="731213" y="1258891"/>
+            <a:ext cx="2291904" cy="2617618"/>
+          </a:xfrm>
+          <a:prstGeom prst="bentConnector3">
+            <a:avLst>
+              <a:gd name="adj1" fmla="val 109974"/>
+            </a:avLst>
+          </a:prstGeom>
+          <a:ln>
+            <a:tailEnd type="triangle"/>
+          </a:ln>
+        </p:spPr>
+        <p:style>
+          <a:lnRef idx="3">
+            <a:schemeClr val="accent6"/>
+          </a:lnRef>
+          <a:fillRef idx="0">
+            <a:schemeClr val="accent6"/>
+          </a:fillRef>
+          <a:effectRef idx="2">
+            <a:schemeClr val="accent6"/>
+          </a:effectRef>
+          <a:fontRef idx="minor">
+            <a:schemeClr val="tx1"/>
+          </a:fontRef>
+        </p:style>
+      </p:cxnSp>
+      <p:cxnSp>
+        <p:nvCxnSpPr>
+          <p:cNvPr id="108" name="Elbow Connector 107">
+            <a:extLst>
+              <a:ext uri="{FF2B5EF4-FFF2-40B4-BE49-F238E27FC236}">
+                <a16:creationId xmlns:a16="http://schemas.microsoft.com/office/drawing/2014/main" id="{1F31C60A-9227-8995-E948-E11F362036F8}"/>
+              </a:ext>
+            </a:extLst>
+          </p:cNvPr>
+          <p:cNvCxnSpPr>
+            <a:stCxn id="5" idx="2"/>
+            <a:endCxn id="20" idx="2"/>
+          </p:cNvCxnSpPr>
+          <p:nvPr/>
+        </p:nvCxnSpPr>
+        <p:spPr>
+          <a:xfrm rot="16200000" flipH="1">
+            <a:off x="5492366" y="605484"/>
+            <a:ext cx="12700" cy="3520832"/>
+          </a:xfrm>
+          <a:prstGeom prst="bentConnector3">
+            <a:avLst>
+              <a:gd name="adj1" fmla="val 1800000"/>
+            </a:avLst>
+          </a:prstGeom>
+          <a:ln>
+            <a:tailEnd type="triangle"/>
+          </a:ln>
+        </p:spPr>
+        <p:style>
+          <a:lnRef idx="3">
+            <a:schemeClr val="accent4"/>
+          </a:lnRef>
+          <a:fillRef idx="0">
+            <a:schemeClr val="accent4"/>
+          </a:fillRef>
+          <a:effectRef idx="2">
+            <a:schemeClr val="accent4"/>
+          </a:effectRef>
+          <a:fontRef idx="minor">
+            <a:schemeClr val="tx1"/>
+          </a:fontRef>
+        </p:style>
+      </p:cxnSp>
+      <p:sp>
+        <p:nvSpPr>
+          <p:cNvPr id="59" name="Rectangle 58">
+            <a:extLst>
+              <a:ext uri="{FF2B5EF4-FFF2-40B4-BE49-F238E27FC236}">
+                <a16:creationId xmlns:a16="http://schemas.microsoft.com/office/drawing/2014/main" id="{DDAEA412-BB9C-B9A8-4469-99E7E3539B28}"/>
+              </a:ext>
+            </a:extLst>
+          </p:cNvPr>
+          <p:cNvSpPr/>
+          <p:nvPr/>
+        </p:nvSpPr>
+        <p:spPr>
+          <a:xfrm>
+            <a:off x="5124232" y="2475052"/>
+            <a:ext cx="1110781" cy="297387"/>
+          </a:xfrm>
+          <a:prstGeom prst="rect">
+            <a:avLst/>
+          </a:prstGeom>
+          <a:solidFill>
+            <a:srgbClr val="FFFF00"/>
+          </a:solidFill>
+          <a:ln>
+            <a:solidFill>
+              <a:srgbClr val="FF0000"/>
+            </a:solidFill>
+          </a:ln>
+        </p:spPr>
+        <p:style>
+          <a:lnRef idx="2">
+            <a:schemeClr val="accent1">
+              <a:shade val="50000"/>
+            </a:schemeClr>
+          </a:lnRef>
+          <a:fillRef idx="1">
+            <a:schemeClr val="accent1"/>
+          </a:fillRef>
+          <a:effectRef idx="0">
+            <a:schemeClr val="accent1"/>
+          </a:effectRef>
+          <a:fontRef idx="minor">
+            <a:schemeClr val="lt1"/>
+          </a:fontRef>
+        </p:style>
+        <p:txBody>
+          <a:bodyPr rtlCol="0" anchor="ctr"/>
+          <a:lstStyle/>
+          <a:p>
+            <a:pPr algn="ctr"/>
+            <a:r>
+              <a:rPr lang="en-US" sz="1200" i="1" dirty="0">
+                <a:solidFill>
+                  <a:schemeClr val="bg1"/>
+                </a:solidFill>
+              </a:rPr>
+              <a:t>Install_trans()</a:t>
             </a:r>
           </a:p>
         </p:txBody>
@@ -20521,6 +23322,3346 @@
     <p:extLst>
       <p:ext uri="{BB962C8B-B14F-4D97-AF65-F5344CB8AC3E}">
         <p14:creationId xmlns:p14="http://schemas.microsoft.com/office/powerpoint/2010/main" val="501874486"/>
+      </p:ext>
+    </p:extLst>
+  </p:cSld>
+  <p:clrMapOvr>
+    <a:masterClrMapping/>
+  </p:clrMapOvr>
+</p:sld>
+</file>
+
+<file path=ppt/slides/slide18.xml><?xml version="1.0" encoding="utf-8"?>
+<p:sld xmlns:a="http://schemas.openxmlformats.org/drawingml/2006/main" xmlns:r="http://schemas.openxmlformats.org/officeDocument/2006/relationships" xmlns:p="http://schemas.openxmlformats.org/presentationml/2006/main">
+  <p:cSld>
+    <p:spTree>
+      <p:nvGrpSpPr>
+        <p:cNvPr id="1" name=""/>
+        <p:cNvGrpSpPr/>
+        <p:nvPr/>
+      </p:nvGrpSpPr>
+      <p:grpSpPr>
+        <a:xfrm>
+          <a:off x="0" y="0"/>
+          <a:ext cx="0" cy="0"/>
+          <a:chOff x="0" y="0"/>
+          <a:chExt cx="0" cy="0"/>
+        </a:xfrm>
+      </p:grpSpPr>
+      <p:sp>
+        <p:nvSpPr>
+          <p:cNvPr id="2" name="TextBox 1">
+            <a:extLst>
+              <a:ext uri="{FF2B5EF4-FFF2-40B4-BE49-F238E27FC236}">
+                <a16:creationId xmlns:a16="http://schemas.microsoft.com/office/drawing/2014/main" id="{A99980E2-A3A9-FD4A-9011-9A37E88F5891}"/>
+              </a:ext>
+            </a:extLst>
+          </p:cNvPr>
+          <p:cNvSpPr txBox="1"/>
+          <p:nvPr/>
+        </p:nvSpPr>
+        <p:spPr>
+          <a:xfrm>
+            <a:off x="1872537" y="277843"/>
+            <a:ext cx="8446926" cy="707886"/>
+          </a:xfrm>
+          <a:prstGeom prst="rect">
+            <a:avLst/>
+          </a:prstGeom>
+          <a:noFill/>
+        </p:spPr>
+        <p:txBody>
+          <a:bodyPr wrap="square" rtlCol="0">
+            <a:spAutoFit/>
+          </a:bodyPr>
+          <a:lstStyle/>
+          <a:p>
+            <a:pPr algn="ctr"/>
+            <a:r>
+              <a:rPr lang="en-US" sz="4000" dirty="0">
+                <a:solidFill>
+                  <a:schemeClr val="accent1">
+                    <a:lumMod val="60000"/>
+                    <a:lumOff val="40000"/>
+                  </a:schemeClr>
+                </a:solidFill>
+              </a:rPr>
+              <a:t>Logging</a:t>
+            </a:r>
+          </a:p>
+        </p:txBody>
+      </p:sp>
+      <p:sp>
+        <p:nvSpPr>
+          <p:cNvPr id="3" name="Rectangle 2">
+            <a:extLst>
+              <a:ext uri="{FF2B5EF4-FFF2-40B4-BE49-F238E27FC236}">
+                <a16:creationId xmlns:a16="http://schemas.microsoft.com/office/drawing/2014/main" id="{2283F882-560C-CF6D-F386-6AF87044BF0D}"/>
+              </a:ext>
+            </a:extLst>
+          </p:cNvPr>
+          <p:cNvSpPr/>
+          <p:nvPr/>
+        </p:nvSpPr>
+        <p:spPr>
+          <a:xfrm>
+            <a:off x="2883136" y="1429306"/>
+            <a:ext cx="6030046" cy="976544"/>
+          </a:xfrm>
+          <a:prstGeom prst="rect">
+            <a:avLst/>
+          </a:prstGeom>
+          <a:noFill/>
+          <a:ln>
+            <a:solidFill>
+              <a:srgbClr val="FF0000"/>
+            </a:solidFill>
+          </a:ln>
+        </p:spPr>
+        <p:style>
+          <a:lnRef idx="2">
+            <a:schemeClr val="accent1">
+              <a:shade val="50000"/>
+            </a:schemeClr>
+          </a:lnRef>
+          <a:fillRef idx="1">
+            <a:schemeClr val="accent1"/>
+          </a:fillRef>
+          <a:effectRef idx="0">
+            <a:schemeClr val="accent1"/>
+          </a:effectRef>
+          <a:fontRef idx="minor">
+            <a:schemeClr val="lt1"/>
+          </a:fontRef>
+        </p:style>
+        <p:txBody>
+          <a:bodyPr rtlCol="0" anchor="ctr"/>
+          <a:lstStyle/>
+          <a:p>
+            <a:pPr algn="ctr"/>
+            <a:endParaRPr lang="en-US"/>
+          </a:p>
+        </p:txBody>
+      </p:sp>
+      <p:sp>
+        <p:nvSpPr>
+          <p:cNvPr id="4" name="TextBox 3">
+            <a:extLst>
+              <a:ext uri="{FF2B5EF4-FFF2-40B4-BE49-F238E27FC236}">
+                <a16:creationId xmlns:a16="http://schemas.microsoft.com/office/drawing/2014/main" id="{21BE89D8-8B03-9730-DAB0-23D723D7A903}"/>
+              </a:ext>
+            </a:extLst>
+          </p:cNvPr>
+          <p:cNvSpPr txBox="1"/>
+          <p:nvPr/>
+        </p:nvSpPr>
+        <p:spPr>
+          <a:xfrm>
+            <a:off x="6428817" y="1118016"/>
+            <a:ext cx="1354923" cy="369332"/>
+          </a:xfrm>
+          <a:prstGeom prst="rect">
+            <a:avLst/>
+          </a:prstGeom>
+          <a:noFill/>
+        </p:spPr>
+        <p:txBody>
+          <a:bodyPr wrap="none" rtlCol="0">
+            <a:spAutoFit/>
+          </a:bodyPr>
+          <a:lstStyle/>
+          <a:p>
+            <a:r>
+              <a:rPr lang="en-US" dirty="0"/>
+              <a:t>Data Sectors</a:t>
+            </a:r>
+          </a:p>
+        </p:txBody>
+      </p:sp>
+      <p:sp>
+        <p:nvSpPr>
+          <p:cNvPr id="5" name="Rectangle 4">
+            <a:extLst>
+              <a:ext uri="{FF2B5EF4-FFF2-40B4-BE49-F238E27FC236}">
+                <a16:creationId xmlns:a16="http://schemas.microsoft.com/office/drawing/2014/main" id="{35AE0402-847B-4B0D-B448-EBD84FEF777D}"/>
+              </a:ext>
+            </a:extLst>
+          </p:cNvPr>
+          <p:cNvSpPr/>
+          <p:nvPr/>
+        </p:nvSpPr>
+        <p:spPr>
+          <a:xfrm>
+            <a:off x="3495582" y="1469256"/>
+            <a:ext cx="472736" cy="896644"/>
+          </a:xfrm>
+          <a:prstGeom prst="rect">
+            <a:avLst/>
+          </a:prstGeom>
+        </p:spPr>
+        <p:style>
+          <a:lnRef idx="2">
+            <a:schemeClr val="accent1">
+              <a:shade val="50000"/>
+            </a:schemeClr>
+          </a:lnRef>
+          <a:fillRef idx="1">
+            <a:schemeClr val="accent1"/>
+          </a:fillRef>
+          <a:effectRef idx="0">
+            <a:schemeClr val="accent1"/>
+          </a:effectRef>
+          <a:fontRef idx="minor">
+            <a:schemeClr val="lt1"/>
+          </a:fontRef>
+        </p:style>
+        <p:txBody>
+          <a:bodyPr rtlCol="0" anchor="ctr"/>
+          <a:lstStyle/>
+          <a:p>
+            <a:pPr algn="ctr"/>
+            <a:endParaRPr lang="en-US" dirty="0"/>
+          </a:p>
+        </p:txBody>
+      </p:sp>
+      <p:sp>
+        <p:nvSpPr>
+          <p:cNvPr id="6" name="TextBox 5">
+            <a:extLst>
+              <a:ext uri="{FF2B5EF4-FFF2-40B4-BE49-F238E27FC236}">
+                <a16:creationId xmlns:a16="http://schemas.microsoft.com/office/drawing/2014/main" id="{B223C2A1-246C-E245-EA53-EFACD601BEE3}"/>
+              </a:ext>
+            </a:extLst>
+          </p:cNvPr>
+          <p:cNvSpPr txBox="1"/>
+          <p:nvPr/>
+        </p:nvSpPr>
+        <p:spPr>
+          <a:xfrm>
+            <a:off x="3495582" y="1429306"/>
+            <a:ext cx="458780" cy="276999"/>
+          </a:xfrm>
+          <a:prstGeom prst="rect">
+            <a:avLst/>
+          </a:prstGeom>
+          <a:noFill/>
+        </p:spPr>
+        <p:txBody>
+          <a:bodyPr wrap="none" rtlCol="0">
+            <a:spAutoFit/>
+          </a:bodyPr>
+          <a:lstStyle/>
+          <a:p>
+            <a:r>
+              <a:rPr lang="en-US" sz="1200" b="1" dirty="0"/>
+              <a:t>log1</a:t>
+            </a:r>
+          </a:p>
+        </p:txBody>
+      </p:sp>
+      <p:sp>
+        <p:nvSpPr>
+          <p:cNvPr id="7" name="Rectangle 6">
+            <a:extLst>
+              <a:ext uri="{FF2B5EF4-FFF2-40B4-BE49-F238E27FC236}">
+                <a16:creationId xmlns:a16="http://schemas.microsoft.com/office/drawing/2014/main" id="{3660936D-635E-8C34-1EF1-F0C64268F8C5}"/>
+              </a:ext>
+            </a:extLst>
+          </p:cNvPr>
+          <p:cNvSpPr/>
+          <p:nvPr/>
+        </p:nvSpPr>
+        <p:spPr>
+          <a:xfrm>
+            <a:off x="4039339" y="1469256"/>
+            <a:ext cx="472736" cy="896644"/>
+          </a:xfrm>
+          <a:prstGeom prst="rect">
+            <a:avLst/>
+          </a:prstGeom>
+        </p:spPr>
+        <p:style>
+          <a:lnRef idx="2">
+            <a:schemeClr val="accent1">
+              <a:shade val="50000"/>
+            </a:schemeClr>
+          </a:lnRef>
+          <a:fillRef idx="1">
+            <a:schemeClr val="accent1"/>
+          </a:fillRef>
+          <a:effectRef idx="0">
+            <a:schemeClr val="accent1"/>
+          </a:effectRef>
+          <a:fontRef idx="minor">
+            <a:schemeClr val="lt1"/>
+          </a:fontRef>
+        </p:style>
+        <p:txBody>
+          <a:bodyPr rtlCol="0" anchor="ctr"/>
+          <a:lstStyle/>
+          <a:p>
+            <a:pPr algn="ctr"/>
+            <a:endParaRPr lang="en-US" dirty="0"/>
+          </a:p>
+        </p:txBody>
+      </p:sp>
+      <p:sp>
+        <p:nvSpPr>
+          <p:cNvPr id="8" name="TextBox 7">
+            <a:extLst>
+              <a:ext uri="{FF2B5EF4-FFF2-40B4-BE49-F238E27FC236}">
+                <a16:creationId xmlns:a16="http://schemas.microsoft.com/office/drawing/2014/main" id="{678D8DF9-C611-CFCB-77B3-4BB53753B538}"/>
+              </a:ext>
+            </a:extLst>
+          </p:cNvPr>
+          <p:cNvSpPr txBox="1"/>
+          <p:nvPr/>
+        </p:nvSpPr>
+        <p:spPr>
+          <a:xfrm>
+            <a:off x="4046317" y="1434641"/>
+            <a:ext cx="458780" cy="276999"/>
+          </a:xfrm>
+          <a:prstGeom prst="rect">
+            <a:avLst/>
+          </a:prstGeom>
+          <a:noFill/>
+        </p:spPr>
+        <p:txBody>
+          <a:bodyPr wrap="none" rtlCol="0">
+            <a:spAutoFit/>
+          </a:bodyPr>
+          <a:lstStyle/>
+          <a:p>
+            <a:r>
+              <a:rPr lang="en-US" sz="1200" b="1" dirty="0"/>
+              <a:t>log2</a:t>
+            </a:r>
+          </a:p>
+        </p:txBody>
+      </p:sp>
+      <p:sp>
+        <p:nvSpPr>
+          <p:cNvPr id="9" name="Rectangle 8">
+            <a:extLst>
+              <a:ext uri="{FF2B5EF4-FFF2-40B4-BE49-F238E27FC236}">
+                <a16:creationId xmlns:a16="http://schemas.microsoft.com/office/drawing/2014/main" id="{A4034590-C5A6-4E97-CCBA-976432FF6CF7}"/>
+              </a:ext>
+            </a:extLst>
+          </p:cNvPr>
+          <p:cNvSpPr/>
+          <p:nvPr/>
+        </p:nvSpPr>
+        <p:spPr>
+          <a:xfrm>
+            <a:off x="4777360" y="1469256"/>
+            <a:ext cx="472736" cy="896644"/>
+          </a:xfrm>
+          <a:prstGeom prst="rect">
+            <a:avLst/>
+          </a:prstGeom>
+        </p:spPr>
+        <p:style>
+          <a:lnRef idx="2">
+            <a:schemeClr val="accent1">
+              <a:shade val="50000"/>
+            </a:schemeClr>
+          </a:lnRef>
+          <a:fillRef idx="1">
+            <a:schemeClr val="accent1"/>
+          </a:fillRef>
+          <a:effectRef idx="0">
+            <a:schemeClr val="accent1"/>
+          </a:effectRef>
+          <a:fontRef idx="minor">
+            <a:schemeClr val="lt1"/>
+          </a:fontRef>
+        </p:style>
+        <p:txBody>
+          <a:bodyPr rtlCol="0" anchor="ctr"/>
+          <a:lstStyle/>
+          <a:p>
+            <a:pPr algn="ctr"/>
+            <a:endParaRPr lang="en-US" dirty="0"/>
+          </a:p>
+        </p:txBody>
+      </p:sp>
+      <p:sp>
+        <p:nvSpPr>
+          <p:cNvPr id="10" name="TextBox 9">
+            <a:extLst>
+              <a:ext uri="{FF2B5EF4-FFF2-40B4-BE49-F238E27FC236}">
+                <a16:creationId xmlns:a16="http://schemas.microsoft.com/office/drawing/2014/main" id="{8724D329-7A83-BAAA-9D92-895F23A234AC}"/>
+              </a:ext>
+            </a:extLst>
+          </p:cNvPr>
+          <p:cNvSpPr txBox="1"/>
+          <p:nvPr/>
+        </p:nvSpPr>
+        <p:spPr>
+          <a:xfrm>
+            <a:off x="4774720" y="1439502"/>
+            <a:ext cx="463588" cy="276999"/>
+          </a:xfrm>
+          <a:prstGeom prst="rect">
+            <a:avLst/>
+          </a:prstGeom>
+          <a:noFill/>
+        </p:spPr>
+        <p:txBody>
+          <a:bodyPr wrap="none" rtlCol="0">
+            <a:spAutoFit/>
+          </a:bodyPr>
+          <a:lstStyle/>
+          <a:p>
+            <a:r>
+              <a:rPr lang="en-US" sz="1200" b="1" dirty="0"/>
+              <a:t>logn</a:t>
+            </a:r>
+          </a:p>
+        </p:txBody>
+      </p:sp>
+      <p:sp>
+        <p:nvSpPr>
+          <p:cNvPr id="11" name="TextBox 10">
+            <a:extLst>
+              <a:ext uri="{FF2B5EF4-FFF2-40B4-BE49-F238E27FC236}">
+                <a16:creationId xmlns:a16="http://schemas.microsoft.com/office/drawing/2014/main" id="{129002D7-51FD-D1D1-E072-02B3213EAB4A}"/>
+              </a:ext>
+            </a:extLst>
+          </p:cNvPr>
+          <p:cNvSpPr txBox="1"/>
+          <p:nvPr/>
+        </p:nvSpPr>
+        <p:spPr>
+          <a:xfrm>
+            <a:off x="4480768" y="1686746"/>
+            <a:ext cx="357790" cy="369332"/>
+          </a:xfrm>
+          <a:prstGeom prst="rect">
+            <a:avLst/>
+          </a:prstGeom>
+          <a:noFill/>
+        </p:spPr>
+        <p:txBody>
+          <a:bodyPr wrap="none" rtlCol="0">
+            <a:spAutoFit/>
+          </a:bodyPr>
+          <a:lstStyle/>
+          <a:p>
+            <a:r>
+              <a:rPr lang="en-US" dirty="0"/>
+              <a:t>...</a:t>
+            </a:r>
+          </a:p>
+        </p:txBody>
+      </p:sp>
+      <p:sp>
+        <p:nvSpPr>
+          <p:cNvPr id="13" name="Right Brace 12">
+            <a:extLst>
+              <a:ext uri="{FF2B5EF4-FFF2-40B4-BE49-F238E27FC236}">
+                <a16:creationId xmlns:a16="http://schemas.microsoft.com/office/drawing/2014/main" id="{61D91ED9-B82F-4803-B40C-92CA930D1B52}"/>
+              </a:ext>
+            </a:extLst>
+          </p:cNvPr>
+          <p:cNvSpPr/>
+          <p:nvPr/>
+        </p:nvSpPr>
+        <p:spPr>
+          <a:xfrm rot="16200000">
+            <a:off x="3887158" y="332312"/>
+            <a:ext cx="364869" cy="1803805"/>
+          </a:xfrm>
+          <a:prstGeom prst="rightBrace">
+            <a:avLst>
+              <a:gd name="adj1" fmla="val 76343"/>
+              <a:gd name="adj2" fmla="val 50000"/>
+            </a:avLst>
+          </a:prstGeom>
+        </p:spPr>
+        <p:style>
+          <a:lnRef idx="3">
+            <a:schemeClr val="accent1"/>
+          </a:lnRef>
+          <a:fillRef idx="0">
+            <a:schemeClr val="accent1"/>
+          </a:fillRef>
+          <a:effectRef idx="2">
+            <a:schemeClr val="accent1"/>
+          </a:effectRef>
+          <a:fontRef idx="minor">
+            <a:schemeClr val="tx1"/>
+          </a:fontRef>
+        </p:style>
+        <p:txBody>
+          <a:bodyPr rtlCol="0" anchor="ctr"/>
+          <a:lstStyle/>
+          <a:p>
+            <a:pPr algn="ctr"/>
+            <a:endParaRPr lang="en-US"/>
+          </a:p>
+        </p:txBody>
+      </p:sp>
+      <p:sp>
+        <p:nvSpPr>
+          <p:cNvPr id="14" name="TextBox 13">
+            <a:extLst>
+              <a:ext uri="{FF2B5EF4-FFF2-40B4-BE49-F238E27FC236}">
+                <a16:creationId xmlns:a16="http://schemas.microsoft.com/office/drawing/2014/main" id="{CECFE09B-5FC3-9437-415F-5CB17D35C59E}"/>
+              </a:ext>
+            </a:extLst>
+          </p:cNvPr>
+          <p:cNvSpPr txBox="1"/>
+          <p:nvPr/>
+        </p:nvSpPr>
+        <p:spPr>
+          <a:xfrm>
+            <a:off x="3835393" y="730367"/>
+            <a:ext cx="468398" cy="369332"/>
+          </a:xfrm>
+          <a:prstGeom prst="rect">
+            <a:avLst/>
+          </a:prstGeom>
+          <a:noFill/>
+        </p:spPr>
+        <p:txBody>
+          <a:bodyPr wrap="none" rtlCol="0">
+            <a:spAutoFit/>
+          </a:bodyPr>
+          <a:lstStyle/>
+          <a:p>
+            <a:r>
+              <a:rPr lang="en-US" dirty="0"/>
+              <a:t>log</a:t>
+            </a:r>
+          </a:p>
+        </p:txBody>
+      </p:sp>
+      <p:sp>
+        <p:nvSpPr>
+          <p:cNvPr id="15" name="Rectangle 14">
+            <a:extLst>
+              <a:ext uri="{FF2B5EF4-FFF2-40B4-BE49-F238E27FC236}">
+                <a16:creationId xmlns:a16="http://schemas.microsoft.com/office/drawing/2014/main" id="{EDDA81B1-E520-6049-9816-BC8F3E124D61}"/>
+              </a:ext>
+            </a:extLst>
+          </p:cNvPr>
+          <p:cNvSpPr/>
+          <p:nvPr/>
+        </p:nvSpPr>
+        <p:spPr>
+          <a:xfrm>
+            <a:off x="5378009" y="1469256"/>
+            <a:ext cx="472736" cy="896644"/>
+          </a:xfrm>
+          <a:prstGeom prst="rect">
+            <a:avLst/>
+          </a:prstGeom>
+          <a:solidFill>
+            <a:schemeClr val="accent2"/>
+          </a:solidFill>
+          <a:ln>
+            <a:noFill/>
+          </a:ln>
+        </p:spPr>
+        <p:style>
+          <a:lnRef idx="2">
+            <a:schemeClr val="accent1">
+              <a:shade val="50000"/>
+            </a:schemeClr>
+          </a:lnRef>
+          <a:fillRef idx="1">
+            <a:schemeClr val="accent1"/>
+          </a:fillRef>
+          <a:effectRef idx="0">
+            <a:schemeClr val="accent1"/>
+          </a:effectRef>
+          <a:fontRef idx="minor">
+            <a:schemeClr val="lt1"/>
+          </a:fontRef>
+        </p:style>
+        <p:txBody>
+          <a:bodyPr rtlCol="0" anchor="ctr"/>
+          <a:lstStyle/>
+          <a:p>
+            <a:pPr algn="ctr"/>
+            <a:endParaRPr lang="en-US" dirty="0"/>
+          </a:p>
+        </p:txBody>
+      </p:sp>
+      <p:sp>
+        <p:nvSpPr>
+          <p:cNvPr id="16" name="Rectangle 15">
+            <a:extLst>
+              <a:ext uri="{FF2B5EF4-FFF2-40B4-BE49-F238E27FC236}">
+                <a16:creationId xmlns:a16="http://schemas.microsoft.com/office/drawing/2014/main" id="{1525B466-AECD-2E3C-C6A2-56241F1EC63D}"/>
+              </a:ext>
+            </a:extLst>
+          </p:cNvPr>
+          <p:cNvSpPr/>
+          <p:nvPr/>
+        </p:nvSpPr>
+        <p:spPr>
+          <a:xfrm>
+            <a:off x="5922766" y="1469256"/>
+            <a:ext cx="472736" cy="896644"/>
+          </a:xfrm>
+          <a:prstGeom prst="rect">
+            <a:avLst/>
+          </a:prstGeom>
+          <a:solidFill>
+            <a:schemeClr val="accent2"/>
+          </a:solidFill>
+          <a:ln>
+            <a:noFill/>
+          </a:ln>
+        </p:spPr>
+        <p:style>
+          <a:lnRef idx="2">
+            <a:schemeClr val="accent1">
+              <a:shade val="50000"/>
+            </a:schemeClr>
+          </a:lnRef>
+          <a:fillRef idx="1">
+            <a:schemeClr val="accent1"/>
+          </a:fillRef>
+          <a:effectRef idx="0">
+            <a:schemeClr val="accent1"/>
+          </a:effectRef>
+          <a:fontRef idx="minor">
+            <a:schemeClr val="lt1"/>
+          </a:fontRef>
+        </p:style>
+        <p:txBody>
+          <a:bodyPr rtlCol="0" anchor="ctr"/>
+          <a:lstStyle/>
+          <a:p>
+            <a:pPr algn="ctr"/>
+            <a:endParaRPr lang="en-US" dirty="0"/>
+          </a:p>
+        </p:txBody>
+      </p:sp>
+      <p:sp>
+        <p:nvSpPr>
+          <p:cNvPr id="18" name="TextBox 17">
+            <a:extLst>
+              <a:ext uri="{FF2B5EF4-FFF2-40B4-BE49-F238E27FC236}">
+                <a16:creationId xmlns:a16="http://schemas.microsoft.com/office/drawing/2014/main" id="{492F16C7-4B16-93E0-179C-8D47AA98E440}"/>
+              </a:ext>
+            </a:extLst>
+          </p:cNvPr>
+          <p:cNvSpPr txBox="1"/>
+          <p:nvPr/>
+        </p:nvSpPr>
+        <p:spPr>
+          <a:xfrm>
+            <a:off x="6438112" y="1686746"/>
+            <a:ext cx="357790" cy="369332"/>
+          </a:xfrm>
+          <a:prstGeom prst="rect">
+            <a:avLst/>
+          </a:prstGeom>
+          <a:noFill/>
+        </p:spPr>
+        <p:txBody>
+          <a:bodyPr wrap="none" rtlCol="0">
+            <a:spAutoFit/>
+          </a:bodyPr>
+          <a:lstStyle/>
+          <a:p>
+            <a:r>
+              <a:rPr lang="en-US" dirty="0"/>
+              <a:t>...</a:t>
+            </a:r>
+          </a:p>
+        </p:txBody>
+      </p:sp>
+      <p:sp>
+        <p:nvSpPr>
+          <p:cNvPr id="19" name="Rectangle 18">
+            <a:extLst>
+              <a:ext uri="{FF2B5EF4-FFF2-40B4-BE49-F238E27FC236}">
+                <a16:creationId xmlns:a16="http://schemas.microsoft.com/office/drawing/2014/main" id="{4E4882F5-5BE7-2A8E-40EA-C55F495ED0D4}"/>
+              </a:ext>
+            </a:extLst>
+          </p:cNvPr>
+          <p:cNvSpPr/>
+          <p:nvPr/>
+        </p:nvSpPr>
+        <p:spPr>
+          <a:xfrm>
+            <a:off x="6469170" y="1471477"/>
+            <a:ext cx="472736" cy="896644"/>
+          </a:xfrm>
+          <a:prstGeom prst="rect">
+            <a:avLst/>
+          </a:prstGeom>
+          <a:solidFill>
+            <a:schemeClr val="accent2"/>
+          </a:solidFill>
+          <a:ln>
+            <a:noFill/>
+          </a:ln>
+        </p:spPr>
+        <p:style>
+          <a:lnRef idx="2">
+            <a:schemeClr val="accent1">
+              <a:shade val="50000"/>
+            </a:schemeClr>
+          </a:lnRef>
+          <a:fillRef idx="1">
+            <a:schemeClr val="accent1"/>
+          </a:fillRef>
+          <a:effectRef idx="0">
+            <a:schemeClr val="accent1"/>
+          </a:effectRef>
+          <a:fontRef idx="minor">
+            <a:schemeClr val="lt1"/>
+          </a:fontRef>
+        </p:style>
+        <p:txBody>
+          <a:bodyPr rtlCol="0" anchor="ctr"/>
+          <a:lstStyle/>
+          <a:p>
+            <a:pPr algn="ctr"/>
+            <a:endParaRPr lang="en-US" dirty="0"/>
+          </a:p>
+        </p:txBody>
+      </p:sp>
+      <p:sp>
+        <p:nvSpPr>
+          <p:cNvPr id="20" name="Rectangle 19">
+            <a:extLst>
+              <a:ext uri="{FF2B5EF4-FFF2-40B4-BE49-F238E27FC236}">
+                <a16:creationId xmlns:a16="http://schemas.microsoft.com/office/drawing/2014/main" id="{1305FB23-ACF5-45D8-B3C1-D410501DC1F5}"/>
+              </a:ext>
+            </a:extLst>
+          </p:cNvPr>
+          <p:cNvSpPr/>
+          <p:nvPr/>
+        </p:nvSpPr>
+        <p:spPr>
+          <a:xfrm>
+            <a:off x="7016414" y="1469256"/>
+            <a:ext cx="472736" cy="896644"/>
+          </a:xfrm>
+          <a:prstGeom prst="rect">
+            <a:avLst/>
+          </a:prstGeom>
+          <a:solidFill>
+            <a:schemeClr val="accent2"/>
+          </a:solidFill>
+          <a:ln>
+            <a:noFill/>
+          </a:ln>
+        </p:spPr>
+        <p:style>
+          <a:lnRef idx="2">
+            <a:schemeClr val="accent1">
+              <a:shade val="50000"/>
+            </a:schemeClr>
+          </a:lnRef>
+          <a:fillRef idx="1">
+            <a:schemeClr val="accent1"/>
+          </a:fillRef>
+          <a:effectRef idx="0">
+            <a:schemeClr val="accent1"/>
+          </a:effectRef>
+          <a:fontRef idx="minor">
+            <a:schemeClr val="lt1"/>
+          </a:fontRef>
+        </p:style>
+        <p:txBody>
+          <a:bodyPr rtlCol="0" anchor="ctr"/>
+          <a:lstStyle/>
+          <a:p>
+            <a:pPr algn="ctr"/>
+            <a:endParaRPr lang="en-US" dirty="0"/>
+          </a:p>
+        </p:txBody>
+      </p:sp>
+      <p:sp>
+        <p:nvSpPr>
+          <p:cNvPr id="21" name="Rectangle 20">
+            <a:extLst>
+              <a:ext uri="{FF2B5EF4-FFF2-40B4-BE49-F238E27FC236}">
+                <a16:creationId xmlns:a16="http://schemas.microsoft.com/office/drawing/2014/main" id="{F7EEAD1B-3B59-1339-8E4D-E52DA1CA378C}"/>
+              </a:ext>
+            </a:extLst>
+          </p:cNvPr>
+          <p:cNvSpPr/>
+          <p:nvPr/>
+        </p:nvSpPr>
+        <p:spPr>
+          <a:xfrm>
+            <a:off x="8369492" y="1469256"/>
+            <a:ext cx="472736" cy="896644"/>
+          </a:xfrm>
+          <a:prstGeom prst="rect">
+            <a:avLst/>
+          </a:prstGeom>
+          <a:solidFill>
+            <a:schemeClr val="accent2"/>
+          </a:solidFill>
+          <a:ln>
+            <a:noFill/>
+          </a:ln>
+        </p:spPr>
+        <p:style>
+          <a:lnRef idx="2">
+            <a:schemeClr val="accent1">
+              <a:shade val="50000"/>
+            </a:schemeClr>
+          </a:lnRef>
+          <a:fillRef idx="1">
+            <a:schemeClr val="accent1"/>
+          </a:fillRef>
+          <a:effectRef idx="0">
+            <a:schemeClr val="accent1"/>
+          </a:effectRef>
+          <a:fontRef idx="minor">
+            <a:schemeClr val="lt1"/>
+          </a:fontRef>
+        </p:style>
+        <p:txBody>
+          <a:bodyPr rtlCol="0" anchor="ctr"/>
+          <a:lstStyle/>
+          <a:p>
+            <a:pPr algn="ctr"/>
+            <a:endParaRPr lang="en-US" dirty="0"/>
+          </a:p>
+        </p:txBody>
+      </p:sp>
+      <p:sp>
+        <p:nvSpPr>
+          <p:cNvPr id="22" name="Rectangle 21">
+            <a:extLst>
+              <a:ext uri="{FF2B5EF4-FFF2-40B4-BE49-F238E27FC236}">
+                <a16:creationId xmlns:a16="http://schemas.microsoft.com/office/drawing/2014/main" id="{F20FE40C-1660-D6B3-D9B1-C9DB77BAD6F4}"/>
+              </a:ext>
+            </a:extLst>
+          </p:cNvPr>
+          <p:cNvSpPr/>
+          <p:nvPr/>
+        </p:nvSpPr>
+        <p:spPr>
+          <a:xfrm>
+            <a:off x="7820407" y="1469256"/>
+            <a:ext cx="472736" cy="896644"/>
+          </a:xfrm>
+          <a:prstGeom prst="rect">
+            <a:avLst/>
+          </a:prstGeom>
+          <a:solidFill>
+            <a:schemeClr val="accent2"/>
+          </a:solidFill>
+          <a:ln>
+            <a:noFill/>
+          </a:ln>
+        </p:spPr>
+        <p:style>
+          <a:lnRef idx="2">
+            <a:schemeClr val="accent1">
+              <a:shade val="50000"/>
+            </a:schemeClr>
+          </a:lnRef>
+          <a:fillRef idx="1">
+            <a:schemeClr val="accent1"/>
+          </a:fillRef>
+          <a:effectRef idx="0">
+            <a:schemeClr val="accent1"/>
+          </a:effectRef>
+          <a:fontRef idx="minor">
+            <a:schemeClr val="lt1"/>
+          </a:fontRef>
+        </p:style>
+        <p:txBody>
+          <a:bodyPr rtlCol="0" anchor="ctr"/>
+          <a:lstStyle/>
+          <a:p>
+            <a:pPr algn="ctr"/>
+            <a:endParaRPr lang="en-US" dirty="0"/>
+          </a:p>
+        </p:txBody>
+      </p:sp>
+      <p:sp>
+        <p:nvSpPr>
+          <p:cNvPr id="24" name="TextBox 23">
+            <a:extLst>
+              <a:ext uri="{FF2B5EF4-FFF2-40B4-BE49-F238E27FC236}">
+                <a16:creationId xmlns:a16="http://schemas.microsoft.com/office/drawing/2014/main" id="{4ED799B6-0DE8-95EE-4784-C9CEB6973828}"/>
+              </a:ext>
+            </a:extLst>
+          </p:cNvPr>
+          <p:cNvSpPr txBox="1"/>
+          <p:nvPr/>
+        </p:nvSpPr>
+        <p:spPr>
+          <a:xfrm>
+            <a:off x="7475884" y="1686746"/>
+            <a:ext cx="357790" cy="369332"/>
+          </a:xfrm>
+          <a:prstGeom prst="rect">
+            <a:avLst/>
+          </a:prstGeom>
+          <a:noFill/>
+        </p:spPr>
+        <p:txBody>
+          <a:bodyPr wrap="none" rtlCol="0">
+            <a:spAutoFit/>
+          </a:bodyPr>
+          <a:lstStyle/>
+          <a:p>
+            <a:r>
+              <a:rPr lang="en-US" dirty="0"/>
+              <a:t>...</a:t>
+            </a:r>
+          </a:p>
+        </p:txBody>
+      </p:sp>
+      <p:sp>
+        <p:nvSpPr>
+          <p:cNvPr id="27" name="Rectangle 26">
+            <a:extLst>
+              <a:ext uri="{FF2B5EF4-FFF2-40B4-BE49-F238E27FC236}">
+                <a16:creationId xmlns:a16="http://schemas.microsoft.com/office/drawing/2014/main" id="{C16654F3-DDA5-718C-9D5B-E839FCDCDF78}"/>
+              </a:ext>
+            </a:extLst>
+          </p:cNvPr>
+          <p:cNvSpPr/>
+          <p:nvPr/>
+        </p:nvSpPr>
+        <p:spPr>
+          <a:xfrm>
+            <a:off x="2952991" y="1469256"/>
+            <a:ext cx="472736" cy="896644"/>
+          </a:xfrm>
+          <a:prstGeom prst="rect">
+            <a:avLst/>
+          </a:prstGeom>
+        </p:spPr>
+        <p:style>
+          <a:lnRef idx="2">
+            <a:schemeClr val="accent1">
+              <a:shade val="50000"/>
+            </a:schemeClr>
+          </a:lnRef>
+          <a:fillRef idx="1">
+            <a:schemeClr val="accent1"/>
+          </a:fillRef>
+          <a:effectRef idx="0">
+            <a:schemeClr val="accent1"/>
+          </a:effectRef>
+          <a:fontRef idx="minor">
+            <a:schemeClr val="lt1"/>
+          </a:fontRef>
+        </p:style>
+        <p:txBody>
+          <a:bodyPr rtlCol="0" anchor="ctr"/>
+          <a:lstStyle/>
+          <a:p>
+            <a:pPr algn="ctr"/>
+            <a:endParaRPr lang="en-US" dirty="0"/>
+          </a:p>
+        </p:txBody>
+      </p:sp>
+      <p:sp>
+        <p:nvSpPr>
+          <p:cNvPr id="29" name="TextBox 28">
+            <a:extLst>
+              <a:ext uri="{FF2B5EF4-FFF2-40B4-BE49-F238E27FC236}">
+                <a16:creationId xmlns:a16="http://schemas.microsoft.com/office/drawing/2014/main" id="{5CD92863-5BAA-60C0-8BC8-3E44AC7B50C1}"/>
+              </a:ext>
+            </a:extLst>
+          </p:cNvPr>
+          <p:cNvSpPr txBox="1"/>
+          <p:nvPr/>
+        </p:nvSpPr>
+        <p:spPr>
+          <a:xfrm>
+            <a:off x="3032727" y="1421748"/>
+            <a:ext cx="306494" cy="276999"/>
+          </a:xfrm>
+          <a:prstGeom prst="rect">
+            <a:avLst/>
+          </a:prstGeom>
+          <a:noFill/>
+        </p:spPr>
+        <p:txBody>
+          <a:bodyPr wrap="none" rtlCol="0">
+            <a:spAutoFit/>
+          </a:bodyPr>
+          <a:lstStyle/>
+          <a:p>
+            <a:r>
+              <a:rPr lang="en-US" sz="1200" b="1" dirty="0"/>
+              <a:t>lh</a:t>
+            </a:r>
+          </a:p>
+        </p:txBody>
+      </p:sp>
+      <p:sp>
+        <p:nvSpPr>
+          <p:cNvPr id="30" name="Rectangle 29">
+            <a:extLst>
+              <a:ext uri="{FF2B5EF4-FFF2-40B4-BE49-F238E27FC236}">
+                <a16:creationId xmlns:a16="http://schemas.microsoft.com/office/drawing/2014/main" id="{9E011C5A-7B57-1F3A-6642-7F12EEAF4800}"/>
+              </a:ext>
+            </a:extLst>
+          </p:cNvPr>
+          <p:cNvSpPr/>
+          <p:nvPr/>
+        </p:nvSpPr>
+        <p:spPr>
+          <a:xfrm>
+            <a:off x="1133064" y="2858609"/>
+            <a:ext cx="1552381" cy="2734323"/>
+          </a:xfrm>
+          <a:prstGeom prst="rect">
+            <a:avLst/>
+          </a:prstGeom>
+        </p:spPr>
+        <p:style>
+          <a:lnRef idx="2">
+            <a:schemeClr val="accent1">
+              <a:shade val="50000"/>
+            </a:schemeClr>
+          </a:lnRef>
+          <a:fillRef idx="1">
+            <a:schemeClr val="accent1"/>
+          </a:fillRef>
+          <a:effectRef idx="0">
+            <a:schemeClr val="accent1"/>
+          </a:effectRef>
+          <a:fontRef idx="minor">
+            <a:schemeClr val="lt1"/>
+          </a:fontRef>
+        </p:style>
+        <p:txBody>
+          <a:bodyPr rtlCol="0" anchor="ctr"/>
+          <a:lstStyle/>
+          <a:p>
+            <a:pPr algn="ctr"/>
+            <a:endParaRPr lang="en-US"/>
+          </a:p>
+        </p:txBody>
+      </p:sp>
+      <p:sp>
+        <p:nvSpPr>
+          <p:cNvPr id="32" name="TextBox 31">
+            <a:extLst>
+              <a:ext uri="{FF2B5EF4-FFF2-40B4-BE49-F238E27FC236}">
+                <a16:creationId xmlns:a16="http://schemas.microsoft.com/office/drawing/2014/main" id="{37ABAB9C-575C-E152-CC65-60D6BB0BDD52}"/>
+              </a:ext>
+            </a:extLst>
+          </p:cNvPr>
+          <p:cNvSpPr txBox="1"/>
+          <p:nvPr/>
+        </p:nvSpPr>
+        <p:spPr>
+          <a:xfrm>
+            <a:off x="1378074" y="5502485"/>
+            <a:ext cx="988925" cy="369332"/>
+          </a:xfrm>
+          <a:prstGeom prst="rect">
+            <a:avLst/>
+          </a:prstGeom>
+          <a:noFill/>
+        </p:spPr>
+        <p:txBody>
+          <a:bodyPr wrap="none" rtlCol="0">
+            <a:spAutoFit/>
+          </a:bodyPr>
+          <a:lstStyle/>
+          <a:p>
+            <a:r>
+              <a:rPr lang="en-US" dirty="0"/>
+              <a:t>Memory</a:t>
+            </a:r>
+          </a:p>
+        </p:txBody>
+      </p:sp>
+      <p:sp>
+        <p:nvSpPr>
+          <p:cNvPr id="35" name="Rectangle 34">
+            <a:extLst>
+              <a:ext uri="{FF2B5EF4-FFF2-40B4-BE49-F238E27FC236}">
+                <a16:creationId xmlns:a16="http://schemas.microsoft.com/office/drawing/2014/main" id="{8DEE0ECC-A60C-5C67-D510-9CBF543E538C}"/>
+              </a:ext>
+            </a:extLst>
+          </p:cNvPr>
+          <p:cNvSpPr/>
+          <p:nvPr/>
+        </p:nvSpPr>
+        <p:spPr>
+          <a:xfrm>
+            <a:off x="1214904" y="4639654"/>
+            <a:ext cx="472736" cy="896644"/>
+          </a:xfrm>
+          <a:prstGeom prst="rect">
+            <a:avLst/>
+          </a:prstGeom>
+          <a:solidFill>
+            <a:srgbClr val="FFFF00"/>
+          </a:solidFill>
+        </p:spPr>
+        <p:style>
+          <a:lnRef idx="2">
+            <a:schemeClr val="accent1">
+              <a:shade val="50000"/>
+            </a:schemeClr>
+          </a:lnRef>
+          <a:fillRef idx="1">
+            <a:schemeClr val="accent1"/>
+          </a:fillRef>
+          <a:effectRef idx="0">
+            <a:schemeClr val="accent1"/>
+          </a:effectRef>
+          <a:fontRef idx="minor">
+            <a:schemeClr val="lt1"/>
+          </a:fontRef>
+        </p:style>
+        <p:txBody>
+          <a:bodyPr rtlCol="0" anchor="ctr"/>
+          <a:lstStyle/>
+          <a:p>
+            <a:pPr algn="ctr"/>
+            <a:endParaRPr lang="en-US" dirty="0"/>
+          </a:p>
+        </p:txBody>
+      </p:sp>
+      <p:sp>
+        <p:nvSpPr>
+          <p:cNvPr id="37" name="Rectangle 36">
+            <a:extLst>
+              <a:ext uri="{FF2B5EF4-FFF2-40B4-BE49-F238E27FC236}">
+                <a16:creationId xmlns:a16="http://schemas.microsoft.com/office/drawing/2014/main" id="{E4BFE6F3-F3F7-FFDB-B82E-F10D91CCF091}"/>
+              </a:ext>
+            </a:extLst>
+          </p:cNvPr>
+          <p:cNvSpPr/>
+          <p:nvPr/>
+        </p:nvSpPr>
+        <p:spPr>
+          <a:xfrm>
+            <a:off x="5224799" y="2405387"/>
+            <a:ext cx="920315" cy="301831"/>
+          </a:xfrm>
+          <a:prstGeom prst="rect">
+            <a:avLst/>
+          </a:prstGeom>
+          <a:solidFill>
+            <a:srgbClr val="FF0000"/>
+          </a:solidFill>
+          <a:ln>
+            <a:solidFill>
+              <a:srgbClr val="FF0000"/>
+            </a:solidFill>
+          </a:ln>
+        </p:spPr>
+        <p:style>
+          <a:lnRef idx="2">
+            <a:schemeClr val="accent1">
+              <a:shade val="50000"/>
+            </a:schemeClr>
+          </a:lnRef>
+          <a:fillRef idx="1">
+            <a:schemeClr val="accent1"/>
+          </a:fillRef>
+          <a:effectRef idx="0">
+            <a:schemeClr val="accent1"/>
+          </a:effectRef>
+          <a:fontRef idx="minor">
+            <a:schemeClr val="lt1"/>
+          </a:fontRef>
+        </p:style>
+        <p:txBody>
+          <a:bodyPr rtlCol="0" anchor="ctr"/>
+          <a:lstStyle/>
+          <a:p>
+            <a:pPr algn="ctr"/>
+            <a:r>
+              <a:rPr lang="en-US" b="1" dirty="0">
+                <a:solidFill>
+                  <a:schemeClr val="bg1"/>
+                </a:solidFill>
+              </a:rPr>
+              <a:t>Disk</a:t>
+            </a:r>
+          </a:p>
+        </p:txBody>
+      </p:sp>
+      <p:sp>
+        <p:nvSpPr>
+          <p:cNvPr id="39" name="TextBox 38">
+            <a:extLst>
+              <a:ext uri="{FF2B5EF4-FFF2-40B4-BE49-F238E27FC236}">
+                <a16:creationId xmlns:a16="http://schemas.microsoft.com/office/drawing/2014/main" id="{31ECBE6C-880D-9334-38C2-5D6F122978D4}"/>
+              </a:ext>
+            </a:extLst>
+          </p:cNvPr>
+          <p:cNvSpPr txBox="1"/>
+          <p:nvPr/>
+        </p:nvSpPr>
+        <p:spPr>
+          <a:xfrm>
+            <a:off x="1298025" y="4637432"/>
+            <a:ext cx="306494" cy="276999"/>
+          </a:xfrm>
+          <a:prstGeom prst="rect">
+            <a:avLst/>
+          </a:prstGeom>
+          <a:noFill/>
+        </p:spPr>
+        <p:txBody>
+          <a:bodyPr wrap="none" rtlCol="0">
+            <a:spAutoFit/>
+          </a:bodyPr>
+          <a:lstStyle/>
+          <a:p>
+            <a:r>
+              <a:rPr lang="en-US" sz="1200" b="1" dirty="0">
+                <a:solidFill>
+                  <a:schemeClr val="bg1"/>
+                </a:solidFill>
+              </a:rPr>
+              <a:t>lh</a:t>
+            </a:r>
+          </a:p>
+        </p:txBody>
+      </p:sp>
+      <p:sp>
+        <p:nvSpPr>
+          <p:cNvPr id="41" name="Hexagon 40">
+            <a:extLst>
+              <a:ext uri="{FF2B5EF4-FFF2-40B4-BE49-F238E27FC236}">
+                <a16:creationId xmlns:a16="http://schemas.microsoft.com/office/drawing/2014/main" id="{3157ED18-DBED-76E9-DBB4-4CC6E1D0F94B}"/>
+              </a:ext>
+            </a:extLst>
+          </p:cNvPr>
+          <p:cNvSpPr/>
+          <p:nvPr/>
+        </p:nvSpPr>
+        <p:spPr>
+          <a:xfrm>
+            <a:off x="1124185" y="2906378"/>
+            <a:ext cx="1552380" cy="1305021"/>
+          </a:xfrm>
+          <a:prstGeom prst="hexagon">
+            <a:avLst/>
+          </a:prstGeom>
+          <a:solidFill>
+            <a:srgbClr val="00B0F0"/>
+          </a:solidFill>
+        </p:spPr>
+        <p:style>
+          <a:lnRef idx="2">
+            <a:schemeClr val="accent1">
+              <a:shade val="50000"/>
+            </a:schemeClr>
+          </a:lnRef>
+          <a:fillRef idx="1">
+            <a:schemeClr val="accent1"/>
+          </a:fillRef>
+          <a:effectRef idx="0">
+            <a:schemeClr val="accent1"/>
+          </a:effectRef>
+          <a:fontRef idx="minor">
+            <a:schemeClr val="lt1"/>
+          </a:fontRef>
+        </p:style>
+        <p:txBody>
+          <a:bodyPr rtlCol="0" anchor="ctr"/>
+          <a:lstStyle/>
+          <a:p>
+            <a:pPr algn="ctr"/>
+            <a:endParaRPr lang="en-US"/>
+          </a:p>
+        </p:txBody>
+      </p:sp>
+      <p:sp>
+        <p:nvSpPr>
+          <p:cNvPr id="42" name="TextBox 41">
+            <a:extLst>
+              <a:ext uri="{FF2B5EF4-FFF2-40B4-BE49-F238E27FC236}">
+                <a16:creationId xmlns:a16="http://schemas.microsoft.com/office/drawing/2014/main" id="{D1C15EAF-1B38-0B68-C89B-DE4F9F8FC837}"/>
+              </a:ext>
+            </a:extLst>
+          </p:cNvPr>
+          <p:cNvSpPr txBox="1"/>
+          <p:nvPr/>
+        </p:nvSpPr>
+        <p:spPr>
+          <a:xfrm>
+            <a:off x="1344803" y="2836027"/>
+            <a:ext cx="1128899" cy="307777"/>
+          </a:xfrm>
+          <a:prstGeom prst="rect">
+            <a:avLst/>
+          </a:prstGeom>
+          <a:noFill/>
+        </p:spPr>
+        <p:txBody>
+          <a:bodyPr wrap="none" rtlCol="0">
+            <a:spAutoFit/>
+          </a:bodyPr>
+          <a:lstStyle/>
+          <a:p>
+            <a:r>
+              <a:rPr lang="en-US" sz="1400" b="1" dirty="0">
+                <a:solidFill>
+                  <a:schemeClr val="bg1"/>
+                </a:solidFill>
+              </a:rPr>
+              <a:t>Buffer Cache</a:t>
+            </a:r>
+          </a:p>
+        </p:txBody>
+      </p:sp>
+      <p:sp>
+        <p:nvSpPr>
+          <p:cNvPr id="44" name="Rectangle 43">
+            <a:extLst>
+              <a:ext uri="{FF2B5EF4-FFF2-40B4-BE49-F238E27FC236}">
+                <a16:creationId xmlns:a16="http://schemas.microsoft.com/office/drawing/2014/main" id="{9D13A012-A5AE-8D5D-48B5-65D03E13663C}"/>
+              </a:ext>
+            </a:extLst>
+          </p:cNvPr>
+          <p:cNvSpPr/>
+          <p:nvPr/>
+        </p:nvSpPr>
+        <p:spPr>
+          <a:xfrm>
+            <a:off x="1214904" y="4968126"/>
+            <a:ext cx="472736" cy="230820"/>
+          </a:xfrm>
+          <a:prstGeom prst="rect">
+            <a:avLst/>
+          </a:prstGeom>
+          <a:solidFill>
+            <a:srgbClr val="00B0F0"/>
+          </a:solidFill>
+        </p:spPr>
+        <p:style>
+          <a:lnRef idx="2">
+            <a:schemeClr val="accent1">
+              <a:shade val="50000"/>
+            </a:schemeClr>
+          </a:lnRef>
+          <a:fillRef idx="1">
+            <a:schemeClr val="accent1"/>
+          </a:fillRef>
+          <a:effectRef idx="0">
+            <a:schemeClr val="accent1"/>
+          </a:effectRef>
+          <a:fontRef idx="minor">
+            <a:schemeClr val="lt1"/>
+          </a:fontRef>
+        </p:style>
+        <p:txBody>
+          <a:bodyPr rtlCol="0" anchor="ctr"/>
+          <a:lstStyle/>
+          <a:p>
+            <a:pPr algn="ctr"/>
+            <a:r>
+              <a:rPr lang="en-US" sz="1000" b="1" dirty="0">
+                <a:solidFill>
+                  <a:schemeClr val="bg1"/>
+                </a:solidFill>
+              </a:rPr>
+              <a:t>block</a:t>
+            </a:r>
+          </a:p>
+        </p:txBody>
+      </p:sp>
+      <p:sp>
+        <p:nvSpPr>
+          <p:cNvPr id="45" name="Rectangle 44">
+            <a:extLst>
+              <a:ext uri="{FF2B5EF4-FFF2-40B4-BE49-F238E27FC236}">
+                <a16:creationId xmlns:a16="http://schemas.microsoft.com/office/drawing/2014/main" id="{239D8065-5093-08D2-7AFF-459AC6457C65}"/>
+              </a:ext>
+            </a:extLst>
+          </p:cNvPr>
+          <p:cNvSpPr/>
+          <p:nvPr/>
+        </p:nvSpPr>
+        <p:spPr>
+          <a:xfrm>
+            <a:off x="1770761" y="4645035"/>
+            <a:ext cx="905804" cy="197025"/>
+          </a:xfrm>
+          <a:prstGeom prst="rect">
+            <a:avLst/>
+          </a:prstGeom>
+          <a:solidFill>
+            <a:srgbClr val="00B0F0"/>
+          </a:solidFill>
+        </p:spPr>
+        <p:style>
+          <a:lnRef idx="2">
+            <a:schemeClr val="accent1">
+              <a:shade val="50000"/>
+            </a:schemeClr>
+          </a:lnRef>
+          <a:fillRef idx="1">
+            <a:schemeClr val="accent1"/>
+          </a:fillRef>
+          <a:effectRef idx="0">
+            <a:schemeClr val="accent1"/>
+          </a:effectRef>
+          <a:fontRef idx="minor">
+            <a:schemeClr val="lt1"/>
+          </a:fontRef>
+        </p:style>
+        <p:txBody>
+          <a:bodyPr rtlCol="0" anchor="ctr"/>
+          <a:lstStyle/>
+          <a:p>
+            <a:pPr algn="ctr"/>
+            <a:r>
+              <a:rPr lang="en-US" sz="1000" b="1" dirty="0">
+                <a:solidFill>
+                  <a:schemeClr val="bg1"/>
+                </a:solidFill>
+              </a:rPr>
+              <a:t>log1 </a:t>
+            </a:r>
+            <a:r>
+              <a:rPr lang="en-US" sz="1000" b="1" i="1" dirty="0">
+                <a:solidFill>
+                  <a:schemeClr val="bg1"/>
+                </a:solidFill>
+              </a:rPr>
+              <a:t>blockno</a:t>
+            </a:r>
+          </a:p>
+        </p:txBody>
+      </p:sp>
+      <p:sp>
+        <p:nvSpPr>
+          <p:cNvPr id="46" name="Rectangle 45">
+            <a:extLst>
+              <a:ext uri="{FF2B5EF4-FFF2-40B4-BE49-F238E27FC236}">
+                <a16:creationId xmlns:a16="http://schemas.microsoft.com/office/drawing/2014/main" id="{144BED34-B78B-F2D8-D228-94185350D358}"/>
+              </a:ext>
+            </a:extLst>
+          </p:cNvPr>
+          <p:cNvSpPr/>
+          <p:nvPr/>
+        </p:nvSpPr>
+        <p:spPr>
+          <a:xfrm>
+            <a:off x="1770761" y="4876293"/>
+            <a:ext cx="905804" cy="197025"/>
+          </a:xfrm>
+          <a:prstGeom prst="rect">
+            <a:avLst/>
+          </a:prstGeom>
+          <a:solidFill>
+            <a:srgbClr val="00B0F0"/>
+          </a:solidFill>
+        </p:spPr>
+        <p:style>
+          <a:lnRef idx="2">
+            <a:schemeClr val="accent1">
+              <a:shade val="50000"/>
+            </a:schemeClr>
+          </a:lnRef>
+          <a:fillRef idx="1">
+            <a:schemeClr val="accent1"/>
+          </a:fillRef>
+          <a:effectRef idx="0">
+            <a:schemeClr val="accent1"/>
+          </a:effectRef>
+          <a:fontRef idx="minor">
+            <a:schemeClr val="lt1"/>
+          </a:fontRef>
+        </p:style>
+        <p:txBody>
+          <a:bodyPr rtlCol="0" anchor="ctr"/>
+          <a:lstStyle/>
+          <a:p>
+            <a:pPr algn="ctr"/>
+            <a:r>
+              <a:rPr lang="en-US" sz="1000" b="1" dirty="0">
+                <a:solidFill>
+                  <a:schemeClr val="bg1"/>
+                </a:solidFill>
+              </a:rPr>
+              <a:t>log2 </a:t>
+            </a:r>
+            <a:r>
+              <a:rPr lang="en-US" sz="1000" b="1" i="1" dirty="0">
+                <a:solidFill>
+                  <a:schemeClr val="bg1"/>
+                </a:solidFill>
+              </a:rPr>
+              <a:t>blockno</a:t>
+            </a:r>
+          </a:p>
+        </p:txBody>
+      </p:sp>
+      <p:sp>
+        <p:nvSpPr>
+          <p:cNvPr id="47" name="Rectangle 46">
+            <a:extLst>
+              <a:ext uri="{FF2B5EF4-FFF2-40B4-BE49-F238E27FC236}">
+                <a16:creationId xmlns:a16="http://schemas.microsoft.com/office/drawing/2014/main" id="{D7D27254-BCF1-B24D-5B59-87D044B13780}"/>
+              </a:ext>
+            </a:extLst>
+          </p:cNvPr>
+          <p:cNvSpPr/>
+          <p:nvPr/>
+        </p:nvSpPr>
+        <p:spPr>
+          <a:xfrm>
+            <a:off x="1770761" y="5339273"/>
+            <a:ext cx="905804" cy="197025"/>
+          </a:xfrm>
+          <a:prstGeom prst="rect">
+            <a:avLst/>
+          </a:prstGeom>
+          <a:solidFill>
+            <a:srgbClr val="00B0F0"/>
+          </a:solidFill>
+        </p:spPr>
+        <p:style>
+          <a:lnRef idx="2">
+            <a:schemeClr val="accent1">
+              <a:shade val="50000"/>
+            </a:schemeClr>
+          </a:lnRef>
+          <a:fillRef idx="1">
+            <a:schemeClr val="accent1"/>
+          </a:fillRef>
+          <a:effectRef idx="0">
+            <a:schemeClr val="accent1"/>
+          </a:effectRef>
+          <a:fontRef idx="minor">
+            <a:schemeClr val="lt1"/>
+          </a:fontRef>
+        </p:style>
+        <p:txBody>
+          <a:bodyPr rtlCol="0" anchor="ctr"/>
+          <a:lstStyle/>
+          <a:p>
+            <a:pPr algn="ctr"/>
+            <a:r>
+              <a:rPr lang="en-US" sz="1000" b="1" dirty="0">
+                <a:solidFill>
+                  <a:schemeClr val="bg1"/>
+                </a:solidFill>
+              </a:rPr>
+              <a:t>logn </a:t>
+            </a:r>
+            <a:r>
+              <a:rPr lang="en-US" sz="1000" b="1" i="1" dirty="0">
+                <a:solidFill>
+                  <a:schemeClr val="bg1"/>
+                </a:solidFill>
+              </a:rPr>
+              <a:t>blockno</a:t>
+            </a:r>
+          </a:p>
+        </p:txBody>
+      </p:sp>
+      <p:sp>
+        <p:nvSpPr>
+          <p:cNvPr id="48" name="Left Brace 47">
+            <a:extLst>
+              <a:ext uri="{FF2B5EF4-FFF2-40B4-BE49-F238E27FC236}">
+                <a16:creationId xmlns:a16="http://schemas.microsoft.com/office/drawing/2014/main" id="{774BA5EE-3956-0E11-D3B4-F2C012BFB392}"/>
+              </a:ext>
+            </a:extLst>
+          </p:cNvPr>
+          <p:cNvSpPr/>
+          <p:nvPr/>
+        </p:nvSpPr>
+        <p:spPr>
+          <a:xfrm>
+            <a:off x="1604519" y="4645036"/>
+            <a:ext cx="203882" cy="875291"/>
+          </a:xfrm>
+          <a:prstGeom prst="leftBrace">
+            <a:avLst>
+              <a:gd name="adj1" fmla="val 31505"/>
+              <a:gd name="adj2" fmla="val 50784"/>
+            </a:avLst>
+          </a:prstGeom>
+        </p:spPr>
+        <p:style>
+          <a:lnRef idx="2">
+            <a:schemeClr val="dk1"/>
+          </a:lnRef>
+          <a:fillRef idx="0">
+            <a:schemeClr val="dk1"/>
+          </a:fillRef>
+          <a:effectRef idx="1">
+            <a:schemeClr val="dk1"/>
+          </a:effectRef>
+          <a:fontRef idx="minor">
+            <a:schemeClr val="tx1"/>
+          </a:fontRef>
+        </p:style>
+        <p:txBody>
+          <a:bodyPr rtlCol="0" anchor="ctr"/>
+          <a:lstStyle/>
+          <a:p>
+            <a:pPr algn="ctr"/>
+            <a:endParaRPr lang="en-US"/>
+          </a:p>
+        </p:txBody>
+      </p:sp>
+      <p:sp>
+        <p:nvSpPr>
+          <p:cNvPr id="49" name="TextBox 48">
+            <a:extLst>
+              <a:ext uri="{FF2B5EF4-FFF2-40B4-BE49-F238E27FC236}">
+                <a16:creationId xmlns:a16="http://schemas.microsoft.com/office/drawing/2014/main" id="{0E6AA078-539E-7C36-FAAA-3449CF135FC2}"/>
+              </a:ext>
+            </a:extLst>
+          </p:cNvPr>
+          <p:cNvSpPr txBox="1"/>
+          <p:nvPr/>
+        </p:nvSpPr>
+        <p:spPr>
+          <a:xfrm>
+            <a:off x="2044768" y="4959701"/>
+            <a:ext cx="357790" cy="369332"/>
+          </a:xfrm>
+          <a:prstGeom prst="rect">
+            <a:avLst/>
+          </a:prstGeom>
+          <a:noFill/>
+        </p:spPr>
+        <p:txBody>
+          <a:bodyPr wrap="none" rtlCol="0">
+            <a:spAutoFit/>
+          </a:bodyPr>
+          <a:lstStyle/>
+          <a:p>
+            <a:r>
+              <a:rPr lang="en-US" dirty="0"/>
+              <a:t>...</a:t>
+            </a:r>
+          </a:p>
+        </p:txBody>
+      </p:sp>
+      <p:sp>
+        <p:nvSpPr>
+          <p:cNvPr id="51" name="Rectangle 50">
+            <a:extLst>
+              <a:ext uri="{FF2B5EF4-FFF2-40B4-BE49-F238E27FC236}">
+                <a16:creationId xmlns:a16="http://schemas.microsoft.com/office/drawing/2014/main" id="{386E6059-EB4C-7251-8047-C10248E4D2E8}"/>
+              </a:ext>
+            </a:extLst>
+          </p:cNvPr>
+          <p:cNvSpPr/>
+          <p:nvPr/>
+        </p:nvSpPr>
+        <p:spPr>
+          <a:xfrm>
+            <a:off x="1203781" y="5233632"/>
+            <a:ext cx="472736" cy="230820"/>
+          </a:xfrm>
+          <a:prstGeom prst="rect">
+            <a:avLst/>
+          </a:prstGeom>
+          <a:solidFill>
+            <a:srgbClr val="00B0F0"/>
+          </a:solidFill>
+        </p:spPr>
+        <p:style>
+          <a:lnRef idx="2">
+            <a:schemeClr val="accent1">
+              <a:shade val="50000"/>
+            </a:schemeClr>
+          </a:lnRef>
+          <a:fillRef idx="1">
+            <a:schemeClr val="accent1"/>
+          </a:fillRef>
+          <a:effectRef idx="0">
+            <a:schemeClr val="accent1"/>
+          </a:effectRef>
+          <a:fontRef idx="minor">
+            <a:schemeClr val="lt1"/>
+          </a:fontRef>
+        </p:style>
+        <p:txBody>
+          <a:bodyPr rtlCol="0" anchor="ctr"/>
+          <a:lstStyle/>
+          <a:p>
+            <a:pPr algn="ctr"/>
+            <a:r>
+              <a:rPr lang="en-US" sz="1000" b="1" dirty="0">
+                <a:solidFill>
+                  <a:schemeClr val="bg1"/>
+                </a:solidFill>
+              </a:rPr>
+              <a:t>n</a:t>
+            </a:r>
+          </a:p>
+        </p:txBody>
+      </p:sp>
+      <p:sp>
+        <p:nvSpPr>
+          <p:cNvPr id="52" name="Rectangle 51">
+            <a:extLst>
+              <a:ext uri="{FF2B5EF4-FFF2-40B4-BE49-F238E27FC236}">
+                <a16:creationId xmlns:a16="http://schemas.microsoft.com/office/drawing/2014/main" id="{5AB7F443-4A1D-388B-4B54-E44C7593993D}"/>
+              </a:ext>
+            </a:extLst>
+          </p:cNvPr>
+          <p:cNvSpPr/>
+          <p:nvPr/>
+        </p:nvSpPr>
+        <p:spPr>
+          <a:xfrm>
+            <a:off x="4379321" y="2865657"/>
+            <a:ext cx="3527634" cy="570391"/>
+          </a:xfrm>
+          <a:prstGeom prst="rect">
+            <a:avLst/>
+          </a:prstGeom>
+          <a:noFill/>
+          <a:ln>
+            <a:solidFill>
+              <a:srgbClr val="7030A0"/>
+            </a:solidFill>
+          </a:ln>
+        </p:spPr>
+        <p:style>
+          <a:lnRef idx="2">
+            <a:schemeClr val="accent1">
+              <a:shade val="50000"/>
+            </a:schemeClr>
+          </a:lnRef>
+          <a:fillRef idx="1">
+            <a:schemeClr val="accent1"/>
+          </a:fillRef>
+          <a:effectRef idx="0">
+            <a:schemeClr val="accent1"/>
+          </a:effectRef>
+          <a:fontRef idx="minor">
+            <a:schemeClr val="lt1"/>
+          </a:fontRef>
+        </p:style>
+        <p:txBody>
+          <a:bodyPr rtlCol="0" anchor="ctr"/>
+          <a:lstStyle/>
+          <a:p>
+            <a:pPr algn="ctr"/>
+            <a:r>
+              <a:rPr lang="en-US" b="1" dirty="0"/>
+              <a:t>1. Log writes</a:t>
+            </a:r>
+          </a:p>
+        </p:txBody>
+      </p:sp>
+      <p:sp>
+        <p:nvSpPr>
+          <p:cNvPr id="53" name="Rectangle 52">
+            <a:extLst>
+              <a:ext uri="{FF2B5EF4-FFF2-40B4-BE49-F238E27FC236}">
+                <a16:creationId xmlns:a16="http://schemas.microsoft.com/office/drawing/2014/main" id="{079A47F9-717D-7B8D-52D2-CE67BF5EC83F}"/>
+              </a:ext>
+            </a:extLst>
+          </p:cNvPr>
+          <p:cNvSpPr/>
+          <p:nvPr/>
+        </p:nvSpPr>
+        <p:spPr>
+          <a:xfrm>
+            <a:off x="4379321" y="3713652"/>
+            <a:ext cx="3527634" cy="476395"/>
+          </a:xfrm>
+          <a:prstGeom prst="rect">
+            <a:avLst/>
+          </a:prstGeom>
+          <a:noFill/>
+          <a:ln>
+            <a:solidFill>
+              <a:srgbClr val="7030A0"/>
+            </a:solidFill>
+          </a:ln>
+        </p:spPr>
+        <p:style>
+          <a:lnRef idx="2">
+            <a:schemeClr val="accent1">
+              <a:shade val="50000"/>
+            </a:schemeClr>
+          </a:lnRef>
+          <a:fillRef idx="1">
+            <a:schemeClr val="accent1"/>
+          </a:fillRef>
+          <a:effectRef idx="0">
+            <a:schemeClr val="accent1"/>
+          </a:effectRef>
+          <a:fontRef idx="minor">
+            <a:schemeClr val="lt1"/>
+          </a:fontRef>
+        </p:style>
+        <p:txBody>
+          <a:bodyPr rtlCol="0" anchor="ctr"/>
+          <a:lstStyle/>
+          <a:p>
+            <a:pPr algn="ctr"/>
+            <a:r>
+              <a:rPr lang="en-US" b="1" dirty="0"/>
+              <a:t>2. Commit Operation (log header)</a:t>
+            </a:r>
+          </a:p>
+        </p:txBody>
+      </p:sp>
+      <p:sp>
+        <p:nvSpPr>
+          <p:cNvPr id="54" name="Rectangle 53">
+            <a:extLst>
+              <a:ext uri="{FF2B5EF4-FFF2-40B4-BE49-F238E27FC236}">
+                <a16:creationId xmlns:a16="http://schemas.microsoft.com/office/drawing/2014/main" id="{21F19472-F79C-D470-4EAD-64B11D30C9EA}"/>
+              </a:ext>
+            </a:extLst>
+          </p:cNvPr>
+          <p:cNvSpPr/>
+          <p:nvPr/>
+        </p:nvSpPr>
+        <p:spPr>
+          <a:xfrm>
+            <a:off x="4381297" y="4356704"/>
+            <a:ext cx="3527634" cy="624345"/>
+          </a:xfrm>
+          <a:prstGeom prst="rect">
+            <a:avLst/>
+          </a:prstGeom>
+          <a:noFill/>
+          <a:ln>
+            <a:solidFill>
+              <a:srgbClr val="7030A0"/>
+            </a:solidFill>
+          </a:ln>
+        </p:spPr>
+        <p:style>
+          <a:lnRef idx="2">
+            <a:schemeClr val="accent1">
+              <a:shade val="50000"/>
+            </a:schemeClr>
+          </a:lnRef>
+          <a:fillRef idx="1">
+            <a:schemeClr val="accent1"/>
+          </a:fillRef>
+          <a:effectRef idx="0">
+            <a:schemeClr val="accent1"/>
+          </a:effectRef>
+          <a:fontRef idx="minor">
+            <a:schemeClr val="lt1"/>
+          </a:fontRef>
+        </p:style>
+        <p:txBody>
+          <a:bodyPr rtlCol="0" anchor="ctr"/>
+          <a:lstStyle/>
+          <a:p>
+            <a:pPr algn="ctr"/>
+            <a:r>
+              <a:rPr lang="en-US" b="1" dirty="0"/>
+              <a:t>3. Install Transaction</a:t>
+            </a:r>
+          </a:p>
+        </p:txBody>
+      </p:sp>
+      <p:sp>
+        <p:nvSpPr>
+          <p:cNvPr id="55" name="Rectangle 54">
+            <a:extLst>
+              <a:ext uri="{FF2B5EF4-FFF2-40B4-BE49-F238E27FC236}">
+                <a16:creationId xmlns:a16="http://schemas.microsoft.com/office/drawing/2014/main" id="{B7F8A570-5F90-752B-1910-8F9A08F210FD}"/>
+              </a:ext>
+            </a:extLst>
+          </p:cNvPr>
+          <p:cNvSpPr/>
+          <p:nvPr/>
+        </p:nvSpPr>
+        <p:spPr>
+          <a:xfrm>
+            <a:off x="4395317" y="5198945"/>
+            <a:ext cx="3527634" cy="314087"/>
+          </a:xfrm>
+          <a:prstGeom prst="rect">
+            <a:avLst/>
+          </a:prstGeom>
+          <a:noFill/>
+          <a:ln>
+            <a:solidFill>
+              <a:srgbClr val="7030A0"/>
+            </a:solidFill>
+          </a:ln>
+        </p:spPr>
+        <p:style>
+          <a:lnRef idx="2">
+            <a:schemeClr val="accent1">
+              <a:shade val="50000"/>
+            </a:schemeClr>
+          </a:lnRef>
+          <a:fillRef idx="1">
+            <a:schemeClr val="accent1"/>
+          </a:fillRef>
+          <a:effectRef idx="0">
+            <a:schemeClr val="accent1"/>
+          </a:effectRef>
+          <a:fontRef idx="minor">
+            <a:schemeClr val="lt1"/>
+          </a:fontRef>
+        </p:style>
+        <p:txBody>
+          <a:bodyPr rtlCol="0" anchor="ctr"/>
+          <a:lstStyle/>
+          <a:p>
+            <a:pPr algn="ctr"/>
+            <a:r>
+              <a:rPr lang="en-US" b="1" dirty="0"/>
+              <a:t>4. Clean Log</a:t>
+            </a:r>
+          </a:p>
+        </p:txBody>
+      </p:sp>
+      <p:sp>
+        <p:nvSpPr>
+          <p:cNvPr id="56" name="Rectangle 55">
+            <a:extLst>
+              <a:ext uri="{FF2B5EF4-FFF2-40B4-BE49-F238E27FC236}">
+                <a16:creationId xmlns:a16="http://schemas.microsoft.com/office/drawing/2014/main" id="{600B8663-FC41-42C8-CBEE-794E8207C67A}"/>
+              </a:ext>
+            </a:extLst>
+          </p:cNvPr>
+          <p:cNvSpPr/>
+          <p:nvPr/>
+        </p:nvSpPr>
+        <p:spPr>
+          <a:xfrm>
+            <a:off x="3451164" y="2868590"/>
+            <a:ext cx="919277" cy="240440"/>
+          </a:xfrm>
+          <a:prstGeom prst="rect">
+            <a:avLst/>
+          </a:prstGeom>
+          <a:solidFill>
+            <a:srgbClr val="00B0F0"/>
+          </a:solidFill>
+          <a:ln>
+            <a:solidFill>
+              <a:srgbClr val="7030A0"/>
+            </a:solidFill>
+          </a:ln>
+        </p:spPr>
+        <p:style>
+          <a:lnRef idx="2">
+            <a:schemeClr val="accent1">
+              <a:shade val="50000"/>
+            </a:schemeClr>
+          </a:lnRef>
+          <a:fillRef idx="1">
+            <a:schemeClr val="accent1"/>
+          </a:fillRef>
+          <a:effectRef idx="0">
+            <a:schemeClr val="accent1"/>
+          </a:effectRef>
+          <a:fontRef idx="minor">
+            <a:schemeClr val="lt1"/>
+          </a:fontRef>
+        </p:style>
+        <p:txBody>
+          <a:bodyPr rtlCol="0" anchor="ctr"/>
+          <a:lstStyle/>
+          <a:p>
+            <a:pPr algn="ctr"/>
+            <a:r>
+              <a:rPr lang="en-US" sz="1200" i="1" dirty="0">
+                <a:solidFill>
+                  <a:schemeClr val="bg1"/>
+                </a:solidFill>
+              </a:rPr>
+              <a:t>log_write()</a:t>
+            </a:r>
+          </a:p>
+        </p:txBody>
+      </p:sp>
+      <p:sp>
+        <p:nvSpPr>
+          <p:cNvPr id="58" name="Rectangle 57">
+            <a:extLst>
+              <a:ext uri="{FF2B5EF4-FFF2-40B4-BE49-F238E27FC236}">
+                <a16:creationId xmlns:a16="http://schemas.microsoft.com/office/drawing/2014/main" id="{D83F7999-780C-C4BD-E482-1343C7B1038C}"/>
+              </a:ext>
+            </a:extLst>
+          </p:cNvPr>
+          <p:cNvSpPr/>
+          <p:nvPr/>
+        </p:nvSpPr>
+        <p:spPr>
+          <a:xfrm>
+            <a:off x="3389089" y="3803155"/>
+            <a:ext cx="981352" cy="297387"/>
+          </a:xfrm>
+          <a:prstGeom prst="rect">
+            <a:avLst/>
+          </a:prstGeom>
+          <a:solidFill>
+            <a:srgbClr val="00B050"/>
+          </a:solidFill>
+          <a:ln>
+            <a:solidFill>
+              <a:srgbClr val="7030A0"/>
+            </a:solidFill>
+          </a:ln>
+        </p:spPr>
+        <p:style>
+          <a:lnRef idx="2">
+            <a:schemeClr val="accent1">
+              <a:shade val="50000"/>
+            </a:schemeClr>
+          </a:lnRef>
+          <a:fillRef idx="1">
+            <a:schemeClr val="accent1"/>
+          </a:fillRef>
+          <a:effectRef idx="0">
+            <a:schemeClr val="accent1"/>
+          </a:effectRef>
+          <a:fontRef idx="minor">
+            <a:schemeClr val="lt1"/>
+          </a:fontRef>
+        </p:style>
+        <p:txBody>
+          <a:bodyPr rtlCol="0" anchor="ctr"/>
+          <a:lstStyle/>
+          <a:p>
+            <a:pPr algn="ctr"/>
+            <a:r>
+              <a:rPr lang="en-US" sz="1200" i="1" dirty="0">
+                <a:solidFill>
+                  <a:schemeClr val="bg1"/>
+                </a:solidFill>
+              </a:rPr>
+              <a:t>write_head()</a:t>
+            </a:r>
+          </a:p>
+        </p:txBody>
+      </p:sp>
+      <p:sp>
+        <p:nvSpPr>
+          <p:cNvPr id="59" name="Rectangle 58">
+            <a:extLst>
+              <a:ext uri="{FF2B5EF4-FFF2-40B4-BE49-F238E27FC236}">
+                <a16:creationId xmlns:a16="http://schemas.microsoft.com/office/drawing/2014/main" id="{DDAEA412-BB9C-B9A8-4469-99E7E3539B28}"/>
+              </a:ext>
+            </a:extLst>
+          </p:cNvPr>
+          <p:cNvSpPr/>
+          <p:nvPr/>
+        </p:nvSpPr>
+        <p:spPr>
+          <a:xfrm>
+            <a:off x="3268540" y="4524682"/>
+            <a:ext cx="1110781" cy="297387"/>
+          </a:xfrm>
+          <a:prstGeom prst="rect">
+            <a:avLst/>
+          </a:prstGeom>
+          <a:solidFill>
+            <a:srgbClr val="FFFF00"/>
+          </a:solidFill>
+          <a:ln>
+            <a:solidFill>
+              <a:srgbClr val="7030A0"/>
+            </a:solidFill>
+          </a:ln>
+        </p:spPr>
+        <p:style>
+          <a:lnRef idx="2">
+            <a:schemeClr val="accent1">
+              <a:shade val="50000"/>
+            </a:schemeClr>
+          </a:lnRef>
+          <a:fillRef idx="1">
+            <a:schemeClr val="accent1"/>
+          </a:fillRef>
+          <a:effectRef idx="0">
+            <a:schemeClr val="accent1"/>
+          </a:effectRef>
+          <a:fontRef idx="minor">
+            <a:schemeClr val="lt1"/>
+          </a:fontRef>
+        </p:style>
+        <p:txBody>
+          <a:bodyPr rtlCol="0" anchor="ctr"/>
+          <a:lstStyle/>
+          <a:p>
+            <a:pPr algn="ctr"/>
+            <a:r>
+              <a:rPr lang="en-US" sz="1200" i="1" dirty="0">
+                <a:solidFill>
+                  <a:schemeClr val="bg1"/>
+                </a:solidFill>
+              </a:rPr>
+              <a:t>Install_trans()</a:t>
+            </a:r>
+          </a:p>
+        </p:txBody>
+      </p:sp>
+      <p:sp>
+        <p:nvSpPr>
+          <p:cNvPr id="60" name="Rectangle 59">
+            <a:extLst>
+              <a:ext uri="{FF2B5EF4-FFF2-40B4-BE49-F238E27FC236}">
+                <a16:creationId xmlns:a16="http://schemas.microsoft.com/office/drawing/2014/main" id="{9004F27C-DE3A-B75B-CACC-DDB369088845}"/>
+              </a:ext>
+            </a:extLst>
+          </p:cNvPr>
+          <p:cNvSpPr/>
+          <p:nvPr/>
+        </p:nvSpPr>
+        <p:spPr>
+          <a:xfrm>
+            <a:off x="3460044" y="3209509"/>
+            <a:ext cx="919277" cy="240440"/>
+          </a:xfrm>
+          <a:prstGeom prst="rect">
+            <a:avLst/>
+          </a:prstGeom>
+          <a:solidFill>
+            <a:srgbClr val="0070C0"/>
+          </a:solidFill>
+          <a:ln>
+            <a:solidFill>
+              <a:srgbClr val="7030A0"/>
+            </a:solidFill>
+          </a:ln>
+        </p:spPr>
+        <p:style>
+          <a:lnRef idx="2">
+            <a:schemeClr val="accent1">
+              <a:shade val="50000"/>
+            </a:schemeClr>
+          </a:lnRef>
+          <a:fillRef idx="1">
+            <a:schemeClr val="accent1"/>
+          </a:fillRef>
+          <a:effectRef idx="0">
+            <a:schemeClr val="accent1"/>
+          </a:effectRef>
+          <a:fontRef idx="minor">
+            <a:schemeClr val="lt1"/>
+          </a:fontRef>
+        </p:style>
+        <p:txBody>
+          <a:bodyPr rtlCol="0" anchor="ctr"/>
+          <a:lstStyle/>
+          <a:p>
+            <a:pPr algn="ctr"/>
+            <a:r>
+              <a:rPr lang="en-US" sz="1200" i="1" dirty="0">
+                <a:solidFill>
+                  <a:schemeClr val="bg1"/>
+                </a:solidFill>
+              </a:rPr>
+              <a:t>write_log()</a:t>
+            </a:r>
+          </a:p>
+        </p:txBody>
+      </p:sp>
+      <p:sp>
+        <p:nvSpPr>
+          <p:cNvPr id="62" name="Up Arrow 61">
+            <a:extLst>
+              <a:ext uri="{FF2B5EF4-FFF2-40B4-BE49-F238E27FC236}">
+                <a16:creationId xmlns:a16="http://schemas.microsoft.com/office/drawing/2014/main" id="{9F20BA20-E6BF-268B-5C60-7BC612ACB903}"/>
+              </a:ext>
+            </a:extLst>
+          </p:cNvPr>
+          <p:cNvSpPr/>
+          <p:nvPr/>
+        </p:nvSpPr>
+        <p:spPr>
+          <a:xfrm>
+            <a:off x="1604519" y="4232823"/>
+            <a:ext cx="166242" cy="362078"/>
+          </a:xfrm>
+          <a:prstGeom prst="upArrow">
+            <a:avLst/>
+          </a:prstGeom>
+          <a:solidFill>
+            <a:srgbClr val="0070C0"/>
+          </a:solidFill>
+        </p:spPr>
+        <p:style>
+          <a:lnRef idx="2">
+            <a:schemeClr val="accent1">
+              <a:shade val="50000"/>
+            </a:schemeClr>
+          </a:lnRef>
+          <a:fillRef idx="1">
+            <a:schemeClr val="accent1"/>
+          </a:fillRef>
+          <a:effectRef idx="0">
+            <a:schemeClr val="accent1"/>
+          </a:effectRef>
+          <a:fontRef idx="minor">
+            <a:schemeClr val="lt1"/>
+          </a:fontRef>
+        </p:style>
+        <p:txBody>
+          <a:bodyPr rtlCol="0" anchor="ctr"/>
+          <a:lstStyle/>
+          <a:p>
+            <a:pPr algn="ctr"/>
+            <a:endParaRPr lang="en-US"/>
+          </a:p>
+        </p:txBody>
+      </p:sp>
+      <p:sp>
+        <p:nvSpPr>
+          <p:cNvPr id="65" name="Up Arrow 64">
+            <a:extLst>
+              <a:ext uri="{FF2B5EF4-FFF2-40B4-BE49-F238E27FC236}">
+                <a16:creationId xmlns:a16="http://schemas.microsoft.com/office/drawing/2014/main" id="{4673DA1B-0CB9-E557-EF82-9EABA7ABDE5E}"/>
+              </a:ext>
+            </a:extLst>
+          </p:cNvPr>
+          <p:cNvSpPr/>
+          <p:nvPr/>
+        </p:nvSpPr>
+        <p:spPr>
+          <a:xfrm rot="10800000">
+            <a:off x="1978740" y="4253914"/>
+            <a:ext cx="166242" cy="362078"/>
+          </a:xfrm>
+          <a:prstGeom prst="upArrow">
+            <a:avLst/>
+          </a:prstGeom>
+          <a:solidFill>
+            <a:srgbClr val="0070C0"/>
+          </a:solidFill>
+        </p:spPr>
+        <p:style>
+          <a:lnRef idx="2">
+            <a:schemeClr val="accent1">
+              <a:shade val="50000"/>
+            </a:schemeClr>
+          </a:lnRef>
+          <a:fillRef idx="1">
+            <a:schemeClr val="accent1"/>
+          </a:fillRef>
+          <a:effectRef idx="0">
+            <a:schemeClr val="accent1"/>
+          </a:effectRef>
+          <a:fontRef idx="minor">
+            <a:schemeClr val="lt1"/>
+          </a:fontRef>
+        </p:style>
+        <p:txBody>
+          <a:bodyPr rtlCol="0" anchor="ctr"/>
+          <a:lstStyle/>
+          <a:p>
+            <a:pPr algn="ctr"/>
+            <a:endParaRPr lang="en-US"/>
+          </a:p>
+        </p:txBody>
+      </p:sp>
+      <p:sp>
+        <p:nvSpPr>
+          <p:cNvPr id="66" name="TextBox 65">
+            <a:extLst>
+              <a:ext uri="{FF2B5EF4-FFF2-40B4-BE49-F238E27FC236}">
+                <a16:creationId xmlns:a16="http://schemas.microsoft.com/office/drawing/2014/main" id="{6337589E-745C-C9B7-0921-8F8988E38DFE}"/>
+              </a:ext>
+            </a:extLst>
+          </p:cNvPr>
+          <p:cNvSpPr txBox="1"/>
+          <p:nvPr/>
+        </p:nvSpPr>
+        <p:spPr>
+          <a:xfrm>
+            <a:off x="1805953" y="4195111"/>
+            <a:ext cx="546496" cy="276999"/>
+          </a:xfrm>
+          <a:prstGeom prst="rect">
+            <a:avLst/>
+          </a:prstGeom>
+          <a:noFill/>
+        </p:spPr>
+        <p:txBody>
+          <a:bodyPr wrap="none" rtlCol="0">
+            <a:spAutoFit/>
+          </a:bodyPr>
+          <a:lstStyle/>
+          <a:p>
+            <a:r>
+              <a:rPr lang="en-US" sz="1200" i="1" dirty="0"/>
+              <a:t>bread</a:t>
+            </a:r>
+          </a:p>
+        </p:txBody>
+      </p:sp>
+      <p:sp>
+        <p:nvSpPr>
+          <p:cNvPr id="68" name="TextBox 67">
+            <a:extLst>
+              <a:ext uri="{FF2B5EF4-FFF2-40B4-BE49-F238E27FC236}">
+                <a16:creationId xmlns:a16="http://schemas.microsoft.com/office/drawing/2014/main" id="{4137BA51-15D1-0D51-8809-3BDB92643D0C}"/>
+              </a:ext>
+            </a:extLst>
+          </p:cNvPr>
+          <p:cNvSpPr txBox="1"/>
+          <p:nvPr/>
+        </p:nvSpPr>
+        <p:spPr>
+          <a:xfrm>
+            <a:off x="1414791" y="4348133"/>
+            <a:ext cx="584584" cy="276999"/>
+          </a:xfrm>
+          <a:prstGeom prst="rect">
+            <a:avLst/>
+          </a:prstGeom>
+          <a:noFill/>
+        </p:spPr>
+        <p:txBody>
+          <a:bodyPr wrap="none" rtlCol="0">
+            <a:spAutoFit/>
+          </a:bodyPr>
+          <a:lstStyle/>
+          <a:p>
+            <a:r>
+              <a:rPr lang="en-US" sz="1200" i="1" dirty="0"/>
+              <a:t>bwrite</a:t>
+            </a:r>
+          </a:p>
+        </p:txBody>
+      </p:sp>
+      <p:sp>
+        <p:nvSpPr>
+          <p:cNvPr id="70" name="TextBox 69">
+            <a:extLst>
+              <a:ext uri="{FF2B5EF4-FFF2-40B4-BE49-F238E27FC236}">
+                <a16:creationId xmlns:a16="http://schemas.microsoft.com/office/drawing/2014/main" id="{9490FD6B-E153-4369-5CA3-A9B9B7761239}"/>
+              </a:ext>
+            </a:extLst>
+          </p:cNvPr>
+          <p:cNvSpPr txBox="1"/>
+          <p:nvPr/>
+        </p:nvSpPr>
+        <p:spPr>
+          <a:xfrm>
+            <a:off x="7906955" y="2724421"/>
+            <a:ext cx="2738250" cy="338554"/>
+          </a:xfrm>
+          <a:prstGeom prst="rect">
+            <a:avLst/>
+          </a:prstGeom>
+          <a:noFill/>
+        </p:spPr>
+        <p:txBody>
+          <a:bodyPr wrap="none" rtlCol="0">
+            <a:spAutoFit/>
+          </a:bodyPr>
+          <a:lstStyle/>
+          <a:p>
+            <a:r>
+              <a:rPr lang="en-US" sz="1600" dirty="0"/>
+              <a:t>1). </a:t>
+            </a:r>
+            <a:r>
+              <a:rPr lang="en-US" sz="1600" i="1" dirty="0"/>
+              <a:t>log.lh.block[i] = b-&gt;blockno;</a:t>
+            </a:r>
+          </a:p>
+        </p:txBody>
+      </p:sp>
+      <p:sp>
+        <p:nvSpPr>
+          <p:cNvPr id="71" name="TextBox 70">
+            <a:extLst>
+              <a:ext uri="{FF2B5EF4-FFF2-40B4-BE49-F238E27FC236}">
+                <a16:creationId xmlns:a16="http://schemas.microsoft.com/office/drawing/2014/main" id="{28141E6C-A022-A501-0F3C-69F5EE62036D}"/>
+              </a:ext>
+            </a:extLst>
+          </p:cNvPr>
+          <p:cNvSpPr txBox="1"/>
+          <p:nvPr/>
+        </p:nvSpPr>
+        <p:spPr>
+          <a:xfrm>
+            <a:off x="7906955" y="3898425"/>
+            <a:ext cx="1314784" cy="338554"/>
+          </a:xfrm>
+          <a:prstGeom prst="rect">
+            <a:avLst/>
+          </a:prstGeom>
+          <a:noFill/>
+        </p:spPr>
+        <p:txBody>
+          <a:bodyPr wrap="none" rtlCol="0">
+            <a:spAutoFit/>
+          </a:bodyPr>
+          <a:lstStyle/>
+          <a:p>
+            <a:r>
+              <a:rPr lang="en-US" sz="1600" dirty="0"/>
+              <a:t>2). </a:t>
+            </a:r>
+            <a:r>
+              <a:rPr lang="en-US" sz="1600" i="1" dirty="0"/>
+              <a:t>bwrite(</a:t>
+            </a:r>
+            <a:r>
+              <a:rPr lang="en-US" sz="1600" i="1" dirty="0">
+                <a:solidFill>
+                  <a:srgbClr val="FFFF00"/>
+                </a:solidFill>
+              </a:rPr>
+              <a:t>lh</a:t>
+            </a:r>
+            <a:r>
+              <a:rPr lang="en-US" sz="1600" i="1" dirty="0"/>
+              <a:t>);</a:t>
+            </a:r>
+            <a:endParaRPr lang="en-US" sz="1600" dirty="0"/>
+          </a:p>
+        </p:txBody>
+      </p:sp>
+      <p:sp>
+        <p:nvSpPr>
+          <p:cNvPr id="72" name="TextBox 71">
+            <a:extLst>
+              <a:ext uri="{FF2B5EF4-FFF2-40B4-BE49-F238E27FC236}">
+                <a16:creationId xmlns:a16="http://schemas.microsoft.com/office/drawing/2014/main" id="{B35830F7-04AB-66D5-10D6-D7FB15C82CEC}"/>
+              </a:ext>
+            </a:extLst>
+          </p:cNvPr>
+          <p:cNvSpPr txBox="1"/>
+          <p:nvPr/>
+        </p:nvSpPr>
+        <p:spPr>
+          <a:xfrm>
+            <a:off x="7906955" y="3633597"/>
+            <a:ext cx="4154984" cy="338554"/>
+          </a:xfrm>
+          <a:prstGeom prst="rect">
+            <a:avLst/>
+          </a:prstGeom>
+          <a:noFill/>
+        </p:spPr>
+        <p:txBody>
+          <a:bodyPr wrap="none" rtlCol="0">
+            <a:spAutoFit/>
+          </a:bodyPr>
+          <a:lstStyle/>
+          <a:p>
+            <a:r>
+              <a:rPr lang="en-US" sz="1600" dirty="0"/>
+              <a:t>1). </a:t>
+            </a:r>
+            <a:r>
+              <a:rPr lang="en-US" sz="1600" i="1" dirty="0"/>
+              <a:t>bread(log.start); lh-&gt;block[i] = log.lh.block[i];</a:t>
+            </a:r>
+          </a:p>
+        </p:txBody>
+      </p:sp>
+      <p:sp>
+        <p:nvSpPr>
+          <p:cNvPr id="73" name="TextBox 72">
+            <a:extLst>
+              <a:ext uri="{FF2B5EF4-FFF2-40B4-BE49-F238E27FC236}">
+                <a16:creationId xmlns:a16="http://schemas.microsoft.com/office/drawing/2014/main" id="{15AE799E-E16D-4924-44FC-E1EF1450084C}"/>
+              </a:ext>
+            </a:extLst>
+          </p:cNvPr>
+          <p:cNvSpPr txBox="1"/>
+          <p:nvPr/>
+        </p:nvSpPr>
+        <p:spPr>
+          <a:xfrm>
+            <a:off x="7906955" y="3182322"/>
+            <a:ext cx="1420582" cy="338554"/>
+          </a:xfrm>
+          <a:prstGeom prst="rect">
+            <a:avLst/>
+          </a:prstGeom>
+          <a:noFill/>
+        </p:spPr>
+        <p:txBody>
+          <a:bodyPr wrap="none" rtlCol="0">
+            <a:spAutoFit/>
+          </a:bodyPr>
+          <a:lstStyle/>
+          <a:p>
+            <a:r>
+              <a:rPr lang="en-US" sz="1600" dirty="0"/>
+              <a:t>3). </a:t>
+            </a:r>
+            <a:r>
+              <a:rPr lang="en-US" sz="1600" i="1" dirty="0"/>
+              <a:t>bwrite(</a:t>
+            </a:r>
+            <a:r>
+              <a:rPr lang="en-US" sz="1600" i="1" dirty="0">
+                <a:solidFill>
+                  <a:srgbClr val="FFFF00"/>
+                </a:solidFill>
+              </a:rPr>
+              <a:t>log</a:t>
+            </a:r>
+            <a:r>
+              <a:rPr lang="en-US" sz="1600" i="1" dirty="0"/>
+              <a:t>);</a:t>
+            </a:r>
+            <a:endParaRPr lang="en-US" sz="1600" dirty="0"/>
+          </a:p>
+        </p:txBody>
+      </p:sp>
+      <p:sp>
+        <p:nvSpPr>
+          <p:cNvPr id="74" name="TextBox 73">
+            <a:extLst>
+              <a:ext uri="{FF2B5EF4-FFF2-40B4-BE49-F238E27FC236}">
+                <a16:creationId xmlns:a16="http://schemas.microsoft.com/office/drawing/2014/main" id="{BC27D1CD-1BF8-117C-F4F8-2CD828B845E7}"/>
+              </a:ext>
+            </a:extLst>
+          </p:cNvPr>
+          <p:cNvSpPr txBox="1"/>
+          <p:nvPr/>
+        </p:nvSpPr>
+        <p:spPr>
+          <a:xfrm>
+            <a:off x="7906955" y="2943526"/>
+            <a:ext cx="3698705" cy="338554"/>
+          </a:xfrm>
+          <a:prstGeom prst="rect">
+            <a:avLst/>
+          </a:prstGeom>
+          <a:noFill/>
+        </p:spPr>
+        <p:txBody>
+          <a:bodyPr wrap="none" rtlCol="0">
+            <a:spAutoFit/>
+          </a:bodyPr>
+          <a:lstStyle/>
+          <a:p>
+            <a:r>
+              <a:rPr lang="en-US" sz="1600" dirty="0"/>
+              <a:t>2). </a:t>
+            </a:r>
+            <a:r>
+              <a:rPr lang="en-US" sz="1600" i="1" dirty="0"/>
+              <a:t>bread(log.start+i); memmove(log, buf);</a:t>
+            </a:r>
+          </a:p>
+        </p:txBody>
+      </p:sp>
+      <p:sp>
+        <p:nvSpPr>
+          <p:cNvPr id="77" name="TextBox 76">
+            <a:extLst>
+              <a:ext uri="{FF2B5EF4-FFF2-40B4-BE49-F238E27FC236}">
+                <a16:creationId xmlns:a16="http://schemas.microsoft.com/office/drawing/2014/main" id="{932DDE52-24A8-D92E-4009-25A6341C6BC2}"/>
+              </a:ext>
+            </a:extLst>
+          </p:cNvPr>
+          <p:cNvSpPr txBox="1"/>
+          <p:nvPr/>
+        </p:nvSpPr>
+        <p:spPr>
+          <a:xfrm>
+            <a:off x="7906955" y="4270102"/>
+            <a:ext cx="3794308" cy="338554"/>
+          </a:xfrm>
+          <a:prstGeom prst="rect">
+            <a:avLst/>
+          </a:prstGeom>
+          <a:noFill/>
+        </p:spPr>
+        <p:txBody>
+          <a:bodyPr wrap="none" rtlCol="0">
+            <a:spAutoFit/>
+          </a:bodyPr>
+          <a:lstStyle/>
+          <a:p>
+            <a:r>
+              <a:rPr lang="en-US" sz="1600" dirty="0"/>
+              <a:t>1). </a:t>
+            </a:r>
+            <a:r>
+              <a:rPr lang="en-US" sz="1600" i="1" dirty="0"/>
+              <a:t>bread(log.start+i); bread(log.lh.block[i]);</a:t>
+            </a:r>
+          </a:p>
+        </p:txBody>
+      </p:sp>
+      <p:sp>
+        <p:nvSpPr>
+          <p:cNvPr id="78" name="TextBox 77">
+            <a:extLst>
+              <a:ext uri="{FF2B5EF4-FFF2-40B4-BE49-F238E27FC236}">
+                <a16:creationId xmlns:a16="http://schemas.microsoft.com/office/drawing/2014/main" id="{ED43DC82-0E31-22E0-00A3-1C3F0E5B3813}"/>
+              </a:ext>
+            </a:extLst>
+          </p:cNvPr>
+          <p:cNvSpPr txBox="1"/>
+          <p:nvPr/>
+        </p:nvSpPr>
+        <p:spPr>
+          <a:xfrm>
+            <a:off x="7906955" y="4728003"/>
+            <a:ext cx="1439689" cy="338554"/>
+          </a:xfrm>
+          <a:prstGeom prst="rect">
+            <a:avLst/>
+          </a:prstGeom>
+          <a:noFill/>
+        </p:spPr>
+        <p:txBody>
+          <a:bodyPr wrap="none" rtlCol="0">
+            <a:spAutoFit/>
+          </a:bodyPr>
+          <a:lstStyle/>
+          <a:p>
+            <a:r>
+              <a:rPr lang="en-US" sz="1600" dirty="0"/>
+              <a:t>3). </a:t>
+            </a:r>
+            <a:r>
+              <a:rPr lang="en-US" sz="1600" i="1" dirty="0"/>
+              <a:t>bwrite(</a:t>
+            </a:r>
+            <a:r>
+              <a:rPr lang="en-US" sz="1600" i="1" dirty="0">
+                <a:solidFill>
+                  <a:srgbClr val="FFFF00"/>
+                </a:solidFill>
+              </a:rPr>
+              <a:t>buf</a:t>
+            </a:r>
+            <a:r>
+              <a:rPr lang="en-US" sz="1600" i="1" dirty="0"/>
+              <a:t>);</a:t>
+            </a:r>
+            <a:endParaRPr lang="en-US" sz="1600" dirty="0"/>
+          </a:p>
+        </p:txBody>
+      </p:sp>
+      <p:sp>
+        <p:nvSpPr>
+          <p:cNvPr id="79" name="TextBox 78">
+            <a:extLst>
+              <a:ext uri="{FF2B5EF4-FFF2-40B4-BE49-F238E27FC236}">
+                <a16:creationId xmlns:a16="http://schemas.microsoft.com/office/drawing/2014/main" id="{D77AFAB8-72EB-C622-96E6-642A1E22112B}"/>
+              </a:ext>
+            </a:extLst>
+          </p:cNvPr>
+          <p:cNvSpPr txBox="1"/>
+          <p:nvPr/>
+        </p:nvSpPr>
+        <p:spPr>
+          <a:xfrm>
+            <a:off x="7906955" y="4489207"/>
+            <a:ext cx="2126480" cy="338554"/>
+          </a:xfrm>
+          <a:prstGeom prst="rect">
+            <a:avLst/>
+          </a:prstGeom>
+          <a:noFill/>
+        </p:spPr>
+        <p:txBody>
+          <a:bodyPr wrap="none" rtlCol="0">
+            <a:spAutoFit/>
+          </a:bodyPr>
+          <a:lstStyle/>
+          <a:p>
+            <a:r>
+              <a:rPr lang="en-US" sz="1600" dirty="0"/>
+              <a:t>2). </a:t>
+            </a:r>
+            <a:r>
+              <a:rPr lang="en-US" sz="1600" i="1" dirty="0"/>
+              <a:t>memmove(buf, log);</a:t>
+            </a:r>
+          </a:p>
+        </p:txBody>
+      </p:sp>
+      <p:sp>
+        <p:nvSpPr>
+          <p:cNvPr id="80" name="Left Arrow 79">
+            <a:extLst>
+              <a:ext uri="{FF2B5EF4-FFF2-40B4-BE49-F238E27FC236}">
+                <a16:creationId xmlns:a16="http://schemas.microsoft.com/office/drawing/2014/main" id="{2D73C667-5CFB-677E-4EB3-75628520A155}"/>
+              </a:ext>
+            </a:extLst>
+          </p:cNvPr>
+          <p:cNvSpPr/>
+          <p:nvPr/>
+        </p:nvSpPr>
+        <p:spPr>
+          <a:xfrm>
+            <a:off x="10777209" y="2893698"/>
+            <a:ext cx="577048" cy="156597"/>
+          </a:xfrm>
+          <a:prstGeom prst="leftArrow">
+            <a:avLst/>
+          </a:prstGeom>
+          <a:ln>
+            <a:solidFill>
+              <a:schemeClr val="tx1"/>
+            </a:solidFill>
+          </a:ln>
+        </p:spPr>
+        <p:style>
+          <a:lnRef idx="2">
+            <a:schemeClr val="accent1">
+              <a:shade val="50000"/>
+            </a:schemeClr>
+          </a:lnRef>
+          <a:fillRef idx="1">
+            <a:schemeClr val="accent1"/>
+          </a:fillRef>
+          <a:effectRef idx="0">
+            <a:schemeClr val="accent1"/>
+          </a:effectRef>
+          <a:fontRef idx="minor">
+            <a:schemeClr val="lt1"/>
+          </a:fontRef>
+        </p:style>
+        <p:txBody>
+          <a:bodyPr rtlCol="0" anchor="ctr"/>
+          <a:lstStyle/>
+          <a:p>
+            <a:pPr algn="ctr"/>
+            <a:endParaRPr lang="en-US"/>
+          </a:p>
+        </p:txBody>
+      </p:sp>
+      <p:sp>
+        <p:nvSpPr>
+          <p:cNvPr id="81" name="Left Arrow 80">
+            <a:extLst>
+              <a:ext uri="{FF2B5EF4-FFF2-40B4-BE49-F238E27FC236}">
+                <a16:creationId xmlns:a16="http://schemas.microsoft.com/office/drawing/2014/main" id="{CF14A3C4-7368-92C8-7BA0-9786AE68A8E3}"/>
+              </a:ext>
+            </a:extLst>
+          </p:cNvPr>
+          <p:cNvSpPr/>
+          <p:nvPr/>
+        </p:nvSpPr>
+        <p:spPr>
+          <a:xfrm>
+            <a:off x="9276080" y="4763761"/>
+            <a:ext cx="577048" cy="156597"/>
+          </a:xfrm>
+          <a:prstGeom prst="leftArrow">
+            <a:avLst/>
+          </a:prstGeom>
+          <a:ln>
+            <a:solidFill>
+              <a:schemeClr val="tx1"/>
+            </a:solidFill>
+          </a:ln>
+        </p:spPr>
+        <p:style>
+          <a:lnRef idx="2">
+            <a:schemeClr val="accent1">
+              <a:shade val="50000"/>
+            </a:schemeClr>
+          </a:lnRef>
+          <a:fillRef idx="1">
+            <a:schemeClr val="accent1"/>
+          </a:fillRef>
+          <a:effectRef idx="0">
+            <a:schemeClr val="accent1"/>
+          </a:effectRef>
+          <a:fontRef idx="minor">
+            <a:schemeClr val="lt1"/>
+          </a:fontRef>
+        </p:style>
+        <p:txBody>
+          <a:bodyPr rtlCol="0" anchor="ctr"/>
+          <a:lstStyle/>
+          <a:p>
+            <a:pPr algn="ctr"/>
+            <a:endParaRPr lang="en-US"/>
+          </a:p>
+        </p:txBody>
+      </p:sp>
+      <p:sp>
+        <p:nvSpPr>
+          <p:cNvPr id="82" name="TextBox 81">
+            <a:extLst>
+              <a:ext uri="{FF2B5EF4-FFF2-40B4-BE49-F238E27FC236}">
+                <a16:creationId xmlns:a16="http://schemas.microsoft.com/office/drawing/2014/main" id="{A64B6873-4FD0-DBBD-4F1E-7CCC1186BBD3}"/>
+              </a:ext>
+            </a:extLst>
+          </p:cNvPr>
+          <p:cNvSpPr txBox="1"/>
+          <p:nvPr/>
+        </p:nvSpPr>
+        <p:spPr>
+          <a:xfrm>
+            <a:off x="7906955" y="5188356"/>
+            <a:ext cx="2595006" cy="338554"/>
+          </a:xfrm>
+          <a:prstGeom prst="rect">
+            <a:avLst/>
+          </a:prstGeom>
+          <a:noFill/>
+        </p:spPr>
+        <p:txBody>
+          <a:bodyPr wrap="none" rtlCol="0">
+            <a:spAutoFit/>
+          </a:bodyPr>
+          <a:lstStyle/>
+          <a:p>
+            <a:r>
+              <a:rPr lang="en-US" sz="1600" dirty="0"/>
+              <a:t>1). </a:t>
+            </a:r>
+            <a:r>
+              <a:rPr lang="en-US" sz="1600" i="1" dirty="0"/>
+              <a:t>log.lh.n = 0; write_head();</a:t>
+            </a:r>
+            <a:endParaRPr lang="en-US" sz="1600" dirty="0"/>
+          </a:p>
+        </p:txBody>
+      </p:sp>
+      <p:sp>
+        <p:nvSpPr>
+          <p:cNvPr id="83" name="TextBox 82">
+            <a:extLst>
+              <a:ext uri="{FF2B5EF4-FFF2-40B4-BE49-F238E27FC236}">
+                <a16:creationId xmlns:a16="http://schemas.microsoft.com/office/drawing/2014/main" id="{F1A1F1A6-B211-D632-F2B5-FE5B555BCAF3}"/>
+              </a:ext>
+            </a:extLst>
+          </p:cNvPr>
+          <p:cNvSpPr txBox="1"/>
+          <p:nvPr/>
+        </p:nvSpPr>
+        <p:spPr>
+          <a:xfrm>
+            <a:off x="7664998" y="3276220"/>
+            <a:ext cx="337351" cy="523220"/>
+          </a:xfrm>
+          <a:prstGeom prst="rect">
+            <a:avLst/>
+          </a:prstGeom>
+          <a:noFill/>
+        </p:spPr>
+        <p:txBody>
+          <a:bodyPr wrap="square" rtlCol="0">
+            <a:spAutoFit/>
+          </a:bodyPr>
+          <a:lstStyle/>
+          <a:p>
+            <a:r>
+              <a:rPr lang="en-US" sz="2800" dirty="0">
+                <a:solidFill>
+                  <a:srgbClr val="FF0000"/>
+                </a:solidFill>
+              </a:rPr>
+              <a:t>x</a:t>
+            </a:r>
+          </a:p>
+        </p:txBody>
+      </p:sp>
+      <p:sp>
+        <p:nvSpPr>
+          <p:cNvPr id="84" name="TextBox 83">
+            <a:extLst>
+              <a:ext uri="{FF2B5EF4-FFF2-40B4-BE49-F238E27FC236}">
+                <a16:creationId xmlns:a16="http://schemas.microsoft.com/office/drawing/2014/main" id="{041CF53A-74FF-4333-9D58-5FB0FD81EB20}"/>
+              </a:ext>
+            </a:extLst>
+          </p:cNvPr>
+          <p:cNvSpPr txBox="1"/>
+          <p:nvPr/>
+        </p:nvSpPr>
+        <p:spPr>
+          <a:xfrm>
+            <a:off x="7687983" y="4006297"/>
+            <a:ext cx="337351" cy="461665"/>
+          </a:xfrm>
+          <a:prstGeom prst="rect">
+            <a:avLst/>
+          </a:prstGeom>
+          <a:noFill/>
+        </p:spPr>
+        <p:txBody>
+          <a:bodyPr wrap="square" rtlCol="0">
+            <a:spAutoFit/>
+          </a:bodyPr>
+          <a:lstStyle/>
+          <a:p>
+            <a:r>
+              <a:rPr lang="en-US" sz="2400" dirty="0">
+                <a:solidFill>
+                  <a:srgbClr val="FF0000"/>
+                </a:solidFill>
+              </a:rPr>
+              <a:t>x</a:t>
+            </a:r>
+          </a:p>
+        </p:txBody>
+      </p:sp>
+      <p:sp>
+        <p:nvSpPr>
+          <p:cNvPr id="85" name="TextBox 84">
+            <a:extLst>
+              <a:ext uri="{FF2B5EF4-FFF2-40B4-BE49-F238E27FC236}">
+                <a16:creationId xmlns:a16="http://schemas.microsoft.com/office/drawing/2014/main" id="{DD1100A1-2189-0A6B-9D93-6061D92C5BAD}"/>
+              </a:ext>
+            </a:extLst>
+          </p:cNvPr>
+          <p:cNvSpPr txBox="1"/>
+          <p:nvPr/>
+        </p:nvSpPr>
+        <p:spPr>
+          <a:xfrm>
+            <a:off x="7679764" y="4795914"/>
+            <a:ext cx="337351" cy="523220"/>
+          </a:xfrm>
+          <a:prstGeom prst="rect">
+            <a:avLst/>
+          </a:prstGeom>
+          <a:noFill/>
+        </p:spPr>
+        <p:txBody>
+          <a:bodyPr wrap="square" rtlCol="0">
+            <a:spAutoFit/>
+          </a:bodyPr>
+          <a:lstStyle/>
+          <a:p>
+            <a:r>
+              <a:rPr lang="en-US" sz="2800" dirty="0">
+                <a:solidFill>
+                  <a:srgbClr val="FF0000"/>
+                </a:solidFill>
+              </a:rPr>
+              <a:t>x</a:t>
+            </a:r>
+          </a:p>
+        </p:txBody>
+      </p:sp>
+      <p:sp>
+        <p:nvSpPr>
+          <p:cNvPr id="86" name="Striped Right Arrow 85">
+            <a:extLst>
+              <a:ext uri="{FF2B5EF4-FFF2-40B4-BE49-F238E27FC236}">
+                <a16:creationId xmlns:a16="http://schemas.microsoft.com/office/drawing/2014/main" id="{65B43171-A586-1FB8-E014-6E60EC495A1C}"/>
+              </a:ext>
+            </a:extLst>
+          </p:cNvPr>
+          <p:cNvSpPr/>
+          <p:nvPr/>
+        </p:nvSpPr>
+        <p:spPr>
+          <a:xfrm rot="18677539">
+            <a:off x="1677515" y="2082102"/>
+            <a:ext cx="1420440" cy="377302"/>
+          </a:xfrm>
+          <a:prstGeom prst="stripedRightArrow">
+            <a:avLst/>
+          </a:prstGeom>
+        </p:spPr>
+        <p:style>
+          <a:lnRef idx="2">
+            <a:schemeClr val="accent1">
+              <a:shade val="50000"/>
+            </a:schemeClr>
+          </a:lnRef>
+          <a:fillRef idx="1">
+            <a:schemeClr val="accent1"/>
+          </a:fillRef>
+          <a:effectRef idx="0">
+            <a:schemeClr val="accent1"/>
+          </a:effectRef>
+          <a:fontRef idx="minor">
+            <a:schemeClr val="lt1"/>
+          </a:fontRef>
+        </p:style>
+        <p:txBody>
+          <a:bodyPr rtlCol="0" anchor="ctr"/>
+          <a:lstStyle/>
+          <a:p>
+            <a:pPr algn="ctr"/>
+            <a:endParaRPr lang="en-US"/>
+          </a:p>
+        </p:txBody>
+      </p:sp>
+      <p:sp>
+        <p:nvSpPr>
+          <p:cNvPr id="87" name="TextBox 86">
+            <a:extLst>
+              <a:ext uri="{FF2B5EF4-FFF2-40B4-BE49-F238E27FC236}">
+                <a16:creationId xmlns:a16="http://schemas.microsoft.com/office/drawing/2014/main" id="{0521665A-D4C4-9086-3609-B0CF8C6E9E44}"/>
+              </a:ext>
+            </a:extLst>
+          </p:cNvPr>
+          <p:cNvSpPr txBox="1"/>
+          <p:nvPr/>
+        </p:nvSpPr>
+        <p:spPr>
+          <a:xfrm>
+            <a:off x="1810372" y="2128851"/>
+            <a:ext cx="1102353" cy="276999"/>
+          </a:xfrm>
+          <a:prstGeom prst="rect">
+            <a:avLst/>
+          </a:prstGeom>
+          <a:noFill/>
+        </p:spPr>
+        <p:txBody>
+          <a:bodyPr wrap="none" rtlCol="0">
+            <a:spAutoFit/>
+          </a:bodyPr>
+          <a:lstStyle/>
+          <a:p>
+            <a:r>
+              <a:rPr lang="en-US" sz="1200" b="1" i="1" dirty="0"/>
+              <a:t>virtio_disk_rw</a:t>
+            </a:r>
+          </a:p>
+        </p:txBody>
+      </p:sp>
+      <p:sp>
+        <p:nvSpPr>
+          <p:cNvPr id="88" name="Sun 87">
+            <a:extLst>
+              <a:ext uri="{FF2B5EF4-FFF2-40B4-BE49-F238E27FC236}">
+                <a16:creationId xmlns:a16="http://schemas.microsoft.com/office/drawing/2014/main" id="{C8566F85-EC0D-B8D2-075B-9C9C55710210}"/>
+              </a:ext>
+            </a:extLst>
+          </p:cNvPr>
+          <p:cNvSpPr/>
+          <p:nvPr/>
+        </p:nvSpPr>
+        <p:spPr>
+          <a:xfrm>
+            <a:off x="3025407" y="3772480"/>
+            <a:ext cx="328474" cy="328062"/>
+          </a:xfrm>
+          <a:prstGeom prst="sun">
+            <a:avLst/>
+          </a:prstGeom>
+          <a:solidFill>
+            <a:srgbClr val="FF0000"/>
+          </a:solidFill>
+          <a:ln>
+            <a:solidFill>
+              <a:srgbClr val="FFC000"/>
+            </a:solidFill>
+          </a:ln>
+        </p:spPr>
+        <p:style>
+          <a:lnRef idx="2">
+            <a:schemeClr val="accent1">
+              <a:shade val="50000"/>
+            </a:schemeClr>
+          </a:lnRef>
+          <a:fillRef idx="1">
+            <a:schemeClr val="accent1"/>
+          </a:fillRef>
+          <a:effectRef idx="0">
+            <a:schemeClr val="accent1"/>
+          </a:effectRef>
+          <a:fontRef idx="minor">
+            <a:schemeClr val="lt1"/>
+          </a:fontRef>
+        </p:style>
+        <p:txBody>
+          <a:bodyPr rtlCol="0" anchor="ctr"/>
+          <a:lstStyle/>
+          <a:p>
+            <a:pPr algn="ctr"/>
+            <a:endParaRPr lang="en-US"/>
+          </a:p>
+        </p:txBody>
+      </p:sp>
+      <p:sp>
+        <p:nvSpPr>
+          <p:cNvPr id="89" name="TextBox 88">
+            <a:extLst>
+              <a:ext uri="{FF2B5EF4-FFF2-40B4-BE49-F238E27FC236}">
+                <a16:creationId xmlns:a16="http://schemas.microsoft.com/office/drawing/2014/main" id="{505905DE-7440-83E3-5F3D-71CB145C33E2}"/>
+              </a:ext>
+            </a:extLst>
+          </p:cNvPr>
+          <p:cNvSpPr txBox="1"/>
+          <p:nvPr/>
+        </p:nvSpPr>
+        <p:spPr>
+          <a:xfrm>
+            <a:off x="9123754" y="3922358"/>
+            <a:ext cx="2249590" cy="276999"/>
+          </a:xfrm>
+          <a:prstGeom prst="rect">
+            <a:avLst/>
+          </a:prstGeom>
+          <a:noFill/>
+        </p:spPr>
+        <p:txBody>
+          <a:bodyPr wrap="none" rtlCol="0">
+            <a:spAutoFit/>
+          </a:bodyPr>
+          <a:lstStyle/>
+          <a:p>
+            <a:r>
+              <a:rPr lang="en-US" sz="1200" dirty="0">
+                <a:solidFill>
+                  <a:srgbClr val="00B0F0"/>
+                </a:solidFill>
+              </a:rPr>
+              <a:t>atomic write 1 block (</a:t>
+            </a:r>
+            <a:r>
+              <a:rPr lang="en-US" sz="1200" i="1" dirty="0">
+                <a:solidFill>
+                  <a:srgbClr val="00B0F0"/>
+                </a:solidFill>
+              </a:rPr>
+              <a:t>log header</a:t>
+            </a:r>
+            <a:r>
+              <a:rPr lang="en-US" sz="1200" dirty="0">
+                <a:solidFill>
+                  <a:srgbClr val="00B0F0"/>
+                </a:solidFill>
+              </a:rPr>
+              <a:t>)</a:t>
+            </a:r>
+          </a:p>
+        </p:txBody>
+      </p:sp>
+      <p:cxnSp>
+        <p:nvCxnSpPr>
+          <p:cNvPr id="92" name="Straight Arrow Connector 91">
+            <a:extLst>
+              <a:ext uri="{FF2B5EF4-FFF2-40B4-BE49-F238E27FC236}">
+                <a16:creationId xmlns:a16="http://schemas.microsoft.com/office/drawing/2014/main" id="{84DC617A-9798-883C-EDF1-8127FB252CCA}"/>
+              </a:ext>
+            </a:extLst>
+          </p:cNvPr>
+          <p:cNvCxnSpPr/>
+          <p:nvPr/>
+        </p:nvCxnSpPr>
+        <p:spPr>
+          <a:xfrm>
+            <a:off x="2912725" y="3163846"/>
+            <a:ext cx="564260" cy="0"/>
+          </a:xfrm>
+          <a:prstGeom prst="straightConnector1">
+            <a:avLst/>
+          </a:prstGeom>
+          <a:ln>
+            <a:tailEnd type="triangle"/>
+          </a:ln>
+        </p:spPr>
+        <p:style>
+          <a:lnRef idx="2">
+            <a:schemeClr val="accent1"/>
+          </a:lnRef>
+          <a:fillRef idx="0">
+            <a:schemeClr val="accent1"/>
+          </a:fillRef>
+          <a:effectRef idx="1">
+            <a:schemeClr val="accent1"/>
+          </a:effectRef>
+          <a:fontRef idx="minor">
+            <a:schemeClr val="tx1"/>
+          </a:fontRef>
+        </p:style>
+      </p:cxnSp>
+      <p:cxnSp>
+        <p:nvCxnSpPr>
+          <p:cNvPr id="93" name="Straight Arrow Connector 92">
+            <a:extLst>
+              <a:ext uri="{FF2B5EF4-FFF2-40B4-BE49-F238E27FC236}">
+                <a16:creationId xmlns:a16="http://schemas.microsoft.com/office/drawing/2014/main" id="{8ECA07FB-9E0F-A393-5301-C796685C69F1}"/>
+              </a:ext>
+            </a:extLst>
+          </p:cNvPr>
+          <p:cNvCxnSpPr/>
+          <p:nvPr/>
+        </p:nvCxnSpPr>
+        <p:spPr>
+          <a:xfrm>
+            <a:off x="2912725" y="2836027"/>
+            <a:ext cx="564260" cy="0"/>
+          </a:xfrm>
+          <a:prstGeom prst="straightConnector1">
+            <a:avLst/>
+          </a:prstGeom>
+          <a:ln>
+            <a:tailEnd type="triangle"/>
+          </a:ln>
+        </p:spPr>
+        <p:style>
+          <a:lnRef idx="2">
+            <a:schemeClr val="accent1"/>
+          </a:lnRef>
+          <a:fillRef idx="0">
+            <a:schemeClr val="accent1"/>
+          </a:fillRef>
+          <a:effectRef idx="1">
+            <a:schemeClr val="accent1"/>
+          </a:effectRef>
+          <a:fontRef idx="minor">
+            <a:schemeClr val="tx1"/>
+          </a:fontRef>
+        </p:style>
+      </p:cxnSp>
+      <p:sp>
+        <p:nvSpPr>
+          <p:cNvPr id="94" name="TextBox 93">
+            <a:extLst>
+              <a:ext uri="{FF2B5EF4-FFF2-40B4-BE49-F238E27FC236}">
+                <a16:creationId xmlns:a16="http://schemas.microsoft.com/office/drawing/2014/main" id="{CF2622E8-314F-759B-D101-5B70C258C388}"/>
+              </a:ext>
+            </a:extLst>
+          </p:cNvPr>
+          <p:cNvSpPr txBox="1"/>
+          <p:nvPr/>
+        </p:nvSpPr>
+        <p:spPr>
+          <a:xfrm>
+            <a:off x="2775915" y="2595168"/>
+            <a:ext cx="896399" cy="276999"/>
+          </a:xfrm>
+          <a:prstGeom prst="rect">
+            <a:avLst/>
+          </a:prstGeom>
+          <a:noFill/>
+        </p:spPr>
+        <p:txBody>
+          <a:bodyPr wrap="none" rtlCol="0">
+            <a:spAutoFit/>
+          </a:bodyPr>
+          <a:lstStyle/>
+          <a:p>
+            <a:r>
+              <a:rPr lang="en-US" sz="1200" i="1" dirty="0"/>
+              <a:t>begin_op( )</a:t>
+            </a:r>
+          </a:p>
+        </p:txBody>
+      </p:sp>
+      <p:sp>
+        <p:nvSpPr>
+          <p:cNvPr id="95" name="TextBox 94">
+            <a:extLst>
+              <a:ext uri="{FF2B5EF4-FFF2-40B4-BE49-F238E27FC236}">
+                <a16:creationId xmlns:a16="http://schemas.microsoft.com/office/drawing/2014/main" id="{D186A4AA-2FAB-A6AF-C07B-726FB20081FB}"/>
+              </a:ext>
+            </a:extLst>
+          </p:cNvPr>
+          <p:cNvSpPr txBox="1"/>
+          <p:nvPr/>
+        </p:nvSpPr>
+        <p:spPr>
+          <a:xfrm>
+            <a:off x="2803878" y="3132534"/>
+            <a:ext cx="788999" cy="276999"/>
+          </a:xfrm>
+          <a:prstGeom prst="rect">
+            <a:avLst/>
+          </a:prstGeom>
+          <a:noFill/>
+        </p:spPr>
+        <p:txBody>
+          <a:bodyPr wrap="none" rtlCol="0">
+            <a:spAutoFit/>
+          </a:bodyPr>
+          <a:lstStyle/>
+          <a:p>
+            <a:r>
+              <a:rPr lang="en-US" sz="1200" i="1" dirty="0"/>
+              <a:t>end_op( )</a:t>
+            </a:r>
+          </a:p>
+        </p:txBody>
+      </p:sp>
+    </p:spTree>
+    <p:extLst>
+      <p:ext uri="{BB962C8B-B14F-4D97-AF65-F5344CB8AC3E}">
+        <p14:creationId xmlns:p14="http://schemas.microsoft.com/office/powerpoint/2010/main" val="2705810251"/>
+      </p:ext>
+    </p:extLst>
+  </p:cSld>
+  <p:clrMapOvr>
+    <a:masterClrMapping/>
+  </p:clrMapOvr>
+</p:sld>
+</file>
+
+<file path=ppt/slides/slide19.xml><?xml version="1.0" encoding="utf-8"?>
+<p:sld xmlns:a="http://schemas.openxmlformats.org/drawingml/2006/main" xmlns:r="http://schemas.openxmlformats.org/officeDocument/2006/relationships" xmlns:p="http://schemas.openxmlformats.org/presentationml/2006/main">
+  <p:cSld>
+    <p:spTree>
+      <p:nvGrpSpPr>
+        <p:cNvPr id="1" name=""/>
+        <p:cNvGrpSpPr/>
+        <p:nvPr/>
+      </p:nvGrpSpPr>
+      <p:grpSpPr>
+        <a:xfrm>
+          <a:off x="0" y="0"/>
+          <a:ext cx="0" cy="0"/>
+          <a:chOff x="0" y="0"/>
+          <a:chExt cx="0" cy="0"/>
+        </a:xfrm>
+      </p:grpSpPr>
+      <p:sp>
+        <p:nvSpPr>
+          <p:cNvPr id="2" name="TextBox 1">
+            <a:extLst>
+              <a:ext uri="{FF2B5EF4-FFF2-40B4-BE49-F238E27FC236}">
+                <a16:creationId xmlns:a16="http://schemas.microsoft.com/office/drawing/2014/main" id="{A99980E2-A3A9-FD4A-9011-9A37E88F5891}"/>
+              </a:ext>
+            </a:extLst>
+          </p:cNvPr>
+          <p:cNvSpPr txBox="1"/>
+          <p:nvPr/>
+        </p:nvSpPr>
+        <p:spPr>
+          <a:xfrm>
+            <a:off x="1872537" y="277843"/>
+            <a:ext cx="8446926" cy="707886"/>
+          </a:xfrm>
+          <a:prstGeom prst="rect">
+            <a:avLst/>
+          </a:prstGeom>
+          <a:noFill/>
+        </p:spPr>
+        <p:txBody>
+          <a:bodyPr wrap="square" rtlCol="0">
+            <a:spAutoFit/>
+          </a:bodyPr>
+          <a:lstStyle/>
+          <a:p>
+            <a:pPr algn="ctr"/>
+            <a:r>
+              <a:rPr lang="en-US" sz="4000" dirty="0">
+                <a:solidFill>
+                  <a:schemeClr val="accent1">
+                    <a:lumMod val="60000"/>
+                    <a:lumOff val="40000"/>
+                  </a:schemeClr>
+                </a:solidFill>
+              </a:rPr>
+              <a:t>RISC-V Trap Machinery</a:t>
+            </a:r>
+          </a:p>
+        </p:txBody>
+      </p:sp>
+    </p:spTree>
+    <p:extLst>
+      <p:ext uri="{BB962C8B-B14F-4D97-AF65-F5344CB8AC3E}">
+        <p14:creationId xmlns:p14="http://schemas.microsoft.com/office/powerpoint/2010/main" val="2826502202"/>
       </p:ext>
     </p:extLst>
   </p:cSld>
@@ -21798,6 +27939,79 @@
     <p:extLst>
       <p:ext uri="{BB962C8B-B14F-4D97-AF65-F5344CB8AC3E}">
         <p14:creationId xmlns:p14="http://schemas.microsoft.com/office/powerpoint/2010/main" val="3161289482"/>
+      </p:ext>
+    </p:extLst>
+  </p:cSld>
+  <p:clrMapOvr>
+    <a:masterClrMapping/>
+  </p:clrMapOvr>
+</p:sld>
+</file>
+
+<file path=ppt/slides/slide20.xml><?xml version="1.0" encoding="utf-8"?>
+<p:sld xmlns:a="http://schemas.openxmlformats.org/drawingml/2006/main" xmlns:r="http://schemas.openxmlformats.org/officeDocument/2006/relationships" xmlns:p="http://schemas.openxmlformats.org/presentationml/2006/main">
+  <p:cSld>
+    <p:spTree>
+      <p:nvGrpSpPr>
+        <p:cNvPr id="1" name=""/>
+        <p:cNvGrpSpPr/>
+        <p:nvPr/>
+      </p:nvGrpSpPr>
+      <p:grpSpPr>
+        <a:xfrm>
+          <a:off x="0" y="0"/>
+          <a:ext cx="0" cy="0"/>
+          <a:chOff x="0" y="0"/>
+          <a:chExt cx="0" cy="0"/>
+        </a:xfrm>
+      </p:grpSpPr>
+      <p:sp>
+        <p:nvSpPr>
+          <p:cNvPr id="2" name="TextBox 1">
+            <a:extLst>
+              <a:ext uri="{FF2B5EF4-FFF2-40B4-BE49-F238E27FC236}">
+                <a16:creationId xmlns:a16="http://schemas.microsoft.com/office/drawing/2014/main" id="{A99980E2-A3A9-FD4A-9011-9A37E88F5891}"/>
+              </a:ext>
+            </a:extLst>
+          </p:cNvPr>
+          <p:cNvSpPr txBox="1"/>
+          <p:nvPr/>
+        </p:nvSpPr>
+        <p:spPr>
+          <a:xfrm>
+            <a:off x="1872537" y="277843"/>
+            <a:ext cx="8446926" cy="707886"/>
+          </a:xfrm>
+          <a:prstGeom prst="rect">
+            <a:avLst/>
+          </a:prstGeom>
+          <a:noFill/>
+        </p:spPr>
+        <p:txBody>
+          <a:bodyPr wrap="square" rtlCol="0">
+            <a:spAutoFit/>
+          </a:bodyPr>
+          <a:lstStyle/>
+          <a:p>
+            <a:pPr algn="ctr"/>
+            <a:r>
+              <a:rPr lang="en-US" sz="4000" dirty="0">
+                <a:solidFill>
+                  <a:schemeClr val="accent1">
+                    <a:lumMod val="60000"/>
+                    <a:lumOff val="40000"/>
+                  </a:schemeClr>
+                </a:solidFill>
+              </a:rPr>
+              <a:t>RISC-V Trap Machinery</a:t>
+            </a:r>
+          </a:p>
+        </p:txBody>
+      </p:sp>
+    </p:spTree>
+    <p:extLst>
+      <p:ext uri="{BB962C8B-B14F-4D97-AF65-F5344CB8AC3E}">
+        <p14:creationId xmlns:p14="http://schemas.microsoft.com/office/powerpoint/2010/main" val="46600987"/>
       </p:ext>
     </p:extLst>
   </p:cSld>

--- a/docs/figures/os1.pptx
+++ b/docs/figures/os1.pptx
@@ -5,7 +5,7 @@
     <p:sldMasterId id="2147483648" r:id="rId1"/>
   </p:sldMasterIdLst>
   <p:notesMasterIdLst>
-    <p:notesMasterId r:id="rId22"/>
+    <p:notesMasterId r:id="rId24"/>
   </p:notesMasterIdLst>
   <p:sldIdLst>
     <p:sldId id="331" r:id="rId2"/>
@@ -27,7 +27,9 @@
     <p:sldId id="350" r:id="rId18"/>
     <p:sldId id="354" r:id="rId19"/>
     <p:sldId id="352" r:id="rId20"/>
-    <p:sldId id="353" r:id="rId21"/>
+    <p:sldId id="355" r:id="rId21"/>
+    <p:sldId id="356" r:id="rId22"/>
+    <p:sldId id="353" r:id="rId23"/>
   </p:sldIdLst>
   <p:sldSz cx="12192000" cy="6858000"/>
   <p:notesSz cx="6858000" cy="9144000"/>
@@ -1558,6 +1560,174 @@
             <a:fld id="{997274CE-51E2-314F-8544-5E91EE33A09F}" type="slidenum">
               <a:rPr lang="en-US" smtClean="0"/>
               <a:t>20</a:t>
+            </a:fld>
+            <a:endParaRPr lang="en-US"/>
+          </a:p>
+        </p:txBody>
+      </p:sp>
+    </p:spTree>
+    <p:extLst>
+      <p:ext uri="{BB962C8B-B14F-4D97-AF65-F5344CB8AC3E}">
+        <p14:creationId xmlns:p14="http://schemas.microsoft.com/office/powerpoint/2010/main" val="41041808"/>
+      </p:ext>
+    </p:extLst>
+  </p:cSld>
+  <p:clrMapOvr>
+    <a:masterClrMapping/>
+  </p:clrMapOvr>
+</p:notes>
+</file>
+
+<file path=ppt/notesSlides/notesSlide21.xml><?xml version="1.0" encoding="utf-8"?>
+<p:notes xmlns:a="http://schemas.openxmlformats.org/drawingml/2006/main" xmlns:r="http://schemas.openxmlformats.org/officeDocument/2006/relationships" xmlns:p="http://schemas.openxmlformats.org/presentationml/2006/main">
+  <p:cSld>
+    <p:spTree>
+      <p:nvGrpSpPr>
+        <p:cNvPr id="1" name=""/>
+        <p:cNvGrpSpPr/>
+        <p:nvPr/>
+      </p:nvGrpSpPr>
+      <p:grpSpPr>
+        <a:xfrm>
+          <a:off x="0" y="0"/>
+          <a:ext cx="0" cy="0"/>
+          <a:chOff x="0" y="0"/>
+          <a:chExt cx="0" cy="0"/>
+        </a:xfrm>
+      </p:grpSpPr>
+      <p:sp>
+        <p:nvSpPr>
+          <p:cNvPr id="2" name="Slide Image Placeholder 1"/>
+          <p:cNvSpPr>
+            <a:spLocks noGrp="1" noRot="1" noChangeAspect="1"/>
+          </p:cNvSpPr>
+          <p:nvPr>
+            <p:ph type="sldImg"/>
+          </p:nvPr>
+        </p:nvSpPr>
+        <p:spPr/>
+      </p:sp>
+      <p:sp>
+        <p:nvSpPr>
+          <p:cNvPr id="3" name="Notes Placeholder 2"/>
+          <p:cNvSpPr>
+            <a:spLocks noGrp="1"/>
+          </p:cNvSpPr>
+          <p:nvPr>
+            <p:ph type="body" idx="1"/>
+          </p:nvPr>
+        </p:nvSpPr>
+        <p:spPr/>
+        <p:txBody>
+          <a:bodyPr/>
+          <a:lstStyle/>
+          <a:p>
+            <a:endParaRPr lang="en-US" dirty="0"/>
+          </a:p>
+        </p:txBody>
+      </p:sp>
+      <p:sp>
+        <p:nvSpPr>
+          <p:cNvPr id="4" name="Slide Number Placeholder 3"/>
+          <p:cNvSpPr>
+            <a:spLocks noGrp="1"/>
+          </p:cNvSpPr>
+          <p:nvPr>
+            <p:ph type="sldNum" sz="quarter" idx="5"/>
+          </p:nvPr>
+        </p:nvSpPr>
+        <p:spPr/>
+        <p:txBody>
+          <a:bodyPr/>
+          <a:lstStyle/>
+          <a:p>
+            <a:fld id="{997274CE-51E2-314F-8544-5E91EE33A09F}" type="slidenum">
+              <a:rPr lang="en-US" smtClean="0"/>
+              <a:t>21</a:t>
+            </a:fld>
+            <a:endParaRPr lang="en-US"/>
+          </a:p>
+        </p:txBody>
+      </p:sp>
+    </p:spTree>
+    <p:extLst>
+      <p:ext uri="{BB962C8B-B14F-4D97-AF65-F5344CB8AC3E}">
+        <p14:creationId xmlns:p14="http://schemas.microsoft.com/office/powerpoint/2010/main" val="4058224969"/>
+      </p:ext>
+    </p:extLst>
+  </p:cSld>
+  <p:clrMapOvr>
+    <a:masterClrMapping/>
+  </p:clrMapOvr>
+</p:notes>
+</file>
+
+<file path=ppt/notesSlides/notesSlide22.xml><?xml version="1.0" encoding="utf-8"?>
+<p:notes xmlns:a="http://schemas.openxmlformats.org/drawingml/2006/main" xmlns:r="http://schemas.openxmlformats.org/officeDocument/2006/relationships" xmlns:p="http://schemas.openxmlformats.org/presentationml/2006/main">
+  <p:cSld>
+    <p:spTree>
+      <p:nvGrpSpPr>
+        <p:cNvPr id="1" name=""/>
+        <p:cNvGrpSpPr/>
+        <p:nvPr/>
+      </p:nvGrpSpPr>
+      <p:grpSpPr>
+        <a:xfrm>
+          <a:off x="0" y="0"/>
+          <a:ext cx="0" cy="0"/>
+          <a:chOff x="0" y="0"/>
+          <a:chExt cx="0" cy="0"/>
+        </a:xfrm>
+      </p:grpSpPr>
+      <p:sp>
+        <p:nvSpPr>
+          <p:cNvPr id="2" name="Slide Image Placeholder 1"/>
+          <p:cNvSpPr>
+            <a:spLocks noGrp="1" noRot="1" noChangeAspect="1"/>
+          </p:cNvSpPr>
+          <p:nvPr>
+            <p:ph type="sldImg"/>
+          </p:nvPr>
+        </p:nvSpPr>
+        <p:spPr/>
+      </p:sp>
+      <p:sp>
+        <p:nvSpPr>
+          <p:cNvPr id="3" name="Notes Placeholder 2"/>
+          <p:cNvSpPr>
+            <a:spLocks noGrp="1"/>
+          </p:cNvSpPr>
+          <p:nvPr>
+            <p:ph type="body" idx="1"/>
+          </p:nvPr>
+        </p:nvSpPr>
+        <p:spPr/>
+        <p:txBody>
+          <a:bodyPr/>
+          <a:lstStyle/>
+          <a:p>
+            <a:endParaRPr lang="en-US" dirty="0"/>
+          </a:p>
+        </p:txBody>
+      </p:sp>
+      <p:sp>
+        <p:nvSpPr>
+          <p:cNvPr id="4" name="Slide Number Placeholder 3"/>
+          <p:cNvSpPr>
+            <a:spLocks noGrp="1"/>
+          </p:cNvSpPr>
+          <p:nvPr>
+            <p:ph type="sldNum" sz="quarter" idx="5"/>
+          </p:nvPr>
+        </p:nvSpPr>
+        <p:spPr/>
+        <p:txBody>
+          <a:bodyPr/>
+          <a:lstStyle/>
+          <a:p>
+            <a:fld id="{997274CE-51E2-314F-8544-5E91EE33A09F}" type="slidenum">
+              <a:rPr lang="en-US" smtClean="0"/>
+              <a:t>22</a:t>
             </a:fld>
             <a:endParaRPr lang="en-US"/>
           </a:p>
@@ -26653,7 +26823,7 @@
                   </a:schemeClr>
                 </a:solidFill>
               </a:rPr>
-              <a:t>RISC-V Trap Machinery</a:t>
+              <a:t>Inode and Path</a:t>
             </a:r>
           </a:p>
         </p:txBody>
@@ -27949,6 +28119,152 @@
 </file>
 
 <file path=ppt/slides/slide20.xml><?xml version="1.0" encoding="utf-8"?>
+<p:sld xmlns:a="http://schemas.openxmlformats.org/drawingml/2006/main" xmlns:r="http://schemas.openxmlformats.org/officeDocument/2006/relationships" xmlns:p="http://schemas.openxmlformats.org/presentationml/2006/main">
+  <p:cSld>
+    <p:spTree>
+      <p:nvGrpSpPr>
+        <p:cNvPr id="1" name=""/>
+        <p:cNvGrpSpPr/>
+        <p:nvPr/>
+      </p:nvGrpSpPr>
+      <p:grpSpPr>
+        <a:xfrm>
+          <a:off x="0" y="0"/>
+          <a:ext cx="0" cy="0"/>
+          <a:chOff x="0" y="0"/>
+          <a:chExt cx="0" cy="0"/>
+        </a:xfrm>
+      </p:grpSpPr>
+      <p:sp>
+        <p:nvSpPr>
+          <p:cNvPr id="2" name="TextBox 1">
+            <a:extLst>
+              <a:ext uri="{FF2B5EF4-FFF2-40B4-BE49-F238E27FC236}">
+                <a16:creationId xmlns:a16="http://schemas.microsoft.com/office/drawing/2014/main" id="{A99980E2-A3A9-FD4A-9011-9A37E88F5891}"/>
+              </a:ext>
+            </a:extLst>
+          </p:cNvPr>
+          <p:cNvSpPr txBox="1"/>
+          <p:nvPr/>
+        </p:nvSpPr>
+        <p:spPr>
+          <a:xfrm>
+            <a:off x="1872537" y="277843"/>
+            <a:ext cx="8446926" cy="707886"/>
+          </a:xfrm>
+          <a:prstGeom prst="rect">
+            <a:avLst/>
+          </a:prstGeom>
+          <a:noFill/>
+        </p:spPr>
+        <p:txBody>
+          <a:bodyPr wrap="square" rtlCol="0">
+            <a:spAutoFit/>
+          </a:bodyPr>
+          <a:lstStyle/>
+          <a:p>
+            <a:pPr algn="ctr"/>
+            <a:r>
+              <a:rPr lang="en-US" sz="4000" dirty="0">
+                <a:solidFill>
+                  <a:schemeClr val="accent1">
+                    <a:lumMod val="60000"/>
+                    <a:lumOff val="40000"/>
+                  </a:schemeClr>
+                </a:solidFill>
+              </a:rPr>
+              <a:t>RISC-V Trap Machinery</a:t>
+            </a:r>
+          </a:p>
+        </p:txBody>
+      </p:sp>
+    </p:spTree>
+    <p:extLst>
+      <p:ext uri="{BB962C8B-B14F-4D97-AF65-F5344CB8AC3E}">
+        <p14:creationId xmlns:p14="http://schemas.microsoft.com/office/powerpoint/2010/main" val="1434187167"/>
+      </p:ext>
+    </p:extLst>
+  </p:cSld>
+  <p:clrMapOvr>
+    <a:masterClrMapping/>
+  </p:clrMapOvr>
+</p:sld>
+</file>
+
+<file path=ppt/slides/slide21.xml><?xml version="1.0" encoding="utf-8"?>
+<p:sld xmlns:a="http://schemas.openxmlformats.org/drawingml/2006/main" xmlns:r="http://schemas.openxmlformats.org/officeDocument/2006/relationships" xmlns:p="http://schemas.openxmlformats.org/presentationml/2006/main">
+  <p:cSld>
+    <p:spTree>
+      <p:nvGrpSpPr>
+        <p:cNvPr id="1" name=""/>
+        <p:cNvGrpSpPr/>
+        <p:nvPr/>
+      </p:nvGrpSpPr>
+      <p:grpSpPr>
+        <a:xfrm>
+          <a:off x="0" y="0"/>
+          <a:ext cx="0" cy="0"/>
+          <a:chOff x="0" y="0"/>
+          <a:chExt cx="0" cy="0"/>
+        </a:xfrm>
+      </p:grpSpPr>
+      <p:sp>
+        <p:nvSpPr>
+          <p:cNvPr id="2" name="TextBox 1">
+            <a:extLst>
+              <a:ext uri="{FF2B5EF4-FFF2-40B4-BE49-F238E27FC236}">
+                <a16:creationId xmlns:a16="http://schemas.microsoft.com/office/drawing/2014/main" id="{A99980E2-A3A9-FD4A-9011-9A37E88F5891}"/>
+              </a:ext>
+            </a:extLst>
+          </p:cNvPr>
+          <p:cNvSpPr txBox="1"/>
+          <p:nvPr/>
+        </p:nvSpPr>
+        <p:spPr>
+          <a:xfrm>
+            <a:off x="1872537" y="277843"/>
+            <a:ext cx="8446926" cy="707886"/>
+          </a:xfrm>
+          <a:prstGeom prst="rect">
+            <a:avLst/>
+          </a:prstGeom>
+          <a:noFill/>
+        </p:spPr>
+        <p:txBody>
+          <a:bodyPr wrap="square" rtlCol="0">
+            <a:spAutoFit/>
+          </a:bodyPr>
+          <a:lstStyle/>
+          <a:p>
+            <a:pPr algn="ctr"/>
+            <a:r>
+              <a:rPr lang="en-US" sz="4000" dirty="0">
+                <a:solidFill>
+                  <a:schemeClr val="accent1">
+                    <a:lumMod val="60000"/>
+                    <a:lumOff val="40000"/>
+                  </a:schemeClr>
+                </a:solidFill>
+              </a:rPr>
+              <a:t>RISC-V Trap Machinery</a:t>
+            </a:r>
+          </a:p>
+        </p:txBody>
+      </p:sp>
+    </p:spTree>
+    <p:extLst>
+      <p:ext uri="{BB962C8B-B14F-4D97-AF65-F5344CB8AC3E}">
+        <p14:creationId xmlns:p14="http://schemas.microsoft.com/office/powerpoint/2010/main" val="1129755728"/>
+      </p:ext>
+    </p:extLst>
+  </p:cSld>
+  <p:clrMapOvr>
+    <a:masterClrMapping/>
+  </p:clrMapOvr>
+</p:sld>
+</file>
+
+<file path=ppt/slides/slide22.xml><?xml version="1.0" encoding="utf-8"?>
 <p:sld xmlns:a="http://schemas.openxmlformats.org/drawingml/2006/main" xmlns:r="http://schemas.openxmlformats.org/officeDocument/2006/relationships" xmlns:p="http://schemas.openxmlformats.org/presentationml/2006/main">
   <p:cSld>
     <p:spTree>
